--- a/doc/small/small_presentation.pptx
+++ b/doc/small/small_presentation.pptx
@@ -23,8 +23,8 @@
     <p:sldId id="271" r:id="rId14"/>
     <p:sldId id="273" r:id="rId15"/>
     <p:sldId id="274" r:id="rId16"/>
-    <p:sldId id="276" r:id="rId17"/>
-    <p:sldId id="275" r:id="rId18"/>
+    <p:sldId id="275" r:id="rId17"/>
+    <p:sldId id="276" r:id="rId18"/>
     <p:sldId id="277" r:id="rId19"/>
     <p:sldId id="278" r:id="rId20"/>
     <p:sldId id="279" r:id="rId21"/>
@@ -339,11 +339,11 @@
           <c:showBubbleSize val="0"/>
         </c:dLbls>
         <c:gapWidth val="150"/>
-        <c:axId val="85247872"/>
-        <c:axId val="104710528"/>
+        <c:axId val="105620992"/>
+        <c:axId val="105631744"/>
       </c:barChart>
       <c:catAx>
-        <c:axId val="85247872"/>
+        <c:axId val="105620992"/>
         <c:scaling>
           <c:orientation val="minMax"/>
         </c:scaling>
@@ -362,7 +362,7 @@
             <a:endParaRPr lang="es-ES"/>
           </a:p>
         </c:txPr>
-        <c:crossAx val="104710528"/>
+        <c:crossAx val="105631744"/>
         <c:crosses val="autoZero"/>
         <c:auto val="1"/>
         <c:lblAlgn val="ctr"/>
@@ -370,7 +370,7 @@
         <c:noMultiLvlLbl val="0"/>
       </c:catAx>
       <c:valAx>
-        <c:axId val="104710528"/>
+        <c:axId val="105631744"/>
         <c:scaling>
           <c:orientation val="minMax"/>
           <c:max val="1"/>
@@ -406,7 +406,7 @@
         <c:majorTickMark val="out"/>
         <c:minorTickMark val="none"/>
         <c:tickLblPos val="nextTo"/>
-        <c:crossAx val="85247872"/>
+        <c:crossAx val="105620992"/>
         <c:crosses val="autoZero"/>
         <c:crossBetween val="between"/>
       </c:valAx>
@@ -2088,11 +2088,11 @@
           <c:showPercent val="0"/>
           <c:showBubbleSize val="0"/>
         </c:dLbls>
-        <c:axId val="130950272"/>
-        <c:axId val="130965504"/>
+        <c:axId val="129784448"/>
+        <c:axId val="129807872"/>
       </c:scatterChart>
       <c:valAx>
-        <c:axId val="130950272"/>
+        <c:axId val="129784448"/>
         <c:scaling>
           <c:orientation val="minMax"/>
         </c:scaling>
@@ -2101,12 +2101,12 @@
         <c:majorTickMark val="out"/>
         <c:minorTickMark val="none"/>
         <c:tickLblPos val="nextTo"/>
-        <c:crossAx val="130965504"/>
+        <c:crossAx val="129807872"/>
         <c:crosses val="autoZero"/>
         <c:crossBetween val="midCat"/>
       </c:valAx>
       <c:valAx>
-        <c:axId val="130965504"/>
+        <c:axId val="129807872"/>
         <c:scaling>
           <c:orientation val="maxMin"/>
           <c:max val="0.1"/>
@@ -2146,7 +2146,7 @@
         <c:majorTickMark val="out"/>
         <c:minorTickMark val="none"/>
         <c:tickLblPos val="nextTo"/>
-        <c:crossAx val="130950272"/>
+        <c:crossAx val="129784448"/>
         <c:crosses val="autoZero"/>
         <c:crossBetween val="midCat"/>
       </c:valAx>
@@ -3818,11 +3818,11 @@
           <c:showPercent val="0"/>
           <c:showBubbleSize val="0"/>
         </c:dLbls>
-        <c:axId val="130984960"/>
-        <c:axId val="131008384"/>
+        <c:axId val="129860352"/>
+        <c:axId val="129863040"/>
       </c:scatterChart>
       <c:valAx>
-        <c:axId val="130984960"/>
+        <c:axId val="129860352"/>
         <c:scaling>
           <c:orientation val="minMax"/>
         </c:scaling>
@@ -3831,12 +3831,12 @@
         <c:majorTickMark val="out"/>
         <c:minorTickMark val="none"/>
         <c:tickLblPos val="nextTo"/>
-        <c:crossAx val="131008384"/>
+        <c:crossAx val="129863040"/>
         <c:crosses val="autoZero"/>
         <c:crossBetween val="midCat"/>
       </c:valAx>
       <c:valAx>
-        <c:axId val="131008384"/>
+        <c:axId val="129863040"/>
         <c:scaling>
           <c:orientation val="maxMin"/>
           <c:max val="0.1"/>
@@ -3876,7 +3876,7 @@
         <c:majorTickMark val="out"/>
         <c:minorTickMark val="none"/>
         <c:tickLblPos val="nextTo"/>
-        <c:crossAx val="130984960"/>
+        <c:crossAx val="129860352"/>
         <c:crosses val="autoZero"/>
         <c:crossBetween val="midCat"/>
       </c:valAx>
@@ -4548,11 +4548,11 @@
           <c:showBubbleSize val="0"/>
         </c:dLbls>
         <c:gapWidth val="150"/>
-        <c:axId val="130873984"/>
-        <c:axId val="131346816"/>
+        <c:axId val="129724800"/>
+        <c:axId val="129726336"/>
       </c:barChart>
       <c:catAx>
-        <c:axId val="130873984"/>
+        <c:axId val="129724800"/>
         <c:scaling>
           <c:orientation val="minMax"/>
         </c:scaling>
@@ -4561,7 +4561,7 @@
         <c:majorTickMark val="out"/>
         <c:minorTickMark val="none"/>
         <c:tickLblPos val="nextTo"/>
-        <c:crossAx val="131346816"/>
+        <c:crossAx val="129726336"/>
         <c:crosses val="autoZero"/>
         <c:auto val="1"/>
         <c:lblAlgn val="ctr"/>
@@ -4569,7 +4569,7 @@
         <c:noMultiLvlLbl val="0"/>
       </c:catAx>
       <c:valAx>
-        <c:axId val="131346816"/>
+        <c:axId val="129726336"/>
         <c:scaling>
           <c:orientation val="minMax"/>
           <c:max val="1"/>
@@ -4581,7 +4581,7 @@
         <c:majorTickMark val="out"/>
         <c:minorTickMark val="none"/>
         <c:tickLblPos val="nextTo"/>
-        <c:crossAx val="130873984"/>
+        <c:crossAx val="129724800"/>
         <c:crosses val="autoZero"/>
         <c:crossBetween val="between"/>
       </c:valAx>
@@ -4637,21 +4637,11 @@
             </c:strRef>
           </c:tx>
           <c:invertIfNegative val="0"/>
-          <c:dLbls>
-            <c:dLblPos val="outEnd"/>
-            <c:showLegendKey val="0"/>
-            <c:showVal val="1"/>
-            <c:showCatName val="0"/>
-            <c:showSerName val="0"/>
-            <c:showPercent val="0"/>
-            <c:showBubbleSize val="0"/>
-            <c:showLeaderLines val="0"/>
-          </c:dLbls>
           <c:cat>
             <c:strRef>
-              <c:f>'classification (10nt)'!$B$2:$G$2</c:f>
+              <c:f>'classification (10nt)'!$B$2:$H$2</c:f>
               <c:strCache>
-                <c:ptCount val="6"/>
+                <c:ptCount val="7"/>
                 <c:pt idx="0">
                   <c:v>ncRNA</c:v>
                 </c:pt>
@@ -4669,33 +4659,39 @@
                 </c:pt>
                 <c:pt idx="5">
                   <c:v>intergenic</c:v>
+                </c:pt>
+                <c:pt idx="6">
+                  <c:v>naEST</c:v>
                 </c:pt>
               </c:strCache>
             </c:strRef>
           </c:cat>
           <c:val>
             <c:numRef>
-              <c:f>'classification (10nt)'!$B$9:$G$9</c:f>
+              <c:f>'classification (10nt)'!$B$9:$H$9</c:f>
               <c:numCache>
                 <c:formatCode>0.0%</c:formatCode>
-                <c:ptCount val="6"/>
+                <c:ptCount val="7"/>
                 <c:pt idx="0">
                   <c:v>4.2497875106244686E-3</c:v>
                 </c:pt>
                 <c:pt idx="1">
-                  <c:v>3.6082678624689453E-2</c:v>
+                  <c:v>3.185013163134947E-2</c:v>
                 </c:pt>
                 <c:pt idx="2">
-                  <c:v>0.13180892679503955</c:v>
+                  <c:v>0.13545788227829988</c:v>
                 </c:pt>
                 <c:pt idx="3">
-                  <c:v>0.1034491378879332</c:v>
+                  <c:v>0.10452494616648478</c:v>
                 </c:pt>
                 <c:pt idx="4">
-                  <c:v>1.6516415558532418E-3</c:v>
+                  <c:v>1.1223576752196873E-3</c:v>
                 </c:pt>
                 <c:pt idx="5">
                   <c:v>8.0901127357425225E-3</c:v>
+                </c:pt>
+                <c:pt idx="6">
+                  <c:v>4.7688132834737572E-2</c:v>
                 </c:pt>
               </c:numCache>
             </c:numRef>
@@ -4716,21 +4712,11 @@
             </c:strRef>
           </c:tx>
           <c:invertIfNegative val="0"/>
-          <c:dLbls>
-            <c:dLblPos val="outEnd"/>
-            <c:showLegendKey val="0"/>
-            <c:showVal val="1"/>
-            <c:showCatName val="0"/>
-            <c:showSerName val="0"/>
-            <c:showPercent val="0"/>
-            <c:showBubbleSize val="0"/>
-            <c:showLeaderLines val="0"/>
-          </c:dLbls>
           <c:cat>
             <c:strRef>
-              <c:f>'classification (10nt)'!$B$2:$G$2</c:f>
+              <c:f>'classification (10nt)'!$B$2:$H$2</c:f>
               <c:strCache>
-                <c:ptCount val="6"/>
+                <c:ptCount val="7"/>
                 <c:pt idx="0">
                   <c:v>ncRNA</c:v>
                 </c:pt>
@@ -4748,33 +4734,39 @@
                 </c:pt>
                 <c:pt idx="5">
                   <c:v>intergenic</c:v>
+                </c:pt>
+                <c:pt idx="6">
+                  <c:v>naEST</c:v>
                 </c:pt>
               </c:strCache>
             </c:strRef>
           </c:cat>
           <c:val>
             <c:numRef>
-              <c:f>'classification (10nt)'!$B$10:$G$10</c:f>
+              <c:f>'classification (10nt)'!$B$10:$H$10</c:f>
               <c:numCache>
                 <c:formatCode>0.0%</c:formatCode>
-                <c:ptCount val="6"/>
+                <c:ptCount val="7"/>
                 <c:pt idx="0">
                   <c:v>7.2813369208210004E-3</c:v>
                 </c:pt>
                 <c:pt idx="1">
-                  <c:v>3.8736114134845442E-2</c:v>
+                  <c:v>3.5237261122679782E-2</c:v>
                 </c:pt>
                 <c:pt idx="2">
-                  <c:v>0.11717279824592017</c:v>
+                  <c:v>0.11995758831750927</c:v>
                 </c:pt>
                 <c:pt idx="3">
-                  <c:v>0.1762976528989349</c:v>
+                  <c:v>0.17955497647580856</c:v>
                 </c:pt>
                 <c:pt idx="4">
-                  <c:v>4.8970646972046296E-3</c:v>
+                  <c:v>2.3166882990621898E-3</c:v>
                 </c:pt>
                 <c:pt idx="5">
-                  <c:v>1.1911943685971848E-2</c:v>
+                  <c:v>1.1911389719377143E-2</c:v>
+                </c:pt>
+                <c:pt idx="6">
+                  <c:v>4.2072654934762123E-2</c:v>
                 </c:pt>
               </c:numCache>
             </c:numRef>
@@ -4795,21 +4787,11 @@
             </c:strRef>
           </c:tx>
           <c:invertIfNegative val="0"/>
-          <c:dLbls>
-            <c:dLblPos val="outEnd"/>
-            <c:showLegendKey val="0"/>
-            <c:showVal val="1"/>
-            <c:showCatName val="0"/>
-            <c:showSerName val="0"/>
-            <c:showPercent val="0"/>
-            <c:showBubbleSize val="0"/>
-            <c:showLeaderLines val="0"/>
-          </c:dLbls>
           <c:cat>
             <c:strRef>
-              <c:f>'classification (10nt)'!$B$2:$G$2</c:f>
+              <c:f>'classification (10nt)'!$B$2:$H$2</c:f>
               <c:strCache>
-                <c:ptCount val="6"/>
+                <c:ptCount val="7"/>
                 <c:pt idx="0">
                   <c:v>ncRNA</c:v>
                 </c:pt>
@@ -4827,33 +4809,39 @@
                 </c:pt>
                 <c:pt idx="5">
                   <c:v>intergenic</c:v>
+                </c:pt>
+                <c:pt idx="6">
+                  <c:v>naEST</c:v>
                 </c:pt>
               </c:strCache>
             </c:strRef>
           </c:cat>
           <c:val>
             <c:numRef>
-              <c:f>'classification (10nt)'!$B$11:$G$11</c:f>
+              <c:f>'classification (10nt)'!$B$11:$H$11</c:f>
               <c:numCache>
                 <c:formatCode>0.0%</c:formatCode>
-                <c:ptCount val="6"/>
+                <c:ptCount val="7"/>
                 <c:pt idx="0">
                   <c:v>7.0540540171742574E-3</c:v>
                 </c:pt>
                 <c:pt idx="1">
-                  <c:v>3.732460383630283E-2</c:v>
+                  <c:v>3.3514091051128417E-2</c:v>
                 </c:pt>
                 <c:pt idx="2">
-                  <c:v>0.1284501003628345</c:v>
+                  <c:v>0.13167999607008887</c:v>
                 </c:pt>
                 <c:pt idx="3">
-                  <c:v>0.1592596484094094</c:v>
+                  <c:v>0.16203855952382576</c:v>
                 </c:pt>
                 <c:pt idx="4">
-                  <c:v>3.9906337118147048E-3</c:v>
+                  <c:v>1.7630017971156089E-3</c:v>
                 </c:pt>
                 <c:pt idx="5">
-                  <c:v>1.00055810196209E-2</c:v>
+                  <c:v>1.0002851914671805E-2</c:v>
+                </c:pt>
+                <c:pt idx="6">
+                  <c:v>4.6094582590220798E-2</c:v>
                 </c:pt>
               </c:numCache>
             </c:numRef>
@@ -4868,11 +4856,11 @@
           <c:showBubbleSize val="0"/>
         </c:dLbls>
         <c:gapWidth val="150"/>
-        <c:axId val="131382656"/>
-        <c:axId val="131388544"/>
+        <c:axId val="130233472"/>
+        <c:axId val="130235008"/>
       </c:barChart>
       <c:catAx>
-        <c:axId val="131382656"/>
+        <c:axId val="130233472"/>
         <c:scaling>
           <c:orientation val="minMax"/>
         </c:scaling>
@@ -4881,7 +4869,7 @@
         <c:majorTickMark val="out"/>
         <c:minorTickMark val="none"/>
         <c:tickLblPos val="nextTo"/>
-        <c:crossAx val="131388544"/>
+        <c:crossAx val="130235008"/>
         <c:crosses val="autoZero"/>
         <c:auto val="1"/>
         <c:lblAlgn val="ctr"/>
@@ -4889,10 +4877,10 @@
         <c:noMultiLvlLbl val="0"/>
       </c:catAx>
       <c:valAx>
-        <c:axId val="131388544"/>
+        <c:axId val="130235008"/>
         <c:scaling>
           <c:orientation val="minMax"/>
-          <c:max val="0.2"/>
+          <c:max val="0.35000000000000003"/>
         </c:scaling>
         <c:delete val="0"/>
         <c:axPos val="l"/>
@@ -4901,7 +4889,7 @@
         <c:majorTickMark val="out"/>
         <c:minorTickMark val="none"/>
         <c:tickLblPos val="nextTo"/>
-        <c:crossAx val="131382656"/>
+        <c:crossAx val="130233472"/>
         <c:crosses val="autoZero"/>
         <c:crossBetween val="between"/>
       </c:valAx>
@@ -4947,11 +4935,11 @@
           <c:order val="0"/>
           <c:tx>
             <c:strRef>
-              <c:f>'classification (10nt)'!$A$21</c:f>
+              <c:f>'classification (10nt)'!$B$2</c:f>
               <c:strCache>
                 <c:ptCount val="1"/>
                 <c:pt idx="0">
-                  <c:v>WT_1</c:v>
+                  <c:v>ncRNA</c:v>
                 </c:pt>
               </c:strCache>
             </c:strRef>
@@ -4959,53 +4947,71 @@
           <c:invertIfNegative val="0"/>
           <c:cat>
             <c:strRef>
-              <c:f>'classification (10nt)'!$B$14:$G$14</c:f>
+              <c:f>'classification (10nt)'!$A$3:$A$11</c:f>
               <c:strCache>
-                <c:ptCount val="6"/>
-                <c:pt idx="0">
-                  <c:v>ncRNA</c:v>
+                <c:ptCount val="9"/>
+                <c:pt idx="0">
+                  <c:v>exp5_1</c:v>
                 </c:pt>
                 <c:pt idx="1">
-                  <c:v>rRNA</c:v>
+                  <c:v>exp5_2</c:v>
                 </c:pt>
                 <c:pt idx="2">
-                  <c:v>transposable</c:v>
+                  <c:v>exp5_3</c:v>
                 </c:pt>
                 <c:pt idx="3">
-                  <c:v>cDNA</c:v>
+                  <c:v>rbp35_1</c:v>
                 </c:pt>
                 <c:pt idx="4">
-                  <c:v>introns</c:v>
+                  <c:v>rbp35_2</c:v>
                 </c:pt>
                 <c:pt idx="5">
-                  <c:v>intergenic</c:v>
+                  <c:v>rbp35_3</c:v>
+                </c:pt>
+                <c:pt idx="6">
+                  <c:v>WT_1</c:v>
+                </c:pt>
+                <c:pt idx="7">
+                  <c:v>WT_2</c:v>
+                </c:pt>
+                <c:pt idx="8">
+                  <c:v>WT_3</c:v>
                 </c:pt>
               </c:strCache>
             </c:strRef>
           </c:cat>
           <c:val>
             <c:numRef>
-              <c:f>'classification (10nt)'!$B$21:$G$21</c:f>
+              <c:f>'classification (10nt)'!$B$3:$B$11</c:f>
               <c:numCache>
-                <c:formatCode>0.00%</c:formatCode>
-                <c:ptCount val="6"/>
-                <c:pt idx="0">
-                  <c:v>1.9983855670117762E-3</c:v>
+                <c:formatCode>0.0%</c:formatCode>
+                <c:ptCount val="9"/>
+                <c:pt idx="0">
+                  <c:v>4.9409528583458607E-3</c:v>
                 </c:pt>
                 <c:pt idx="1">
-                  <c:v>3.1142049468958988E-2</c:v>
+                  <c:v>4.0451883893695972E-3</c:v>
                 </c:pt>
                 <c:pt idx="2">
-                  <c:v>0.18938094072561967</c:v>
+                  <c:v>3.9524087181796036E-3</c:v>
                 </c:pt>
                 <c:pt idx="3">
-                  <c:v>5.3177120873287999E-2</c:v>
+                  <c:v>7.6323886288784887E-3</c:v>
                 </c:pt>
                 <c:pt idx="4">
-                  <c:v>5.4822415928882414E-4</c:v>
+                  <c:v>7.5430467163788489E-3</c:v>
                 </c:pt>
                 <c:pt idx="5">
-                  <c:v>3.1763915679495561E-3</c:v>
+                  <c:v>9.3743643292062764E-3</c:v>
+                </c:pt>
+                <c:pt idx="6">
+                  <c:v>4.2497875106244686E-3</c:v>
+                </c:pt>
+                <c:pt idx="7">
+                  <c:v>7.2813369208210004E-3</c:v>
+                </c:pt>
+                <c:pt idx="8">
+                  <c:v>7.0540540171742574E-3</c:v>
                 </c:pt>
               </c:numCache>
             </c:numRef>
@@ -5016,11 +5022,11 @@
           <c:order val="1"/>
           <c:tx>
             <c:strRef>
-              <c:f>'classification (10nt)'!$A$22</c:f>
+              <c:f>'classification (10nt)'!$C$2</c:f>
               <c:strCache>
                 <c:ptCount val="1"/>
                 <c:pt idx="0">
-                  <c:v>WT_2</c:v>
+                  <c:v>rRNA</c:v>
                 </c:pt>
               </c:strCache>
             </c:strRef>
@@ -5028,53 +5034,71 @@
           <c:invertIfNegative val="0"/>
           <c:cat>
             <c:strRef>
-              <c:f>'classification (10nt)'!$B$14:$G$14</c:f>
+              <c:f>'classification (10nt)'!$A$3:$A$11</c:f>
               <c:strCache>
-                <c:ptCount val="6"/>
-                <c:pt idx="0">
-                  <c:v>ncRNA</c:v>
+                <c:ptCount val="9"/>
+                <c:pt idx="0">
+                  <c:v>exp5_1</c:v>
                 </c:pt>
                 <c:pt idx="1">
-                  <c:v>rRNA</c:v>
+                  <c:v>exp5_2</c:v>
                 </c:pt>
                 <c:pt idx="2">
-                  <c:v>transposable</c:v>
+                  <c:v>exp5_3</c:v>
                 </c:pt>
                 <c:pt idx="3">
-                  <c:v>cDNA</c:v>
+                  <c:v>rbp35_1</c:v>
                 </c:pt>
                 <c:pt idx="4">
-                  <c:v>introns</c:v>
+                  <c:v>rbp35_2</c:v>
                 </c:pt>
                 <c:pt idx="5">
-                  <c:v>intergenic</c:v>
+                  <c:v>rbp35_3</c:v>
+                </c:pt>
+                <c:pt idx="6">
+                  <c:v>WT_1</c:v>
+                </c:pt>
+                <c:pt idx="7">
+                  <c:v>WT_2</c:v>
+                </c:pt>
+                <c:pt idx="8">
+                  <c:v>WT_3</c:v>
                 </c:pt>
               </c:strCache>
             </c:strRef>
           </c:cat>
           <c:val>
             <c:numRef>
-              <c:f>'classification (10nt)'!$B$22:$G$22</c:f>
+              <c:f>'classification (10nt)'!$C$3:$C$11</c:f>
               <c:numCache>
-                <c:formatCode>0.00%</c:formatCode>
-                <c:ptCount val="6"/>
-                <c:pt idx="0">
-                  <c:v>8.0368941687093999E-3</c:v>
+                <c:formatCode>0.0%</c:formatCode>
+                <c:ptCount val="9"/>
+                <c:pt idx="0">
+                  <c:v>3.2259307135344466E-2</c:v>
                 </c:pt>
                 <c:pt idx="1">
-                  <c:v>6.9698514539564604E-2</c:v>
+                  <c:v>2.1327022849158838E-2</c:v>
                 </c:pt>
                 <c:pt idx="2">
-                  <c:v>0.21026078905636217</c:v>
+                  <c:v>2.5440079121982182E-2</c:v>
                 </c:pt>
                 <c:pt idx="3">
-                  <c:v>0.12332039384390886</c:v>
+                  <c:v>4.4198517940717628E-2</c:v>
                 </c:pt>
                 <c:pt idx="4">
-                  <c:v>2.1022815140656578E-3</c:v>
+                  <c:v>3.327036016026113E-2</c:v>
                 </c:pt>
                 <c:pt idx="5">
-                  <c:v>4.2088333748336471E-3</c:v>
+                  <c:v>2.8237344218277484E-2</c:v>
+                </c:pt>
+                <c:pt idx="6">
+                  <c:v>3.185013163134947E-2</c:v>
+                </c:pt>
+                <c:pt idx="7">
+                  <c:v>3.5237261122679782E-2</c:v>
+                </c:pt>
+                <c:pt idx="8">
+                  <c:v>3.3514091051128417E-2</c:v>
                 </c:pt>
               </c:numCache>
             </c:numRef>
@@ -5085,11 +5109,11 @@
           <c:order val="2"/>
           <c:tx>
             <c:strRef>
-              <c:f>'classification (10nt)'!$A$23</c:f>
+              <c:f>'classification (10nt)'!$D$2</c:f>
               <c:strCache>
                 <c:ptCount val="1"/>
                 <c:pt idx="0">
-                  <c:v>WT_3</c:v>
+                  <c:v>transposable</c:v>
                 </c:pt>
               </c:strCache>
             </c:strRef>
@@ -5097,53 +5121,419 @@
           <c:invertIfNegative val="0"/>
           <c:cat>
             <c:strRef>
-              <c:f>'classification (10nt)'!$B$14:$G$14</c:f>
+              <c:f>'classification (10nt)'!$A$3:$A$11</c:f>
               <c:strCache>
-                <c:ptCount val="6"/>
-                <c:pt idx="0">
-                  <c:v>ncRNA</c:v>
+                <c:ptCount val="9"/>
+                <c:pt idx="0">
+                  <c:v>exp5_1</c:v>
                 </c:pt>
                 <c:pt idx="1">
-                  <c:v>rRNA</c:v>
+                  <c:v>exp5_2</c:v>
                 </c:pt>
                 <c:pt idx="2">
-                  <c:v>transposable</c:v>
+                  <c:v>exp5_3</c:v>
                 </c:pt>
                 <c:pt idx="3">
-                  <c:v>cDNA</c:v>
+                  <c:v>rbp35_1</c:v>
                 </c:pt>
                 <c:pt idx="4">
-                  <c:v>introns</c:v>
+                  <c:v>rbp35_2</c:v>
                 </c:pt>
                 <c:pt idx="5">
-                  <c:v>intergenic</c:v>
+                  <c:v>rbp35_3</c:v>
+                </c:pt>
+                <c:pt idx="6">
+                  <c:v>WT_1</c:v>
+                </c:pt>
+                <c:pt idx="7">
+                  <c:v>WT_2</c:v>
+                </c:pt>
+                <c:pt idx="8">
+                  <c:v>WT_3</c:v>
                 </c:pt>
               </c:strCache>
             </c:strRef>
           </c:cat>
           <c:val>
             <c:numRef>
-              <c:f>'classification (10nt)'!$B$23:$G$23</c:f>
+              <c:f>'classification (10nt)'!$D$3:$D$11</c:f>
               <c:numCache>
-                <c:formatCode>0.00%</c:formatCode>
-                <c:ptCount val="6"/>
-                <c:pt idx="0">
-                  <c:v>4.6862436298769896E-3</c:v>
+                <c:formatCode>0.0%</c:formatCode>
+                <c:ptCount val="9"/>
+                <c:pt idx="0">
+                  <c:v>0.11507256369284662</c:v>
                 </c:pt>
                 <c:pt idx="1">
-                  <c:v>4.7666822735486565E-2</c:v>
+                  <c:v>9.5613742422101161E-2</c:v>
                 </c:pt>
                 <c:pt idx="2">
-                  <c:v>0.21055538572860277</c:v>
+                  <c:v>0.12553824352151868</c:v>
                 </c:pt>
                 <c:pt idx="3">
-                  <c:v>9.3353325620180089E-2</c:v>
+                  <c:v>0.13549575316345988</c:v>
                 </c:pt>
                 <c:pt idx="4">
-                  <c:v>1.8607530771998931E-3</c:v>
+                  <c:v>0.10386148140065969</c:v>
                 </c:pt>
                 <c:pt idx="5">
-                  <c:v>4.4037719641067509E-3</c:v>
+                  <c:v>9.3280196905385068E-2</c:v>
+                </c:pt>
+                <c:pt idx="6">
+                  <c:v>0.13545788227829988</c:v>
+                </c:pt>
+                <c:pt idx="7">
+                  <c:v>0.11995758831750927</c:v>
+                </c:pt>
+                <c:pt idx="8">
+                  <c:v>0.13167999607008887</c:v>
+                </c:pt>
+              </c:numCache>
+            </c:numRef>
+          </c:val>
+        </c:ser>
+        <c:ser>
+          <c:idx val="3"/>
+          <c:order val="3"/>
+          <c:tx>
+            <c:strRef>
+              <c:f>'classification (10nt)'!$E$2</c:f>
+              <c:strCache>
+                <c:ptCount val="1"/>
+                <c:pt idx="0">
+                  <c:v>cDNA</c:v>
+                </c:pt>
+              </c:strCache>
+            </c:strRef>
+          </c:tx>
+          <c:invertIfNegative val="0"/>
+          <c:cat>
+            <c:strRef>
+              <c:f>'classification (10nt)'!$A$3:$A$11</c:f>
+              <c:strCache>
+                <c:ptCount val="9"/>
+                <c:pt idx="0">
+                  <c:v>exp5_1</c:v>
+                </c:pt>
+                <c:pt idx="1">
+                  <c:v>exp5_2</c:v>
+                </c:pt>
+                <c:pt idx="2">
+                  <c:v>exp5_3</c:v>
+                </c:pt>
+                <c:pt idx="3">
+                  <c:v>rbp35_1</c:v>
+                </c:pt>
+                <c:pt idx="4">
+                  <c:v>rbp35_2</c:v>
+                </c:pt>
+                <c:pt idx="5">
+                  <c:v>rbp35_3</c:v>
+                </c:pt>
+                <c:pt idx="6">
+                  <c:v>WT_1</c:v>
+                </c:pt>
+                <c:pt idx="7">
+                  <c:v>WT_2</c:v>
+                </c:pt>
+                <c:pt idx="8">
+                  <c:v>WT_3</c:v>
+                </c:pt>
+              </c:strCache>
+            </c:strRef>
+          </c:cat>
+          <c:val>
+            <c:numRef>
+              <c:f>'classification (10nt)'!$E$3:$E$11</c:f>
+              <c:numCache>
+                <c:formatCode>0.0%</c:formatCode>
+                <c:ptCount val="9"/>
+                <c:pt idx="0">
+                  <c:v>0.14562669840683162</c:v>
+                </c:pt>
+                <c:pt idx="1">
+                  <c:v>0.13430309555619338</c:v>
+                </c:pt>
+                <c:pt idx="2">
+                  <c:v>0.13158753238318066</c:v>
+                </c:pt>
+                <c:pt idx="3">
+                  <c:v>0.18241679667186689</c:v>
+                </c:pt>
+                <c:pt idx="4">
+                  <c:v>0.23624477438385608</c:v>
+                </c:pt>
+                <c:pt idx="5">
+                  <c:v>0.33185202261970953</c:v>
+                </c:pt>
+                <c:pt idx="6">
+                  <c:v>0.10452494616648478</c:v>
+                </c:pt>
+                <c:pt idx="7">
+                  <c:v>0.17955497647580856</c:v>
+                </c:pt>
+                <c:pt idx="8">
+                  <c:v>0.16203855952382576</c:v>
+                </c:pt>
+              </c:numCache>
+            </c:numRef>
+          </c:val>
+        </c:ser>
+        <c:ser>
+          <c:idx val="4"/>
+          <c:order val="4"/>
+          <c:tx>
+            <c:strRef>
+              <c:f>'classification (10nt)'!$F$2</c:f>
+              <c:strCache>
+                <c:ptCount val="1"/>
+                <c:pt idx="0">
+                  <c:v>introns</c:v>
+                </c:pt>
+              </c:strCache>
+            </c:strRef>
+          </c:tx>
+          <c:invertIfNegative val="0"/>
+          <c:cat>
+            <c:strRef>
+              <c:f>'classification (10nt)'!$A$3:$A$11</c:f>
+              <c:strCache>
+                <c:ptCount val="9"/>
+                <c:pt idx="0">
+                  <c:v>exp5_1</c:v>
+                </c:pt>
+                <c:pt idx="1">
+                  <c:v>exp5_2</c:v>
+                </c:pt>
+                <c:pt idx="2">
+                  <c:v>exp5_3</c:v>
+                </c:pt>
+                <c:pt idx="3">
+                  <c:v>rbp35_1</c:v>
+                </c:pt>
+                <c:pt idx="4">
+                  <c:v>rbp35_2</c:v>
+                </c:pt>
+                <c:pt idx="5">
+                  <c:v>rbp35_3</c:v>
+                </c:pt>
+                <c:pt idx="6">
+                  <c:v>WT_1</c:v>
+                </c:pt>
+                <c:pt idx="7">
+                  <c:v>WT_2</c:v>
+                </c:pt>
+                <c:pt idx="8">
+                  <c:v>WT_3</c:v>
+                </c:pt>
+              </c:strCache>
+            </c:strRef>
+          </c:cat>
+          <c:val>
+            <c:numRef>
+              <c:f>'classification (10nt)'!$F$3:$F$11</c:f>
+              <c:numCache>
+                <c:formatCode>0.0%</c:formatCode>
+                <c:ptCount val="9"/>
+                <c:pt idx="0">
+                  <c:v>1.9548287781613102E-3</c:v>
+                </c:pt>
+                <c:pt idx="1">
+                  <c:v>1.3931969736483622E-3</c:v>
+                </c:pt>
+                <c:pt idx="2">
+                  <c:v>1.2635898647102674E-3</c:v>
+                </c:pt>
+                <c:pt idx="3">
+                  <c:v>2.9792858381001907E-3</c:v>
+                </c:pt>
+                <c:pt idx="4">
+                  <c:v>5.2212288772183358E-3</c:v>
+                </c:pt>
+                <c:pt idx="5">
+                  <c:v>6.7591299277199928E-3</c:v>
+                </c:pt>
+                <c:pt idx="6">
+                  <c:v>1.1223576752196873E-3</c:v>
+                </c:pt>
+                <c:pt idx="7">
+                  <c:v>2.3166882990621898E-3</c:v>
+                </c:pt>
+                <c:pt idx="8">
+                  <c:v>1.7630017971156089E-3</c:v>
+                </c:pt>
+              </c:numCache>
+            </c:numRef>
+          </c:val>
+        </c:ser>
+        <c:ser>
+          <c:idx val="5"/>
+          <c:order val="5"/>
+          <c:tx>
+            <c:strRef>
+              <c:f>'classification (10nt)'!$G$2</c:f>
+              <c:strCache>
+                <c:ptCount val="1"/>
+                <c:pt idx="0">
+                  <c:v>intergenic</c:v>
+                </c:pt>
+              </c:strCache>
+            </c:strRef>
+          </c:tx>
+          <c:invertIfNegative val="0"/>
+          <c:cat>
+            <c:strRef>
+              <c:f>'classification (10nt)'!$A$3:$A$11</c:f>
+              <c:strCache>
+                <c:ptCount val="9"/>
+                <c:pt idx="0">
+                  <c:v>exp5_1</c:v>
+                </c:pt>
+                <c:pt idx="1">
+                  <c:v>exp5_2</c:v>
+                </c:pt>
+                <c:pt idx="2">
+                  <c:v>exp5_3</c:v>
+                </c:pt>
+                <c:pt idx="3">
+                  <c:v>rbp35_1</c:v>
+                </c:pt>
+                <c:pt idx="4">
+                  <c:v>rbp35_2</c:v>
+                </c:pt>
+                <c:pt idx="5">
+                  <c:v>rbp35_3</c:v>
+                </c:pt>
+                <c:pt idx="6">
+                  <c:v>WT_1</c:v>
+                </c:pt>
+                <c:pt idx="7">
+                  <c:v>WT_2</c:v>
+                </c:pt>
+                <c:pt idx="8">
+                  <c:v>WT_3</c:v>
+                </c:pt>
+              </c:strCache>
+            </c:strRef>
+          </c:cat>
+          <c:val>
+            <c:numRef>
+              <c:f>'classification (10nt)'!$G$3:$G$11</c:f>
+              <c:numCache>
+                <c:formatCode>0.0%</c:formatCode>
+                <c:ptCount val="9"/>
+                <c:pt idx="0">
+                  <c:v>1.1546118892013386E-2</c:v>
+                </c:pt>
+                <c:pt idx="1">
+                  <c:v>8.4141812518302786E-3</c:v>
+                </c:pt>
+                <c:pt idx="2">
+                  <c:v>8.4960180681541396E-3</c:v>
+                </c:pt>
+                <c:pt idx="3">
+                  <c:v>1.468300398682614E-2</c:v>
+                </c:pt>
+                <c:pt idx="4">
+                  <c:v>2.5401129702100775E-2</c:v>
+                </c:pt>
+                <c:pt idx="5">
+                  <c:v>3.2124259231635047E-2</c:v>
+                </c:pt>
+                <c:pt idx="6">
+                  <c:v>8.0901127357425225E-3</c:v>
+                </c:pt>
+                <c:pt idx="7">
+                  <c:v>1.1911389719377143E-2</c:v>
+                </c:pt>
+                <c:pt idx="8">
+                  <c:v>1.0002851914671805E-2</c:v>
+                </c:pt>
+              </c:numCache>
+            </c:numRef>
+          </c:val>
+        </c:ser>
+        <c:ser>
+          <c:idx val="6"/>
+          <c:order val="6"/>
+          <c:tx>
+            <c:strRef>
+              <c:f>'classification (10nt)'!$H$2</c:f>
+              <c:strCache>
+                <c:ptCount val="1"/>
+                <c:pt idx="0">
+                  <c:v>naEST</c:v>
+                </c:pt>
+              </c:strCache>
+            </c:strRef>
+          </c:tx>
+          <c:invertIfNegative val="0"/>
+          <c:cat>
+            <c:strRef>
+              <c:f>'classification (10nt)'!$A$3:$A$11</c:f>
+              <c:strCache>
+                <c:ptCount val="9"/>
+                <c:pt idx="0">
+                  <c:v>exp5_1</c:v>
+                </c:pt>
+                <c:pt idx="1">
+                  <c:v>exp5_2</c:v>
+                </c:pt>
+                <c:pt idx="2">
+                  <c:v>exp5_3</c:v>
+                </c:pt>
+                <c:pt idx="3">
+                  <c:v>rbp35_1</c:v>
+                </c:pt>
+                <c:pt idx="4">
+                  <c:v>rbp35_2</c:v>
+                </c:pt>
+                <c:pt idx="5">
+                  <c:v>rbp35_3</c:v>
+                </c:pt>
+                <c:pt idx="6">
+                  <c:v>WT_1</c:v>
+                </c:pt>
+                <c:pt idx="7">
+                  <c:v>WT_2</c:v>
+                </c:pt>
+                <c:pt idx="8">
+                  <c:v>WT_3</c:v>
+                </c:pt>
+              </c:strCache>
+            </c:strRef>
+          </c:cat>
+          <c:val>
+            <c:numRef>
+              <c:f>'classification (10nt)'!$H$3:$H$11</c:f>
+              <c:numCache>
+                <c:formatCode>0.0%</c:formatCode>
+                <c:ptCount val="9"/>
+                <c:pt idx="0">
+                  <c:v>1.5166623675711996E-2</c:v>
+                </c:pt>
+                <c:pt idx="1">
+                  <c:v>3.1367875391005738E-2</c:v>
+                </c:pt>
+                <c:pt idx="2">
+                  <c:v>4.034113974034409E-2</c:v>
+                </c:pt>
+                <c:pt idx="3">
+                  <c:v>2.7521017507366963E-2</c:v>
+                </c:pt>
+                <c:pt idx="4">
+                  <c:v>2.4938368440368654E-2</c:v>
+                </c:pt>
+                <c:pt idx="5">
+                  <c:v>2.1833511886196283E-2</c:v>
+                </c:pt>
+                <c:pt idx="6">
+                  <c:v>4.7688132834737572E-2</c:v>
+                </c:pt>
+                <c:pt idx="7">
+                  <c:v>4.2072654934762123E-2</c:v>
+                </c:pt>
+                <c:pt idx="8">
+                  <c:v>4.6094582590220798E-2</c:v>
                 </c:pt>
               </c:numCache>
             </c:numRef>
@@ -5158,11 +5548,11 @@
           <c:showBubbleSize val="0"/>
         </c:dLbls>
         <c:gapWidth val="150"/>
-        <c:axId val="131165184"/>
-        <c:axId val="131166976"/>
+        <c:axId val="140943360"/>
+        <c:axId val="141003392"/>
       </c:barChart>
       <c:catAx>
-        <c:axId val="131165184"/>
+        <c:axId val="140943360"/>
         <c:scaling>
           <c:orientation val="minMax"/>
         </c:scaling>
@@ -5171,7 +5561,7 @@
         <c:majorTickMark val="out"/>
         <c:minorTickMark val="none"/>
         <c:tickLblPos val="nextTo"/>
-        <c:crossAx val="131166976"/>
+        <c:crossAx val="141003392"/>
         <c:crosses val="autoZero"/>
         <c:auto val="1"/>
         <c:lblAlgn val="ctr"/>
@@ -5179,10 +5569,10 @@
         <c:noMultiLvlLbl val="0"/>
       </c:catAx>
       <c:valAx>
-        <c:axId val="131166976"/>
+        <c:axId val="141003392"/>
         <c:scaling>
           <c:orientation val="minMax"/>
-          <c:max val="0.25"/>
+          <c:max val="0.35000000000000003"/>
         </c:scaling>
         <c:delete val="0"/>
         <c:axPos val="l"/>
@@ -5191,7 +5581,7 @@
         <c:majorTickMark val="out"/>
         <c:minorTickMark val="none"/>
         <c:tickLblPos val="nextTo"/>
-        <c:crossAx val="131165184"/>
+        <c:crossAx val="140943360"/>
         <c:crosses val="autoZero"/>
         <c:crossBetween val="between"/>
       </c:valAx>
@@ -5249,9 +5639,9 @@
           <c:invertIfNegative val="0"/>
           <c:cat>
             <c:strRef>
-              <c:f>'classification (10nt)'!$B$2:$G$2</c:f>
+              <c:f>'classification (10nt)'!$B$2:$H$2</c:f>
               <c:strCache>
-                <c:ptCount val="6"/>
+                <c:ptCount val="7"/>
                 <c:pt idx="0">
                   <c:v>ncRNA</c:v>
                 </c:pt>
@@ -5269,33 +5659,39 @@
                 </c:pt>
                 <c:pt idx="5">
                   <c:v>intergenic</c:v>
+                </c:pt>
+                <c:pt idx="6">
+                  <c:v>naEST</c:v>
                 </c:pt>
               </c:strCache>
             </c:strRef>
           </c:cat>
           <c:val>
             <c:numRef>
-              <c:f>'classification (10nt)'!$B$9:$G$9</c:f>
+              <c:f>'classification (10nt)'!$B$9:$H$9</c:f>
               <c:numCache>
                 <c:formatCode>0.0%</c:formatCode>
-                <c:ptCount val="6"/>
+                <c:ptCount val="7"/>
                 <c:pt idx="0">
                   <c:v>4.2497875106244686E-3</c:v>
                 </c:pt>
                 <c:pt idx="1">
-                  <c:v>3.6082678624689453E-2</c:v>
+                  <c:v>3.185013163134947E-2</c:v>
                 </c:pt>
                 <c:pt idx="2">
-                  <c:v>0.13180892679503955</c:v>
+                  <c:v>0.13545788227829988</c:v>
                 </c:pt>
                 <c:pt idx="3">
-                  <c:v>0.1034491378879332</c:v>
+                  <c:v>0.10452494616648478</c:v>
                 </c:pt>
                 <c:pt idx="4">
-                  <c:v>1.6516415558532418E-3</c:v>
+                  <c:v>1.1223576752196873E-3</c:v>
                 </c:pt>
                 <c:pt idx="5">
                   <c:v>8.0901127357425225E-3</c:v>
+                </c:pt>
+                <c:pt idx="6">
+                  <c:v>4.7688132834737572E-2</c:v>
                 </c:pt>
               </c:numCache>
             </c:numRef>
@@ -5318,9 +5714,9 @@
           <c:invertIfNegative val="0"/>
           <c:cat>
             <c:strRef>
-              <c:f>'classification (10nt)'!$B$2:$G$2</c:f>
+              <c:f>'classification (10nt)'!$B$2:$H$2</c:f>
               <c:strCache>
-                <c:ptCount val="6"/>
+                <c:ptCount val="7"/>
                 <c:pt idx="0">
                   <c:v>ncRNA</c:v>
                 </c:pt>
@@ -5338,33 +5734,39 @@
                 </c:pt>
                 <c:pt idx="5">
                   <c:v>intergenic</c:v>
+                </c:pt>
+                <c:pt idx="6">
+                  <c:v>naEST</c:v>
                 </c:pt>
               </c:strCache>
             </c:strRef>
           </c:cat>
           <c:val>
             <c:numRef>
-              <c:f>'classification (10nt)'!$B$10:$G$10</c:f>
+              <c:f>'classification (10nt)'!$B$10:$H$10</c:f>
               <c:numCache>
                 <c:formatCode>0.0%</c:formatCode>
-                <c:ptCount val="6"/>
+                <c:ptCount val="7"/>
                 <c:pt idx="0">
                   <c:v>7.2813369208210004E-3</c:v>
                 </c:pt>
                 <c:pt idx="1">
-                  <c:v>3.8736114134845442E-2</c:v>
+                  <c:v>3.5237261122679782E-2</c:v>
                 </c:pt>
                 <c:pt idx="2">
-                  <c:v>0.11717279824592017</c:v>
+                  <c:v>0.11995758831750927</c:v>
                 </c:pt>
                 <c:pt idx="3">
-                  <c:v>0.1762976528989349</c:v>
+                  <c:v>0.17955497647580856</c:v>
                 </c:pt>
                 <c:pt idx="4">
-                  <c:v>4.8970646972046296E-3</c:v>
+                  <c:v>2.3166882990621898E-3</c:v>
                 </c:pt>
                 <c:pt idx="5">
-                  <c:v>1.1911943685971848E-2</c:v>
+                  <c:v>1.1911389719377143E-2</c:v>
+                </c:pt>
+                <c:pt idx="6">
+                  <c:v>4.2072654934762123E-2</c:v>
                 </c:pt>
               </c:numCache>
             </c:numRef>
@@ -5387,9 +5789,9 @@
           <c:invertIfNegative val="0"/>
           <c:cat>
             <c:strRef>
-              <c:f>'classification (10nt)'!$B$2:$G$2</c:f>
+              <c:f>'classification (10nt)'!$B$2:$H$2</c:f>
               <c:strCache>
-                <c:ptCount val="6"/>
+                <c:ptCount val="7"/>
                 <c:pt idx="0">
                   <c:v>ncRNA</c:v>
                 </c:pt>
@@ -5407,33 +5809,39 @@
                 </c:pt>
                 <c:pt idx="5">
                   <c:v>intergenic</c:v>
+                </c:pt>
+                <c:pt idx="6">
+                  <c:v>naEST</c:v>
                 </c:pt>
               </c:strCache>
             </c:strRef>
           </c:cat>
           <c:val>
             <c:numRef>
-              <c:f>'classification (10nt)'!$B$11:$G$11</c:f>
+              <c:f>'classification (10nt)'!$B$11:$H$11</c:f>
               <c:numCache>
                 <c:formatCode>0.0%</c:formatCode>
-                <c:ptCount val="6"/>
+                <c:ptCount val="7"/>
                 <c:pt idx="0">
                   <c:v>7.0540540171742574E-3</c:v>
                 </c:pt>
                 <c:pt idx="1">
-                  <c:v>3.732460383630283E-2</c:v>
+                  <c:v>3.3514091051128417E-2</c:v>
                 </c:pt>
                 <c:pt idx="2">
-                  <c:v>0.1284501003628345</c:v>
+                  <c:v>0.13167999607008887</c:v>
                 </c:pt>
                 <c:pt idx="3">
-                  <c:v>0.1592596484094094</c:v>
+                  <c:v>0.16203855952382576</c:v>
                 </c:pt>
                 <c:pt idx="4">
-                  <c:v>3.9906337118147048E-3</c:v>
+                  <c:v>1.7630017971156089E-3</c:v>
                 </c:pt>
                 <c:pt idx="5">
-                  <c:v>1.00055810196209E-2</c:v>
+                  <c:v>1.0002851914671805E-2</c:v>
+                </c:pt>
+                <c:pt idx="6">
+                  <c:v>4.6094582590220798E-2</c:v>
                 </c:pt>
               </c:numCache>
             </c:numRef>
@@ -5448,11 +5856,11 @@
           <c:showBubbleSize val="0"/>
         </c:dLbls>
         <c:gapWidth val="150"/>
-        <c:axId val="131184512"/>
-        <c:axId val="131186048"/>
+        <c:axId val="130282240"/>
+        <c:axId val="130283776"/>
       </c:barChart>
       <c:catAx>
-        <c:axId val="131184512"/>
+        <c:axId val="130282240"/>
         <c:scaling>
           <c:orientation val="minMax"/>
         </c:scaling>
@@ -5461,7 +5869,7 @@
         <c:majorTickMark val="out"/>
         <c:minorTickMark val="none"/>
         <c:tickLblPos val="nextTo"/>
-        <c:crossAx val="131186048"/>
+        <c:crossAx val="130283776"/>
         <c:crosses val="autoZero"/>
         <c:auto val="1"/>
         <c:lblAlgn val="ctr"/>
@@ -5469,10 +5877,10 @@
         <c:noMultiLvlLbl val="0"/>
       </c:catAx>
       <c:valAx>
-        <c:axId val="131186048"/>
+        <c:axId val="130283776"/>
         <c:scaling>
           <c:orientation val="minMax"/>
-          <c:max val="0.25"/>
+          <c:max val="0.35000000000000003"/>
         </c:scaling>
         <c:delete val="0"/>
         <c:axPos val="l"/>
@@ -5481,7 +5889,7 @@
         <c:majorTickMark val="out"/>
         <c:minorTickMark val="none"/>
         <c:tickLblPos val="nextTo"/>
-        <c:crossAx val="131184512"/>
+        <c:crossAx val="130282240"/>
         <c:crosses val="autoZero"/>
         <c:crossBetween val="between"/>
       </c:valAx>
@@ -5527,11 +5935,11 @@
           <c:order val="0"/>
           <c:tx>
             <c:strRef>
-              <c:f>'classification (10nt)'!$B$2</c:f>
+              <c:f>'classification (10nt)'!$A$21</c:f>
               <c:strCache>
                 <c:ptCount val="1"/>
                 <c:pt idx="0">
-                  <c:v>ncRNA</c:v>
+                  <c:v>WT_1</c:v>
                 </c:pt>
               </c:strCache>
             </c:strRef>
@@ -5539,71 +5947,59 @@
           <c:invertIfNegative val="0"/>
           <c:cat>
             <c:strRef>
-              <c:f>'classification (10nt)'!$A$3:$A$11</c:f>
+              <c:f>'classification (10nt)'!$B$14:$H$14</c:f>
               <c:strCache>
-                <c:ptCount val="9"/>
-                <c:pt idx="0">
-                  <c:v>exp5_1</c:v>
+                <c:ptCount val="7"/>
+                <c:pt idx="0">
+                  <c:v>ncRNA</c:v>
                 </c:pt>
                 <c:pt idx="1">
-                  <c:v>exp5_2</c:v>
+                  <c:v>rRNA</c:v>
                 </c:pt>
                 <c:pt idx="2">
-                  <c:v>exp5_3</c:v>
+                  <c:v>transposable</c:v>
                 </c:pt>
                 <c:pt idx="3">
-                  <c:v>rbp35_1</c:v>
+                  <c:v>cDNA</c:v>
                 </c:pt>
                 <c:pt idx="4">
-                  <c:v>rbp35_2</c:v>
+                  <c:v>introns</c:v>
                 </c:pt>
                 <c:pt idx="5">
-                  <c:v>rbp35_3</c:v>
+                  <c:v>intergenic</c:v>
                 </c:pt>
                 <c:pt idx="6">
-                  <c:v>WT_1</c:v>
-                </c:pt>
-                <c:pt idx="7">
-                  <c:v>WT_2</c:v>
-                </c:pt>
-                <c:pt idx="8">
-                  <c:v>WT_3</c:v>
+                  <c:v>naEST</c:v>
                 </c:pt>
               </c:strCache>
             </c:strRef>
           </c:cat>
           <c:val>
             <c:numRef>
-              <c:f>'classification (10nt)'!$B$3:$B$11</c:f>
+              <c:f>'classification (10nt)'!$B$21:$H$21</c:f>
               <c:numCache>
-                <c:formatCode>0.0%</c:formatCode>
-                <c:ptCount val="9"/>
-                <c:pt idx="0">
-                  <c:v>4.9409528583458607E-3</c:v>
+                <c:formatCode>0.00%</c:formatCode>
+                <c:ptCount val="7"/>
+                <c:pt idx="0">
+                  <c:v>1.9983855670117762E-3</c:v>
                 </c:pt>
                 <c:pt idx="1">
-                  <c:v>4.0451883893695972E-3</c:v>
+                  <c:v>3.1142049468958988E-2</c:v>
                 </c:pt>
                 <c:pt idx="2">
-                  <c:v>3.9524087181796036E-3</c:v>
+                  <c:v>0.18938094072561967</c:v>
                 </c:pt>
                 <c:pt idx="3">
-                  <c:v>7.6323886288784887E-3</c:v>
+                  <c:v>5.3177120873287999E-2</c:v>
                 </c:pt>
                 <c:pt idx="4">
-                  <c:v>7.5430467163788489E-3</c:v>
+                  <c:v>5.4822415928882414E-4</c:v>
                 </c:pt>
                 <c:pt idx="5">
-                  <c:v>9.3743643292062764E-3</c:v>
+                  <c:v>3.1763915679495561E-3</c:v>
                 </c:pt>
                 <c:pt idx="6">
-                  <c:v>4.2497875106244686E-3</c:v>
-                </c:pt>
-                <c:pt idx="7">
-                  <c:v>7.2813369208210004E-3</c:v>
-                </c:pt>
-                <c:pt idx="8">
-                  <c:v>7.0540540171742574E-3</c:v>
+                  <c:v>0.10975831888360073</c:v>
                 </c:pt>
               </c:numCache>
             </c:numRef>
@@ -5614,11 +6010,11 @@
           <c:order val="1"/>
           <c:tx>
             <c:strRef>
-              <c:f>'classification (10nt)'!$C$2</c:f>
+              <c:f>'classification (10nt)'!$A$22</c:f>
               <c:strCache>
                 <c:ptCount val="1"/>
                 <c:pt idx="0">
-                  <c:v>rRNA</c:v>
+                  <c:v>WT_2</c:v>
                 </c:pt>
               </c:strCache>
             </c:strRef>
@@ -5626,71 +6022,59 @@
           <c:invertIfNegative val="0"/>
           <c:cat>
             <c:strRef>
-              <c:f>'classification (10nt)'!$A$3:$A$11</c:f>
+              <c:f>'classification (10nt)'!$B$14:$H$14</c:f>
               <c:strCache>
-                <c:ptCount val="9"/>
-                <c:pt idx="0">
-                  <c:v>exp5_1</c:v>
+                <c:ptCount val="7"/>
+                <c:pt idx="0">
+                  <c:v>ncRNA</c:v>
                 </c:pt>
                 <c:pt idx="1">
-                  <c:v>exp5_2</c:v>
+                  <c:v>rRNA</c:v>
                 </c:pt>
                 <c:pt idx="2">
-                  <c:v>exp5_3</c:v>
+                  <c:v>transposable</c:v>
                 </c:pt>
                 <c:pt idx="3">
-                  <c:v>rbp35_1</c:v>
+                  <c:v>cDNA</c:v>
                 </c:pt>
                 <c:pt idx="4">
-                  <c:v>rbp35_2</c:v>
+                  <c:v>introns</c:v>
                 </c:pt>
                 <c:pt idx="5">
-                  <c:v>rbp35_3</c:v>
+                  <c:v>intergenic</c:v>
                 </c:pt>
                 <c:pt idx="6">
-                  <c:v>WT_1</c:v>
-                </c:pt>
-                <c:pt idx="7">
-                  <c:v>WT_2</c:v>
-                </c:pt>
-                <c:pt idx="8">
-                  <c:v>WT_3</c:v>
+                  <c:v>naEST</c:v>
                 </c:pt>
               </c:strCache>
             </c:strRef>
           </c:cat>
           <c:val>
             <c:numRef>
-              <c:f>'classification (10nt)'!$C$3:$C$11</c:f>
+              <c:f>'classification (10nt)'!$B$22:$H$22</c:f>
               <c:numCache>
-                <c:formatCode>0.0%</c:formatCode>
-                <c:ptCount val="9"/>
-                <c:pt idx="0">
-                  <c:v>3.6311346832655633E-2</c:v>
+                <c:formatCode>0.00%</c:formatCode>
+                <c:ptCount val="7"/>
+                <c:pt idx="0">
+                  <c:v>8.0368941687093999E-3</c:v>
                 </c:pt>
                 <c:pt idx="1">
-                  <c:v>2.4331957498204323E-2</c:v>
+                  <c:v>6.9698514539564604E-2</c:v>
                 </c:pt>
                 <c:pt idx="2">
-                  <c:v>2.8969569036143689E-2</c:v>
+                  <c:v>0.21026078905636217</c:v>
                 </c:pt>
                 <c:pt idx="3">
-                  <c:v>4.8368434737389499E-2</c:v>
+                  <c:v>0.12332039384390886</c:v>
                 </c:pt>
                 <c:pt idx="4">
-                  <c:v>3.6436440713529798E-2</c:v>
+                  <c:v>2.1022815140656578E-3</c:v>
                 </c:pt>
                 <c:pt idx="5">
-                  <c:v>3.0480329802959005E-2</c:v>
+                  <c:v>4.2088333748336471E-3</c:v>
                 </c:pt>
                 <c:pt idx="6">
-                  <c:v>3.6082678624689453E-2</c:v>
-                </c:pt>
-                <c:pt idx="7">
-                  <c:v>3.8736114134845442E-2</c:v>
-                </c:pt>
-                <c:pt idx="8">
-                  <c:v>3.732460383630283E-2</c:v>
+                  <c:v>0.11474319914243304</c:v>
                 </c:pt>
               </c:numCache>
             </c:numRef>
@@ -5701,11 +6085,11 @@
           <c:order val="2"/>
           <c:tx>
             <c:strRef>
-              <c:f>'classification (10nt)'!$D$2</c:f>
+              <c:f>'classification (10nt)'!$A$23</c:f>
               <c:strCache>
                 <c:ptCount val="1"/>
                 <c:pt idx="0">
-                  <c:v>transposable</c:v>
+                  <c:v>WT_3</c:v>
                 </c:pt>
               </c:strCache>
             </c:strRef>
@@ -5713,332 +6097,59 @@
           <c:invertIfNegative val="0"/>
           <c:cat>
             <c:strRef>
-              <c:f>'classification (10nt)'!$A$3:$A$11</c:f>
+              <c:f>'classification (10nt)'!$B$14:$H$14</c:f>
               <c:strCache>
-                <c:ptCount val="9"/>
-                <c:pt idx="0">
-                  <c:v>exp5_1</c:v>
+                <c:ptCount val="7"/>
+                <c:pt idx="0">
+                  <c:v>ncRNA</c:v>
                 </c:pt>
                 <c:pt idx="1">
-                  <c:v>exp5_2</c:v>
+                  <c:v>rRNA</c:v>
                 </c:pt>
                 <c:pt idx="2">
-                  <c:v>exp5_3</c:v>
+                  <c:v>transposable</c:v>
                 </c:pt>
                 <c:pt idx="3">
-                  <c:v>rbp35_1</c:v>
+                  <c:v>cDNA</c:v>
                 </c:pt>
                 <c:pt idx="4">
-                  <c:v>rbp35_2</c:v>
+                  <c:v>introns</c:v>
                 </c:pt>
                 <c:pt idx="5">
-                  <c:v>rbp35_3</c:v>
+                  <c:v>intergenic</c:v>
                 </c:pt>
                 <c:pt idx="6">
-                  <c:v>WT_1</c:v>
-                </c:pt>
-                <c:pt idx="7">
-                  <c:v>WT_2</c:v>
-                </c:pt>
-                <c:pt idx="8">
-                  <c:v>WT_3</c:v>
+                  <c:v>naEST</c:v>
                 </c:pt>
               </c:strCache>
             </c:strRef>
           </c:cat>
           <c:val>
             <c:numRef>
-              <c:f>'classification (10nt)'!$D$3:$D$11</c:f>
+              <c:f>'classification (10nt)'!$B$23:$H$23</c:f>
               <c:numCache>
-                <c:formatCode>0.0%</c:formatCode>
-                <c:ptCount val="9"/>
-                <c:pt idx="0">
-                  <c:v>0.11208302634215891</c:v>
+                <c:formatCode>0.00%</c:formatCode>
+                <c:ptCount val="7"/>
+                <c:pt idx="0">
+                  <c:v>4.6862436298769896E-3</c:v>
                 </c:pt>
                 <c:pt idx="1">
-                  <c:v>9.3213072813391015E-2</c:v>
+                  <c:v>4.7666822735486565E-2</c:v>
                 </c:pt>
                 <c:pt idx="2">
-                  <c:v>0.12241543469115118</c:v>
+                  <c:v>0.21055538572860277</c:v>
                 </c:pt>
                 <c:pt idx="3">
-                  <c:v>0.13216978679147165</c:v>
+                  <c:v>9.3353325620180089E-2</c:v>
                 </c:pt>
                 <c:pt idx="4">
-                  <c:v>0.10156140914428462</c:v>
+                  <c:v>1.8607530771998931E-3</c:v>
                 </c:pt>
                 <c:pt idx="5">
-                  <c:v>9.1428784529637513E-2</c:v>
+                  <c:v>4.4037719641067509E-3</c:v>
                 </c:pt>
                 <c:pt idx="6">
-                  <c:v>0.13180892679503955</c:v>
-                </c:pt>
-                <c:pt idx="7">
-                  <c:v>0.11717279824592017</c:v>
-                </c:pt>
-                <c:pt idx="8">
-                  <c:v>0.1284501003628345</c:v>
-                </c:pt>
-              </c:numCache>
-            </c:numRef>
-          </c:val>
-        </c:ser>
-        <c:ser>
-          <c:idx val="3"/>
-          <c:order val="3"/>
-          <c:tx>
-            <c:strRef>
-              <c:f>'classification (10nt)'!$E$2</c:f>
-              <c:strCache>
-                <c:ptCount val="1"/>
-                <c:pt idx="0">
-                  <c:v>cDNA</c:v>
-                </c:pt>
-              </c:strCache>
-            </c:strRef>
-          </c:tx>
-          <c:invertIfNegative val="0"/>
-          <c:cat>
-            <c:strRef>
-              <c:f>'classification (10nt)'!$A$3:$A$11</c:f>
-              <c:strCache>
-                <c:ptCount val="9"/>
-                <c:pt idx="0">
-                  <c:v>exp5_1</c:v>
-                </c:pt>
-                <c:pt idx="1">
-                  <c:v>exp5_2</c:v>
-                </c:pt>
-                <c:pt idx="2">
-                  <c:v>exp5_3</c:v>
-                </c:pt>
-                <c:pt idx="3">
-                  <c:v>rbp35_1</c:v>
-                </c:pt>
-                <c:pt idx="4">
-                  <c:v>rbp35_2</c:v>
-                </c:pt>
-                <c:pt idx="5">
-                  <c:v>rbp35_3</c:v>
-                </c:pt>
-                <c:pt idx="6">
-                  <c:v>WT_1</c:v>
-                </c:pt>
-                <c:pt idx="7">
-                  <c:v>WT_2</c:v>
-                </c:pt>
-                <c:pt idx="8">
-                  <c:v>WT_3</c:v>
-                </c:pt>
-              </c:strCache>
-            </c:strRef>
-          </c:cat>
-          <c:val>
-            <c:numRef>
-              <c:f>'classification (10nt)'!$E$3:$E$11</c:f>
-              <c:numCache>
-                <c:formatCode>0.0%</c:formatCode>
-                <c:ptCount val="9"/>
-                <c:pt idx="0">
-                  <c:v>0.14423213360125881</c:v>
-                </c:pt>
-                <c:pt idx="1">
-                  <c:v>0.13310949909014222</c:v>
-                </c:pt>
-                <c:pt idx="2">
-                  <c:v>0.13089152464812123</c:v>
-                </c:pt>
-                <c:pt idx="3">
-                  <c:v>0.18089573582943319</c:v>
-                </c:pt>
-                <c:pt idx="4">
-                  <c:v>0.23452153232347356</c:v>
-                </c:pt>
-                <c:pt idx="5">
-                  <c:v>0.32764371245304513</c:v>
-                </c:pt>
-                <c:pt idx="6">
-                  <c:v>0.1034491378879332</c:v>
-                </c:pt>
-                <c:pt idx="7">
-                  <c:v>0.1762976528989349</c:v>
-                </c:pt>
-                <c:pt idx="8">
-                  <c:v>0.1592596484094094</c:v>
-                </c:pt>
-              </c:numCache>
-            </c:numRef>
-          </c:val>
-        </c:ser>
-        <c:ser>
-          <c:idx val="4"/>
-          <c:order val="4"/>
-          <c:tx>
-            <c:strRef>
-              <c:f>'classification (10nt)'!$F$2</c:f>
-              <c:strCache>
-                <c:ptCount val="1"/>
-                <c:pt idx="0">
-                  <c:v>introns</c:v>
-                </c:pt>
-              </c:strCache>
-            </c:strRef>
-          </c:tx>
-          <c:invertIfNegative val="0"/>
-          <c:cat>
-            <c:strRef>
-              <c:f>'classification (10nt)'!$A$3:$A$11</c:f>
-              <c:strCache>
-                <c:ptCount val="9"/>
-                <c:pt idx="0">
-                  <c:v>exp5_1</c:v>
-                </c:pt>
-                <c:pt idx="1">
-                  <c:v>exp5_2</c:v>
-                </c:pt>
-                <c:pt idx="2">
-                  <c:v>exp5_3</c:v>
-                </c:pt>
-                <c:pt idx="3">
-                  <c:v>rbp35_1</c:v>
-                </c:pt>
-                <c:pt idx="4">
-                  <c:v>rbp35_2</c:v>
-                </c:pt>
-                <c:pt idx="5">
-                  <c:v>rbp35_3</c:v>
-                </c:pt>
-                <c:pt idx="6">
-                  <c:v>WT_1</c:v>
-                </c:pt>
-                <c:pt idx="7">
-                  <c:v>WT_2</c:v>
-                </c:pt>
-                <c:pt idx="8">
-                  <c:v>WT_3</c:v>
-                </c:pt>
-              </c:strCache>
-            </c:strRef>
-          </c:cat>
-          <c:val>
-            <c:numRef>
-              <c:f>'classification (10nt)'!$F$3:$F$11</c:f>
-              <c:numCache>
-                <c:formatCode>0.0%</c:formatCode>
-                <c:ptCount val="9"/>
-                <c:pt idx="0">
-                  <c:v>2.3268752630046827E-3</c:v>
-                </c:pt>
-                <c:pt idx="1">
-                  <c:v>2.0043824695390685E-3</c:v>
-                </c:pt>
-                <c:pt idx="2">
-                  <c:v>1.5721065489677976E-3</c:v>
-                </c:pt>
-                <c:pt idx="3">
-                  <c:v>3.7062315825966371E-3</c:v>
-                </c:pt>
-                <c:pt idx="4">
-                  <c:v>6.1185202932067563E-3</c:v>
-                </c:pt>
-                <c:pt idx="5">
-                  <c:v>1.060536201027922E-2</c:v>
-                </c:pt>
-                <c:pt idx="6">
-                  <c:v>1.6516415558532418E-3</c:v>
-                </c:pt>
-                <c:pt idx="7">
-                  <c:v>4.8970646972046296E-3</c:v>
-                </c:pt>
-                <c:pt idx="8">
-                  <c:v>3.9906337118147048E-3</c:v>
-                </c:pt>
-              </c:numCache>
-            </c:numRef>
-          </c:val>
-        </c:ser>
-        <c:ser>
-          <c:idx val="5"/>
-          <c:order val="5"/>
-          <c:tx>
-            <c:strRef>
-              <c:f>'classification (10nt)'!$G$2</c:f>
-              <c:strCache>
-                <c:ptCount val="1"/>
-                <c:pt idx="0">
-                  <c:v>intergenic</c:v>
-                </c:pt>
-              </c:strCache>
-            </c:strRef>
-          </c:tx>
-          <c:invertIfNegative val="0"/>
-          <c:cat>
-            <c:strRef>
-              <c:f>'classification (10nt)'!$A$3:$A$11</c:f>
-              <c:strCache>
-                <c:ptCount val="9"/>
-                <c:pt idx="0">
-                  <c:v>exp5_1</c:v>
-                </c:pt>
-                <c:pt idx="1">
-                  <c:v>exp5_2</c:v>
-                </c:pt>
-                <c:pt idx="2">
-                  <c:v>exp5_3</c:v>
-                </c:pt>
-                <c:pt idx="3">
-                  <c:v>rbp35_1</c:v>
-                </c:pt>
-                <c:pt idx="4">
-                  <c:v>rbp35_2</c:v>
-                </c:pt>
-                <c:pt idx="5">
-                  <c:v>rbp35_3</c:v>
-                </c:pt>
-                <c:pt idx="6">
-                  <c:v>WT_1</c:v>
-                </c:pt>
-                <c:pt idx="7">
-                  <c:v>WT_2</c:v>
-                </c:pt>
-                <c:pt idx="8">
-                  <c:v>WT_3</c:v>
-                </c:pt>
-              </c:strCache>
-            </c:strRef>
-          </c:cat>
-          <c:val>
-            <c:numRef>
-              <c:f>'classification (10nt)'!$G$3:$G$11</c:f>
-              <c:numCache>
-                <c:formatCode>0.0%</c:formatCode>
-                <c:ptCount val="9"/>
-                <c:pt idx="0">
-                  <c:v>1.15480693323009E-2</c:v>
-                </c:pt>
-                <c:pt idx="1">
-                  <c:v>8.4160024243448515E-3</c:v>
-                </c:pt>
-                <c:pt idx="2">
-                  <c:v>8.4945419117701329E-3</c:v>
-                </c:pt>
-                <c:pt idx="3">
-                  <c:v>1.468408736349454E-2</c:v>
-                </c:pt>
-                <c:pt idx="4">
-                  <c:v>2.5402655707910279E-2</c:v>
-                </c:pt>
-                <c:pt idx="5">
-                  <c:v>3.2124259231635047E-2</c:v>
-                </c:pt>
-                <c:pt idx="6">
-                  <c:v>8.0901127357425225E-3</c:v>
-                </c:pt>
-                <c:pt idx="7">
-                  <c:v>1.1911943685971848E-2</c:v>
-                </c:pt>
-                <c:pt idx="8">
-                  <c:v>1.00055810196209E-2</c:v>
+                  <c:v>0.1171286948648199</c:v>
                 </c:pt>
               </c:numCache>
             </c:numRef>
@@ -6053,11 +6164,11 @@
           <c:showBubbleSize val="0"/>
         </c:dLbls>
         <c:gapWidth val="150"/>
-        <c:axId val="131248896"/>
-        <c:axId val="131250432"/>
+        <c:axId val="129977728"/>
+        <c:axId val="129983616"/>
       </c:barChart>
       <c:catAx>
-        <c:axId val="131248896"/>
+        <c:axId val="129977728"/>
         <c:scaling>
           <c:orientation val="minMax"/>
         </c:scaling>
@@ -6066,7 +6177,7 @@
         <c:majorTickMark val="out"/>
         <c:minorTickMark val="none"/>
         <c:tickLblPos val="nextTo"/>
-        <c:crossAx val="131250432"/>
+        <c:crossAx val="129983616"/>
         <c:crosses val="autoZero"/>
         <c:auto val="1"/>
         <c:lblAlgn val="ctr"/>
@@ -6074,7 +6185,7 @@
         <c:noMultiLvlLbl val="0"/>
       </c:catAx>
       <c:valAx>
-        <c:axId val="131250432"/>
+        <c:axId val="129983616"/>
         <c:scaling>
           <c:orientation val="minMax"/>
           <c:max val="0.35000000000000003"/>
@@ -6086,7 +6197,7 @@
         <c:majorTickMark val="out"/>
         <c:minorTickMark val="none"/>
         <c:tickLblPos val="nextTo"/>
-        <c:crossAx val="131248896"/>
+        <c:crossAx val="129977728"/>
         <c:crosses val="autoZero"/>
         <c:crossBetween val="between"/>
       </c:valAx>
@@ -7075,11 +7186,11 @@
         </c:dLbls>
         <c:marker val="1"/>
         <c:smooth val="0"/>
-        <c:axId val="104944768"/>
-        <c:axId val="104946688"/>
+        <c:axId val="119569024"/>
+        <c:axId val="119583488"/>
       </c:lineChart>
       <c:catAx>
-        <c:axId val="104944768"/>
+        <c:axId val="119569024"/>
         <c:scaling>
           <c:orientation val="minMax"/>
         </c:scaling>
@@ -7113,7 +7224,7 @@
         <c:majorTickMark val="out"/>
         <c:minorTickMark val="none"/>
         <c:tickLblPos val="nextTo"/>
-        <c:crossAx val="104946688"/>
+        <c:crossAx val="119583488"/>
         <c:crosses val="autoZero"/>
         <c:auto val="1"/>
         <c:lblAlgn val="ctr"/>
@@ -7121,7 +7232,7 @@
         <c:noMultiLvlLbl val="0"/>
       </c:catAx>
       <c:valAx>
-        <c:axId val="104946688"/>
+        <c:axId val="119583488"/>
         <c:scaling>
           <c:orientation val="minMax"/>
           <c:max val="0.5"/>
@@ -7133,7 +7244,7 @@
         <c:majorTickMark val="out"/>
         <c:minorTickMark val="none"/>
         <c:tickLblPos val="nextTo"/>
-        <c:crossAx val="104944768"/>
+        <c:crossAx val="119569024"/>
         <c:crosses val="autoZero"/>
         <c:crossBetween val="between"/>
       </c:valAx>
@@ -7365,11 +7476,11 @@
           <c:showBubbleSize val="0"/>
         </c:dLbls>
         <c:gapWidth val="150"/>
-        <c:axId val="131277184"/>
-        <c:axId val="131278720"/>
+        <c:axId val="130079744"/>
+        <c:axId val="130081536"/>
       </c:barChart>
       <c:catAx>
-        <c:axId val="131277184"/>
+        <c:axId val="130079744"/>
         <c:scaling>
           <c:orientation val="minMax"/>
         </c:scaling>
@@ -7378,7 +7489,7 @@
         <c:majorTickMark val="out"/>
         <c:minorTickMark val="none"/>
         <c:tickLblPos val="nextTo"/>
-        <c:crossAx val="131278720"/>
+        <c:crossAx val="130081536"/>
         <c:crosses val="autoZero"/>
         <c:auto val="1"/>
         <c:lblAlgn val="ctr"/>
@@ -7386,7 +7497,7 @@
         <c:noMultiLvlLbl val="0"/>
       </c:catAx>
       <c:valAx>
-        <c:axId val="131278720"/>
+        <c:axId val="130081536"/>
         <c:scaling>
           <c:orientation val="minMax"/>
         </c:scaling>
@@ -7397,7 +7508,7 @@
         <c:majorTickMark val="out"/>
         <c:minorTickMark val="none"/>
         <c:tickLblPos val="nextTo"/>
-        <c:crossAx val="131277184"/>
+        <c:crossAx val="130079744"/>
         <c:crosses val="autoZero"/>
         <c:crossBetween val="between"/>
       </c:valAx>
@@ -7629,11 +7740,11 @@
           <c:showBubbleSize val="0"/>
         </c:dLbls>
         <c:gapWidth val="150"/>
-        <c:axId val="131309568"/>
-        <c:axId val="131311104"/>
+        <c:axId val="130112128"/>
+        <c:axId val="130122112"/>
       </c:barChart>
       <c:catAx>
-        <c:axId val="131309568"/>
+        <c:axId val="130112128"/>
         <c:scaling>
           <c:orientation val="minMax"/>
         </c:scaling>
@@ -7642,7 +7753,7 @@
         <c:majorTickMark val="out"/>
         <c:minorTickMark val="none"/>
         <c:tickLblPos val="nextTo"/>
-        <c:crossAx val="131311104"/>
+        <c:crossAx val="130122112"/>
         <c:crosses val="autoZero"/>
         <c:auto val="1"/>
         <c:lblAlgn val="ctr"/>
@@ -7650,7 +7761,7 @@
         <c:noMultiLvlLbl val="0"/>
       </c:catAx>
       <c:valAx>
-        <c:axId val="131311104"/>
+        <c:axId val="130122112"/>
         <c:scaling>
           <c:orientation val="minMax"/>
         </c:scaling>
@@ -7661,7 +7772,7 @@
         <c:majorTickMark val="out"/>
         <c:minorTickMark val="none"/>
         <c:tickLblPos val="nextTo"/>
-        <c:crossAx val="131309568"/>
+        <c:crossAx val="130112128"/>
         <c:crosses val="autoZero"/>
         <c:crossBetween val="between"/>
       </c:valAx>
@@ -9036,11 +9147,11 @@
         </c:dLbls>
         <c:marker val="1"/>
         <c:smooth val="0"/>
-        <c:axId val="131699840"/>
-        <c:axId val="131701376"/>
+        <c:axId val="130183168"/>
+        <c:axId val="130184704"/>
       </c:lineChart>
       <c:catAx>
-        <c:axId val="131699840"/>
+        <c:axId val="130183168"/>
         <c:scaling>
           <c:orientation val="minMax"/>
         </c:scaling>
@@ -9050,7 +9161,7 @@
         <c:majorTickMark val="out"/>
         <c:minorTickMark val="none"/>
         <c:tickLblPos val="nextTo"/>
-        <c:crossAx val="131701376"/>
+        <c:crossAx val="130184704"/>
         <c:crosses val="autoZero"/>
         <c:auto val="1"/>
         <c:lblAlgn val="ctr"/>
@@ -9058,7 +9169,7 @@
         <c:noMultiLvlLbl val="0"/>
       </c:catAx>
       <c:valAx>
-        <c:axId val="131701376"/>
+        <c:axId val="130184704"/>
         <c:scaling>
           <c:orientation val="minMax"/>
         </c:scaling>
@@ -9069,7 +9180,7 @@
         <c:majorTickMark val="out"/>
         <c:minorTickMark val="none"/>
         <c:tickLblPos val="nextTo"/>
-        <c:crossAx val="131699840"/>
+        <c:crossAx val="130183168"/>
         <c:crosses val="autoZero"/>
         <c:crossBetween val="between"/>
       </c:valAx>
@@ -9347,11 +9458,11 @@
           <c:showPercent val="0"/>
           <c:showBubbleSize val="0"/>
         </c:dLbls>
-        <c:axId val="131809280"/>
-        <c:axId val="131810816"/>
+        <c:axId val="130153088"/>
+        <c:axId val="128254336"/>
       </c:scatterChart>
       <c:valAx>
-        <c:axId val="131809280"/>
+        <c:axId val="130153088"/>
         <c:scaling>
           <c:orientation val="minMax"/>
         </c:scaling>
@@ -9361,12 +9472,12 @@
         <c:majorTickMark val="out"/>
         <c:minorTickMark val="none"/>
         <c:tickLblPos val="nextTo"/>
-        <c:crossAx val="131810816"/>
+        <c:crossAx val="128254336"/>
         <c:crosses val="autoZero"/>
         <c:crossBetween val="midCat"/>
       </c:valAx>
       <c:valAx>
-        <c:axId val="131810816"/>
+        <c:axId val="128254336"/>
         <c:scaling>
           <c:orientation val="minMax"/>
           <c:max val="350"/>
@@ -9378,7 +9489,7 @@
         <c:majorTickMark val="out"/>
         <c:minorTickMark val="none"/>
         <c:tickLblPos val="nextTo"/>
-        <c:crossAx val="131809280"/>
+        <c:crossAx val="130153088"/>
         <c:crosses val="autoZero"/>
         <c:crossBetween val="midCat"/>
       </c:valAx>
@@ -9874,11 +9985,11 @@
           <c:showPercent val="0"/>
           <c:showBubbleSize val="0"/>
         </c:dLbls>
-        <c:axId val="131849600"/>
-        <c:axId val="131851392"/>
+        <c:axId val="128289024"/>
+        <c:axId val="128290816"/>
       </c:scatterChart>
       <c:valAx>
-        <c:axId val="131849600"/>
+        <c:axId val="128289024"/>
         <c:scaling>
           <c:orientation val="minMax"/>
         </c:scaling>
@@ -9888,12 +9999,12 @@
         <c:majorTickMark val="out"/>
         <c:minorTickMark val="none"/>
         <c:tickLblPos val="nextTo"/>
-        <c:crossAx val="131851392"/>
+        <c:crossAx val="128290816"/>
         <c:crosses val="autoZero"/>
         <c:crossBetween val="midCat"/>
       </c:valAx>
       <c:valAx>
-        <c:axId val="131851392"/>
+        <c:axId val="128290816"/>
         <c:scaling>
           <c:orientation val="minMax"/>
         </c:scaling>
@@ -9904,7 +10015,7 @@
         <c:majorTickMark val="out"/>
         <c:minorTickMark val="none"/>
         <c:tickLblPos val="nextTo"/>
-        <c:crossAx val="131849600"/>
+        <c:crossAx val="128289024"/>
         <c:crosses val="autoZero"/>
         <c:crossBetween val="midCat"/>
       </c:valAx>
@@ -10376,11 +10487,11 @@
           <c:showPercent val="0"/>
           <c:showBubbleSize val="0"/>
         </c:dLbls>
-        <c:axId val="131861504"/>
-        <c:axId val="131863296"/>
+        <c:axId val="128313216"/>
+        <c:axId val="128314752"/>
       </c:scatterChart>
       <c:valAx>
-        <c:axId val="131861504"/>
+        <c:axId val="128313216"/>
         <c:scaling>
           <c:orientation val="minMax"/>
         </c:scaling>
@@ -10390,12 +10501,12 @@
         <c:majorTickMark val="out"/>
         <c:minorTickMark val="none"/>
         <c:tickLblPos val="nextTo"/>
-        <c:crossAx val="131863296"/>
+        <c:crossAx val="128314752"/>
         <c:crosses val="autoZero"/>
         <c:crossBetween val="midCat"/>
       </c:valAx>
       <c:valAx>
-        <c:axId val="131863296"/>
+        <c:axId val="128314752"/>
         <c:scaling>
           <c:orientation val="minMax"/>
         </c:scaling>
@@ -10406,7 +10517,7 @@
         <c:majorTickMark val="out"/>
         <c:minorTickMark val="none"/>
         <c:tickLblPos val="nextTo"/>
-        <c:crossAx val="131861504"/>
+        <c:crossAx val="128313216"/>
         <c:crosses val="autoZero"/>
         <c:crossBetween val="midCat"/>
       </c:valAx>
@@ -10818,11 +10929,11 @@
           <c:showPercent val="0"/>
           <c:showBubbleSize val="0"/>
         </c:dLbls>
-        <c:axId val="131902080"/>
-        <c:axId val="131903872"/>
+        <c:axId val="128341504"/>
+        <c:axId val="128343040"/>
       </c:scatterChart>
       <c:valAx>
-        <c:axId val="131902080"/>
+        <c:axId val="128341504"/>
         <c:scaling>
           <c:orientation val="minMax"/>
         </c:scaling>
@@ -10832,12 +10943,12 @@
         <c:majorTickMark val="out"/>
         <c:minorTickMark val="none"/>
         <c:tickLblPos val="nextTo"/>
-        <c:crossAx val="131903872"/>
+        <c:crossAx val="128343040"/>
         <c:crosses val="autoZero"/>
         <c:crossBetween val="midCat"/>
       </c:valAx>
       <c:valAx>
-        <c:axId val="131903872"/>
+        <c:axId val="128343040"/>
         <c:scaling>
           <c:orientation val="minMax"/>
           <c:max val="350"/>
@@ -10849,7 +10960,7 @@
         <c:majorTickMark val="out"/>
         <c:minorTickMark val="none"/>
         <c:tickLblPos val="nextTo"/>
-        <c:crossAx val="131902080"/>
+        <c:crossAx val="128341504"/>
         <c:crosses val="autoZero"/>
         <c:crossBetween val="midCat"/>
       </c:valAx>
@@ -11225,11 +11336,11 @@
           <c:showPercent val="0"/>
           <c:showBubbleSize val="0"/>
         </c:dLbls>
-        <c:axId val="131930368"/>
-        <c:axId val="131936256"/>
+        <c:axId val="128373888"/>
+        <c:axId val="128375424"/>
       </c:scatterChart>
       <c:valAx>
-        <c:axId val="131930368"/>
+        <c:axId val="128373888"/>
         <c:scaling>
           <c:orientation val="minMax"/>
         </c:scaling>
@@ -11239,12 +11350,12 @@
         <c:majorTickMark val="out"/>
         <c:minorTickMark val="none"/>
         <c:tickLblPos val="nextTo"/>
-        <c:crossAx val="131936256"/>
+        <c:crossAx val="128375424"/>
         <c:crosses val="autoZero"/>
         <c:crossBetween val="midCat"/>
       </c:valAx>
       <c:valAx>
-        <c:axId val="131936256"/>
+        <c:axId val="128375424"/>
         <c:scaling>
           <c:orientation val="minMax"/>
           <c:max val="350"/>
@@ -11256,7 +11367,7 @@
         <c:majorTickMark val="out"/>
         <c:minorTickMark val="none"/>
         <c:tickLblPos val="nextTo"/>
-        <c:crossAx val="131930368"/>
+        <c:crossAx val="128373888"/>
         <c:crosses val="autoZero"/>
         <c:crossBetween val="midCat"/>
       </c:valAx>
@@ -11740,11 +11851,11 @@
           <c:showPercent val="0"/>
           <c:showBubbleSize val="0"/>
         </c:dLbls>
-        <c:axId val="131971712"/>
-        <c:axId val="131973504"/>
+        <c:axId val="128423424"/>
+        <c:axId val="128424960"/>
       </c:scatterChart>
       <c:valAx>
-        <c:axId val="131971712"/>
+        <c:axId val="128423424"/>
         <c:scaling>
           <c:orientation val="minMax"/>
         </c:scaling>
@@ -11754,12 +11865,12 @@
         <c:majorTickMark val="out"/>
         <c:minorTickMark val="none"/>
         <c:tickLblPos val="nextTo"/>
-        <c:crossAx val="131973504"/>
+        <c:crossAx val="128424960"/>
         <c:crosses val="autoZero"/>
         <c:crossBetween val="midCat"/>
       </c:valAx>
       <c:valAx>
-        <c:axId val="131973504"/>
+        <c:axId val="128424960"/>
         <c:scaling>
           <c:orientation val="minMax"/>
           <c:max val="2500"/>
@@ -11771,7 +11882,7 @@
         <c:majorTickMark val="out"/>
         <c:minorTickMark val="none"/>
         <c:tickLblPos val="nextTo"/>
-        <c:crossAx val="131971712"/>
+        <c:crossAx val="128423424"/>
         <c:crosses val="autoZero"/>
         <c:crossBetween val="midCat"/>
       </c:valAx>
@@ -12267,11 +12378,11 @@
           <c:showPercent val="0"/>
           <c:showBubbleSize val="0"/>
         </c:dLbls>
-        <c:axId val="132016384"/>
-        <c:axId val="132018176"/>
+        <c:axId val="130876544"/>
+        <c:axId val="130878080"/>
       </c:scatterChart>
       <c:valAx>
-        <c:axId val="132016384"/>
+        <c:axId val="130876544"/>
         <c:scaling>
           <c:orientation val="minMax"/>
         </c:scaling>
@@ -12281,12 +12392,12 @@
         <c:majorTickMark val="out"/>
         <c:minorTickMark val="none"/>
         <c:tickLblPos val="nextTo"/>
-        <c:crossAx val="132018176"/>
+        <c:crossAx val="130878080"/>
         <c:crosses val="autoZero"/>
         <c:crossBetween val="midCat"/>
       </c:valAx>
       <c:valAx>
-        <c:axId val="132018176"/>
+        <c:axId val="130878080"/>
         <c:scaling>
           <c:orientation val="minMax"/>
           <c:max val="2500"/>
@@ -12298,7 +12409,7 @@
         <c:majorTickMark val="out"/>
         <c:minorTickMark val="none"/>
         <c:tickLblPos val="nextTo"/>
-        <c:crossAx val="132016384"/>
+        <c:crossAx val="130876544"/>
         <c:crosses val="autoZero"/>
         <c:crossBetween val="midCat"/>
       </c:valAx>
@@ -13282,11 +13393,11 @@
         </c:dLbls>
         <c:marker val="1"/>
         <c:smooth val="0"/>
-        <c:axId val="104970880"/>
-        <c:axId val="104977152"/>
+        <c:axId val="84353408"/>
+        <c:axId val="84355328"/>
       </c:lineChart>
       <c:catAx>
-        <c:axId val="104970880"/>
+        <c:axId val="84353408"/>
         <c:scaling>
           <c:orientation val="minMax"/>
         </c:scaling>
@@ -13320,7 +13431,7 @@
         <c:majorTickMark val="out"/>
         <c:minorTickMark val="none"/>
         <c:tickLblPos val="nextTo"/>
-        <c:crossAx val="104977152"/>
+        <c:crossAx val="84355328"/>
         <c:crosses val="autoZero"/>
         <c:auto val="1"/>
         <c:lblAlgn val="ctr"/>
@@ -13328,7 +13439,7 @@
         <c:noMultiLvlLbl val="0"/>
       </c:catAx>
       <c:valAx>
-        <c:axId val="104977152"/>
+        <c:axId val="84355328"/>
         <c:scaling>
           <c:orientation val="minMax"/>
           <c:max val="0.5"/>
@@ -13340,7 +13451,7 @@
         <c:majorTickMark val="out"/>
         <c:minorTickMark val="none"/>
         <c:tickLblPos val="nextTo"/>
-        <c:crossAx val="104970880"/>
+        <c:crossAx val="84353408"/>
         <c:crosses val="autoZero"/>
         <c:crossBetween val="between"/>
       </c:valAx>
@@ -13721,11 +13832,11 @@
           <c:showPercent val="0"/>
           <c:showBubbleSize val="0"/>
         </c:dLbls>
-        <c:axId val="132036480"/>
-        <c:axId val="132038016"/>
+        <c:axId val="130904832"/>
+        <c:axId val="130906368"/>
       </c:scatterChart>
       <c:valAx>
-        <c:axId val="132036480"/>
+        <c:axId val="130904832"/>
         <c:scaling>
           <c:orientation val="minMax"/>
         </c:scaling>
@@ -13735,12 +13846,12 @@
         <c:majorTickMark val="out"/>
         <c:minorTickMark val="none"/>
         <c:tickLblPos val="nextTo"/>
-        <c:crossAx val="132038016"/>
+        <c:crossAx val="130906368"/>
         <c:crosses val="autoZero"/>
         <c:crossBetween val="midCat"/>
       </c:valAx>
       <c:valAx>
-        <c:axId val="132038016"/>
+        <c:axId val="130906368"/>
         <c:scaling>
           <c:orientation val="minMax"/>
         </c:scaling>
@@ -13751,7 +13862,7 @@
         <c:majorTickMark val="out"/>
         <c:minorTickMark val="none"/>
         <c:tickLblPos val="nextTo"/>
-        <c:crossAx val="132036480"/>
+        <c:crossAx val="130904832"/>
         <c:crosses val="autoZero"/>
         <c:crossBetween val="midCat"/>
       </c:valAx>
@@ -14223,11 +14334,11 @@
           <c:showPercent val="0"/>
           <c:showBubbleSize val="0"/>
         </c:dLbls>
-        <c:axId val="131495424"/>
-        <c:axId val="131496960"/>
+        <c:axId val="131072384"/>
+        <c:axId val="131073920"/>
       </c:scatterChart>
       <c:valAx>
-        <c:axId val="131495424"/>
+        <c:axId val="131072384"/>
         <c:scaling>
           <c:orientation val="minMax"/>
         </c:scaling>
@@ -14237,12 +14348,12 @@
         <c:majorTickMark val="out"/>
         <c:minorTickMark val="none"/>
         <c:tickLblPos val="nextTo"/>
-        <c:crossAx val="131496960"/>
+        <c:crossAx val="131073920"/>
         <c:crosses val="autoZero"/>
         <c:crossBetween val="midCat"/>
       </c:valAx>
       <c:valAx>
-        <c:axId val="131496960"/>
+        <c:axId val="131073920"/>
         <c:scaling>
           <c:orientation val="minMax"/>
           <c:max val="2500"/>
@@ -14254,7 +14365,7 @@
         <c:majorTickMark val="out"/>
         <c:minorTickMark val="none"/>
         <c:tickLblPos val="nextTo"/>
-        <c:crossAx val="131495424"/>
+        <c:crossAx val="131072384"/>
         <c:crosses val="autoZero"/>
         <c:crossBetween val="midCat"/>
       </c:valAx>
@@ -14666,11 +14777,11 @@
           <c:showPercent val="0"/>
           <c:showBubbleSize val="0"/>
         </c:dLbls>
-        <c:axId val="131536000"/>
-        <c:axId val="131537536"/>
+        <c:axId val="131112960"/>
+        <c:axId val="131114496"/>
       </c:scatterChart>
       <c:valAx>
-        <c:axId val="131536000"/>
+        <c:axId val="131112960"/>
         <c:scaling>
           <c:orientation val="minMax"/>
         </c:scaling>
@@ -14680,12 +14791,12 @@
         <c:majorTickMark val="out"/>
         <c:minorTickMark val="none"/>
         <c:tickLblPos val="nextTo"/>
-        <c:crossAx val="131537536"/>
+        <c:crossAx val="131114496"/>
         <c:crosses val="autoZero"/>
         <c:crossBetween val="midCat"/>
       </c:valAx>
       <c:valAx>
-        <c:axId val="131537536"/>
+        <c:axId val="131114496"/>
         <c:scaling>
           <c:orientation val="minMax"/>
         </c:scaling>
@@ -14696,7 +14807,7 @@
         <c:majorTickMark val="out"/>
         <c:minorTickMark val="none"/>
         <c:tickLblPos val="nextTo"/>
-        <c:crossAx val="131536000"/>
+        <c:crossAx val="131112960"/>
         <c:crosses val="autoZero"/>
         <c:crossBetween val="midCat"/>
       </c:valAx>
@@ -15094,11 +15205,11 @@
           <c:showBubbleSize val="0"/>
         </c:dLbls>
         <c:gapWidth val="150"/>
-        <c:axId val="131565440"/>
-        <c:axId val="131566976"/>
+        <c:axId val="131166976"/>
+        <c:axId val="131168512"/>
       </c:barChart>
       <c:catAx>
-        <c:axId val="131565440"/>
+        <c:axId val="131166976"/>
         <c:scaling>
           <c:orientation val="minMax"/>
         </c:scaling>
@@ -15107,7 +15218,7 @@
         <c:majorTickMark val="out"/>
         <c:minorTickMark val="none"/>
         <c:tickLblPos val="nextTo"/>
-        <c:crossAx val="131566976"/>
+        <c:crossAx val="131168512"/>
         <c:crosses val="autoZero"/>
         <c:auto val="1"/>
         <c:lblAlgn val="ctr"/>
@@ -15115,7 +15226,7 @@
         <c:noMultiLvlLbl val="0"/>
       </c:catAx>
       <c:valAx>
-        <c:axId val="131566976"/>
+        <c:axId val="131168512"/>
         <c:scaling>
           <c:orientation val="minMax"/>
           <c:max val="1"/>
@@ -15127,7 +15238,7 @@
         <c:majorTickMark val="out"/>
         <c:minorTickMark val="none"/>
         <c:tickLblPos val="nextTo"/>
-        <c:crossAx val="131565440"/>
+        <c:crossAx val="131166976"/>
         <c:crosses val="autoZero"/>
         <c:crossBetween val="between"/>
       </c:valAx>
@@ -15822,11 +15933,11 @@
           <c:showBubbleSize val="0"/>
         </c:dLbls>
         <c:gapWidth val="150"/>
-        <c:axId val="131610112"/>
-        <c:axId val="131611648"/>
+        <c:axId val="131207552"/>
+        <c:axId val="131209088"/>
       </c:barChart>
       <c:catAx>
-        <c:axId val="131610112"/>
+        <c:axId val="131207552"/>
         <c:scaling>
           <c:orientation val="minMax"/>
         </c:scaling>
@@ -15836,7 +15947,7 @@
         <c:majorTickMark val="out"/>
         <c:minorTickMark val="none"/>
         <c:tickLblPos val="nextTo"/>
-        <c:crossAx val="131611648"/>
+        <c:crossAx val="131209088"/>
         <c:crosses val="autoZero"/>
         <c:auto val="1"/>
         <c:lblAlgn val="ctr"/>
@@ -15844,7 +15955,7 @@
         <c:noMultiLvlLbl val="0"/>
       </c:catAx>
       <c:valAx>
-        <c:axId val="131611648"/>
+        <c:axId val="131209088"/>
         <c:scaling>
           <c:orientation val="minMax"/>
           <c:max val="1"/>
@@ -15856,7 +15967,7 @@
         <c:majorTickMark val="out"/>
         <c:minorTickMark val="none"/>
         <c:tickLblPos val="nextTo"/>
-        <c:crossAx val="131610112"/>
+        <c:crossAx val="131207552"/>
         <c:crosses val="autoZero"/>
         <c:crossBetween val="between"/>
       </c:valAx>
@@ -16278,11 +16389,11 @@
           <c:showBubbleSize val="0"/>
         </c:dLbls>
         <c:gapWidth val="150"/>
-        <c:axId val="131635840"/>
-        <c:axId val="132383104"/>
+        <c:axId val="131241472"/>
+        <c:axId val="131243008"/>
       </c:barChart>
       <c:catAx>
-        <c:axId val="131635840"/>
+        <c:axId val="131241472"/>
         <c:scaling>
           <c:orientation val="minMax"/>
         </c:scaling>
@@ -16291,7 +16402,7 @@
         <c:majorTickMark val="out"/>
         <c:minorTickMark val="none"/>
         <c:tickLblPos val="nextTo"/>
-        <c:crossAx val="132383104"/>
+        <c:crossAx val="131243008"/>
         <c:crosses val="autoZero"/>
         <c:auto val="1"/>
         <c:lblAlgn val="ctr"/>
@@ -16299,7 +16410,7 @@
         <c:noMultiLvlLbl val="0"/>
       </c:catAx>
       <c:valAx>
-        <c:axId val="132383104"/>
+        <c:axId val="131243008"/>
         <c:scaling>
           <c:orientation val="minMax"/>
           <c:max val="0.5"/>
@@ -16311,7 +16422,7 @@
         <c:majorTickMark val="out"/>
         <c:minorTickMark val="none"/>
         <c:tickLblPos val="nextTo"/>
-        <c:crossAx val="131635840"/>
+        <c:crossAx val="131241472"/>
         <c:crosses val="autoZero"/>
         <c:crossBetween val="between"/>
       </c:valAx>
@@ -16733,11 +16844,11 @@
           <c:showBubbleSize val="0"/>
         </c:dLbls>
         <c:gapWidth val="150"/>
-        <c:axId val="132422272"/>
-        <c:axId val="132428160"/>
+        <c:axId val="131302912"/>
+        <c:axId val="131304448"/>
       </c:barChart>
       <c:catAx>
-        <c:axId val="132422272"/>
+        <c:axId val="131302912"/>
         <c:scaling>
           <c:orientation val="minMax"/>
         </c:scaling>
@@ -16746,7 +16857,7 @@
         <c:majorTickMark val="out"/>
         <c:minorTickMark val="none"/>
         <c:tickLblPos val="nextTo"/>
-        <c:crossAx val="132428160"/>
+        <c:crossAx val="131304448"/>
         <c:crosses val="autoZero"/>
         <c:auto val="1"/>
         <c:lblAlgn val="ctr"/>
@@ -16754,7 +16865,7 @@
         <c:noMultiLvlLbl val="0"/>
       </c:catAx>
       <c:valAx>
-        <c:axId val="132428160"/>
+        <c:axId val="131304448"/>
         <c:scaling>
           <c:orientation val="minMax"/>
           <c:max val="0.5"/>
@@ -16766,7 +16877,7 @@
         <c:majorTickMark val="out"/>
         <c:minorTickMark val="none"/>
         <c:tickLblPos val="nextTo"/>
-        <c:crossAx val="132422272"/>
+        <c:crossAx val="131302912"/>
         <c:crosses val="autoZero"/>
         <c:crossBetween val="between"/>
       </c:valAx>
@@ -17188,11 +17299,11 @@
           <c:showBubbleSize val="0"/>
         </c:dLbls>
         <c:gapWidth val="150"/>
-        <c:axId val="132450944"/>
-        <c:axId val="132456832"/>
+        <c:axId val="131343872"/>
+        <c:axId val="131345408"/>
       </c:barChart>
       <c:catAx>
-        <c:axId val="132450944"/>
+        <c:axId val="131343872"/>
         <c:scaling>
           <c:orientation val="minMax"/>
         </c:scaling>
@@ -17201,7 +17312,7 @@
         <c:majorTickMark val="out"/>
         <c:minorTickMark val="none"/>
         <c:tickLblPos val="nextTo"/>
-        <c:crossAx val="132456832"/>
+        <c:crossAx val="131345408"/>
         <c:crosses val="autoZero"/>
         <c:auto val="1"/>
         <c:lblAlgn val="ctr"/>
@@ -17209,7 +17320,7 @@
         <c:noMultiLvlLbl val="0"/>
       </c:catAx>
       <c:valAx>
-        <c:axId val="132456832"/>
+        <c:axId val="131345408"/>
         <c:scaling>
           <c:orientation val="minMax"/>
         </c:scaling>
@@ -17220,7 +17331,7 @@
         <c:majorTickMark val="out"/>
         <c:minorTickMark val="none"/>
         <c:tickLblPos val="nextTo"/>
-        <c:crossAx val="132450944"/>
+        <c:crossAx val="131343872"/>
         <c:crosses val="autoZero"/>
         <c:crossBetween val="between"/>
       </c:valAx>
@@ -17642,11 +17753,11 @@
           <c:showBubbleSize val="0"/>
         </c:dLbls>
         <c:gapWidth val="150"/>
-        <c:axId val="132479616"/>
-        <c:axId val="132493696"/>
+        <c:axId val="131384832"/>
+        <c:axId val="131386368"/>
       </c:barChart>
       <c:catAx>
-        <c:axId val="132479616"/>
+        <c:axId val="131384832"/>
         <c:scaling>
           <c:orientation val="minMax"/>
         </c:scaling>
@@ -17655,7 +17766,7 @@
         <c:majorTickMark val="out"/>
         <c:minorTickMark val="none"/>
         <c:tickLblPos val="nextTo"/>
-        <c:crossAx val="132493696"/>
+        <c:crossAx val="131386368"/>
         <c:crosses val="autoZero"/>
         <c:auto val="1"/>
         <c:lblAlgn val="ctr"/>
@@ -17663,7 +17774,7 @@
         <c:noMultiLvlLbl val="0"/>
       </c:catAx>
       <c:valAx>
-        <c:axId val="132493696"/>
+        <c:axId val="131386368"/>
         <c:scaling>
           <c:orientation val="minMax"/>
         </c:scaling>
@@ -17674,7 +17785,7 @@
         <c:majorTickMark val="out"/>
         <c:minorTickMark val="none"/>
         <c:tickLblPos val="nextTo"/>
-        <c:crossAx val="132479616"/>
+        <c:crossAx val="131384832"/>
         <c:crosses val="autoZero"/>
         <c:crossBetween val="between"/>
       </c:valAx>
@@ -17981,11 +18092,11 @@
           <c:showBubbleSize val="0"/>
         </c:dLbls>
         <c:gapWidth val="150"/>
-        <c:axId val="132541824"/>
-        <c:axId val="132543616"/>
+        <c:axId val="131438848"/>
+        <c:axId val="131444736"/>
       </c:barChart>
       <c:catAx>
-        <c:axId val="132541824"/>
+        <c:axId val="131438848"/>
         <c:scaling>
           <c:orientation val="minMax"/>
         </c:scaling>
@@ -17994,7 +18105,7 @@
         <c:majorTickMark val="out"/>
         <c:minorTickMark val="none"/>
         <c:tickLblPos val="nextTo"/>
-        <c:crossAx val="132543616"/>
+        <c:crossAx val="131444736"/>
         <c:crosses val="autoZero"/>
         <c:auto val="1"/>
         <c:lblAlgn val="ctr"/>
@@ -18002,7 +18113,7 @@
         <c:noMultiLvlLbl val="0"/>
       </c:catAx>
       <c:valAx>
-        <c:axId val="132543616"/>
+        <c:axId val="131444736"/>
         <c:scaling>
           <c:orientation val="minMax"/>
           <c:max val="1"/>
@@ -18014,7 +18125,7 @@
         <c:majorTickMark val="out"/>
         <c:minorTickMark val="none"/>
         <c:tickLblPos val="nextTo"/>
-        <c:crossAx val="132541824"/>
+        <c:crossAx val="131438848"/>
         <c:crosses val="autoZero"/>
         <c:crossBetween val="between"/>
       </c:valAx>
@@ -19003,11 +19114,11 @@
         </c:dLbls>
         <c:marker val="1"/>
         <c:smooth val="0"/>
-        <c:axId val="110911872"/>
-        <c:axId val="110913792"/>
+        <c:axId val="84400000"/>
+        <c:axId val="84406272"/>
       </c:lineChart>
       <c:catAx>
-        <c:axId val="110911872"/>
+        <c:axId val="84400000"/>
         <c:scaling>
           <c:orientation val="minMax"/>
         </c:scaling>
@@ -19041,7 +19152,7 @@
         <c:majorTickMark val="out"/>
         <c:minorTickMark val="none"/>
         <c:tickLblPos val="nextTo"/>
-        <c:crossAx val="110913792"/>
+        <c:crossAx val="84406272"/>
         <c:crosses val="autoZero"/>
         <c:auto val="1"/>
         <c:lblAlgn val="ctr"/>
@@ -19049,7 +19160,7 @@
         <c:noMultiLvlLbl val="0"/>
       </c:catAx>
       <c:valAx>
-        <c:axId val="110913792"/>
+        <c:axId val="84406272"/>
         <c:scaling>
           <c:orientation val="minMax"/>
           <c:max val="0.5"/>
@@ -19061,7 +19172,7 @@
         <c:majorTickMark val="out"/>
         <c:minorTickMark val="none"/>
         <c:tickLblPos val="nextTo"/>
-        <c:crossAx val="110911872"/>
+        <c:crossAx val="84400000"/>
         <c:crosses val="autoZero"/>
         <c:crossBetween val="between"/>
       </c:valAx>
@@ -19339,11 +19450,11 @@
           <c:showBubbleSize val="0"/>
         </c:dLbls>
         <c:gapWidth val="150"/>
-        <c:axId val="132157440"/>
-        <c:axId val="132158976"/>
+        <c:axId val="131484288"/>
+        <c:axId val="131490176"/>
       </c:barChart>
       <c:catAx>
-        <c:axId val="132157440"/>
+        <c:axId val="131484288"/>
         <c:scaling>
           <c:orientation val="minMax"/>
         </c:scaling>
@@ -19352,7 +19463,7 @@
         <c:majorTickMark val="out"/>
         <c:minorTickMark val="none"/>
         <c:tickLblPos val="nextTo"/>
-        <c:crossAx val="132158976"/>
+        <c:crossAx val="131490176"/>
         <c:crosses val="autoZero"/>
         <c:auto val="1"/>
         <c:lblAlgn val="ctr"/>
@@ -19360,7 +19471,7 @@
         <c:noMultiLvlLbl val="0"/>
       </c:catAx>
       <c:valAx>
-        <c:axId val="132158976"/>
+        <c:axId val="131490176"/>
         <c:scaling>
           <c:orientation val="minMax"/>
         </c:scaling>
@@ -19371,7 +19482,7 @@
         <c:majorTickMark val="out"/>
         <c:minorTickMark val="none"/>
         <c:tickLblPos val="nextTo"/>
-        <c:crossAx val="132157440"/>
+        <c:crossAx val="131484288"/>
         <c:crosses val="autoZero"/>
         <c:crossBetween val="between"/>
       </c:valAx>
@@ -19673,11 +19784,11 @@
           <c:showBubbleSize val="0"/>
         </c:dLbls>
         <c:gapWidth val="150"/>
-        <c:axId val="132177920"/>
-        <c:axId val="132179456"/>
+        <c:axId val="131508864"/>
+        <c:axId val="131522944"/>
       </c:barChart>
       <c:catAx>
-        <c:axId val="132177920"/>
+        <c:axId val="131508864"/>
         <c:scaling>
           <c:orientation val="minMax"/>
         </c:scaling>
@@ -19686,7 +19797,7 @@
         <c:majorTickMark val="out"/>
         <c:minorTickMark val="none"/>
         <c:tickLblPos val="nextTo"/>
-        <c:crossAx val="132179456"/>
+        <c:crossAx val="131522944"/>
         <c:crosses val="autoZero"/>
         <c:auto val="1"/>
         <c:lblAlgn val="ctr"/>
@@ -19694,7 +19805,7 @@
         <c:noMultiLvlLbl val="0"/>
       </c:catAx>
       <c:valAx>
-        <c:axId val="132179456"/>
+        <c:axId val="131522944"/>
         <c:scaling>
           <c:orientation val="minMax"/>
         </c:scaling>
@@ -19705,7 +19816,7 @@
         <c:majorTickMark val="out"/>
         <c:minorTickMark val="none"/>
         <c:tickLblPos val="nextTo"/>
-        <c:crossAx val="132177920"/>
+        <c:crossAx val="131508864"/>
         <c:crosses val="autoZero"/>
         <c:crossBetween val="between"/>
       </c:valAx>
@@ -20007,11 +20118,11 @@
           <c:showBubbleSize val="0"/>
         </c:dLbls>
         <c:gapWidth val="150"/>
-        <c:axId val="132231168"/>
-        <c:axId val="132232704"/>
+        <c:axId val="131619456"/>
+        <c:axId val="131621248"/>
       </c:barChart>
       <c:catAx>
-        <c:axId val="132231168"/>
+        <c:axId val="131619456"/>
         <c:scaling>
           <c:orientation val="minMax"/>
         </c:scaling>
@@ -20020,7 +20131,7 @@
         <c:majorTickMark val="out"/>
         <c:minorTickMark val="none"/>
         <c:tickLblPos val="nextTo"/>
-        <c:crossAx val="132232704"/>
+        <c:crossAx val="131621248"/>
         <c:crosses val="autoZero"/>
         <c:auto val="1"/>
         <c:lblAlgn val="ctr"/>
@@ -20028,7 +20139,7 @@
         <c:noMultiLvlLbl val="0"/>
       </c:catAx>
       <c:valAx>
-        <c:axId val="132232704"/>
+        <c:axId val="131621248"/>
         <c:scaling>
           <c:orientation val="minMax"/>
         </c:scaling>
@@ -20039,7 +20150,7 @@
         <c:majorTickMark val="out"/>
         <c:minorTickMark val="none"/>
         <c:tickLblPos val="nextTo"/>
-        <c:crossAx val="132231168"/>
+        <c:crossAx val="131619456"/>
         <c:crosses val="autoZero"/>
         <c:crossBetween val="between"/>
       </c:valAx>
@@ -20341,11 +20452,11 @@
           <c:showBubbleSize val="0"/>
         </c:dLbls>
         <c:gapWidth val="150"/>
-        <c:axId val="132276224"/>
-        <c:axId val="132277760"/>
+        <c:axId val="131656320"/>
+        <c:axId val="131670400"/>
       </c:barChart>
       <c:catAx>
-        <c:axId val="132276224"/>
+        <c:axId val="131656320"/>
         <c:scaling>
           <c:orientation val="minMax"/>
         </c:scaling>
@@ -20354,7 +20465,7 @@
         <c:majorTickMark val="out"/>
         <c:minorTickMark val="none"/>
         <c:tickLblPos val="nextTo"/>
-        <c:crossAx val="132277760"/>
+        <c:crossAx val="131670400"/>
         <c:crosses val="autoZero"/>
         <c:auto val="1"/>
         <c:lblAlgn val="ctr"/>
@@ -20362,7 +20473,7 @@
         <c:noMultiLvlLbl val="0"/>
       </c:catAx>
       <c:valAx>
-        <c:axId val="132277760"/>
+        <c:axId val="131670400"/>
         <c:scaling>
           <c:orientation val="minMax"/>
         </c:scaling>
@@ -20373,7 +20484,7 @@
         <c:majorTickMark val="out"/>
         <c:minorTickMark val="none"/>
         <c:tickLblPos val="nextTo"/>
-        <c:crossAx val="132276224"/>
+        <c:crossAx val="131656320"/>
         <c:crosses val="autoZero"/>
         <c:crossBetween val="between"/>
       </c:valAx>
@@ -21090,11 +21201,11 @@
           <c:showBubbleSize val="0"/>
         </c:dLbls>
         <c:gapWidth val="150"/>
-        <c:axId val="131731456"/>
-        <c:axId val="131732992"/>
+        <c:axId val="131705472"/>
+        <c:axId val="131711360"/>
       </c:barChart>
       <c:catAx>
-        <c:axId val="131731456"/>
+        <c:axId val="131705472"/>
         <c:scaling>
           <c:orientation val="minMax"/>
         </c:scaling>
@@ -21104,7 +21215,7 @@
         <c:majorTickMark val="none"/>
         <c:minorTickMark val="none"/>
         <c:tickLblPos val="nextTo"/>
-        <c:crossAx val="131732992"/>
+        <c:crossAx val="131711360"/>
         <c:crosses val="autoZero"/>
         <c:auto val="1"/>
         <c:lblAlgn val="ctr"/>
@@ -21112,7 +21223,7 @@
         <c:noMultiLvlLbl val="0"/>
       </c:catAx>
       <c:valAx>
-        <c:axId val="131732992"/>
+        <c:axId val="131711360"/>
         <c:scaling>
           <c:orientation val="minMax"/>
           <c:max val="1"/>
@@ -21124,7 +21235,7 @@
         <c:majorTickMark val="none"/>
         <c:minorTickMark val="none"/>
         <c:tickLblPos val="nextTo"/>
-        <c:crossAx val="131731456"/>
+        <c:crossAx val="131705472"/>
         <c:crosses val="autoZero"/>
         <c:crossBetween val="between"/>
       </c:valAx>
@@ -21840,11 +21951,11 @@
           <c:showBubbleSize val="0"/>
         </c:dLbls>
         <c:gapWidth val="150"/>
-        <c:axId val="131768320"/>
-        <c:axId val="131769856"/>
+        <c:axId val="131742336"/>
+        <c:axId val="131744128"/>
       </c:barChart>
       <c:catAx>
-        <c:axId val="131768320"/>
+        <c:axId val="131742336"/>
         <c:scaling>
           <c:orientation val="minMax"/>
         </c:scaling>
@@ -21854,7 +21965,7 @@
         <c:majorTickMark val="none"/>
         <c:minorTickMark val="none"/>
         <c:tickLblPos val="nextTo"/>
-        <c:crossAx val="131769856"/>
+        <c:crossAx val="131744128"/>
         <c:crosses val="autoZero"/>
         <c:auto val="1"/>
         <c:lblAlgn val="ctr"/>
@@ -21862,7 +21973,7 @@
         <c:noMultiLvlLbl val="0"/>
       </c:catAx>
       <c:valAx>
-        <c:axId val="131769856"/>
+        <c:axId val="131744128"/>
         <c:scaling>
           <c:orientation val="minMax"/>
           <c:max val="1"/>
@@ -21874,7 +21985,7 @@
         <c:majorTickMark val="none"/>
         <c:minorTickMark val="none"/>
         <c:tickLblPos val="nextTo"/>
-        <c:crossAx val="131768320"/>
+        <c:crossAx val="131742336"/>
         <c:crosses val="autoZero"/>
         <c:crossBetween val="between"/>
       </c:valAx>
@@ -22591,11 +22702,11 @@
           <c:showBubbleSize val="0"/>
         </c:dLbls>
         <c:gapWidth val="150"/>
-        <c:axId val="132317184"/>
-        <c:axId val="132318720"/>
+        <c:axId val="131766912"/>
+        <c:axId val="131780992"/>
       </c:barChart>
       <c:catAx>
-        <c:axId val="132317184"/>
+        <c:axId val="131766912"/>
         <c:scaling>
           <c:orientation val="minMax"/>
         </c:scaling>
@@ -22605,7 +22716,7 @@
         <c:majorTickMark val="none"/>
         <c:minorTickMark val="none"/>
         <c:tickLblPos val="nextTo"/>
-        <c:crossAx val="132318720"/>
+        <c:crossAx val="131780992"/>
         <c:crosses val="autoZero"/>
         <c:auto val="1"/>
         <c:lblAlgn val="ctr"/>
@@ -22613,7 +22724,7 @@
         <c:noMultiLvlLbl val="0"/>
       </c:catAx>
       <c:valAx>
-        <c:axId val="132318720"/>
+        <c:axId val="131780992"/>
         <c:scaling>
           <c:orientation val="minMax"/>
           <c:max val="1"/>
@@ -22625,7 +22736,7 @@
         <c:majorTickMark val="none"/>
         <c:minorTickMark val="none"/>
         <c:tickLblPos val="nextTo"/>
-        <c:crossAx val="132317184"/>
+        <c:crossAx val="131766912"/>
         <c:crosses val="autoZero"/>
         <c:crossBetween val="between"/>
       </c:valAx>
@@ -23342,11 +23453,11 @@
           <c:showBubbleSize val="0"/>
         </c:dLbls>
         <c:gapWidth val="150"/>
-        <c:axId val="132907008"/>
-        <c:axId val="132908544"/>
+        <c:axId val="131816064"/>
+        <c:axId val="131821952"/>
       </c:barChart>
       <c:catAx>
-        <c:axId val="132907008"/>
+        <c:axId val="131816064"/>
         <c:scaling>
           <c:orientation val="minMax"/>
         </c:scaling>
@@ -23356,7 +23467,7 @@
         <c:majorTickMark val="none"/>
         <c:minorTickMark val="none"/>
         <c:tickLblPos val="nextTo"/>
-        <c:crossAx val="132908544"/>
+        <c:crossAx val="131821952"/>
         <c:crosses val="autoZero"/>
         <c:auto val="1"/>
         <c:lblAlgn val="ctr"/>
@@ -23364,7 +23475,7 @@
         <c:noMultiLvlLbl val="0"/>
       </c:catAx>
       <c:valAx>
-        <c:axId val="132908544"/>
+        <c:axId val="131821952"/>
         <c:scaling>
           <c:orientation val="minMax"/>
         </c:scaling>
@@ -23375,7 +23486,7 @@
         <c:majorTickMark val="none"/>
         <c:minorTickMark val="none"/>
         <c:tickLblPos val="nextTo"/>
-        <c:crossAx val="132907008"/>
+        <c:crossAx val="131816064"/>
         <c:crosses val="autoZero"/>
         <c:crossBetween val="between"/>
       </c:valAx>
@@ -23778,11 +23889,11 @@
           <c:showBubbleSize val="0"/>
         </c:dLbls>
         <c:gapWidth val="150"/>
-        <c:axId val="132929024"/>
-        <c:axId val="132930560"/>
+        <c:axId val="131871104"/>
+        <c:axId val="131872640"/>
       </c:barChart>
       <c:catAx>
-        <c:axId val="132929024"/>
+        <c:axId val="131871104"/>
         <c:scaling>
           <c:orientation val="minMax"/>
         </c:scaling>
@@ -23791,7 +23902,7 @@
         <c:majorTickMark val="out"/>
         <c:minorTickMark val="none"/>
         <c:tickLblPos val="nextTo"/>
-        <c:crossAx val="132930560"/>
+        <c:crossAx val="131872640"/>
         <c:crosses val="autoZero"/>
         <c:auto val="1"/>
         <c:lblAlgn val="ctr"/>
@@ -23799,7 +23910,7 @@
         <c:noMultiLvlLbl val="0"/>
       </c:catAx>
       <c:valAx>
-        <c:axId val="132930560"/>
+        <c:axId val="131872640"/>
         <c:scaling>
           <c:orientation val="minMax"/>
           <c:max val="1"/>
@@ -23811,7 +23922,7 @@
         <c:majorTickMark val="out"/>
         <c:minorTickMark val="none"/>
         <c:tickLblPos val="nextTo"/>
-        <c:crossAx val="132929024"/>
+        <c:crossAx val="131871104"/>
         <c:crosses val="autoZero"/>
         <c:crossBetween val="between"/>
       </c:valAx>
@@ -24506,11 +24617,11 @@
           <c:showBubbleSize val="0"/>
         </c:dLbls>
         <c:gapWidth val="150"/>
-        <c:axId val="132973696"/>
-        <c:axId val="132975232"/>
+        <c:axId val="131903488"/>
+        <c:axId val="131905024"/>
       </c:barChart>
       <c:catAx>
-        <c:axId val="132973696"/>
+        <c:axId val="131903488"/>
         <c:scaling>
           <c:orientation val="minMax"/>
         </c:scaling>
@@ -24520,7 +24631,7 @@
         <c:majorTickMark val="out"/>
         <c:minorTickMark val="none"/>
         <c:tickLblPos val="nextTo"/>
-        <c:crossAx val="132975232"/>
+        <c:crossAx val="131905024"/>
         <c:crosses val="autoZero"/>
         <c:auto val="1"/>
         <c:lblAlgn val="ctr"/>
@@ -24528,7 +24639,7 @@
         <c:noMultiLvlLbl val="0"/>
       </c:catAx>
       <c:valAx>
-        <c:axId val="132975232"/>
+        <c:axId val="131905024"/>
         <c:scaling>
           <c:orientation val="minMax"/>
           <c:max val="1"/>
@@ -24540,7 +24651,7 @@
         <c:majorTickMark val="out"/>
         <c:minorTickMark val="none"/>
         <c:tickLblPos val="nextTo"/>
-        <c:crossAx val="132973696"/>
+        <c:crossAx val="131903488"/>
         <c:crosses val="autoZero"/>
         <c:crossBetween val="between"/>
       </c:valAx>
@@ -25439,11 +25550,11 @@
         </c:dLbls>
         <c:marker val="1"/>
         <c:smooth val="0"/>
-        <c:axId val="110948736"/>
-        <c:axId val="110950272"/>
+        <c:axId val="119502720"/>
+        <c:axId val="119504256"/>
       </c:lineChart>
       <c:catAx>
-        <c:axId val="110948736"/>
+        <c:axId val="119502720"/>
         <c:scaling>
           <c:orientation val="minMax"/>
         </c:scaling>
@@ -25453,7 +25564,7 @@
         <c:majorTickMark val="out"/>
         <c:minorTickMark val="none"/>
         <c:tickLblPos val="nextTo"/>
-        <c:crossAx val="110950272"/>
+        <c:crossAx val="119504256"/>
         <c:crosses val="autoZero"/>
         <c:auto val="1"/>
         <c:lblAlgn val="ctr"/>
@@ -25461,7 +25572,7 @@
         <c:noMultiLvlLbl val="0"/>
       </c:catAx>
       <c:valAx>
-        <c:axId val="110950272"/>
+        <c:axId val="119504256"/>
         <c:scaling>
           <c:orientation val="minMax"/>
           <c:max val="0.25"/>
@@ -25473,7 +25584,7 @@
         <c:majorTickMark val="out"/>
         <c:minorTickMark val="none"/>
         <c:tickLblPos val="nextTo"/>
-        <c:crossAx val="110948736"/>
+        <c:crossAx val="119502720"/>
         <c:crosses val="autoZero"/>
         <c:crossBetween val="between"/>
       </c:valAx>
@@ -25790,11 +25901,11 @@
           <c:showBubbleSize val="0"/>
         </c:dLbls>
         <c:gapWidth val="150"/>
-        <c:axId val="133007616"/>
-        <c:axId val="133017600"/>
+        <c:axId val="130638976"/>
+        <c:axId val="130640512"/>
       </c:barChart>
       <c:catAx>
-        <c:axId val="133007616"/>
+        <c:axId val="130638976"/>
         <c:scaling>
           <c:orientation val="minMax"/>
         </c:scaling>
@@ -25803,7 +25914,7 @@
         <c:majorTickMark val="out"/>
         <c:minorTickMark val="none"/>
         <c:tickLblPos val="nextTo"/>
-        <c:crossAx val="133017600"/>
+        <c:crossAx val="130640512"/>
         <c:crosses val="autoZero"/>
         <c:auto val="1"/>
         <c:lblAlgn val="ctr"/>
@@ -25811,7 +25922,7 @@
         <c:noMultiLvlLbl val="0"/>
       </c:catAx>
       <c:valAx>
-        <c:axId val="133017600"/>
+        <c:axId val="130640512"/>
         <c:scaling>
           <c:orientation val="minMax"/>
           <c:max val="1"/>
@@ -25823,7 +25934,7 @@
         <c:majorTickMark val="out"/>
         <c:minorTickMark val="none"/>
         <c:tickLblPos val="nextTo"/>
-        <c:crossAx val="133007616"/>
+        <c:crossAx val="130638976"/>
         <c:crosses val="autoZero"/>
         <c:crossBetween val="between"/>
       </c:valAx>
@@ -26542,11 +26653,11 @@
           <c:showBubbleSize val="0"/>
         </c:dLbls>
         <c:gapWidth val="150"/>
-        <c:axId val="132671360"/>
-        <c:axId val="132672896"/>
+        <c:axId val="130679552"/>
+        <c:axId val="130681088"/>
       </c:barChart>
       <c:catAx>
-        <c:axId val="132671360"/>
+        <c:axId val="130679552"/>
         <c:scaling>
           <c:orientation val="minMax"/>
         </c:scaling>
@@ -26556,7 +26667,7 @@
         <c:majorTickMark val="none"/>
         <c:minorTickMark val="none"/>
         <c:tickLblPos val="nextTo"/>
-        <c:crossAx val="132672896"/>
+        <c:crossAx val="130681088"/>
         <c:crosses val="autoZero"/>
         <c:auto val="1"/>
         <c:lblAlgn val="ctr"/>
@@ -26564,7 +26675,7 @@
         <c:noMultiLvlLbl val="0"/>
       </c:catAx>
       <c:valAx>
-        <c:axId val="132672896"/>
+        <c:axId val="130681088"/>
         <c:scaling>
           <c:orientation val="minMax"/>
           <c:max val="1"/>
@@ -26576,7 +26687,7 @@
         <c:majorTickMark val="none"/>
         <c:minorTickMark val="none"/>
         <c:tickLblPos val="nextTo"/>
-        <c:crossAx val="132671360"/>
+        <c:crossAx val="130679552"/>
         <c:crosses val="autoZero"/>
         <c:crossBetween val="between"/>
       </c:valAx>
@@ -27295,11 +27406,11 @@
           <c:showBubbleSize val="0"/>
         </c:dLbls>
         <c:gapWidth val="150"/>
-        <c:axId val="132704128"/>
-        <c:axId val="132705664"/>
+        <c:axId val="130728704"/>
+        <c:axId val="130730240"/>
       </c:barChart>
       <c:catAx>
-        <c:axId val="132704128"/>
+        <c:axId val="130728704"/>
         <c:scaling>
           <c:orientation val="minMax"/>
         </c:scaling>
@@ -27309,7 +27420,7 @@
         <c:majorTickMark val="none"/>
         <c:minorTickMark val="none"/>
         <c:tickLblPos val="nextTo"/>
-        <c:crossAx val="132705664"/>
+        <c:crossAx val="130730240"/>
         <c:crosses val="autoZero"/>
         <c:auto val="1"/>
         <c:lblAlgn val="ctr"/>
@@ -27317,7 +27428,7 @@
         <c:noMultiLvlLbl val="0"/>
       </c:catAx>
       <c:valAx>
-        <c:axId val="132705664"/>
+        <c:axId val="130730240"/>
         <c:scaling>
           <c:orientation val="minMax"/>
           <c:max val="1"/>
@@ -27329,7 +27440,7 @@
         <c:majorTickMark val="none"/>
         <c:minorTickMark val="none"/>
         <c:tickLblPos val="nextTo"/>
-        <c:crossAx val="132704128"/>
+        <c:crossAx val="130728704"/>
         <c:crosses val="autoZero"/>
         <c:crossBetween val="between"/>
       </c:valAx>
@@ -28048,11 +28159,11 @@
           <c:showBubbleSize val="0"/>
         </c:dLbls>
         <c:gapWidth val="150"/>
-        <c:axId val="132794240"/>
-        <c:axId val="132795776"/>
+        <c:axId val="130810624"/>
+        <c:axId val="130812160"/>
       </c:barChart>
       <c:catAx>
-        <c:axId val="132794240"/>
+        <c:axId val="130810624"/>
         <c:scaling>
           <c:orientation val="minMax"/>
         </c:scaling>
@@ -28062,7 +28173,7 @@
         <c:majorTickMark val="none"/>
         <c:minorTickMark val="none"/>
         <c:tickLblPos val="nextTo"/>
-        <c:crossAx val="132795776"/>
+        <c:crossAx val="130812160"/>
         <c:crosses val="autoZero"/>
         <c:auto val="1"/>
         <c:lblAlgn val="ctr"/>
@@ -28070,7 +28181,7 @@
         <c:noMultiLvlLbl val="0"/>
       </c:catAx>
       <c:valAx>
-        <c:axId val="132795776"/>
+        <c:axId val="130812160"/>
         <c:scaling>
           <c:orientation val="minMax"/>
           <c:max val="1"/>
@@ -28082,7 +28193,7 @@
         <c:majorTickMark val="none"/>
         <c:minorTickMark val="none"/>
         <c:tickLblPos val="nextTo"/>
-        <c:crossAx val="132794240"/>
+        <c:crossAx val="130810624"/>
         <c:crosses val="autoZero"/>
         <c:crossBetween val="between"/>
       </c:valAx>
@@ -28801,11 +28912,11 @@
           <c:showBubbleSize val="0"/>
         </c:dLbls>
         <c:gapWidth val="150"/>
-        <c:axId val="132843392"/>
-        <c:axId val="132844928"/>
+        <c:axId val="131273472"/>
+        <c:axId val="131275008"/>
       </c:barChart>
       <c:catAx>
-        <c:axId val="132843392"/>
+        <c:axId val="131273472"/>
         <c:scaling>
           <c:orientation val="minMax"/>
         </c:scaling>
@@ -28815,7 +28926,7 @@
         <c:majorTickMark val="none"/>
         <c:minorTickMark val="none"/>
         <c:tickLblPos val="nextTo"/>
-        <c:crossAx val="132844928"/>
+        <c:crossAx val="131275008"/>
         <c:crosses val="autoZero"/>
         <c:auto val="1"/>
         <c:lblAlgn val="ctr"/>
@@ -28823,7 +28934,7 @@
         <c:noMultiLvlLbl val="0"/>
       </c:catAx>
       <c:valAx>
-        <c:axId val="132844928"/>
+        <c:axId val="131275008"/>
         <c:scaling>
           <c:orientation val="minMax"/>
           <c:max val="1"/>
@@ -28835,7 +28946,7 @@
         <c:majorTickMark val="none"/>
         <c:minorTickMark val="none"/>
         <c:tickLblPos val="nextTo"/>
-        <c:crossAx val="132843392"/>
+        <c:crossAx val="131273472"/>
         <c:crosses val="autoZero"/>
         <c:crossBetween val="between"/>
       </c:valAx>
@@ -29083,11 +29194,11 @@
           <c:showBubbleSize val="0"/>
         </c:dLbls>
         <c:gapWidth val="150"/>
-        <c:axId val="132884352"/>
-        <c:axId val="132885888"/>
+        <c:axId val="132211456"/>
+        <c:axId val="132212992"/>
       </c:barChart>
       <c:catAx>
-        <c:axId val="132884352"/>
+        <c:axId val="132211456"/>
         <c:scaling>
           <c:orientation val="minMax"/>
         </c:scaling>
@@ -29096,7 +29207,7 @@
         <c:majorTickMark val="out"/>
         <c:minorTickMark val="none"/>
         <c:tickLblPos val="nextTo"/>
-        <c:crossAx val="132885888"/>
+        <c:crossAx val="132212992"/>
         <c:crosses val="autoZero"/>
         <c:auto val="1"/>
         <c:lblAlgn val="ctr"/>
@@ -29104,7 +29215,7 @@
         <c:noMultiLvlLbl val="0"/>
       </c:catAx>
       <c:valAx>
-        <c:axId val="132885888"/>
+        <c:axId val="132212992"/>
         <c:scaling>
           <c:orientation val="minMax"/>
           <c:max val="1"/>
@@ -29116,7 +29227,7 @@
         <c:majorTickMark val="out"/>
         <c:minorTickMark val="none"/>
         <c:tickLblPos val="nextTo"/>
-        <c:crossAx val="132884352"/>
+        <c:crossAx val="132211456"/>
         <c:crosses val="autoZero"/>
         <c:crossBetween val="between"/>
       </c:valAx>
@@ -29529,11 +29640,11 @@
           <c:showBubbleSize val="0"/>
         </c:dLbls>
         <c:gapWidth val="150"/>
-        <c:axId val="151316736"/>
-        <c:axId val="151344256"/>
+        <c:axId val="132245376"/>
+        <c:axId val="132246912"/>
       </c:barChart>
       <c:catAx>
-        <c:axId val="151316736"/>
+        <c:axId val="132245376"/>
         <c:scaling>
           <c:orientation val="minMax"/>
         </c:scaling>
@@ -29542,7 +29653,7 @@
         <c:majorTickMark val="out"/>
         <c:minorTickMark val="none"/>
         <c:tickLblPos val="nextTo"/>
-        <c:crossAx val="151344256"/>
+        <c:crossAx val="132246912"/>
         <c:crosses val="autoZero"/>
         <c:auto val="1"/>
         <c:lblAlgn val="ctr"/>
@@ -29550,7 +29661,7 @@
         <c:noMultiLvlLbl val="0"/>
       </c:catAx>
       <c:valAx>
-        <c:axId val="151344256"/>
+        <c:axId val="132246912"/>
         <c:scaling>
           <c:orientation val="minMax"/>
         </c:scaling>
@@ -29561,7 +29672,7 @@
         <c:majorTickMark val="out"/>
         <c:minorTickMark val="none"/>
         <c:tickLblPos val="nextTo"/>
-        <c:crossAx val="151316736"/>
+        <c:crossAx val="132245376"/>
         <c:crosses val="autoZero"/>
         <c:crossBetween val="between"/>
       </c:valAx>
@@ -29836,11 +29947,11 @@
           <c:showBubbleSize val="0"/>
         </c:dLbls>
         <c:gapWidth val="150"/>
-        <c:axId val="133318912"/>
-        <c:axId val="133328896"/>
+        <c:axId val="132294528"/>
+        <c:axId val="132296064"/>
       </c:barChart>
       <c:catAx>
-        <c:axId val="133318912"/>
+        <c:axId val="132294528"/>
         <c:scaling>
           <c:orientation val="minMax"/>
         </c:scaling>
@@ -29859,7 +29970,7 @@
             <a:endParaRPr lang="es-ES"/>
           </a:p>
         </c:txPr>
-        <c:crossAx val="133328896"/>
+        <c:crossAx val="132296064"/>
         <c:crosses val="autoZero"/>
         <c:auto val="1"/>
         <c:lblAlgn val="ctr"/>
@@ -29867,7 +29978,7 @@
         <c:noMultiLvlLbl val="0"/>
       </c:catAx>
       <c:valAx>
-        <c:axId val="133328896"/>
+        <c:axId val="132296064"/>
         <c:scaling>
           <c:orientation val="minMax"/>
           <c:max val="1"/>
@@ -29889,7 +30000,7 @@
             <a:endParaRPr lang="es-ES"/>
           </a:p>
         </c:txPr>
-        <c:crossAx val="133318912"/>
+        <c:crossAx val="132294528"/>
         <c:crosses val="autoZero"/>
         <c:crossBetween val="between"/>
       </c:valAx>
@@ -30011,11 +30122,11 @@
           <c:showBubbleSize val="0"/>
         </c:dLbls>
         <c:gapWidth val="150"/>
-        <c:axId val="81863424"/>
-        <c:axId val="83791232"/>
+        <c:axId val="132325760"/>
+        <c:axId val="132327296"/>
       </c:barChart>
       <c:catAx>
-        <c:axId val="81863424"/>
+        <c:axId val="132325760"/>
         <c:scaling>
           <c:orientation val="minMax"/>
         </c:scaling>
@@ -30024,7 +30135,7 @@
         <c:majorTickMark val="out"/>
         <c:minorTickMark val="none"/>
         <c:tickLblPos val="nextTo"/>
-        <c:crossAx val="83791232"/>
+        <c:crossAx val="132327296"/>
         <c:crosses val="autoZero"/>
         <c:auto val="1"/>
         <c:lblAlgn val="ctr"/>
@@ -30032,7 +30143,7 @@
         <c:noMultiLvlLbl val="0"/>
       </c:catAx>
       <c:valAx>
-        <c:axId val="83791232"/>
+        <c:axId val="132327296"/>
         <c:scaling>
           <c:orientation val="minMax"/>
         </c:scaling>
@@ -30043,7 +30154,7 @@
         <c:majorTickMark val="out"/>
         <c:minorTickMark val="none"/>
         <c:tickLblPos val="nextTo"/>
-        <c:crossAx val="81863424"/>
+        <c:crossAx val="132325760"/>
         <c:crosses val="autoZero"/>
         <c:crossBetween val="between"/>
       </c:valAx>
@@ -30350,11 +30461,11 @@
           <c:showBubbleSize val="0"/>
         </c:dLbls>
         <c:gapWidth val="150"/>
-        <c:axId val="154619904"/>
-        <c:axId val="154622976"/>
+        <c:axId val="132378624"/>
+        <c:axId val="132380160"/>
       </c:barChart>
       <c:catAx>
-        <c:axId val="154619904"/>
+        <c:axId val="132378624"/>
         <c:scaling>
           <c:orientation val="minMax"/>
         </c:scaling>
@@ -30363,7 +30474,7 @@
         <c:majorTickMark val="out"/>
         <c:minorTickMark val="none"/>
         <c:tickLblPos val="nextTo"/>
-        <c:crossAx val="154622976"/>
+        <c:crossAx val="132380160"/>
         <c:crosses val="autoZero"/>
         <c:auto val="1"/>
         <c:lblAlgn val="ctr"/>
@@ -30371,7 +30482,7 @@
         <c:noMultiLvlLbl val="0"/>
       </c:catAx>
       <c:valAx>
-        <c:axId val="154622976"/>
+        <c:axId val="132380160"/>
         <c:scaling>
           <c:orientation val="minMax"/>
           <c:max val="1"/>
@@ -30383,7 +30494,7 @@
         <c:majorTickMark val="out"/>
         <c:minorTickMark val="none"/>
         <c:tickLblPos val="nextTo"/>
-        <c:crossAx val="154619904"/>
+        <c:crossAx val="132378624"/>
         <c:crosses val="autoZero"/>
         <c:crossBetween val="between"/>
       </c:valAx>
@@ -31282,11 +31393,11 @@
         </c:dLbls>
         <c:marker val="1"/>
         <c:smooth val="0"/>
-        <c:axId val="110982656"/>
-        <c:axId val="110984192"/>
+        <c:axId val="119520256"/>
+        <c:axId val="129307392"/>
       </c:lineChart>
       <c:catAx>
-        <c:axId val="110982656"/>
+        <c:axId val="119520256"/>
         <c:scaling>
           <c:orientation val="minMax"/>
         </c:scaling>
@@ -31296,7 +31407,7 @@
         <c:majorTickMark val="out"/>
         <c:minorTickMark val="none"/>
         <c:tickLblPos val="nextTo"/>
-        <c:crossAx val="110984192"/>
+        <c:crossAx val="129307392"/>
         <c:crosses val="autoZero"/>
         <c:auto val="1"/>
         <c:lblAlgn val="ctr"/>
@@ -31304,7 +31415,7 @@
         <c:noMultiLvlLbl val="0"/>
       </c:catAx>
       <c:valAx>
-        <c:axId val="110984192"/>
+        <c:axId val="129307392"/>
         <c:scaling>
           <c:orientation val="minMax"/>
         </c:scaling>
@@ -31315,7 +31426,7 @@
         <c:majorTickMark val="out"/>
         <c:minorTickMark val="none"/>
         <c:tickLblPos val="nextTo"/>
-        <c:crossAx val="110982656"/>
+        <c:crossAx val="119520256"/>
         <c:crosses val="autoZero"/>
         <c:crossBetween val="between"/>
       </c:valAx>
@@ -31568,11 +31679,11 @@
           <c:showBubbleSize val="0"/>
         </c:dLbls>
         <c:gapWidth val="150"/>
-        <c:axId val="133659648"/>
-        <c:axId val="133665536"/>
+        <c:axId val="132389888"/>
+        <c:axId val="132399872"/>
       </c:barChart>
       <c:catAx>
-        <c:axId val="133659648"/>
+        <c:axId val="132389888"/>
         <c:scaling>
           <c:orientation val="minMax"/>
         </c:scaling>
@@ -31581,7 +31692,7 @@
         <c:majorTickMark val="none"/>
         <c:minorTickMark val="none"/>
         <c:tickLblPos val="nextTo"/>
-        <c:crossAx val="133665536"/>
+        <c:crossAx val="132399872"/>
         <c:crosses val="autoZero"/>
         <c:auto val="1"/>
         <c:lblAlgn val="ctr"/>
@@ -31589,7 +31700,7 @@
         <c:noMultiLvlLbl val="0"/>
       </c:catAx>
       <c:valAx>
-        <c:axId val="133665536"/>
+        <c:axId val="132399872"/>
         <c:scaling>
           <c:orientation val="minMax"/>
         </c:scaling>
@@ -31600,7 +31711,7 @@
         <c:majorTickMark val="none"/>
         <c:minorTickMark val="none"/>
         <c:tickLblPos val="nextTo"/>
-        <c:crossAx val="133659648"/>
+        <c:crossAx val="132389888"/>
         <c:crosses val="autoZero"/>
         <c:crossBetween val="between"/>
       </c:valAx>
@@ -31838,11 +31949,11 @@
           <c:showBubbleSize val="0"/>
         </c:dLbls>
         <c:gapWidth val="150"/>
-        <c:axId val="133686400"/>
-        <c:axId val="133687936"/>
+        <c:axId val="132424832"/>
+        <c:axId val="132426368"/>
       </c:barChart>
       <c:catAx>
-        <c:axId val="133686400"/>
+        <c:axId val="132424832"/>
         <c:scaling>
           <c:orientation val="minMax"/>
         </c:scaling>
@@ -31851,7 +31962,7 @@
         <c:majorTickMark val="none"/>
         <c:minorTickMark val="none"/>
         <c:tickLblPos val="nextTo"/>
-        <c:crossAx val="133687936"/>
+        <c:crossAx val="132426368"/>
         <c:crosses val="autoZero"/>
         <c:auto val="1"/>
         <c:lblAlgn val="ctr"/>
@@ -31859,7 +31970,7 @@
         <c:noMultiLvlLbl val="0"/>
       </c:catAx>
       <c:valAx>
-        <c:axId val="133687936"/>
+        <c:axId val="132426368"/>
         <c:scaling>
           <c:orientation val="minMax"/>
           <c:max val="1"/>
@@ -31871,7 +31982,7 @@
         <c:majorTickMark val="none"/>
         <c:minorTickMark val="none"/>
         <c:tickLblPos val="nextTo"/>
-        <c:crossAx val="133686400"/>
+        <c:crossAx val="132424832"/>
         <c:crosses val="autoZero"/>
         <c:crossBetween val="between"/>
       </c:valAx>
@@ -32109,11 +32220,11 @@
           <c:showBubbleSize val="0"/>
         </c:dLbls>
         <c:gapWidth val="150"/>
-        <c:axId val="133712896"/>
-        <c:axId val="133722880"/>
+        <c:axId val="132447232"/>
+        <c:axId val="132457216"/>
       </c:barChart>
       <c:catAx>
-        <c:axId val="133712896"/>
+        <c:axId val="132447232"/>
         <c:scaling>
           <c:orientation val="minMax"/>
         </c:scaling>
@@ -32122,7 +32233,7 @@
         <c:majorTickMark val="none"/>
         <c:minorTickMark val="none"/>
         <c:tickLblPos val="nextTo"/>
-        <c:crossAx val="133722880"/>
+        <c:crossAx val="132457216"/>
         <c:crosses val="autoZero"/>
         <c:auto val="1"/>
         <c:lblAlgn val="ctr"/>
@@ -32130,7 +32241,7 @@
         <c:noMultiLvlLbl val="0"/>
       </c:catAx>
       <c:valAx>
-        <c:axId val="133722880"/>
+        <c:axId val="132457216"/>
         <c:scaling>
           <c:orientation val="minMax"/>
           <c:max val="1"/>
@@ -32142,7 +32253,7 @@
         <c:majorTickMark val="none"/>
         <c:minorTickMark val="none"/>
         <c:tickLblPos val="nextTo"/>
-        <c:crossAx val="133712896"/>
+        <c:crossAx val="132447232"/>
         <c:crosses val="autoZero"/>
         <c:crossBetween val="between"/>
       </c:valAx>
@@ -32380,11 +32491,11 @@
           <c:showBubbleSize val="0"/>
         </c:dLbls>
         <c:gapWidth val="150"/>
-        <c:axId val="133760128"/>
-        <c:axId val="133761664"/>
+        <c:axId val="132486272"/>
+        <c:axId val="132487808"/>
       </c:barChart>
       <c:catAx>
-        <c:axId val="133760128"/>
+        <c:axId val="132486272"/>
         <c:scaling>
           <c:orientation val="minMax"/>
         </c:scaling>
@@ -32393,7 +32504,7 @@
         <c:majorTickMark val="none"/>
         <c:minorTickMark val="none"/>
         <c:tickLblPos val="nextTo"/>
-        <c:crossAx val="133761664"/>
+        <c:crossAx val="132487808"/>
         <c:crosses val="autoZero"/>
         <c:auto val="1"/>
         <c:lblAlgn val="ctr"/>
@@ -32401,7 +32512,7 @@
         <c:noMultiLvlLbl val="0"/>
       </c:catAx>
       <c:valAx>
-        <c:axId val="133761664"/>
+        <c:axId val="132487808"/>
         <c:scaling>
           <c:orientation val="minMax"/>
         </c:scaling>
@@ -32412,7 +32523,7 @@
         <c:majorTickMark val="none"/>
         <c:minorTickMark val="none"/>
         <c:tickLblPos val="nextTo"/>
-        <c:crossAx val="133760128"/>
+        <c:crossAx val="132486272"/>
         <c:crosses val="autoZero"/>
         <c:crossBetween val="between"/>
       </c:valAx>
@@ -32650,11 +32761,11 @@
           <c:showBubbleSize val="0"/>
         </c:dLbls>
         <c:gapWidth val="150"/>
-        <c:axId val="133778432"/>
-        <c:axId val="133796608"/>
+        <c:axId val="132000768"/>
+        <c:axId val="132002560"/>
       </c:barChart>
       <c:catAx>
-        <c:axId val="133778432"/>
+        <c:axId val="132000768"/>
         <c:scaling>
           <c:orientation val="minMax"/>
         </c:scaling>
@@ -32663,7 +32774,7 @@
         <c:majorTickMark val="none"/>
         <c:minorTickMark val="none"/>
         <c:tickLblPos val="nextTo"/>
-        <c:crossAx val="133796608"/>
+        <c:crossAx val="132002560"/>
         <c:crosses val="autoZero"/>
         <c:auto val="1"/>
         <c:lblAlgn val="ctr"/>
@@ -32671,7 +32782,7 @@
         <c:noMultiLvlLbl val="0"/>
       </c:catAx>
       <c:valAx>
-        <c:axId val="133796608"/>
+        <c:axId val="132002560"/>
         <c:scaling>
           <c:orientation val="minMax"/>
           <c:max val="1"/>
@@ -32683,7 +32794,7 @@
         <c:majorTickMark val="none"/>
         <c:minorTickMark val="none"/>
         <c:tickLblPos val="nextTo"/>
-        <c:crossAx val="133778432"/>
+        <c:crossAx val="132000768"/>
         <c:crosses val="autoZero"/>
         <c:crossBetween val="between"/>
       </c:valAx>
@@ -32876,11 +32987,11 @@
           <c:showBubbleSize val="0"/>
         </c:dLbls>
         <c:gapWidth val="150"/>
-        <c:axId val="133814528"/>
-        <c:axId val="133816320"/>
+        <c:axId val="132016384"/>
+        <c:axId val="132030464"/>
       </c:barChart>
       <c:catAx>
-        <c:axId val="133814528"/>
+        <c:axId val="132016384"/>
         <c:scaling>
           <c:orientation val="minMax"/>
         </c:scaling>
@@ -32889,7 +33000,7 @@
         <c:majorTickMark val="none"/>
         <c:minorTickMark val="none"/>
         <c:tickLblPos val="nextTo"/>
-        <c:crossAx val="133816320"/>
+        <c:crossAx val="132030464"/>
         <c:crosses val="autoZero"/>
         <c:auto val="1"/>
         <c:lblAlgn val="ctr"/>
@@ -32897,7 +33008,7 @@
         <c:noMultiLvlLbl val="0"/>
       </c:catAx>
       <c:valAx>
-        <c:axId val="133816320"/>
+        <c:axId val="132030464"/>
         <c:scaling>
           <c:orientation val="minMax"/>
           <c:max val="1"/>
@@ -32909,7 +33020,7 @@
         <c:majorTickMark val="none"/>
         <c:minorTickMark val="none"/>
         <c:tickLblPos val="nextTo"/>
-        <c:crossAx val="133814528"/>
+        <c:crossAx val="132016384"/>
         <c:crosses val="autoZero"/>
         <c:crossBetween val="between"/>
       </c:valAx>
@@ -33092,11 +33203,11 @@
           <c:showBubbleSize val="0"/>
         </c:dLbls>
         <c:gapWidth val="150"/>
-        <c:axId val="133845760"/>
-        <c:axId val="133847296"/>
+        <c:axId val="132059904"/>
+        <c:axId val="132061440"/>
       </c:barChart>
       <c:catAx>
-        <c:axId val="133845760"/>
+        <c:axId val="132059904"/>
         <c:scaling>
           <c:orientation val="minMax"/>
         </c:scaling>
@@ -33105,7 +33216,7 @@
         <c:majorTickMark val="none"/>
         <c:minorTickMark val="none"/>
         <c:tickLblPos val="nextTo"/>
-        <c:crossAx val="133847296"/>
+        <c:crossAx val="132061440"/>
         <c:crosses val="autoZero"/>
         <c:auto val="1"/>
         <c:lblAlgn val="ctr"/>
@@ -33113,7 +33224,7 @@
         <c:noMultiLvlLbl val="0"/>
       </c:catAx>
       <c:valAx>
-        <c:axId val="133847296"/>
+        <c:axId val="132061440"/>
         <c:scaling>
           <c:orientation val="minMax"/>
           <c:max val="1"/>
@@ -33125,7 +33236,7 @@
         <c:majorTickMark val="none"/>
         <c:minorTickMark val="none"/>
         <c:tickLblPos val="nextTo"/>
-        <c:crossAx val="133845760"/>
+        <c:crossAx val="132059904"/>
         <c:crosses val="autoZero"/>
         <c:crossBetween val="between"/>
       </c:valAx>
@@ -33279,7 +33390,6 @@
   </mc:AlternateContent>
   <c:chart>
     <c:title>
-      <c:layout/>
       <c:overlay val="0"/>
     </c:title>
     <c:autoTitleDeleted val="0"/>
@@ -33401,7 +33511,6 @@
   </mc:AlternateContent>
   <c:chart>
     <c:title>
-      <c:layout/>
       <c:overlay val="0"/>
     </c:title>
     <c:autoTitleDeleted val="0"/>
@@ -34387,11 +34496,11 @@
         </c:dLbls>
         <c:marker val="1"/>
         <c:smooth val="0"/>
-        <c:axId val="111008384"/>
-        <c:axId val="111010176"/>
+        <c:axId val="129331584"/>
+        <c:axId val="129333120"/>
       </c:lineChart>
       <c:catAx>
-        <c:axId val="111008384"/>
+        <c:axId val="129331584"/>
         <c:scaling>
           <c:orientation val="minMax"/>
         </c:scaling>
@@ -34401,7 +34510,7 @@
         <c:majorTickMark val="out"/>
         <c:minorTickMark val="none"/>
         <c:tickLblPos val="nextTo"/>
-        <c:crossAx val="111010176"/>
+        <c:crossAx val="129333120"/>
         <c:crosses val="autoZero"/>
         <c:auto val="1"/>
         <c:lblAlgn val="ctr"/>
@@ -34409,7 +34518,7 @@
         <c:noMultiLvlLbl val="0"/>
       </c:catAx>
       <c:valAx>
-        <c:axId val="111010176"/>
+        <c:axId val="129333120"/>
         <c:scaling>
           <c:orientation val="minMax"/>
           <c:max val="0.25"/>
@@ -34421,7 +34530,7 @@
         <c:majorTickMark val="out"/>
         <c:minorTickMark val="none"/>
         <c:tickLblPos val="nextTo"/>
-        <c:crossAx val="111008384"/>
+        <c:crossAx val="129331584"/>
         <c:crosses val="autoZero"/>
         <c:crossBetween val="between"/>
       </c:valAx>
@@ -34507,7 +34616,6 @@
   </mc:AlternateContent>
   <c:chart>
     <c:title>
-      <c:layout/>
       <c:overlay val="0"/>
     </c:title>
     <c:autoTitleDeleted val="0"/>
@@ -34630,7 +34738,6 @@
   </mc:AlternateContent>
   <c:chart>
     <c:title>
-      <c:layout/>
       <c:overlay val="0"/>
     </c:title>
     <c:autoTitleDeleted val="0"/>
@@ -35069,11 +35176,11 @@
           <c:showBubbleSize val="0"/>
         </c:dLbls>
         <c:gapWidth val="150"/>
-        <c:axId val="110592768"/>
-        <c:axId val="110594304"/>
+        <c:axId val="132674304"/>
+        <c:axId val="132675840"/>
       </c:barChart>
       <c:catAx>
-        <c:axId val="110592768"/>
+        <c:axId val="132674304"/>
         <c:scaling>
           <c:orientation val="minMax"/>
         </c:scaling>
@@ -35082,7 +35189,7 @@
         <c:majorTickMark val="out"/>
         <c:minorTickMark val="none"/>
         <c:tickLblPos val="nextTo"/>
-        <c:crossAx val="110594304"/>
+        <c:crossAx val="132675840"/>
         <c:crosses val="autoZero"/>
         <c:auto val="1"/>
         <c:lblAlgn val="ctr"/>
@@ -35090,7 +35197,7 @@
         <c:noMultiLvlLbl val="0"/>
       </c:catAx>
       <c:valAx>
-        <c:axId val="110594304"/>
+        <c:axId val="132675840"/>
         <c:scaling>
           <c:orientation val="minMax"/>
         </c:scaling>
@@ -35101,14 +35208,13 @@
         <c:majorTickMark val="out"/>
         <c:minorTickMark val="none"/>
         <c:tickLblPos val="nextTo"/>
-        <c:crossAx val="110592768"/>
+        <c:crossAx val="132674304"/>
         <c:crosses val="autoZero"/>
         <c:crossBetween val="between"/>
       </c:valAx>
     </c:plotArea>
     <c:legend>
       <c:legendPos val="r"/>
-      <c:layout/>
       <c:overlay val="0"/>
     </c:legend>
     <c:plotVisOnly val="1"/>
@@ -35313,11 +35419,11 @@
           <c:showBubbleSize val="0"/>
         </c:dLbls>
         <c:gapWidth val="150"/>
-        <c:axId val="110619264"/>
-        <c:axId val="133104000"/>
+        <c:axId val="132704896"/>
+        <c:axId val="132706688"/>
       </c:barChart>
       <c:catAx>
-        <c:axId val="110619264"/>
+        <c:axId val="132704896"/>
         <c:scaling>
           <c:orientation val="minMax"/>
         </c:scaling>
@@ -35326,7 +35432,7 @@
         <c:majorTickMark val="out"/>
         <c:minorTickMark val="none"/>
         <c:tickLblPos val="nextTo"/>
-        <c:crossAx val="133104000"/>
+        <c:crossAx val="132706688"/>
         <c:crosses val="autoZero"/>
         <c:auto val="1"/>
         <c:lblAlgn val="ctr"/>
@@ -35334,7 +35440,7 @@
         <c:noMultiLvlLbl val="0"/>
       </c:catAx>
       <c:valAx>
-        <c:axId val="133104000"/>
+        <c:axId val="132706688"/>
         <c:scaling>
           <c:orientation val="minMax"/>
         </c:scaling>
@@ -35345,14 +35451,13 @@
         <c:majorTickMark val="out"/>
         <c:minorTickMark val="none"/>
         <c:tickLblPos val="nextTo"/>
-        <c:crossAx val="110619264"/>
+        <c:crossAx val="132704896"/>
         <c:crosses val="autoZero"/>
         <c:crossBetween val="between"/>
       </c:valAx>
     </c:plotArea>
     <c:legend>
       <c:legendPos val="r"/>
-      <c:layout/>
       <c:overlay val="0"/>
     </c:legend>
     <c:plotVisOnly val="1"/>
@@ -37048,11 +37153,11 @@
           <c:showPercent val="0"/>
           <c:showBubbleSize val="0"/>
         </c:dLbls>
-        <c:axId val="130593920"/>
-        <c:axId val="130883584"/>
+        <c:axId val="129436288"/>
+        <c:axId val="129476096"/>
       </c:scatterChart>
       <c:valAx>
-        <c:axId val="130593920"/>
+        <c:axId val="129436288"/>
         <c:scaling>
           <c:orientation val="minMax"/>
         </c:scaling>
@@ -37061,12 +37166,12 @@
         <c:majorTickMark val="out"/>
         <c:minorTickMark val="none"/>
         <c:tickLblPos val="nextTo"/>
-        <c:crossAx val="130883584"/>
+        <c:crossAx val="129476096"/>
         <c:crosses val="autoZero"/>
         <c:crossBetween val="midCat"/>
       </c:valAx>
       <c:valAx>
-        <c:axId val="130883584"/>
+        <c:axId val="129476096"/>
         <c:scaling>
           <c:orientation val="maxMin"/>
           <c:max val="0.1"/>
@@ -37098,7 +37203,7 @@
         <c:majorTickMark val="out"/>
         <c:minorTickMark val="none"/>
         <c:tickLblPos val="nextTo"/>
-        <c:crossAx val="130593920"/>
+        <c:crossAx val="129436288"/>
         <c:crosses val="autoZero"/>
         <c:crossBetween val="midCat"/>
       </c:valAx>
@@ -38781,11 +38886,11 @@
           <c:showPercent val="0"/>
           <c:showBubbleSize val="0"/>
         </c:dLbls>
-        <c:axId val="130894848"/>
-        <c:axId val="130918272"/>
+        <c:axId val="129766144"/>
+        <c:axId val="129768832"/>
       </c:scatterChart>
       <c:valAx>
-        <c:axId val="130894848"/>
+        <c:axId val="129766144"/>
         <c:scaling>
           <c:orientation val="minMax"/>
         </c:scaling>
@@ -38794,12 +38899,12 @@
         <c:majorTickMark val="out"/>
         <c:minorTickMark val="none"/>
         <c:tickLblPos val="nextTo"/>
-        <c:crossAx val="130918272"/>
+        <c:crossAx val="129768832"/>
         <c:crosses val="autoZero"/>
         <c:crossBetween val="midCat"/>
       </c:valAx>
       <c:valAx>
-        <c:axId val="130918272"/>
+        <c:axId val="129768832"/>
         <c:scaling>
           <c:orientation val="maxMin"/>
           <c:max val="0.1"/>
@@ -38836,7 +38941,7 @@
         <c:majorTickMark val="out"/>
         <c:minorTickMark val="none"/>
         <c:tickLblPos val="nextTo"/>
-        <c:crossAx val="130894848"/>
+        <c:crossAx val="129766144"/>
         <c:crosses val="autoZero"/>
         <c:crossBetween val="midCat"/>
       </c:valAx>
@@ -38933,7 +39038,7 @@
           <a:p>
             <a:fld id="{47053D67-9EBB-4456-BEF1-A4108CD1C887}" type="datetimeFigureOut">
               <a:rPr lang="es-ES" smtClean="0"/>
-              <a:t>01/06/2015</a:t>
+              <a:t>02/06/2015</a:t>
             </a:fld>
             <a:endParaRPr lang="es-ES"/>
           </a:p>
@@ -39245,6 +39350,90 @@
           <a:bodyPr/>
           <a:lstStyle/>
           <a:p>
+            <a:endParaRPr lang="es-ES" dirty="0"/>
+          </a:p>
+        </p:txBody>
+      </p:sp>
+      <p:sp>
+        <p:nvSpPr>
+          <p:cNvPr id="4" name="3 Marcador de número de diapositiva"/>
+          <p:cNvSpPr>
+            <a:spLocks noGrp="1"/>
+          </p:cNvSpPr>
+          <p:nvPr>
+            <p:ph type="sldNum" sz="quarter" idx="10"/>
+          </p:nvPr>
+        </p:nvSpPr>
+        <p:spPr/>
+        <p:txBody>
+          <a:bodyPr/>
+          <a:lstStyle/>
+          <a:p>
+            <a:fld id="{10DE5D09-11A9-43CD-8909-64BA0E5D9800}" type="slidenum">
+              <a:rPr lang="es-ES" smtClean="0"/>
+              <a:t>17</a:t>
+            </a:fld>
+            <a:endParaRPr lang="es-ES"/>
+          </a:p>
+        </p:txBody>
+      </p:sp>
+    </p:spTree>
+    <p:extLst>
+      <p:ext uri="{BB962C8B-B14F-4D97-AF65-F5344CB8AC3E}">
+        <p14:creationId xmlns:p14="http://schemas.microsoft.com/office/powerpoint/2010/main" val="314722830"/>
+      </p:ext>
+    </p:extLst>
+  </p:cSld>
+  <p:clrMapOvr>
+    <a:masterClrMapping/>
+  </p:clrMapOvr>
+</p:notes>
+</file>
+
+<file path=ppt/notesSlides/notesSlide2.xml><?xml version="1.0" encoding="utf-8"?>
+<p:notes xmlns:a="http://schemas.openxmlformats.org/drawingml/2006/main" xmlns:r="http://schemas.openxmlformats.org/officeDocument/2006/relationships" xmlns:p="http://schemas.openxmlformats.org/presentationml/2006/main">
+  <p:cSld>
+    <p:spTree>
+      <p:nvGrpSpPr>
+        <p:cNvPr id="1" name=""/>
+        <p:cNvGrpSpPr/>
+        <p:nvPr/>
+      </p:nvGrpSpPr>
+      <p:grpSpPr>
+        <a:xfrm>
+          <a:off x="0" y="0"/>
+          <a:ext cx="0" cy="0"/>
+          <a:chOff x="0" y="0"/>
+          <a:chExt cx="0" cy="0"/>
+        </a:xfrm>
+      </p:grpSpPr>
+      <p:sp>
+        <p:nvSpPr>
+          <p:cNvPr id="2" name="1 Marcador de imagen de diapositiva"/>
+          <p:cNvSpPr>
+            <a:spLocks noGrp="1" noRot="1" noChangeAspect="1"/>
+          </p:cNvSpPr>
+          <p:nvPr>
+            <p:ph type="sldImg"/>
+          </p:nvPr>
+        </p:nvSpPr>
+        <p:spPr/>
+      </p:sp>
+      <p:sp>
+        <p:nvSpPr>
+          <p:cNvPr id="3" name="2 Marcador de notas"/>
+          <p:cNvSpPr>
+            <a:spLocks noGrp="1"/>
+          </p:cNvSpPr>
+          <p:nvPr>
+            <p:ph type="body" idx="1"/>
+          </p:nvPr>
+        </p:nvSpPr>
+        <p:spPr/>
+        <p:txBody>
+          <a:bodyPr/>
+          <a:lstStyle/>
+          <a:p>
             <a:endParaRPr lang="en-GB" dirty="0"/>
           </a:p>
         </p:txBody>
@@ -39466,7 +39655,7 @@
           <a:p>
             <a:fld id="{D8DA5178-521C-4D8E-9777-3CA29D9D7BA2}" type="datetimeFigureOut">
               <a:rPr lang="en-US" smtClean="0"/>
-              <a:t>6/1/2015</a:t>
+              <a:t>6/2/2015</a:t>
             </a:fld>
             <a:endParaRPr lang="en-US"/>
           </a:p>
@@ -39636,7 +39825,7 @@
           <a:p>
             <a:fld id="{D8DA5178-521C-4D8E-9777-3CA29D9D7BA2}" type="datetimeFigureOut">
               <a:rPr lang="en-US" smtClean="0"/>
-              <a:t>6/1/2015</a:t>
+              <a:t>6/2/2015</a:t>
             </a:fld>
             <a:endParaRPr lang="en-US"/>
           </a:p>
@@ -39816,7 +40005,7 @@
           <a:p>
             <a:fld id="{D8DA5178-521C-4D8E-9777-3CA29D9D7BA2}" type="datetimeFigureOut">
               <a:rPr lang="en-US" smtClean="0"/>
-              <a:t>6/1/2015</a:t>
+              <a:t>6/2/2015</a:t>
             </a:fld>
             <a:endParaRPr lang="en-US"/>
           </a:p>
@@ -39986,7 +40175,7 @@
           <a:p>
             <a:fld id="{D8DA5178-521C-4D8E-9777-3CA29D9D7BA2}" type="datetimeFigureOut">
               <a:rPr lang="en-US" smtClean="0"/>
-              <a:t>6/1/2015</a:t>
+              <a:t>6/2/2015</a:t>
             </a:fld>
             <a:endParaRPr lang="en-US"/>
           </a:p>
@@ -40232,7 +40421,7 @@
           <a:p>
             <a:fld id="{D8DA5178-521C-4D8E-9777-3CA29D9D7BA2}" type="datetimeFigureOut">
               <a:rPr lang="en-US" smtClean="0"/>
-              <a:t>6/1/2015</a:t>
+              <a:t>6/2/2015</a:t>
             </a:fld>
             <a:endParaRPr lang="en-US"/>
           </a:p>
@@ -40520,7 +40709,7 @@
           <a:p>
             <a:fld id="{D8DA5178-521C-4D8E-9777-3CA29D9D7BA2}" type="datetimeFigureOut">
               <a:rPr lang="en-US" smtClean="0"/>
-              <a:t>6/1/2015</a:t>
+              <a:t>6/2/2015</a:t>
             </a:fld>
             <a:endParaRPr lang="en-US"/>
           </a:p>
@@ -40942,7 +41131,7 @@
           <a:p>
             <a:fld id="{D8DA5178-521C-4D8E-9777-3CA29D9D7BA2}" type="datetimeFigureOut">
               <a:rPr lang="en-US" smtClean="0"/>
-              <a:t>6/1/2015</a:t>
+              <a:t>6/2/2015</a:t>
             </a:fld>
             <a:endParaRPr lang="en-US"/>
           </a:p>
@@ -41060,7 +41249,7 @@
           <a:p>
             <a:fld id="{D8DA5178-521C-4D8E-9777-3CA29D9D7BA2}" type="datetimeFigureOut">
               <a:rPr lang="en-US" smtClean="0"/>
-              <a:t>6/1/2015</a:t>
+              <a:t>6/2/2015</a:t>
             </a:fld>
             <a:endParaRPr lang="en-US"/>
           </a:p>
@@ -41155,7 +41344,7 @@
           <a:p>
             <a:fld id="{D8DA5178-521C-4D8E-9777-3CA29D9D7BA2}" type="datetimeFigureOut">
               <a:rPr lang="en-US" smtClean="0"/>
-              <a:t>6/1/2015</a:t>
+              <a:t>6/2/2015</a:t>
             </a:fld>
             <a:endParaRPr lang="en-US"/>
           </a:p>
@@ -41432,7 +41621,7 @@
           <a:p>
             <a:fld id="{D8DA5178-521C-4D8E-9777-3CA29D9D7BA2}" type="datetimeFigureOut">
               <a:rPr lang="en-US" smtClean="0"/>
-              <a:t>6/1/2015</a:t>
+              <a:t>6/2/2015</a:t>
             </a:fld>
             <a:endParaRPr lang="en-US"/>
           </a:p>
@@ -41685,7 +41874,7 @@
           <a:p>
             <a:fld id="{D8DA5178-521C-4D8E-9777-3CA29D9D7BA2}" type="datetimeFigureOut">
               <a:rPr lang="en-US" smtClean="0"/>
-              <a:t>6/1/2015</a:t>
+              <a:t>6/2/2015</a:t>
             </a:fld>
             <a:endParaRPr lang="en-US"/>
           </a:p>
@@ -41898,7 +42087,7 @@
           <a:p>
             <a:fld id="{D8DA5178-521C-4D8E-9777-3CA29D9D7BA2}" type="datetimeFigureOut">
               <a:rPr lang="en-US" smtClean="0"/>
-              <a:t>6/1/2015</a:t>
+              <a:t>6/2/2015</a:t>
             </a:fld>
             <a:endParaRPr lang="en-US"/>
           </a:p>
@@ -43829,21 +44018,21 @@
       </p:sp>
       <p:graphicFrame>
         <p:nvGraphicFramePr>
-          <p:cNvPr id="4" name="5 Gráfico"/>
+          <p:cNvPr id="5" name="5 Gráfico"/>
           <p:cNvGraphicFramePr>
             <a:graphicFrameLocks/>
           </p:cNvGraphicFramePr>
           <p:nvPr>
             <p:extLst>
               <p:ext uri="{D42A27DB-BD31-4B8C-83A1-F6EECF244321}">
-                <p14:modId xmlns:p14="http://schemas.microsoft.com/office/powerpoint/2010/main" val="1708630839"/>
+                <p14:modId xmlns:p14="http://schemas.microsoft.com/office/powerpoint/2010/main" val="1045807290"/>
               </p:ext>
             </p:extLst>
           </p:nvPr>
         </p:nvGraphicFramePr>
         <p:xfrm>
-          <a:off x="0" y="1412775"/>
-          <a:ext cx="8964488" cy="5378693"/>
+          <a:off x="179512" y="1484783"/>
+          <a:ext cx="8568952" cy="5141371"/>
         </p:xfrm>
         <a:graphic>
           <a:graphicData uri="http://schemas.openxmlformats.org/drawingml/2006/chart">
@@ -43865,6 +44054,89 @@
 </file>
 
 <file path=ppt/slides/slide16.xml><?xml version="1.0" encoding="utf-8"?>
+<p:sld xmlns:a="http://schemas.openxmlformats.org/drawingml/2006/main" xmlns:r="http://schemas.openxmlformats.org/officeDocument/2006/relationships" xmlns:p="http://schemas.openxmlformats.org/presentationml/2006/main">
+  <p:cSld>
+    <p:spTree>
+      <p:nvGrpSpPr>
+        <p:cNvPr id="1" name=""/>
+        <p:cNvGrpSpPr/>
+        <p:nvPr/>
+      </p:nvGrpSpPr>
+      <p:grpSpPr>
+        <a:xfrm>
+          <a:off x="0" y="0"/>
+          <a:ext cx="0" cy="0"/>
+          <a:chOff x="0" y="0"/>
+          <a:chExt cx="0" cy="0"/>
+        </a:xfrm>
+      </p:grpSpPr>
+      <p:sp>
+        <p:nvSpPr>
+          <p:cNvPr id="2" name="1 Título"/>
+          <p:cNvSpPr>
+            <a:spLocks noGrp="1"/>
+          </p:cNvSpPr>
+          <p:nvPr>
+            <p:ph type="title"/>
+          </p:nvPr>
+        </p:nvSpPr>
+        <p:spPr/>
+        <p:txBody>
+          <a:bodyPr>
+            <a:normAutofit fontScale="90000"/>
+          </a:bodyPr>
+          <a:lstStyle/>
+          <a:p>
+            <a:r>
+              <a:rPr lang="en-US" dirty="0"/>
+              <a:t>Classification of unique reads: ∆rbp35 produces more reads from </a:t>
+            </a:r>
+            <a:r>
+              <a:rPr lang="en-US" dirty="0" err="1"/>
+              <a:t>cDNA</a:t>
+            </a:r>
+            <a:endParaRPr lang="es-ES" dirty="0"/>
+          </a:p>
+        </p:txBody>
+      </p:sp>
+      <p:graphicFrame>
+        <p:nvGraphicFramePr>
+          <p:cNvPr id="4" name="6 Gráfico"/>
+          <p:cNvGraphicFramePr>
+            <a:graphicFrameLocks/>
+          </p:cNvGraphicFramePr>
+          <p:nvPr>
+            <p:extLst>
+              <p:ext uri="{D42A27DB-BD31-4B8C-83A1-F6EECF244321}">
+                <p14:modId xmlns:p14="http://schemas.microsoft.com/office/powerpoint/2010/main" val="2441333417"/>
+              </p:ext>
+            </p:extLst>
+          </p:nvPr>
+        </p:nvGraphicFramePr>
+        <p:xfrm>
+          <a:off x="107504" y="1556791"/>
+          <a:ext cx="8568952" cy="5141371"/>
+        </p:xfrm>
+        <a:graphic>
+          <a:graphicData uri="http://schemas.openxmlformats.org/drawingml/2006/chart">
+            <c:chart xmlns:c="http://schemas.openxmlformats.org/drawingml/2006/chart" xmlns:r="http://schemas.openxmlformats.org/officeDocument/2006/relationships" r:id="rId2"/>
+          </a:graphicData>
+        </a:graphic>
+      </p:graphicFrame>
+    </p:spTree>
+    <p:extLst>
+      <p:ext uri="{BB962C8B-B14F-4D97-AF65-F5344CB8AC3E}">
+        <p14:creationId xmlns:p14="http://schemas.microsoft.com/office/powerpoint/2010/main" val="1348720472"/>
+      </p:ext>
+    </p:extLst>
+  </p:cSld>
+  <p:clrMapOvr>
+    <a:masterClrMapping/>
+  </p:clrMapOvr>
+</p:sld>
+</file>
+
+<file path=ppt/slides/slide17.xml><?xml version="1.0" encoding="utf-8"?>
 <p:sld xmlns:a="http://schemas.openxmlformats.org/drawingml/2006/main" xmlns:r="http://schemas.openxmlformats.org/officeDocument/2006/relationships" xmlns:p="http://schemas.openxmlformats.org/presentationml/2006/main">
   <p:cSld>
     <p:spTree>
@@ -43998,44 +44270,20 @@
       </p:sp>
       <p:graphicFrame>
         <p:nvGraphicFramePr>
-          <p:cNvPr id="10" name="7 Gráfico"/>
+          <p:cNvPr id="9" name="5 Gráfico"/>
           <p:cNvGraphicFramePr>
             <a:graphicFrameLocks/>
           </p:cNvGraphicFramePr>
           <p:nvPr>
             <p:extLst>
               <p:ext uri="{D42A27DB-BD31-4B8C-83A1-F6EECF244321}">
-                <p14:modId xmlns:p14="http://schemas.microsoft.com/office/powerpoint/2010/main" val="2455394988"/>
+                <p14:modId xmlns:p14="http://schemas.microsoft.com/office/powerpoint/2010/main" val="3903581117"/>
               </p:ext>
             </p:extLst>
           </p:nvPr>
         </p:nvGraphicFramePr>
         <p:xfrm>
-          <a:off x="0" y="2852936"/>
-          <a:ext cx="4572000" cy="2743200"/>
-        </p:xfrm>
-        <a:graphic>
-          <a:graphicData uri="http://schemas.openxmlformats.org/drawingml/2006/chart">
-            <c:chart xmlns:c="http://schemas.openxmlformats.org/drawingml/2006/chart" xmlns:r="http://schemas.openxmlformats.org/officeDocument/2006/relationships" r:id="rId2"/>
-          </a:graphicData>
-        </a:graphic>
-      </p:graphicFrame>
-      <p:graphicFrame>
-        <p:nvGraphicFramePr>
-          <p:cNvPr id="11" name="5 Gráfico"/>
-          <p:cNvGraphicFramePr>
-            <a:graphicFrameLocks/>
-          </p:cNvGraphicFramePr>
-          <p:nvPr>
-            <p:extLst>
-              <p:ext uri="{D42A27DB-BD31-4B8C-83A1-F6EECF244321}">
-                <p14:modId xmlns:p14="http://schemas.microsoft.com/office/powerpoint/2010/main" val="1386237798"/>
-              </p:ext>
-            </p:extLst>
-          </p:nvPr>
-        </p:nvGraphicFramePr>
-        <p:xfrm>
-          <a:off x="4589412" y="2924944"/>
+          <a:off x="4589412" y="2492896"/>
           <a:ext cx="4572000" cy="2743200"/>
         </p:xfrm>
         <a:graphic>
@@ -44044,93 +44292,34 @@
           </a:graphicData>
         </a:graphic>
       </p:graphicFrame>
-    </p:spTree>
-    <p:extLst>
-      <p:ext uri="{BB962C8B-B14F-4D97-AF65-F5344CB8AC3E}">
-        <p14:creationId xmlns:p14="http://schemas.microsoft.com/office/powerpoint/2010/main" val="1373886933"/>
-      </p:ext>
-    </p:extLst>
-  </p:cSld>
-  <p:clrMapOvr>
-    <a:masterClrMapping/>
-  </p:clrMapOvr>
-</p:sld>
-</file>
-
-<file path=ppt/slides/slide17.xml><?xml version="1.0" encoding="utf-8"?>
-<p:sld xmlns:a="http://schemas.openxmlformats.org/drawingml/2006/main" xmlns:r="http://schemas.openxmlformats.org/officeDocument/2006/relationships" xmlns:p="http://schemas.openxmlformats.org/presentationml/2006/main">
-  <p:cSld>
-    <p:spTree>
-      <p:nvGrpSpPr>
-        <p:cNvPr id="1" name=""/>
-        <p:cNvGrpSpPr/>
-        <p:nvPr/>
-      </p:nvGrpSpPr>
-      <p:grpSpPr>
-        <a:xfrm>
-          <a:off x="0" y="0"/>
-          <a:ext cx="0" cy="0"/>
-          <a:chOff x="0" y="0"/>
-          <a:chExt cx="0" cy="0"/>
-        </a:xfrm>
-      </p:grpSpPr>
-      <p:sp>
-        <p:nvSpPr>
-          <p:cNvPr id="2" name="1 Título"/>
-          <p:cNvSpPr>
-            <a:spLocks noGrp="1"/>
-          </p:cNvSpPr>
-          <p:nvPr>
-            <p:ph type="title"/>
-          </p:nvPr>
-        </p:nvSpPr>
-        <p:spPr/>
-        <p:txBody>
-          <a:bodyPr>
-            <a:normAutofit fontScale="90000"/>
-          </a:bodyPr>
-          <a:lstStyle/>
-          <a:p>
-            <a:r>
-              <a:rPr lang="en-US" dirty="0"/>
-              <a:t>Classification of unique reads: ∆rbp35 produces more reads from </a:t>
-            </a:r>
-            <a:r>
-              <a:rPr lang="en-US" dirty="0" err="1"/>
-              <a:t>cDNA</a:t>
-            </a:r>
-            <a:endParaRPr lang="es-ES" dirty="0"/>
-          </a:p>
-        </p:txBody>
-      </p:sp>
       <p:graphicFrame>
         <p:nvGraphicFramePr>
-          <p:cNvPr id="5" name="6 Gráfico"/>
+          <p:cNvPr id="12" name="7 Gráfico"/>
           <p:cNvGraphicFramePr>
             <a:graphicFrameLocks/>
           </p:cNvGraphicFramePr>
           <p:nvPr>
             <p:extLst>
               <p:ext uri="{D42A27DB-BD31-4B8C-83A1-F6EECF244321}">
-                <p14:modId xmlns:p14="http://schemas.microsoft.com/office/powerpoint/2010/main" val="1253457734"/>
+                <p14:modId xmlns:p14="http://schemas.microsoft.com/office/powerpoint/2010/main" val="4195745973"/>
               </p:ext>
             </p:extLst>
           </p:nvPr>
         </p:nvGraphicFramePr>
         <p:xfrm>
-          <a:off x="0" y="1556792"/>
-          <a:ext cx="8748464" cy="5249078"/>
+          <a:off x="0" y="2492896"/>
+          <a:ext cx="4572000" cy="2743200"/>
         </p:xfrm>
         <a:graphic>
           <a:graphicData uri="http://schemas.openxmlformats.org/drawingml/2006/chart">
-            <c:chart xmlns:c="http://schemas.openxmlformats.org/drawingml/2006/chart" xmlns:r="http://schemas.openxmlformats.org/officeDocument/2006/relationships" r:id="rId2"/>
+            <c:chart xmlns:c="http://schemas.openxmlformats.org/drawingml/2006/chart" xmlns:r="http://schemas.openxmlformats.org/officeDocument/2006/relationships" r:id="rId4"/>
           </a:graphicData>
         </a:graphic>
       </p:graphicFrame>
     </p:spTree>
     <p:extLst>
       <p:ext uri="{BB962C8B-B14F-4D97-AF65-F5344CB8AC3E}">
-        <p14:creationId xmlns:p14="http://schemas.microsoft.com/office/powerpoint/2010/main" val="1348720472"/>
+        <p14:creationId xmlns:p14="http://schemas.microsoft.com/office/powerpoint/2010/main" val="1373886933"/>
       </p:ext>
     </p:extLst>
   </p:cSld>

--- a/doc/small/small_presentation.pptx
+++ b/doc/small/small_presentation.pptx
@@ -45,9 +45,9 @@
     <p:sldId id="307" r:id="rId36"/>
     <p:sldId id="305" r:id="rId37"/>
     <p:sldId id="308" r:id="rId38"/>
-    <p:sldId id="282" r:id="rId39"/>
-    <p:sldId id="310" r:id="rId40"/>
-    <p:sldId id="311" r:id="rId41"/>
+    <p:sldId id="310" r:id="rId39"/>
+    <p:sldId id="311" r:id="rId40"/>
+    <p:sldId id="282" r:id="rId41"/>
     <p:sldId id="283" r:id="rId42"/>
     <p:sldId id="284" r:id="rId43"/>
     <p:sldId id="286" r:id="rId44"/>
@@ -159,7 +159,7 @@
 <file path=ppt/charts/chart1.xml><?xml version="1.0" encoding="utf-8"?>
 <c:chartSpace xmlns:c="http://schemas.openxmlformats.org/drawingml/2006/chart" xmlns:a="http://schemas.openxmlformats.org/drawingml/2006/main" xmlns:r="http://schemas.openxmlformats.org/officeDocument/2006/relationships">
   <c:date1904 val="0"/>
-  <c:lang val="es-ES"/>
+  <c:lang val="en-US"/>
   <c:roundedCorners val="0"/>
   <mc:AlternateContent xmlns:mc="http://schemas.openxmlformats.org/markup-compatibility/2006">
     <mc:Choice xmlns:c14="http://schemas.microsoft.com/office/drawing/2007/8/2/chart" Requires="c14">
@@ -339,11 +339,11 @@
           <c:showBubbleSize val="0"/>
         </c:dLbls>
         <c:gapWidth val="150"/>
-        <c:axId val="105620992"/>
-        <c:axId val="105631744"/>
+        <c:axId val="111674880"/>
+        <c:axId val="111676416"/>
       </c:barChart>
       <c:catAx>
-        <c:axId val="105620992"/>
+        <c:axId val="111674880"/>
         <c:scaling>
           <c:orientation val="minMax"/>
         </c:scaling>
@@ -359,10 +359,10 @@
             <a:pPr>
               <a:defRPr sz="1400"/>
             </a:pPr>
-            <a:endParaRPr lang="es-ES"/>
+            <a:endParaRPr lang="en-US"/>
           </a:p>
         </c:txPr>
-        <c:crossAx val="105631744"/>
+        <c:crossAx val="111676416"/>
         <c:crosses val="autoZero"/>
         <c:auto val="1"/>
         <c:lblAlgn val="ctr"/>
@@ -370,7 +370,7 @@
         <c:noMultiLvlLbl val="0"/>
       </c:catAx>
       <c:valAx>
-        <c:axId val="105631744"/>
+        <c:axId val="111676416"/>
         <c:scaling>
           <c:orientation val="minMax"/>
           <c:max val="1"/>
@@ -406,7 +406,7 @@
         <c:majorTickMark val="out"/>
         <c:minorTickMark val="none"/>
         <c:tickLblPos val="nextTo"/>
-        <c:crossAx val="105620992"/>
+        <c:crossAx val="111674880"/>
         <c:crosses val="autoZero"/>
         <c:crossBetween val="between"/>
       </c:valAx>
@@ -422,7 +422,7 @@
           <a:pPr>
             <a:defRPr sz="1400"/>
           </a:pPr>
-          <a:endParaRPr lang="es-ES"/>
+          <a:endParaRPr lang="en-US"/>
         </a:p>
       </c:txPr>
     </c:legend>
@@ -439,7 +439,7 @@
 <file path=ppt/charts/chart10.xml><?xml version="1.0" encoding="utf-8"?>
 <c:chartSpace xmlns:c="http://schemas.openxmlformats.org/drawingml/2006/chart" xmlns:a="http://schemas.openxmlformats.org/drawingml/2006/main" xmlns:r="http://schemas.openxmlformats.org/officeDocument/2006/relationships">
   <c:date1904 val="0"/>
-  <c:lang val="es-ES"/>
+  <c:lang val="en-US"/>
   <c:roundedCorners val="0"/>
   <mc:AlternateContent xmlns:mc="http://schemas.openxmlformats.org/markup-compatibility/2006">
     <mc:Choice xmlns:c14="http://schemas.microsoft.com/office/drawing/2007/8/2/chart" Requires="c14">
@@ -2088,11 +2088,11 @@
           <c:showPercent val="0"/>
           <c:showBubbleSize val="0"/>
         </c:dLbls>
-        <c:axId val="129784448"/>
-        <c:axId val="129807872"/>
+        <c:axId val="112577920"/>
+        <c:axId val="133765376"/>
       </c:scatterChart>
       <c:valAx>
-        <c:axId val="129784448"/>
+        <c:axId val="112577920"/>
         <c:scaling>
           <c:orientation val="minMax"/>
         </c:scaling>
@@ -2101,12 +2101,12 @@
         <c:majorTickMark val="out"/>
         <c:minorTickMark val="none"/>
         <c:tickLblPos val="nextTo"/>
-        <c:crossAx val="129807872"/>
+        <c:crossAx val="133765376"/>
         <c:crosses val="autoZero"/>
         <c:crossBetween val="midCat"/>
       </c:valAx>
       <c:valAx>
-        <c:axId val="129807872"/>
+        <c:axId val="133765376"/>
         <c:scaling>
           <c:orientation val="maxMin"/>
           <c:max val="0.1"/>
@@ -2146,7 +2146,7 @@
         <c:majorTickMark val="out"/>
         <c:minorTickMark val="none"/>
         <c:tickLblPos val="nextTo"/>
-        <c:crossAx val="129784448"/>
+        <c:crossAx val="112577920"/>
         <c:crosses val="autoZero"/>
         <c:crossBetween val="midCat"/>
       </c:valAx>
@@ -2164,7 +2164,7 @@
 <file path=ppt/charts/chart11.xml><?xml version="1.0" encoding="utf-8"?>
 <c:chartSpace xmlns:c="http://schemas.openxmlformats.org/drawingml/2006/chart" xmlns:a="http://schemas.openxmlformats.org/drawingml/2006/main" xmlns:r="http://schemas.openxmlformats.org/officeDocument/2006/relationships">
   <c:date1904 val="0"/>
-  <c:lang val="es-ES"/>
+  <c:lang val="en-US"/>
   <c:roundedCorners val="0"/>
   <mc:AlternateContent xmlns:mc="http://schemas.openxmlformats.org/markup-compatibility/2006">
     <mc:Choice xmlns:c14="http://schemas.microsoft.com/office/drawing/2007/8/2/chart" Requires="c14">
@@ -3818,11 +3818,11 @@
           <c:showPercent val="0"/>
           <c:showBubbleSize val="0"/>
         </c:dLbls>
-        <c:axId val="129860352"/>
-        <c:axId val="129863040"/>
+        <c:axId val="133780992"/>
+        <c:axId val="136053120"/>
       </c:scatterChart>
       <c:valAx>
-        <c:axId val="129860352"/>
+        <c:axId val="133780992"/>
         <c:scaling>
           <c:orientation val="minMax"/>
         </c:scaling>
@@ -3831,12 +3831,12 @@
         <c:majorTickMark val="out"/>
         <c:minorTickMark val="none"/>
         <c:tickLblPos val="nextTo"/>
-        <c:crossAx val="129863040"/>
+        <c:crossAx val="136053120"/>
         <c:crosses val="autoZero"/>
         <c:crossBetween val="midCat"/>
       </c:valAx>
       <c:valAx>
-        <c:axId val="129863040"/>
+        <c:axId val="136053120"/>
         <c:scaling>
           <c:orientation val="maxMin"/>
           <c:max val="0.1"/>
@@ -3876,7 +3876,7 @@
         <c:majorTickMark val="out"/>
         <c:minorTickMark val="none"/>
         <c:tickLblPos val="nextTo"/>
-        <c:crossAx val="129860352"/>
+        <c:crossAx val="133780992"/>
         <c:crosses val="autoZero"/>
         <c:crossBetween val="midCat"/>
       </c:valAx>
@@ -3894,7 +3894,7 @@
 <file path=ppt/charts/chart12.xml><?xml version="1.0" encoding="utf-8"?>
 <c:chartSpace xmlns:c="http://schemas.openxmlformats.org/drawingml/2006/chart" xmlns:a="http://schemas.openxmlformats.org/drawingml/2006/main" xmlns:r="http://schemas.openxmlformats.org/officeDocument/2006/relationships">
   <c:date1904 val="0"/>
-  <c:lang val="es-ES"/>
+  <c:lang val="en-US"/>
   <c:roundedCorners val="0"/>
   <mc:AlternateContent xmlns:mc="http://schemas.openxmlformats.org/markup-compatibility/2006">
     <mc:Choice xmlns:c14="http://schemas.microsoft.com/office/drawing/2007/8/2/chart" Requires="c14">
@@ -4013,7 +4013,7 @@
           <a:pPr>
             <a:defRPr sz="1400"/>
           </a:pPr>
-          <a:endParaRPr lang="es-ES"/>
+          <a:endParaRPr lang="en-US"/>
         </a:p>
       </c:txPr>
     </c:legend>
@@ -4030,7 +4030,7 @@
 <file path=ppt/charts/chart13.xml><?xml version="1.0" encoding="utf-8"?>
 <c:chartSpace xmlns:c="http://schemas.openxmlformats.org/drawingml/2006/chart" xmlns:a="http://schemas.openxmlformats.org/drawingml/2006/main" xmlns:r="http://schemas.openxmlformats.org/officeDocument/2006/relationships">
   <c:date1904 val="0"/>
-  <c:lang val="es-ES"/>
+  <c:lang val="en-US"/>
   <c:roundedCorners val="0"/>
   <mc:AlternateContent xmlns:mc="http://schemas.openxmlformats.org/markup-compatibility/2006">
     <mc:Choice xmlns:c14="http://schemas.microsoft.com/office/drawing/2007/8/2/chart" Requires="c14">
@@ -4118,7 +4118,7 @@
 <file path=ppt/charts/chart14.xml><?xml version="1.0" encoding="utf-8"?>
 <c:chartSpace xmlns:c="http://schemas.openxmlformats.org/drawingml/2006/chart" xmlns:a="http://schemas.openxmlformats.org/drawingml/2006/main" xmlns:r="http://schemas.openxmlformats.org/officeDocument/2006/relationships">
   <c:date1904 val="0"/>
-  <c:lang val="es-ES"/>
+  <c:lang val="en-US"/>
   <c:roundedCorners val="0"/>
   <mc:AlternateContent xmlns:mc="http://schemas.openxmlformats.org/markup-compatibility/2006">
     <mc:Choice xmlns:c14="http://schemas.microsoft.com/office/drawing/2007/8/2/chart" Requires="c14">
@@ -4230,7 +4230,7 @@
 <file path=ppt/charts/chart15.xml><?xml version="1.0" encoding="utf-8"?>
 <c:chartSpace xmlns:c="http://schemas.openxmlformats.org/drawingml/2006/chart" xmlns:a="http://schemas.openxmlformats.org/drawingml/2006/main" xmlns:r="http://schemas.openxmlformats.org/officeDocument/2006/relationships">
   <c:date1904 val="0"/>
-  <c:lang val="es-ES"/>
+  <c:lang val="en-US"/>
   <c:roundedCorners val="0"/>
   <mc:AlternateContent xmlns:mc="http://schemas.openxmlformats.org/markup-compatibility/2006">
     <mc:Choice xmlns:c14="http://schemas.microsoft.com/office/drawing/2007/8/2/chart" Requires="c14">
@@ -4548,11 +4548,11 @@
           <c:showBubbleSize val="0"/>
         </c:dLbls>
         <c:gapWidth val="150"/>
-        <c:axId val="129724800"/>
-        <c:axId val="129726336"/>
+        <c:axId val="136172672"/>
+        <c:axId val="136174208"/>
       </c:barChart>
       <c:catAx>
-        <c:axId val="129724800"/>
+        <c:axId val="136172672"/>
         <c:scaling>
           <c:orientation val="minMax"/>
         </c:scaling>
@@ -4561,7 +4561,7 @@
         <c:majorTickMark val="out"/>
         <c:minorTickMark val="none"/>
         <c:tickLblPos val="nextTo"/>
-        <c:crossAx val="129726336"/>
+        <c:crossAx val="136174208"/>
         <c:crosses val="autoZero"/>
         <c:auto val="1"/>
         <c:lblAlgn val="ctr"/>
@@ -4569,7 +4569,7 @@
         <c:noMultiLvlLbl val="0"/>
       </c:catAx>
       <c:valAx>
-        <c:axId val="129726336"/>
+        <c:axId val="136174208"/>
         <c:scaling>
           <c:orientation val="minMax"/>
           <c:max val="1"/>
@@ -4581,7 +4581,7 @@
         <c:majorTickMark val="out"/>
         <c:minorTickMark val="none"/>
         <c:tickLblPos val="nextTo"/>
-        <c:crossAx val="129724800"/>
+        <c:crossAx val="136172672"/>
         <c:crosses val="autoZero"/>
         <c:crossBetween val="between"/>
       </c:valAx>
@@ -4604,7 +4604,7 @@
 <file path=ppt/charts/chart16.xml><?xml version="1.0" encoding="utf-8"?>
 <c:chartSpace xmlns:c="http://schemas.openxmlformats.org/drawingml/2006/chart" xmlns:a="http://schemas.openxmlformats.org/drawingml/2006/main" xmlns:r="http://schemas.openxmlformats.org/officeDocument/2006/relationships">
   <c:date1904 val="0"/>
-  <c:lang val="es-ES"/>
+  <c:lang val="en-US"/>
   <c:roundedCorners val="0"/>
   <mc:AlternateContent xmlns:mc="http://schemas.openxmlformats.org/markup-compatibility/2006">
     <mc:Choice xmlns:c14="http://schemas.microsoft.com/office/drawing/2007/8/2/chart" Requires="c14">
@@ -4856,11 +4856,11 @@
           <c:showBubbleSize val="0"/>
         </c:dLbls>
         <c:gapWidth val="150"/>
-        <c:axId val="130233472"/>
-        <c:axId val="130235008"/>
+        <c:axId val="133513984"/>
+        <c:axId val="133515520"/>
       </c:barChart>
       <c:catAx>
-        <c:axId val="130233472"/>
+        <c:axId val="133513984"/>
         <c:scaling>
           <c:orientation val="minMax"/>
         </c:scaling>
@@ -4869,7 +4869,7 @@
         <c:majorTickMark val="out"/>
         <c:minorTickMark val="none"/>
         <c:tickLblPos val="nextTo"/>
-        <c:crossAx val="130235008"/>
+        <c:crossAx val="133515520"/>
         <c:crosses val="autoZero"/>
         <c:auto val="1"/>
         <c:lblAlgn val="ctr"/>
@@ -4877,7 +4877,7 @@
         <c:noMultiLvlLbl val="0"/>
       </c:catAx>
       <c:valAx>
-        <c:axId val="130235008"/>
+        <c:axId val="133515520"/>
         <c:scaling>
           <c:orientation val="minMax"/>
           <c:max val="0.35000000000000003"/>
@@ -4889,7 +4889,7 @@
         <c:majorTickMark val="out"/>
         <c:minorTickMark val="none"/>
         <c:tickLblPos val="nextTo"/>
-        <c:crossAx val="130233472"/>
+        <c:crossAx val="133513984"/>
         <c:crosses val="autoZero"/>
         <c:crossBetween val="between"/>
       </c:valAx>
@@ -4912,7 +4912,7 @@
 <file path=ppt/charts/chart17.xml><?xml version="1.0" encoding="utf-8"?>
 <c:chartSpace xmlns:c="http://schemas.openxmlformats.org/drawingml/2006/chart" xmlns:a="http://schemas.openxmlformats.org/drawingml/2006/main" xmlns:r="http://schemas.openxmlformats.org/officeDocument/2006/relationships">
   <c:date1904 val="0"/>
-  <c:lang val="es-ES"/>
+  <c:lang val="en-US"/>
   <c:roundedCorners val="0"/>
   <mc:AlternateContent xmlns:mc="http://schemas.openxmlformats.org/markup-compatibility/2006">
     <mc:Choice xmlns:c14="http://schemas.microsoft.com/office/drawing/2007/8/2/chart" Requires="c14">
@@ -5548,11 +5548,11 @@
           <c:showBubbleSize val="0"/>
         </c:dLbls>
         <c:gapWidth val="150"/>
-        <c:axId val="140943360"/>
-        <c:axId val="141003392"/>
+        <c:axId val="133553536"/>
+        <c:axId val="133555328"/>
       </c:barChart>
       <c:catAx>
-        <c:axId val="140943360"/>
+        <c:axId val="133553536"/>
         <c:scaling>
           <c:orientation val="minMax"/>
         </c:scaling>
@@ -5561,7 +5561,7 @@
         <c:majorTickMark val="out"/>
         <c:minorTickMark val="none"/>
         <c:tickLblPos val="nextTo"/>
-        <c:crossAx val="141003392"/>
+        <c:crossAx val="133555328"/>
         <c:crosses val="autoZero"/>
         <c:auto val="1"/>
         <c:lblAlgn val="ctr"/>
@@ -5569,7 +5569,7 @@
         <c:noMultiLvlLbl val="0"/>
       </c:catAx>
       <c:valAx>
-        <c:axId val="141003392"/>
+        <c:axId val="133555328"/>
         <c:scaling>
           <c:orientation val="minMax"/>
           <c:max val="0.35000000000000003"/>
@@ -5581,7 +5581,7 @@
         <c:majorTickMark val="out"/>
         <c:minorTickMark val="none"/>
         <c:tickLblPos val="nextTo"/>
-        <c:crossAx val="140943360"/>
+        <c:crossAx val="133553536"/>
         <c:crosses val="autoZero"/>
         <c:crossBetween val="between"/>
       </c:valAx>
@@ -5604,7 +5604,7 @@
 <file path=ppt/charts/chart18.xml><?xml version="1.0" encoding="utf-8"?>
 <c:chartSpace xmlns:c="http://schemas.openxmlformats.org/drawingml/2006/chart" xmlns:a="http://schemas.openxmlformats.org/drawingml/2006/main" xmlns:r="http://schemas.openxmlformats.org/officeDocument/2006/relationships">
   <c:date1904 val="0"/>
-  <c:lang val="es-ES"/>
+  <c:lang val="en-US"/>
   <c:roundedCorners val="0"/>
   <mc:AlternateContent xmlns:mc="http://schemas.openxmlformats.org/markup-compatibility/2006">
     <mc:Choice xmlns:c14="http://schemas.microsoft.com/office/drawing/2007/8/2/chart" Requires="c14">
@@ -5856,11 +5856,11 @@
           <c:showBubbleSize val="0"/>
         </c:dLbls>
         <c:gapWidth val="150"/>
-        <c:axId val="130282240"/>
-        <c:axId val="130283776"/>
+        <c:axId val="133602304"/>
+        <c:axId val="133608192"/>
       </c:barChart>
       <c:catAx>
-        <c:axId val="130282240"/>
+        <c:axId val="133602304"/>
         <c:scaling>
           <c:orientation val="minMax"/>
         </c:scaling>
@@ -5869,7 +5869,7 @@
         <c:majorTickMark val="out"/>
         <c:minorTickMark val="none"/>
         <c:tickLblPos val="nextTo"/>
-        <c:crossAx val="130283776"/>
+        <c:crossAx val="133608192"/>
         <c:crosses val="autoZero"/>
         <c:auto val="1"/>
         <c:lblAlgn val="ctr"/>
@@ -5877,7 +5877,7 @@
         <c:noMultiLvlLbl val="0"/>
       </c:catAx>
       <c:valAx>
-        <c:axId val="130283776"/>
+        <c:axId val="133608192"/>
         <c:scaling>
           <c:orientation val="minMax"/>
           <c:max val="0.35000000000000003"/>
@@ -5889,7 +5889,7 @@
         <c:majorTickMark val="out"/>
         <c:minorTickMark val="none"/>
         <c:tickLblPos val="nextTo"/>
-        <c:crossAx val="130282240"/>
+        <c:crossAx val="133602304"/>
         <c:crosses val="autoZero"/>
         <c:crossBetween val="between"/>
       </c:valAx>
@@ -5912,7 +5912,7 @@
 <file path=ppt/charts/chart19.xml><?xml version="1.0" encoding="utf-8"?>
 <c:chartSpace xmlns:c="http://schemas.openxmlformats.org/drawingml/2006/chart" xmlns:a="http://schemas.openxmlformats.org/drawingml/2006/main" xmlns:r="http://schemas.openxmlformats.org/officeDocument/2006/relationships">
   <c:date1904 val="0"/>
-  <c:lang val="es-ES"/>
+  <c:lang val="en-US"/>
   <c:roundedCorners val="0"/>
   <mc:AlternateContent xmlns:mc="http://schemas.openxmlformats.org/markup-compatibility/2006">
     <mc:Choice xmlns:c14="http://schemas.microsoft.com/office/drawing/2007/8/2/chart" Requires="c14">
@@ -6164,11 +6164,11 @@
           <c:showBubbleSize val="0"/>
         </c:dLbls>
         <c:gapWidth val="150"/>
-        <c:axId val="129977728"/>
-        <c:axId val="129983616"/>
+        <c:axId val="133625728"/>
+        <c:axId val="133627264"/>
       </c:barChart>
       <c:catAx>
-        <c:axId val="129977728"/>
+        <c:axId val="133625728"/>
         <c:scaling>
           <c:orientation val="minMax"/>
         </c:scaling>
@@ -6177,7 +6177,7 @@
         <c:majorTickMark val="out"/>
         <c:minorTickMark val="none"/>
         <c:tickLblPos val="nextTo"/>
-        <c:crossAx val="129983616"/>
+        <c:crossAx val="133627264"/>
         <c:crosses val="autoZero"/>
         <c:auto val="1"/>
         <c:lblAlgn val="ctr"/>
@@ -6185,7 +6185,7 @@
         <c:noMultiLvlLbl val="0"/>
       </c:catAx>
       <c:valAx>
-        <c:axId val="129983616"/>
+        <c:axId val="133627264"/>
         <c:scaling>
           <c:orientation val="minMax"/>
           <c:max val="0.35000000000000003"/>
@@ -6197,7 +6197,7 @@
         <c:majorTickMark val="out"/>
         <c:minorTickMark val="none"/>
         <c:tickLblPos val="nextTo"/>
-        <c:crossAx val="129977728"/>
+        <c:crossAx val="133625728"/>
         <c:crosses val="autoZero"/>
         <c:crossBetween val="between"/>
       </c:valAx>
@@ -6220,7 +6220,7 @@
 <file path=ppt/charts/chart2.xml><?xml version="1.0" encoding="utf-8"?>
 <c:chartSpace xmlns:c="http://schemas.openxmlformats.org/drawingml/2006/chart" xmlns:a="http://schemas.openxmlformats.org/drawingml/2006/main" xmlns:r="http://schemas.openxmlformats.org/officeDocument/2006/relationships">
   <c:date1904 val="0"/>
-  <c:lang val="es-ES"/>
+  <c:lang val="en-US"/>
   <c:roundedCorners val="0"/>
   <mc:AlternateContent xmlns:mc="http://schemas.openxmlformats.org/markup-compatibility/2006">
     <mc:Choice xmlns:c14="http://schemas.microsoft.com/office/drawing/2007/8/2/chart" Requires="c14">
@@ -7186,11 +7186,11 @@
         </c:dLbls>
         <c:marker val="1"/>
         <c:smooth val="0"/>
-        <c:axId val="119569024"/>
-        <c:axId val="119583488"/>
+        <c:axId val="111727360"/>
+        <c:axId val="111729280"/>
       </c:lineChart>
       <c:catAx>
-        <c:axId val="119569024"/>
+        <c:axId val="111727360"/>
         <c:scaling>
           <c:orientation val="minMax"/>
         </c:scaling>
@@ -7224,7 +7224,7 @@
         <c:majorTickMark val="out"/>
         <c:minorTickMark val="none"/>
         <c:tickLblPos val="nextTo"/>
-        <c:crossAx val="119583488"/>
+        <c:crossAx val="111729280"/>
         <c:crosses val="autoZero"/>
         <c:auto val="1"/>
         <c:lblAlgn val="ctr"/>
@@ -7232,7 +7232,7 @@
         <c:noMultiLvlLbl val="0"/>
       </c:catAx>
       <c:valAx>
-        <c:axId val="119583488"/>
+        <c:axId val="111729280"/>
         <c:scaling>
           <c:orientation val="minMax"/>
           <c:max val="0.5"/>
@@ -7244,7 +7244,7 @@
         <c:majorTickMark val="out"/>
         <c:minorTickMark val="none"/>
         <c:tickLblPos val="nextTo"/>
-        <c:crossAx val="119569024"/>
+        <c:crossAx val="111727360"/>
         <c:crosses val="autoZero"/>
         <c:crossBetween val="between"/>
       </c:valAx>
@@ -7267,7 +7267,7 @@
 <file path=ppt/charts/chart20.xml><?xml version="1.0" encoding="utf-8"?>
 <c:chartSpace xmlns:c="http://schemas.openxmlformats.org/drawingml/2006/chart" xmlns:a="http://schemas.openxmlformats.org/drawingml/2006/main" xmlns:r="http://schemas.openxmlformats.org/officeDocument/2006/relationships">
   <c:date1904 val="0"/>
-  <c:lang val="es-ES"/>
+  <c:lang val="en-US"/>
   <c:roundedCorners val="0"/>
   <mc:AlternateContent xmlns:mc="http://schemas.openxmlformats.org/markup-compatibility/2006">
     <mc:Choice xmlns:c14="http://schemas.microsoft.com/office/drawing/2007/8/2/chart" Requires="c14">
@@ -7476,11 +7476,11 @@
           <c:showBubbleSize val="0"/>
         </c:dLbls>
         <c:gapWidth val="150"/>
-        <c:axId val="130079744"/>
-        <c:axId val="130081536"/>
+        <c:axId val="133747072"/>
+        <c:axId val="133748608"/>
       </c:barChart>
       <c:catAx>
-        <c:axId val="130079744"/>
+        <c:axId val="133747072"/>
         <c:scaling>
           <c:orientation val="minMax"/>
         </c:scaling>
@@ -7489,7 +7489,7 @@
         <c:majorTickMark val="out"/>
         <c:minorTickMark val="none"/>
         <c:tickLblPos val="nextTo"/>
-        <c:crossAx val="130081536"/>
+        <c:crossAx val="133748608"/>
         <c:crosses val="autoZero"/>
         <c:auto val="1"/>
         <c:lblAlgn val="ctr"/>
@@ -7497,7 +7497,7 @@
         <c:noMultiLvlLbl val="0"/>
       </c:catAx>
       <c:valAx>
-        <c:axId val="130081536"/>
+        <c:axId val="133748608"/>
         <c:scaling>
           <c:orientation val="minMax"/>
         </c:scaling>
@@ -7508,7 +7508,7 @@
         <c:majorTickMark val="out"/>
         <c:minorTickMark val="none"/>
         <c:tickLblPos val="nextTo"/>
-        <c:crossAx val="130079744"/>
+        <c:crossAx val="133747072"/>
         <c:crosses val="autoZero"/>
         <c:crossBetween val="between"/>
       </c:valAx>
@@ -7531,7 +7531,7 @@
 <file path=ppt/charts/chart21.xml><?xml version="1.0" encoding="utf-8"?>
 <c:chartSpace xmlns:c="http://schemas.openxmlformats.org/drawingml/2006/chart" xmlns:a="http://schemas.openxmlformats.org/drawingml/2006/main" xmlns:r="http://schemas.openxmlformats.org/officeDocument/2006/relationships">
   <c:date1904 val="0"/>
-  <c:lang val="es-ES"/>
+  <c:lang val="en-US"/>
   <c:roundedCorners val="0"/>
   <mc:AlternateContent xmlns:mc="http://schemas.openxmlformats.org/markup-compatibility/2006">
     <mc:Choice xmlns:c14="http://schemas.microsoft.com/office/drawing/2007/8/2/chart" Requires="c14">
@@ -7740,11 +7740,11 @@
           <c:showBubbleSize val="0"/>
         </c:dLbls>
         <c:gapWidth val="150"/>
-        <c:axId val="130112128"/>
-        <c:axId val="130122112"/>
+        <c:axId val="139467776"/>
+        <c:axId val="139490048"/>
       </c:barChart>
       <c:catAx>
-        <c:axId val="130112128"/>
+        <c:axId val="139467776"/>
         <c:scaling>
           <c:orientation val="minMax"/>
         </c:scaling>
@@ -7753,7 +7753,7 @@
         <c:majorTickMark val="out"/>
         <c:minorTickMark val="none"/>
         <c:tickLblPos val="nextTo"/>
-        <c:crossAx val="130122112"/>
+        <c:crossAx val="139490048"/>
         <c:crosses val="autoZero"/>
         <c:auto val="1"/>
         <c:lblAlgn val="ctr"/>
@@ -7761,7 +7761,7 @@
         <c:noMultiLvlLbl val="0"/>
       </c:catAx>
       <c:valAx>
-        <c:axId val="130122112"/>
+        <c:axId val="139490048"/>
         <c:scaling>
           <c:orientation val="minMax"/>
         </c:scaling>
@@ -7772,7 +7772,7 @@
         <c:majorTickMark val="out"/>
         <c:minorTickMark val="none"/>
         <c:tickLblPos val="nextTo"/>
-        <c:crossAx val="130112128"/>
+        <c:crossAx val="139467776"/>
         <c:crosses val="autoZero"/>
         <c:crossBetween val="between"/>
       </c:valAx>
@@ -7795,7 +7795,7 @@
 <file path=ppt/charts/chart22.xml><?xml version="1.0" encoding="utf-8"?>
 <c:chartSpace xmlns:c="http://schemas.openxmlformats.org/drawingml/2006/chart" xmlns:a="http://schemas.openxmlformats.org/drawingml/2006/main" xmlns:r="http://schemas.openxmlformats.org/officeDocument/2006/relationships">
   <c:date1904 val="0"/>
-  <c:lang val="es-ES"/>
+  <c:lang val="en-US"/>
   <c:roundedCorners val="0"/>
   <mc:AlternateContent xmlns:mc="http://schemas.openxmlformats.org/markup-compatibility/2006">
     <mc:Choice xmlns:c14="http://schemas.microsoft.com/office/drawing/2007/8/2/chart" Requires="c14">
@@ -9147,11 +9147,11 @@
         </c:dLbls>
         <c:marker val="1"/>
         <c:smooth val="0"/>
-        <c:axId val="130183168"/>
-        <c:axId val="130184704"/>
+        <c:axId val="140988800"/>
+        <c:axId val="140990336"/>
       </c:lineChart>
       <c:catAx>
-        <c:axId val="130183168"/>
+        <c:axId val="140988800"/>
         <c:scaling>
           <c:orientation val="minMax"/>
         </c:scaling>
@@ -9161,7 +9161,7 @@
         <c:majorTickMark val="out"/>
         <c:minorTickMark val="none"/>
         <c:tickLblPos val="nextTo"/>
-        <c:crossAx val="130184704"/>
+        <c:crossAx val="140990336"/>
         <c:crosses val="autoZero"/>
         <c:auto val="1"/>
         <c:lblAlgn val="ctr"/>
@@ -9169,7 +9169,7 @@
         <c:noMultiLvlLbl val="0"/>
       </c:catAx>
       <c:valAx>
-        <c:axId val="130184704"/>
+        <c:axId val="140990336"/>
         <c:scaling>
           <c:orientation val="minMax"/>
         </c:scaling>
@@ -9180,7 +9180,7 @@
         <c:majorTickMark val="out"/>
         <c:minorTickMark val="none"/>
         <c:tickLblPos val="nextTo"/>
-        <c:crossAx val="130183168"/>
+        <c:crossAx val="140988800"/>
         <c:crosses val="autoZero"/>
         <c:crossBetween val="between"/>
       </c:valAx>
@@ -9203,7 +9203,7 @@
 <file path=ppt/charts/chart23.xml><?xml version="1.0" encoding="utf-8"?>
 <c:chartSpace xmlns:c="http://schemas.openxmlformats.org/drawingml/2006/chart" xmlns:a="http://schemas.openxmlformats.org/drawingml/2006/main" xmlns:r="http://schemas.openxmlformats.org/officeDocument/2006/relationships">
   <c:date1904 val="0"/>
-  <c:lang val="es-ES"/>
+  <c:lang val="en-US"/>
   <c:roundedCorners val="0"/>
   <mc:AlternateContent xmlns:mc="http://schemas.openxmlformats.org/markup-compatibility/2006">
     <mc:Choice xmlns:c14="http://schemas.microsoft.com/office/drawing/2007/8/2/chart" Requires="c14">
@@ -9458,11 +9458,11 @@
           <c:showPercent val="0"/>
           <c:showBubbleSize val="0"/>
         </c:dLbls>
-        <c:axId val="130153088"/>
-        <c:axId val="128254336"/>
+        <c:axId val="141024256"/>
+        <c:axId val="142476032"/>
       </c:scatterChart>
       <c:valAx>
-        <c:axId val="130153088"/>
+        <c:axId val="141024256"/>
         <c:scaling>
           <c:orientation val="minMax"/>
         </c:scaling>
@@ -9472,12 +9472,12 @@
         <c:majorTickMark val="out"/>
         <c:minorTickMark val="none"/>
         <c:tickLblPos val="nextTo"/>
-        <c:crossAx val="128254336"/>
+        <c:crossAx val="142476032"/>
         <c:crosses val="autoZero"/>
         <c:crossBetween val="midCat"/>
       </c:valAx>
       <c:valAx>
-        <c:axId val="128254336"/>
+        <c:axId val="142476032"/>
         <c:scaling>
           <c:orientation val="minMax"/>
           <c:max val="350"/>
@@ -9489,7 +9489,7 @@
         <c:majorTickMark val="out"/>
         <c:minorTickMark val="none"/>
         <c:tickLblPos val="nextTo"/>
-        <c:crossAx val="130153088"/>
+        <c:crossAx val="141024256"/>
         <c:crosses val="autoZero"/>
         <c:crossBetween val="midCat"/>
       </c:valAx>
@@ -9507,7 +9507,7 @@
 <file path=ppt/charts/chart24.xml><?xml version="1.0" encoding="utf-8"?>
 <c:chartSpace xmlns:c="http://schemas.openxmlformats.org/drawingml/2006/chart" xmlns:a="http://schemas.openxmlformats.org/drawingml/2006/main" xmlns:r="http://schemas.openxmlformats.org/officeDocument/2006/relationships">
   <c:date1904 val="0"/>
-  <c:lang val="es-ES"/>
+  <c:lang val="en-US"/>
   <c:roundedCorners val="0"/>
   <mc:AlternateContent xmlns:mc="http://schemas.openxmlformats.org/markup-compatibility/2006">
     <mc:Choice xmlns:c14="http://schemas.microsoft.com/office/drawing/2007/8/2/chart" Requires="c14">
@@ -9985,11 +9985,11 @@
           <c:showPercent val="0"/>
           <c:showBubbleSize val="0"/>
         </c:dLbls>
-        <c:axId val="128289024"/>
-        <c:axId val="128290816"/>
+        <c:axId val="142494336"/>
+        <c:axId val="142508416"/>
       </c:scatterChart>
       <c:valAx>
-        <c:axId val="128289024"/>
+        <c:axId val="142494336"/>
         <c:scaling>
           <c:orientation val="minMax"/>
         </c:scaling>
@@ -9999,12 +9999,12 @@
         <c:majorTickMark val="out"/>
         <c:minorTickMark val="none"/>
         <c:tickLblPos val="nextTo"/>
-        <c:crossAx val="128290816"/>
+        <c:crossAx val="142508416"/>
         <c:crosses val="autoZero"/>
         <c:crossBetween val="midCat"/>
       </c:valAx>
       <c:valAx>
-        <c:axId val="128290816"/>
+        <c:axId val="142508416"/>
         <c:scaling>
           <c:orientation val="minMax"/>
         </c:scaling>
@@ -10015,7 +10015,7 @@
         <c:majorTickMark val="out"/>
         <c:minorTickMark val="none"/>
         <c:tickLblPos val="nextTo"/>
-        <c:crossAx val="128289024"/>
+        <c:crossAx val="142494336"/>
         <c:crosses val="autoZero"/>
         <c:crossBetween val="midCat"/>
       </c:valAx>
@@ -10033,7 +10033,7 @@
 <file path=ppt/charts/chart25.xml><?xml version="1.0" encoding="utf-8"?>
 <c:chartSpace xmlns:c="http://schemas.openxmlformats.org/drawingml/2006/chart" xmlns:a="http://schemas.openxmlformats.org/drawingml/2006/main" xmlns:r="http://schemas.openxmlformats.org/officeDocument/2006/relationships">
   <c:date1904 val="0"/>
-  <c:lang val="es-ES"/>
+  <c:lang val="en-US"/>
   <c:roundedCorners val="0"/>
   <mc:AlternateContent xmlns:mc="http://schemas.openxmlformats.org/markup-compatibility/2006">
     <mc:Choice xmlns:c14="http://schemas.microsoft.com/office/drawing/2007/8/2/chart" Requires="c14">
@@ -10487,11 +10487,11 @@
           <c:showPercent val="0"/>
           <c:showBubbleSize val="0"/>
         </c:dLbls>
-        <c:axId val="128313216"/>
-        <c:axId val="128314752"/>
+        <c:axId val="142518528"/>
+        <c:axId val="142520320"/>
       </c:scatterChart>
       <c:valAx>
-        <c:axId val="128313216"/>
+        <c:axId val="142518528"/>
         <c:scaling>
           <c:orientation val="minMax"/>
         </c:scaling>
@@ -10501,12 +10501,12 @@
         <c:majorTickMark val="out"/>
         <c:minorTickMark val="none"/>
         <c:tickLblPos val="nextTo"/>
-        <c:crossAx val="128314752"/>
+        <c:crossAx val="142520320"/>
         <c:crosses val="autoZero"/>
         <c:crossBetween val="midCat"/>
       </c:valAx>
       <c:valAx>
-        <c:axId val="128314752"/>
+        <c:axId val="142520320"/>
         <c:scaling>
           <c:orientation val="minMax"/>
         </c:scaling>
@@ -10517,7 +10517,7 @@
         <c:majorTickMark val="out"/>
         <c:minorTickMark val="none"/>
         <c:tickLblPos val="nextTo"/>
-        <c:crossAx val="128313216"/>
+        <c:crossAx val="142518528"/>
         <c:crosses val="autoZero"/>
         <c:crossBetween val="midCat"/>
       </c:valAx>
@@ -10535,7 +10535,7 @@
 <file path=ppt/charts/chart26.xml><?xml version="1.0" encoding="utf-8"?>
 <c:chartSpace xmlns:c="http://schemas.openxmlformats.org/drawingml/2006/chart" xmlns:a="http://schemas.openxmlformats.org/drawingml/2006/main" xmlns:r="http://schemas.openxmlformats.org/officeDocument/2006/relationships">
   <c:date1904 val="0"/>
-  <c:lang val="es-ES"/>
+  <c:lang val="en-US"/>
   <c:roundedCorners val="0"/>
   <mc:AlternateContent xmlns:mc="http://schemas.openxmlformats.org/markup-compatibility/2006">
     <mc:Choice xmlns:c14="http://schemas.microsoft.com/office/drawing/2007/8/2/chart" Requires="c14">
@@ -10929,11 +10929,11 @@
           <c:showPercent val="0"/>
           <c:showBubbleSize val="0"/>
         </c:dLbls>
-        <c:axId val="128341504"/>
-        <c:axId val="128343040"/>
+        <c:axId val="142559104"/>
+        <c:axId val="142560640"/>
       </c:scatterChart>
       <c:valAx>
-        <c:axId val="128341504"/>
+        <c:axId val="142559104"/>
         <c:scaling>
           <c:orientation val="minMax"/>
         </c:scaling>
@@ -10943,12 +10943,12 @@
         <c:majorTickMark val="out"/>
         <c:minorTickMark val="none"/>
         <c:tickLblPos val="nextTo"/>
-        <c:crossAx val="128343040"/>
+        <c:crossAx val="142560640"/>
         <c:crosses val="autoZero"/>
         <c:crossBetween val="midCat"/>
       </c:valAx>
       <c:valAx>
-        <c:axId val="128343040"/>
+        <c:axId val="142560640"/>
         <c:scaling>
           <c:orientation val="minMax"/>
           <c:max val="350"/>
@@ -10960,7 +10960,7 @@
         <c:majorTickMark val="out"/>
         <c:minorTickMark val="none"/>
         <c:tickLblPos val="nextTo"/>
-        <c:crossAx val="128341504"/>
+        <c:crossAx val="142559104"/>
         <c:crosses val="autoZero"/>
         <c:crossBetween val="midCat"/>
       </c:valAx>
@@ -10978,7 +10978,7 @@
 <file path=ppt/charts/chart27.xml><?xml version="1.0" encoding="utf-8"?>
 <c:chartSpace xmlns:c="http://schemas.openxmlformats.org/drawingml/2006/chart" xmlns:a="http://schemas.openxmlformats.org/drawingml/2006/main" xmlns:r="http://schemas.openxmlformats.org/officeDocument/2006/relationships">
   <c:date1904 val="0"/>
-  <c:lang val="es-ES"/>
+  <c:lang val="en-US"/>
   <c:roundedCorners val="0"/>
   <mc:AlternateContent xmlns:mc="http://schemas.openxmlformats.org/markup-compatibility/2006">
     <mc:Choice xmlns:c14="http://schemas.microsoft.com/office/drawing/2007/8/2/chart" Requires="c14">
@@ -11336,11 +11336,11 @@
           <c:showPercent val="0"/>
           <c:showBubbleSize val="0"/>
         </c:dLbls>
-        <c:axId val="128373888"/>
-        <c:axId val="128375424"/>
+        <c:axId val="142591488"/>
+        <c:axId val="142593024"/>
       </c:scatterChart>
       <c:valAx>
-        <c:axId val="128373888"/>
+        <c:axId val="142591488"/>
         <c:scaling>
           <c:orientation val="minMax"/>
         </c:scaling>
@@ -11350,12 +11350,12 @@
         <c:majorTickMark val="out"/>
         <c:minorTickMark val="none"/>
         <c:tickLblPos val="nextTo"/>
-        <c:crossAx val="128375424"/>
+        <c:crossAx val="142593024"/>
         <c:crosses val="autoZero"/>
         <c:crossBetween val="midCat"/>
       </c:valAx>
       <c:valAx>
-        <c:axId val="128375424"/>
+        <c:axId val="142593024"/>
         <c:scaling>
           <c:orientation val="minMax"/>
           <c:max val="350"/>
@@ -11367,7 +11367,7 @@
         <c:majorTickMark val="out"/>
         <c:minorTickMark val="none"/>
         <c:tickLblPos val="nextTo"/>
-        <c:crossAx val="128373888"/>
+        <c:crossAx val="142591488"/>
         <c:crosses val="autoZero"/>
         <c:crossBetween val="midCat"/>
       </c:valAx>
@@ -11385,7 +11385,7 @@
 <file path=ppt/charts/chart28.xml><?xml version="1.0" encoding="utf-8"?>
 <c:chartSpace xmlns:c="http://schemas.openxmlformats.org/drawingml/2006/chart" xmlns:a="http://schemas.openxmlformats.org/drawingml/2006/main" xmlns:r="http://schemas.openxmlformats.org/officeDocument/2006/relationships">
   <c:date1904 val="0"/>
-  <c:lang val="es-ES"/>
+  <c:lang val="en-US"/>
   <c:roundedCorners val="0"/>
   <mc:AlternateContent xmlns:mc="http://schemas.openxmlformats.org/markup-compatibility/2006">
     <mc:Choice xmlns:c14="http://schemas.microsoft.com/office/drawing/2007/8/2/chart" Requires="c14">
@@ -11851,11 +11851,11 @@
           <c:showPercent val="0"/>
           <c:showBubbleSize val="0"/>
         </c:dLbls>
-        <c:axId val="128423424"/>
-        <c:axId val="128424960"/>
+        <c:axId val="142620544"/>
+        <c:axId val="142622080"/>
       </c:scatterChart>
       <c:valAx>
-        <c:axId val="128423424"/>
+        <c:axId val="142620544"/>
         <c:scaling>
           <c:orientation val="minMax"/>
         </c:scaling>
@@ -11865,12 +11865,12 @@
         <c:majorTickMark val="out"/>
         <c:minorTickMark val="none"/>
         <c:tickLblPos val="nextTo"/>
-        <c:crossAx val="128424960"/>
+        <c:crossAx val="142622080"/>
         <c:crosses val="autoZero"/>
         <c:crossBetween val="midCat"/>
       </c:valAx>
       <c:valAx>
-        <c:axId val="128424960"/>
+        <c:axId val="142622080"/>
         <c:scaling>
           <c:orientation val="minMax"/>
           <c:max val="2500"/>
@@ -11882,7 +11882,7 @@
         <c:majorTickMark val="out"/>
         <c:minorTickMark val="none"/>
         <c:tickLblPos val="nextTo"/>
-        <c:crossAx val="128423424"/>
+        <c:crossAx val="142620544"/>
         <c:crosses val="autoZero"/>
         <c:crossBetween val="midCat"/>
       </c:valAx>
@@ -11900,7 +11900,7 @@
 <file path=ppt/charts/chart29.xml><?xml version="1.0" encoding="utf-8"?>
 <c:chartSpace xmlns:c="http://schemas.openxmlformats.org/drawingml/2006/chart" xmlns:a="http://schemas.openxmlformats.org/drawingml/2006/main" xmlns:r="http://schemas.openxmlformats.org/officeDocument/2006/relationships">
   <c:date1904 val="0"/>
-  <c:lang val="es-ES"/>
+  <c:lang val="en-US"/>
   <c:roundedCorners val="0"/>
   <mc:AlternateContent xmlns:mc="http://schemas.openxmlformats.org/markup-compatibility/2006">
     <mc:Choice xmlns:c14="http://schemas.microsoft.com/office/drawing/2007/8/2/chart" Requires="c14">
@@ -12378,11 +12378,11 @@
           <c:showPercent val="0"/>
           <c:showBubbleSize val="0"/>
         </c:dLbls>
-        <c:axId val="130876544"/>
-        <c:axId val="130878080"/>
+        <c:axId val="142661120"/>
+        <c:axId val="142662656"/>
       </c:scatterChart>
       <c:valAx>
-        <c:axId val="130876544"/>
+        <c:axId val="142661120"/>
         <c:scaling>
           <c:orientation val="minMax"/>
         </c:scaling>
@@ -12392,12 +12392,12 @@
         <c:majorTickMark val="out"/>
         <c:minorTickMark val="none"/>
         <c:tickLblPos val="nextTo"/>
-        <c:crossAx val="130878080"/>
+        <c:crossAx val="142662656"/>
         <c:crosses val="autoZero"/>
         <c:crossBetween val="midCat"/>
       </c:valAx>
       <c:valAx>
-        <c:axId val="130878080"/>
+        <c:axId val="142662656"/>
         <c:scaling>
           <c:orientation val="minMax"/>
           <c:max val="2500"/>
@@ -12409,7 +12409,7 @@
         <c:majorTickMark val="out"/>
         <c:minorTickMark val="none"/>
         <c:tickLblPos val="nextTo"/>
-        <c:crossAx val="130876544"/>
+        <c:crossAx val="142661120"/>
         <c:crosses val="autoZero"/>
         <c:crossBetween val="midCat"/>
       </c:valAx>
@@ -12427,7 +12427,7 @@
 <file path=ppt/charts/chart3.xml><?xml version="1.0" encoding="utf-8"?>
 <c:chartSpace xmlns:c="http://schemas.openxmlformats.org/drawingml/2006/chart" xmlns:a="http://schemas.openxmlformats.org/drawingml/2006/main" xmlns:r="http://schemas.openxmlformats.org/officeDocument/2006/relationships">
   <c:date1904 val="0"/>
-  <c:lang val="es-ES"/>
+  <c:lang val="en-US"/>
   <c:roundedCorners val="0"/>
   <mc:AlternateContent xmlns:mc="http://schemas.openxmlformats.org/markup-compatibility/2006">
     <mc:Choice xmlns:c14="http://schemas.microsoft.com/office/drawing/2007/8/2/chart" Requires="c14">
@@ -13393,11 +13393,11 @@
         </c:dLbls>
         <c:marker val="1"/>
         <c:smooth val="0"/>
-        <c:axId val="84353408"/>
-        <c:axId val="84355328"/>
+        <c:axId val="112142592"/>
+        <c:axId val="112152960"/>
       </c:lineChart>
       <c:catAx>
-        <c:axId val="84353408"/>
+        <c:axId val="112142592"/>
         <c:scaling>
           <c:orientation val="minMax"/>
         </c:scaling>
@@ -13431,7 +13431,7 @@
         <c:majorTickMark val="out"/>
         <c:minorTickMark val="none"/>
         <c:tickLblPos val="nextTo"/>
-        <c:crossAx val="84355328"/>
+        <c:crossAx val="112152960"/>
         <c:crosses val="autoZero"/>
         <c:auto val="1"/>
         <c:lblAlgn val="ctr"/>
@@ -13439,7 +13439,7 @@
         <c:noMultiLvlLbl val="0"/>
       </c:catAx>
       <c:valAx>
-        <c:axId val="84355328"/>
+        <c:axId val="112152960"/>
         <c:scaling>
           <c:orientation val="minMax"/>
           <c:max val="0.5"/>
@@ -13451,7 +13451,7 @@
         <c:majorTickMark val="out"/>
         <c:minorTickMark val="none"/>
         <c:tickLblPos val="nextTo"/>
-        <c:crossAx val="84353408"/>
+        <c:crossAx val="112142592"/>
         <c:crosses val="autoZero"/>
         <c:crossBetween val="between"/>
       </c:valAx>
@@ -13474,7 +13474,7 @@
 <file path=ppt/charts/chart30.xml><?xml version="1.0" encoding="utf-8"?>
 <c:chartSpace xmlns:c="http://schemas.openxmlformats.org/drawingml/2006/chart" xmlns:a="http://schemas.openxmlformats.org/drawingml/2006/main" xmlns:r="http://schemas.openxmlformats.org/officeDocument/2006/relationships">
   <c:date1904 val="0"/>
-  <c:lang val="es-ES"/>
+  <c:lang val="en-US"/>
   <c:roundedCorners val="0"/>
   <mc:AlternateContent xmlns:mc="http://schemas.openxmlformats.org/markup-compatibility/2006">
     <mc:Choice xmlns:c14="http://schemas.microsoft.com/office/drawing/2007/8/2/chart" Requires="c14">
@@ -13832,11 +13832,11 @@
           <c:showPercent val="0"/>
           <c:showBubbleSize val="0"/>
         </c:dLbls>
-        <c:axId val="130904832"/>
-        <c:axId val="130906368"/>
+        <c:axId val="144082048"/>
+        <c:axId val="144083584"/>
       </c:scatterChart>
       <c:valAx>
-        <c:axId val="130904832"/>
+        <c:axId val="144082048"/>
         <c:scaling>
           <c:orientation val="minMax"/>
         </c:scaling>
@@ -13846,12 +13846,12 @@
         <c:majorTickMark val="out"/>
         <c:minorTickMark val="none"/>
         <c:tickLblPos val="nextTo"/>
-        <c:crossAx val="130906368"/>
+        <c:crossAx val="144083584"/>
         <c:crosses val="autoZero"/>
         <c:crossBetween val="midCat"/>
       </c:valAx>
       <c:valAx>
-        <c:axId val="130906368"/>
+        <c:axId val="144083584"/>
         <c:scaling>
           <c:orientation val="minMax"/>
         </c:scaling>
@@ -13862,7 +13862,7 @@
         <c:majorTickMark val="out"/>
         <c:minorTickMark val="none"/>
         <c:tickLblPos val="nextTo"/>
-        <c:crossAx val="130904832"/>
+        <c:crossAx val="144082048"/>
         <c:crosses val="autoZero"/>
         <c:crossBetween val="midCat"/>
       </c:valAx>
@@ -13880,7 +13880,7 @@
 <file path=ppt/charts/chart31.xml><?xml version="1.0" encoding="utf-8"?>
 <c:chartSpace xmlns:c="http://schemas.openxmlformats.org/drawingml/2006/chart" xmlns:a="http://schemas.openxmlformats.org/drawingml/2006/main" xmlns:r="http://schemas.openxmlformats.org/officeDocument/2006/relationships">
   <c:date1904 val="0"/>
-  <c:lang val="es-ES"/>
+  <c:lang val="en-US"/>
   <c:roundedCorners val="0"/>
   <mc:AlternateContent xmlns:mc="http://schemas.openxmlformats.org/markup-compatibility/2006">
     <mc:Choice xmlns:c14="http://schemas.microsoft.com/office/drawing/2007/8/2/chart" Requires="c14">
@@ -14334,11 +14334,11 @@
           <c:showPercent val="0"/>
           <c:showBubbleSize val="0"/>
         </c:dLbls>
-        <c:axId val="131072384"/>
-        <c:axId val="131073920"/>
+        <c:axId val="144110336"/>
+        <c:axId val="144111872"/>
       </c:scatterChart>
       <c:valAx>
-        <c:axId val="131072384"/>
+        <c:axId val="144110336"/>
         <c:scaling>
           <c:orientation val="minMax"/>
         </c:scaling>
@@ -14348,12 +14348,12 @@
         <c:majorTickMark val="out"/>
         <c:minorTickMark val="none"/>
         <c:tickLblPos val="nextTo"/>
-        <c:crossAx val="131073920"/>
+        <c:crossAx val="144111872"/>
         <c:crosses val="autoZero"/>
         <c:crossBetween val="midCat"/>
       </c:valAx>
       <c:valAx>
-        <c:axId val="131073920"/>
+        <c:axId val="144111872"/>
         <c:scaling>
           <c:orientation val="minMax"/>
           <c:max val="2500"/>
@@ -14365,7 +14365,7 @@
         <c:majorTickMark val="out"/>
         <c:minorTickMark val="none"/>
         <c:tickLblPos val="nextTo"/>
-        <c:crossAx val="131072384"/>
+        <c:crossAx val="144110336"/>
         <c:crosses val="autoZero"/>
         <c:crossBetween val="midCat"/>
       </c:valAx>
@@ -14383,7 +14383,7 @@
 <file path=ppt/charts/chart32.xml><?xml version="1.0" encoding="utf-8"?>
 <c:chartSpace xmlns:c="http://schemas.openxmlformats.org/drawingml/2006/chart" xmlns:a="http://schemas.openxmlformats.org/drawingml/2006/main" xmlns:r="http://schemas.openxmlformats.org/officeDocument/2006/relationships">
   <c:date1904 val="0"/>
-  <c:lang val="es-ES"/>
+  <c:lang val="en-US"/>
   <c:roundedCorners val="0"/>
   <mc:AlternateContent xmlns:mc="http://schemas.openxmlformats.org/markup-compatibility/2006">
     <mc:Choice xmlns:c14="http://schemas.microsoft.com/office/drawing/2007/8/2/chart" Requires="c14">
@@ -14777,11 +14777,11 @@
           <c:showPercent val="0"/>
           <c:showBubbleSize val="0"/>
         </c:dLbls>
-        <c:axId val="131112960"/>
-        <c:axId val="131114496"/>
+        <c:axId val="144605568"/>
+        <c:axId val="144607104"/>
       </c:scatterChart>
       <c:valAx>
-        <c:axId val="131112960"/>
+        <c:axId val="144605568"/>
         <c:scaling>
           <c:orientation val="minMax"/>
         </c:scaling>
@@ -14791,12 +14791,12 @@
         <c:majorTickMark val="out"/>
         <c:minorTickMark val="none"/>
         <c:tickLblPos val="nextTo"/>
-        <c:crossAx val="131114496"/>
+        <c:crossAx val="144607104"/>
         <c:crosses val="autoZero"/>
         <c:crossBetween val="midCat"/>
       </c:valAx>
       <c:valAx>
-        <c:axId val="131114496"/>
+        <c:axId val="144607104"/>
         <c:scaling>
           <c:orientation val="minMax"/>
         </c:scaling>
@@ -14807,7 +14807,7 @@
         <c:majorTickMark val="out"/>
         <c:minorTickMark val="none"/>
         <c:tickLblPos val="nextTo"/>
-        <c:crossAx val="131112960"/>
+        <c:crossAx val="144605568"/>
         <c:crosses val="autoZero"/>
         <c:crossBetween val="midCat"/>
       </c:valAx>
@@ -14825,7 +14825,7 @@
 <file path=ppt/charts/chart33.xml><?xml version="1.0" encoding="utf-8"?>
 <c:chartSpace xmlns:c="http://schemas.openxmlformats.org/drawingml/2006/chart" xmlns:a="http://schemas.openxmlformats.org/drawingml/2006/main" xmlns:r="http://schemas.openxmlformats.org/officeDocument/2006/relationships">
   <c:date1904 val="0"/>
-  <c:lang val="es-ES"/>
+  <c:lang val="en-US"/>
   <c:roundedCorners val="0"/>
   <mc:AlternateContent xmlns:mc="http://schemas.openxmlformats.org/markup-compatibility/2006">
     <mc:Choice xmlns:c14="http://schemas.microsoft.com/office/drawing/2007/8/2/chart" Requires="c14">
@@ -15205,11 +15205,11 @@
           <c:showBubbleSize val="0"/>
         </c:dLbls>
         <c:gapWidth val="150"/>
-        <c:axId val="131166976"/>
-        <c:axId val="131168512"/>
+        <c:axId val="156521600"/>
+        <c:axId val="156523136"/>
       </c:barChart>
       <c:catAx>
-        <c:axId val="131166976"/>
+        <c:axId val="156521600"/>
         <c:scaling>
           <c:orientation val="minMax"/>
         </c:scaling>
@@ -15218,7 +15218,7 @@
         <c:majorTickMark val="out"/>
         <c:minorTickMark val="none"/>
         <c:tickLblPos val="nextTo"/>
-        <c:crossAx val="131168512"/>
+        <c:crossAx val="156523136"/>
         <c:crosses val="autoZero"/>
         <c:auto val="1"/>
         <c:lblAlgn val="ctr"/>
@@ -15226,7 +15226,7 @@
         <c:noMultiLvlLbl val="0"/>
       </c:catAx>
       <c:valAx>
-        <c:axId val="131168512"/>
+        <c:axId val="156523136"/>
         <c:scaling>
           <c:orientation val="minMax"/>
           <c:max val="1"/>
@@ -15238,7 +15238,7 @@
         <c:majorTickMark val="out"/>
         <c:minorTickMark val="none"/>
         <c:tickLblPos val="nextTo"/>
-        <c:crossAx val="131166976"/>
+        <c:crossAx val="156521600"/>
         <c:crosses val="autoZero"/>
         <c:crossBetween val="between"/>
       </c:valAx>
@@ -15261,7 +15261,7 @@
 <file path=ppt/charts/chart34.xml><?xml version="1.0" encoding="utf-8"?>
 <c:chartSpace xmlns:c="http://schemas.openxmlformats.org/drawingml/2006/chart" xmlns:a="http://schemas.openxmlformats.org/drawingml/2006/main" xmlns:r="http://schemas.openxmlformats.org/officeDocument/2006/relationships">
   <c:date1904 val="0"/>
-  <c:lang val="es-ES"/>
+  <c:lang val="en-US"/>
   <c:roundedCorners val="0"/>
   <mc:AlternateContent xmlns:mc="http://schemas.openxmlformats.org/markup-compatibility/2006">
     <mc:Choice xmlns:c14="http://schemas.microsoft.com/office/drawing/2007/8/2/chart" Requires="c14">
@@ -15933,11 +15933,11 @@
           <c:showBubbleSize val="0"/>
         </c:dLbls>
         <c:gapWidth val="150"/>
-        <c:axId val="131207552"/>
-        <c:axId val="131209088"/>
+        <c:axId val="156549888"/>
+        <c:axId val="156551424"/>
       </c:barChart>
       <c:catAx>
-        <c:axId val="131207552"/>
+        <c:axId val="156549888"/>
         <c:scaling>
           <c:orientation val="minMax"/>
         </c:scaling>
@@ -15947,7 +15947,7 @@
         <c:majorTickMark val="out"/>
         <c:minorTickMark val="none"/>
         <c:tickLblPos val="nextTo"/>
-        <c:crossAx val="131209088"/>
+        <c:crossAx val="156551424"/>
         <c:crosses val="autoZero"/>
         <c:auto val="1"/>
         <c:lblAlgn val="ctr"/>
@@ -15955,7 +15955,7 @@
         <c:noMultiLvlLbl val="0"/>
       </c:catAx>
       <c:valAx>
-        <c:axId val="131209088"/>
+        <c:axId val="156551424"/>
         <c:scaling>
           <c:orientation val="minMax"/>
           <c:max val="1"/>
@@ -15967,7 +15967,7 @@
         <c:majorTickMark val="out"/>
         <c:minorTickMark val="none"/>
         <c:tickLblPos val="nextTo"/>
-        <c:crossAx val="131207552"/>
+        <c:crossAx val="156549888"/>
         <c:crosses val="autoZero"/>
         <c:crossBetween val="between"/>
       </c:valAx>
@@ -15990,7 +15990,7 @@
 <file path=ppt/charts/chart35.xml><?xml version="1.0" encoding="utf-8"?>
 <c:chartSpace xmlns:c="http://schemas.openxmlformats.org/drawingml/2006/chart" xmlns:a="http://schemas.openxmlformats.org/drawingml/2006/main" xmlns:r="http://schemas.openxmlformats.org/officeDocument/2006/relationships">
   <c:date1904 val="0"/>
-  <c:lang val="es-ES"/>
+  <c:lang val="en-US"/>
   <c:roundedCorners val="0"/>
   <mc:AlternateContent xmlns:mc="http://schemas.openxmlformats.org/markup-compatibility/2006">
     <mc:Choice xmlns:c14="http://schemas.microsoft.com/office/drawing/2007/8/2/chart" Requires="c14">
@@ -16389,11 +16389,11 @@
           <c:showBubbleSize val="0"/>
         </c:dLbls>
         <c:gapWidth val="150"/>
-        <c:axId val="131241472"/>
-        <c:axId val="131243008"/>
+        <c:axId val="156268416"/>
+        <c:axId val="156269952"/>
       </c:barChart>
       <c:catAx>
-        <c:axId val="131241472"/>
+        <c:axId val="156268416"/>
         <c:scaling>
           <c:orientation val="minMax"/>
         </c:scaling>
@@ -16402,7 +16402,7 @@
         <c:majorTickMark val="out"/>
         <c:minorTickMark val="none"/>
         <c:tickLblPos val="nextTo"/>
-        <c:crossAx val="131243008"/>
+        <c:crossAx val="156269952"/>
         <c:crosses val="autoZero"/>
         <c:auto val="1"/>
         <c:lblAlgn val="ctr"/>
@@ -16410,7 +16410,7 @@
         <c:noMultiLvlLbl val="0"/>
       </c:catAx>
       <c:valAx>
-        <c:axId val="131243008"/>
+        <c:axId val="156269952"/>
         <c:scaling>
           <c:orientation val="minMax"/>
           <c:max val="0.5"/>
@@ -16422,7 +16422,7 @@
         <c:majorTickMark val="out"/>
         <c:minorTickMark val="none"/>
         <c:tickLblPos val="nextTo"/>
-        <c:crossAx val="131241472"/>
+        <c:crossAx val="156268416"/>
         <c:crosses val="autoZero"/>
         <c:crossBetween val="between"/>
       </c:valAx>
@@ -16445,7 +16445,7 @@
 <file path=ppt/charts/chart36.xml><?xml version="1.0" encoding="utf-8"?>
 <c:chartSpace xmlns:c="http://schemas.openxmlformats.org/drawingml/2006/chart" xmlns:a="http://schemas.openxmlformats.org/drawingml/2006/main" xmlns:r="http://schemas.openxmlformats.org/officeDocument/2006/relationships">
   <c:date1904 val="0"/>
-  <c:lang val="es-ES"/>
+  <c:lang val="en-US"/>
   <c:roundedCorners val="0"/>
   <mc:AlternateContent xmlns:mc="http://schemas.openxmlformats.org/markup-compatibility/2006">
     <mc:Choice xmlns:c14="http://schemas.microsoft.com/office/drawing/2007/8/2/chart" Requires="c14">
@@ -16844,11 +16844,11 @@
           <c:showBubbleSize val="0"/>
         </c:dLbls>
         <c:gapWidth val="150"/>
-        <c:axId val="131302912"/>
-        <c:axId val="131304448"/>
+        <c:axId val="156301184"/>
+        <c:axId val="156302720"/>
       </c:barChart>
       <c:catAx>
-        <c:axId val="131302912"/>
+        <c:axId val="156301184"/>
         <c:scaling>
           <c:orientation val="minMax"/>
         </c:scaling>
@@ -16857,7 +16857,7 @@
         <c:majorTickMark val="out"/>
         <c:minorTickMark val="none"/>
         <c:tickLblPos val="nextTo"/>
-        <c:crossAx val="131304448"/>
+        <c:crossAx val="156302720"/>
         <c:crosses val="autoZero"/>
         <c:auto val="1"/>
         <c:lblAlgn val="ctr"/>
@@ -16865,7 +16865,7 @@
         <c:noMultiLvlLbl val="0"/>
       </c:catAx>
       <c:valAx>
-        <c:axId val="131304448"/>
+        <c:axId val="156302720"/>
         <c:scaling>
           <c:orientation val="minMax"/>
           <c:max val="0.5"/>
@@ -16877,7 +16877,7 @@
         <c:majorTickMark val="out"/>
         <c:minorTickMark val="none"/>
         <c:tickLblPos val="nextTo"/>
-        <c:crossAx val="131302912"/>
+        <c:crossAx val="156301184"/>
         <c:crosses val="autoZero"/>
         <c:crossBetween val="between"/>
       </c:valAx>
@@ -16900,7 +16900,7 @@
 <file path=ppt/charts/chart37.xml><?xml version="1.0" encoding="utf-8"?>
 <c:chartSpace xmlns:c="http://schemas.openxmlformats.org/drawingml/2006/chart" xmlns:a="http://schemas.openxmlformats.org/drawingml/2006/main" xmlns:r="http://schemas.openxmlformats.org/officeDocument/2006/relationships">
   <c:date1904 val="0"/>
-  <c:lang val="es-ES"/>
+  <c:lang val="en-US"/>
   <c:roundedCorners val="0"/>
   <mc:AlternateContent xmlns:mc="http://schemas.openxmlformats.org/markup-compatibility/2006">
     <mc:Choice xmlns:c14="http://schemas.microsoft.com/office/drawing/2007/8/2/chart" Requires="c14">
@@ -17299,11 +17299,11 @@
           <c:showBubbleSize val="0"/>
         </c:dLbls>
         <c:gapWidth val="150"/>
-        <c:axId val="131343872"/>
-        <c:axId val="131345408"/>
+        <c:axId val="156399488"/>
+        <c:axId val="156401024"/>
       </c:barChart>
       <c:catAx>
-        <c:axId val="131343872"/>
+        <c:axId val="156399488"/>
         <c:scaling>
           <c:orientation val="minMax"/>
         </c:scaling>
@@ -17312,7 +17312,7 @@
         <c:majorTickMark val="out"/>
         <c:minorTickMark val="none"/>
         <c:tickLblPos val="nextTo"/>
-        <c:crossAx val="131345408"/>
+        <c:crossAx val="156401024"/>
         <c:crosses val="autoZero"/>
         <c:auto val="1"/>
         <c:lblAlgn val="ctr"/>
@@ -17320,7 +17320,7 @@
         <c:noMultiLvlLbl val="0"/>
       </c:catAx>
       <c:valAx>
-        <c:axId val="131345408"/>
+        <c:axId val="156401024"/>
         <c:scaling>
           <c:orientation val="minMax"/>
         </c:scaling>
@@ -17331,7 +17331,7 @@
         <c:majorTickMark val="out"/>
         <c:minorTickMark val="none"/>
         <c:tickLblPos val="nextTo"/>
-        <c:crossAx val="131343872"/>
+        <c:crossAx val="156399488"/>
         <c:crosses val="autoZero"/>
         <c:crossBetween val="between"/>
       </c:valAx>
@@ -17354,7 +17354,7 @@
 <file path=ppt/charts/chart38.xml><?xml version="1.0" encoding="utf-8"?>
 <c:chartSpace xmlns:c="http://schemas.openxmlformats.org/drawingml/2006/chart" xmlns:a="http://schemas.openxmlformats.org/drawingml/2006/main" xmlns:r="http://schemas.openxmlformats.org/officeDocument/2006/relationships">
   <c:date1904 val="0"/>
-  <c:lang val="es-ES"/>
+  <c:lang val="en-US"/>
   <c:roundedCorners val="0"/>
   <mc:AlternateContent xmlns:mc="http://schemas.openxmlformats.org/markup-compatibility/2006">
     <mc:Choice xmlns:c14="http://schemas.microsoft.com/office/drawing/2007/8/2/chart" Requires="c14">
@@ -17753,11 +17753,11 @@
           <c:showBubbleSize val="0"/>
         </c:dLbls>
         <c:gapWidth val="150"/>
-        <c:axId val="131384832"/>
-        <c:axId val="131386368"/>
+        <c:axId val="156432256"/>
+        <c:axId val="156433792"/>
       </c:barChart>
       <c:catAx>
-        <c:axId val="131384832"/>
+        <c:axId val="156432256"/>
         <c:scaling>
           <c:orientation val="minMax"/>
         </c:scaling>
@@ -17766,7 +17766,7 @@
         <c:majorTickMark val="out"/>
         <c:minorTickMark val="none"/>
         <c:tickLblPos val="nextTo"/>
-        <c:crossAx val="131386368"/>
+        <c:crossAx val="156433792"/>
         <c:crosses val="autoZero"/>
         <c:auto val="1"/>
         <c:lblAlgn val="ctr"/>
@@ -17774,7 +17774,7 @@
         <c:noMultiLvlLbl val="0"/>
       </c:catAx>
       <c:valAx>
-        <c:axId val="131386368"/>
+        <c:axId val="156433792"/>
         <c:scaling>
           <c:orientation val="minMax"/>
         </c:scaling>
@@ -17785,7 +17785,7 @@
         <c:majorTickMark val="out"/>
         <c:minorTickMark val="none"/>
         <c:tickLblPos val="nextTo"/>
-        <c:crossAx val="131384832"/>
+        <c:crossAx val="156432256"/>
         <c:crosses val="autoZero"/>
         <c:crossBetween val="between"/>
       </c:valAx>
@@ -17808,7 +17808,7 @@
 <file path=ppt/charts/chart39.xml><?xml version="1.0" encoding="utf-8"?>
 <c:chartSpace xmlns:c="http://schemas.openxmlformats.org/drawingml/2006/chart" xmlns:a="http://schemas.openxmlformats.org/drawingml/2006/main" xmlns:r="http://schemas.openxmlformats.org/officeDocument/2006/relationships">
   <c:date1904 val="0"/>
-  <c:lang val="es-ES"/>
+  <c:lang val="en-US"/>
   <c:roundedCorners val="0"/>
   <mc:AlternateContent xmlns:mc="http://schemas.openxmlformats.org/markup-compatibility/2006">
     <mc:Choice xmlns:c14="http://schemas.microsoft.com/office/drawing/2007/8/2/chart" Requires="c14">
@@ -18092,11 +18092,11 @@
           <c:showBubbleSize val="0"/>
         </c:dLbls>
         <c:gapWidth val="150"/>
-        <c:axId val="131438848"/>
-        <c:axId val="131444736"/>
+        <c:axId val="156473984"/>
+        <c:axId val="156483968"/>
       </c:barChart>
       <c:catAx>
-        <c:axId val="131438848"/>
+        <c:axId val="156473984"/>
         <c:scaling>
           <c:orientation val="minMax"/>
         </c:scaling>
@@ -18105,7 +18105,7 @@
         <c:majorTickMark val="out"/>
         <c:minorTickMark val="none"/>
         <c:tickLblPos val="nextTo"/>
-        <c:crossAx val="131444736"/>
+        <c:crossAx val="156483968"/>
         <c:crosses val="autoZero"/>
         <c:auto val="1"/>
         <c:lblAlgn val="ctr"/>
@@ -18113,7 +18113,7 @@
         <c:noMultiLvlLbl val="0"/>
       </c:catAx>
       <c:valAx>
-        <c:axId val="131444736"/>
+        <c:axId val="156483968"/>
         <c:scaling>
           <c:orientation val="minMax"/>
           <c:max val="1"/>
@@ -18125,7 +18125,7 @@
         <c:majorTickMark val="out"/>
         <c:minorTickMark val="none"/>
         <c:tickLblPos val="nextTo"/>
-        <c:crossAx val="131438848"/>
+        <c:crossAx val="156473984"/>
         <c:crosses val="autoZero"/>
         <c:crossBetween val="between"/>
       </c:valAx>
@@ -18148,7 +18148,7 @@
 <file path=ppt/charts/chart4.xml><?xml version="1.0" encoding="utf-8"?>
 <c:chartSpace xmlns:c="http://schemas.openxmlformats.org/drawingml/2006/chart" xmlns:a="http://schemas.openxmlformats.org/drawingml/2006/main" xmlns:r="http://schemas.openxmlformats.org/officeDocument/2006/relationships">
   <c:date1904 val="0"/>
-  <c:lang val="es-ES"/>
+  <c:lang val="en-US"/>
   <c:roundedCorners val="0"/>
   <mc:AlternateContent xmlns:mc="http://schemas.openxmlformats.org/markup-compatibility/2006">
     <mc:Choice xmlns:c14="http://schemas.microsoft.com/office/drawing/2007/8/2/chart" Requires="c14">
@@ -19114,11 +19114,11 @@
         </c:dLbls>
         <c:marker val="1"/>
         <c:smooth val="0"/>
-        <c:axId val="84400000"/>
-        <c:axId val="84406272"/>
+        <c:axId val="112181248"/>
+        <c:axId val="112183168"/>
       </c:lineChart>
       <c:catAx>
-        <c:axId val="84400000"/>
+        <c:axId val="112181248"/>
         <c:scaling>
           <c:orientation val="minMax"/>
         </c:scaling>
@@ -19152,7 +19152,7 @@
         <c:majorTickMark val="out"/>
         <c:minorTickMark val="none"/>
         <c:tickLblPos val="nextTo"/>
-        <c:crossAx val="84406272"/>
+        <c:crossAx val="112183168"/>
         <c:crosses val="autoZero"/>
         <c:auto val="1"/>
         <c:lblAlgn val="ctr"/>
@@ -19160,7 +19160,7 @@
         <c:noMultiLvlLbl val="0"/>
       </c:catAx>
       <c:valAx>
-        <c:axId val="84406272"/>
+        <c:axId val="112183168"/>
         <c:scaling>
           <c:orientation val="minMax"/>
           <c:max val="0.5"/>
@@ -19172,7 +19172,7 @@
         <c:majorTickMark val="out"/>
         <c:minorTickMark val="none"/>
         <c:tickLblPos val="nextTo"/>
-        <c:crossAx val="84400000"/>
+        <c:crossAx val="112181248"/>
         <c:crosses val="autoZero"/>
         <c:crossBetween val="between"/>
       </c:valAx>
@@ -19195,7 +19195,7 @@
 <file path=ppt/charts/chart40.xml><?xml version="1.0" encoding="utf-8"?>
 <c:chartSpace xmlns:c="http://schemas.openxmlformats.org/drawingml/2006/chart" xmlns:a="http://schemas.openxmlformats.org/drawingml/2006/main" xmlns:r="http://schemas.openxmlformats.org/officeDocument/2006/relationships">
   <c:date1904 val="0"/>
-  <c:lang val="es-ES"/>
+  <c:lang val="en-US"/>
   <c:roundedCorners val="0"/>
   <mc:AlternateContent xmlns:mc="http://schemas.openxmlformats.org/markup-compatibility/2006">
     <mc:Choice xmlns:c14="http://schemas.microsoft.com/office/drawing/2007/8/2/chart" Requires="c14">
@@ -19450,11 +19450,11 @@
           <c:showBubbleSize val="0"/>
         </c:dLbls>
         <c:gapWidth val="150"/>
-        <c:axId val="131484288"/>
-        <c:axId val="131490176"/>
+        <c:axId val="156584960"/>
+        <c:axId val="156599040"/>
       </c:barChart>
       <c:catAx>
-        <c:axId val="131484288"/>
+        <c:axId val="156584960"/>
         <c:scaling>
           <c:orientation val="minMax"/>
         </c:scaling>
@@ -19463,7 +19463,7 @@
         <c:majorTickMark val="out"/>
         <c:minorTickMark val="none"/>
         <c:tickLblPos val="nextTo"/>
-        <c:crossAx val="131490176"/>
+        <c:crossAx val="156599040"/>
         <c:crosses val="autoZero"/>
         <c:auto val="1"/>
         <c:lblAlgn val="ctr"/>
@@ -19471,7 +19471,7 @@
         <c:noMultiLvlLbl val="0"/>
       </c:catAx>
       <c:valAx>
-        <c:axId val="131490176"/>
+        <c:axId val="156599040"/>
         <c:scaling>
           <c:orientation val="minMax"/>
         </c:scaling>
@@ -19482,7 +19482,7 @@
         <c:majorTickMark val="out"/>
         <c:minorTickMark val="none"/>
         <c:tickLblPos val="nextTo"/>
-        <c:crossAx val="131484288"/>
+        <c:crossAx val="156584960"/>
         <c:crosses val="autoZero"/>
         <c:crossBetween val="between"/>
       </c:valAx>
@@ -19505,7 +19505,7 @@
 <file path=ppt/charts/chart41.xml><?xml version="1.0" encoding="utf-8"?>
 <c:chartSpace xmlns:c="http://schemas.openxmlformats.org/drawingml/2006/chart" xmlns:a="http://schemas.openxmlformats.org/drawingml/2006/main" xmlns:r="http://schemas.openxmlformats.org/officeDocument/2006/relationships">
   <c:date1904 val="0"/>
-  <c:lang val="es-ES"/>
+  <c:lang val="en-US"/>
   <c:roundedCorners val="0"/>
   <mc:AlternateContent xmlns:mc="http://schemas.openxmlformats.org/markup-compatibility/2006">
     <mc:Choice xmlns:c14="http://schemas.microsoft.com/office/drawing/2007/8/2/chart" Requires="c14">
@@ -19784,11 +19784,11 @@
           <c:showBubbleSize val="0"/>
         </c:dLbls>
         <c:gapWidth val="150"/>
-        <c:axId val="131508864"/>
-        <c:axId val="131522944"/>
+        <c:axId val="156621824"/>
+        <c:axId val="156623616"/>
       </c:barChart>
       <c:catAx>
-        <c:axId val="131508864"/>
+        <c:axId val="156621824"/>
         <c:scaling>
           <c:orientation val="minMax"/>
         </c:scaling>
@@ -19797,7 +19797,7 @@
         <c:majorTickMark val="out"/>
         <c:minorTickMark val="none"/>
         <c:tickLblPos val="nextTo"/>
-        <c:crossAx val="131522944"/>
+        <c:crossAx val="156623616"/>
         <c:crosses val="autoZero"/>
         <c:auto val="1"/>
         <c:lblAlgn val="ctr"/>
@@ -19805,7 +19805,7 @@
         <c:noMultiLvlLbl val="0"/>
       </c:catAx>
       <c:valAx>
-        <c:axId val="131522944"/>
+        <c:axId val="156623616"/>
         <c:scaling>
           <c:orientation val="minMax"/>
         </c:scaling>
@@ -19816,7 +19816,7 @@
         <c:majorTickMark val="out"/>
         <c:minorTickMark val="none"/>
         <c:tickLblPos val="nextTo"/>
-        <c:crossAx val="131508864"/>
+        <c:crossAx val="156621824"/>
         <c:crosses val="autoZero"/>
         <c:crossBetween val="between"/>
       </c:valAx>
@@ -19839,7 +19839,7 @@
 <file path=ppt/charts/chart42.xml><?xml version="1.0" encoding="utf-8"?>
 <c:chartSpace xmlns:c="http://schemas.openxmlformats.org/drawingml/2006/chart" xmlns:a="http://schemas.openxmlformats.org/drawingml/2006/main" xmlns:r="http://schemas.openxmlformats.org/officeDocument/2006/relationships">
   <c:date1904 val="0"/>
-  <c:lang val="es-ES"/>
+  <c:lang val="en-US"/>
   <c:roundedCorners val="0"/>
   <mc:AlternateContent xmlns:mc="http://schemas.openxmlformats.org/markup-compatibility/2006">
     <mc:Choice xmlns:c14="http://schemas.microsoft.com/office/drawing/2007/8/2/chart" Requires="c14">
@@ -20118,11 +20118,11 @@
           <c:showBubbleSize val="0"/>
         </c:dLbls>
         <c:gapWidth val="150"/>
-        <c:axId val="131619456"/>
-        <c:axId val="131621248"/>
+        <c:axId val="156654592"/>
+        <c:axId val="156660480"/>
       </c:barChart>
       <c:catAx>
-        <c:axId val="131619456"/>
+        <c:axId val="156654592"/>
         <c:scaling>
           <c:orientation val="minMax"/>
         </c:scaling>
@@ -20131,7 +20131,7 @@
         <c:majorTickMark val="out"/>
         <c:minorTickMark val="none"/>
         <c:tickLblPos val="nextTo"/>
-        <c:crossAx val="131621248"/>
+        <c:crossAx val="156660480"/>
         <c:crosses val="autoZero"/>
         <c:auto val="1"/>
         <c:lblAlgn val="ctr"/>
@@ -20139,7 +20139,7 @@
         <c:noMultiLvlLbl val="0"/>
       </c:catAx>
       <c:valAx>
-        <c:axId val="131621248"/>
+        <c:axId val="156660480"/>
         <c:scaling>
           <c:orientation val="minMax"/>
         </c:scaling>
@@ -20150,7 +20150,7 @@
         <c:majorTickMark val="out"/>
         <c:minorTickMark val="none"/>
         <c:tickLblPos val="nextTo"/>
-        <c:crossAx val="131619456"/>
+        <c:crossAx val="156654592"/>
         <c:crosses val="autoZero"/>
         <c:crossBetween val="between"/>
       </c:valAx>
@@ -20173,7 +20173,7 @@
 <file path=ppt/charts/chart43.xml><?xml version="1.0" encoding="utf-8"?>
 <c:chartSpace xmlns:c="http://schemas.openxmlformats.org/drawingml/2006/chart" xmlns:a="http://schemas.openxmlformats.org/drawingml/2006/main" xmlns:r="http://schemas.openxmlformats.org/officeDocument/2006/relationships">
   <c:date1904 val="0"/>
-  <c:lang val="es-ES"/>
+  <c:lang val="en-US"/>
   <c:roundedCorners val="0"/>
   <mc:AlternateContent xmlns:mc="http://schemas.openxmlformats.org/markup-compatibility/2006">
     <mc:Choice xmlns:c14="http://schemas.microsoft.com/office/drawing/2007/8/2/chart" Requires="c14">
@@ -20452,11 +20452,11 @@
           <c:showBubbleSize val="0"/>
         </c:dLbls>
         <c:gapWidth val="150"/>
-        <c:axId val="131656320"/>
-        <c:axId val="131670400"/>
+        <c:axId val="156687360"/>
+        <c:axId val="156701440"/>
       </c:barChart>
       <c:catAx>
-        <c:axId val="131656320"/>
+        <c:axId val="156687360"/>
         <c:scaling>
           <c:orientation val="minMax"/>
         </c:scaling>
@@ -20465,7 +20465,7 @@
         <c:majorTickMark val="out"/>
         <c:minorTickMark val="none"/>
         <c:tickLblPos val="nextTo"/>
-        <c:crossAx val="131670400"/>
+        <c:crossAx val="156701440"/>
         <c:crosses val="autoZero"/>
         <c:auto val="1"/>
         <c:lblAlgn val="ctr"/>
@@ -20473,7 +20473,7 @@
         <c:noMultiLvlLbl val="0"/>
       </c:catAx>
       <c:valAx>
-        <c:axId val="131670400"/>
+        <c:axId val="156701440"/>
         <c:scaling>
           <c:orientation val="minMax"/>
         </c:scaling>
@@ -20484,7 +20484,7 @@
         <c:majorTickMark val="out"/>
         <c:minorTickMark val="none"/>
         <c:tickLblPos val="nextTo"/>
-        <c:crossAx val="131656320"/>
+        <c:crossAx val="156687360"/>
         <c:crosses val="autoZero"/>
         <c:crossBetween val="between"/>
       </c:valAx>
@@ -20507,7 +20507,7 @@
 <file path=ppt/charts/chart44.xml><?xml version="1.0" encoding="utf-8"?>
 <c:chartSpace xmlns:c="http://schemas.openxmlformats.org/drawingml/2006/chart" xmlns:a="http://schemas.openxmlformats.org/drawingml/2006/main" xmlns:r="http://schemas.openxmlformats.org/officeDocument/2006/relationships">
   <c:date1904 val="0"/>
-  <c:lang val="es-ES"/>
+  <c:lang val="en-US"/>
   <c:roundedCorners val="0"/>
   <mc:AlternateContent xmlns:mc="http://schemas.openxmlformats.org/markup-compatibility/2006">
     <mc:Choice xmlns:c14="http://schemas.microsoft.com/office/drawing/2007/8/2/chart" Requires="c14">
@@ -21201,11 +21201,11 @@
           <c:showBubbleSize val="0"/>
         </c:dLbls>
         <c:gapWidth val="150"/>
-        <c:axId val="131705472"/>
-        <c:axId val="131711360"/>
+        <c:axId val="156740608"/>
+        <c:axId val="156746496"/>
       </c:barChart>
       <c:catAx>
-        <c:axId val="131705472"/>
+        <c:axId val="156740608"/>
         <c:scaling>
           <c:orientation val="minMax"/>
         </c:scaling>
@@ -21215,7 +21215,7 @@
         <c:majorTickMark val="none"/>
         <c:minorTickMark val="none"/>
         <c:tickLblPos val="nextTo"/>
-        <c:crossAx val="131711360"/>
+        <c:crossAx val="156746496"/>
         <c:crosses val="autoZero"/>
         <c:auto val="1"/>
         <c:lblAlgn val="ctr"/>
@@ -21223,7 +21223,7 @@
         <c:noMultiLvlLbl val="0"/>
       </c:catAx>
       <c:valAx>
-        <c:axId val="131711360"/>
+        <c:axId val="156746496"/>
         <c:scaling>
           <c:orientation val="minMax"/>
           <c:max val="1"/>
@@ -21235,7 +21235,7 @@
         <c:majorTickMark val="none"/>
         <c:minorTickMark val="none"/>
         <c:tickLblPos val="nextTo"/>
-        <c:crossAx val="131705472"/>
+        <c:crossAx val="156740608"/>
         <c:crosses val="autoZero"/>
         <c:crossBetween val="between"/>
       </c:valAx>
@@ -21258,7 +21258,7 @@
 <file path=ppt/charts/chart45.xml><?xml version="1.0" encoding="utf-8"?>
 <c:chartSpace xmlns:c="http://schemas.openxmlformats.org/drawingml/2006/chart" xmlns:a="http://schemas.openxmlformats.org/drawingml/2006/main" xmlns:r="http://schemas.openxmlformats.org/officeDocument/2006/relationships">
   <c:date1904 val="0"/>
-  <c:lang val="es-ES"/>
+  <c:lang val="en-US"/>
   <c:roundedCorners val="0"/>
   <mc:AlternateContent xmlns:mc="http://schemas.openxmlformats.org/markup-compatibility/2006">
     <mc:Choice xmlns:c14="http://schemas.microsoft.com/office/drawing/2007/8/2/chart" Requires="c14">
@@ -21951,11 +21951,11 @@
           <c:showBubbleSize val="0"/>
         </c:dLbls>
         <c:gapWidth val="150"/>
-        <c:axId val="131742336"/>
-        <c:axId val="131744128"/>
+        <c:axId val="156777472"/>
+        <c:axId val="156791552"/>
       </c:barChart>
       <c:catAx>
-        <c:axId val="131742336"/>
+        <c:axId val="156777472"/>
         <c:scaling>
           <c:orientation val="minMax"/>
         </c:scaling>
@@ -21965,7 +21965,7 @@
         <c:majorTickMark val="none"/>
         <c:minorTickMark val="none"/>
         <c:tickLblPos val="nextTo"/>
-        <c:crossAx val="131744128"/>
+        <c:crossAx val="156791552"/>
         <c:crosses val="autoZero"/>
         <c:auto val="1"/>
         <c:lblAlgn val="ctr"/>
@@ -21973,7 +21973,7 @@
         <c:noMultiLvlLbl val="0"/>
       </c:catAx>
       <c:valAx>
-        <c:axId val="131744128"/>
+        <c:axId val="156791552"/>
         <c:scaling>
           <c:orientation val="minMax"/>
           <c:max val="1"/>
@@ -21985,7 +21985,7 @@
         <c:majorTickMark val="none"/>
         <c:minorTickMark val="none"/>
         <c:tickLblPos val="nextTo"/>
-        <c:crossAx val="131742336"/>
+        <c:crossAx val="156777472"/>
         <c:crosses val="autoZero"/>
         <c:crossBetween val="between"/>
       </c:valAx>
@@ -22008,7 +22008,7 @@
 <file path=ppt/charts/chart46.xml><?xml version="1.0" encoding="utf-8"?>
 <c:chartSpace xmlns:c="http://schemas.openxmlformats.org/drawingml/2006/chart" xmlns:a="http://schemas.openxmlformats.org/drawingml/2006/main" xmlns:r="http://schemas.openxmlformats.org/officeDocument/2006/relationships">
   <c:date1904 val="0"/>
-  <c:lang val="es-ES"/>
+  <c:lang val="en-US"/>
   <c:roundedCorners val="0"/>
   <mc:AlternateContent xmlns:mc="http://schemas.openxmlformats.org/markup-compatibility/2006">
     <mc:Choice xmlns:c14="http://schemas.microsoft.com/office/drawing/2007/8/2/chart" Requires="c14">
@@ -22702,11 +22702,11 @@
           <c:showBubbleSize val="0"/>
         </c:dLbls>
         <c:gapWidth val="150"/>
-        <c:axId val="131766912"/>
-        <c:axId val="131780992"/>
+        <c:axId val="156806144"/>
+        <c:axId val="156807936"/>
       </c:barChart>
       <c:catAx>
-        <c:axId val="131766912"/>
+        <c:axId val="156806144"/>
         <c:scaling>
           <c:orientation val="minMax"/>
         </c:scaling>
@@ -22716,7 +22716,7 @@
         <c:majorTickMark val="none"/>
         <c:minorTickMark val="none"/>
         <c:tickLblPos val="nextTo"/>
-        <c:crossAx val="131780992"/>
+        <c:crossAx val="156807936"/>
         <c:crosses val="autoZero"/>
         <c:auto val="1"/>
         <c:lblAlgn val="ctr"/>
@@ -22724,7 +22724,7 @@
         <c:noMultiLvlLbl val="0"/>
       </c:catAx>
       <c:valAx>
-        <c:axId val="131780992"/>
+        <c:axId val="156807936"/>
         <c:scaling>
           <c:orientation val="minMax"/>
           <c:max val="1"/>
@@ -22736,7 +22736,7 @@
         <c:majorTickMark val="none"/>
         <c:minorTickMark val="none"/>
         <c:tickLblPos val="nextTo"/>
-        <c:crossAx val="131766912"/>
+        <c:crossAx val="156806144"/>
         <c:crosses val="autoZero"/>
         <c:crossBetween val="between"/>
       </c:valAx>
@@ -22759,7 +22759,7 @@
 <file path=ppt/charts/chart47.xml><?xml version="1.0" encoding="utf-8"?>
 <c:chartSpace xmlns:c="http://schemas.openxmlformats.org/drawingml/2006/chart" xmlns:a="http://schemas.openxmlformats.org/drawingml/2006/main" xmlns:r="http://schemas.openxmlformats.org/officeDocument/2006/relationships">
   <c:date1904 val="0"/>
-  <c:lang val="es-ES"/>
+  <c:lang val="en-US"/>
   <c:roundedCorners val="0"/>
   <mc:AlternateContent xmlns:mc="http://schemas.openxmlformats.org/markup-compatibility/2006">
     <mc:Choice xmlns:c14="http://schemas.microsoft.com/office/drawing/2007/8/2/chart" Requires="c14">
@@ -23453,11 +23453,11 @@
           <c:showBubbleSize val="0"/>
         </c:dLbls>
         <c:gapWidth val="150"/>
-        <c:axId val="131816064"/>
-        <c:axId val="131821952"/>
+        <c:axId val="156982272"/>
+        <c:axId val="156988160"/>
       </c:barChart>
       <c:catAx>
-        <c:axId val="131816064"/>
+        <c:axId val="156982272"/>
         <c:scaling>
           <c:orientation val="minMax"/>
         </c:scaling>
@@ -23467,7 +23467,7 @@
         <c:majorTickMark val="none"/>
         <c:minorTickMark val="none"/>
         <c:tickLblPos val="nextTo"/>
-        <c:crossAx val="131821952"/>
+        <c:crossAx val="156988160"/>
         <c:crosses val="autoZero"/>
         <c:auto val="1"/>
         <c:lblAlgn val="ctr"/>
@@ -23475,7 +23475,7 @@
         <c:noMultiLvlLbl val="0"/>
       </c:catAx>
       <c:valAx>
-        <c:axId val="131821952"/>
+        <c:axId val="156988160"/>
         <c:scaling>
           <c:orientation val="minMax"/>
         </c:scaling>
@@ -23486,7 +23486,7 @@
         <c:majorTickMark val="none"/>
         <c:minorTickMark val="none"/>
         <c:tickLblPos val="nextTo"/>
-        <c:crossAx val="131816064"/>
+        <c:crossAx val="156982272"/>
         <c:crosses val="autoZero"/>
         <c:crossBetween val="between"/>
       </c:valAx>
@@ -23509,7 +23509,7 @@
 <file path=ppt/charts/chart48.xml><?xml version="1.0" encoding="utf-8"?>
 <c:chartSpace xmlns:c="http://schemas.openxmlformats.org/drawingml/2006/chart" xmlns:a="http://schemas.openxmlformats.org/drawingml/2006/main" xmlns:r="http://schemas.openxmlformats.org/officeDocument/2006/relationships">
   <c:date1904 val="0"/>
-  <c:lang val="es-ES"/>
+  <c:lang val="en-US"/>
   <c:roundedCorners val="0"/>
   <mc:AlternateContent xmlns:mc="http://schemas.openxmlformats.org/markup-compatibility/2006">
     <mc:Choice xmlns:c14="http://schemas.microsoft.com/office/drawing/2007/8/2/chart" Requires="c14">
@@ -23889,11 +23889,11 @@
           <c:showBubbleSize val="0"/>
         </c:dLbls>
         <c:gapWidth val="150"/>
-        <c:axId val="131871104"/>
-        <c:axId val="131872640"/>
+        <c:axId val="157094656"/>
+        <c:axId val="157096192"/>
       </c:barChart>
       <c:catAx>
-        <c:axId val="131871104"/>
+        <c:axId val="157094656"/>
         <c:scaling>
           <c:orientation val="minMax"/>
         </c:scaling>
@@ -23902,7 +23902,7 @@
         <c:majorTickMark val="out"/>
         <c:minorTickMark val="none"/>
         <c:tickLblPos val="nextTo"/>
-        <c:crossAx val="131872640"/>
+        <c:crossAx val="157096192"/>
         <c:crosses val="autoZero"/>
         <c:auto val="1"/>
         <c:lblAlgn val="ctr"/>
@@ -23910,7 +23910,7 @@
         <c:noMultiLvlLbl val="0"/>
       </c:catAx>
       <c:valAx>
-        <c:axId val="131872640"/>
+        <c:axId val="157096192"/>
         <c:scaling>
           <c:orientation val="minMax"/>
           <c:max val="1"/>
@@ -23922,7 +23922,7 @@
         <c:majorTickMark val="out"/>
         <c:minorTickMark val="none"/>
         <c:tickLblPos val="nextTo"/>
-        <c:crossAx val="131871104"/>
+        <c:crossAx val="157094656"/>
         <c:crosses val="autoZero"/>
         <c:crossBetween val="between"/>
       </c:valAx>
@@ -23945,7 +23945,7 @@
 <file path=ppt/charts/chart49.xml><?xml version="1.0" encoding="utf-8"?>
 <c:chartSpace xmlns:c="http://schemas.openxmlformats.org/drawingml/2006/chart" xmlns:a="http://schemas.openxmlformats.org/drawingml/2006/main" xmlns:r="http://schemas.openxmlformats.org/officeDocument/2006/relationships">
   <c:date1904 val="0"/>
-  <c:lang val="es-ES"/>
+  <c:lang val="en-US"/>
   <c:roundedCorners val="0"/>
   <mc:AlternateContent xmlns:mc="http://schemas.openxmlformats.org/markup-compatibility/2006">
     <mc:Choice xmlns:c14="http://schemas.microsoft.com/office/drawing/2007/8/2/chart" Requires="c14">
@@ -24617,11 +24617,11 @@
           <c:showBubbleSize val="0"/>
         </c:dLbls>
         <c:gapWidth val="150"/>
-        <c:axId val="131903488"/>
-        <c:axId val="131905024"/>
+        <c:axId val="157139328"/>
+        <c:axId val="157140864"/>
       </c:barChart>
       <c:catAx>
-        <c:axId val="131903488"/>
+        <c:axId val="157139328"/>
         <c:scaling>
           <c:orientation val="minMax"/>
         </c:scaling>
@@ -24631,7 +24631,7 @@
         <c:majorTickMark val="out"/>
         <c:minorTickMark val="none"/>
         <c:tickLblPos val="nextTo"/>
-        <c:crossAx val="131905024"/>
+        <c:crossAx val="157140864"/>
         <c:crosses val="autoZero"/>
         <c:auto val="1"/>
         <c:lblAlgn val="ctr"/>
@@ -24639,7 +24639,7 @@
         <c:noMultiLvlLbl val="0"/>
       </c:catAx>
       <c:valAx>
-        <c:axId val="131905024"/>
+        <c:axId val="157140864"/>
         <c:scaling>
           <c:orientation val="minMax"/>
           <c:max val="1"/>
@@ -24651,7 +24651,7 @@
         <c:majorTickMark val="out"/>
         <c:minorTickMark val="none"/>
         <c:tickLblPos val="nextTo"/>
-        <c:crossAx val="131903488"/>
+        <c:crossAx val="157139328"/>
         <c:crosses val="autoZero"/>
         <c:crossBetween val="between"/>
       </c:valAx>
@@ -24674,7 +24674,7 @@
 <file path=ppt/charts/chart5.xml><?xml version="1.0" encoding="utf-8"?>
 <c:chartSpace xmlns:c="http://schemas.openxmlformats.org/drawingml/2006/chart" xmlns:a="http://schemas.openxmlformats.org/drawingml/2006/main" xmlns:r="http://schemas.openxmlformats.org/officeDocument/2006/relationships">
   <c:date1904 val="0"/>
-  <c:lang val="es-ES"/>
+  <c:lang val="en-US"/>
   <c:roundedCorners val="0"/>
   <mc:AlternateContent xmlns:mc="http://schemas.openxmlformats.org/markup-compatibility/2006">
     <mc:Choice xmlns:c14="http://schemas.microsoft.com/office/drawing/2007/8/2/chart" Requires="c14">
@@ -25550,11 +25550,11 @@
         </c:dLbls>
         <c:marker val="1"/>
         <c:smooth val="0"/>
-        <c:axId val="119502720"/>
-        <c:axId val="119504256"/>
+        <c:axId val="112291840"/>
+        <c:axId val="112293376"/>
       </c:lineChart>
       <c:catAx>
-        <c:axId val="119502720"/>
+        <c:axId val="112291840"/>
         <c:scaling>
           <c:orientation val="minMax"/>
         </c:scaling>
@@ -25564,7 +25564,7 @@
         <c:majorTickMark val="out"/>
         <c:minorTickMark val="none"/>
         <c:tickLblPos val="nextTo"/>
-        <c:crossAx val="119504256"/>
+        <c:crossAx val="112293376"/>
         <c:crosses val="autoZero"/>
         <c:auto val="1"/>
         <c:lblAlgn val="ctr"/>
@@ -25572,7 +25572,7 @@
         <c:noMultiLvlLbl val="0"/>
       </c:catAx>
       <c:valAx>
-        <c:axId val="119504256"/>
+        <c:axId val="112293376"/>
         <c:scaling>
           <c:orientation val="minMax"/>
           <c:max val="0.25"/>
@@ -25584,7 +25584,7 @@
         <c:majorTickMark val="out"/>
         <c:minorTickMark val="none"/>
         <c:tickLblPos val="nextTo"/>
-        <c:crossAx val="119502720"/>
+        <c:crossAx val="112291840"/>
         <c:crosses val="autoZero"/>
         <c:crossBetween val="between"/>
       </c:valAx>
@@ -25600,7 +25600,7 @@
           <a:pPr>
             <a:defRPr sz="1400"/>
           </a:pPr>
-          <a:endParaRPr lang="es-ES"/>
+          <a:endParaRPr lang="en-US"/>
         </a:p>
       </c:txPr>
     </c:legend>
@@ -25617,7 +25617,7 @@
 <file path=ppt/charts/chart50.xml><?xml version="1.0" encoding="utf-8"?>
 <c:chartSpace xmlns:c="http://schemas.openxmlformats.org/drawingml/2006/chart" xmlns:a="http://schemas.openxmlformats.org/drawingml/2006/main" xmlns:r="http://schemas.openxmlformats.org/officeDocument/2006/relationships">
   <c:date1904 val="0"/>
-  <c:lang val="es-ES"/>
+  <c:lang val="en-US"/>
   <c:roundedCorners val="0"/>
   <mc:AlternateContent xmlns:mc="http://schemas.openxmlformats.org/markup-compatibility/2006">
     <mc:Choice xmlns:c14="http://schemas.microsoft.com/office/drawing/2007/8/2/chart" Requires="c14">
@@ -25901,11 +25901,11 @@
           <c:showBubbleSize val="0"/>
         </c:dLbls>
         <c:gapWidth val="150"/>
-        <c:axId val="130638976"/>
-        <c:axId val="130640512"/>
+        <c:axId val="157173248"/>
+        <c:axId val="157174784"/>
       </c:barChart>
       <c:catAx>
-        <c:axId val="130638976"/>
+        <c:axId val="157173248"/>
         <c:scaling>
           <c:orientation val="minMax"/>
         </c:scaling>
@@ -25914,7 +25914,7 @@
         <c:majorTickMark val="out"/>
         <c:minorTickMark val="none"/>
         <c:tickLblPos val="nextTo"/>
-        <c:crossAx val="130640512"/>
+        <c:crossAx val="157174784"/>
         <c:crosses val="autoZero"/>
         <c:auto val="1"/>
         <c:lblAlgn val="ctr"/>
@@ -25922,7 +25922,7 @@
         <c:noMultiLvlLbl val="0"/>
       </c:catAx>
       <c:valAx>
-        <c:axId val="130640512"/>
+        <c:axId val="157174784"/>
         <c:scaling>
           <c:orientation val="minMax"/>
           <c:max val="1"/>
@@ -25934,7 +25934,7 @@
         <c:majorTickMark val="out"/>
         <c:minorTickMark val="none"/>
         <c:tickLblPos val="nextTo"/>
-        <c:crossAx val="130638976"/>
+        <c:crossAx val="157173248"/>
         <c:crosses val="autoZero"/>
         <c:crossBetween val="between"/>
       </c:valAx>
@@ -25957,7 +25957,7 @@
 <file path=ppt/charts/chart51.xml><?xml version="1.0" encoding="utf-8"?>
 <c:chartSpace xmlns:c="http://schemas.openxmlformats.org/drawingml/2006/chart" xmlns:a="http://schemas.openxmlformats.org/drawingml/2006/main" xmlns:r="http://schemas.openxmlformats.org/officeDocument/2006/relationships">
   <c:date1904 val="0"/>
-  <c:lang val="es-ES"/>
+  <c:lang val="en-US"/>
   <c:roundedCorners val="0"/>
   <mc:AlternateContent xmlns:mc="http://schemas.openxmlformats.org/markup-compatibility/2006">
     <mc:Choice xmlns:c14="http://schemas.microsoft.com/office/drawing/2007/8/2/chart" Requires="c14">
@@ -26653,11 +26653,11 @@
           <c:showBubbleSize val="0"/>
         </c:dLbls>
         <c:gapWidth val="150"/>
-        <c:axId val="130679552"/>
-        <c:axId val="130681088"/>
+        <c:axId val="157209728"/>
+        <c:axId val="157211264"/>
       </c:barChart>
       <c:catAx>
-        <c:axId val="130679552"/>
+        <c:axId val="157209728"/>
         <c:scaling>
           <c:orientation val="minMax"/>
         </c:scaling>
@@ -26667,7 +26667,7 @@
         <c:majorTickMark val="none"/>
         <c:minorTickMark val="none"/>
         <c:tickLblPos val="nextTo"/>
-        <c:crossAx val="130681088"/>
+        <c:crossAx val="157211264"/>
         <c:crosses val="autoZero"/>
         <c:auto val="1"/>
         <c:lblAlgn val="ctr"/>
@@ -26675,7 +26675,7 @@
         <c:noMultiLvlLbl val="0"/>
       </c:catAx>
       <c:valAx>
-        <c:axId val="130681088"/>
+        <c:axId val="157211264"/>
         <c:scaling>
           <c:orientation val="minMax"/>
           <c:max val="1"/>
@@ -26687,7 +26687,7 @@
         <c:majorTickMark val="none"/>
         <c:minorTickMark val="none"/>
         <c:tickLblPos val="nextTo"/>
-        <c:crossAx val="130679552"/>
+        <c:crossAx val="157209728"/>
         <c:crosses val="autoZero"/>
         <c:crossBetween val="between"/>
       </c:valAx>
@@ -26710,7 +26710,7 @@
 <file path=ppt/charts/chart52.xml><?xml version="1.0" encoding="utf-8"?>
 <c:chartSpace xmlns:c="http://schemas.openxmlformats.org/drawingml/2006/chart" xmlns:a="http://schemas.openxmlformats.org/drawingml/2006/main" xmlns:r="http://schemas.openxmlformats.org/officeDocument/2006/relationships">
   <c:date1904 val="0"/>
-  <c:lang val="es-ES"/>
+  <c:lang val="en-US"/>
   <c:roundedCorners val="0"/>
   <mc:AlternateContent xmlns:mc="http://schemas.openxmlformats.org/markup-compatibility/2006">
     <mc:Choice xmlns:c14="http://schemas.microsoft.com/office/drawing/2007/8/2/chart" Requires="c14">
@@ -27406,11 +27406,11 @@
           <c:showBubbleSize val="0"/>
         </c:dLbls>
         <c:gapWidth val="150"/>
-        <c:axId val="130728704"/>
-        <c:axId val="130730240"/>
+        <c:axId val="157258880"/>
+        <c:axId val="157260416"/>
       </c:barChart>
       <c:catAx>
-        <c:axId val="130728704"/>
+        <c:axId val="157258880"/>
         <c:scaling>
           <c:orientation val="minMax"/>
         </c:scaling>
@@ -27420,7 +27420,7 @@
         <c:majorTickMark val="none"/>
         <c:minorTickMark val="none"/>
         <c:tickLblPos val="nextTo"/>
-        <c:crossAx val="130730240"/>
+        <c:crossAx val="157260416"/>
         <c:crosses val="autoZero"/>
         <c:auto val="1"/>
         <c:lblAlgn val="ctr"/>
@@ -27428,7 +27428,7 @@
         <c:noMultiLvlLbl val="0"/>
       </c:catAx>
       <c:valAx>
-        <c:axId val="130730240"/>
+        <c:axId val="157260416"/>
         <c:scaling>
           <c:orientation val="minMax"/>
           <c:max val="1"/>
@@ -27440,7 +27440,7 @@
         <c:majorTickMark val="none"/>
         <c:minorTickMark val="none"/>
         <c:tickLblPos val="nextTo"/>
-        <c:crossAx val="130728704"/>
+        <c:crossAx val="157258880"/>
         <c:crosses val="autoZero"/>
         <c:crossBetween val="between"/>
       </c:valAx>
@@ -27463,7 +27463,7 @@
 <file path=ppt/charts/chart53.xml><?xml version="1.0" encoding="utf-8"?>
 <c:chartSpace xmlns:c="http://schemas.openxmlformats.org/drawingml/2006/chart" xmlns:a="http://schemas.openxmlformats.org/drawingml/2006/main" xmlns:r="http://schemas.openxmlformats.org/officeDocument/2006/relationships">
   <c:date1904 val="0"/>
-  <c:lang val="es-ES"/>
+  <c:lang val="en-US"/>
   <c:roundedCorners val="0"/>
   <mc:AlternateContent xmlns:mc="http://schemas.openxmlformats.org/markup-compatibility/2006">
     <mc:Choice xmlns:c14="http://schemas.microsoft.com/office/drawing/2007/8/2/chart" Requires="c14">
@@ -28159,11 +28159,11 @@
           <c:showBubbleSize val="0"/>
         </c:dLbls>
         <c:gapWidth val="150"/>
-        <c:axId val="130810624"/>
-        <c:axId val="130812160"/>
+        <c:axId val="157303936"/>
+        <c:axId val="157305472"/>
       </c:barChart>
       <c:catAx>
-        <c:axId val="130810624"/>
+        <c:axId val="157303936"/>
         <c:scaling>
           <c:orientation val="minMax"/>
         </c:scaling>
@@ -28173,7 +28173,7 @@
         <c:majorTickMark val="none"/>
         <c:minorTickMark val="none"/>
         <c:tickLblPos val="nextTo"/>
-        <c:crossAx val="130812160"/>
+        <c:crossAx val="157305472"/>
         <c:crosses val="autoZero"/>
         <c:auto val="1"/>
         <c:lblAlgn val="ctr"/>
@@ -28181,7 +28181,7 @@
         <c:noMultiLvlLbl val="0"/>
       </c:catAx>
       <c:valAx>
-        <c:axId val="130812160"/>
+        <c:axId val="157305472"/>
         <c:scaling>
           <c:orientation val="minMax"/>
           <c:max val="1"/>
@@ -28193,7 +28193,7 @@
         <c:majorTickMark val="none"/>
         <c:minorTickMark val="none"/>
         <c:tickLblPos val="nextTo"/>
-        <c:crossAx val="130810624"/>
+        <c:crossAx val="157303936"/>
         <c:crosses val="autoZero"/>
         <c:crossBetween val="between"/>
       </c:valAx>
@@ -28216,7 +28216,7 @@
 <file path=ppt/charts/chart54.xml><?xml version="1.0" encoding="utf-8"?>
 <c:chartSpace xmlns:c="http://schemas.openxmlformats.org/drawingml/2006/chart" xmlns:a="http://schemas.openxmlformats.org/drawingml/2006/main" xmlns:r="http://schemas.openxmlformats.org/officeDocument/2006/relationships">
   <c:date1904 val="0"/>
-  <c:lang val="es-ES"/>
+  <c:lang val="en-US"/>
   <c:roundedCorners val="0"/>
   <mc:AlternateContent xmlns:mc="http://schemas.openxmlformats.org/markup-compatibility/2006">
     <mc:Choice xmlns:c14="http://schemas.microsoft.com/office/drawing/2007/8/2/chart" Requires="c14">
@@ -28912,11 +28912,11 @@
           <c:showBubbleSize val="0"/>
         </c:dLbls>
         <c:gapWidth val="150"/>
-        <c:axId val="131273472"/>
-        <c:axId val="131275008"/>
+        <c:axId val="157340800"/>
+        <c:axId val="157342336"/>
       </c:barChart>
       <c:catAx>
-        <c:axId val="131273472"/>
+        <c:axId val="157340800"/>
         <c:scaling>
           <c:orientation val="minMax"/>
         </c:scaling>
@@ -28926,7 +28926,7 @@
         <c:majorTickMark val="none"/>
         <c:minorTickMark val="none"/>
         <c:tickLblPos val="nextTo"/>
-        <c:crossAx val="131275008"/>
+        <c:crossAx val="157342336"/>
         <c:crosses val="autoZero"/>
         <c:auto val="1"/>
         <c:lblAlgn val="ctr"/>
@@ -28934,7 +28934,7 @@
         <c:noMultiLvlLbl val="0"/>
       </c:catAx>
       <c:valAx>
-        <c:axId val="131275008"/>
+        <c:axId val="157342336"/>
         <c:scaling>
           <c:orientation val="minMax"/>
           <c:max val="1"/>
@@ -28946,7 +28946,7 @@
         <c:majorTickMark val="none"/>
         <c:minorTickMark val="none"/>
         <c:tickLblPos val="nextTo"/>
-        <c:crossAx val="131273472"/>
+        <c:crossAx val="157340800"/>
         <c:crosses val="autoZero"/>
         <c:crossBetween val="between"/>
       </c:valAx>
@@ -28969,7 +28969,7 @@
 <file path=ppt/charts/chart55.xml><?xml version="1.0" encoding="utf-8"?>
 <c:chartSpace xmlns:c="http://schemas.openxmlformats.org/drawingml/2006/chart" xmlns:a="http://schemas.openxmlformats.org/drawingml/2006/main" xmlns:r="http://schemas.openxmlformats.org/officeDocument/2006/relationships">
   <c:date1904 val="0"/>
-  <c:lang val="es-ES"/>
+  <c:lang val="en-US"/>
   <c:roundedCorners val="0"/>
   <mc:AlternateContent xmlns:mc="http://schemas.openxmlformats.org/markup-compatibility/2006">
     <mc:Choice xmlns:c14="http://schemas.microsoft.com/office/drawing/2007/8/2/chart" Requires="c14">
@@ -29194,11 +29194,11 @@
           <c:showBubbleSize val="0"/>
         </c:dLbls>
         <c:gapWidth val="150"/>
-        <c:axId val="132211456"/>
-        <c:axId val="132212992"/>
+        <c:axId val="157373568"/>
+        <c:axId val="157375104"/>
       </c:barChart>
       <c:catAx>
-        <c:axId val="132211456"/>
+        <c:axId val="157373568"/>
         <c:scaling>
           <c:orientation val="minMax"/>
         </c:scaling>
@@ -29207,7 +29207,7 @@
         <c:majorTickMark val="out"/>
         <c:minorTickMark val="none"/>
         <c:tickLblPos val="nextTo"/>
-        <c:crossAx val="132212992"/>
+        <c:crossAx val="157375104"/>
         <c:crosses val="autoZero"/>
         <c:auto val="1"/>
         <c:lblAlgn val="ctr"/>
@@ -29215,7 +29215,7 @@
         <c:noMultiLvlLbl val="0"/>
       </c:catAx>
       <c:valAx>
-        <c:axId val="132212992"/>
+        <c:axId val="157375104"/>
         <c:scaling>
           <c:orientation val="minMax"/>
           <c:max val="1"/>
@@ -29227,7 +29227,7 @@
         <c:majorTickMark val="out"/>
         <c:minorTickMark val="none"/>
         <c:tickLblPos val="nextTo"/>
-        <c:crossAx val="132211456"/>
+        <c:crossAx val="157373568"/>
         <c:crosses val="autoZero"/>
         <c:crossBetween val="between"/>
       </c:valAx>
@@ -29243,7 +29243,7 @@
           <a:pPr>
             <a:defRPr sz="1400"/>
           </a:pPr>
-          <a:endParaRPr lang="es-ES"/>
+          <a:endParaRPr lang="en-US"/>
         </a:p>
       </c:txPr>
     </c:legend>
@@ -29260,7 +29260,7 @@
 <file path=ppt/charts/chart56.xml><?xml version="1.0" encoding="utf-8"?>
 <c:chartSpace xmlns:c="http://schemas.openxmlformats.org/drawingml/2006/chart" xmlns:a="http://schemas.openxmlformats.org/drawingml/2006/main" xmlns:r="http://schemas.openxmlformats.org/officeDocument/2006/relationships">
   <c:date1904 val="0"/>
-  <c:lang val="es-ES"/>
+  <c:lang val="en-US"/>
   <c:roundedCorners val="0"/>
   <mc:AlternateContent xmlns:mc="http://schemas.openxmlformats.org/markup-compatibility/2006">
     <mc:Choice xmlns:c14="http://schemas.microsoft.com/office/drawing/2007/8/2/chart" Requires="c14">
@@ -29640,11 +29640,11 @@
           <c:showBubbleSize val="0"/>
         </c:dLbls>
         <c:gapWidth val="150"/>
-        <c:axId val="132245376"/>
-        <c:axId val="132246912"/>
+        <c:axId val="157411584"/>
+        <c:axId val="157413376"/>
       </c:barChart>
       <c:catAx>
-        <c:axId val="132245376"/>
+        <c:axId val="157411584"/>
         <c:scaling>
           <c:orientation val="minMax"/>
         </c:scaling>
@@ -29653,7 +29653,7 @@
         <c:majorTickMark val="out"/>
         <c:minorTickMark val="none"/>
         <c:tickLblPos val="nextTo"/>
-        <c:crossAx val="132246912"/>
+        <c:crossAx val="157413376"/>
         <c:crosses val="autoZero"/>
         <c:auto val="1"/>
         <c:lblAlgn val="ctr"/>
@@ -29661,7 +29661,7 @@
         <c:noMultiLvlLbl val="0"/>
       </c:catAx>
       <c:valAx>
-        <c:axId val="132246912"/>
+        <c:axId val="157413376"/>
         <c:scaling>
           <c:orientation val="minMax"/>
         </c:scaling>
@@ -29672,7 +29672,7 @@
         <c:majorTickMark val="out"/>
         <c:minorTickMark val="none"/>
         <c:tickLblPos val="nextTo"/>
-        <c:crossAx val="132245376"/>
+        <c:crossAx val="157411584"/>
         <c:crosses val="autoZero"/>
         <c:crossBetween val="between"/>
       </c:valAx>
@@ -29695,7 +29695,7 @@
 <file path=ppt/charts/chart57.xml><?xml version="1.0" encoding="utf-8"?>
 <c:chartSpace xmlns:c="http://schemas.openxmlformats.org/drawingml/2006/chart" xmlns:a="http://schemas.openxmlformats.org/drawingml/2006/main" xmlns:r="http://schemas.openxmlformats.org/officeDocument/2006/relationships">
   <c:date1904 val="0"/>
-  <c:lang val="es-ES"/>
+  <c:lang val="en-US"/>
   <c:roundedCorners val="0"/>
   <mc:AlternateContent xmlns:mc="http://schemas.openxmlformats.org/markup-compatibility/2006">
     <mc:Choice xmlns:c14="http://schemas.microsoft.com/office/drawing/2007/8/2/chart" Requires="c14">
@@ -29947,11 +29947,11 @@
           <c:showBubbleSize val="0"/>
         </c:dLbls>
         <c:gapWidth val="150"/>
-        <c:axId val="132294528"/>
-        <c:axId val="132296064"/>
+        <c:axId val="157460736"/>
+        <c:axId val="157462528"/>
       </c:barChart>
       <c:catAx>
-        <c:axId val="132294528"/>
+        <c:axId val="157460736"/>
         <c:scaling>
           <c:orientation val="minMax"/>
         </c:scaling>
@@ -29967,10 +29967,10 @@
             <a:pPr>
               <a:defRPr sz="1400"/>
             </a:pPr>
-            <a:endParaRPr lang="es-ES"/>
+            <a:endParaRPr lang="en-US"/>
           </a:p>
         </c:txPr>
-        <c:crossAx val="132296064"/>
+        <c:crossAx val="157462528"/>
         <c:crosses val="autoZero"/>
         <c:auto val="1"/>
         <c:lblAlgn val="ctr"/>
@@ -29978,7 +29978,7 @@
         <c:noMultiLvlLbl val="0"/>
       </c:catAx>
       <c:valAx>
-        <c:axId val="132296064"/>
+        <c:axId val="157462528"/>
         <c:scaling>
           <c:orientation val="minMax"/>
           <c:max val="1"/>
@@ -29997,10 +29997,10 @@
             <a:pPr>
               <a:defRPr sz="1400"/>
             </a:pPr>
-            <a:endParaRPr lang="es-ES"/>
+            <a:endParaRPr lang="en-US"/>
           </a:p>
         </c:txPr>
-        <c:crossAx val="132294528"/>
+        <c:crossAx val="157460736"/>
         <c:crosses val="autoZero"/>
         <c:crossBetween val="between"/>
       </c:valAx>
@@ -30016,7 +30016,7 @@
           <a:pPr>
             <a:defRPr sz="1400"/>
           </a:pPr>
-          <a:endParaRPr lang="es-ES"/>
+          <a:endParaRPr lang="en-US"/>
         </a:p>
       </c:txPr>
     </c:legend>
@@ -30033,7 +30033,7 @@
 <file path=ppt/charts/chart58.xml><?xml version="1.0" encoding="utf-8"?>
 <c:chartSpace xmlns:c="http://schemas.openxmlformats.org/drawingml/2006/chart" xmlns:a="http://schemas.openxmlformats.org/drawingml/2006/main" xmlns:r="http://schemas.openxmlformats.org/officeDocument/2006/relationships">
   <c:date1904 val="0"/>
-  <c:lang val="es-ES"/>
+  <c:lang val="en-US"/>
   <c:roundedCorners val="0"/>
   <mc:AlternateContent xmlns:mc="http://schemas.openxmlformats.org/markup-compatibility/2006">
     <mc:Choice xmlns:c14="http://schemas.microsoft.com/office/drawing/2007/8/2/chart" Requires="c14">
@@ -30122,11 +30122,11 @@
           <c:showBubbleSize val="0"/>
         </c:dLbls>
         <c:gapWidth val="150"/>
-        <c:axId val="132325760"/>
-        <c:axId val="132327296"/>
+        <c:axId val="157479680"/>
+        <c:axId val="157481216"/>
       </c:barChart>
       <c:catAx>
-        <c:axId val="132325760"/>
+        <c:axId val="157479680"/>
         <c:scaling>
           <c:orientation val="minMax"/>
         </c:scaling>
@@ -30135,7 +30135,7 @@
         <c:majorTickMark val="out"/>
         <c:minorTickMark val="none"/>
         <c:tickLblPos val="nextTo"/>
-        <c:crossAx val="132327296"/>
+        <c:crossAx val="157481216"/>
         <c:crosses val="autoZero"/>
         <c:auto val="1"/>
         <c:lblAlgn val="ctr"/>
@@ -30143,7 +30143,7 @@
         <c:noMultiLvlLbl val="0"/>
       </c:catAx>
       <c:valAx>
-        <c:axId val="132327296"/>
+        <c:axId val="157481216"/>
         <c:scaling>
           <c:orientation val="minMax"/>
         </c:scaling>
@@ -30154,7 +30154,7 @@
         <c:majorTickMark val="out"/>
         <c:minorTickMark val="none"/>
         <c:tickLblPos val="nextTo"/>
-        <c:crossAx val="132325760"/>
+        <c:crossAx val="157479680"/>
         <c:crosses val="autoZero"/>
         <c:crossBetween val="between"/>
       </c:valAx>
@@ -30177,7 +30177,7 @@
 <file path=ppt/charts/chart59.xml><?xml version="1.0" encoding="utf-8"?>
 <c:chartSpace xmlns:c="http://schemas.openxmlformats.org/drawingml/2006/chart" xmlns:a="http://schemas.openxmlformats.org/drawingml/2006/main" xmlns:r="http://schemas.openxmlformats.org/officeDocument/2006/relationships">
   <c:date1904 val="0"/>
-  <c:lang val="es-ES"/>
+  <c:lang val="en-US"/>
   <c:roundedCorners val="0"/>
   <mc:AlternateContent xmlns:mc="http://schemas.openxmlformats.org/markup-compatibility/2006">
     <mc:Choice xmlns:c14="http://schemas.microsoft.com/office/drawing/2007/8/2/chart" Requires="c14">
@@ -30461,11 +30461,11 @@
           <c:showBubbleSize val="0"/>
         </c:dLbls>
         <c:gapWidth val="150"/>
-        <c:axId val="132378624"/>
-        <c:axId val="132380160"/>
+        <c:axId val="157524352"/>
+        <c:axId val="157525888"/>
       </c:barChart>
       <c:catAx>
-        <c:axId val="132378624"/>
+        <c:axId val="157524352"/>
         <c:scaling>
           <c:orientation val="minMax"/>
         </c:scaling>
@@ -30474,7 +30474,7 @@
         <c:majorTickMark val="out"/>
         <c:minorTickMark val="none"/>
         <c:tickLblPos val="nextTo"/>
-        <c:crossAx val="132380160"/>
+        <c:crossAx val="157525888"/>
         <c:crosses val="autoZero"/>
         <c:auto val="1"/>
         <c:lblAlgn val="ctr"/>
@@ -30482,7 +30482,7 @@
         <c:noMultiLvlLbl val="0"/>
       </c:catAx>
       <c:valAx>
-        <c:axId val="132380160"/>
+        <c:axId val="157525888"/>
         <c:scaling>
           <c:orientation val="minMax"/>
           <c:max val="1"/>
@@ -30494,7 +30494,7 @@
         <c:majorTickMark val="out"/>
         <c:minorTickMark val="none"/>
         <c:tickLblPos val="nextTo"/>
-        <c:crossAx val="132378624"/>
+        <c:crossAx val="157524352"/>
         <c:crosses val="autoZero"/>
         <c:crossBetween val="between"/>
       </c:valAx>
@@ -30517,7 +30517,7 @@
 <file path=ppt/charts/chart6.xml><?xml version="1.0" encoding="utf-8"?>
 <c:chartSpace xmlns:c="http://schemas.openxmlformats.org/drawingml/2006/chart" xmlns:a="http://schemas.openxmlformats.org/drawingml/2006/main" xmlns:r="http://schemas.openxmlformats.org/officeDocument/2006/relationships">
   <c:date1904 val="0"/>
-  <c:lang val="es-ES"/>
+  <c:lang val="en-US"/>
   <c:roundedCorners val="0"/>
   <mc:AlternateContent xmlns:mc="http://schemas.openxmlformats.org/markup-compatibility/2006">
     <mc:Choice xmlns:c14="http://schemas.microsoft.com/office/drawing/2007/8/2/chart" Requires="c14">
@@ -31393,11 +31393,11 @@
         </c:dLbls>
         <c:marker val="1"/>
         <c:smooth val="0"/>
-        <c:axId val="119520256"/>
-        <c:axId val="129307392"/>
+        <c:axId val="112313472"/>
+        <c:axId val="112315008"/>
       </c:lineChart>
       <c:catAx>
-        <c:axId val="119520256"/>
+        <c:axId val="112313472"/>
         <c:scaling>
           <c:orientation val="minMax"/>
         </c:scaling>
@@ -31407,7 +31407,7 @@
         <c:majorTickMark val="out"/>
         <c:minorTickMark val="none"/>
         <c:tickLblPos val="nextTo"/>
-        <c:crossAx val="129307392"/>
+        <c:crossAx val="112315008"/>
         <c:crosses val="autoZero"/>
         <c:auto val="1"/>
         <c:lblAlgn val="ctr"/>
@@ -31415,7 +31415,7 @@
         <c:noMultiLvlLbl val="0"/>
       </c:catAx>
       <c:valAx>
-        <c:axId val="129307392"/>
+        <c:axId val="112315008"/>
         <c:scaling>
           <c:orientation val="minMax"/>
         </c:scaling>
@@ -31426,7 +31426,7 @@
         <c:majorTickMark val="out"/>
         <c:minorTickMark val="none"/>
         <c:tickLblPos val="nextTo"/>
-        <c:crossAx val="119520256"/>
+        <c:crossAx val="112313472"/>
         <c:crosses val="autoZero"/>
         <c:crossBetween val="between"/>
       </c:valAx>
@@ -31442,7 +31442,7 @@
           <a:pPr>
             <a:defRPr sz="1400"/>
           </a:pPr>
-          <a:endParaRPr lang="es-ES"/>
+          <a:endParaRPr lang="en-US"/>
         </a:p>
       </c:txPr>
     </c:legend>
@@ -31459,7 +31459,7 @@
 <file path=ppt/charts/chart60.xml><?xml version="1.0" encoding="utf-8"?>
 <c:chartSpace xmlns:c="http://schemas.openxmlformats.org/drawingml/2006/chart" xmlns:a="http://schemas.openxmlformats.org/drawingml/2006/main" xmlns:r="http://schemas.openxmlformats.org/officeDocument/2006/relationships">
   <c:date1904 val="0"/>
-  <c:lang val="es-ES"/>
+  <c:lang val="en-US"/>
   <c:roundedCorners val="0"/>
   <mc:AlternateContent xmlns:mc="http://schemas.openxmlformats.org/markup-compatibility/2006">
     <mc:Choice xmlns:c14="http://schemas.microsoft.com/office/drawing/2007/8/2/chart" Requires="c14">
@@ -31679,11 +31679,11 @@
           <c:showBubbleSize val="0"/>
         </c:dLbls>
         <c:gapWidth val="150"/>
-        <c:axId val="132389888"/>
-        <c:axId val="132399872"/>
+        <c:axId val="157539712"/>
+        <c:axId val="157631616"/>
       </c:barChart>
       <c:catAx>
-        <c:axId val="132389888"/>
+        <c:axId val="157539712"/>
         <c:scaling>
           <c:orientation val="minMax"/>
         </c:scaling>
@@ -31692,7 +31692,7 @@
         <c:majorTickMark val="none"/>
         <c:minorTickMark val="none"/>
         <c:tickLblPos val="nextTo"/>
-        <c:crossAx val="132399872"/>
+        <c:crossAx val="157631616"/>
         <c:crosses val="autoZero"/>
         <c:auto val="1"/>
         <c:lblAlgn val="ctr"/>
@@ -31700,7 +31700,7 @@
         <c:noMultiLvlLbl val="0"/>
       </c:catAx>
       <c:valAx>
-        <c:axId val="132399872"/>
+        <c:axId val="157631616"/>
         <c:scaling>
           <c:orientation val="minMax"/>
         </c:scaling>
@@ -31711,7 +31711,7 @@
         <c:majorTickMark val="none"/>
         <c:minorTickMark val="none"/>
         <c:tickLblPos val="nextTo"/>
-        <c:crossAx val="132389888"/>
+        <c:crossAx val="157539712"/>
         <c:crosses val="autoZero"/>
         <c:crossBetween val="between"/>
       </c:valAx>
@@ -31729,7 +31729,7 @@
 <file path=ppt/charts/chart61.xml><?xml version="1.0" encoding="utf-8"?>
 <c:chartSpace xmlns:c="http://schemas.openxmlformats.org/drawingml/2006/chart" xmlns:a="http://schemas.openxmlformats.org/drawingml/2006/main" xmlns:r="http://schemas.openxmlformats.org/officeDocument/2006/relationships">
   <c:date1904 val="0"/>
-  <c:lang val="es-ES"/>
+  <c:lang val="en-US"/>
   <c:roundedCorners val="0"/>
   <mc:AlternateContent xmlns:mc="http://schemas.openxmlformats.org/markup-compatibility/2006">
     <mc:Choice xmlns:c14="http://schemas.microsoft.com/office/drawing/2007/8/2/chart" Requires="c14">
@@ -31949,11 +31949,11 @@
           <c:showBubbleSize val="0"/>
         </c:dLbls>
         <c:gapWidth val="150"/>
-        <c:axId val="132424832"/>
-        <c:axId val="132426368"/>
+        <c:axId val="157644288"/>
+        <c:axId val="157645824"/>
       </c:barChart>
       <c:catAx>
-        <c:axId val="132424832"/>
+        <c:axId val="157644288"/>
         <c:scaling>
           <c:orientation val="minMax"/>
         </c:scaling>
@@ -31962,7 +31962,7 @@
         <c:majorTickMark val="none"/>
         <c:minorTickMark val="none"/>
         <c:tickLblPos val="nextTo"/>
-        <c:crossAx val="132426368"/>
+        <c:crossAx val="157645824"/>
         <c:crosses val="autoZero"/>
         <c:auto val="1"/>
         <c:lblAlgn val="ctr"/>
@@ -31970,7 +31970,7 @@
         <c:noMultiLvlLbl val="0"/>
       </c:catAx>
       <c:valAx>
-        <c:axId val="132426368"/>
+        <c:axId val="157645824"/>
         <c:scaling>
           <c:orientation val="minMax"/>
           <c:max val="1"/>
@@ -31982,7 +31982,7 @@
         <c:majorTickMark val="none"/>
         <c:minorTickMark val="none"/>
         <c:tickLblPos val="nextTo"/>
-        <c:crossAx val="132424832"/>
+        <c:crossAx val="157644288"/>
         <c:crosses val="autoZero"/>
         <c:crossBetween val="between"/>
       </c:valAx>
@@ -32000,7 +32000,7 @@
 <file path=ppt/charts/chart62.xml><?xml version="1.0" encoding="utf-8"?>
 <c:chartSpace xmlns:c="http://schemas.openxmlformats.org/drawingml/2006/chart" xmlns:a="http://schemas.openxmlformats.org/drawingml/2006/main" xmlns:r="http://schemas.openxmlformats.org/officeDocument/2006/relationships">
   <c:date1904 val="0"/>
-  <c:lang val="es-ES"/>
+  <c:lang val="en-US"/>
   <c:roundedCorners val="0"/>
   <mc:AlternateContent xmlns:mc="http://schemas.openxmlformats.org/markup-compatibility/2006">
     <mc:Choice xmlns:c14="http://schemas.microsoft.com/office/drawing/2007/8/2/chart" Requires="c14">
@@ -32220,11 +32220,11 @@
           <c:showBubbleSize val="0"/>
         </c:dLbls>
         <c:gapWidth val="150"/>
-        <c:axId val="132447232"/>
-        <c:axId val="132457216"/>
+        <c:axId val="157670784"/>
+        <c:axId val="157672576"/>
       </c:barChart>
       <c:catAx>
-        <c:axId val="132447232"/>
+        <c:axId val="157670784"/>
         <c:scaling>
           <c:orientation val="minMax"/>
         </c:scaling>
@@ -32233,7 +32233,7 @@
         <c:majorTickMark val="none"/>
         <c:minorTickMark val="none"/>
         <c:tickLblPos val="nextTo"/>
-        <c:crossAx val="132457216"/>
+        <c:crossAx val="157672576"/>
         <c:crosses val="autoZero"/>
         <c:auto val="1"/>
         <c:lblAlgn val="ctr"/>
@@ -32241,7 +32241,7 @@
         <c:noMultiLvlLbl val="0"/>
       </c:catAx>
       <c:valAx>
-        <c:axId val="132457216"/>
+        <c:axId val="157672576"/>
         <c:scaling>
           <c:orientation val="minMax"/>
           <c:max val="1"/>
@@ -32253,7 +32253,7 @@
         <c:majorTickMark val="none"/>
         <c:minorTickMark val="none"/>
         <c:tickLblPos val="nextTo"/>
-        <c:crossAx val="132447232"/>
+        <c:crossAx val="157670784"/>
         <c:crosses val="autoZero"/>
         <c:crossBetween val="between"/>
       </c:valAx>
@@ -32271,7 +32271,7 @@
 <file path=ppt/charts/chart63.xml><?xml version="1.0" encoding="utf-8"?>
 <c:chartSpace xmlns:c="http://schemas.openxmlformats.org/drawingml/2006/chart" xmlns:a="http://schemas.openxmlformats.org/drawingml/2006/main" xmlns:r="http://schemas.openxmlformats.org/officeDocument/2006/relationships">
   <c:date1904 val="0"/>
-  <c:lang val="es-ES"/>
+  <c:lang val="en-US"/>
   <c:roundedCorners val="0"/>
   <mc:AlternateContent xmlns:mc="http://schemas.openxmlformats.org/markup-compatibility/2006">
     <mc:Choice xmlns:c14="http://schemas.microsoft.com/office/drawing/2007/8/2/chart" Requires="c14">
@@ -32491,11 +32491,11 @@
           <c:showBubbleSize val="0"/>
         </c:dLbls>
         <c:gapWidth val="150"/>
-        <c:axId val="132486272"/>
-        <c:axId val="132487808"/>
+        <c:axId val="157713920"/>
+        <c:axId val="157715456"/>
       </c:barChart>
       <c:catAx>
-        <c:axId val="132486272"/>
+        <c:axId val="157713920"/>
         <c:scaling>
           <c:orientation val="minMax"/>
         </c:scaling>
@@ -32504,7 +32504,7 @@
         <c:majorTickMark val="none"/>
         <c:minorTickMark val="none"/>
         <c:tickLblPos val="nextTo"/>
-        <c:crossAx val="132487808"/>
+        <c:crossAx val="157715456"/>
         <c:crosses val="autoZero"/>
         <c:auto val="1"/>
         <c:lblAlgn val="ctr"/>
@@ -32512,7 +32512,7 @@
         <c:noMultiLvlLbl val="0"/>
       </c:catAx>
       <c:valAx>
-        <c:axId val="132487808"/>
+        <c:axId val="157715456"/>
         <c:scaling>
           <c:orientation val="minMax"/>
         </c:scaling>
@@ -32523,7 +32523,7 @@
         <c:majorTickMark val="none"/>
         <c:minorTickMark val="none"/>
         <c:tickLblPos val="nextTo"/>
-        <c:crossAx val="132486272"/>
+        <c:crossAx val="157713920"/>
         <c:crosses val="autoZero"/>
         <c:crossBetween val="between"/>
       </c:valAx>
@@ -32541,7 +32541,7 @@
 <file path=ppt/charts/chart64.xml><?xml version="1.0" encoding="utf-8"?>
 <c:chartSpace xmlns:c="http://schemas.openxmlformats.org/drawingml/2006/chart" xmlns:a="http://schemas.openxmlformats.org/drawingml/2006/main" xmlns:r="http://schemas.openxmlformats.org/officeDocument/2006/relationships">
   <c:date1904 val="0"/>
-  <c:lang val="es-ES"/>
+  <c:lang val="en-US"/>
   <c:roundedCorners val="0"/>
   <mc:AlternateContent xmlns:mc="http://schemas.openxmlformats.org/markup-compatibility/2006">
     <mc:Choice xmlns:c14="http://schemas.microsoft.com/office/drawing/2007/8/2/chart" Requires="c14">
@@ -32761,11 +32761,11 @@
           <c:showBubbleSize val="0"/>
         </c:dLbls>
         <c:gapWidth val="150"/>
-        <c:axId val="132000768"/>
-        <c:axId val="132002560"/>
+        <c:axId val="158018944"/>
+        <c:axId val="158028928"/>
       </c:barChart>
       <c:catAx>
-        <c:axId val="132000768"/>
+        <c:axId val="158018944"/>
         <c:scaling>
           <c:orientation val="minMax"/>
         </c:scaling>
@@ -32774,7 +32774,7 @@
         <c:majorTickMark val="none"/>
         <c:minorTickMark val="none"/>
         <c:tickLblPos val="nextTo"/>
-        <c:crossAx val="132002560"/>
+        <c:crossAx val="158028928"/>
         <c:crosses val="autoZero"/>
         <c:auto val="1"/>
         <c:lblAlgn val="ctr"/>
@@ -32782,7 +32782,7 @@
         <c:noMultiLvlLbl val="0"/>
       </c:catAx>
       <c:valAx>
-        <c:axId val="132002560"/>
+        <c:axId val="158028928"/>
         <c:scaling>
           <c:orientation val="minMax"/>
           <c:max val="1"/>
@@ -32794,7 +32794,7 @@
         <c:majorTickMark val="none"/>
         <c:minorTickMark val="none"/>
         <c:tickLblPos val="nextTo"/>
-        <c:crossAx val="132000768"/>
+        <c:crossAx val="158018944"/>
         <c:crosses val="autoZero"/>
         <c:crossBetween val="between"/>
       </c:valAx>
@@ -32810,7 +32810,7 @@
           <a:pPr>
             <a:defRPr sz="1400"/>
           </a:pPr>
-          <a:endParaRPr lang="es-ES"/>
+          <a:endParaRPr lang="en-US"/>
         </a:p>
       </c:txPr>
     </c:legend>
@@ -32827,7 +32827,7 @@
 <file path=ppt/charts/chart65.xml><?xml version="1.0" encoding="utf-8"?>
 <c:chartSpace xmlns:c="http://schemas.openxmlformats.org/drawingml/2006/chart" xmlns:a="http://schemas.openxmlformats.org/drawingml/2006/main" xmlns:r="http://schemas.openxmlformats.org/officeDocument/2006/relationships">
   <c:date1904 val="0"/>
-  <c:lang val="es-ES"/>
+  <c:lang val="en-US"/>
   <c:roundedCorners val="0"/>
   <mc:AlternateContent xmlns:mc="http://schemas.openxmlformats.org/markup-compatibility/2006">
     <mc:Choice xmlns:c14="http://schemas.microsoft.com/office/drawing/2007/8/2/chart" Requires="c14">
@@ -32987,11 +32987,11 @@
           <c:showBubbleSize val="0"/>
         </c:dLbls>
         <c:gapWidth val="150"/>
-        <c:axId val="132016384"/>
-        <c:axId val="132030464"/>
+        <c:axId val="158050944"/>
+        <c:axId val="158056832"/>
       </c:barChart>
       <c:catAx>
-        <c:axId val="132016384"/>
+        <c:axId val="158050944"/>
         <c:scaling>
           <c:orientation val="minMax"/>
         </c:scaling>
@@ -33000,7 +33000,7 @@
         <c:majorTickMark val="none"/>
         <c:minorTickMark val="none"/>
         <c:tickLblPos val="nextTo"/>
-        <c:crossAx val="132030464"/>
+        <c:crossAx val="158056832"/>
         <c:crosses val="autoZero"/>
         <c:auto val="1"/>
         <c:lblAlgn val="ctr"/>
@@ -33008,7 +33008,7 @@
         <c:noMultiLvlLbl val="0"/>
       </c:catAx>
       <c:valAx>
-        <c:axId val="132030464"/>
+        <c:axId val="158056832"/>
         <c:scaling>
           <c:orientation val="minMax"/>
           <c:max val="1"/>
@@ -33020,7 +33020,7 @@
         <c:majorTickMark val="none"/>
         <c:minorTickMark val="none"/>
         <c:tickLblPos val="nextTo"/>
-        <c:crossAx val="132016384"/>
+        <c:crossAx val="158050944"/>
         <c:crosses val="autoZero"/>
         <c:crossBetween val="between"/>
       </c:valAx>
@@ -33043,7 +33043,7 @@
 <file path=ppt/charts/chart66.xml><?xml version="1.0" encoding="utf-8"?>
 <c:chartSpace xmlns:c="http://schemas.openxmlformats.org/drawingml/2006/chart" xmlns:a="http://schemas.openxmlformats.org/drawingml/2006/main" xmlns:r="http://schemas.openxmlformats.org/officeDocument/2006/relationships">
   <c:date1904 val="0"/>
-  <c:lang val="es-ES"/>
+  <c:lang val="en-US"/>
   <c:roundedCorners val="0"/>
   <mc:AlternateContent xmlns:mc="http://schemas.openxmlformats.org/markup-compatibility/2006">
     <mc:Choice xmlns:c14="http://schemas.microsoft.com/office/drawing/2007/8/2/chart" Requires="c14">
@@ -33203,11 +33203,11 @@
           <c:showBubbleSize val="0"/>
         </c:dLbls>
         <c:gapWidth val="150"/>
-        <c:axId val="132059904"/>
-        <c:axId val="132061440"/>
+        <c:axId val="143864960"/>
+        <c:axId val="143866496"/>
       </c:barChart>
       <c:catAx>
-        <c:axId val="132059904"/>
+        <c:axId val="143864960"/>
         <c:scaling>
           <c:orientation val="minMax"/>
         </c:scaling>
@@ -33216,7 +33216,7 @@
         <c:majorTickMark val="none"/>
         <c:minorTickMark val="none"/>
         <c:tickLblPos val="nextTo"/>
-        <c:crossAx val="132061440"/>
+        <c:crossAx val="143866496"/>
         <c:crosses val="autoZero"/>
         <c:auto val="1"/>
         <c:lblAlgn val="ctr"/>
@@ -33224,7 +33224,7 @@
         <c:noMultiLvlLbl val="0"/>
       </c:catAx>
       <c:valAx>
-        <c:axId val="132061440"/>
+        <c:axId val="143866496"/>
         <c:scaling>
           <c:orientation val="minMax"/>
           <c:max val="1"/>
@@ -33236,7 +33236,7 @@
         <c:majorTickMark val="none"/>
         <c:minorTickMark val="none"/>
         <c:tickLblPos val="nextTo"/>
-        <c:crossAx val="132059904"/>
+        <c:crossAx val="143864960"/>
         <c:crosses val="autoZero"/>
         <c:crossBetween val="between"/>
       </c:valAx>
@@ -33259,7 +33259,7 @@
 <file path=ppt/charts/chart67.xml><?xml version="1.0" encoding="utf-8"?>
 <c:chartSpace xmlns:c="http://schemas.openxmlformats.org/drawingml/2006/chart" xmlns:a="http://schemas.openxmlformats.org/drawingml/2006/main" xmlns:r="http://schemas.openxmlformats.org/officeDocument/2006/relationships">
   <c:date1904 val="0"/>
-  <c:lang val="es-ES"/>
+  <c:lang val="en-US"/>
   <c:roundedCorners val="0"/>
   <mc:AlternateContent xmlns:mc="http://schemas.openxmlformats.org/markup-compatibility/2006">
     <mc:Choice xmlns:c14="http://schemas.microsoft.com/office/drawing/2007/8/2/chart" Requires="c14">
@@ -33378,7 +33378,7 @@
 <file path=ppt/charts/chart68.xml><?xml version="1.0" encoding="utf-8"?>
 <c:chartSpace xmlns:c="http://schemas.openxmlformats.org/drawingml/2006/chart" xmlns:a="http://schemas.openxmlformats.org/drawingml/2006/main" xmlns:r="http://schemas.openxmlformats.org/officeDocument/2006/relationships">
   <c:date1904 val="0"/>
-  <c:lang val="es-ES"/>
+  <c:lang val="en-US"/>
   <c:roundedCorners val="0"/>
   <mc:AlternateContent xmlns:mc="http://schemas.openxmlformats.org/markup-compatibility/2006">
     <mc:Choice xmlns:c14="http://schemas.microsoft.com/office/drawing/2007/8/2/chart" Requires="c14">
@@ -33390,6 +33390,7 @@
   </mc:AlternateContent>
   <c:chart>
     <c:title>
+      <c:layout/>
       <c:overlay val="0"/>
     </c:title>
     <c:autoTitleDeleted val="0"/>
@@ -33499,7 +33500,7 @@
 <file path=ppt/charts/chart69.xml><?xml version="1.0" encoding="utf-8"?>
 <c:chartSpace xmlns:c="http://schemas.openxmlformats.org/drawingml/2006/chart" xmlns:a="http://schemas.openxmlformats.org/drawingml/2006/main" xmlns:r="http://schemas.openxmlformats.org/officeDocument/2006/relationships">
   <c:date1904 val="0"/>
-  <c:lang val="es-ES"/>
+  <c:lang val="en-US"/>
   <c:roundedCorners val="0"/>
   <mc:AlternateContent xmlns:mc="http://schemas.openxmlformats.org/markup-compatibility/2006">
     <mc:Choice xmlns:c14="http://schemas.microsoft.com/office/drawing/2007/8/2/chart" Requires="c14">
@@ -33511,6 +33512,7 @@
   </mc:AlternateContent>
   <c:chart>
     <c:title>
+      <c:layout/>
       <c:overlay val="0"/>
     </c:title>
     <c:autoTitleDeleted val="0"/>
@@ -33620,7 +33622,7 @@
 <file path=ppt/charts/chart7.xml><?xml version="1.0" encoding="utf-8"?>
 <c:chartSpace xmlns:c="http://schemas.openxmlformats.org/drawingml/2006/chart" xmlns:a="http://schemas.openxmlformats.org/drawingml/2006/main" xmlns:r="http://schemas.openxmlformats.org/officeDocument/2006/relationships">
   <c:date1904 val="0"/>
-  <c:lang val="es-ES"/>
+  <c:lang val="en-US"/>
   <c:roundedCorners val="0"/>
   <mc:AlternateContent xmlns:mc="http://schemas.openxmlformats.org/markup-compatibility/2006">
     <mc:Choice xmlns:c14="http://schemas.microsoft.com/office/drawing/2007/8/2/chart" Requires="c14">
@@ -34496,11 +34498,11 @@
         </c:dLbls>
         <c:marker val="1"/>
         <c:smooth val="0"/>
-        <c:axId val="129331584"/>
-        <c:axId val="129333120"/>
+        <c:axId val="112486656"/>
+        <c:axId val="112488448"/>
       </c:lineChart>
       <c:catAx>
-        <c:axId val="129331584"/>
+        <c:axId val="112486656"/>
         <c:scaling>
           <c:orientation val="minMax"/>
         </c:scaling>
@@ -34510,7 +34512,7 @@
         <c:majorTickMark val="out"/>
         <c:minorTickMark val="none"/>
         <c:tickLblPos val="nextTo"/>
-        <c:crossAx val="129333120"/>
+        <c:crossAx val="112488448"/>
         <c:crosses val="autoZero"/>
         <c:auto val="1"/>
         <c:lblAlgn val="ctr"/>
@@ -34518,7 +34520,7 @@
         <c:noMultiLvlLbl val="0"/>
       </c:catAx>
       <c:valAx>
-        <c:axId val="129333120"/>
+        <c:axId val="112488448"/>
         <c:scaling>
           <c:orientation val="minMax"/>
           <c:max val="0.25"/>
@@ -34530,7 +34532,7 @@
         <c:majorTickMark val="out"/>
         <c:minorTickMark val="none"/>
         <c:tickLblPos val="nextTo"/>
-        <c:crossAx val="129331584"/>
+        <c:crossAx val="112486656"/>
         <c:crosses val="autoZero"/>
         <c:crossBetween val="between"/>
       </c:valAx>
@@ -34546,7 +34548,7 @@
           <a:pPr>
             <a:defRPr sz="1400"/>
           </a:pPr>
-          <a:endParaRPr lang="es-ES"/>
+          <a:endParaRPr lang="en-US"/>
         </a:p>
       </c:txPr>
     </c:legend>
@@ -34563,7 +34565,7 @@
 <file path=ppt/charts/chart70.xml><?xml version="1.0" encoding="utf-8"?>
 <c:chartSpace xmlns:c="http://schemas.openxmlformats.org/drawingml/2006/chart" xmlns:a="http://schemas.openxmlformats.org/drawingml/2006/main" xmlns:r="http://schemas.openxmlformats.org/officeDocument/2006/relationships">
   <c:date1904 val="0"/>
-  <c:lang val="es-ES"/>
+  <c:lang val="en-US"/>
   <c:roundedCorners val="0"/>
   <mc:AlternateContent xmlns:mc="http://schemas.openxmlformats.org/markup-compatibility/2006">
     <mc:Choice xmlns:c14="http://schemas.microsoft.com/office/drawing/2007/8/2/chart" Requires="c14">
@@ -34604,7 +34606,7 @@
 <file path=ppt/charts/chart71.xml><?xml version="1.0" encoding="utf-8"?>
 <c:chartSpace xmlns:c="http://schemas.openxmlformats.org/drawingml/2006/chart" xmlns:a="http://schemas.openxmlformats.org/drawingml/2006/main" xmlns:r="http://schemas.openxmlformats.org/officeDocument/2006/relationships">
   <c:date1904 val="0"/>
-  <c:lang val="es-ES"/>
+  <c:lang val="en-US"/>
   <c:roundedCorners val="0"/>
   <mc:AlternateContent xmlns:mc="http://schemas.openxmlformats.org/markup-compatibility/2006">
     <mc:Choice xmlns:c14="http://schemas.microsoft.com/office/drawing/2007/8/2/chart" Requires="c14">
@@ -34616,6 +34618,7 @@
   </mc:AlternateContent>
   <c:chart>
     <c:title>
+      <c:layout/>
       <c:overlay val="0"/>
     </c:title>
     <c:autoTitleDeleted val="0"/>
@@ -34726,7 +34729,7 @@
 <file path=ppt/charts/chart72.xml><?xml version="1.0" encoding="utf-8"?>
 <c:chartSpace xmlns:c="http://schemas.openxmlformats.org/drawingml/2006/chart" xmlns:a="http://schemas.openxmlformats.org/drawingml/2006/main" xmlns:r="http://schemas.openxmlformats.org/officeDocument/2006/relationships">
   <c:date1904 val="0"/>
-  <c:lang val="es-ES"/>
+  <c:lang val="en-US"/>
   <c:roundedCorners val="0"/>
   <mc:AlternateContent xmlns:mc="http://schemas.openxmlformats.org/markup-compatibility/2006">
     <mc:Choice xmlns:c14="http://schemas.microsoft.com/office/drawing/2007/8/2/chart" Requires="c14">
@@ -34738,6 +34741,7 @@
   </mc:AlternateContent>
   <c:chart>
     <c:title>
+      <c:layout/>
       <c:overlay val="0"/>
     </c:title>
     <c:autoTitleDeleted val="0"/>
@@ -34847,7 +34851,7 @@
 <file path=ppt/charts/chart73.xml><?xml version="1.0" encoding="utf-8"?>
 <c:chartSpace xmlns:c="http://schemas.openxmlformats.org/drawingml/2006/chart" xmlns:a="http://schemas.openxmlformats.org/drawingml/2006/main" xmlns:r="http://schemas.openxmlformats.org/officeDocument/2006/relationships">
   <c:date1904 val="0"/>
-  <c:lang val="es-ES"/>
+  <c:lang val="en-US"/>
   <c:roundedCorners val="0"/>
   <mc:AlternateContent xmlns:mc="http://schemas.openxmlformats.org/markup-compatibility/2006">
     <mc:Choice xmlns:c14="http://schemas.microsoft.com/office/drawing/2007/8/2/chart" Requires="c14">
@@ -34885,7 +34889,7 @@
                 <a:pPr>
                   <a:defRPr sz="1400"/>
                 </a:pPr>
-                <a:endParaRPr lang="es-ES"/>
+                <a:endParaRPr lang="en-US"/>
               </a:p>
             </c:txPr>
             <c:showLegendKey val="0"/>
@@ -34987,7 +34991,7 @@
 <file path=ppt/charts/chart74.xml><?xml version="1.0" encoding="utf-8"?>
 <c:chartSpace xmlns:c="http://schemas.openxmlformats.org/drawingml/2006/chart" xmlns:a="http://schemas.openxmlformats.org/drawingml/2006/main" xmlns:r="http://schemas.openxmlformats.org/officeDocument/2006/relationships">
   <c:date1904 val="0"/>
-  <c:lang val="es-ES"/>
+  <c:lang val="en-US"/>
   <c:roundedCorners val="0"/>
   <mc:AlternateContent xmlns:mc="http://schemas.openxmlformats.org/markup-compatibility/2006">
     <mc:Choice xmlns:c14="http://schemas.microsoft.com/office/drawing/2007/8/2/chart" Requires="c14">
@@ -35176,11 +35180,11 @@
           <c:showBubbleSize val="0"/>
         </c:dLbls>
         <c:gapWidth val="150"/>
-        <c:axId val="132674304"/>
-        <c:axId val="132675840"/>
+        <c:axId val="158385280"/>
+        <c:axId val="158386816"/>
       </c:barChart>
       <c:catAx>
-        <c:axId val="132674304"/>
+        <c:axId val="158385280"/>
         <c:scaling>
           <c:orientation val="minMax"/>
         </c:scaling>
@@ -35189,7 +35193,7 @@
         <c:majorTickMark val="out"/>
         <c:minorTickMark val="none"/>
         <c:tickLblPos val="nextTo"/>
-        <c:crossAx val="132675840"/>
+        <c:crossAx val="158386816"/>
         <c:crosses val="autoZero"/>
         <c:auto val="1"/>
         <c:lblAlgn val="ctr"/>
@@ -35197,7 +35201,7 @@
         <c:noMultiLvlLbl val="0"/>
       </c:catAx>
       <c:valAx>
-        <c:axId val="132675840"/>
+        <c:axId val="158386816"/>
         <c:scaling>
           <c:orientation val="minMax"/>
         </c:scaling>
@@ -35208,13 +35212,14 @@
         <c:majorTickMark val="out"/>
         <c:minorTickMark val="none"/>
         <c:tickLblPos val="nextTo"/>
-        <c:crossAx val="132674304"/>
+        <c:crossAx val="158385280"/>
         <c:crosses val="autoZero"/>
         <c:crossBetween val="between"/>
       </c:valAx>
     </c:plotArea>
     <c:legend>
       <c:legendPos val="r"/>
+      <c:layout/>
       <c:overlay val="0"/>
     </c:legend>
     <c:plotVisOnly val="1"/>
@@ -35230,7 +35235,7 @@
 <file path=ppt/charts/chart75.xml><?xml version="1.0" encoding="utf-8"?>
 <c:chartSpace xmlns:c="http://schemas.openxmlformats.org/drawingml/2006/chart" xmlns:a="http://schemas.openxmlformats.org/drawingml/2006/main" xmlns:r="http://schemas.openxmlformats.org/officeDocument/2006/relationships">
   <c:date1904 val="0"/>
-  <c:lang val="es-ES"/>
+  <c:lang val="en-US"/>
   <c:roundedCorners val="0"/>
   <mc:AlternateContent xmlns:mc="http://schemas.openxmlformats.org/markup-compatibility/2006">
     <mc:Choice xmlns:c14="http://schemas.microsoft.com/office/drawing/2007/8/2/chart" Requires="c14">
@@ -35419,11 +35424,11 @@
           <c:showBubbleSize val="0"/>
         </c:dLbls>
         <c:gapWidth val="150"/>
-        <c:axId val="132704896"/>
-        <c:axId val="132706688"/>
+        <c:axId val="158075904"/>
+        <c:axId val="158081792"/>
       </c:barChart>
       <c:catAx>
-        <c:axId val="132704896"/>
+        <c:axId val="158075904"/>
         <c:scaling>
           <c:orientation val="minMax"/>
         </c:scaling>
@@ -35432,7 +35437,7 @@
         <c:majorTickMark val="out"/>
         <c:minorTickMark val="none"/>
         <c:tickLblPos val="nextTo"/>
-        <c:crossAx val="132706688"/>
+        <c:crossAx val="158081792"/>
         <c:crosses val="autoZero"/>
         <c:auto val="1"/>
         <c:lblAlgn val="ctr"/>
@@ -35440,7 +35445,7 @@
         <c:noMultiLvlLbl val="0"/>
       </c:catAx>
       <c:valAx>
-        <c:axId val="132706688"/>
+        <c:axId val="158081792"/>
         <c:scaling>
           <c:orientation val="minMax"/>
         </c:scaling>
@@ -35451,13 +35456,14 @@
         <c:majorTickMark val="out"/>
         <c:minorTickMark val="none"/>
         <c:tickLblPos val="nextTo"/>
-        <c:crossAx val="132704896"/>
+        <c:crossAx val="158075904"/>
         <c:crosses val="autoZero"/>
         <c:crossBetween val="between"/>
       </c:valAx>
     </c:plotArea>
     <c:legend>
       <c:legendPos val="r"/>
+      <c:layout/>
       <c:overlay val="0"/>
     </c:legend>
     <c:plotVisOnly val="1"/>
@@ -35473,7 +35479,7 @@
 <file path=ppt/charts/chart8.xml><?xml version="1.0" encoding="utf-8"?>
 <c:chartSpace xmlns:c="http://schemas.openxmlformats.org/drawingml/2006/chart" xmlns:a="http://schemas.openxmlformats.org/drawingml/2006/main" xmlns:r="http://schemas.openxmlformats.org/officeDocument/2006/relationships">
   <c:date1904 val="0"/>
-  <c:lang val="es-ES"/>
+  <c:lang val="en-US"/>
   <c:roundedCorners val="0"/>
   <mc:AlternateContent xmlns:mc="http://schemas.openxmlformats.org/markup-compatibility/2006">
     <mc:Choice xmlns:c14="http://schemas.microsoft.com/office/drawing/2007/8/2/chart" Requires="c14">
@@ -37153,11 +37159,11 @@
           <c:showPercent val="0"/>
           <c:showBubbleSize val="0"/>
         </c:dLbls>
-        <c:axId val="129436288"/>
-        <c:axId val="129476096"/>
+        <c:axId val="112496000"/>
+        <c:axId val="112535808"/>
       </c:scatterChart>
       <c:valAx>
-        <c:axId val="129436288"/>
+        <c:axId val="112496000"/>
         <c:scaling>
           <c:orientation val="minMax"/>
         </c:scaling>
@@ -37166,12 +37172,12 @@
         <c:majorTickMark val="out"/>
         <c:minorTickMark val="none"/>
         <c:tickLblPos val="nextTo"/>
-        <c:crossAx val="129476096"/>
+        <c:crossAx val="112535808"/>
         <c:crosses val="autoZero"/>
         <c:crossBetween val="midCat"/>
       </c:valAx>
       <c:valAx>
-        <c:axId val="129476096"/>
+        <c:axId val="112535808"/>
         <c:scaling>
           <c:orientation val="maxMin"/>
           <c:max val="0.1"/>
@@ -37203,7 +37209,7 @@
         <c:majorTickMark val="out"/>
         <c:minorTickMark val="none"/>
         <c:tickLblPos val="nextTo"/>
-        <c:crossAx val="129436288"/>
+        <c:crossAx val="112496000"/>
         <c:crosses val="autoZero"/>
         <c:crossBetween val="midCat"/>
       </c:valAx>
@@ -37221,7 +37227,7 @@
 <file path=ppt/charts/chart9.xml><?xml version="1.0" encoding="utf-8"?>
 <c:chartSpace xmlns:c="http://schemas.openxmlformats.org/drawingml/2006/chart" xmlns:a="http://schemas.openxmlformats.org/drawingml/2006/main" xmlns:r="http://schemas.openxmlformats.org/officeDocument/2006/relationships">
   <c:date1904 val="0"/>
-  <c:lang val="es-ES"/>
+  <c:lang val="en-US"/>
   <c:roundedCorners val="0"/>
   <mc:AlternateContent xmlns:mc="http://schemas.openxmlformats.org/markup-compatibility/2006">
     <mc:Choice xmlns:c14="http://schemas.microsoft.com/office/drawing/2007/8/2/chart" Requires="c14">
@@ -38886,11 +38892,11 @@
           <c:showPercent val="0"/>
           <c:showBubbleSize val="0"/>
         </c:dLbls>
-        <c:axId val="129766144"/>
-        <c:axId val="129768832"/>
+        <c:axId val="112555520"/>
+        <c:axId val="112570752"/>
       </c:scatterChart>
       <c:valAx>
-        <c:axId val="129766144"/>
+        <c:axId val="112555520"/>
         <c:scaling>
           <c:orientation val="minMax"/>
         </c:scaling>
@@ -38899,12 +38905,12 @@
         <c:majorTickMark val="out"/>
         <c:minorTickMark val="none"/>
         <c:tickLblPos val="nextTo"/>
-        <c:crossAx val="129768832"/>
+        <c:crossAx val="112570752"/>
         <c:crosses val="autoZero"/>
         <c:crossBetween val="midCat"/>
       </c:valAx>
       <c:valAx>
-        <c:axId val="129768832"/>
+        <c:axId val="112570752"/>
         <c:scaling>
           <c:orientation val="maxMin"/>
           <c:max val="0.1"/>
@@ -38941,7 +38947,7 @@
         <c:majorTickMark val="out"/>
         <c:minorTickMark val="none"/>
         <c:tickLblPos val="nextTo"/>
-        <c:crossAx val="129766144"/>
+        <c:crossAx val="112555520"/>
         <c:crosses val="autoZero"/>
         <c:crossBetween val="midCat"/>
       </c:valAx>
@@ -39038,7 +39044,7 @@
           <a:p>
             <a:fld id="{47053D67-9EBB-4456-BEF1-A4108CD1C887}" type="datetimeFigureOut">
               <a:rPr lang="es-ES" smtClean="0"/>
-              <a:t>02/06/2015</a:t>
+              <a:t>05/06/2015</a:t>
             </a:fld>
             <a:endParaRPr lang="es-ES"/>
           </a:p>
@@ -39655,7 +39661,7 @@
           <a:p>
             <a:fld id="{D8DA5178-521C-4D8E-9777-3CA29D9D7BA2}" type="datetimeFigureOut">
               <a:rPr lang="en-US" smtClean="0"/>
-              <a:t>6/2/2015</a:t>
+              <a:t>6/5/2015</a:t>
             </a:fld>
             <a:endParaRPr lang="en-US"/>
           </a:p>
@@ -39825,7 +39831,7 @@
           <a:p>
             <a:fld id="{D8DA5178-521C-4D8E-9777-3CA29D9D7BA2}" type="datetimeFigureOut">
               <a:rPr lang="en-US" smtClean="0"/>
-              <a:t>6/2/2015</a:t>
+              <a:t>6/5/2015</a:t>
             </a:fld>
             <a:endParaRPr lang="en-US"/>
           </a:p>
@@ -40005,7 +40011,7 @@
           <a:p>
             <a:fld id="{D8DA5178-521C-4D8E-9777-3CA29D9D7BA2}" type="datetimeFigureOut">
               <a:rPr lang="en-US" smtClean="0"/>
-              <a:t>6/2/2015</a:t>
+              <a:t>6/5/2015</a:t>
             </a:fld>
             <a:endParaRPr lang="en-US"/>
           </a:p>
@@ -40175,7 +40181,7 @@
           <a:p>
             <a:fld id="{D8DA5178-521C-4D8E-9777-3CA29D9D7BA2}" type="datetimeFigureOut">
               <a:rPr lang="en-US" smtClean="0"/>
-              <a:t>6/2/2015</a:t>
+              <a:t>6/5/2015</a:t>
             </a:fld>
             <a:endParaRPr lang="en-US"/>
           </a:p>
@@ -40421,7 +40427,7 @@
           <a:p>
             <a:fld id="{D8DA5178-521C-4D8E-9777-3CA29D9D7BA2}" type="datetimeFigureOut">
               <a:rPr lang="en-US" smtClean="0"/>
-              <a:t>6/2/2015</a:t>
+              <a:t>6/5/2015</a:t>
             </a:fld>
             <a:endParaRPr lang="en-US"/>
           </a:p>
@@ -40709,7 +40715,7 @@
           <a:p>
             <a:fld id="{D8DA5178-521C-4D8E-9777-3CA29D9D7BA2}" type="datetimeFigureOut">
               <a:rPr lang="en-US" smtClean="0"/>
-              <a:t>6/2/2015</a:t>
+              <a:t>6/5/2015</a:t>
             </a:fld>
             <a:endParaRPr lang="en-US"/>
           </a:p>
@@ -41131,7 +41137,7 @@
           <a:p>
             <a:fld id="{D8DA5178-521C-4D8E-9777-3CA29D9D7BA2}" type="datetimeFigureOut">
               <a:rPr lang="en-US" smtClean="0"/>
-              <a:t>6/2/2015</a:t>
+              <a:t>6/5/2015</a:t>
             </a:fld>
             <a:endParaRPr lang="en-US"/>
           </a:p>
@@ -41249,7 +41255,7 @@
           <a:p>
             <a:fld id="{D8DA5178-521C-4D8E-9777-3CA29D9D7BA2}" type="datetimeFigureOut">
               <a:rPr lang="en-US" smtClean="0"/>
-              <a:t>6/2/2015</a:t>
+              <a:t>6/5/2015</a:t>
             </a:fld>
             <a:endParaRPr lang="en-US"/>
           </a:p>
@@ -41344,7 +41350,7 @@
           <a:p>
             <a:fld id="{D8DA5178-521C-4D8E-9777-3CA29D9D7BA2}" type="datetimeFigureOut">
               <a:rPr lang="en-US" smtClean="0"/>
-              <a:t>6/2/2015</a:t>
+              <a:t>6/5/2015</a:t>
             </a:fld>
             <a:endParaRPr lang="en-US"/>
           </a:p>
@@ -41621,7 +41627,7 @@
           <a:p>
             <a:fld id="{D8DA5178-521C-4D8E-9777-3CA29D9D7BA2}" type="datetimeFigureOut">
               <a:rPr lang="en-US" smtClean="0"/>
-              <a:t>6/2/2015</a:t>
+              <a:t>6/5/2015</a:t>
             </a:fld>
             <a:endParaRPr lang="en-US"/>
           </a:p>
@@ -41874,7 +41880,7 @@
           <a:p>
             <a:fld id="{D8DA5178-521C-4D8E-9777-3CA29D9D7BA2}" type="datetimeFigureOut">
               <a:rPr lang="en-US" smtClean="0"/>
-              <a:t>6/2/2015</a:t>
+              <a:t>6/5/2015</a:t>
             </a:fld>
             <a:endParaRPr lang="en-US"/>
           </a:p>
@@ -42087,7 +42093,7 @@
           <a:p>
             <a:fld id="{D8DA5178-521C-4D8E-9777-3CA29D9D7BA2}" type="datetimeFigureOut">
               <a:rPr lang="en-US" smtClean="0"/>
-              <a:t>6/2/2015</a:t>
+              <a:t>6/5/2015</a:t>
             </a:fld>
             <a:endParaRPr lang="en-US"/>
           </a:p>
@@ -48503,6 +48509,411 @@
             <p:ph type="title"/>
           </p:nvPr>
         </p:nvSpPr>
+        <p:spPr/>
+        <p:txBody>
+          <a:bodyPr>
+            <a:noAutofit/>
+          </a:bodyPr>
+          <a:lstStyle/>
+          <a:p>
+            <a:r>
+              <a:rPr lang="en-US" sz="2800" dirty="0" smtClean="0"/>
+              <a:t>Transposable elements and naEST present a higher degree of antisense transcription</a:t>
+            </a:r>
+            <a:endParaRPr lang="en-US" sz="2800" dirty="0"/>
+          </a:p>
+        </p:txBody>
+      </p:sp>
+      <p:graphicFrame>
+        <p:nvGraphicFramePr>
+          <p:cNvPr id="10" name="Chart 1"/>
+          <p:cNvGraphicFramePr>
+            <a:graphicFrameLocks/>
+          </p:cNvGraphicFramePr>
+          <p:nvPr>
+            <p:extLst>
+              <p:ext uri="{D42A27DB-BD31-4B8C-83A1-F6EECF244321}">
+                <p14:modId xmlns:p14="http://schemas.microsoft.com/office/powerpoint/2010/main" val="324433644"/>
+              </p:ext>
+            </p:extLst>
+          </p:nvPr>
+        </p:nvGraphicFramePr>
+        <p:xfrm>
+          <a:off x="-6761" y="1556792"/>
+          <a:ext cx="3138601" cy="2552700"/>
+        </p:xfrm>
+        <a:graphic>
+          <a:graphicData uri="http://schemas.openxmlformats.org/drawingml/2006/chart">
+            <c:chart xmlns:c="http://schemas.openxmlformats.org/drawingml/2006/chart" xmlns:r="http://schemas.openxmlformats.org/officeDocument/2006/relationships" r:id="rId2"/>
+          </a:graphicData>
+        </a:graphic>
+      </p:graphicFrame>
+      <p:graphicFrame>
+        <p:nvGraphicFramePr>
+          <p:cNvPr id="11" name="Chart 11"/>
+          <p:cNvGraphicFramePr>
+            <a:graphicFrameLocks/>
+          </p:cNvGraphicFramePr>
+          <p:nvPr>
+            <p:extLst>
+              <p:ext uri="{D42A27DB-BD31-4B8C-83A1-F6EECF244321}">
+                <p14:modId xmlns:p14="http://schemas.microsoft.com/office/powerpoint/2010/main" val="1865250848"/>
+              </p:ext>
+            </p:extLst>
+          </p:nvPr>
+        </p:nvGraphicFramePr>
+        <p:xfrm>
+          <a:off x="3131840" y="1556792"/>
+          <a:ext cx="2952328" cy="2743200"/>
+        </p:xfrm>
+        <a:graphic>
+          <a:graphicData uri="http://schemas.openxmlformats.org/drawingml/2006/chart">
+            <c:chart xmlns:c="http://schemas.openxmlformats.org/drawingml/2006/chart" xmlns:r="http://schemas.openxmlformats.org/officeDocument/2006/relationships" r:id="rId3"/>
+          </a:graphicData>
+        </a:graphic>
+      </p:graphicFrame>
+      <p:graphicFrame>
+        <p:nvGraphicFramePr>
+          <p:cNvPr id="12" name="Chart 5"/>
+          <p:cNvGraphicFramePr>
+            <a:graphicFrameLocks/>
+          </p:cNvGraphicFramePr>
+          <p:nvPr>
+            <p:extLst>
+              <p:ext uri="{D42A27DB-BD31-4B8C-83A1-F6EECF244321}">
+                <p14:modId xmlns:p14="http://schemas.microsoft.com/office/powerpoint/2010/main" val="2640001030"/>
+              </p:ext>
+            </p:extLst>
+          </p:nvPr>
+        </p:nvGraphicFramePr>
+        <p:xfrm>
+          <a:off x="6228184" y="1556792"/>
+          <a:ext cx="2915816" cy="2743200"/>
+        </p:xfrm>
+        <a:graphic>
+          <a:graphicData uri="http://schemas.openxmlformats.org/drawingml/2006/chart">
+            <c:chart xmlns:c="http://schemas.openxmlformats.org/drawingml/2006/chart" xmlns:r="http://schemas.openxmlformats.org/officeDocument/2006/relationships" r:id="rId4"/>
+          </a:graphicData>
+        </a:graphic>
+      </p:graphicFrame>
+      <p:graphicFrame>
+        <p:nvGraphicFramePr>
+          <p:cNvPr id="13" name="Chart 6"/>
+          <p:cNvGraphicFramePr>
+            <a:graphicFrameLocks/>
+          </p:cNvGraphicFramePr>
+          <p:nvPr>
+            <p:extLst>
+              <p:ext uri="{D42A27DB-BD31-4B8C-83A1-F6EECF244321}">
+                <p14:modId xmlns:p14="http://schemas.microsoft.com/office/powerpoint/2010/main" val="4122414490"/>
+              </p:ext>
+            </p:extLst>
+          </p:nvPr>
+        </p:nvGraphicFramePr>
+        <p:xfrm>
+          <a:off x="0" y="4114800"/>
+          <a:ext cx="3203848" cy="2743200"/>
+        </p:xfrm>
+        <a:graphic>
+          <a:graphicData uri="http://schemas.openxmlformats.org/drawingml/2006/chart">
+            <c:chart xmlns:c="http://schemas.openxmlformats.org/drawingml/2006/chart" xmlns:r="http://schemas.openxmlformats.org/officeDocument/2006/relationships" r:id="rId5"/>
+          </a:graphicData>
+        </a:graphic>
+      </p:graphicFrame>
+      <p:graphicFrame>
+        <p:nvGraphicFramePr>
+          <p:cNvPr id="14" name="Chart 12"/>
+          <p:cNvGraphicFramePr>
+            <a:graphicFrameLocks/>
+          </p:cNvGraphicFramePr>
+          <p:nvPr>
+            <p:extLst>
+              <p:ext uri="{D42A27DB-BD31-4B8C-83A1-F6EECF244321}">
+                <p14:modId xmlns:p14="http://schemas.microsoft.com/office/powerpoint/2010/main" val="974138523"/>
+              </p:ext>
+            </p:extLst>
+          </p:nvPr>
+        </p:nvGraphicFramePr>
+        <p:xfrm>
+          <a:off x="3203848" y="4114800"/>
+          <a:ext cx="3960440" cy="2743200"/>
+        </p:xfrm>
+        <a:graphic>
+          <a:graphicData uri="http://schemas.openxmlformats.org/drawingml/2006/chart">
+            <c:chart xmlns:c="http://schemas.openxmlformats.org/drawingml/2006/chart" xmlns:r="http://schemas.openxmlformats.org/officeDocument/2006/relationships" r:id="rId6"/>
+          </a:graphicData>
+        </a:graphic>
+      </p:graphicFrame>
+    </p:spTree>
+    <p:extLst>
+      <p:ext uri="{BB962C8B-B14F-4D97-AF65-F5344CB8AC3E}">
+        <p14:creationId xmlns:p14="http://schemas.microsoft.com/office/powerpoint/2010/main" val="1989023747"/>
+      </p:ext>
+    </p:extLst>
+  </p:cSld>
+  <p:clrMapOvr>
+    <a:masterClrMapping/>
+  </p:clrMapOvr>
+</p:sld>
+</file>
+
+<file path=ppt/slides/slide39.xml><?xml version="1.0" encoding="utf-8"?>
+<p:sld xmlns:a="http://schemas.openxmlformats.org/drawingml/2006/main" xmlns:r="http://schemas.openxmlformats.org/officeDocument/2006/relationships" xmlns:p="http://schemas.openxmlformats.org/presentationml/2006/main">
+  <p:cSld>
+    <p:spTree>
+      <p:nvGrpSpPr>
+        <p:cNvPr id="1" name=""/>
+        <p:cNvGrpSpPr/>
+        <p:nvPr/>
+      </p:nvGrpSpPr>
+      <p:grpSpPr>
+        <a:xfrm>
+          <a:off x="0" y="0"/>
+          <a:ext cx="0" cy="0"/>
+          <a:chOff x="0" y="0"/>
+          <a:chExt cx="0" cy="0"/>
+        </a:xfrm>
+      </p:grpSpPr>
+      <p:sp>
+        <p:nvSpPr>
+          <p:cNvPr id="2" name="Title 1"/>
+          <p:cNvSpPr>
+            <a:spLocks noGrp="1"/>
+          </p:cNvSpPr>
+          <p:nvPr>
+            <p:ph type="title"/>
+          </p:nvPr>
+        </p:nvSpPr>
+        <p:spPr/>
+        <p:txBody>
+          <a:bodyPr>
+            <a:noAutofit/>
+          </a:bodyPr>
+          <a:lstStyle/>
+          <a:p>
+            <a:r>
+              <a:rPr lang="en-US" sz="3200" dirty="0"/>
+              <a:t>Up-regulated sequences in </a:t>
+            </a:r>
+            <a:r>
+              <a:rPr lang="en-US" sz="3200" i="1" dirty="0"/>
+              <a:t>∆</a:t>
+            </a:r>
+            <a:r>
+              <a:rPr lang="en-US" sz="3200" i="1" dirty="0" smtClean="0"/>
+              <a:t>rbp35 </a:t>
+            </a:r>
+            <a:r>
+              <a:rPr lang="en-US" sz="3200" dirty="0" smtClean="0"/>
+              <a:t>related with transposable elements tend to be more antisense, same with </a:t>
+            </a:r>
+            <a:r>
+              <a:rPr lang="en-US" sz="3200" i="1" dirty="0" smtClean="0"/>
+              <a:t>∆exp5 related with </a:t>
+            </a:r>
+            <a:r>
+              <a:rPr lang="en-US" sz="3200" i="1" dirty="0" err="1" smtClean="0"/>
+              <a:t>naEST</a:t>
+            </a:r>
+            <a:endParaRPr lang="en-US" sz="3200" dirty="0"/>
+          </a:p>
+        </p:txBody>
+      </p:sp>
+      <p:graphicFrame>
+        <p:nvGraphicFramePr>
+          <p:cNvPr id="5" name="14 Gráfico"/>
+          <p:cNvGraphicFramePr>
+            <a:graphicFrameLocks/>
+          </p:cNvGraphicFramePr>
+          <p:nvPr>
+            <p:extLst>
+              <p:ext uri="{D42A27DB-BD31-4B8C-83A1-F6EECF244321}">
+                <p14:modId xmlns:p14="http://schemas.microsoft.com/office/powerpoint/2010/main" val="1968831346"/>
+              </p:ext>
+            </p:extLst>
+          </p:nvPr>
+        </p:nvGraphicFramePr>
+        <p:xfrm>
+          <a:off x="0" y="2708920"/>
+          <a:ext cx="4572000" cy="2743200"/>
+        </p:xfrm>
+        <a:graphic>
+          <a:graphicData uri="http://schemas.openxmlformats.org/drawingml/2006/chart">
+            <c:chart xmlns:c="http://schemas.openxmlformats.org/drawingml/2006/chart" xmlns:r="http://schemas.openxmlformats.org/officeDocument/2006/relationships" r:id="rId2"/>
+          </a:graphicData>
+        </a:graphic>
+      </p:graphicFrame>
+      <p:graphicFrame>
+        <p:nvGraphicFramePr>
+          <p:cNvPr id="6" name="15 Gráfico"/>
+          <p:cNvGraphicFramePr>
+            <a:graphicFrameLocks/>
+          </p:cNvGraphicFramePr>
+          <p:nvPr>
+            <p:extLst>
+              <p:ext uri="{D42A27DB-BD31-4B8C-83A1-F6EECF244321}">
+                <p14:modId xmlns:p14="http://schemas.microsoft.com/office/powerpoint/2010/main" val="3551984435"/>
+              </p:ext>
+            </p:extLst>
+          </p:nvPr>
+        </p:nvGraphicFramePr>
+        <p:xfrm>
+          <a:off x="4572000" y="2780928"/>
+          <a:ext cx="4572000" cy="2743200"/>
+        </p:xfrm>
+        <a:graphic>
+          <a:graphicData uri="http://schemas.openxmlformats.org/drawingml/2006/chart">
+            <c:chart xmlns:c="http://schemas.openxmlformats.org/drawingml/2006/chart" xmlns:r="http://schemas.openxmlformats.org/officeDocument/2006/relationships" r:id="rId3"/>
+          </a:graphicData>
+        </a:graphic>
+      </p:graphicFrame>
+    </p:spTree>
+    <p:extLst>
+      <p:ext uri="{BB962C8B-B14F-4D97-AF65-F5344CB8AC3E}">
+        <p14:creationId xmlns:p14="http://schemas.microsoft.com/office/powerpoint/2010/main" val="2553822456"/>
+      </p:ext>
+    </p:extLst>
+  </p:cSld>
+  <p:clrMapOvr>
+    <a:masterClrMapping/>
+  </p:clrMapOvr>
+</p:sld>
+</file>
+
+<file path=ppt/slides/slide4.xml><?xml version="1.0" encoding="utf-8"?>
+<p:sld xmlns:a="http://schemas.openxmlformats.org/drawingml/2006/main" xmlns:r="http://schemas.openxmlformats.org/officeDocument/2006/relationships" xmlns:p="http://schemas.openxmlformats.org/presentationml/2006/main">
+  <p:cSld>
+    <p:spTree>
+      <p:nvGrpSpPr>
+        <p:cNvPr id="1" name=""/>
+        <p:cNvGrpSpPr/>
+        <p:nvPr/>
+      </p:nvGrpSpPr>
+      <p:grpSpPr>
+        <a:xfrm>
+          <a:off x="0" y="0"/>
+          <a:ext cx="0" cy="0"/>
+          <a:chOff x="0" y="0"/>
+          <a:chExt cx="0" cy="0"/>
+        </a:xfrm>
+      </p:grpSpPr>
+      <p:sp>
+        <p:nvSpPr>
+          <p:cNvPr id="2" name="Title 1"/>
+          <p:cNvSpPr>
+            <a:spLocks noGrp="1"/>
+          </p:cNvSpPr>
+          <p:nvPr>
+            <p:ph type="title"/>
+          </p:nvPr>
+        </p:nvSpPr>
+        <p:spPr/>
+        <p:txBody>
+          <a:bodyPr>
+            <a:normAutofit/>
+          </a:bodyPr>
+          <a:lstStyle/>
+          <a:p>
+            <a:r>
+              <a:rPr lang="en-US" dirty="0" smtClean="0"/>
+              <a:t>Introduction – EXP5</a:t>
+            </a:r>
+            <a:endParaRPr lang="en-US" dirty="0"/>
+          </a:p>
+        </p:txBody>
+      </p:sp>
+      <p:sp>
+        <p:nvSpPr>
+          <p:cNvPr id="3" name="Content Placeholder 2"/>
+          <p:cNvSpPr>
+            <a:spLocks noGrp="1"/>
+          </p:cNvSpPr>
+          <p:nvPr>
+            <p:ph idx="1"/>
+          </p:nvPr>
+        </p:nvSpPr>
+        <p:spPr/>
+        <p:txBody>
+          <a:bodyPr/>
+          <a:lstStyle/>
+          <a:p>
+            <a:r>
+              <a:rPr lang="en-US" dirty="0" smtClean="0"/>
+              <a:t>In yeast, involved in nuclear import and export of several proteins, and required for re-export of mature </a:t>
+            </a:r>
+            <a:r>
+              <a:rPr lang="en-US" dirty="0" err="1" smtClean="0"/>
+              <a:t>tRNAs</a:t>
+            </a:r>
+            <a:r>
+              <a:rPr lang="en-US" dirty="0" smtClean="0"/>
+              <a:t> after their retrograde import from the cytoplasm</a:t>
+            </a:r>
+          </a:p>
+          <a:p>
+            <a:pPr marL="0" indent="0">
+              <a:buNone/>
+            </a:pPr>
+            <a:endParaRPr lang="en-US" dirty="0" smtClean="0"/>
+          </a:p>
+          <a:p>
+            <a:r>
+              <a:rPr lang="en-US" dirty="0" smtClean="0"/>
+              <a:t>In mammals also mediates the nuclear export of micro-RNA precursors, and double-strand RNA-bearing proteins</a:t>
+            </a:r>
+          </a:p>
+          <a:p>
+            <a:endParaRPr lang="en-US" dirty="0"/>
+          </a:p>
+        </p:txBody>
+      </p:sp>
+    </p:spTree>
+    <p:extLst>
+      <p:ext uri="{BB962C8B-B14F-4D97-AF65-F5344CB8AC3E}">
+        <p14:creationId xmlns:p14="http://schemas.microsoft.com/office/powerpoint/2010/main" val="3628620925"/>
+      </p:ext>
+    </p:extLst>
+  </p:cSld>
+  <p:clrMapOvr>
+    <a:masterClrMapping/>
+  </p:clrMapOvr>
+  <p:timing>
+    <p:tnLst>
+      <p:par>
+        <p:cTn id="1" dur="indefinite" restart="never" nodeType="tmRoot"/>
+      </p:par>
+    </p:tnLst>
+  </p:timing>
+</p:sld>
+</file>
+
+<file path=ppt/slides/slide40.xml><?xml version="1.0" encoding="utf-8"?>
+<p:sld xmlns:a="http://schemas.openxmlformats.org/drawingml/2006/main" xmlns:r="http://schemas.openxmlformats.org/officeDocument/2006/relationships" xmlns:p="http://schemas.openxmlformats.org/presentationml/2006/main">
+  <p:cSld>
+    <p:spTree>
+      <p:nvGrpSpPr>
+        <p:cNvPr id="1" name=""/>
+        <p:cNvGrpSpPr/>
+        <p:nvPr/>
+      </p:nvGrpSpPr>
+      <p:grpSpPr>
+        <a:xfrm>
+          <a:off x="0" y="0"/>
+          <a:ext cx="0" cy="0"/>
+          <a:chOff x="0" y="0"/>
+          <a:chExt cx="0" cy="0"/>
+        </a:xfrm>
+      </p:grpSpPr>
+      <p:sp>
+        <p:nvSpPr>
+          <p:cNvPr id="2" name="Title 1"/>
+          <p:cNvSpPr>
+            <a:spLocks noGrp="1"/>
+          </p:cNvSpPr>
+          <p:nvPr>
+            <p:ph type="title"/>
+          </p:nvPr>
+        </p:nvSpPr>
         <p:spPr>
           <a:xfrm>
             <a:off x="416222" y="0"/>
@@ -49397,411 +49808,6 @@
       </p:par>
     </p:tnLst>
   </p:timing>
-</p:sld>
-</file>
-
-<file path=ppt/slides/slide39.xml><?xml version="1.0" encoding="utf-8"?>
-<p:sld xmlns:a="http://schemas.openxmlformats.org/drawingml/2006/main" xmlns:r="http://schemas.openxmlformats.org/officeDocument/2006/relationships" xmlns:p="http://schemas.openxmlformats.org/presentationml/2006/main">
-  <p:cSld>
-    <p:spTree>
-      <p:nvGrpSpPr>
-        <p:cNvPr id="1" name=""/>
-        <p:cNvGrpSpPr/>
-        <p:nvPr/>
-      </p:nvGrpSpPr>
-      <p:grpSpPr>
-        <a:xfrm>
-          <a:off x="0" y="0"/>
-          <a:ext cx="0" cy="0"/>
-          <a:chOff x="0" y="0"/>
-          <a:chExt cx="0" cy="0"/>
-        </a:xfrm>
-      </p:grpSpPr>
-      <p:sp>
-        <p:nvSpPr>
-          <p:cNvPr id="2" name="Title 1"/>
-          <p:cNvSpPr>
-            <a:spLocks noGrp="1"/>
-          </p:cNvSpPr>
-          <p:nvPr>
-            <p:ph type="title"/>
-          </p:nvPr>
-        </p:nvSpPr>
-        <p:spPr/>
-        <p:txBody>
-          <a:bodyPr>
-            <a:noAutofit/>
-          </a:bodyPr>
-          <a:lstStyle/>
-          <a:p>
-            <a:r>
-              <a:rPr lang="en-US" sz="2800" dirty="0" smtClean="0"/>
-              <a:t>Transposable elements and naEST present a higher degree of antisense transcription</a:t>
-            </a:r>
-            <a:endParaRPr lang="en-US" sz="2800" dirty="0"/>
-          </a:p>
-        </p:txBody>
-      </p:sp>
-      <p:graphicFrame>
-        <p:nvGraphicFramePr>
-          <p:cNvPr id="10" name="Chart 1"/>
-          <p:cNvGraphicFramePr>
-            <a:graphicFrameLocks/>
-          </p:cNvGraphicFramePr>
-          <p:nvPr>
-            <p:extLst>
-              <p:ext uri="{D42A27DB-BD31-4B8C-83A1-F6EECF244321}">
-                <p14:modId xmlns:p14="http://schemas.microsoft.com/office/powerpoint/2010/main" val="324433644"/>
-              </p:ext>
-            </p:extLst>
-          </p:nvPr>
-        </p:nvGraphicFramePr>
-        <p:xfrm>
-          <a:off x="-6761" y="1556792"/>
-          <a:ext cx="3138601" cy="2552700"/>
-        </p:xfrm>
-        <a:graphic>
-          <a:graphicData uri="http://schemas.openxmlformats.org/drawingml/2006/chart">
-            <c:chart xmlns:c="http://schemas.openxmlformats.org/drawingml/2006/chart" xmlns:r="http://schemas.openxmlformats.org/officeDocument/2006/relationships" r:id="rId2"/>
-          </a:graphicData>
-        </a:graphic>
-      </p:graphicFrame>
-      <p:graphicFrame>
-        <p:nvGraphicFramePr>
-          <p:cNvPr id="11" name="Chart 11"/>
-          <p:cNvGraphicFramePr>
-            <a:graphicFrameLocks/>
-          </p:cNvGraphicFramePr>
-          <p:nvPr>
-            <p:extLst>
-              <p:ext uri="{D42A27DB-BD31-4B8C-83A1-F6EECF244321}">
-                <p14:modId xmlns:p14="http://schemas.microsoft.com/office/powerpoint/2010/main" val="1865250848"/>
-              </p:ext>
-            </p:extLst>
-          </p:nvPr>
-        </p:nvGraphicFramePr>
-        <p:xfrm>
-          <a:off x="3131840" y="1556792"/>
-          <a:ext cx="2952328" cy="2743200"/>
-        </p:xfrm>
-        <a:graphic>
-          <a:graphicData uri="http://schemas.openxmlformats.org/drawingml/2006/chart">
-            <c:chart xmlns:c="http://schemas.openxmlformats.org/drawingml/2006/chart" xmlns:r="http://schemas.openxmlformats.org/officeDocument/2006/relationships" r:id="rId3"/>
-          </a:graphicData>
-        </a:graphic>
-      </p:graphicFrame>
-      <p:graphicFrame>
-        <p:nvGraphicFramePr>
-          <p:cNvPr id="12" name="Chart 5"/>
-          <p:cNvGraphicFramePr>
-            <a:graphicFrameLocks/>
-          </p:cNvGraphicFramePr>
-          <p:nvPr>
-            <p:extLst>
-              <p:ext uri="{D42A27DB-BD31-4B8C-83A1-F6EECF244321}">
-                <p14:modId xmlns:p14="http://schemas.microsoft.com/office/powerpoint/2010/main" val="2640001030"/>
-              </p:ext>
-            </p:extLst>
-          </p:nvPr>
-        </p:nvGraphicFramePr>
-        <p:xfrm>
-          <a:off x="6228184" y="1556792"/>
-          <a:ext cx="2915816" cy="2743200"/>
-        </p:xfrm>
-        <a:graphic>
-          <a:graphicData uri="http://schemas.openxmlformats.org/drawingml/2006/chart">
-            <c:chart xmlns:c="http://schemas.openxmlformats.org/drawingml/2006/chart" xmlns:r="http://schemas.openxmlformats.org/officeDocument/2006/relationships" r:id="rId4"/>
-          </a:graphicData>
-        </a:graphic>
-      </p:graphicFrame>
-      <p:graphicFrame>
-        <p:nvGraphicFramePr>
-          <p:cNvPr id="13" name="Chart 6"/>
-          <p:cNvGraphicFramePr>
-            <a:graphicFrameLocks/>
-          </p:cNvGraphicFramePr>
-          <p:nvPr>
-            <p:extLst>
-              <p:ext uri="{D42A27DB-BD31-4B8C-83A1-F6EECF244321}">
-                <p14:modId xmlns:p14="http://schemas.microsoft.com/office/powerpoint/2010/main" val="4122414490"/>
-              </p:ext>
-            </p:extLst>
-          </p:nvPr>
-        </p:nvGraphicFramePr>
-        <p:xfrm>
-          <a:off x="0" y="4114800"/>
-          <a:ext cx="3203848" cy="2743200"/>
-        </p:xfrm>
-        <a:graphic>
-          <a:graphicData uri="http://schemas.openxmlformats.org/drawingml/2006/chart">
-            <c:chart xmlns:c="http://schemas.openxmlformats.org/drawingml/2006/chart" xmlns:r="http://schemas.openxmlformats.org/officeDocument/2006/relationships" r:id="rId5"/>
-          </a:graphicData>
-        </a:graphic>
-      </p:graphicFrame>
-      <p:graphicFrame>
-        <p:nvGraphicFramePr>
-          <p:cNvPr id="14" name="Chart 12"/>
-          <p:cNvGraphicFramePr>
-            <a:graphicFrameLocks/>
-          </p:cNvGraphicFramePr>
-          <p:nvPr>
-            <p:extLst>
-              <p:ext uri="{D42A27DB-BD31-4B8C-83A1-F6EECF244321}">
-                <p14:modId xmlns:p14="http://schemas.microsoft.com/office/powerpoint/2010/main" val="974138523"/>
-              </p:ext>
-            </p:extLst>
-          </p:nvPr>
-        </p:nvGraphicFramePr>
-        <p:xfrm>
-          <a:off x="3203848" y="4114800"/>
-          <a:ext cx="3960440" cy="2743200"/>
-        </p:xfrm>
-        <a:graphic>
-          <a:graphicData uri="http://schemas.openxmlformats.org/drawingml/2006/chart">
-            <c:chart xmlns:c="http://schemas.openxmlformats.org/drawingml/2006/chart" xmlns:r="http://schemas.openxmlformats.org/officeDocument/2006/relationships" r:id="rId6"/>
-          </a:graphicData>
-        </a:graphic>
-      </p:graphicFrame>
-    </p:spTree>
-    <p:extLst>
-      <p:ext uri="{BB962C8B-B14F-4D97-AF65-F5344CB8AC3E}">
-        <p14:creationId xmlns:p14="http://schemas.microsoft.com/office/powerpoint/2010/main" val="1989023747"/>
-      </p:ext>
-    </p:extLst>
-  </p:cSld>
-  <p:clrMapOvr>
-    <a:masterClrMapping/>
-  </p:clrMapOvr>
-</p:sld>
-</file>
-
-<file path=ppt/slides/slide4.xml><?xml version="1.0" encoding="utf-8"?>
-<p:sld xmlns:a="http://schemas.openxmlformats.org/drawingml/2006/main" xmlns:r="http://schemas.openxmlformats.org/officeDocument/2006/relationships" xmlns:p="http://schemas.openxmlformats.org/presentationml/2006/main">
-  <p:cSld>
-    <p:spTree>
-      <p:nvGrpSpPr>
-        <p:cNvPr id="1" name=""/>
-        <p:cNvGrpSpPr/>
-        <p:nvPr/>
-      </p:nvGrpSpPr>
-      <p:grpSpPr>
-        <a:xfrm>
-          <a:off x="0" y="0"/>
-          <a:ext cx="0" cy="0"/>
-          <a:chOff x="0" y="0"/>
-          <a:chExt cx="0" cy="0"/>
-        </a:xfrm>
-      </p:grpSpPr>
-      <p:sp>
-        <p:nvSpPr>
-          <p:cNvPr id="2" name="Title 1"/>
-          <p:cNvSpPr>
-            <a:spLocks noGrp="1"/>
-          </p:cNvSpPr>
-          <p:nvPr>
-            <p:ph type="title"/>
-          </p:nvPr>
-        </p:nvSpPr>
-        <p:spPr/>
-        <p:txBody>
-          <a:bodyPr>
-            <a:normAutofit/>
-          </a:bodyPr>
-          <a:lstStyle/>
-          <a:p>
-            <a:r>
-              <a:rPr lang="en-US" dirty="0" smtClean="0"/>
-              <a:t>Introduction – EXP5</a:t>
-            </a:r>
-            <a:endParaRPr lang="en-US" dirty="0"/>
-          </a:p>
-        </p:txBody>
-      </p:sp>
-      <p:sp>
-        <p:nvSpPr>
-          <p:cNvPr id="3" name="Content Placeholder 2"/>
-          <p:cNvSpPr>
-            <a:spLocks noGrp="1"/>
-          </p:cNvSpPr>
-          <p:nvPr>
-            <p:ph idx="1"/>
-          </p:nvPr>
-        </p:nvSpPr>
-        <p:spPr/>
-        <p:txBody>
-          <a:bodyPr/>
-          <a:lstStyle/>
-          <a:p>
-            <a:r>
-              <a:rPr lang="en-US" dirty="0" smtClean="0"/>
-              <a:t>In yeast, involved in nuclear import and export of several proteins, and required for re-export of mature </a:t>
-            </a:r>
-            <a:r>
-              <a:rPr lang="en-US" dirty="0" err="1" smtClean="0"/>
-              <a:t>tRNAs</a:t>
-            </a:r>
-            <a:r>
-              <a:rPr lang="en-US" dirty="0" smtClean="0"/>
-              <a:t> after their retrograde import from the cytoplasm</a:t>
-            </a:r>
-          </a:p>
-          <a:p>
-            <a:pPr marL="0" indent="0">
-              <a:buNone/>
-            </a:pPr>
-            <a:endParaRPr lang="en-US" dirty="0" smtClean="0"/>
-          </a:p>
-          <a:p>
-            <a:r>
-              <a:rPr lang="en-US" dirty="0" smtClean="0"/>
-              <a:t>In mammals also mediates the nuclear export of micro-RNA precursors, and double-strand RNA-bearing proteins</a:t>
-            </a:r>
-          </a:p>
-          <a:p>
-            <a:endParaRPr lang="en-US" dirty="0"/>
-          </a:p>
-        </p:txBody>
-      </p:sp>
-    </p:spTree>
-    <p:extLst>
-      <p:ext uri="{BB962C8B-B14F-4D97-AF65-F5344CB8AC3E}">
-        <p14:creationId xmlns:p14="http://schemas.microsoft.com/office/powerpoint/2010/main" val="3628620925"/>
-      </p:ext>
-    </p:extLst>
-  </p:cSld>
-  <p:clrMapOvr>
-    <a:masterClrMapping/>
-  </p:clrMapOvr>
-  <p:timing>
-    <p:tnLst>
-      <p:par>
-        <p:cTn id="1" dur="indefinite" restart="never" nodeType="tmRoot"/>
-      </p:par>
-    </p:tnLst>
-  </p:timing>
-</p:sld>
-</file>
-
-<file path=ppt/slides/slide40.xml><?xml version="1.0" encoding="utf-8"?>
-<p:sld xmlns:a="http://schemas.openxmlformats.org/drawingml/2006/main" xmlns:r="http://schemas.openxmlformats.org/officeDocument/2006/relationships" xmlns:p="http://schemas.openxmlformats.org/presentationml/2006/main">
-  <p:cSld>
-    <p:spTree>
-      <p:nvGrpSpPr>
-        <p:cNvPr id="1" name=""/>
-        <p:cNvGrpSpPr/>
-        <p:nvPr/>
-      </p:nvGrpSpPr>
-      <p:grpSpPr>
-        <a:xfrm>
-          <a:off x="0" y="0"/>
-          <a:ext cx="0" cy="0"/>
-          <a:chOff x="0" y="0"/>
-          <a:chExt cx="0" cy="0"/>
-        </a:xfrm>
-      </p:grpSpPr>
-      <p:sp>
-        <p:nvSpPr>
-          <p:cNvPr id="2" name="Title 1"/>
-          <p:cNvSpPr>
-            <a:spLocks noGrp="1"/>
-          </p:cNvSpPr>
-          <p:nvPr>
-            <p:ph type="title"/>
-          </p:nvPr>
-        </p:nvSpPr>
-        <p:spPr/>
-        <p:txBody>
-          <a:bodyPr>
-            <a:noAutofit/>
-          </a:bodyPr>
-          <a:lstStyle/>
-          <a:p>
-            <a:r>
-              <a:rPr lang="en-US" sz="3200" dirty="0"/>
-              <a:t>Up-regulated sequences in </a:t>
-            </a:r>
-            <a:r>
-              <a:rPr lang="en-US" sz="3200" i="1" dirty="0"/>
-              <a:t>∆</a:t>
-            </a:r>
-            <a:r>
-              <a:rPr lang="en-US" sz="3200" i="1" dirty="0" smtClean="0"/>
-              <a:t>rbp35 </a:t>
-            </a:r>
-            <a:r>
-              <a:rPr lang="en-US" sz="3200" dirty="0" smtClean="0"/>
-              <a:t>related with transposable elements tend to be more antisense, same with </a:t>
-            </a:r>
-            <a:r>
-              <a:rPr lang="en-US" sz="3200" i="1" dirty="0" smtClean="0"/>
-              <a:t>∆exp5 related with </a:t>
-            </a:r>
-            <a:r>
-              <a:rPr lang="en-US" sz="3200" i="1" dirty="0" err="1" smtClean="0"/>
-              <a:t>naEST</a:t>
-            </a:r>
-            <a:endParaRPr lang="en-US" sz="3200" dirty="0"/>
-          </a:p>
-        </p:txBody>
-      </p:sp>
-      <p:graphicFrame>
-        <p:nvGraphicFramePr>
-          <p:cNvPr id="5" name="14 Gráfico"/>
-          <p:cNvGraphicFramePr>
-            <a:graphicFrameLocks/>
-          </p:cNvGraphicFramePr>
-          <p:nvPr>
-            <p:extLst>
-              <p:ext uri="{D42A27DB-BD31-4B8C-83A1-F6EECF244321}">
-                <p14:modId xmlns:p14="http://schemas.microsoft.com/office/powerpoint/2010/main" val="1968831346"/>
-              </p:ext>
-            </p:extLst>
-          </p:nvPr>
-        </p:nvGraphicFramePr>
-        <p:xfrm>
-          <a:off x="0" y="2708920"/>
-          <a:ext cx="4572000" cy="2743200"/>
-        </p:xfrm>
-        <a:graphic>
-          <a:graphicData uri="http://schemas.openxmlformats.org/drawingml/2006/chart">
-            <c:chart xmlns:c="http://schemas.openxmlformats.org/drawingml/2006/chart" xmlns:r="http://schemas.openxmlformats.org/officeDocument/2006/relationships" r:id="rId2"/>
-          </a:graphicData>
-        </a:graphic>
-      </p:graphicFrame>
-      <p:graphicFrame>
-        <p:nvGraphicFramePr>
-          <p:cNvPr id="6" name="15 Gráfico"/>
-          <p:cNvGraphicFramePr>
-            <a:graphicFrameLocks/>
-          </p:cNvGraphicFramePr>
-          <p:nvPr>
-            <p:extLst>
-              <p:ext uri="{D42A27DB-BD31-4B8C-83A1-F6EECF244321}">
-                <p14:modId xmlns:p14="http://schemas.microsoft.com/office/powerpoint/2010/main" val="3551984435"/>
-              </p:ext>
-            </p:extLst>
-          </p:nvPr>
-        </p:nvGraphicFramePr>
-        <p:xfrm>
-          <a:off x="4572000" y="2780928"/>
-          <a:ext cx="4572000" cy="2743200"/>
-        </p:xfrm>
-        <a:graphic>
-          <a:graphicData uri="http://schemas.openxmlformats.org/drawingml/2006/chart">
-            <c:chart xmlns:c="http://schemas.openxmlformats.org/drawingml/2006/chart" xmlns:r="http://schemas.openxmlformats.org/officeDocument/2006/relationships" r:id="rId3"/>
-          </a:graphicData>
-        </a:graphic>
-      </p:graphicFrame>
-    </p:spTree>
-    <p:extLst>
-      <p:ext uri="{BB962C8B-B14F-4D97-AF65-F5344CB8AC3E}">
-        <p14:creationId xmlns:p14="http://schemas.microsoft.com/office/powerpoint/2010/main" val="2553822456"/>
-      </p:ext>
-    </p:extLst>
-  </p:cSld>
-  <p:clrMapOvr>
-    <a:masterClrMapping/>
-  </p:clrMapOvr>
 </p:sld>
 </file>
 

--- a/doc/small/small_presentation.pptx
+++ b/doc/small/small_presentation.pptx
@@ -5,7 +5,7 @@
     <p:sldMasterId id="2147483648" r:id="rId1"/>
   </p:sldMasterIdLst>
   <p:notesMasterIdLst>
-    <p:notesMasterId r:id="rId49"/>
+    <p:notesMasterId r:id="rId59"/>
   </p:notesMasterIdLst>
   <p:sldIdLst>
     <p:sldId id="257" r:id="rId2"/>
@@ -55,6 +55,16 @@
     <p:sldId id="295" r:id="rId46"/>
     <p:sldId id="296" r:id="rId47"/>
     <p:sldId id="297" r:id="rId48"/>
+    <p:sldId id="316" r:id="rId49"/>
+    <p:sldId id="317" r:id="rId50"/>
+    <p:sldId id="318" r:id="rId51"/>
+    <p:sldId id="319" r:id="rId52"/>
+    <p:sldId id="320" r:id="rId53"/>
+    <p:sldId id="321" r:id="rId54"/>
+    <p:sldId id="322" r:id="rId55"/>
+    <p:sldId id="325" r:id="rId56"/>
+    <p:sldId id="323" r:id="rId57"/>
+    <p:sldId id="324" r:id="rId58"/>
   </p:sldIdLst>
   <p:sldSz cx="9144000" cy="6858000" type="screen4x3"/>
   <p:notesSz cx="6858000" cy="9144000"/>
@@ -339,11 +349,11 @@
           <c:showBubbleSize val="0"/>
         </c:dLbls>
         <c:gapWidth val="150"/>
-        <c:axId val="111674880"/>
-        <c:axId val="111676416"/>
+        <c:axId val="102558336"/>
+        <c:axId val="85176320"/>
       </c:barChart>
       <c:catAx>
-        <c:axId val="111674880"/>
+        <c:axId val="102558336"/>
         <c:scaling>
           <c:orientation val="minMax"/>
         </c:scaling>
@@ -362,7 +372,7 @@
             <a:endParaRPr lang="en-US"/>
           </a:p>
         </c:txPr>
-        <c:crossAx val="111676416"/>
+        <c:crossAx val="85176320"/>
         <c:crosses val="autoZero"/>
         <c:auto val="1"/>
         <c:lblAlgn val="ctr"/>
@@ -370,7 +380,7 @@
         <c:noMultiLvlLbl val="0"/>
       </c:catAx>
       <c:valAx>
-        <c:axId val="111676416"/>
+        <c:axId val="85176320"/>
         <c:scaling>
           <c:orientation val="minMax"/>
           <c:max val="1"/>
@@ -406,7 +416,7 @@
         <c:majorTickMark val="out"/>
         <c:minorTickMark val="none"/>
         <c:tickLblPos val="nextTo"/>
-        <c:crossAx val="111674880"/>
+        <c:crossAx val="102558336"/>
         <c:crosses val="autoZero"/>
         <c:crossBetween val="between"/>
       </c:valAx>
@@ -2088,11 +2098,11 @@
           <c:showPercent val="0"/>
           <c:showBubbleSize val="0"/>
         </c:dLbls>
-        <c:axId val="112577920"/>
-        <c:axId val="133765376"/>
+        <c:axId val="127542784"/>
+        <c:axId val="127553920"/>
       </c:scatterChart>
       <c:valAx>
-        <c:axId val="112577920"/>
+        <c:axId val="127542784"/>
         <c:scaling>
           <c:orientation val="minMax"/>
         </c:scaling>
@@ -2101,12 +2111,12 @@
         <c:majorTickMark val="out"/>
         <c:minorTickMark val="none"/>
         <c:tickLblPos val="nextTo"/>
-        <c:crossAx val="133765376"/>
+        <c:crossAx val="127553920"/>
         <c:crosses val="autoZero"/>
         <c:crossBetween val="midCat"/>
       </c:valAx>
       <c:valAx>
-        <c:axId val="133765376"/>
+        <c:axId val="127553920"/>
         <c:scaling>
           <c:orientation val="maxMin"/>
           <c:max val="0.1"/>
@@ -2146,7 +2156,7 @@
         <c:majorTickMark val="out"/>
         <c:minorTickMark val="none"/>
         <c:tickLblPos val="nextTo"/>
-        <c:crossAx val="112577920"/>
+        <c:crossAx val="127542784"/>
         <c:crosses val="autoZero"/>
         <c:crossBetween val="midCat"/>
       </c:valAx>
@@ -3818,11 +3828,11 @@
           <c:showPercent val="0"/>
           <c:showBubbleSize val="0"/>
         </c:dLbls>
-        <c:axId val="133780992"/>
-        <c:axId val="136053120"/>
+        <c:axId val="127569280"/>
+        <c:axId val="127666432"/>
       </c:scatterChart>
       <c:valAx>
-        <c:axId val="133780992"/>
+        <c:axId val="127569280"/>
         <c:scaling>
           <c:orientation val="minMax"/>
         </c:scaling>
@@ -3831,12 +3841,12 @@
         <c:majorTickMark val="out"/>
         <c:minorTickMark val="none"/>
         <c:tickLblPos val="nextTo"/>
-        <c:crossAx val="136053120"/>
+        <c:crossAx val="127666432"/>
         <c:crosses val="autoZero"/>
         <c:crossBetween val="midCat"/>
       </c:valAx>
       <c:valAx>
-        <c:axId val="136053120"/>
+        <c:axId val="127666432"/>
         <c:scaling>
           <c:orientation val="maxMin"/>
           <c:max val="0.1"/>
@@ -3876,7 +3886,7 @@
         <c:majorTickMark val="out"/>
         <c:minorTickMark val="none"/>
         <c:tickLblPos val="nextTo"/>
-        <c:crossAx val="133780992"/>
+        <c:crossAx val="127569280"/>
         <c:crosses val="autoZero"/>
         <c:crossBetween val="midCat"/>
       </c:valAx>
@@ -4548,11 +4558,11 @@
           <c:showBubbleSize val="0"/>
         </c:dLbls>
         <c:gapWidth val="150"/>
-        <c:axId val="136172672"/>
-        <c:axId val="136174208"/>
+        <c:axId val="127994880"/>
+        <c:axId val="128013056"/>
       </c:barChart>
       <c:catAx>
-        <c:axId val="136172672"/>
+        <c:axId val="127994880"/>
         <c:scaling>
           <c:orientation val="minMax"/>
         </c:scaling>
@@ -4561,7 +4571,7 @@
         <c:majorTickMark val="out"/>
         <c:minorTickMark val="none"/>
         <c:tickLblPos val="nextTo"/>
-        <c:crossAx val="136174208"/>
+        <c:crossAx val="128013056"/>
         <c:crosses val="autoZero"/>
         <c:auto val="1"/>
         <c:lblAlgn val="ctr"/>
@@ -4569,7 +4579,7 @@
         <c:noMultiLvlLbl val="0"/>
       </c:catAx>
       <c:valAx>
-        <c:axId val="136174208"/>
+        <c:axId val="128013056"/>
         <c:scaling>
           <c:orientation val="minMax"/>
           <c:max val="1"/>
@@ -4581,7 +4591,7 @@
         <c:majorTickMark val="out"/>
         <c:minorTickMark val="none"/>
         <c:tickLblPos val="nextTo"/>
-        <c:crossAx val="136172672"/>
+        <c:crossAx val="127994880"/>
         <c:crosses val="autoZero"/>
         <c:crossBetween val="between"/>
       </c:valAx>
@@ -4856,11 +4866,11 @@
           <c:showBubbleSize val="0"/>
         </c:dLbls>
         <c:gapWidth val="150"/>
-        <c:axId val="133513984"/>
-        <c:axId val="133515520"/>
+        <c:axId val="128039552"/>
+        <c:axId val="128041344"/>
       </c:barChart>
       <c:catAx>
-        <c:axId val="133513984"/>
+        <c:axId val="128039552"/>
         <c:scaling>
           <c:orientation val="minMax"/>
         </c:scaling>
@@ -4869,7 +4879,7 @@
         <c:majorTickMark val="out"/>
         <c:minorTickMark val="none"/>
         <c:tickLblPos val="nextTo"/>
-        <c:crossAx val="133515520"/>
+        <c:crossAx val="128041344"/>
         <c:crosses val="autoZero"/>
         <c:auto val="1"/>
         <c:lblAlgn val="ctr"/>
@@ -4877,7 +4887,7 @@
         <c:noMultiLvlLbl val="0"/>
       </c:catAx>
       <c:valAx>
-        <c:axId val="133515520"/>
+        <c:axId val="128041344"/>
         <c:scaling>
           <c:orientation val="minMax"/>
           <c:max val="0.35000000000000003"/>
@@ -4889,7 +4899,7 @@
         <c:majorTickMark val="out"/>
         <c:minorTickMark val="none"/>
         <c:tickLblPos val="nextTo"/>
-        <c:crossAx val="133513984"/>
+        <c:crossAx val="128039552"/>
         <c:crosses val="autoZero"/>
         <c:crossBetween val="between"/>
       </c:valAx>
@@ -5548,11 +5558,11 @@
           <c:showBubbleSize val="0"/>
         </c:dLbls>
         <c:gapWidth val="150"/>
-        <c:axId val="133553536"/>
-        <c:axId val="133555328"/>
+        <c:axId val="108492288"/>
+        <c:axId val="108493824"/>
       </c:barChart>
       <c:catAx>
-        <c:axId val="133553536"/>
+        <c:axId val="108492288"/>
         <c:scaling>
           <c:orientation val="minMax"/>
         </c:scaling>
@@ -5561,7 +5571,7 @@
         <c:majorTickMark val="out"/>
         <c:minorTickMark val="none"/>
         <c:tickLblPos val="nextTo"/>
-        <c:crossAx val="133555328"/>
+        <c:crossAx val="108493824"/>
         <c:crosses val="autoZero"/>
         <c:auto val="1"/>
         <c:lblAlgn val="ctr"/>
@@ -5569,7 +5579,7 @@
         <c:noMultiLvlLbl val="0"/>
       </c:catAx>
       <c:valAx>
-        <c:axId val="133555328"/>
+        <c:axId val="108493824"/>
         <c:scaling>
           <c:orientation val="minMax"/>
           <c:max val="0.35000000000000003"/>
@@ -5581,7 +5591,7 @@
         <c:majorTickMark val="out"/>
         <c:minorTickMark val="none"/>
         <c:tickLblPos val="nextTo"/>
-        <c:crossAx val="133553536"/>
+        <c:crossAx val="108492288"/>
         <c:crosses val="autoZero"/>
         <c:crossBetween val="between"/>
       </c:valAx>
@@ -5856,11 +5866,11 @@
           <c:showBubbleSize val="0"/>
         </c:dLbls>
         <c:gapWidth val="150"/>
-        <c:axId val="133602304"/>
-        <c:axId val="133608192"/>
+        <c:axId val="108524672"/>
+        <c:axId val="108526208"/>
       </c:barChart>
       <c:catAx>
-        <c:axId val="133602304"/>
+        <c:axId val="108524672"/>
         <c:scaling>
           <c:orientation val="minMax"/>
         </c:scaling>
@@ -5869,7 +5879,7 @@
         <c:majorTickMark val="out"/>
         <c:minorTickMark val="none"/>
         <c:tickLblPos val="nextTo"/>
-        <c:crossAx val="133608192"/>
+        <c:crossAx val="108526208"/>
         <c:crosses val="autoZero"/>
         <c:auto val="1"/>
         <c:lblAlgn val="ctr"/>
@@ -5877,7 +5887,7 @@
         <c:noMultiLvlLbl val="0"/>
       </c:catAx>
       <c:valAx>
-        <c:axId val="133608192"/>
+        <c:axId val="108526208"/>
         <c:scaling>
           <c:orientation val="minMax"/>
           <c:max val="0.35000000000000003"/>
@@ -5889,7 +5899,7 @@
         <c:majorTickMark val="out"/>
         <c:minorTickMark val="none"/>
         <c:tickLblPos val="nextTo"/>
-        <c:crossAx val="133602304"/>
+        <c:crossAx val="108524672"/>
         <c:crosses val="autoZero"/>
         <c:crossBetween val="between"/>
       </c:valAx>
@@ -6164,11 +6174,11 @@
           <c:showBubbleSize val="0"/>
         </c:dLbls>
         <c:gapWidth val="150"/>
-        <c:axId val="133625728"/>
-        <c:axId val="133627264"/>
+        <c:axId val="108572672"/>
+        <c:axId val="108574208"/>
       </c:barChart>
       <c:catAx>
-        <c:axId val="133625728"/>
+        <c:axId val="108572672"/>
         <c:scaling>
           <c:orientation val="minMax"/>
         </c:scaling>
@@ -6177,7 +6187,7 @@
         <c:majorTickMark val="out"/>
         <c:minorTickMark val="none"/>
         <c:tickLblPos val="nextTo"/>
-        <c:crossAx val="133627264"/>
+        <c:crossAx val="108574208"/>
         <c:crosses val="autoZero"/>
         <c:auto val="1"/>
         <c:lblAlgn val="ctr"/>
@@ -6185,7 +6195,7 @@
         <c:noMultiLvlLbl val="0"/>
       </c:catAx>
       <c:valAx>
-        <c:axId val="133627264"/>
+        <c:axId val="108574208"/>
         <c:scaling>
           <c:orientation val="minMax"/>
           <c:max val="0.35000000000000003"/>
@@ -6197,7 +6207,7 @@
         <c:majorTickMark val="out"/>
         <c:minorTickMark val="none"/>
         <c:tickLblPos val="nextTo"/>
-        <c:crossAx val="133625728"/>
+        <c:crossAx val="108572672"/>
         <c:crosses val="autoZero"/>
         <c:crossBetween val="between"/>
       </c:valAx>
@@ -7186,11 +7196,11 @@
         </c:dLbls>
         <c:marker val="1"/>
         <c:smooth val="0"/>
-        <c:axId val="111727360"/>
-        <c:axId val="111729280"/>
+        <c:axId val="108205568"/>
+        <c:axId val="108207488"/>
       </c:lineChart>
       <c:catAx>
-        <c:axId val="111727360"/>
+        <c:axId val="108205568"/>
         <c:scaling>
           <c:orientation val="minMax"/>
         </c:scaling>
@@ -7224,7 +7234,7 @@
         <c:majorTickMark val="out"/>
         <c:minorTickMark val="none"/>
         <c:tickLblPos val="nextTo"/>
-        <c:crossAx val="111729280"/>
+        <c:crossAx val="108207488"/>
         <c:crosses val="autoZero"/>
         <c:auto val="1"/>
         <c:lblAlgn val="ctr"/>
@@ -7232,7 +7242,7 @@
         <c:noMultiLvlLbl val="0"/>
       </c:catAx>
       <c:valAx>
-        <c:axId val="111729280"/>
+        <c:axId val="108207488"/>
         <c:scaling>
           <c:orientation val="minMax"/>
           <c:max val="0.5"/>
@@ -7244,7 +7254,7 @@
         <c:majorTickMark val="out"/>
         <c:minorTickMark val="none"/>
         <c:tickLblPos val="nextTo"/>
-        <c:crossAx val="111727360"/>
+        <c:crossAx val="108205568"/>
         <c:crosses val="autoZero"/>
         <c:crossBetween val="between"/>
       </c:valAx>
@@ -7476,11 +7486,11 @@
           <c:showBubbleSize val="0"/>
         </c:dLbls>
         <c:gapWidth val="150"/>
-        <c:axId val="133747072"/>
-        <c:axId val="133748608"/>
+        <c:axId val="108611072"/>
+        <c:axId val="108612608"/>
       </c:barChart>
       <c:catAx>
-        <c:axId val="133747072"/>
+        <c:axId val="108611072"/>
         <c:scaling>
           <c:orientation val="minMax"/>
         </c:scaling>
@@ -7489,7 +7499,7 @@
         <c:majorTickMark val="out"/>
         <c:minorTickMark val="none"/>
         <c:tickLblPos val="nextTo"/>
-        <c:crossAx val="133748608"/>
+        <c:crossAx val="108612608"/>
         <c:crosses val="autoZero"/>
         <c:auto val="1"/>
         <c:lblAlgn val="ctr"/>
@@ -7497,7 +7507,7 @@
         <c:noMultiLvlLbl val="0"/>
       </c:catAx>
       <c:valAx>
-        <c:axId val="133748608"/>
+        <c:axId val="108612608"/>
         <c:scaling>
           <c:orientation val="minMax"/>
         </c:scaling>
@@ -7508,7 +7518,7 @@
         <c:majorTickMark val="out"/>
         <c:minorTickMark val="none"/>
         <c:tickLblPos val="nextTo"/>
-        <c:crossAx val="133747072"/>
+        <c:crossAx val="108611072"/>
         <c:crosses val="autoZero"/>
         <c:crossBetween val="between"/>
       </c:valAx>
@@ -7740,11 +7750,11 @@
           <c:showBubbleSize val="0"/>
         </c:dLbls>
         <c:gapWidth val="150"/>
-        <c:axId val="139467776"/>
-        <c:axId val="139490048"/>
+        <c:axId val="108659840"/>
+        <c:axId val="108661376"/>
       </c:barChart>
       <c:catAx>
-        <c:axId val="139467776"/>
+        <c:axId val="108659840"/>
         <c:scaling>
           <c:orientation val="minMax"/>
         </c:scaling>
@@ -7753,7 +7763,7 @@
         <c:majorTickMark val="out"/>
         <c:minorTickMark val="none"/>
         <c:tickLblPos val="nextTo"/>
-        <c:crossAx val="139490048"/>
+        <c:crossAx val="108661376"/>
         <c:crosses val="autoZero"/>
         <c:auto val="1"/>
         <c:lblAlgn val="ctr"/>
@@ -7761,7 +7771,7 @@
         <c:noMultiLvlLbl val="0"/>
       </c:catAx>
       <c:valAx>
-        <c:axId val="139490048"/>
+        <c:axId val="108661376"/>
         <c:scaling>
           <c:orientation val="minMax"/>
         </c:scaling>
@@ -7772,7 +7782,7 @@
         <c:majorTickMark val="out"/>
         <c:minorTickMark val="none"/>
         <c:tickLblPos val="nextTo"/>
-        <c:crossAx val="139467776"/>
+        <c:crossAx val="108659840"/>
         <c:crosses val="autoZero"/>
         <c:crossBetween val="between"/>
       </c:valAx>
@@ -9147,11 +9157,11 @@
         </c:dLbls>
         <c:marker val="1"/>
         <c:smooth val="0"/>
-        <c:axId val="140988800"/>
-        <c:axId val="140990336"/>
+        <c:axId val="108710144"/>
+        <c:axId val="108711936"/>
       </c:lineChart>
       <c:catAx>
-        <c:axId val="140988800"/>
+        <c:axId val="108710144"/>
         <c:scaling>
           <c:orientation val="minMax"/>
         </c:scaling>
@@ -9161,7 +9171,7 @@
         <c:majorTickMark val="out"/>
         <c:minorTickMark val="none"/>
         <c:tickLblPos val="nextTo"/>
-        <c:crossAx val="140990336"/>
+        <c:crossAx val="108711936"/>
         <c:crosses val="autoZero"/>
         <c:auto val="1"/>
         <c:lblAlgn val="ctr"/>
@@ -9169,7 +9179,7 @@
         <c:noMultiLvlLbl val="0"/>
       </c:catAx>
       <c:valAx>
-        <c:axId val="140990336"/>
+        <c:axId val="108711936"/>
         <c:scaling>
           <c:orientation val="minMax"/>
         </c:scaling>
@@ -9180,7 +9190,7 @@
         <c:majorTickMark val="out"/>
         <c:minorTickMark val="none"/>
         <c:tickLblPos val="nextTo"/>
-        <c:crossAx val="140988800"/>
+        <c:crossAx val="108710144"/>
         <c:crosses val="autoZero"/>
         <c:crossBetween val="between"/>
       </c:valAx>
@@ -9458,11 +9468,11 @@
           <c:showPercent val="0"/>
           <c:showBubbleSize val="0"/>
         </c:dLbls>
-        <c:axId val="141024256"/>
-        <c:axId val="142476032"/>
+        <c:axId val="127894656"/>
+        <c:axId val="127896192"/>
       </c:scatterChart>
       <c:valAx>
-        <c:axId val="141024256"/>
+        <c:axId val="127894656"/>
         <c:scaling>
           <c:orientation val="minMax"/>
         </c:scaling>
@@ -9472,12 +9482,12 @@
         <c:majorTickMark val="out"/>
         <c:minorTickMark val="none"/>
         <c:tickLblPos val="nextTo"/>
-        <c:crossAx val="142476032"/>
+        <c:crossAx val="127896192"/>
         <c:crosses val="autoZero"/>
         <c:crossBetween val="midCat"/>
       </c:valAx>
       <c:valAx>
-        <c:axId val="142476032"/>
+        <c:axId val="127896192"/>
         <c:scaling>
           <c:orientation val="minMax"/>
           <c:max val="350"/>
@@ -9489,7 +9499,7 @@
         <c:majorTickMark val="out"/>
         <c:minorTickMark val="none"/>
         <c:tickLblPos val="nextTo"/>
-        <c:crossAx val="141024256"/>
+        <c:crossAx val="127894656"/>
         <c:crosses val="autoZero"/>
         <c:crossBetween val="midCat"/>
       </c:valAx>
@@ -9985,11 +9995,11 @@
           <c:showPercent val="0"/>
           <c:showBubbleSize val="0"/>
         </c:dLbls>
-        <c:axId val="142494336"/>
-        <c:axId val="142508416"/>
+        <c:axId val="127914752"/>
+        <c:axId val="127916288"/>
       </c:scatterChart>
       <c:valAx>
-        <c:axId val="142494336"/>
+        <c:axId val="127914752"/>
         <c:scaling>
           <c:orientation val="minMax"/>
         </c:scaling>
@@ -9999,12 +10009,12 @@
         <c:majorTickMark val="out"/>
         <c:minorTickMark val="none"/>
         <c:tickLblPos val="nextTo"/>
-        <c:crossAx val="142508416"/>
+        <c:crossAx val="127916288"/>
         <c:crosses val="autoZero"/>
         <c:crossBetween val="midCat"/>
       </c:valAx>
       <c:valAx>
-        <c:axId val="142508416"/>
+        <c:axId val="127916288"/>
         <c:scaling>
           <c:orientation val="minMax"/>
         </c:scaling>
@@ -10015,7 +10025,7 @@
         <c:majorTickMark val="out"/>
         <c:minorTickMark val="none"/>
         <c:tickLblPos val="nextTo"/>
-        <c:crossAx val="142494336"/>
+        <c:crossAx val="127914752"/>
         <c:crosses val="autoZero"/>
         <c:crossBetween val="midCat"/>
       </c:valAx>
@@ -10487,11 +10497,11 @@
           <c:showPercent val="0"/>
           <c:showBubbleSize val="0"/>
         </c:dLbls>
-        <c:axId val="142518528"/>
-        <c:axId val="142520320"/>
+        <c:axId val="127938944"/>
+        <c:axId val="127940480"/>
       </c:scatterChart>
       <c:valAx>
-        <c:axId val="142518528"/>
+        <c:axId val="127938944"/>
         <c:scaling>
           <c:orientation val="minMax"/>
         </c:scaling>
@@ -10501,12 +10511,12 @@
         <c:majorTickMark val="out"/>
         <c:minorTickMark val="none"/>
         <c:tickLblPos val="nextTo"/>
-        <c:crossAx val="142520320"/>
+        <c:crossAx val="127940480"/>
         <c:crosses val="autoZero"/>
         <c:crossBetween val="midCat"/>
       </c:valAx>
       <c:valAx>
-        <c:axId val="142520320"/>
+        <c:axId val="127940480"/>
         <c:scaling>
           <c:orientation val="minMax"/>
         </c:scaling>
@@ -10517,7 +10527,7 @@
         <c:majorTickMark val="out"/>
         <c:minorTickMark val="none"/>
         <c:tickLblPos val="nextTo"/>
-        <c:crossAx val="142518528"/>
+        <c:crossAx val="127938944"/>
         <c:crosses val="autoZero"/>
         <c:crossBetween val="midCat"/>
       </c:valAx>
@@ -10929,11 +10939,11 @@
           <c:showPercent val="0"/>
           <c:showBubbleSize val="0"/>
         </c:dLbls>
-        <c:axId val="142559104"/>
-        <c:axId val="142560640"/>
+        <c:axId val="127979520"/>
+        <c:axId val="127981056"/>
       </c:scatterChart>
       <c:valAx>
-        <c:axId val="142559104"/>
+        <c:axId val="127979520"/>
         <c:scaling>
           <c:orientation val="minMax"/>
         </c:scaling>
@@ -10943,12 +10953,12 @@
         <c:majorTickMark val="out"/>
         <c:minorTickMark val="none"/>
         <c:tickLblPos val="nextTo"/>
-        <c:crossAx val="142560640"/>
+        <c:crossAx val="127981056"/>
         <c:crosses val="autoZero"/>
         <c:crossBetween val="midCat"/>
       </c:valAx>
       <c:valAx>
-        <c:axId val="142560640"/>
+        <c:axId val="127981056"/>
         <c:scaling>
           <c:orientation val="minMax"/>
           <c:max val="350"/>
@@ -10960,7 +10970,7 @@
         <c:majorTickMark val="out"/>
         <c:minorTickMark val="none"/>
         <c:tickLblPos val="nextTo"/>
-        <c:crossAx val="142559104"/>
+        <c:crossAx val="127979520"/>
         <c:crosses val="autoZero"/>
         <c:crossBetween val="midCat"/>
       </c:valAx>
@@ -11336,11 +11346,11 @@
           <c:showPercent val="0"/>
           <c:showBubbleSize val="0"/>
         </c:dLbls>
-        <c:axId val="142591488"/>
-        <c:axId val="142593024"/>
+        <c:axId val="128605568"/>
+        <c:axId val="128607360"/>
       </c:scatterChart>
       <c:valAx>
-        <c:axId val="142591488"/>
+        <c:axId val="128605568"/>
         <c:scaling>
           <c:orientation val="minMax"/>
         </c:scaling>
@@ -11350,12 +11360,12 @@
         <c:majorTickMark val="out"/>
         <c:minorTickMark val="none"/>
         <c:tickLblPos val="nextTo"/>
-        <c:crossAx val="142593024"/>
+        <c:crossAx val="128607360"/>
         <c:crosses val="autoZero"/>
         <c:crossBetween val="midCat"/>
       </c:valAx>
       <c:valAx>
-        <c:axId val="142593024"/>
+        <c:axId val="128607360"/>
         <c:scaling>
           <c:orientation val="minMax"/>
           <c:max val="350"/>
@@ -11367,7 +11377,7 @@
         <c:majorTickMark val="out"/>
         <c:minorTickMark val="none"/>
         <c:tickLblPos val="nextTo"/>
-        <c:crossAx val="142591488"/>
+        <c:crossAx val="128605568"/>
         <c:crosses val="autoZero"/>
         <c:crossBetween val="midCat"/>
       </c:valAx>
@@ -11851,11 +11861,11 @@
           <c:showPercent val="0"/>
           <c:showBubbleSize val="0"/>
         </c:dLbls>
-        <c:axId val="142620544"/>
-        <c:axId val="142622080"/>
+        <c:axId val="128643072"/>
+        <c:axId val="128644608"/>
       </c:scatterChart>
       <c:valAx>
-        <c:axId val="142620544"/>
+        <c:axId val="128643072"/>
         <c:scaling>
           <c:orientation val="minMax"/>
         </c:scaling>
@@ -11865,12 +11875,12 @@
         <c:majorTickMark val="out"/>
         <c:minorTickMark val="none"/>
         <c:tickLblPos val="nextTo"/>
-        <c:crossAx val="142622080"/>
+        <c:crossAx val="128644608"/>
         <c:crosses val="autoZero"/>
         <c:crossBetween val="midCat"/>
       </c:valAx>
       <c:valAx>
-        <c:axId val="142622080"/>
+        <c:axId val="128644608"/>
         <c:scaling>
           <c:orientation val="minMax"/>
           <c:max val="2500"/>
@@ -11882,7 +11892,7 @@
         <c:majorTickMark val="out"/>
         <c:minorTickMark val="none"/>
         <c:tickLblPos val="nextTo"/>
-        <c:crossAx val="142620544"/>
+        <c:crossAx val="128643072"/>
         <c:crosses val="autoZero"/>
         <c:crossBetween val="midCat"/>
       </c:valAx>
@@ -12378,11 +12388,11 @@
           <c:showPercent val="0"/>
           <c:showBubbleSize val="0"/>
         </c:dLbls>
-        <c:axId val="142661120"/>
-        <c:axId val="142662656"/>
+        <c:axId val="128667008"/>
+        <c:axId val="128676992"/>
       </c:scatterChart>
       <c:valAx>
-        <c:axId val="142661120"/>
+        <c:axId val="128667008"/>
         <c:scaling>
           <c:orientation val="minMax"/>
         </c:scaling>
@@ -12392,12 +12402,12 @@
         <c:majorTickMark val="out"/>
         <c:minorTickMark val="none"/>
         <c:tickLblPos val="nextTo"/>
-        <c:crossAx val="142662656"/>
+        <c:crossAx val="128676992"/>
         <c:crosses val="autoZero"/>
         <c:crossBetween val="midCat"/>
       </c:valAx>
       <c:valAx>
-        <c:axId val="142662656"/>
+        <c:axId val="128676992"/>
         <c:scaling>
           <c:orientation val="minMax"/>
           <c:max val="2500"/>
@@ -12409,7 +12419,7 @@
         <c:majorTickMark val="out"/>
         <c:minorTickMark val="none"/>
         <c:tickLblPos val="nextTo"/>
-        <c:crossAx val="142661120"/>
+        <c:crossAx val="128667008"/>
         <c:crosses val="autoZero"/>
         <c:crossBetween val="midCat"/>
       </c:valAx>
@@ -13393,11 +13403,11 @@
         </c:dLbls>
         <c:marker val="1"/>
         <c:smooth val="0"/>
-        <c:axId val="112142592"/>
-        <c:axId val="112152960"/>
+        <c:axId val="108235776"/>
+        <c:axId val="108246144"/>
       </c:lineChart>
       <c:catAx>
-        <c:axId val="112142592"/>
+        <c:axId val="108235776"/>
         <c:scaling>
           <c:orientation val="minMax"/>
         </c:scaling>
@@ -13431,7 +13441,7 @@
         <c:majorTickMark val="out"/>
         <c:minorTickMark val="none"/>
         <c:tickLblPos val="nextTo"/>
-        <c:crossAx val="112152960"/>
+        <c:crossAx val="108246144"/>
         <c:crosses val="autoZero"/>
         <c:auto val="1"/>
         <c:lblAlgn val="ctr"/>
@@ -13439,7 +13449,7 @@
         <c:noMultiLvlLbl val="0"/>
       </c:catAx>
       <c:valAx>
-        <c:axId val="112152960"/>
+        <c:axId val="108246144"/>
         <c:scaling>
           <c:orientation val="minMax"/>
           <c:max val="0.5"/>
@@ -13451,7 +13461,7 @@
         <c:majorTickMark val="out"/>
         <c:minorTickMark val="none"/>
         <c:tickLblPos val="nextTo"/>
-        <c:crossAx val="112142592"/>
+        <c:crossAx val="108235776"/>
         <c:crosses val="autoZero"/>
         <c:crossBetween val="between"/>
       </c:valAx>
@@ -13832,11 +13842,11 @@
           <c:showPercent val="0"/>
           <c:showBubbleSize val="0"/>
         </c:dLbls>
-        <c:axId val="144082048"/>
-        <c:axId val="144083584"/>
+        <c:axId val="128715776"/>
+        <c:axId val="128729856"/>
       </c:scatterChart>
       <c:valAx>
-        <c:axId val="144082048"/>
+        <c:axId val="128715776"/>
         <c:scaling>
           <c:orientation val="minMax"/>
         </c:scaling>
@@ -13846,12 +13856,12 @@
         <c:majorTickMark val="out"/>
         <c:minorTickMark val="none"/>
         <c:tickLblPos val="nextTo"/>
-        <c:crossAx val="144083584"/>
+        <c:crossAx val="128729856"/>
         <c:crosses val="autoZero"/>
         <c:crossBetween val="midCat"/>
       </c:valAx>
       <c:valAx>
-        <c:axId val="144083584"/>
+        <c:axId val="128729856"/>
         <c:scaling>
           <c:orientation val="minMax"/>
         </c:scaling>
@@ -13862,7 +13872,7 @@
         <c:majorTickMark val="out"/>
         <c:minorTickMark val="none"/>
         <c:tickLblPos val="nextTo"/>
-        <c:crossAx val="144082048"/>
+        <c:crossAx val="128715776"/>
         <c:crosses val="autoZero"/>
         <c:crossBetween val="midCat"/>
       </c:valAx>
@@ -14334,11 +14344,11 @@
           <c:showPercent val="0"/>
           <c:showBubbleSize val="0"/>
         </c:dLbls>
-        <c:axId val="144110336"/>
-        <c:axId val="144111872"/>
+        <c:axId val="128760448"/>
+        <c:axId val="128762240"/>
       </c:scatterChart>
       <c:valAx>
-        <c:axId val="144110336"/>
+        <c:axId val="128760448"/>
         <c:scaling>
           <c:orientation val="minMax"/>
         </c:scaling>
@@ -14348,12 +14358,12 @@
         <c:majorTickMark val="out"/>
         <c:minorTickMark val="none"/>
         <c:tickLblPos val="nextTo"/>
-        <c:crossAx val="144111872"/>
+        <c:crossAx val="128762240"/>
         <c:crosses val="autoZero"/>
         <c:crossBetween val="midCat"/>
       </c:valAx>
       <c:valAx>
-        <c:axId val="144111872"/>
+        <c:axId val="128762240"/>
         <c:scaling>
           <c:orientation val="minMax"/>
           <c:max val="2500"/>
@@ -14365,7 +14375,7 @@
         <c:majorTickMark val="out"/>
         <c:minorTickMark val="none"/>
         <c:tickLblPos val="nextTo"/>
-        <c:crossAx val="144110336"/>
+        <c:crossAx val="128760448"/>
         <c:crosses val="autoZero"/>
         <c:crossBetween val="midCat"/>
       </c:valAx>
@@ -14777,11 +14787,11 @@
           <c:showPercent val="0"/>
           <c:showBubbleSize val="0"/>
         </c:dLbls>
-        <c:axId val="144605568"/>
-        <c:axId val="144607104"/>
+        <c:axId val="128456960"/>
+        <c:axId val="128462848"/>
       </c:scatterChart>
       <c:valAx>
-        <c:axId val="144605568"/>
+        <c:axId val="128456960"/>
         <c:scaling>
           <c:orientation val="minMax"/>
         </c:scaling>
@@ -14791,12 +14801,12 @@
         <c:majorTickMark val="out"/>
         <c:minorTickMark val="none"/>
         <c:tickLblPos val="nextTo"/>
-        <c:crossAx val="144607104"/>
+        <c:crossAx val="128462848"/>
         <c:crosses val="autoZero"/>
         <c:crossBetween val="midCat"/>
       </c:valAx>
       <c:valAx>
-        <c:axId val="144607104"/>
+        <c:axId val="128462848"/>
         <c:scaling>
           <c:orientation val="minMax"/>
         </c:scaling>
@@ -14807,7 +14817,7 @@
         <c:majorTickMark val="out"/>
         <c:minorTickMark val="none"/>
         <c:tickLblPos val="nextTo"/>
-        <c:crossAx val="144605568"/>
+        <c:crossAx val="128456960"/>
         <c:crosses val="autoZero"/>
         <c:crossBetween val="midCat"/>
       </c:valAx>
@@ -15205,11 +15215,11 @@
           <c:showBubbleSize val="0"/>
         </c:dLbls>
         <c:gapWidth val="150"/>
-        <c:axId val="156521600"/>
-        <c:axId val="156523136"/>
+        <c:axId val="128506880"/>
+        <c:axId val="128516864"/>
       </c:barChart>
       <c:catAx>
-        <c:axId val="156521600"/>
+        <c:axId val="128506880"/>
         <c:scaling>
           <c:orientation val="minMax"/>
         </c:scaling>
@@ -15218,7 +15228,7 @@
         <c:majorTickMark val="out"/>
         <c:minorTickMark val="none"/>
         <c:tickLblPos val="nextTo"/>
-        <c:crossAx val="156523136"/>
+        <c:crossAx val="128516864"/>
         <c:crosses val="autoZero"/>
         <c:auto val="1"/>
         <c:lblAlgn val="ctr"/>
@@ -15226,7 +15236,7 @@
         <c:noMultiLvlLbl val="0"/>
       </c:catAx>
       <c:valAx>
-        <c:axId val="156523136"/>
+        <c:axId val="128516864"/>
         <c:scaling>
           <c:orientation val="minMax"/>
           <c:max val="1"/>
@@ -15238,7 +15248,7 @@
         <c:majorTickMark val="out"/>
         <c:minorTickMark val="none"/>
         <c:tickLblPos val="nextTo"/>
-        <c:crossAx val="156521600"/>
+        <c:crossAx val="128506880"/>
         <c:crosses val="autoZero"/>
         <c:crossBetween val="between"/>
       </c:valAx>
@@ -15933,11 +15943,11 @@
           <c:showBubbleSize val="0"/>
         </c:dLbls>
         <c:gapWidth val="150"/>
-        <c:axId val="156549888"/>
-        <c:axId val="156551424"/>
+        <c:axId val="128539264"/>
+        <c:axId val="128557440"/>
       </c:barChart>
       <c:catAx>
-        <c:axId val="156549888"/>
+        <c:axId val="128539264"/>
         <c:scaling>
           <c:orientation val="minMax"/>
         </c:scaling>
@@ -15947,7 +15957,7 @@
         <c:majorTickMark val="out"/>
         <c:minorTickMark val="none"/>
         <c:tickLblPos val="nextTo"/>
-        <c:crossAx val="156551424"/>
+        <c:crossAx val="128557440"/>
         <c:crosses val="autoZero"/>
         <c:auto val="1"/>
         <c:lblAlgn val="ctr"/>
@@ -15955,7 +15965,7 @@
         <c:noMultiLvlLbl val="0"/>
       </c:catAx>
       <c:valAx>
-        <c:axId val="156551424"/>
+        <c:axId val="128557440"/>
         <c:scaling>
           <c:orientation val="minMax"/>
           <c:max val="1"/>
@@ -15967,7 +15977,7 @@
         <c:majorTickMark val="out"/>
         <c:minorTickMark val="none"/>
         <c:tickLblPos val="nextTo"/>
-        <c:crossAx val="156549888"/>
+        <c:crossAx val="128539264"/>
         <c:crosses val="autoZero"/>
         <c:crossBetween val="between"/>
       </c:valAx>
@@ -16389,11 +16399,11 @@
           <c:showBubbleSize val="0"/>
         </c:dLbls>
         <c:gapWidth val="150"/>
-        <c:axId val="156268416"/>
-        <c:axId val="156269952"/>
+        <c:axId val="129060864"/>
+        <c:axId val="129062400"/>
       </c:barChart>
       <c:catAx>
-        <c:axId val="156268416"/>
+        <c:axId val="129060864"/>
         <c:scaling>
           <c:orientation val="minMax"/>
         </c:scaling>
@@ -16402,7 +16412,7 @@
         <c:majorTickMark val="out"/>
         <c:minorTickMark val="none"/>
         <c:tickLblPos val="nextTo"/>
-        <c:crossAx val="156269952"/>
+        <c:crossAx val="129062400"/>
         <c:crosses val="autoZero"/>
         <c:auto val="1"/>
         <c:lblAlgn val="ctr"/>
@@ -16410,7 +16420,7 @@
         <c:noMultiLvlLbl val="0"/>
       </c:catAx>
       <c:valAx>
-        <c:axId val="156269952"/>
+        <c:axId val="129062400"/>
         <c:scaling>
           <c:orientation val="minMax"/>
           <c:max val="0.5"/>
@@ -16422,7 +16432,7 @@
         <c:majorTickMark val="out"/>
         <c:minorTickMark val="none"/>
         <c:tickLblPos val="nextTo"/>
-        <c:crossAx val="156268416"/>
+        <c:crossAx val="129060864"/>
         <c:crosses val="autoZero"/>
         <c:crossBetween val="between"/>
       </c:valAx>
@@ -16844,11 +16854,11 @@
           <c:showBubbleSize val="0"/>
         </c:dLbls>
         <c:gapWidth val="150"/>
-        <c:axId val="156301184"/>
-        <c:axId val="156302720"/>
+        <c:axId val="129089536"/>
+        <c:axId val="129091072"/>
       </c:barChart>
       <c:catAx>
-        <c:axId val="156301184"/>
+        <c:axId val="129089536"/>
         <c:scaling>
           <c:orientation val="minMax"/>
         </c:scaling>
@@ -16857,7 +16867,7 @@
         <c:majorTickMark val="out"/>
         <c:minorTickMark val="none"/>
         <c:tickLblPos val="nextTo"/>
-        <c:crossAx val="156302720"/>
+        <c:crossAx val="129091072"/>
         <c:crosses val="autoZero"/>
         <c:auto val="1"/>
         <c:lblAlgn val="ctr"/>
@@ -16865,7 +16875,7 @@
         <c:noMultiLvlLbl val="0"/>
       </c:catAx>
       <c:valAx>
-        <c:axId val="156302720"/>
+        <c:axId val="129091072"/>
         <c:scaling>
           <c:orientation val="minMax"/>
           <c:max val="0.5"/>
@@ -16877,7 +16887,7 @@
         <c:majorTickMark val="out"/>
         <c:minorTickMark val="none"/>
         <c:tickLblPos val="nextTo"/>
-        <c:crossAx val="156301184"/>
+        <c:crossAx val="129089536"/>
         <c:crosses val="autoZero"/>
         <c:crossBetween val="between"/>
       </c:valAx>
@@ -17299,11 +17309,11 @@
           <c:showBubbleSize val="0"/>
         </c:dLbls>
         <c:gapWidth val="150"/>
-        <c:axId val="156399488"/>
-        <c:axId val="156401024"/>
+        <c:axId val="129130496"/>
+        <c:axId val="129132032"/>
       </c:barChart>
       <c:catAx>
-        <c:axId val="156399488"/>
+        <c:axId val="129130496"/>
         <c:scaling>
           <c:orientation val="minMax"/>
         </c:scaling>
@@ -17312,7 +17322,7 @@
         <c:majorTickMark val="out"/>
         <c:minorTickMark val="none"/>
         <c:tickLblPos val="nextTo"/>
-        <c:crossAx val="156401024"/>
+        <c:crossAx val="129132032"/>
         <c:crosses val="autoZero"/>
         <c:auto val="1"/>
         <c:lblAlgn val="ctr"/>
@@ -17320,7 +17330,7 @@
         <c:noMultiLvlLbl val="0"/>
       </c:catAx>
       <c:valAx>
-        <c:axId val="156401024"/>
+        <c:axId val="129132032"/>
         <c:scaling>
           <c:orientation val="minMax"/>
         </c:scaling>
@@ -17331,7 +17341,7 @@
         <c:majorTickMark val="out"/>
         <c:minorTickMark val="none"/>
         <c:tickLblPos val="nextTo"/>
-        <c:crossAx val="156399488"/>
+        <c:crossAx val="129130496"/>
         <c:crosses val="autoZero"/>
         <c:crossBetween val="between"/>
       </c:valAx>
@@ -17753,11 +17763,11 @@
           <c:showBubbleSize val="0"/>
         </c:dLbls>
         <c:gapWidth val="150"/>
-        <c:axId val="156432256"/>
-        <c:axId val="156433792"/>
+        <c:axId val="129167360"/>
+        <c:axId val="129168896"/>
       </c:barChart>
       <c:catAx>
-        <c:axId val="156432256"/>
+        <c:axId val="129167360"/>
         <c:scaling>
           <c:orientation val="minMax"/>
         </c:scaling>
@@ -17766,7 +17776,7 @@
         <c:majorTickMark val="out"/>
         <c:minorTickMark val="none"/>
         <c:tickLblPos val="nextTo"/>
-        <c:crossAx val="156433792"/>
+        <c:crossAx val="129168896"/>
         <c:crosses val="autoZero"/>
         <c:auto val="1"/>
         <c:lblAlgn val="ctr"/>
@@ -17774,7 +17784,7 @@
         <c:noMultiLvlLbl val="0"/>
       </c:catAx>
       <c:valAx>
-        <c:axId val="156433792"/>
+        <c:axId val="129168896"/>
         <c:scaling>
           <c:orientation val="minMax"/>
         </c:scaling>
@@ -17785,7 +17795,7 @@
         <c:majorTickMark val="out"/>
         <c:minorTickMark val="none"/>
         <c:tickLblPos val="nextTo"/>
-        <c:crossAx val="156432256"/>
+        <c:crossAx val="129167360"/>
         <c:crosses val="autoZero"/>
         <c:crossBetween val="between"/>
       </c:valAx>
@@ -18092,11 +18102,11 @@
           <c:showBubbleSize val="0"/>
         </c:dLbls>
         <c:gapWidth val="150"/>
-        <c:axId val="156473984"/>
-        <c:axId val="156483968"/>
+        <c:axId val="129200896"/>
+        <c:axId val="129202432"/>
       </c:barChart>
       <c:catAx>
-        <c:axId val="156473984"/>
+        <c:axId val="129200896"/>
         <c:scaling>
           <c:orientation val="minMax"/>
         </c:scaling>
@@ -18105,7 +18115,7 @@
         <c:majorTickMark val="out"/>
         <c:minorTickMark val="none"/>
         <c:tickLblPos val="nextTo"/>
-        <c:crossAx val="156483968"/>
+        <c:crossAx val="129202432"/>
         <c:crosses val="autoZero"/>
         <c:auto val="1"/>
         <c:lblAlgn val="ctr"/>
@@ -18113,7 +18123,7 @@
         <c:noMultiLvlLbl val="0"/>
       </c:catAx>
       <c:valAx>
-        <c:axId val="156483968"/>
+        <c:axId val="129202432"/>
         <c:scaling>
           <c:orientation val="minMax"/>
           <c:max val="1"/>
@@ -18125,7 +18135,7 @@
         <c:majorTickMark val="out"/>
         <c:minorTickMark val="none"/>
         <c:tickLblPos val="nextTo"/>
-        <c:crossAx val="156473984"/>
+        <c:crossAx val="129200896"/>
         <c:crosses val="autoZero"/>
         <c:crossBetween val="between"/>
       </c:valAx>
@@ -19114,11 +19124,11 @@
         </c:dLbls>
         <c:marker val="1"/>
         <c:smooth val="0"/>
-        <c:axId val="112181248"/>
-        <c:axId val="112183168"/>
+        <c:axId val="108401408"/>
+        <c:axId val="108403328"/>
       </c:lineChart>
       <c:catAx>
-        <c:axId val="112181248"/>
+        <c:axId val="108401408"/>
         <c:scaling>
           <c:orientation val="minMax"/>
         </c:scaling>
@@ -19152,7 +19162,7 @@
         <c:majorTickMark val="out"/>
         <c:minorTickMark val="none"/>
         <c:tickLblPos val="nextTo"/>
-        <c:crossAx val="112183168"/>
+        <c:crossAx val="108403328"/>
         <c:crosses val="autoZero"/>
         <c:auto val="1"/>
         <c:lblAlgn val="ctr"/>
@@ -19160,7 +19170,7 @@
         <c:noMultiLvlLbl val="0"/>
       </c:catAx>
       <c:valAx>
-        <c:axId val="112183168"/>
+        <c:axId val="108403328"/>
         <c:scaling>
           <c:orientation val="minMax"/>
           <c:max val="0.5"/>
@@ -19172,7 +19182,7 @@
         <c:majorTickMark val="out"/>
         <c:minorTickMark val="none"/>
         <c:tickLblPos val="nextTo"/>
-        <c:crossAx val="112181248"/>
+        <c:crossAx val="108401408"/>
         <c:crosses val="autoZero"/>
         <c:crossBetween val="between"/>
       </c:valAx>
@@ -19450,11 +19460,11 @@
           <c:showBubbleSize val="0"/>
         </c:dLbls>
         <c:gapWidth val="150"/>
-        <c:axId val="156584960"/>
-        <c:axId val="156599040"/>
+        <c:axId val="128820352"/>
+        <c:axId val="128821888"/>
       </c:barChart>
       <c:catAx>
-        <c:axId val="156584960"/>
+        <c:axId val="128820352"/>
         <c:scaling>
           <c:orientation val="minMax"/>
         </c:scaling>
@@ -19463,7 +19473,7 @@
         <c:majorTickMark val="out"/>
         <c:minorTickMark val="none"/>
         <c:tickLblPos val="nextTo"/>
-        <c:crossAx val="156599040"/>
+        <c:crossAx val="128821888"/>
         <c:crosses val="autoZero"/>
         <c:auto val="1"/>
         <c:lblAlgn val="ctr"/>
@@ -19471,7 +19481,7 @@
         <c:noMultiLvlLbl val="0"/>
       </c:catAx>
       <c:valAx>
-        <c:axId val="156599040"/>
+        <c:axId val="128821888"/>
         <c:scaling>
           <c:orientation val="minMax"/>
         </c:scaling>
@@ -19482,7 +19492,7 @@
         <c:majorTickMark val="out"/>
         <c:minorTickMark val="none"/>
         <c:tickLblPos val="nextTo"/>
-        <c:crossAx val="156584960"/>
+        <c:crossAx val="128820352"/>
         <c:crosses val="autoZero"/>
         <c:crossBetween val="between"/>
       </c:valAx>
@@ -19784,11 +19794,11 @@
           <c:showBubbleSize val="0"/>
         </c:dLbls>
         <c:gapWidth val="150"/>
-        <c:axId val="156621824"/>
-        <c:axId val="156623616"/>
+        <c:axId val="128861312"/>
+        <c:axId val="128862848"/>
       </c:barChart>
       <c:catAx>
-        <c:axId val="156621824"/>
+        <c:axId val="128861312"/>
         <c:scaling>
           <c:orientation val="minMax"/>
         </c:scaling>
@@ -19797,7 +19807,7 @@
         <c:majorTickMark val="out"/>
         <c:minorTickMark val="none"/>
         <c:tickLblPos val="nextTo"/>
-        <c:crossAx val="156623616"/>
+        <c:crossAx val="128862848"/>
         <c:crosses val="autoZero"/>
         <c:auto val="1"/>
         <c:lblAlgn val="ctr"/>
@@ -19805,7 +19815,7 @@
         <c:noMultiLvlLbl val="0"/>
       </c:catAx>
       <c:valAx>
-        <c:axId val="156623616"/>
+        <c:axId val="128862848"/>
         <c:scaling>
           <c:orientation val="minMax"/>
         </c:scaling>
@@ -19816,7 +19826,7 @@
         <c:majorTickMark val="out"/>
         <c:minorTickMark val="none"/>
         <c:tickLblPos val="nextTo"/>
-        <c:crossAx val="156621824"/>
+        <c:crossAx val="128861312"/>
         <c:crosses val="autoZero"/>
         <c:crossBetween val="between"/>
       </c:valAx>
@@ -20118,11 +20128,11 @@
           <c:showBubbleSize val="0"/>
         </c:dLbls>
         <c:gapWidth val="150"/>
-        <c:axId val="156654592"/>
-        <c:axId val="156660480"/>
+        <c:axId val="128894080"/>
+        <c:axId val="128895616"/>
       </c:barChart>
       <c:catAx>
-        <c:axId val="156654592"/>
+        <c:axId val="128894080"/>
         <c:scaling>
           <c:orientation val="minMax"/>
         </c:scaling>
@@ -20131,7 +20141,7 @@
         <c:majorTickMark val="out"/>
         <c:minorTickMark val="none"/>
         <c:tickLblPos val="nextTo"/>
-        <c:crossAx val="156660480"/>
+        <c:crossAx val="128895616"/>
         <c:crosses val="autoZero"/>
         <c:auto val="1"/>
         <c:lblAlgn val="ctr"/>
@@ -20139,7 +20149,7 @@
         <c:noMultiLvlLbl val="0"/>
       </c:catAx>
       <c:valAx>
-        <c:axId val="156660480"/>
+        <c:axId val="128895616"/>
         <c:scaling>
           <c:orientation val="minMax"/>
         </c:scaling>
@@ -20150,7 +20160,7 @@
         <c:majorTickMark val="out"/>
         <c:minorTickMark val="none"/>
         <c:tickLblPos val="nextTo"/>
-        <c:crossAx val="156654592"/>
+        <c:crossAx val="128894080"/>
         <c:crosses val="autoZero"/>
         <c:crossBetween val="between"/>
       </c:valAx>
@@ -20452,11 +20462,11 @@
           <c:showBubbleSize val="0"/>
         </c:dLbls>
         <c:gapWidth val="150"/>
-        <c:axId val="156687360"/>
-        <c:axId val="156701440"/>
+        <c:axId val="128926848"/>
+        <c:axId val="128928384"/>
       </c:barChart>
       <c:catAx>
-        <c:axId val="156687360"/>
+        <c:axId val="128926848"/>
         <c:scaling>
           <c:orientation val="minMax"/>
         </c:scaling>
@@ -20465,7 +20475,7 @@
         <c:majorTickMark val="out"/>
         <c:minorTickMark val="none"/>
         <c:tickLblPos val="nextTo"/>
-        <c:crossAx val="156701440"/>
+        <c:crossAx val="128928384"/>
         <c:crosses val="autoZero"/>
         <c:auto val="1"/>
         <c:lblAlgn val="ctr"/>
@@ -20473,7 +20483,7 @@
         <c:noMultiLvlLbl val="0"/>
       </c:catAx>
       <c:valAx>
-        <c:axId val="156701440"/>
+        <c:axId val="128928384"/>
         <c:scaling>
           <c:orientation val="minMax"/>
         </c:scaling>
@@ -20484,7 +20494,7 @@
         <c:majorTickMark val="out"/>
         <c:minorTickMark val="none"/>
         <c:tickLblPos val="nextTo"/>
-        <c:crossAx val="156687360"/>
+        <c:crossAx val="128926848"/>
         <c:crosses val="autoZero"/>
         <c:crossBetween val="between"/>
       </c:valAx>
@@ -21201,11 +21211,11 @@
           <c:showBubbleSize val="0"/>
         </c:dLbls>
         <c:gapWidth val="150"/>
-        <c:axId val="156740608"/>
-        <c:axId val="156746496"/>
+        <c:axId val="128984192"/>
+        <c:axId val="128985728"/>
       </c:barChart>
       <c:catAx>
-        <c:axId val="156740608"/>
+        <c:axId val="128984192"/>
         <c:scaling>
           <c:orientation val="minMax"/>
         </c:scaling>
@@ -21215,7 +21225,7 @@
         <c:majorTickMark val="none"/>
         <c:minorTickMark val="none"/>
         <c:tickLblPos val="nextTo"/>
-        <c:crossAx val="156746496"/>
+        <c:crossAx val="128985728"/>
         <c:crosses val="autoZero"/>
         <c:auto val="1"/>
         <c:lblAlgn val="ctr"/>
@@ -21223,7 +21233,7 @@
         <c:noMultiLvlLbl val="0"/>
       </c:catAx>
       <c:valAx>
-        <c:axId val="156746496"/>
+        <c:axId val="128985728"/>
         <c:scaling>
           <c:orientation val="minMax"/>
           <c:max val="1"/>
@@ -21235,7 +21245,7 @@
         <c:majorTickMark val="none"/>
         <c:minorTickMark val="none"/>
         <c:tickLblPos val="nextTo"/>
-        <c:crossAx val="156740608"/>
+        <c:crossAx val="128984192"/>
         <c:crosses val="autoZero"/>
         <c:crossBetween val="between"/>
       </c:valAx>
@@ -21951,11 +21961,11 @@
           <c:showBubbleSize val="0"/>
         </c:dLbls>
         <c:gapWidth val="150"/>
-        <c:axId val="156777472"/>
-        <c:axId val="156791552"/>
+        <c:axId val="129016960"/>
+        <c:axId val="129018496"/>
       </c:barChart>
       <c:catAx>
-        <c:axId val="156777472"/>
+        <c:axId val="129016960"/>
         <c:scaling>
           <c:orientation val="minMax"/>
         </c:scaling>
@@ -21965,7 +21975,7 @@
         <c:majorTickMark val="none"/>
         <c:minorTickMark val="none"/>
         <c:tickLblPos val="nextTo"/>
-        <c:crossAx val="156791552"/>
+        <c:crossAx val="129018496"/>
         <c:crosses val="autoZero"/>
         <c:auto val="1"/>
         <c:lblAlgn val="ctr"/>
@@ -21973,7 +21983,7 @@
         <c:noMultiLvlLbl val="0"/>
       </c:catAx>
       <c:valAx>
-        <c:axId val="156791552"/>
+        <c:axId val="129018496"/>
         <c:scaling>
           <c:orientation val="minMax"/>
           <c:max val="1"/>
@@ -21985,7 +21995,7 @@
         <c:majorTickMark val="none"/>
         <c:minorTickMark val="none"/>
         <c:tickLblPos val="nextTo"/>
-        <c:crossAx val="156777472"/>
+        <c:crossAx val="129016960"/>
         <c:crosses val="autoZero"/>
         <c:crossBetween val="between"/>
       </c:valAx>
@@ -22702,11 +22712,11 @@
           <c:showBubbleSize val="0"/>
         </c:dLbls>
         <c:gapWidth val="150"/>
-        <c:axId val="156806144"/>
-        <c:axId val="156807936"/>
+        <c:axId val="129578112"/>
+        <c:axId val="129579648"/>
       </c:barChart>
       <c:catAx>
-        <c:axId val="156806144"/>
+        <c:axId val="129578112"/>
         <c:scaling>
           <c:orientation val="minMax"/>
         </c:scaling>
@@ -22716,7 +22726,7 @@
         <c:majorTickMark val="none"/>
         <c:minorTickMark val="none"/>
         <c:tickLblPos val="nextTo"/>
-        <c:crossAx val="156807936"/>
+        <c:crossAx val="129579648"/>
         <c:crosses val="autoZero"/>
         <c:auto val="1"/>
         <c:lblAlgn val="ctr"/>
@@ -22724,7 +22734,7 @@
         <c:noMultiLvlLbl val="0"/>
       </c:catAx>
       <c:valAx>
-        <c:axId val="156807936"/>
+        <c:axId val="129579648"/>
         <c:scaling>
           <c:orientation val="minMax"/>
           <c:max val="1"/>
@@ -22736,7 +22746,7 @@
         <c:majorTickMark val="none"/>
         <c:minorTickMark val="none"/>
         <c:tickLblPos val="nextTo"/>
-        <c:crossAx val="156806144"/>
+        <c:crossAx val="129578112"/>
         <c:crosses val="autoZero"/>
         <c:crossBetween val="between"/>
       </c:valAx>
@@ -23453,11 +23463,11 @@
           <c:showBubbleSize val="0"/>
         </c:dLbls>
         <c:gapWidth val="150"/>
-        <c:axId val="156982272"/>
-        <c:axId val="156988160"/>
+        <c:axId val="129619072"/>
+        <c:axId val="129620608"/>
       </c:barChart>
       <c:catAx>
-        <c:axId val="156982272"/>
+        <c:axId val="129619072"/>
         <c:scaling>
           <c:orientation val="minMax"/>
         </c:scaling>
@@ -23467,7 +23477,7 @@
         <c:majorTickMark val="none"/>
         <c:minorTickMark val="none"/>
         <c:tickLblPos val="nextTo"/>
-        <c:crossAx val="156988160"/>
+        <c:crossAx val="129620608"/>
         <c:crosses val="autoZero"/>
         <c:auto val="1"/>
         <c:lblAlgn val="ctr"/>
@@ -23475,7 +23485,7 @@
         <c:noMultiLvlLbl val="0"/>
       </c:catAx>
       <c:valAx>
-        <c:axId val="156988160"/>
+        <c:axId val="129620608"/>
         <c:scaling>
           <c:orientation val="minMax"/>
         </c:scaling>
@@ -23486,7 +23496,7 @@
         <c:majorTickMark val="none"/>
         <c:minorTickMark val="none"/>
         <c:tickLblPos val="nextTo"/>
-        <c:crossAx val="156982272"/>
+        <c:crossAx val="129619072"/>
         <c:crosses val="autoZero"/>
         <c:crossBetween val="between"/>
       </c:valAx>
@@ -23889,11 +23899,11 @@
           <c:showBubbleSize val="0"/>
         </c:dLbls>
         <c:gapWidth val="150"/>
-        <c:axId val="157094656"/>
-        <c:axId val="157096192"/>
+        <c:axId val="129632896"/>
+        <c:axId val="129667456"/>
       </c:barChart>
       <c:catAx>
-        <c:axId val="157094656"/>
+        <c:axId val="129632896"/>
         <c:scaling>
           <c:orientation val="minMax"/>
         </c:scaling>
@@ -23902,7 +23912,7 @@
         <c:majorTickMark val="out"/>
         <c:minorTickMark val="none"/>
         <c:tickLblPos val="nextTo"/>
-        <c:crossAx val="157096192"/>
+        <c:crossAx val="129667456"/>
         <c:crosses val="autoZero"/>
         <c:auto val="1"/>
         <c:lblAlgn val="ctr"/>
@@ -23910,7 +23920,7 @@
         <c:noMultiLvlLbl val="0"/>
       </c:catAx>
       <c:valAx>
-        <c:axId val="157096192"/>
+        <c:axId val="129667456"/>
         <c:scaling>
           <c:orientation val="minMax"/>
           <c:max val="1"/>
@@ -23922,7 +23932,7 @@
         <c:majorTickMark val="out"/>
         <c:minorTickMark val="none"/>
         <c:tickLblPos val="nextTo"/>
-        <c:crossAx val="157094656"/>
+        <c:crossAx val="129632896"/>
         <c:crosses val="autoZero"/>
         <c:crossBetween val="between"/>
       </c:valAx>
@@ -24617,11 +24627,11 @@
           <c:showBubbleSize val="0"/>
         </c:dLbls>
         <c:gapWidth val="150"/>
-        <c:axId val="157139328"/>
-        <c:axId val="157140864"/>
+        <c:axId val="129693952"/>
+        <c:axId val="129708032"/>
       </c:barChart>
       <c:catAx>
-        <c:axId val="157139328"/>
+        <c:axId val="129693952"/>
         <c:scaling>
           <c:orientation val="minMax"/>
         </c:scaling>
@@ -24631,7 +24641,7 @@
         <c:majorTickMark val="out"/>
         <c:minorTickMark val="none"/>
         <c:tickLblPos val="nextTo"/>
-        <c:crossAx val="157140864"/>
+        <c:crossAx val="129708032"/>
         <c:crosses val="autoZero"/>
         <c:auto val="1"/>
         <c:lblAlgn val="ctr"/>
@@ -24639,7 +24649,7 @@
         <c:noMultiLvlLbl val="0"/>
       </c:catAx>
       <c:valAx>
-        <c:axId val="157140864"/>
+        <c:axId val="129708032"/>
         <c:scaling>
           <c:orientation val="minMax"/>
           <c:max val="1"/>
@@ -24651,7 +24661,7 @@
         <c:majorTickMark val="out"/>
         <c:minorTickMark val="none"/>
         <c:tickLblPos val="nextTo"/>
-        <c:crossAx val="157139328"/>
+        <c:crossAx val="129693952"/>
         <c:crosses val="autoZero"/>
         <c:crossBetween val="between"/>
       </c:valAx>
@@ -25550,11 +25560,11 @@
         </c:dLbls>
         <c:marker val="1"/>
         <c:smooth val="0"/>
-        <c:axId val="112291840"/>
-        <c:axId val="112293376"/>
+        <c:axId val="108442368"/>
+        <c:axId val="108443904"/>
       </c:lineChart>
       <c:catAx>
-        <c:axId val="112291840"/>
+        <c:axId val="108442368"/>
         <c:scaling>
           <c:orientation val="minMax"/>
         </c:scaling>
@@ -25564,7 +25574,7 @@
         <c:majorTickMark val="out"/>
         <c:minorTickMark val="none"/>
         <c:tickLblPos val="nextTo"/>
-        <c:crossAx val="112293376"/>
+        <c:crossAx val="108443904"/>
         <c:crosses val="autoZero"/>
         <c:auto val="1"/>
         <c:lblAlgn val="ctr"/>
@@ -25572,7 +25582,7 @@
         <c:noMultiLvlLbl val="0"/>
       </c:catAx>
       <c:valAx>
-        <c:axId val="112293376"/>
+        <c:axId val="108443904"/>
         <c:scaling>
           <c:orientation val="minMax"/>
           <c:max val="0.25"/>
@@ -25584,7 +25594,7 @@
         <c:majorTickMark val="out"/>
         <c:minorTickMark val="none"/>
         <c:tickLblPos val="nextTo"/>
-        <c:crossAx val="112291840"/>
+        <c:crossAx val="108442368"/>
         <c:crosses val="autoZero"/>
         <c:crossBetween val="between"/>
       </c:valAx>
@@ -25901,11 +25911,11 @@
           <c:showBubbleSize val="0"/>
         </c:dLbls>
         <c:gapWidth val="150"/>
-        <c:axId val="157173248"/>
-        <c:axId val="157174784"/>
+        <c:axId val="129740160"/>
+        <c:axId val="129746048"/>
       </c:barChart>
       <c:catAx>
-        <c:axId val="157173248"/>
+        <c:axId val="129740160"/>
         <c:scaling>
           <c:orientation val="minMax"/>
         </c:scaling>
@@ -25914,7 +25924,7 @@
         <c:majorTickMark val="out"/>
         <c:minorTickMark val="none"/>
         <c:tickLblPos val="nextTo"/>
-        <c:crossAx val="157174784"/>
+        <c:crossAx val="129746048"/>
         <c:crosses val="autoZero"/>
         <c:auto val="1"/>
         <c:lblAlgn val="ctr"/>
@@ -25922,7 +25932,7 @@
         <c:noMultiLvlLbl val="0"/>
       </c:catAx>
       <c:valAx>
-        <c:axId val="157174784"/>
+        <c:axId val="129746048"/>
         <c:scaling>
           <c:orientation val="minMax"/>
           <c:max val="1"/>
@@ -25934,7 +25944,7 @@
         <c:majorTickMark val="out"/>
         <c:minorTickMark val="none"/>
         <c:tickLblPos val="nextTo"/>
-        <c:crossAx val="157173248"/>
+        <c:crossAx val="129740160"/>
         <c:crosses val="autoZero"/>
         <c:crossBetween val="between"/>
       </c:valAx>
@@ -26653,11 +26663,11 @@
           <c:showBubbleSize val="0"/>
         </c:dLbls>
         <c:gapWidth val="150"/>
-        <c:axId val="157209728"/>
-        <c:axId val="157211264"/>
+        <c:axId val="129326080"/>
+        <c:axId val="129331968"/>
       </c:barChart>
       <c:catAx>
-        <c:axId val="157209728"/>
+        <c:axId val="129326080"/>
         <c:scaling>
           <c:orientation val="minMax"/>
         </c:scaling>
@@ -26667,7 +26677,7 @@
         <c:majorTickMark val="none"/>
         <c:minorTickMark val="none"/>
         <c:tickLblPos val="nextTo"/>
-        <c:crossAx val="157211264"/>
+        <c:crossAx val="129331968"/>
         <c:crosses val="autoZero"/>
         <c:auto val="1"/>
         <c:lblAlgn val="ctr"/>
@@ -26675,7 +26685,7 @@
         <c:noMultiLvlLbl val="0"/>
       </c:catAx>
       <c:valAx>
-        <c:axId val="157211264"/>
+        <c:axId val="129331968"/>
         <c:scaling>
           <c:orientation val="minMax"/>
           <c:max val="1"/>
@@ -26687,7 +26697,7 @@
         <c:majorTickMark val="none"/>
         <c:minorTickMark val="none"/>
         <c:tickLblPos val="nextTo"/>
-        <c:crossAx val="157209728"/>
+        <c:crossAx val="129326080"/>
         <c:crosses val="autoZero"/>
         <c:crossBetween val="between"/>
       </c:valAx>
@@ -27406,11 +27416,11 @@
           <c:showBubbleSize val="0"/>
         </c:dLbls>
         <c:gapWidth val="150"/>
-        <c:axId val="157258880"/>
-        <c:axId val="157260416"/>
+        <c:axId val="129367040"/>
+        <c:axId val="129434368"/>
       </c:barChart>
       <c:catAx>
-        <c:axId val="157258880"/>
+        <c:axId val="129367040"/>
         <c:scaling>
           <c:orientation val="minMax"/>
         </c:scaling>
@@ -27420,7 +27430,7 @@
         <c:majorTickMark val="none"/>
         <c:minorTickMark val="none"/>
         <c:tickLblPos val="nextTo"/>
-        <c:crossAx val="157260416"/>
+        <c:crossAx val="129434368"/>
         <c:crosses val="autoZero"/>
         <c:auto val="1"/>
         <c:lblAlgn val="ctr"/>
@@ -27428,7 +27438,7 @@
         <c:noMultiLvlLbl val="0"/>
       </c:catAx>
       <c:valAx>
-        <c:axId val="157260416"/>
+        <c:axId val="129434368"/>
         <c:scaling>
           <c:orientation val="minMax"/>
           <c:max val="1"/>
@@ -27440,7 +27450,7 @@
         <c:majorTickMark val="none"/>
         <c:minorTickMark val="none"/>
         <c:tickLblPos val="nextTo"/>
-        <c:crossAx val="157258880"/>
+        <c:crossAx val="129367040"/>
         <c:crosses val="autoZero"/>
         <c:crossBetween val="between"/>
       </c:valAx>
@@ -28159,11 +28169,11 @@
           <c:showBubbleSize val="0"/>
         </c:dLbls>
         <c:gapWidth val="150"/>
-        <c:axId val="157303936"/>
-        <c:axId val="157305472"/>
+        <c:axId val="129473536"/>
+        <c:axId val="129487616"/>
       </c:barChart>
       <c:catAx>
-        <c:axId val="157303936"/>
+        <c:axId val="129473536"/>
         <c:scaling>
           <c:orientation val="minMax"/>
         </c:scaling>
@@ -28173,7 +28183,7 @@
         <c:majorTickMark val="none"/>
         <c:minorTickMark val="none"/>
         <c:tickLblPos val="nextTo"/>
-        <c:crossAx val="157305472"/>
+        <c:crossAx val="129487616"/>
         <c:crosses val="autoZero"/>
         <c:auto val="1"/>
         <c:lblAlgn val="ctr"/>
@@ -28181,7 +28191,7 @@
         <c:noMultiLvlLbl val="0"/>
       </c:catAx>
       <c:valAx>
-        <c:axId val="157305472"/>
+        <c:axId val="129487616"/>
         <c:scaling>
           <c:orientation val="minMax"/>
           <c:max val="1"/>
@@ -28193,7 +28203,7 @@
         <c:majorTickMark val="none"/>
         <c:minorTickMark val="none"/>
         <c:tickLblPos val="nextTo"/>
-        <c:crossAx val="157303936"/>
+        <c:crossAx val="129473536"/>
         <c:crosses val="autoZero"/>
         <c:crossBetween val="between"/>
       </c:valAx>
@@ -28912,11 +28922,11 @@
           <c:showBubbleSize val="0"/>
         </c:dLbls>
         <c:gapWidth val="150"/>
-        <c:axId val="157340800"/>
-        <c:axId val="157342336"/>
+        <c:axId val="129506304"/>
+        <c:axId val="129512192"/>
       </c:barChart>
       <c:catAx>
-        <c:axId val="157340800"/>
+        <c:axId val="129506304"/>
         <c:scaling>
           <c:orientation val="minMax"/>
         </c:scaling>
@@ -28926,7 +28936,7 @@
         <c:majorTickMark val="none"/>
         <c:minorTickMark val="none"/>
         <c:tickLblPos val="nextTo"/>
-        <c:crossAx val="157342336"/>
+        <c:crossAx val="129512192"/>
         <c:crosses val="autoZero"/>
         <c:auto val="1"/>
         <c:lblAlgn val="ctr"/>
@@ -28934,7 +28944,7 @@
         <c:noMultiLvlLbl val="0"/>
       </c:catAx>
       <c:valAx>
-        <c:axId val="157342336"/>
+        <c:axId val="129512192"/>
         <c:scaling>
           <c:orientation val="minMax"/>
           <c:max val="1"/>
@@ -28946,7 +28956,7 @@
         <c:majorTickMark val="none"/>
         <c:minorTickMark val="none"/>
         <c:tickLblPos val="nextTo"/>
-        <c:crossAx val="157340800"/>
+        <c:crossAx val="129506304"/>
         <c:crosses val="autoZero"/>
         <c:crossBetween val="between"/>
       </c:valAx>
@@ -29194,11 +29204,11 @@
           <c:showBubbleSize val="0"/>
         </c:dLbls>
         <c:gapWidth val="150"/>
-        <c:axId val="157373568"/>
-        <c:axId val="157375104"/>
+        <c:axId val="129563648"/>
+        <c:axId val="130024192"/>
       </c:barChart>
       <c:catAx>
-        <c:axId val="157373568"/>
+        <c:axId val="129563648"/>
         <c:scaling>
           <c:orientation val="minMax"/>
         </c:scaling>
@@ -29207,7 +29217,7 @@
         <c:majorTickMark val="out"/>
         <c:minorTickMark val="none"/>
         <c:tickLblPos val="nextTo"/>
-        <c:crossAx val="157375104"/>
+        <c:crossAx val="130024192"/>
         <c:crosses val="autoZero"/>
         <c:auto val="1"/>
         <c:lblAlgn val="ctr"/>
@@ -29215,7 +29225,7 @@
         <c:noMultiLvlLbl val="0"/>
       </c:catAx>
       <c:valAx>
-        <c:axId val="157375104"/>
+        <c:axId val="130024192"/>
         <c:scaling>
           <c:orientation val="minMax"/>
           <c:max val="1"/>
@@ -29227,7 +29237,7 @@
         <c:majorTickMark val="out"/>
         <c:minorTickMark val="none"/>
         <c:tickLblPos val="nextTo"/>
-        <c:crossAx val="157373568"/>
+        <c:crossAx val="129563648"/>
         <c:crosses val="autoZero"/>
         <c:crossBetween val="between"/>
       </c:valAx>
@@ -29640,11 +29650,11 @@
           <c:showBubbleSize val="0"/>
         </c:dLbls>
         <c:gapWidth val="150"/>
-        <c:axId val="157411584"/>
-        <c:axId val="157413376"/>
+        <c:axId val="130064768"/>
+        <c:axId val="130066304"/>
       </c:barChart>
       <c:catAx>
-        <c:axId val="157411584"/>
+        <c:axId val="130064768"/>
         <c:scaling>
           <c:orientation val="minMax"/>
         </c:scaling>
@@ -29653,7 +29663,7 @@
         <c:majorTickMark val="out"/>
         <c:minorTickMark val="none"/>
         <c:tickLblPos val="nextTo"/>
-        <c:crossAx val="157413376"/>
+        <c:crossAx val="130066304"/>
         <c:crosses val="autoZero"/>
         <c:auto val="1"/>
         <c:lblAlgn val="ctr"/>
@@ -29661,7 +29671,7 @@
         <c:noMultiLvlLbl val="0"/>
       </c:catAx>
       <c:valAx>
-        <c:axId val="157413376"/>
+        <c:axId val="130066304"/>
         <c:scaling>
           <c:orientation val="minMax"/>
         </c:scaling>
@@ -29672,7 +29682,7 @@
         <c:majorTickMark val="out"/>
         <c:minorTickMark val="none"/>
         <c:tickLblPos val="nextTo"/>
-        <c:crossAx val="157411584"/>
+        <c:crossAx val="130064768"/>
         <c:crosses val="autoZero"/>
         <c:crossBetween val="between"/>
       </c:valAx>
@@ -29947,11 +29957,11 @@
           <c:showBubbleSize val="0"/>
         </c:dLbls>
         <c:gapWidth val="150"/>
-        <c:axId val="157460736"/>
-        <c:axId val="157462528"/>
+        <c:axId val="130167168"/>
+        <c:axId val="130168704"/>
       </c:barChart>
       <c:catAx>
-        <c:axId val="157460736"/>
+        <c:axId val="130167168"/>
         <c:scaling>
           <c:orientation val="minMax"/>
         </c:scaling>
@@ -29970,7 +29980,7 @@
             <a:endParaRPr lang="en-US"/>
           </a:p>
         </c:txPr>
-        <c:crossAx val="157462528"/>
+        <c:crossAx val="130168704"/>
         <c:crosses val="autoZero"/>
         <c:auto val="1"/>
         <c:lblAlgn val="ctr"/>
@@ -29978,7 +29988,7 @@
         <c:noMultiLvlLbl val="0"/>
       </c:catAx>
       <c:valAx>
-        <c:axId val="157462528"/>
+        <c:axId val="130168704"/>
         <c:scaling>
           <c:orientation val="minMax"/>
           <c:max val="1"/>
@@ -30000,7 +30010,7 @@
             <a:endParaRPr lang="en-US"/>
           </a:p>
         </c:txPr>
-        <c:crossAx val="157460736"/>
+        <c:crossAx val="130167168"/>
         <c:crosses val="autoZero"/>
         <c:crossBetween val="between"/>
       </c:valAx>
@@ -30122,11 +30132,11 @@
           <c:showBubbleSize val="0"/>
         </c:dLbls>
         <c:gapWidth val="150"/>
-        <c:axId val="157479680"/>
-        <c:axId val="157481216"/>
+        <c:axId val="130189952"/>
+        <c:axId val="130191744"/>
       </c:barChart>
       <c:catAx>
-        <c:axId val="157479680"/>
+        <c:axId val="130189952"/>
         <c:scaling>
           <c:orientation val="minMax"/>
         </c:scaling>
@@ -30135,7 +30145,7 @@
         <c:majorTickMark val="out"/>
         <c:minorTickMark val="none"/>
         <c:tickLblPos val="nextTo"/>
-        <c:crossAx val="157481216"/>
+        <c:crossAx val="130191744"/>
         <c:crosses val="autoZero"/>
         <c:auto val="1"/>
         <c:lblAlgn val="ctr"/>
@@ -30143,7 +30153,7 @@
         <c:noMultiLvlLbl val="0"/>
       </c:catAx>
       <c:valAx>
-        <c:axId val="157481216"/>
+        <c:axId val="130191744"/>
         <c:scaling>
           <c:orientation val="minMax"/>
         </c:scaling>
@@ -30154,7 +30164,7 @@
         <c:majorTickMark val="out"/>
         <c:minorTickMark val="none"/>
         <c:tickLblPos val="nextTo"/>
-        <c:crossAx val="157479680"/>
+        <c:crossAx val="130189952"/>
         <c:crosses val="autoZero"/>
         <c:crossBetween val="between"/>
       </c:valAx>
@@ -30461,11 +30471,11 @@
           <c:showBubbleSize val="0"/>
         </c:dLbls>
         <c:gapWidth val="150"/>
-        <c:axId val="157524352"/>
-        <c:axId val="157525888"/>
+        <c:axId val="130095360"/>
+        <c:axId val="130101248"/>
       </c:barChart>
       <c:catAx>
-        <c:axId val="157524352"/>
+        <c:axId val="130095360"/>
         <c:scaling>
           <c:orientation val="minMax"/>
         </c:scaling>
@@ -30474,7 +30484,7 @@
         <c:majorTickMark val="out"/>
         <c:minorTickMark val="none"/>
         <c:tickLblPos val="nextTo"/>
-        <c:crossAx val="157525888"/>
+        <c:crossAx val="130101248"/>
         <c:crosses val="autoZero"/>
         <c:auto val="1"/>
         <c:lblAlgn val="ctr"/>
@@ -30482,7 +30492,7 @@
         <c:noMultiLvlLbl val="0"/>
       </c:catAx>
       <c:valAx>
-        <c:axId val="157525888"/>
+        <c:axId val="130101248"/>
         <c:scaling>
           <c:orientation val="minMax"/>
           <c:max val="1"/>
@@ -30494,7 +30504,7 @@
         <c:majorTickMark val="out"/>
         <c:minorTickMark val="none"/>
         <c:tickLblPos val="nextTo"/>
-        <c:crossAx val="157524352"/>
+        <c:crossAx val="130095360"/>
         <c:crosses val="autoZero"/>
         <c:crossBetween val="between"/>
       </c:valAx>
@@ -31393,11 +31403,11 @@
         </c:dLbls>
         <c:marker val="1"/>
         <c:smooth val="0"/>
-        <c:axId val="112313472"/>
-        <c:axId val="112315008"/>
+        <c:axId val="108279680"/>
+        <c:axId val="108281216"/>
       </c:lineChart>
       <c:catAx>
-        <c:axId val="112313472"/>
+        <c:axId val="108279680"/>
         <c:scaling>
           <c:orientation val="minMax"/>
         </c:scaling>
@@ -31407,7 +31417,7 @@
         <c:majorTickMark val="out"/>
         <c:minorTickMark val="none"/>
         <c:tickLblPos val="nextTo"/>
-        <c:crossAx val="112315008"/>
+        <c:crossAx val="108281216"/>
         <c:crosses val="autoZero"/>
         <c:auto val="1"/>
         <c:lblAlgn val="ctr"/>
@@ -31415,7 +31425,7 @@
         <c:noMultiLvlLbl val="0"/>
       </c:catAx>
       <c:valAx>
-        <c:axId val="112315008"/>
+        <c:axId val="108281216"/>
         <c:scaling>
           <c:orientation val="minMax"/>
         </c:scaling>
@@ -31426,7 +31436,7 @@
         <c:majorTickMark val="out"/>
         <c:minorTickMark val="none"/>
         <c:tickLblPos val="nextTo"/>
-        <c:crossAx val="112313472"/>
+        <c:crossAx val="108279680"/>
         <c:crosses val="autoZero"/>
         <c:crossBetween val="between"/>
       </c:valAx>
@@ -31679,11 +31689,11 @@
           <c:showBubbleSize val="0"/>
         </c:dLbls>
         <c:gapWidth val="150"/>
-        <c:axId val="157539712"/>
-        <c:axId val="157631616"/>
+        <c:axId val="130131456"/>
+        <c:axId val="130132992"/>
       </c:barChart>
       <c:catAx>
-        <c:axId val="157539712"/>
+        <c:axId val="130131456"/>
         <c:scaling>
           <c:orientation val="minMax"/>
         </c:scaling>
@@ -31692,7 +31702,7 @@
         <c:majorTickMark val="none"/>
         <c:minorTickMark val="none"/>
         <c:tickLblPos val="nextTo"/>
-        <c:crossAx val="157631616"/>
+        <c:crossAx val="130132992"/>
         <c:crosses val="autoZero"/>
         <c:auto val="1"/>
         <c:lblAlgn val="ctr"/>
@@ -31700,7 +31710,7 @@
         <c:noMultiLvlLbl val="0"/>
       </c:catAx>
       <c:valAx>
-        <c:axId val="157631616"/>
+        <c:axId val="130132992"/>
         <c:scaling>
           <c:orientation val="minMax"/>
         </c:scaling>
@@ -31711,7 +31721,7 @@
         <c:majorTickMark val="none"/>
         <c:minorTickMark val="none"/>
         <c:tickLblPos val="nextTo"/>
-        <c:crossAx val="157539712"/>
+        <c:crossAx val="130131456"/>
         <c:crosses val="autoZero"/>
         <c:crossBetween val="between"/>
       </c:valAx>
@@ -31949,11 +31959,11 @@
           <c:showBubbleSize val="0"/>
         </c:dLbls>
         <c:gapWidth val="150"/>
-        <c:axId val="157644288"/>
-        <c:axId val="157645824"/>
+        <c:axId val="130293120"/>
+        <c:axId val="130294912"/>
       </c:barChart>
       <c:catAx>
-        <c:axId val="157644288"/>
+        <c:axId val="130293120"/>
         <c:scaling>
           <c:orientation val="minMax"/>
         </c:scaling>
@@ -31962,7 +31972,7 @@
         <c:majorTickMark val="none"/>
         <c:minorTickMark val="none"/>
         <c:tickLblPos val="nextTo"/>
-        <c:crossAx val="157645824"/>
+        <c:crossAx val="130294912"/>
         <c:crosses val="autoZero"/>
         <c:auto val="1"/>
         <c:lblAlgn val="ctr"/>
@@ -31970,7 +31980,7 @@
         <c:noMultiLvlLbl val="0"/>
       </c:catAx>
       <c:valAx>
-        <c:axId val="157645824"/>
+        <c:axId val="130294912"/>
         <c:scaling>
           <c:orientation val="minMax"/>
           <c:max val="1"/>
@@ -31982,7 +31992,7 @@
         <c:majorTickMark val="none"/>
         <c:minorTickMark val="none"/>
         <c:tickLblPos val="nextTo"/>
-        <c:crossAx val="157644288"/>
+        <c:crossAx val="130293120"/>
         <c:crosses val="autoZero"/>
         <c:crossBetween val="between"/>
       </c:valAx>
@@ -32220,11 +32230,11 @@
           <c:showBubbleSize val="0"/>
         </c:dLbls>
         <c:gapWidth val="150"/>
-        <c:axId val="157670784"/>
-        <c:axId val="157672576"/>
+        <c:axId val="130311680"/>
+        <c:axId val="130313216"/>
       </c:barChart>
       <c:catAx>
-        <c:axId val="157670784"/>
+        <c:axId val="130311680"/>
         <c:scaling>
           <c:orientation val="minMax"/>
         </c:scaling>
@@ -32233,7 +32243,7 @@
         <c:majorTickMark val="none"/>
         <c:minorTickMark val="none"/>
         <c:tickLblPos val="nextTo"/>
-        <c:crossAx val="157672576"/>
+        <c:crossAx val="130313216"/>
         <c:crosses val="autoZero"/>
         <c:auto val="1"/>
         <c:lblAlgn val="ctr"/>
@@ -32241,7 +32251,7 @@
         <c:noMultiLvlLbl val="0"/>
       </c:catAx>
       <c:valAx>
-        <c:axId val="157672576"/>
+        <c:axId val="130313216"/>
         <c:scaling>
           <c:orientation val="minMax"/>
           <c:max val="1"/>
@@ -32253,7 +32263,7 @@
         <c:majorTickMark val="none"/>
         <c:minorTickMark val="none"/>
         <c:tickLblPos val="nextTo"/>
-        <c:crossAx val="157670784"/>
+        <c:crossAx val="130311680"/>
         <c:crosses val="autoZero"/>
         <c:crossBetween val="between"/>
       </c:valAx>
@@ -32491,11 +32501,11 @@
           <c:showBubbleSize val="0"/>
         </c:dLbls>
         <c:gapWidth val="150"/>
-        <c:axId val="157713920"/>
-        <c:axId val="157715456"/>
+        <c:axId val="130329984"/>
+        <c:axId val="130352256"/>
       </c:barChart>
       <c:catAx>
-        <c:axId val="157713920"/>
+        <c:axId val="130329984"/>
         <c:scaling>
           <c:orientation val="minMax"/>
         </c:scaling>
@@ -32504,7 +32514,7 @@
         <c:majorTickMark val="none"/>
         <c:minorTickMark val="none"/>
         <c:tickLblPos val="nextTo"/>
-        <c:crossAx val="157715456"/>
+        <c:crossAx val="130352256"/>
         <c:crosses val="autoZero"/>
         <c:auto val="1"/>
         <c:lblAlgn val="ctr"/>
@@ -32512,7 +32522,7 @@
         <c:noMultiLvlLbl val="0"/>
       </c:catAx>
       <c:valAx>
-        <c:axId val="157715456"/>
+        <c:axId val="130352256"/>
         <c:scaling>
           <c:orientation val="minMax"/>
         </c:scaling>
@@ -32523,7 +32533,7 @@
         <c:majorTickMark val="none"/>
         <c:minorTickMark val="none"/>
         <c:tickLblPos val="nextTo"/>
-        <c:crossAx val="157713920"/>
+        <c:crossAx val="130329984"/>
         <c:crosses val="autoZero"/>
         <c:crossBetween val="between"/>
       </c:valAx>
@@ -32761,11 +32771,11 @@
           <c:showBubbleSize val="0"/>
         </c:dLbls>
         <c:gapWidth val="150"/>
-        <c:axId val="158018944"/>
-        <c:axId val="158028928"/>
+        <c:axId val="130389504"/>
+        <c:axId val="130391040"/>
       </c:barChart>
       <c:catAx>
-        <c:axId val="158018944"/>
+        <c:axId val="130389504"/>
         <c:scaling>
           <c:orientation val="minMax"/>
         </c:scaling>
@@ -32774,7 +32784,7 @@
         <c:majorTickMark val="none"/>
         <c:minorTickMark val="none"/>
         <c:tickLblPos val="nextTo"/>
-        <c:crossAx val="158028928"/>
+        <c:crossAx val="130391040"/>
         <c:crosses val="autoZero"/>
         <c:auto val="1"/>
         <c:lblAlgn val="ctr"/>
@@ -32782,7 +32792,7 @@
         <c:noMultiLvlLbl val="0"/>
       </c:catAx>
       <c:valAx>
-        <c:axId val="158028928"/>
+        <c:axId val="130391040"/>
         <c:scaling>
           <c:orientation val="minMax"/>
           <c:max val="1"/>
@@ -32794,7 +32804,7 @@
         <c:majorTickMark val="none"/>
         <c:minorTickMark val="none"/>
         <c:tickLblPos val="nextTo"/>
-        <c:crossAx val="158018944"/>
+        <c:crossAx val="130389504"/>
         <c:crosses val="autoZero"/>
         <c:crossBetween val="between"/>
       </c:valAx>
@@ -32987,11 +32997,11 @@
           <c:showBubbleSize val="0"/>
         </c:dLbls>
         <c:gapWidth val="150"/>
-        <c:axId val="158050944"/>
-        <c:axId val="158056832"/>
+        <c:axId val="130425600"/>
+        <c:axId val="130427136"/>
       </c:barChart>
       <c:catAx>
-        <c:axId val="158050944"/>
+        <c:axId val="130425600"/>
         <c:scaling>
           <c:orientation val="minMax"/>
         </c:scaling>
@@ -33000,7 +33010,7 @@
         <c:majorTickMark val="none"/>
         <c:minorTickMark val="none"/>
         <c:tickLblPos val="nextTo"/>
-        <c:crossAx val="158056832"/>
+        <c:crossAx val="130427136"/>
         <c:crosses val="autoZero"/>
         <c:auto val="1"/>
         <c:lblAlgn val="ctr"/>
@@ -33008,7 +33018,7 @@
         <c:noMultiLvlLbl val="0"/>
       </c:catAx>
       <c:valAx>
-        <c:axId val="158056832"/>
+        <c:axId val="130427136"/>
         <c:scaling>
           <c:orientation val="minMax"/>
           <c:max val="1"/>
@@ -33020,7 +33030,7 @@
         <c:majorTickMark val="none"/>
         <c:minorTickMark val="none"/>
         <c:tickLblPos val="nextTo"/>
-        <c:crossAx val="158050944"/>
+        <c:crossAx val="130425600"/>
         <c:crosses val="autoZero"/>
         <c:crossBetween val="between"/>
       </c:valAx>
@@ -33203,11 +33213,11 @@
           <c:showBubbleSize val="0"/>
         </c:dLbls>
         <c:gapWidth val="150"/>
-        <c:axId val="143864960"/>
-        <c:axId val="143866496"/>
+        <c:axId val="130456576"/>
+        <c:axId val="130462464"/>
       </c:barChart>
       <c:catAx>
-        <c:axId val="143864960"/>
+        <c:axId val="130456576"/>
         <c:scaling>
           <c:orientation val="minMax"/>
         </c:scaling>
@@ -33216,7 +33226,7 @@
         <c:majorTickMark val="none"/>
         <c:minorTickMark val="none"/>
         <c:tickLblPos val="nextTo"/>
-        <c:crossAx val="143866496"/>
+        <c:crossAx val="130462464"/>
         <c:crosses val="autoZero"/>
         <c:auto val="1"/>
         <c:lblAlgn val="ctr"/>
@@ -33224,7 +33234,7 @@
         <c:noMultiLvlLbl val="0"/>
       </c:catAx>
       <c:valAx>
-        <c:axId val="143866496"/>
+        <c:axId val="130462464"/>
         <c:scaling>
           <c:orientation val="minMax"/>
           <c:max val="1"/>
@@ -33236,7 +33246,7 @@
         <c:majorTickMark val="none"/>
         <c:minorTickMark val="none"/>
         <c:tickLblPos val="nextTo"/>
-        <c:crossAx val="143864960"/>
+        <c:crossAx val="130456576"/>
         <c:crosses val="autoZero"/>
         <c:crossBetween val="between"/>
       </c:valAx>
@@ -34498,11 +34508,11 @@
         </c:dLbls>
         <c:marker val="1"/>
         <c:smooth val="0"/>
-        <c:axId val="112486656"/>
-        <c:axId val="112488448"/>
+        <c:axId val="108301312"/>
+        <c:axId val="108307200"/>
       </c:lineChart>
       <c:catAx>
-        <c:axId val="112486656"/>
+        <c:axId val="108301312"/>
         <c:scaling>
           <c:orientation val="minMax"/>
         </c:scaling>
@@ -34512,7 +34522,7 @@
         <c:majorTickMark val="out"/>
         <c:minorTickMark val="none"/>
         <c:tickLblPos val="nextTo"/>
-        <c:crossAx val="112488448"/>
+        <c:crossAx val="108307200"/>
         <c:crosses val="autoZero"/>
         <c:auto val="1"/>
         <c:lblAlgn val="ctr"/>
@@ -34520,7 +34530,7 @@
         <c:noMultiLvlLbl val="0"/>
       </c:catAx>
       <c:valAx>
-        <c:axId val="112488448"/>
+        <c:axId val="108307200"/>
         <c:scaling>
           <c:orientation val="minMax"/>
           <c:max val="0.25"/>
@@ -34532,7 +34542,7 @@
         <c:majorTickMark val="out"/>
         <c:minorTickMark val="none"/>
         <c:tickLblPos val="nextTo"/>
-        <c:crossAx val="112486656"/>
+        <c:crossAx val="108301312"/>
         <c:crosses val="autoZero"/>
         <c:crossBetween val="between"/>
       </c:valAx>
@@ -35180,11 +35190,11 @@
           <c:showBubbleSize val="0"/>
         </c:dLbls>
         <c:gapWidth val="150"/>
-        <c:axId val="158385280"/>
-        <c:axId val="158386816"/>
+        <c:axId val="128216064"/>
+        <c:axId val="128221952"/>
       </c:barChart>
       <c:catAx>
-        <c:axId val="158385280"/>
+        <c:axId val="128216064"/>
         <c:scaling>
           <c:orientation val="minMax"/>
         </c:scaling>
@@ -35193,7 +35203,7 @@
         <c:majorTickMark val="out"/>
         <c:minorTickMark val="none"/>
         <c:tickLblPos val="nextTo"/>
-        <c:crossAx val="158386816"/>
+        <c:crossAx val="128221952"/>
         <c:crosses val="autoZero"/>
         <c:auto val="1"/>
         <c:lblAlgn val="ctr"/>
@@ -35201,7 +35211,7 @@
         <c:noMultiLvlLbl val="0"/>
       </c:catAx>
       <c:valAx>
-        <c:axId val="158386816"/>
+        <c:axId val="128221952"/>
         <c:scaling>
           <c:orientation val="minMax"/>
         </c:scaling>
@@ -35212,7 +35222,7 @@
         <c:majorTickMark val="out"/>
         <c:minorTickMark val="none"/>
         <c:tickLblPos val="nextTo"/>
-        <c:crossAx val="158385280"/>
+        <c:crossAx val="128216064"/>
         <c:crosses val="autoZero"/>
         <c:crossBetween val="between"/>
       </c:valAx>
@@ -35424,11 +35434,11 @@
           <c:showBubbleSize val="0"/>
         </c:dLbls>
         <c:gapWidth val="150"/>
-        <c:axId val="158075904"/>
-        <c:axId val="158081792"/>
+        <c:axId val="129832064"/>
+        <c:axId val="129833600"/>
       </c:barChart>
       <c:catAx>
-        <c:axId val="158075904"/>
+        <c:axId val="129832064"/>
         <c:scaling>
           <c:orientation val="minMax"/>
         </c:scaling>
@@ -35437,7 +35447,7 @@
         <c:majorTickMark val="out"/>
         <c:minorTickMark val="none"/>
         <c:tickLblPos val="nextTo"/>
-        <c:crossAx val="158081792"/>
+        <c:crossAx val="129833600"/>
         <c:crosses val="autoZero"/>
         <c:auto val="1"/>
         <c:lblAlgn val="ctr"/>
@@ -35445,7 +35455,7 @@
         <c:noMultiLvlLbl val="0"/>
       </c:catAx>
       <c:valAx>
-        <c:axId val="158081792"/>
+        <c:axId val="129833600"/>
         <c:scaling>
           <c:orientation val="minMax"/>
         </c:scaling>
@@ -35456,7 +35466,7 @@
         <c:majorTickMark val="out"/>
         <c:minorTickMark val="none"/>
         <c:tickLblPos val="nextTo"/>
-        <c:crossAx val="158075904"/>
+        <c:crossAx val="129832064"/>
         <c:crosses val="autoZero"/>
         <c:crossBetween val="between"/>
       </c:valAx>
@@ -37159,11 +37169,11 @@
           <c:showPercent val="0"/>
           <c:showBubbleSize val="0"/>
         </c:dLbls>
-        <c:axId val="112496000"/>
-        <c:axId val="112535808"/>
+        <c:axId val="127256064"/>
+        <c:axId val="127611264"/>
       </c:scatterChart>
       <c:valAx>
-        <c:axId val="112496000"/>
+        <c:axId val="127256064"/>
         <c:scaling>
           <c:orientation val="minMax"/>
         </c:scaling>
@@ -37172,12 +37182,12 @@
         <c:majorTickMark val="out"/>
         <c:minorTickMark val="none"/>
         <c:tickLblPos val="nextTo"/>
-        <c:crossAx val="112535808"/>
+        <c:crossAx val="127611264"/>
         <c:crosses val="autoZero"/>
         <c:crossBetween val="midCat"/>
       </c:valAx>
       <c:valAx>
-        <c:axId val="112535808"/>
+        <c:axId val="127611264"/>
         <c:scaling>
           <c:orientation val="maxMin"/>
           <c:max val="0.1"/>
@@ -37209,7 +37219,7 @@
         <c:majorTickMark val="out"/>
         <c:minorTickMark val="none"/>
         <c:tickLblPos val="nextTo"/>
-        <c:crossAx val="112496000"/>
+        <c:crossAx val="127256064"/>
         <c:crosses val="autoZero"/>
         <c:crossBetween val="midCat"/>
       </c:valAx>
@@ -38892,11 +38902,11 @@
           <c:showPercent val="0"/>
           <c:showBubbleSize val="0"/>
         </c:dLbls>
-        <c:axId val="112555520"/>
-        <c:axId val="112570752"/>
+        <c:axId val="127630720"/>
+        <c:axId val="127645952"/>
       </c:scatterChart>
       <c:valAx>
-        <c:axId val="112555520"/>
+        <c:axId val="127630720"/>
         <c:scaling>
           <c:orientation val="minMax"/>
         </c:scaling>
@@ -38905,12 +38915,12 @@
         <c:majorTickMark val="out"/>
         <c:minorTickMark val="none"/>
         <c:tickLblPos val="nextTo"/>
-        <c:crossAx val="112570752"/>
+        <c:crossAx val="127645952"/>
         <c:crosses val="autoZero"/>
         <c:crossBetween val="midCat"/>
       </c:valAx>
       <c:valAx>
-        <c:axId val="112570752"/>
+        <c:axId val="127645952"/>
         <c:scaling>
           <c:orientation val="maxMin"/>
           <c:max val="0.1"/>
@@ -38947,7 +38957,7 @@
         <c:majorTickMark val="out"/>
         <c:minorTickMark val="none"/>
         <c:tickLblPos val="nextTo"/>
-        <c:crossAx val="112555520"/>
+        <c:crossAx val="127630720"/>
         <c:crosses val="autoZero"/>
         <c:crossBetween val="midCat"/>
       </c:valAx>
@@ -39044,7 +39054,7 @@
           <a:p>
             <a:fld id="{47053D67-9EBB-4456-BEF1-A4108CD1C887}" type="datetimeFigureOut">
               <a:rPr lang="es-ES" smtClean="0"/>
-              <a:t>05/06/2015</a:t>
+              <a:t>18/06/2015</a:t>
             </a:fld>
             <a:endParaRPr lang="es-ES"/>
           </a:p>
@@ -39480,6 +39490,90 @@
 </p:notes>
 </file>
 
+<file path=ppt/notesSlides/notesSlide3.xml><?xml version="1.0" encoding="utf-8"?>
+<p:notes xmlns:a="http://schemas.openxmlformats.org/drawingml/2006/main" xmlns:r="http://schemas.openxmlformats.org/officeDocument/2006/relationships" xmlns:p="http://schemas.openxmlformats.org/presentationml/2006/main">
+  <p:cSld>
+    <p:spTree>
+      <p:nvGrpSpPr>
+        <p:cNvPr id="1" name=""/>
+        <p:cNvGrpSpPr/>
+        <p:nvPr/>
+      </p:nvGrpSpPr>
+      <p:grpSpPr>
+        <a:xfrm>
+          <a:off x="0" y="0"/>
+          <a:ext cx="0" cy="0"/>
+          <a:chOff x="0" y="0"/>
+          <a:chExt cx="0" cy="0"/>
+        </a:xfrm>
+      </p:grpSpPr>
+      <p:sp>
+        <p:nvSpPr>
+          <p:cNvPr id="2" name="1 Marcador de imagen de diapositiva"/>
+          <p:cNvSpPr>
+            <a:spLocks noGrp="1" noRot="1" noChangeAspect="1"/>
+          </p:cNvSpPr>
+          <p:nvPr>
+            <p:ph type="sldImg"/>
+          </p:nvPr>
+        </p:nvSpPr>
+        <p:spPr/>
+      </p:sp>
+      <p:sp>
+        <p:nvSpPr>
+          <p:cNvPr id="3" name="2 Marcador de notas"/>
+          <p:cNvSpPr>
+            <a:spLocks noGrp="1"/>
+          </p:cNvSpPr>
+          <p:nvPr>
+            <p:ph type="body" idx="1"/>
+          </p:nvPr>
+        </p:nvSpPr>
+        <p:spPr/>
+        <p:txBody>
+          <a:bodyPr/>
+          <a:lstStyle/>
+          <a:p>
+            <a:endParaRPr lang="en-US" dirty="0"/>
+          </a:p>
+        </p:txBody>
+      </p:sp>
+      <p:sp>
+        <p:nvSpPr>
+          <p:cNvPr id="4" name="3 Marcador de número de diapositiva"/>
+          <p:cNvSpPr>
+            <a:spLocks noGrp="1"/>
+          </p:cNvSpPr>
+          <p:nvPr>
+            <p:ph type="sldNum" sz="quarter" idx="10"/>
+          </p:nvPr>
+        </p:nvSpPr>
+        <p:spPr/>
+        <p:txBody>
+          <a:bodyPr/>
+          <a:lstStyle/>
+          <a:p>
+            <a:fld id="{DABE78E0-8AF9-4C58-8B4C-B80F7D6B1763}" type="slidenum">
+              <a:rPr lang="es-ES" smtClean="0"/>
+              <a:t>55</a:t>
+            </a:fld>
+            <a:endParaRPr lang="es-ES"/>
+          </a:p>
+        </p:txBody>
+      </p:sp>
+    </p:spTree>
+    <p:extLst>
+      <p:ext uri="{BB962C8B-B14F-4D97-AF65-F5344CB8AC3E}">
+        <p14:creationId xmlns:p14="http://schemas.microsoft.com/office/powerpoint/2010/main" val="2776408085"/>
+      </p:ext>
+    </p:extLst>
+  </p:cSld>
+  <p:clrMapOvr>
+    <a:masterClrMapping/>
+  </p:clrMapOvr>
+</p:notes>
+</file>
+
 <file path=ppt/slideLayouts/slideLayout1.xml><?xml version="1.0" encoding="utf-8"?>
 <p:sldLayout xmlns:a="http://schemas.openxmlformats.org/drawingml/2006/main" xmlns:r="http://schemas.openxmlformats.org/officeDocument/2006/relationships" xmlns:p="http://schemas.openxmlformats.org/presentationml/2006/main" type="title" preserve="1">
   <p:cSld name="Title Slide">
@@ -39661,7 +39755,7 @@
           <a:p>
             <a:fld id="{D8DA5178-521C-4D8E-9777-3CA29D9D7BA2}" type="datetimeFigureOut">
               <a:rPr lang="en-US" smtClean="0"/>
-              <a:t>6/5/2015</a:t>
+              <a:t>6/18/2015</a:t>
             </a:fld>
             <a:endParaRPr lang="en-US"/>
           </a:p>
@@ -39831,7 +39925,7 @@
           <a:p>
             <a:fld id="{D8DA5178-521C-4D8E-9777-3CA29D9D7BA2}" type="datetimeFigureOut">
               <a:rPr lang="en-US" smtClean="0"/>
-              <a:t>6/5/2015</a:t>
+              <a:t>6/18/2015</a:t>
             </a:fld>
             <a:endParaRPr lang="en-US"/>
           </a:p>
@@ -40011,7 +40105,7 @@
           <a:p>
             <a:fld id="{D8DA5178-521C-4D8E-9777-3CA29D9D7BA2}" type="datetimeFigureOut">
               <a:rPr lang="en-US" smtClean="0"/>
-              <a:t>6/5/2015</a:t>
+              <a:t>6/18/2015</a:t>
             </a:fld>
             <a:endParaRPr lang="en-US"/>
           </a:p>
@@ -40181,7 +40275,7 @@
           <a:p>
             <a:fld id="{D8DA5178-521C-4D8E-9777-3CA29D9D7BA2}" type="datetimeFigureOut">
               <a:rPr lang="en-US" smtClean="0"/>
-              <a:t>6/5/2015</a:t>
+              <a:t>6/18/2015</a:t>
             </a:fld>
             <a:endParaRPr lang="en-US"/>
           </a:p>
@@ -40427,7 +40521,7 @@
           <a:p>
             <a:fld id="{D8DA5178-521C-4D8E-9777-3CA29D9D7BA2}" type="datetimeFigureOut">
               <a:rPr lang="en-US" smtClean="0"/>
-              <a:t>6/5/2015</a:t>
+              <a:t>6/18/2015</a:t>
             </a:fld>
             <a:endParaRPr lang="en-US"/>
           </a:p>
@@ -40715,7 +40809,7 @@
           <a:p>
             <a:fld id="{D8DA5178-521C-4D8E-9777-3CA29D9D7BA2}" type="datetimeFigureOut">
               <a:rPr lang="en-US" smtClean="0"/>
-              <a:t>6/5/2015</a:t>
+              <a:t>6/18/2015</a:t>
             </a:fld>
             <a:endParaRPr lang="en-US"/>
           </a:p>
@@ -41137,7 +41231,7 @@
           <a:p>
             <a:fld id="{D8DA5178-521C-4D8E-9777-3CA29D9D7BA2}" type="datetimeFigureOut">
               <a:rPr lang="en-US" smtClean="0"/>
-              <a:t>6/5/2015</a:t>
+              <a:t>6/18/2015</a:t>
             </a:fld>
             <a:endParaRPr lang="en-US"/>
           </a:p>
@@ -41255,7 +41349,7 @@
           <a:p>
             <a:fld id="{D8DA5178-521C-4D8E-9777-3CA29D9D7BA2}" type="datetimeFigureOut">
               <a:rPr lang="en-US" smtClean="0"/>
-              <a:t>6/5/2015</a:t>
+              <a:t>6/18/2015</a:t>
             </a:fld>
             <a:endParaRPr lang="en-US"/>
           </a:p>
@@ -41350,7 +41444,7 @@
           <a:p>
             <a:fld id="{D8DA5178-521C-4D8E-9777-3CA29D9D7BA2}" type="datetimeFigureOut">
               <a:rPr lang="en-US" smtClean="0"/>
-              <a:t>6/5/2015</a:t>
+              <a:t>6/18/2015</a:t>
             </a:fld>
             <a:endParaRPr lang="en-US"/>
           </a:p>
@@ -41627,7 +41721,7 @@
           <a:p>
             <a:fld id="{D8DA5178-521C-4D8E-9777-3CA29D9D7BA2}" type="datetimeFigureOut">
               <a:rPr lang="en-US" smtClean="0"/>
-              <a:t>6/5/2015</a:t>
+              <a:t>6/18/2015</a:t>
             </a:fld>
             <a:endParaRPr lang="en-US"/>
           </a:p>
@@ -41880,7 +41974,7 @@
           <a:p>
             <a:fld id="{D8DA5178-521C-4D8E-9777-3CA29D9D7BA2}" type="datetimeFigureOut">
               <a:rPr lang="en-US" smtClean="0"/>
-              <a:t>6/5/2015</a:t>
+              <a:t>6/18/2015</a:t>
             </a:fld>
             <a:endParaRPr lang="en-US"/>
           </a:p>
@@ -42093,7 +42187,7 @@
           <a:p>
             <a:fld id="{D8DA5178-521C-4D8E-9777-3CA29D9D7BA2}" type="datetimeFigureOut">
               <a:rPr lang="en-US" smtClean="0"/>
-              <a:t>6/5/2015</a:t>
+              <a:t>6/18/2015</a:t>
             </a:fld>
             <a:endParaRPr lang="en-US"/>
           </a:p>
@@ -50395,12 +50489,12 @@
                     <a:p>
                       <a:pPr algn="l" fontAlgn="b"/>
                       <a:r>
-                        <a:rPr lang="es-ES" sz="1000" u="none" strike="noStrike">
+                        <a:rPr lang="es-ES" sz="1000" u="none" strike="noStrike" dirty="0">
                           <a:effectLst/>
                         </a:rPr>
                         <a:t>MGG_00174</a:t>
                       </a:r>
-                      <a:endParaRPr lang="es-ES" sz="1000" b="0" i="0" u="none" strike="noStrike">
+                      <a:endParaRPr lang="es-ES" sz="1000" b="0" i="0" u="none" strike="noStrike" dirty="0">
                         <a:solidFill>
                           <a:srgbClr val="000000"/>
                         </a:solidFill>
@@ -50477,12 +50571,12 @@
                     <a:p>
                       <a:pPr algn="l" fontAlgn="b"/>
                       <a:r>
-                        <a:rPr lang="es-ES" sz="1000" u="none" strike="noStrike">
+                        <a:rPr lang="es-ES" sz="1000" u="none" strike="noStrike" dirty="0">
                           <a:effectLst/>
                         </a:rPr>
                         <a:t>MGG_00259</a:t>
                       </a:r>
-                      <a:endParaRPr lang="es-ES" sz="1000" b="0" i="0" u="none" strike="noStrike">
+                      <a:endParaRPr lang="es-ES" sz="1000" b="0" i="0" u="none" strike="noStrike" dirty="0">
                         <a:solidFill>
                           <a:srgbClr val="000000"/>
                         </a:solidFill>
@@ -50559,12 +50653,12 @@
                     <a:p>
                       <a:pPr algn="l" fontAlgn="b"/>
                       <a:r>
-                        <a:rPr lang="es-ES" sz="1000" u="none" strike="noStrike">
+                        <a:rPr lang="es-ES" sz="1000" u="none" strike="noStrike" dirty="0">
                           <a:effectLst/>
                         </a:rPr>
                         <a:t>MGG_00354</a:t>
                       </a:r>
-                      <a:endParaRPr lang="es-ES" sz="1000" b="0" i="0" u="none" strike="noStrike">
+                      <a:endParaRPr lang="es-ES" sz="1000" b="0" i="0" u="none" strike="noStrike" dirty="0">
                         <a:solidFill>
                           <a:srgbClr val="000000"/>
                         </a:solidFill>
@@ -50805,12 +50899,12 @@
                     <a:p>
                       <a:pPr algn="l" fontAlgn="b"/>
                       <a:r>
-                        <a:rPr lang="es-ES" sz="1000" u="none" strike="noStrike">
+                        <a:rPr lang="es-ES" sz="1000" u="none" strike="noStrike" dirty="0">
                           <a:effectLst/>
                         </a:rPr>
                         <a:t>MGG_01240</a:t>
                       </a:r>
-                      <a:endParaRPr lang="es-ES" sz="1000" b="0" i="0" u="none" strike="noStrike">
+                      <a:endParaRPr lang="es-ES" sz="1000" b="0" i="0" u="none" strike="noStrike" dirty="0">
                         <a:solidFill>
                           <a:srgbClr val="000000"/>
                         </a:solidFill>
@@ -50887,12 +50981,12 @@
                     <a:p>
                       <a:pPr algn="l" fontAlgn="b"/>
                       <a:r>
-                        <a:rPr lang="es-ES" sz="1000" u="none" strike="noStrike">
+                        <a:rPr lang="es-ES" sz="1000" u="none" strike="noStrike" dirty="0">
                           <a:effectLst/>
                         </a:rPr>
                         <a:t>MGG_01579</a:t>
                       </a:r>
-                      <a:endParaRPr lang="es-ES" sz="1000" b="0" i="0" u="none" strike="noStrike">
+                      <a:endParaRPr lang="es-ES" sz="1000" b="0" i="0" u="none" strike="noStrike" dirty="0">
                         <a:solidFill>
                           <a:srgbClr val="000000"/>
                         </a:solidFill>
@@ -51017,12 +51111,12 @@
                     <a:p>
                       <a:pPr algn="l" fontAlgn="b"/>
                       <a:r>
-                        <a:rPr lang="es-ES" sz="1000" u="none" strike="noStrike">
+                        <a:rPr lang="es-ES" sz="1000" u="none" strike="noStrike" dirty="0">
                           <a:effectLst/>
                         </a:rPr>
                         <a:t>MGG_01754</a:t>
                       </a:r>
-                      <a:endParaRPr lang="es-ES" sz="1000" b="0" i="0" u="none" strike="noStrike">
+                      <a:endParaRPr lang="es-ES" sz="1000" b="0" i="0" u="none" strike="noStrike" dirty="0">
                         <a:solidFill>
                           <a:srgbClr val="000000"/>
                         </a:solidFill>
@@ -51099,12 +51193,12 @@
                     <a:p>
                       <a:pPr algn="l" fontAlgn="b"/>
                       <a:r>
-                        <a:rPr lang="es-ES" sz="1000" u="none" strike="noStrike">
+                        <a:rPr lang="es-ES" sz="1000" u="none" strike="noStrike" dirty="0">
                           <a:effectLst/>
                         </a:rPr>
                         <a:t>MGG_01824</a:t>
                       </a:r>
-                      <a:endParaRPr lang="es-ES" sz="1000" b="0" i="0" u="none" strike="noStrike">
+                      <a:endParaRPr lang="es-ES" sz="1000" b="0" i="0" u="none" strike="noStrike" dirty="0">
                         <a:solidFill>
                           <a:srgbClr val="000000"/>
                         </a:solidFill>
@@ -51223,12 +51317,12 @@
                     <a:p>
                       <a:pPr algn="l" fontAlgn="b"/>
                       <a:r>
-                        <a:rPr lang="es-ES" sz="1000" u="none" strike="noStrike">
+                        <a:rPr lang="es-ES" sz="1000" u="none" strike="noStrike" dirty="0">
                           <a:effectLst/>
                         </a:rPr>
                         <a:t>MGG_01842</a:t>
                       </a:r>
-                      <a:endParaRPr lang="es-ES" sz="1000" b="0" i="0" u="none" strike="noStrike">
+                      <a:endParaRPr lang="es-ES" sz="1000" b="0" i="0" u="none" strike="noStrike" dirty="0">
                         <a:solidFill>
                           <a:srgbClr val="000000"/>
                         </a:solidFill>
@@ -51417,12 +51511,12 @@
                     <a:p>
                       <a:pPr algn="l" fontAlgn="b"/>
                       <a:r>
-                        <a:rPr lang="es-ES" sz="1000" u="none" strike="noStrike">
+                        <a:rPr lang="es-ES" sz="1000" u="none" strike="noStrike" dirty="0">
                           <a:effectLst/>
                         </a:rPr>
                         <a:t>MGG_02489</a:t>
                       </a:r>
-                      <a:endParaRPr lang="es-ES" sz="1000" b="0" i="0" u="none" strike="noStrike">
+                      <a:endParaRPr lang="es-ES" sz="1000" b="0" i="0" u="none" strike="noStrike" dirty="0">
                         <a:solidFill>
                           <a:srgbClr val="000000"/>
                         </a:solidFill>
@@ -51541,12 +51635,12 @@
                     <a:p>
                       <a:pPr algn="l" fontAlgn="b"/>
                       <a:r>
-                        <a:rPr lang="es-ES" sz="1000" u="none" strike="noStrike">
+                        <a:rPr lang="es-ES" sz="1000" u="none" strike="noStrike" dirty="0">
                           <a:effectLst/>
                         </a:rPr>
                         <a:t>MGG_02741</a:t>
                       </a:r>
-                      <a:endParaRPr lang="es-ES" sz="1000" b="0" i="0" u="none" strike="noStrike">
+                      <a:endParaRPr lang="es-ES" sz="1000" b="0" i="0" u="none" strike="noStrike" dirty="0">
                         <a:solidFill>
                           <a:srgbClr val="000000"/>
                         </a:solidFill>
@@ -51647,12 +51741,12 @@
                     <a:p>
                       <a:pPr algn="l" fontAlgn="b"/>
                       <a:r>
-                        <a:rPr lang="es-ES" sz="1000" u="none" strike="noStrike">
+                        <a:rPr lang="es-ES" sz="1000" u="none" strike="noStrike" dirty="0">
                           <a:effectLst/>
                         </a:rPr>
                         <a:t>MGG_02925</a:t>
                       </a:r>
-                      <a:endParaRPr lang="es-ES" sz="1000" b="0" i="0" u="none" strike="noStrike">
+                      <a:endParaRPr lang="es-ES" sz="1000" b="0" i="0" u="none" strike="noStrike" dirty="0">
                         <a:solidFill>
                           <a:srgbClr val="000000"/>
                         </a:solidFill>
@@ -51841,12 +51935,12 @@
                     <a:p>
                       <a:pPr algn="l" fontAlgn="b"/>
                       <a:r>
-                        <a:rPr lang="es-ES" sz="1000" u="none" strike="noStrike">
+                        <a:rPr lang="es-ES" sz="1000" u="none" strike="noStrike" dirty="0">
                           <a:effectLst/>
                         </a:rPr>
                         <a:t>MGG_03367</a:t>
                       </a:r>
-                      <a:endParaRPr lang="es-ES" sz="1000" b="0" i="0" u="none" strike="noStrike">
+                      <a:endParaRPr lang="es-ES" sz="1000" b="0" i="0" u="none" strike="noStrike" dirty="0">
                         <a:solidFill>
                           <a:srgbClr val="000000"/>
                         </a:solidFill>
@@ -51953,12 +52047,12 @@
                     <a:p>
                       <a:pPr algn="l" fontAlgn="b"/>
                       <a:r>
-                        <a:rPr lang="es-ES" sz="1000" u="none" strike="noStrike">
+                        <a:rPr lang="es-ES" sz="1000" u="none" strike="noStrike" dirty="0">
                           <a:effectLst/>
                         </a:rPr>
                         <a:t>MGG_03537</a:t>
                       </a:r>
-                      <a:endParaRPr lang="es-ES" sz="1000" b="0" i="0" u="none" strike="noStrike">
+                      <a:endParaRPr lang="es-ES" sz="1000" b="0" i="0" u="none" strike="noStrike" dirty="0">
                         <a:solidFill>
                           <a:srgbClr val="000000"/>
                         </a:solidFill>
@@ -52053,12 +52147,12 @@
                     <a:p>
                       <a:pPr algn="l" fontAlgn="b"/>
                       <a:r>
-                        <a:rPr lang="es-ES" sz="1000" u="none" strike="noStrike">
+                        <a:rPr lang="es-ES" sz="1000" u="none" strike="noStrike" dirty="0">
                           <a:effectLst/>
                         </a:rPr>
                         <a:t>MGG_03670</a:t>
                       </a:r>
-                      <a:endParaRPr lang="es-ES" sz="1000" b="0" i="0" u="none" strike="noStrike">
+                      <a:endParaRPr lang="es-ES" sz="1000" b="0" i="0" u="none" strike="noStrike" dirty="0">
                         <a:solidFill>
                           <a:srgbClr val="000000"/>
                         </a:solidFill>
@@ -52147,12 +52241,12 @@
                     <a:p>
                       <a:pPr algn="l" fontAlgn="b"/>
                       <a:r>
-                        <a:rPr lang="es-ES" sz="1000" u="none" strike="noStrike">
+                        <a:rPr lang="es-ES" sz="1000" u="none" strike="noStrike" dirty="0">
                           <a:effectLst/>
                         </a:rPr>
                         <a:t>MGG_04538</a:t>
                       </a:r>
-                      <a:endParaRPr lang="es-ES" sz="1000" b="0" i="0" u="none" strike="noStrike">
+                      <a:endParaRPr lang="es-ES" sz="1000" b="0" i="0" u="none" strike="noStrike" dirty="0">
                         <a:solidFill>
                           <a:srgbClr val="000000"/>
                         </a:solidFill>
@@ -52317,12 +52411,12 @@
                     <a:p>
                       <a:pPr algn="l" fontAlgn="b"/>
                       <a:r>
-                        <a:rPr lang="es-ES" sz="1000" u="none" strike="noStrike">
+                        <a:rPr lang="es-ES" sz="1000" u="none" strike="noStrike" dirty="0">
                           <a:effectLst/>
                         </a:rPr>
                         <a:t>MGG_05218</a:t>
                       </a:r>
-                      <a:endParaRPr lang="es-ES" sz="1000" b="0" i="0" u="none" strike="noStrike">
+                      <a:endParaRPr lang="es-ES" sz="1000" b="0" i="0" u="none" strike="noStrike" dirty="0">
                         <a:solidFill>
                           <a:srgbClr val="000000"/>
                         </a:solidFill>
@@ -52399,12 +52493,12 @@
                     <a:p>
                       <a:pPr algn="l" fontAlgn="b"/>
                       <a:r>
-                        <a:rPr lang="es-ES" sz="1000" u="none" strike="noStrike">
+                        <a:rPr lang="es-ES" sz="1000" u="none" strike="noStrike" dirty="0">
                           <a:effectLst/>
                         </a:rPr>
                         <a:t>MGG_05638</a:t>
                       </a:r>
-                      <a:endParaRPr lang="es-ES" sz="1000" b="0" i="0" u="none" strike="noStrike">
+                      <a:endParaRPr lang="es-ES" sz="1000" b="0" i="0" u="none" strike="noStrike" dirty="0">
                         <a:solidFill>
                           <a:srgbClr val="000000"/>
                         </a:solidFill>
@@ -52809,12 +52903,12 @@
                     <a:p>
                       <a:pPr algn="l" fontAlgn="b"/>
                       <a:r>
-                        <a:rPr lang="es-ES" sz="1000" u="none" strike="noStrike">
+                        <a:rPr lang="es-ES" sz="1000" u="none" strike="noStrike" dirty="0">
                           <a:effectLst/>
                         </a:rPr>
                         <a:t>MGG_07190</a:t>
                       </a:r>
-                      <a:endParaRPr lang="es-ES" sz="1000" b="0" i="0" u="none" strike="noStrike">
+                      <a:endParaRPr lang="es-ES" sz="1000" b="0" i="0" u="none" strike="noStrike" dirty="0">
                         <a:solidFill>
                           <a:srgbClr val="000000"/>
                         </a:solidFill>
@@ -52991,12 +53085,12 @@
                     <a:p>
                       <a:pPr algn="l" fontAlgn="b"/>
                       <a:r>
-                        <a:rPr lang="es-ES" sz="1000" u="none" strike="noStrike">
+                        <a:rPr lang="es-ES" sz="1000" u="none" strike="noStrike" dirty="0">
                           <a:effectLst/>
                         </a:rPr>
                         <a:t>MGG_09850</a:t>
                       </a:r>
-                      <a:endParaRPr lang="es-ES" sz="1000" b="0" i="0" u="none" strike="noStrike">
+                      <a:endParaRPr lang="es-ES" sz="1000" b="0" i="0" u="none" strike="noStrike" dirty="0">
                         <a:solidFill>
                           <a:srgbClr val="000000"/>
                         </a:solidFill>
@@ -53073,12 +53167,12 @@
                     <a:p>
                       <a:pPr algn="l" fontAlgn="b"/>
                       <a:r>
-                        <a:rPr lang="es-ES" sz="1000" u="none" strike="noStrike">
+                        <a:rPr lang="es-ES" sz="1000" u="none" strike="noStrike" dirty="0">
                           <a:effectLst/>
                         </a:rPr>
                         <a:t>MGG_10968</a:t>
                       </a:r>
-                      <a:endParaRPr lang="es-ES" sz="1000" b="0" i="0" u="none" strike="noStrike">
+                      <a:endParaRPr lang="es-ES" sz="1000" b="0" i="0" u="none" strike="noStrike" dirty="0">
                         <a:solidFill>
                           <a:srgbClr val="000000"/>
                         </a:solidFill>
@@ -53155,12 +53249,12 @@
                     <a:p>
                       <a:pPr algn="l" fontAlgn="b"/>
                       <a:r>
-                        <a:rPr lang="es-ES" sz="1000" u="none" strike="noStrike">
+                        <a:rPr lang="es-ES" sz="1000" u="none" strike="noStrike" dirty="0">
                           <a:effectLst/>
                         </a:rPr>
                         <a:t>MGG_16062</a:t>
                       </a:r>
-                      <a:endParaRPr lang="es-ES" sz="1000" b="0" i="0" u="none" strike="noStrike">
+                      <a:endParaRPr lang="es-ES" sz="1000" b="0" i="0" u="none" strike="noStrike" dirty="0">
                         <a:solidFill>
                           <a:srgbClr val="000000"/>
                         </a:solidFill>
@@ -53237,12 +53331,12 @@
                     <a:p>
                       <a:pPr algn="l" fontAlgn="b"/>
                       <a:r>
-                        <a:rPr lang="es-ES" sz="1000" u="none" strike="noStrike">
+                        <a:rPr lang="es-ES" sz="1000" u="none" strike="noStrike" dirty="0">
                           <a:effectLst/>
                         </a:rPr>
                         <a:t>MGG_17005</a:t>
                       </a:r>
-                      <a:endParaRPr lang="es-ES" sz="1000" b="0" i="0" u="none" strike="noStrike">
+                      <a:endParaRPr lang="es-ES" sz="1000" b="0" i="0" u="none" strike="noStrike" dirty="0">
                         <a:solidFill>
                           <a:srgbClr val="000000"/>
                         </a:solidFill>
@@ -53319,12 +53413,12 @@
                     <a:p>
                       <a:pPr algn="l" fontAlgn="b"/>
                       <a:r>
-                        <a:rPr lang="es-ES" sz="1000" u="none" strike="noStrike">
+                        <a:rPr lang="es-ES" sz="1000" u="none" strike="noStrike" dirty="0">
                           <a:effectLst/>
                         </a:rPr>
                         <a:t>MGG_17324</a:t>
                       </a:r>
-                      <a:endParaRPr lang="es-ES" sz="1000" b="0" i="0" u="none" strike="noStrike">
+                      <a:endParaRPr lang="es-ES" sz="1000" b="0" i="0" u="none" strike="noStrike" dirty="0">
                         <a:solidFill>
                           <a:srgbClr val="000000"/>
                         </a:solidFill>
@@ -54573,6 +54667,211 @@
 </p:sld>
 </file>
 
+<file path=ppt/slides/slide48.xml><?xml version="1.0" encoding="utf-8"?>
+<p:sld xmlns:a="http://schemas.openxmlformats.org/drawingml/2006/main" xmlns:r="http://schemas.openxmlformats.org/officeDocument/2006/relationships" xmlns:p="http://schemas.openxmlformats.org/presentationml/2006/main">
+  <p:cSld>
+    <p:spTree>
+      <p:nvGrpSpPr>
+        <p:cNvPr id="1" name=""/>
+        <p:cNvGrpSpPr/>
+        <p:nvPr/>
+      </p:nvGrpSpPr>
+      <p:grpSpPr>
+        <a:xfrm>
+          <a:off x="0" y="0"/>
+          <a:ext cx="0" cy="0"/>
+          <a:chOff x="0" y="0"/>
+          <a:chExt cx="0" cy="0"/>
+        </a:xfrm>
+      </p:grpSpPr>
+      <p:sp>
+        <p:nvSpPr>
+          <p:cNvPr id="2" name="1 Título"/>
+          <p:cNvSpPr>
+            <a:spLocks noGrp="1"/>
+          </p:cNvSpPr>
+          <p:nvPr>
+            <p:ph type="title"/>
+          </p:nvPr>
+        </p:nvSpPr>
+        <p:spPr>
+          <a:xfrm>
+            <a:off x="323528" y="2924944"/>
+            <a:ext cx="8229600" cy="1143000"/>
+          </a:xfrm>
+        </p:spPr>
+        <p:txBody>
+          <a:bodyPr>
+            <a:normAutofit/>
+          </a:bodyPr>
+          <a:lstStyle/>
+          <a:p>
+            <a:r>
+              <a:rPr lang="en-US" dirty="0" smtClean="0"/>
+              <a:t>Probes proposals</a:t>
+            </a:r>
+            <a:endParaRPr lang="en-US" dirty="0"/>
+          </a:p>
+        </p:txBody>
+      </p:sp>
+    </p:spTree>
+    <p:extLst>
+      <p:ext uri="{BB962C8B-B14F-4D97-AF65-F5344CB8AC3E}">
+        <p14:creationId xmlns:p14="http://schemas.microsoft.com/office/powerpoint/2010/main" val="4174802837"/>
+      </p:ext>
+    </p:extLst>
+  </p:cSld>
+  <p:clrMapOvr>
+    <a:masterClrMapping/>
+  </p:clrMapOvr>
+</p:sld>
+</file>
+
+<file path=ppt/slides/slide49.xml><?xml version="1.0" encoding="utf-8"?>
+<p:sld xmlns:a="http://schemas.openxmlformats.org/drawingml/2006/main" xmlns:r="http://schemas.openxmlformats.org/officeDocument/2006/relationships" xmlns:p="http://schemas.openxmlformats.org/presentationml/2006/main">
+  <p:cSld>
+    <p:spTree>
+      <p:nvGrpSpPr>
+        <p:cNvPr id="1" name=""/>
+        <p:cNvGrpSpPr/>
+        <p:nvPr/>
+      </p:nvGrpSpPr>
+      <p:grpSpPr>
+        <a:xfrm>
+          <a:off x="0" y="0"/>
+          <a:ext cx="0" cy="0"/>
+          <a:chOff x="0" y="0"/>
+          <a:chExt cx="0" cy="0"/>
+        </a:xfrm>
+      </p:grpSpPr>
+      <p:sp>
+        <p:nvSpPr>
+          <p:cNvPr id="2" name="1 Título"/>
+          <p:cNvSpPr>
+            <a:spLocks noGrp="1"/>
+          </p:cNvSpPr>
+          <p:nvPr>
+            <p:ph type="title"/>
+          </p:nvPr>
+        </p:nvSpPr>
+        <p:spPr/>
+        <p:txBody>
+          <a:bodyPr/>
+          <a:lstStyle/>
+          <a:p>
+            <a:r>
+              <a:rPr lang="en-US" dirty="0" smtClean="0"/>
+              <a:t>Rbp35 antisense 5’UTR</a:t>
+            </a:r>
+            <a:endParaRPr lang="en-US" dirty="0"/>
+          </a:p>
+        </p:txBody>
+      </p:sp>
+      <p:pic>
+        <p:nvPicPr>
+          <p:cNvPr id="1026" name="Picture 2"/>
+          <p:cNvPicPr>
+            <a:picLocks noChangeAspect="1" noChangeArrowheads="1"/>
+          </p:cNvPicPr>
+          <p:nvPr/>
+        </p:nvPicPr>
+        <p:blipFill>
+          <a:blip r:embed="rId2">
+            <a:extLst>
+              <a:ext uri="{28A0092B-C50C-407E-A947-70E740481C1C}">
+                <a14:useLocalDpi xmlns:a14="http://schemas.microsoft.com/office/drawing/2010/main" val="0"/>
+              </a:ext>
+            </a:extLst>
+          </a:blip>
+          <a:srcRect/>
+          <a:stretch>
+            <a:fillRect/>
+          </a:stretch>
+        </p:blipFill>
+        <p:spPr bwMode="auto">
+          <a:xfrm>
+            <a:off x="981075" y="2132856"/>
+            <a:ext cx="7181850" cy="4048125"/>
+          </a:xfrm>
+          <a:prstGeom prst="rect">
+            <a:avLst/>
+          </a:prstGeom>
+          <a:noFill/>
+          <a:ln>
+            <a:noFill/>
+          </a:ln>
+          <a:effectLst/>
+          <a:extLst>
+            <a:ext uri="{909E8E84-426E-40DD-AFC4-6F175D3DCCD1}">
+              <a14:hiddenFill xmlns:a14="http://schemas.microsoft.com/office/drawing/2010/main">
+                <a:solidFill>
+                  <a:schemeClr val="accent1"/>
+                </a:solidFill>
+              </a14:hiddenFill>
+            </a:ext>
+            <a:ext uri="{91240B29-F687-4F45-9708-019B960494DF}">
+              <a14:hiddenLine xmlns:a14="http://schemas.microsoft.com/office/drawing/2010/main" w="9525">
+                <a:solidFill>
+                  <a:schemeClr val="tx1"/>
+                </a:solidFill>
+                <a:miter lim="800000"/>
+                <a:headEnd/>
+                <a:tailEnd/>
+              </a14:hiddenLine>
+            </a:ext>
+            <a:ext uri="{AF507438-7753-43E0-B8FC-AC1667EBCBE1}">
+              <a14:hiddenEffects xmlns:a14="http://schemas.microsoft.com/office/drawing/2010/main">
+                <a:effectLst>
+                  <a:outerShdw dist="35921" dir="2700000" algn="ctr" rotWithShape="0">
+                    <a:schemeClr val="bg2"/>
+                  </a:outerShdw>
+                </a:effectLst>
+              </a14:hiddenEffects>
+            </a:ext>
+          </a:extLst>
+        </p:spPr>
+      </p:pic>
+      <p:sp>
+        <p:nvSpPr>
+          <p:cNvPr id="4" name="3 Rectángulo"/>
+          <p:cNvSpPr/>
+          <p:nvPr/>
+        </p:nvSpPr>
+        <p:spPr>
+          <a:xfrm>
+            <a:off x="3298125" y="6283154"/>
+            <a:ext cx="2547749" cy="369332"/>
+          </a:xfrm>
+          <a:prstGeom prst="rect">
+            <a:avLst/>
+          </a:prstGeom>
+        </p:spPr>
+        <p:txBody>
+          <a:bodyPr wrap="none">
+            <a:spAutoFit/>
+          </a:bodyPr>
+          <a:lstStyle/>
+          <a:p>
+            <a:r>
+              <a:rPr lang="en-US" dirty="0"/>
+              <a:t>TACCTGGACCTGGATCGTT</a:t>
+            </a:r>
+          </a:p>
+        </p:txBody>
+      </p:sp>
+    </p:spTree>
+    <p:extLst>
+      <p:ext uri="{BB962C8B-B14F-4D97-AF65-F5344CB8AC3E}">
+        <p14:creationId xmlns:p14="http://schemas.microsoft.com/office/powerpoint/2010/main" val="1207507727"/>
+      </p:ext>
+    </p:extLst>
+  </p:cSld>
+  <p:clrMapOvr>
+    <a:masterClrMapping/>
+  </p:clrMapOvr>
+</p:sld>
+</file>
+
 <file path=ppt/slides/slide5.xml><?xml version="1.0" encoding="utf-8"?>
 <p:sld xmlns:a="http://schemas.openxmlformats.org/drawingml/2006/main" xmlns:r="http://schemas.openxmlformats.org/officeDocument/2006/relationships" xmlns:p="http://schemas.openxmlformats.org/presentationml/2006/main">
   <p:cSld>
@@ -54807,6 +55106,1949 @@
       </p:par>
     </p:tnLst>
   </p:timing>
+</p:sld>
+</file>
+
+<file path=ppt/slides/slide50.xml><?xml version="1.0" encoding="utf-8"?>
+<p:sld xmlns:a="http://schemas.openxmlformats.org/drawingml/2006/main" xmlns:r="http://schemas.openxmlformats.org/officeDocument/2006/relationships" xmlns:p="http://schemas.openxmlformats.org/presentationml/2006/main">
+  <p:cSld>
+    <p:spTree>
+      <p:nvGrpSpPr>
+        <p:cNvPr id="1" name=""/>
+        <p:cNvGrpSpPr/>
+        <p:nvPr/>
+      </p:nvGrpSpPr>
+      <p:grpSpPr>
+        <a:xfrm>
+          <a:off x="0" y="0"/>
+          <a:ext cx="0" cy="0"/>
+          <a:chOff x="0" y="0"/>
+          <a:chExt cx="0" cy="0"/>
+        </a:xfrm>
+      </p:grpSpPr>
+      <p:sp>
+        <p:nvSpPr>
+          <p:cNvPr id="2" name="1 Título"/>
+          <p:cNvSpPr>
+            <a:spLocks noGrp="1"/>
+          </p:cNvSpPr>
+          <p:nvPr>
+            <p:ph type="title"/>
+          </p:nvPr>
+        </p:nvSpPr>
+        <p:spPr/>
+        <p:txBody>
+          <a:bodyPr>
+            <a:normAutofit fontScale="90000"/>
+          </a:bodyPr>
+          <a:lstStyle/>
+          <a:p>
+            <a:r>
+              <a:rPr lang="en-US" dirty="0" smtClean="0"/>
+              <a:t>ITS2 antisense up-regulated in rbp35</a:t>
+            </a:r>
+            <a:endParaRPr lang="en-US" dirty="0"/>
+          </a:p>
+        </p:txBody>
+      </p:sp>
+      <p:sp>
+        <p:nvSpPr>
+          <p:cNvPr id="13" name="12 Rectángulo"/>
+          <p:cNvSpPr/>
+          <p:nvPr/>
+        </p:nvSpPr>
+        <p:spPr>
+          <a:xfrm>
+            <a:off x="1115616" y="2492896"/>
+            <a:ext cx="1368152" cy="288032"/>
+          </a:xfrm>
+          <a:prstGeom prst="rect">
+            <a:avLst/>
+          </a:prstGeom>
+          <a:solidFill>
+            <a:schemeClr val="accent2"/>
+          </a:solidFill>
+        </p:spPr>
+        <p:style>
+          <a:lnRef idx="2">
+            <a:schemeClr val="accent1">
+              <a:shade val="50000"/>
+            </a:schemeClr>
+          </a:lnRef>
+          <a:fillRef idx="1">
+            <a:schemeClr val="accent1"/>
+          </a:fillRef>
+          <a:effectRef idx="0">
+            <a:schemeClr val="accent1"/>
+          </a:effectRef>
+          <a:fontRef idx="minor">
+            <a:schemeClr val="lt1"/>
+          </a:fontRef>
+        </p:style>
+        <p:txBody>
+          <a:bodyPr rtlCol="0" anchor="ctr"/>
+          <a:lstStyle/>
+          <a:p>
+            <a:pPr algn="ctr"/>
+            <a:r>
+              <a:rPr lang="en-US" dirty="0" smtClean="0"/>
+              <a:t>NTS</a:t>
+            </a:r>
+            <a:endParaRPr lang="en-US" dirty="0"/>
+          </a:p>
+        </p:txBody>
+      </p:sp>
+      <p:sp>
+        <p:nvSpPr>
+          <p:cNvPr id="14" name="13 Rectángulo"/>
+          <p:cNvSpPr/>
+          <p:nvPr/>
+        </p:nvSpPr>
+        <p:spPr>
+          <a:xfrm>
+            <a:off x="2483768" y="2492896"/>
+            <a:ext cx="1368152" cy="278740"/>
+          </a:xfrm>
+          <a:prstGeom prst="rect">
+            <a:avLst/>
+          </a:prstGeom>
+          <a:solidFill>
+            <a:schemeClr val="accent2"/>
+          </a:solidFill>
+        </p:spPr>
+        <p:style>
+          <a:lnRef idx="2">
+            <a:schemeClr val="accent1">
+              <a:shade val="50000"/>
+            </a:schemeClr>
+          </a:lnRef>
+          <a:fillRef idx="1">
+            <a:schemeClr val="accent1"/>
+          </a:fillRef>
+          <a:effectRef idx="0">
+            <a:schemeClr val="accent1"/>
+          </a:effectRef>
+          <a:fontRef idx="minor">
+            <a:schemeClr val="lt1"/>
+          </a:fontRef>
+        </p:style>
+        <p:txBody>
+          <a:bodyPr rtlCol="0" anchor="ctr"/>
+          <a:lstStyle/>
+          <a:p>
+            <a:pPr algn="ctr"/>
+            <a:r>
+              <a:rPr lang="en-US" dirty="0" smtClean="0"/>
+              <a:t>18S</a:t>
+            </a:r>
+            <a:endParaRPr lang="en-US" dirty="0"/>
+          </a:p>
+        </p:txBody>
+      </p:sp>
+      <p:sp>
+        <p:nvSpPr>
+          <p:cNvPr id="15" name="14 Rectángulo"/>
+          <p:cNvSpPr/>
+          <p:nvPr/>
+        </p:nvSpPr>
+        <p:spPr>
+          <a:xfrm>
+            <a:off x="3851920" y="2492896"/>
+            <a:ext cx="576064" cy="278740"/>
+          </a:xfrm>
+          <a:prstGeom prst="rect">
+            <a:avLst/>
+          </a:prstGeom>
+          <a:solidFill>
+            <a:schemeClr val="accent2"/>
+          </a:solidFill>
+        </p:spPr>
+        <p:style>
+          <a:lnRef idx="2">
+            <a:schemeClr val="accent1">
+              <a:shade val="50000"/>
+            </a:schemeClr>
+          </a:lnRef>
+          <a:fillRef idx="1">
+            <a:schemeClr val="accent1"/>
+          </a:fillRef>
+          <a:effectRef idx="0">
+            <a:schemeClr val="accent1"/>
+          </a:effectRef>
+          <a:fontRef idx="minor">
+            <a:schemeClr val="lt1"/>
+          </a:fontRef>
+        </p:style>
+        <p:txBody>
+          <a:bodyPr rtlCol="0" anchor="ctr"/>
+          <a:lstStyle/>
+          <a:p>
+            <a:pPr algn="ctr"/>
+            <a:r>
+              <a:rPr lang="en-US" dirty="0" smtClean="0"/>
+              <a:t>ITS1</a:t>
+            </a:r>
+            <a:endParaRPr lang="en-US" dirty="0"/>
+          </a:p>
+        </p:txBody>
+      </p:sp>
+      <p:sp>
+        <p:nvSpPr>
+          <p:cNvPr id="16" name="15 Rectángulo"/>
+          <p:cNvSpPr/>
+          <p:nvPr/>
+        </p:nvSpPr>
+        <p:spPr>
+          <a:xfrm>
+            <a:off x="4427984" y="2492896"/>
+            <a:ext cx="648072" cy="278740"/>
+          </a:xfrm>
+          <a:prstGeom prst="rect">
+            <a:avLst/>
+          </a:prstGeom>
+          <a:solidFill>
+            <a:schemeClr val="accent2"/>
+          </a:solidFill>
+        </p:spPr>
+        <p:style>
+          <a:lnRef idx="2">
+            <a:schemeClr val="accent1">
+              <a:shade val="50000"/>
+            </a:schemeClr>
+          </a:lnRef>
+          <a:fillRef idx="1">
+            <a:schemeClr val="accent1"/>
+          </a:fillRef>
+          <a:effectRef idx="0">
+            <a:schemeClr val="accent1"/>
+          </a:effectRef>
+          <a:fontRef idx="minor">
+            <a:schemeClr val="lt1"/>
+          </a:fontRef>
+        </p:style>
+        <p:txBody>
+          <a:bodyPr rtlCol="0" anchor="ctr"/>
+          <a:lstStyle/>
+          <a:p>
+            <a:pPr algn="ctr"/>
+            <a:r>
+              <a:rPr lang="en-US" dirty="0" smtClean="0"/>
+              <a:t>5.8S</a:t>
+            </a:r>
+            <a:endParaRPr lang="en-US" dirty="0"/>
+          </a:p>
+        </p:txBody>
+      </p:sp>
+      <p:sp>
+        <p:nvSpPr>
+          <p:cNvPr id="17" name="16 Rectángulo"/>
+          <p:cNvSpPr/>
+          <p:nvPr/>
+        </p:nvSpPr>
+        <p:spPr>
+          <a:xfrm>
+            <a:off x="5076056" y="2492896"/>
+            <a:ext cx="576064" cy="288032"/>
+          </a:xfrm>
+          <a:prstGeom prst="rect">
+            <a:avLst/>
+          </a:prstGeom>
+          <a:solidFill>
+            <a:schemeClr val="accent2"/>
+          </a:solidFill>
+        </p:spPr>
+        <p:style>
+          <a:lnRef idx="2">
+            <a:schemeClr val="accent1">
+              <a:shade val="50000"/>
+            </a:schemeClr>
+          </a:lnRef>
+          <a:fillRef idx="1">
+            <a:schemeClr val="accent1"/>
+          </a:fillRef>
+          <a:effectRef idx="0">
+            <a:schemeClr val="accent1"/>
+          </a:effectRef>
+          <a:fontRef idx="minor">
+            <a:schemeClr val="lt1"/>
+          </a:fontRef>
+        </p:style>
+        <p:txBody>
+          <a:bodyPr rtlCol="0" anchor="ctr"/>
+          <a:lstStyle/>
+          <a:p>
+            <a:pPr algn="ctr"/>
+            <a:r>
+              <a:rPr lang="en-US" dirty="0" smtClean="0"/>
+              <a:t>ITS2</a:t>
+            </a:r>
+            <a:endParaRPr lang="en-US" dirty="0"/>
+          </a:p>
+        </p:txBody>
+      </p:sp>
+      <p:sp>
+        <p:nvSpPr>
+          <p:cNvPr id="18" name="17 Rectángulo"/>
+          <p:cNvSpPr/>
+          <p:nvPr/>
+        </p:nvSpPr>
+        <p:spPr>
+          <a:xfrm>
+            <a:off x="5652120" y="2492896"/>
+            <a:ext cx="1368152" cy="278740"/>
+          </a:xfrm>
+          <a:prstGeom prst="rect">
+            <a:avLst/>
+          </a:prstGeom>
+          <a:solidFill>
+            <a:schemeClr val="accent2"/>
+          </a:solidFill>
+        </p:spPr>
+        <p:style>
+          <a:lnRef idx="2">
+            <a:schemeClr val="accent1">
+              <a:shade val="50000"/>
+            </a:schemeClr>
+          </a:lnRef>
+          <a:fillRef idx="1">
+            <a:schemeClr val="accent1"/>
+          </a:fillRef>
+          <a:effectRef idx="0">
+            <a:schemeClr val="accent1"/>
+          </a:effectRef>
+          <a:fontRef idx="minor">
+            <a:schemeClr val="lt1"/>
+          </a:fontRef>
+        </p:style>
+        <p:txBody>
+          <a:bodyPr rtlCol="0" anchor="ctr"/>
+          <a:lstStyle/>
+          <a:p>
+            <a:pPr algn="ctr"/>
+            <a:r>
+              <a:rPr lang="en-US" dirty="0" smtClean="0"/>
+              <a:t>28S</a:t>
+            </a:r>
+            <a:endParaRPr lang="en-US" dirty="0"/>
+          </a:p>
+        </p:txBody>
+      </p:sp>
+      <p:sp>
+        <p:nvSpPr>
+          <p:cNvPr id="19" name="18 Rectángulo"/>
+          <p:cNvSpPr/>
+          <p:nvPr/>
+        </p:nvSpPr>
+        <p:spPr>
+          <a:xfrm>
+            <a:off x="3235629" y="5949280"/>
+            <a:ext cx="2704523" cy="369332"/>
+          </a:xfrm>
+          <a:prstGeom prst="rect">
+            <a:avLst/>
+          </a:prstGeom>
+        </p:spPr>
+        <p:txBody>
+          <a:bodyPr wrap="none">
+            <a:spAutoFit/>
+          </a:bodyPr>
+          <a:lstStyle/>
+          <a:p>
+            <a:r>
+              <a:rPr lang="en-US" dirty="0"/>
+              <a:t>TGAACTTGGGGGCCCCGGG</a:t>
+            </a:r>
+          </a:p>
+        </p:txBody>
+      </p:sp>
+      <p:cxnSp>
+        <p:nvCxnSpPr>
+          <p:cNvPr id="21" name="20 Conector recto de flecha"/>
+          <p:cNvCxnSpPr/>
+          <p:nvPr/>
+        </p:nvCxnSpPr>
+        <p:spPr>
+          <a:xfrm flipV="1">
+            <a:off x="5364088" y="3212976"/>
+            <a:ext cx="0" cy="936104"/>
+          </a:xfrm>
+          <a:prstGeom prst="straightConnector1">
+            <a:avLst/>
+          </a:prstGeom>
+          <a:ln>
+            <a:tailEnd type="arrow"/>
+          </a:ln>
+        </p:spPr>
+        <p:style>
+          <a:lnRef idx="1">
+            <a:schemeClr val="accent1"/>
+          </a:lnRef>
+          <a:fillRef idx="0">
+            <a:schemeClr val="accent1"/>
+          </a:fillRef>
+          <a:effectRef idx="0">
+            <a:schemeClr val="accent1"/>
+          </a:effectRef>
+          <a:fontRef idx="minor">
+            <a:schemeClr val="tx1"/>
+          </a:fontRef>
+        </p:style>
+      </p:cxnSp>
+      <p:sp>
+        <p:nvSpPr>
+          <p:cNvPr id="22" name="21 Flecha izquierda"/>
+          <p:cNvSpPr/>
+          <p:nvPr/>
+        </p:nvSpPr>
+        <p:spPr>
+          <a:xfrm>
+            <a:off x="5148064" y="2996952"/>
+            <a:ext cx="216024" cy="144016"/>
+          </a:xfrm>
+          <a:prstGeom prst="leftArrow">
+            <a:avLst/>
+          </a:prstGeom>
+        </p:spPr>
+        <p:style>
+          <a:lnRef idx="2">
+            <a:schemeClr val="accent1">
+              <a:shade val="50000"/>
+            </a:schemeClr>
+          </a:lnRef>
+          <a:fillRef idx="1">
+            <a:schemeClr val="accent1"/>
+          </a:fillRef>
+          <a:effectRef idx="0">
+            <a:schemeClr val="accent1"/>
+          </a:effectRef>
+          <a:fontRef idx="minor">
+            <a:schemeClr val="lt1"/>
+          </a:fontRef>
+        </p:style>
+        <p:txBody>
+          <a:bodyPr rtlCol="0" anchor="ctr"/>
+          <a:lstStyle/>
+          <a:p>
+            <a:pPr algn="ctr"/>
+            <a:endParaRPr lang="en-US"/>
+          </a:p>
+        </p:txBody>
+      </p:sp>
+    </p:spTree>
+    <p:extLst>
+      <p:ext uri="{BB962C8B-B14F-4D97-AF65-F5344CB8AC3E}">
+        <p14:creationId xmlns:p14="http://schemas.microsoft.com/office/powerpoint/2010/main" val="1804687700"/>
+      </p:ext>
+    </p:extLst>
+  </p:cSld>
+  <p:clrMapOvr>
+    <a:masterClrMapping/>
+  </p:clrMapOvr>
+</p:sld>
+</file>
+
+<file path=ppt/slides/slide51.xml><?xml version="1.0" encoding="utf-8"?>
+<p:sld xmlns:a="http://schemas.openxmlformats.org/drawingml/2006/main" xmlns:r="http://schemas.openxmlformats.org/officeDocument/2006/relationships" xmlns:p="http://schemas.openxmlformats.org/presentationml/2006/main">
+  <p:cSld>
+    <p:spTree>
+      <p:nvGrpSpPr>
+        <p:cNvPr id="1" name=""/>
+        <p:cNvGrpSpPr/>
+        <p:nvPr/>
+      </p:nvGrpSpPr>
+      <p:grpSpPr>
+        <a:xfrm>
+          <a:off x="0" y="0"/>
+          <a:ext cx="0" cy="0"/>
+          <a:chOff x="0" y="0"/>
+          <a:chExt cx="0" cy="0"/>
+        </a:xfrm>
+      </p:grpSpPr>
+      <p:sp>
+        <p:nvSpPr>
+          <p:cNvPr id="2" name="1 Título"/>
+          <p:cNvSpPr>
+            <a:spLocks noGrp="1"/>
+          </p:cNvSpPr>
+          <p:nvPr>
+            <p:ph type="title"/>
+          </p:nvPr>
+        </p:nvSpPr>
+        <p:spPr/>
+        <p:txBody>
+          <a:bodyPr>
+            <a:normAutofit fontScale="90000"/>
+          </a:bodyPr>
+          <a:lstStyle/>
+          <a:p>
+            <a:r>
+              <a:rPr lang="en-US" dirty="0"/>
+              <a:t>ITS2 antisense up-regulated in rbp35</a:t>
+            </a:r>
+          </a:p>
+        </p:txBody>
+      </p:sp>
+      <p:pic>
+        <p:nvPicPr>
+          <p:cNvPr id="3074" name="Picture 2"/>
+          <p:cNvPicPr>
+            <a:picLocks noChangeAspect="1" noChangeArrowheads="1"/>
+          </p:cNvPicPr>
+          <p:nvPr/>
+        </p:nvPicPr>
+        <p:blipFill>
+          <a:blip r:embed="rId2">
+            <a:extLst>
+              <a:ext uri="{28A0092B-C50C-407E-A947-70E740481C1C}">
+                <a14:useLocalDpi xmlns:a14="http://schemas.microsoft.com/office/drawing/2010/main" val="0"/>
+              </a:ext>
+            </a:extLst>
+          </a:blip>
+          <a:srcRect/>
+          <a:stretch>
+            <a:fillRect/>
+          </a:stretch>
+        </p:blipFill>
+        <p:spPr bwMode="auto">
+          <a:xfrm>
+            <a:off x="-18458" y="2204864"/>
+            <a:ext cx="4340965" cy="3240360"/>
+          </a:xfrm>
+          <a:prstGeom prst="rect">
+            <a:avLst/>
+          </a:prstGeom>
+          <a:noFill/>
+          <a:ln>
+            <a:noFill/>
+          </a:ln>
+          <a:effectLst/>
+          <a:extLst>
+            <a:ext uri="{909E8E84-426E-40DD-AFC4-6F175D3DCCD1}">
+              <a14:hiddenFill xmlns:a14="http://schemas.microsoft.com/office/drawing/2010/main">
+                <a:solidFill>
+                  <a:schemeClr val="accent1"/>
+                </a:solidFill>
+              </a14:hiddenFill>
+            </a:ext>
+            <a:ext uri="{91240B29-F687-4F45-9708-019B960494DF}">
+              <a14:hiddenLine xmlns:a14="http://schemas.microsoft.com/office/drawing/2010/main" w="9525">
+                <a:solidFill>
+                  <a:schemeClr val="tx1"/>
+                </a:solidFill>
+                <a:miter lim="800000"/>
+                <a:headEnd/>
+                <a:tailEnd/>
+              </a14:hiddenLine>
+            </a:ext>
+            <a:ext uri="{AF507438-7753-43E0-B8FC-AC1667EBCBE1}">
+              <a14:hiddenEffects xmlns:a14="http://schemas.microsoft.com/office/drawing/2010/main">
+                <a:effectLst>
+                  <a:outerShdw dist="35921" dir="2700000" algn="ctr" rotWithShape="0">
+                    <a:schemeClr val="bg2"/>
+                  </a:outerShdw>
+                </a:effectLst>
+              </a14:hiddenEffects>
+            </a:ext>
+          </a:extLst>
+        </p:spPr>
+      </p:pic>
+      <p:pic>
+        <p:nvPicPr>
+          <p:cNvPr id="3075" name="Picture 3"/>
+          <p:cNvPicPr>
+            <a:picLocks noChangeAspect="1" noChangeArrowheads="1"/>
+          </p:cNvPicPr>
+          <p:nvPr/>
+        </p:nvPicPr>
+        <p:blipFill>
+          <a:blip r:embed="rId3">
+            <a:extLst>
+              <a:ext uri="{28A0092B-C50C-407E-A947-70E740481C1C}">
+                <a14:useLocalDpi xmlns:a14="http://schemas.microsoft.com/office/drawing/2010/main" val="0"/>
+              </a:ext>
+            </a:extLst>
+          </a:blip>
+          <a:srcRect/>
+          <a:stretch>
+            <a:fillRect/>
+          </a:stretch>
+        </p:blipFill>
+        <p:spPr bwMode="auto">
+          <a:xfrm>
+            <a:off x="4499992" y="2204864"/>
+            <a:ext cx="4327788" cy="3122861"/>
+          </a:xfrm>
+          <a:prstGeom prst="rect">
+            <a:avLst/>
+          </a:prstGeom>
+          <a:noFill/>
+          <a:ln>
+            <a:noFill/>
+          </a:ln>
+          <a:effectLst/>
+          <a:extLst>
+            <a:ext uri="{909E8E84-426E-40DD-AFC4-6F175D3DCCD1}">
+              <a14:hiddenFill xmlns:a14="http://schemas.microsoft.com/office/drawing/2010/main">
+                <a:solidFill>
+                  <a:schemeClr val="accent1"/>
+                </a:solidFill>
+              </a14:hiddenFill>
+            </a:ext>
+            <a:ext uri="{91240B29-F687-4F45-9708-019B960494DF}">
+              <a14:hiddenLine xmlns:a14="http://schemas.microsoft.com/office/drawing/2010/main" w="9525">
+                <a:solidFill>
+                  <a:schemeClr val="tx1"/>
+                </a:solidFill>
+                <a:miter lim="800000"/>
+                <a:headEnd/>
+                <a:tailEnd/>
+              </a14:hiddenLine>
+            </a:ext>
+            <a:ext uri="{AF507438-7753-43E0-B8FC-AC1667EBCBE1}">
+              <a14:hiddenEffects xmlns:a14="http://schemas.microsoft.com/office/drawing/2010/main">
+                <a:effectLst>
+                  <a:outerShdw dist="35921" dir="2700000" algn="ctr" rotWithShape="0">
+                    <a:schemeClr val="bg2"/>
+                  </a:outerShdw>
+                </a:effectLst>
+              </a14:hiddenEffects>
+            </a:ext>
+          </a:extLst>
+        </p:spPr>
+      </p:pic>
+    </p:spTree>
+    <p:extLst>
+      <p:ext uri="{BB962C8B-B14F-4D97-AF65-F5344CB8AC3E}">
+        <p14:creationId xmlns:p14="http://schemas.microsoft.com/office/powerpoint/2010/main" val="1127869574"/>
+      </p:ext>
+    </p:extLst>
+  </p:cSld>
+  <p:clrMapOvr>
+    <a:masterClrMapping/>
+  </p:clrMapOvr>
+</p:sld>
+</file>
+
+<file path=ppt/slides/slide52.xml><?xml version="1.0" encoding="utf-8"?>
+<p:sld xmlns:a="http://schemas.openxmlformats.org/drawingml/2006/main" xmlns:r="http://schemas.openxmlformats.org/officeDocument/2006/relationships" xmlns:p="http://schemas.openxmlformats.org/presentationml/2006/main">
+  <p:cSld>
+    <p:spTree>
+      <p:nvGrpSpPr>
+        <p:cNvPr id="1" name=""/>
+        <p:cNvGrpSpPr/>
+        <p:nvPr/>
+      </p:nvGrpSpPr>
+      <p:grpSpPr>
+        <a:xfrm>
+          <a:off x="0" y="0"/>
+          <a:ext cx="0" cy="0"/>
+          <a:chOff x="0" y="0"/>
+          <a:chExt cx="0" cy="0"/>
+        </a:xfrm>
+      </p:grpSpPr>
+      <p:sp>
+        <p:nvSpPr>
+          <p:cNvPr id="2" name="1 Título"/>
+          <p:cNvSpPr>
+            <a:spLocks noGrp="1"/>
+          </p:cNvSpPr>
+          <p:nvPr>
+            <p:ph type="title"/>
+          </p:nvPr>
+        </p:nvSpPr>
+        <p:spPr/>
+        <p:txBody>
+          <a:bodyPr/>
+          <a:lstStyle/>
+          <a:p>
+            <a:r>
+              <a:rPr lang="en-US" dirty="0" smtClean="0"/>
+              <a:t>GRH retro</a:t>
+            </a:r>
+            <a:endParaRPr lang="en-US" dirty="0"/>
+          </a:p>
+        </p:txBody>
+      </p:sp>
+      <p:pic>
+        <p:nvPicPr>
+          <p:cNvPr id="1027" name="Picture 3"/>
+          <p:cNvPicPr>
+            <a:picLocks noChangeAspect="1" noChangeArrowheads="1"/>
+          </p:cNvPicPr>
+          <p:nvPr/>
+        </p:nvPicPr>
+        <p:blipFill>
+          <a:blip r:embed="rId2" cstate="print">
+            <a:extLst>
+              <a:ext uri="{28A0092B-C50C-407E-A947-70E740481C1C}">
+                <a14:useLocalDpi xmlns:a14="http://schemas.microsoft.com/office/drawing/2010/main" val="0"/>
+              </a:ext>
+            </a:extLst>
+          </a:blip>
+          <a:srcRect/>
+          <a:stretch>
+            <a:fillRect/>
+          </a:stretch>
+        </p:blipFill>
+        <p:spPr bwMode="auto">
+          <a:xfrm>
+            <a:off x="3000396" y="1700808"/>
+            <a:ext cx="3011764" cy="2232248"/>
+          </a:xfrm>
+          <a:prstGeom prst="rect">
+            <a:avLst/>
+          </a:prstGeom>
+          <a:noFill/>
+          <a:ln>
+            <a:noFill/>
+          </a:ln>
+          <a:effectLst/>
+          <a:extLst>
+            <a:ext uri="{909E8E84-426E-40DD-AFC4-6F175D3DCCD1}">
+              <a14:hiddenFill xmlns:a14="http://schemas.microsoft.com/office/drawing/2010/main">
+                <a:solidFill>
+                  <a:schemeClr val="accent1"/>
+                </a:solidFill>
+              </a14:hiddenFill>
+            </a:ext>
+            <a:ext uri="{91240B29-F687-4F45-9708-019B960494DF}">
+              <a14:hiddenLine xmlns:a14="http://schemas.microsoft.com/office/drawing/2010/main" w="9525">
+                <a:solidFill>
+                  <a:schemeClr val="tx1"/>
+                </a:solidFill>
+                <a:miter lim="800000"/>
+                <a:headEnd/>
+                <a:tailEnd/>
+              </a14:hiddenLine>
+            </a:ext>
+            <a:ext uri="{AF507438-7753-43E0-B8FC-AC1667EBCBE1}">
+              <a14:hiddenEffects xmlns:a14="http://schemas.microsoft.com/office/drawing/2010/main">
+                <a:effectLst>
+                  <a:outerShdw dist="35921" dir="2700000" algn="ctr" rotWithShape="0">
+                    <a:schemeClr val="bg2"/>
+                  </a:outerShdw>
+                </a:effectLst>
+              </a14:hiddenEffects>
+            </a:ext>
+          </a:extLst>
+        </p:spPr>
+      </p:pic>
+      <p:pic>
+        <p:nvPicPr>
+          <p:cNvPr id="1028" name="Picture 4"/>
+          <p:cNvPicPr>
+            <a:picLocks noChangeAspect="1" noChangeArrowheads="1"/>
+          </p:cNvPicPr>
+          <p:nvPr/>
+        </p:nvPicPr>
+        <p:blipFill>
+          <a:blip r:embed="rId3" cstate="print">
+            <a:extLst>
+              <a:ext uri="{28A0092B-C50C-407E-A947-70E740481C1C}">
+                <a14:useLocalDpi xmlns:a14="http://schemas.microsoft.com/office/drawing/2010/main" val="0"/>
+              </a:ext>
+            </a:extLst>
+          </a:blip>
+          <a:srcRect/>
+          <a:stretch>
+            <a:fillRect/>
+          </a:stretch>
+        </p:blipFill>
+        <p:spPr bwMode="auto">
+          <a:xfrm>
+            <a:off x="4327" y="1700808"/>
+            <a:ext cx="3004113" cy="2220094"/>
+          </a:xfrm>
+          <a:prstGeom prst="rect">
+            <a:avLst/>
+          </a:prstGeom>
+          <a:noFill/>
+          <a:ln>
+            <a:noFill/>
+          </a:ln>
+          <a:effectLst/>
+          <a:extLst>
+            <a:ext uri="{909E8E84-426E-40DD-AFC4-6F175D3DCCD1}">
+              <a14:hiddenFill xmlns:a14="http://schemas.microsoft.com/office/drawing/2010/main">
+                <a:solidFill>
+                  <a:schemeClr val="accent1"/>
+                </a:solidFill>
+              </a14:hiddenFill>
+            </a:ext>
+            <a:ext uri="{91240B29-F687-4F45-9708-019B960494DF}">
+              <a14:hiddenLine xmlns:a14="http://schemas.microsoft.com/office/drawing/2010/main" w="9525">
+                <a:solidFill>
+                  <a:schemeClr val="tx1"/>
+                </a:solidFill>
+                <a:miter lim="800000"/>
+                <a:headEnd/>
+                <a:tailEnd/>
+              </a14:hiddenLine>
+            </a:ext>
+            <a:ext uri="{AF507438-7753-43E0-B8FC-AC1667EBCBE1}">
+              <a14:hiddenEffects xmlns:a14="http://schemas.microsoft.com/office/drawing/2010/main">
+                <a:effectLst>
+                  <a:outerShdw dist="35921" dir="2700000" algn="ctr" rotWithShape="0">
+                    <a:schemeClr val="bg2"/>
+                  </a:outerShdw>
+                </a:effectLst>
+              </a14:hiddenEffects>
+            </a:ext>
+          </a:extLst>
+        </p:spPr>
+      </p:pic>
+      <p:pic>
+        <p:nvPicPr>
+          <p:cNvPr id="1029" name="Picture 5"/>
+          <p:cNvPicPr>
+            <a:picLocks noChangeAspect="1" noChangeArrowheads="1"/>
+          </p:cNvPicPr>
+          <p:nvPr/>
+        </p:nvPicPr>
+        <p:blipFill>
+          <a:blip r:embed="rId4" cstate="print">
+            <a:extLst>
+              <a:ext uri="{28A0092B-C50C-407E-A947-70E740481C1C}">
+                <a14:useLocalDpi xmlns:a14="http://schemas.microsoft.com/office/drawing/2010/main" val="0"/>
+              </a:ext>
+            </a:extLst>
+          </a:blip>
+          <a:srcRect/>
+          <a:stretch>
+            <a:fillRect/>
+          </a:stretch>
+        </p:blipFill>
+        <p:spPr bwMode="auto">
+          <a:xfrm>
+            <a:off x="6156176" y="1700808"/>
+            <a:ext cx="2802363" cy="2048725"/>
+          </a:xfrm>
+          <a:prstGeom prst="rect">
+            <a:avLst/>
+          </a:prstGeom>
+          <a:noFill/>
+          <a:ln>
+            <a:noFill/>
+          </a:ln>
+          <a:effectLst/>
+          <a:extLst>
+            <a:ext uri="{909E8E84-426E-40DD-AFC4-6F175D3DCCD1}">
+              <a14:hiddenFill xmlns:a14="http://schemas.microsoft.com/office/drawing/2010/main">
+                <a:solidFill>
+                  <a:schemeClr val="accent1"/>
+                </a:solidFill>
+              </a14:hiddenFill>
+            </a:ext>
+            <a:ext uri="{91240B29-F687-4F45-9708-019B960494DF}">
+              <a14:hiddenLine xmlns:a14="http://schemas.microsoft.com/office/drawing/2010/main" w="9525">
+                <a:solidFill>
+                  <a:schemeClr val="tx1"/>
+                </a:solidFill>
+                <a:miter lim="800000"/>
+                <a:headEnd/>
+                <a:tailEnd/>
+              </a14:hiddenLine>
+            </a:ext>
+            <a:ext uri="{AF507438-7753-43E0-B8FC-AC1667EBCBE1}">
+              <a14:hiddenEffects xmlns:a14="http://schemas.microsoft.com/office/drawing/2010/main">
+                <a:effectLst>
+                  <a:outerShdw dist="35921" dir="2700000" algn="ctr" rotWithShape="0">
+                    <a:schemeClr val="bg2"/>
+                  </a:outerShdw>
+                </a:effectLst>
+              </a14:hiddenEffects>
+            </a:ext>
+          </a:extLst>
+        </p:spPr>
+      </p:pic>
+      <p:pic>
+        <p:nvPicPr>
+          <p:cNvPr id="1030" name="Picture 6"/>
+          <p:cNvPicPr>
+            <a:picLocks noChangeAspect="1" noChangeArrowheads="1"/>
+          </p:cNvPicPr>
+          <p:nvPr/>
+        </p:nvPicPr>
+        <p:blipFill>
+          <a:blip r:embed="rId5" cstate="print">
+            <a:extLst>
+              <a:ext uri="{28A0092B-C50C-407E-A947-70E740481C1C}">
+                <a14:useLocalDpi xmlns:a14="http://schemas.microsoft.com/office/drawing/2010/main" val="0"/>
+              </a:ext>
+            </a:extLst>
+          </a:blip>
+          <a:srcRect/>
+          <a:stretch>
+            <a:fillRect/>
+          </a:stretch>
+        </p:blipFill>
+        <p:spPr bwMode="auto">
+          <a:xfrm>
+            <a:off x="107504" y="4236031"/>
+            <a:ext cx="2989907" cy="2157032"/>
+          </a:xfrm>
+          <a:prstGeom prst="rect">
+            <a:avLst/>
+          </a:prstGeom>
+          <a:noFill/>
+          <a:ln>
+            <a:noFill/>
+          </a:ln>
+          <a:effectLst/>
+          <a:extLst>
+            <a:ext uri="{909E8E84-426E-40DD-AFC4-6F175D3DCCD1}">
+              <a14:hiddenFill xmlns:a14="http://schemas.microsoft.com/office/drawing/2010/main">
+                <a:solidFill>
+                  <a:schemeClr val="accent1"/>
+                </a:solidFill>
+              </a14:hiddenFill>
+            </a:ext>
+            <a:ext uri="{91240B29-F687-4F45-9708-019B960494DF}">
+              <a14:hiddenLine xmlns:a14="http://schemas.microsoft.com/office/drawing/2010/main" w="9525">
+                <a:solidFill>
+                  <a:schemeClr val="tx1"/>
+                </a:solidFill>
+                <a:miter lim="800000"/>
+                <a:headEnd/>
+                <a:tailEnd/>
+              </a14:hiddenLine>
+            </a:ext>
+            <a:ext uri="{AF507438-7753-43E0-B8FC-AC1667EBCBE1}">
+              <a14:hiddenEffects xmlns:a14="http://schemas.microsoft.com/office/drawing/2010/main">
+                <a:effectLst>
+                  <a:outerShdw dist="35921" dir="2700000" algn="ctr" rotWithShape="0">
+                    <a:schemeClr val="bg2"/>
+                  </a:outerShdw>
+                </a:effectLst>
+              </a14:hiddenEffects>
+            </a:ext>
+          </a:extLst>
+        </p:spPr>
+      </p:pic>
+      <p:pic>
+        <p:nvPicPr>
+          <p:cNvPr id="1031" name="Picture 7"/>
+          <p:cNvPicPr>
+            <a:picLocks noChangeAspect="1" noChangeArrowheads="1"/>
+          </p:cNvPicPr>
+          <p:nvPr/>
+        </p:nvPicPr>
+        <p:blipFill>
+          <a:blip r:embed="rId6" cstate="print">
+            <a:extLst>
+              <a:ext uri="{28A0092B-C50C-407E-A947-70E740481C1C}">
+                <a14:useLocalDpi xmlns:a14="http://schemas.microsoft.com/office/drawing/2010/main" val="0"/>
+              </a:ext>
+            </a:extLst>
+          </a:blip>
+          <a:srcRect/>
+          <a:stretch>
+            <a:fillRect/>
+          </a:stretch>
+        </p:blipFill>
+        <p:spPr bwMode="auto">
+          <a:xfrm>
+            <a:off x="6167545" y="4257054"/>
+            <a:ext cx="2903549" cy="2124274"/>
+          </a:xfrm>
+          <a:prstGeom prst="rect">
+            <a:avLst/>
+          </a:prstGeom>
+          <a:noFill/>
+          <a:ln>
+            <a:noFill/>
+          </a:ln>
+          <a:effectLst/>
+          <a:extLst>
+            <a:ext uri="{909E8E84-426E-40DD-AFC4-6F175D3DCCD1}">
+              <a14:hiddenFill xmlns:a14="http://schemas.microsoft.com/office/drawing/2010/main">
+                <a:solidFill>
+                  <a:schemeClr val="accent1"/>
+                </a:solidFill>
+              </a14:hiddenFill>
+            </a:ext>
+            <a:ext uri="{91240B29-F687-4F45-9708-019B960494DF}">
+              <a14:hiddenLine xmlns:a14="http://schemas.microsoft.com/office/drawing/2010/main" w="9525">
+                <a:solidFill>
+                  <a:schemeClr val="tx1"/>
+                </a:solidFill>
+                <a:miter lim="800000"/>
+                <a:headEnd/>
+                <a:tailEnd/>
+              </a14:hiddenLine>
+            </a:ext>
+            <a:ext uri="{AF507438-7753-43E0-B8FC-AC1667EBCBE1}">
+              <a14:hiddenEffects xmlns:a14="http://schemas.microsoft.com/office/drawing/2010/main">
+                <a:effectLst>
+                  <a:outerShdw dist="35921" dir="2700000" algn="ctr" rotWithShape="0">
+                    <a:schemeClr val="bg2"/>
+                  </a:outerShdw>
+                </a:effectLst>
+              </a14:hiddenEffects>
+            </a:ext>
+          </a:extLst>
+        </p:spPr>
+      </p:pic>
+      <p:pic>
+        <p:nvPicPr>
+          <p:cNvPr id="1032" name="Picture 8"/>
+          <p:cNvPicPr>
+            <a:picLocks noChangeAspect="1" noChangeArrowheads="1"/>
+          </p:cNvPicPr>
+          <p:nvPr/>
+        </p:nvPicPr>
+        <p:blipFill>
+          <a:blip r:embed="rId7" cstate="print">
+            <a:extLst>
+              <a:ext uri="{28A0092B-C50C-407E-A947-70E740481C1C}">
+                <a14:useLocalDpi xmlns:a14="http://schemas.microsoft.com/office/drawing/2010/main" val="0"/>
+              </a:ext>
+            </a:extLst>
+          </a:blip>
+          <a:srcRect/>
+          <a:stretch>
+            <a:fillRect/>
+          </a:stretch>
+        </p:blipFill>
+        <p:spPr bwMode="auto">
+          <a:xfrm>
+            <a:off x="3144550" y="4354554"/>
+            <a:ext cx="2727836" cy="1929273"/>
+          </a:xfrm>
+          <a:prstGeom prst="rect">
+            <a:avLst/>
+          </a:prstGeom>
+          <a:noFill/>
+          <a:ln>
+            <a:noFill/>
+          </a:ln>
+          <a:effectLst/>
+          <a:extLst>
+            <a:ext uri="{909E8E84-426E-40DD-AFC4-6F175D3DCCD1}">
+              <a14:hiddenFill xmlns:a14="http://schemas.microsoft.com/office/drawing/2010/main">
+                <a:solidFill>
+                  <a:schemeClr val="accent1"/>
+                </a:solidFill>
+              </a14:hiddenFill>
+            </a:ext>
+            <a:ext uri="{91240B29-F687-4F45-9708-019B960494DF}">
+              <a14:hiddenLine xmlns:a14="http://schemas.microsoft.com/office/drawing/2010/main" w="9525">
+                <a:solidFill>
+                  <a:schemeClr val="tx1"/>
+                </a:solidFill>
+                <a:miter lim="800000"/>
+                <a:headEnd/>
+                <a:tailEnd/>
+              </a14:hiddenLine>
+            </a:ext>
+            <a:ext uri="{AF507438-7753-43E0-B8FC-AC1667EBCBE1}">
+              <a14:hiddenEffects xmlns:a14="http://schemas.microsoft.com/office/drawing/2010/main">
+                <a:effectLst>
+                  <a:outerShdw dist="35921" dir="2700000" algn="ctr" rotWithShape="0">
+                    <a:schemeClr val="bg2"/>
+                  </a:outerShdw>
+                </a:effectLst>
+              </a14:hiddenEffects>
+            </a:ext>
+          </a:extLst>
+        </p:spPr>
+      </p:pic>
+    </p:spTree>
+    <p:extLst>
+      <p:ext uri="{BB962C8B-B14F-4D97-AF65-F5344CB8AC3E}">
+        <p14:creationId xmlns:p14="http://schemas.microsoft.com/office/powerpoint/2010/main" val="329599049"/>
+      </p:ext>
+    </p:extLst>
+  </p:cSld>
+  <p:clrMapOvr>
+    <a:masterClrMapping/>
+  </p:clrMapOvr>
+</p:sld>
+</file>
+
+<file path=ppt/slides/slide53.xml><?xml version="1.0" encoding="utf-8"?>
+<p:sld xmlns:a="http://schemas.openxmlformats.org/drawingml/2006/main" xmlns:r="http://schemas.openxmlformats.org/officeDocument/2006/relationships" xmlns:p="http://schemas.openxmlformats.org/presentationml/2006/main">
+  <p:cSld>
+    <p:spTree>
+      <p:nvGrpSpPr>
+        <p:cNvPr id="1" name=""/>
+        <p:cNvGrpSpPr/>
+        <p:nvPr/>
+      </p:nvGrpSpPr>
+      <p:grpSpPr>
+        <a:xfrm>
+          <a:off x="0" y="0"/>
+          <a:ext cx="0" cy="0"/>
+          <a:chOff x="0" y="0"/>
+          <a:chExt cx="0" cy="0"/>
+        </a:xfrm>
+      </p:grpSpPr>
+      <p:sp>
+        <p:nvSpPr>
+          <p:cNvPr id="2" name="1 Título"/>
+          <p:cNvSpPr>
+            <a:spLocks noGrp="1"/>
+          </p:cNvSpPr>
+          <p:nvPr>
+            <p:ph type="title"/>
+          </p:nvPr>
+        </p:nvSpPr>
+        <p:spPr/>
+        <p:txBody>
+          <a:bodyPr/>
+          <a:lstStyle/>
+          <a:p>
+            <a:r>
+              <a:rPr lang="en-US" dirty="0" smtClean="0"/>
+              <a:t>Other </a:t>
+            </a:r>
+            <a:r>
+              <a:rPr lang="en-US" dirty="0" err="1" smtClean="0"/>
+              <a:t>retros</a:t>
+            </a:r>
+            <a:r>
+              <a:rPr lang="en-US" dirty="0" smtClean="0"/>
+              <a:t>?</a:t>
+            </a:r>
+            <a:endParaRPr lang="en-US" dirty="0"/>
+          </a:p>
+        </p:txBody>
+      </p:sp>
+      <p:sp>
+        <p:nvSpPr>
+          <p:cNvPr id="3" name="2 Marcador de contenido"/>
+          <p:cNvSpPr>
+            <a:spLocks noGrp="1"/>
+          </p:cNvSpPr>
+          <p:nvPr>
+            <p:ph idx="1"/>
+          </p:nvPr>
+        </p:nvSpPr>
+        <p:spPr/>
+        <p:txBody>
+          <a:bodyPr/>
+          <a:lstStyle/>
+          <a:p>
+            <a:r>
+              <a:rPr lang="en-US" dirty="0" err="1" smtClean="0"/>
+              <a:t>Maggy</a:t>
+            </a:r>
+            <a:endParaRPr lang="en-US" dirty="0" smtClean="0"/>
+          </a:p>
+          <a:p>
+            <a:r>
+              <a:rPr lang="en-US" dirty="0" smtClean="0"/>
+              <a:t>Retro5(interesting for exp5)</a:t>
+            </a:r>
+          </a:p>
+          <a:p>
+            <a:r>
+              <a:rPr lang="en-US" dirty="0" err="1" smtClean="0"/>
+              <a:t>Pyret</a:t>
+            </a:r>
+            <a:endParaRPr lang="en-US" dirty="0" smtClean="0"/>
+          </a:p>
+          <a:p>
+            <a:r>
+              <a:rPr lang="en-US" dirty="0" smtClean="0"/>
+              <a:t>…</a:t>
+            </a:r>
+            <a:endParaRPr lang="en-US" dirty="0"/>
+          </a:p>
+        </p:txBody>
+      </p:sp>
+    </p:spTree>
+    <p:extLst>
+      <p:ext uri="{BB962C8B-B14F-4D97-AF65-F5344CB8AC3E}">
+        <p14:creationId xmlns:p14="http://schemas.microsoft.com/office/powerpoint/2010/main" val="2799631365"/>
+      </p:ext>
+    </p:extLst>
+  </p:cSld>
+  <p:clrMapOvr>
+    <a:masterClrMapping/>
+  </p:clrMapOvr>
+</p:sld>
+</file>
+
+<file path=ppt/slides/slide54.xml><?xml version="1.0" encoding="utf-8"?>
+<p:sld xmlns:a="http://schemas.openxmlformats.org/drawingml/2006/main" xmlns:r="http://schemas.openxmlformats.org/officeDocument/2006/relationships" xmlns:p="http://schemas.openxmlformats.org/presentationml/2006/main">
+  <p:cSld>
+    <p:spTree>
+      <p:nvGrpSpPr>
+        <p:cNvPr id="1" name=""/>
+        <p:cNvGrpSpPr/>
+        <p:nvPr/>
+      </p:nvGrpSpPr>
+      <p:grpSpPr>
+        <a:xfrm>
+          <a:off x="0" y="0"/>
+          <a:ext cx="0" cy="0"/>
+          <a:chOff x="0" y="0"/>
+          <a:chExt cx="0" cy="0"/>
+        </a:xfrm>
+      </p:grpSpPr>
+      <p:sp>
+        <p:nvSpPr>
+          <p:cNvPr id="2" name="1 Título"/>
+          <p:cNvSpPr>
+            <a:spLocks noGrp="1"/>
+          </p:cNvSpPr>
+          <p:nvPr>
+            <p:ph type="title"/>
+          </p:nvPr>
+        </p:nvSpPr>
+        <p:spPr/>
+        <p:txBody>
+          <a:bodyPr/>
+          <a:lstStyle/>
+          <a:p>
+            <a:r>
+              <a:rPr lang="en-US" dirty="0" err="1" smtClean="0"/>
+              <a:t>tRNA</a:t>
+            </a:r>
+            <a:endParaRPr lang="en-US" dirty="0"/>
+          </a:p>
+        </p:txBody>
+      </p:sp>
+      <p:sp>
+        <p:nvSpPr>
+          <p:cNvPr id="3" name="2 Marcador de contenido"/>
+          <p:cNvSpPr>
+            <a:spLocks noGrp="1"/>
+          </p:cNvSpPr>
+          <p:nvPr>
+            <p:ph idx="1"/>
+          </p:nvPr>
+        </p:nvSpPr>
+        <p:spPr/>
+        <p:txBody>
+          <a:bodyPr/>
+          <a:lstStyle/>
+          <a:p>
+            <a:r>
+              <a:rPr lang="en-US" dirty="0" smtClean="0"/>
+              <a:t>They are all up in rbp35 and down in exp5</a:t>
+            </a:r>
+          </a:p>
+          <a:p>
+            <a:r>
+              <a:rPr lang="en-US" dirty="0" err="1" smtClean="0"/>
+              <a:t>tRNA-glu</a:t>
+            </a:r>
+            <a:r>
+              <a:rPr lang="en-US" dirty="0" smtClean="0"/>
+              <a:t> looks good for both</a:t>
+            </a:r>
+            <a:endParaRPr lang="en-US" dirty="0"/>
+          </a:p>
+        </p:txBody>
+      </p:sp>
+    </p:spTree>
+    <p:extLst>
+      <p:ext uri="{BB962C8B-B14F-4D97-AF65-F5344CB8AC3E}">
+        <p14:creationId xmlns:p14="http://schemas.microsoft.com/office/powerpoint/2010/main" val="2817225959"/>
+      </p:ext>
+    </p:extLst>
+  </p:cSld>
+  <p:clrMapOvr>
+    <a:masterClrMapping/>
+  </p:clrMapOvr>
+</p:sld>
+</file>
+
+<file path=ppt/slides/slide55.xml><?xml version="1.0" encoding="utf-8"?>
+<p:sld xmlns:a="http://schemas.openxmlformats.org/drawingml/2006/main" xmlns:r="http://schemas.openxmlformats.org/officeDocument/2006/relationships" xmlns:p="http://schemas.openxmlformats.org/presentationml/2006/main">
+  <p:cSld>
+    <p:spTree>
+      <p:nvGrpSpPr>
+        <p:cNvPr id="1" name=""/>
+        <p:cNvGrpSpPr/>
+        <p:nvPr/>
+      </p:nvGrpSpPr>
+      <p:grpSpPr>
+        <a:xfrm>
+          <a:off x="0" y="0"/>
+          <a:ext cx="0" cy="0"/>
+          <a:chOff x="0" y="0"/>
+          <a:chExt cx="0" cy="0"/>
+        </a:xfrm>
+      </p:grpSpPr>
+      <p:sp>
+        <p:nvSpPr>
+          <p:cNvPr id="2" name="Title 1"/>
+          <p:cNvSpPr>
+            <a:spLocks noGrp="1"/>
+          </p:cNvSpPr>
+          <p:nvPr>
+            <p:ph type="title"/>
+          </p:nvPr>
+        </p:nvSpPr>
+        <p:spPr/>
+        <p:txBody>
+          <a:bodyPr>
+            <a:normAutofit fontScale="90000"/>
+          </a:bodyPr>
+          <a:lstStyle/>
+          <a:p>
+            <a:r>
+              <a:rPr lang="en-US" dirty="0" smtClean="0"/>
+              <a:t>A new class of protein-coding related small RNA is found </a:t>
+            </a:r>
+            <a:endParaRPr lang="en-US" dirty="0"/>
+          </a:p>
+        </p:txBody>
+      </p:sp>
+      <p:cxnSp>
+        <p:nvCxnSpPr>
+          <p:cNvPr id="8" name="Straight Connector 7"/>
+          <p:cNvCxnSpPr/>
+          <p:nvPr/>
+        </p:nvCxnSpPr>
+        <p:spPr>
+          <a:xfrm>
+            <a:off x="152400" y="2286000"/>
+            <a:ext cx="8915400" cy="0"/>
+          </a:xfrm>
+          <a:prstGeom prst="line">
+            <a:avLst/>
+          </a:prstGeom>
+          <a:ln>
+            <a:solidFill>
+              <a:schemeClr val="tx1"/>
+            </a:solidFill>
+          </a:ln>
+        </p:spPr>
+        <p:style>
+          <a:lnRef idx="1">
+            <a:schemeClr val="accent1"/>
+          </a:lnRef>
+          <a:fillRef idx="0">
+            <a:schemeClr val="accent1"/>
+          </a:fillRef>
+          <a:effectRef idx="0">
+            <a:schemeClr val="accent1"/>
+          </a:effectRef>
+          <a:fontRef idx="minor">
+            <a:schemeClr val="tx1"/>
+          </a:fontRef>
+        </p:style>
+      </p:cxnSp>
+      <p:sp>
+        <p:nvSpPr>
+          <p:cNvPr id="4" name="Right Arrow 3"/>
+          <p:cNvSpPr/>
+          <p:nvPr/>
+        </p:nvSpPr>
+        <p:spPr>
+          <a:xfrm>
+            <a:off x="3048000" y="1981200"/>
+            <a:ext cx="5791200" cy="609600"/>
+          </a:xfrm>
+          <a:prstGeom prst="rightArrow">
+            <a:avLst/>
+          </a:prstGeom>
+        </p:spPr>
+        <p:style>
+          <a:lnRef idx="2">
+            <a:schemeClr val="accent1">
+              <a:shade val="50000"/>
+            </a:schemeClr>
+          </a:lnRef>
+          <a:fillRef idx="1">
+            <a:schemeClr val="accent1"/>
+          </a:fillRef>
+          <a:effectRef idx="0">
+            <a:schemeClr val="accent1"/>
+          </a:effectRef>
+          <a:fontRef idx="minor">
+            <a:schemeClr val="lt1"/>
+          </a:fontRef>
+        </p:style>
+        <p:txBody>
+          <a:bodyPr rtlCol="0" anchor="ctr"/>
+          <a:lstStyle/>
+          <a:p>
+            <a:pPr algn="ctr"/>
+            <a:r>
+              <a:rPr lang="en-US" dirty="0" smtClean="0"/>
+              <a:t>Protein-coding gene</a:t>
+            </a:r>
+            <a:endParaRPr lang="en-US" dirty="0"/>
+          </a:p>
+        </p:txBody>
+      </p:sp>
+      <p:sp>
+        <p:nvSpPr>
+          <p:cNvPr id="9" name="Left Arrow 8"/>
+          <p:cNvSpPr/>
+          <p:nvPr/>
+        </p:nvSpPr>
+        <p:spPr>
+          <a:xfrm>
+            <a:off x="838200" y="2133600"/>
+            <a:ext cx="1447800" cy="304800"/>
+          </a:xfrm>
+          <a:prstGeom prst="leftArrow">
+            <a:avLst/>
+          </a:prstGeom>
+          <a:solidFill>
+            <a:srgbClr val="FFC000"/>
+          </a:solidFill>
+        </p:spPr>
+        <p:style>
+          <a:lnRef idx="2">
+            <a:schemeClr val="accent1">
+              <a:shade val="50000"/>
+            </a:schemeClr>
+          </a:lnRef>
+          <a:fillRef idx="1">
+            <a:schemeClr val="accent1"/>
+          </a:fillRef>
+          <a:effectRef idx="0">
+            <a:schemeClr val="accent1"/>
+          </a:effectRef>
+          <a:fontRef idx="minor">
+            <a:schemeClr val="lt1"/>
+          </a:fontRef>
+        </p:style>
+        <p:txBody>
+          <a:bodyPr rtlCol="0" anchor="ctr"/>
+          <a:lstStyle/>
+          <a:p>
+            <a:pPr algn="ctr"/>
+            <a:endParaRPr lang="en-US"/>
+          </a:p>
+        </p:txBody>
+      </p:sp>
+      <p:pic>
+        <p:nvPicPr>
+          <p:cNvPr id="13" name="Picture 2"/>
+          <p:cNvPicPr>
+            <a:picLocks noChangeAspect="1" noChangeArrowheads="1"/>
+          </p:cNvPicPr>
+          <p:nvPr/>
+        </p:nvPicPr>
+        <p:blipFill>
+          <a:blip r:embed="rId3">
+            <a:extLst>
+              <a:ext uri="{28A0092B-C50C-407E-A947-70E740481C1C}">
+                <a14:useLocalDpi xmlns:a14="http://schemas.microsoft.com/office/drawing/2010/main" val="0"/>
+              </a:ext>
+            </a:extLst>
+          </a:blip>
+          <a:srcRect/>
+          <a:stretch>
+            <a:fillRect/>
+          </a:stretch>
+        </p:blipFill>
+        <p:spPr bwMode="auto">
+          <a:xfrm>
+            <a:off x="5638800" y="3364645"/>
+            <a:ext cx="2800350" cy="2781300"/>
+          </a:xfrm>
+          <a:prstGeom prst="rect">
+            <a:avLst/>
+          </a:prstGeom>
+          <a:noFill/>
+          <a:ln>
+            <a:noFill/>
+          </a:ln>
+          <a:effectLst/>
+          <a:extLst>
+            <a:ext uri="{909E8E84-426E-40DD-AFC4-6F175D3DCCD1}">
+              <a14:hiddenFill xmlns:a14="http://schemas.microsoft.com/office/drawing/2010/main">
+                <a:solidFill>
+                  <a:schemeClr val="accent1"/>
+                </a:solidFill>
+              </a14:hiddenFill>
+            </a:ext>
+            <a:ext uri="{91240B29-F687-4F45-9708-019B960494DF}">
+              <a14:hiddenLine xmlns:a14="http://schemas.microsoft.com/office/drawing/2010/main" w="9525">
+                <a:solidFill>
+                  <a:schemeClr val="tx1"/>
+                </a:solidFill>
+                <a:miter lim="800000"/>
+                <a:headEnd/>
+                <a:tailEnd/>
+              </a14:hiddenLine>
+            </a:ext>
+            <a:ext uri="{AF507438-7753-43E0-B8FC-AC1667EBCBE1}">
+              <a14:hiddenEffects xmlns:a14="http://schemas.microsoft.com/office/drawing/2010/main">
+                <a:effectLst>
+                  <a:outerShdw dist="35921" dir="2700000" algn="ctr" rotWithShape="0">
+                    <a:schemeClr val="bg2"/>
+                  </a:outerShdw>
+                </a:effectLst>
+              </a14:hiddenEffects>
+            </a:ext>
+          </a:extLst>
+        </p:spPr>
+      </p:pic>
+      <p:sp>
+        <p:nvSpPr>
+          <p:cNvPr id="3" name="2 Rectángulo"/>
+          <p:cNvSpPr/>
+          <p:nvPr/>
+        </p:nvSpPr>
+        <p:spPr>
+          <a:xfrm>
+            <a:off x="5562600" y="3203544"/>
+            <a:ext cx="1295400" cy="612744"/>
+          </a:xfrm>
+          <a:prstGeom prst="rect">
+            <a:avLst/>
+          </a:prstGeom>
+          <a:solidFill>
+            <a:schemeClr val="bg1"/>
+          </a:solidFill>
+          <a:ln>
+            <a:solidFill>
+              <a:schemeClr val="bg1"/>
+            </a:solidFill>
+          </a:ln>
+        </p:spPr>
+        <p:style>
+          <a:lnRef idx="2">
+            <a:schemeClr val="accent1">
+              <a:shade val="50000"/>
+            </a:schemeClr>
+          </a:lnRef>
+          <a:fillRef idx="1">
+            <a:schemeClr val="accent1"/>
+          </a:fillRef>
+          <a:effectRef idx="0">
+            <a:schemeClr val="accent1"/>
+          </a:effectRef>
+          <a:fontRef idx="minor">
+            <a:schemeClr val="lt1"/>
+          </a:fontRef>
+        </p:style>
+        <p:txBody>
+          <a:bodyPr rtlCol="0" anchor="ctr"/>
+          <a:lstStyle/>
+          <a:p>
+            <a:pPr algn="ctr"/>
+            <a:endParaRPr lang="en-US"/>
+          </a:p>
+        </p:txBody>
+      </p:sp>
+      <p:sp>
+        <p:nvSpPr>
+          <p:cNvPr id="12" name="Rectangle 9"/>
+          <p:cNvSpPr/>
+          <p:nvPr/>
+        </p:nvSpPr>
+        <p:spPr>
+          <a:xfrm>
+            <a:off x="38100" y="3816288"/>
+            <a:ext cx="4572000" cy="1015663"/>
+          </a:xfrm>
+          <a:prstGeom prst="rect">
+            <a:avLst/>
+          </a:prstGeom>
+          <a:ln>
+            <a:solidFill>
+              <a:schemeClr val="tx1"/>
+            </a:solidFill>
+          </a:ln>
+        </p:spPr>
+        <p:txBody>
+          <a:bodyPr>
+            <a:spAutoFit/>
+          </a:bodyPr>
+          <a:lstStyle/>
+          <a:p>
+            <a:pPr algn="ctr"/>
+            <a:r>
+              <a:rPr lang="en-US" sz="2000" dirty="0" smtClean="0"/>
+              <a:t>At least 12 protein-coding genes </a:t>
+            </a:r>
+            <a:endParaRPr lang="en-US" sz="2000" dirty="0"/>
+          </a:p>
+          <a:p>
+            <a:pPr algn="ctr"/>
+            <a:r>
+              <a:rPr lang="en-US" sz="2000" dirty="0" smtClean="0"/>
+              <a:t>Identified with an upstream unknown </a:t>
+            </a:r>
+            <a:r>
+              <a:rPr lang="en-US" sz="2000" dirty="0" err="1" smtClean="0"/>
+              <a:t>smallRNA</a:t>
+            </a:r>
+            <a:endParaRPr lang="en-US" sz="2000" dirty="0"/>
+          </a:p>
+        </p:txBody>
+      </p:sp>
+      <p:sp>
+        <p:nvSpPr>
+          <p:cNvPr id="17" name="TextBox 10"/>
+          <p:cNvSpPr txBox="1"/>
+          <p:nvPr/>
+        </p:nvSpPr>
+        <p:spPr>
+          <a:xfrm>
+            <a:off x="908700" y="2496234"/>
+            <a:ext cx="1377300" cy="646331"/>
+          </a:xfrm>
+          <a:prstGeom prst="rect">
+            <a:avLst/>
+          </a:prstGeom>
+          <a:noFill/>
+        </p:spPr>
+        <p:txBody>
+          <a:bodyPr wrap="none" rtlCol="0">
+            <a:spAutoFit/>
+          </a:bodyPr>
+          <a:lstStyle/>
+          <a:p>
+            <a:r>
+              <a:rPr lang="en-US" dirty="0" smtClean="0">
+                <a:latin typeface="Verdana" pitchFamily="34" charset="0"/>
+                <a:cs typeface="Arial" pitchFamily="34" charset="0"/>
+              </a:rPr>
+              <a:t>Unknown </a:t>
+            </a:r>
+          </a:p>
+          <a:p>
+            <a:r>
+              <a:rPr lang="en-US" dirty="0" err="1" smtClean="0">
+                <a:latin typeface="Verdana" pitchFamily="34" charset="0"/>
+                <a:cs typeface="Arial" pitchFamily="34" charset="0"/>
+              </a:rPr>
+              <a:t>smallRNA</a:t>
+            </a:r>
+            <a:r>
+              <a:rPr lang="en-US" dirty="0" smtClean="0">
+                <a:latin typeface="Verdana" pitchFamily="34" charset="0"/>
+                <a:cs typeface="Arial" pitchFamily="34" charset="0"/>
+              </a:rPr>
+              <a:t>!</a:t>
+            </a:r>
+            <a:endParaRPr lang="en-US" dirty="0">
+              <a:latin typeface="Verdana" pitchFamily="34" charset="0"/>
+              <a:cs typeface="Arial" pitchFamily="34" charset="0"/>
+            </a:endParaRPr>
+          </a:p>
+        </p:txBody>
+      </p:sp>
+      <p:sp>
+        <p:nvSpPr>
+          <p:cNvPr id="18" name="TextBox 11"/>
+          <p:cNvSpPr txBox="1"/>
+          <p:nvPr/>
+        </p:nvSpPr>
+        <p:spPr>
+          <a:xfrm>
+            <a:off x="445223" y="5228220"/>
+            <a:ext cx="3824316" cy="1015663"/>
+          </a:xfrm>
+          <a:prstGeom prst="rect">
+            <a:avLst/>
+          </a:prstGeom>
+          <a:solidFill>
+            <a:schemeClr val="bg1"/>
+          </a:solidFill>
+        </p:spPr>
+        <p:txBody>
+          <a:bodyPr wrap="none" rtlCol="0">
+            <a:spAutoFit/>
+          </a:bodyPr>
+          <a:lstStyle/>
+          <a:p>
+            <a:pPr algn="ctr"/>
+            <a:r>
+              <a:rPr lang="en-US" sz="2000" b="1" dirty="0" smtClean="0">
+                <a:solidFill>
+                  <a:srgbClr val="FF0000"/>
+                </a:solidFill>
+              </a:rPr>
+              <a:t>Same situation conserved in other</a:t>
+            </a:r>
+          </a:p>
+          <a:p>
+            <a:pPr algn="ctr"/>
+            <a:r>
+              <a:rPr lang="en-US" sz="2000" b="1" dirty="0" smtClean="0">
+                <a:solidFill>
+                  <a:srgbClr val="FF0000"/>
+                </a:solidFill>
+              </a:rPr>
+              <a:t> filamentous fungi! </a:t>
+            </a:r>
+          </a:p>
+          <a:p>
+            <a:pPr algn="ctr"/>
+            <a:r>
+              <a:rPr lang="en-US" sz="2000" b="1" dirty="0" smtClean="0">
+                <a:solidFill>
+                  <a:srgbClr val="FF0000"/>
+                </a:solidFill>
+              </a:rPr>
+              <a:t>(but not yeasts)</a:t>
+            </a:r>
+            <a:endParaRPr lang="en-US" sz="2000" b="1" dirty="0">
+              <a:solidFill>
+                <a:srgbClr val="FF0000"/>
+              </a:solidFill>
+            </a:endParaRPr>
+          </a:p>
+        </p:txBody>
+      </p:sp>
+      <p:cxnSp>
+        <p:nvCxnSpPr>
+          <p:cNvPr id="19" name="Straight Arrow Connector 5"/>
+          <p:cNvCxnSpPr/>
+          <p:nvPr/>
+        </p:nvCxnSpPr>
+        <p:spPr>
+          <a:xfrm flipV="1">
+            <a:off x="3441700" y="2590801"/>
+            <a:ext cx="1816100" cy="1225487"/>
+          </a:xfrm>
+          <a:prstGeom prst="straightConnector1">
+            <a:avLst/>
+          </a:prstGeom>
+          <a:ln>
+            <a:tailEnd type="arrow"/>
+          </a:ln>
+        </p:spPr>
+        <p:style>
+          <a:lnRef idx="1">
+            <a:schemeClr val="accent1"/>
+          </a:lnRef>
+          <a:fillRef idx="0">
+            <a:schemeClr val="accent1"/>
+          </a:fillRef>
+          <a:effectRef idx="0">
+            <a:schemeClr val="accent1"/>
+          </a:effectRef>
+          <a:fontRef idx="minor">
+            <a:schemeClr val="tx1"/>
+          </a:fontRef>
+        </p:style>
+      </p:cxnSp>
+      <p:cxnSp>
+        <p:nvCxnSpPr>
+          <p:cNvPr id="20" name="Straight Arrow Connector 5"/>
+          <p:cNvCxnSpPr/>
+          <p:nvPr/>
+        </p:nvCxnSpPr>
+        <p:spPr>
+          <a:xfrm flipH="1" flipV="1">
+            <a:off x="1981200" y="3203545"/>
+            <a:ext cx="1460500" cy="612743"/>
+          </a:xfrm>
+          <a:prstGeom prst="straightConnector1">
+            <a:avLst/>
+          </a:prstGeom>
+          <a:ln>
+            <a:tailEnd type="arrow"/>
+          </a:ln>
+        </p:spPr>
+        <p:style>
+          <a:lnRef idx="1">
+            <a:schemeClr val="accent1"/>
+          </a:lnRef>
+          <a:fillRef idx="0">
+            <a:schemeClr val="accent1"/>
+          </a:fillRef>
+          <a:effectRef idx="0">
+            <a:schemeClr val="accent1"/>
+          </a:effectRef>
+          <a:fontRef idx="minor">
+            <a:schemeClr val="tx1"/>
+          </a:fontRef>
+        </p:style>
+      </p:cxnSp>
+    </p:spTree>
+    <p:extLst>
+      <p:ext uri="{BB962C8B-B14F-4D97-AF65-F5344CB8AC3E}">
+        <p14:creationId xmlns:p14="http://schemas.microsoft.com/office/powerpoint/2010/main" val="1463551320"/>
+      </p:ext>
+    </p:extLst>
+  </p:cSld>
+  <p:clrMapOvr>
+    <a:masterClrMapping/>
+  </p:clrMapOvr>
+  <p:timing>
+    <p:tnLst>
+      <p:par>
+        <p:cTn id="1" dur="indefinite" restart="never" nodeType="tmRoot"/>
+      </p:par>
+    </p:tnLst>
+  </p:timing>
+</p:sld>
+</file>
+
+<file path=ppt/slides/slide56.xml><?xml version="1.0" encoding="utf-8"?>
+<p:sld xmlns:a="http://schemas.openxmlformats.org/drawingml/2006/main" xmlns:r="http://schemas.openxmlformats.org/officeDocument/2006/relationships" xmlns:p="http://schemas.openxmlformats.org/presentationml/2006/main">
+  <p:cSld>
+    <p:spTree>
+      <p:nvGrpSpPr>
+        <p:cNvPr id="1" name=""/>
+        <p:cNvGrpSpPr/>
+        <p:nvPr/>
+      </p:nvGrpSpPr>
+      <p:grpSpPr>
+        <a:xfrm>
+          <a:off x="0" y="0"/>
+          <a:ext cx="0" cy="0"/>
+          <a:chOff x="0" y="0"/>
+          <a:chExt cx="0" cy="0"/>
+        </a:xfrm>
+      </p:grpSpPr>
+      <p:sp>
+        <p:nvSpPr>
+          <p:cNvPr id="2" name="1 Título"/>
+          <p:cNvSpPr>
+            <a:spLocks noGrp="1"/>
+          </p:cNvSpPr>
+          <p:nvPr>
+            <p:ph type="title"/>
+          </p:nvPr>
+        </p:nvSpPr>
+        <p:spPr>
+          <a:xfrm>
+            <a:off x="755576" y="836712"/>
+            <a:ext cx="8229600" cy="1143000"/>
+          </a:xfrm>
+        </p:spPr>
+        <p:txBody>
+          <a:bodyPr>
+            <a:normAutofit fontScale="90000"/>
+          </a:bodyPr>
+          <a:lstStyle/>
+          <a:p>
+            <a:r>
+              <a:rPr lang="en-US" dirty="0" smtClean="0"/>
+              <a:t/>
+            </a:r>
+            <a:br>
+              <a:rPr lang="en-US" dirty="0" smtClean="0"/>
+            </a:br>
+            <a:r>
+              <a:rPr lang="en-US" dirty="0"/>
+              <a:t/>
+            </a:r>
+            <a:br>
+              <a:rPr lang="en-US" dirty="0"/>
+            </a:br>
+            <a:r>
+              <a:rPr lang="en-US" dirty="0" smtClean="0"/>
+              <a:t/>
+            </a:r>
+            <a:br>
+              <a:rPr lang="en-US" dirty="0" smtClean="0"/>
+            </a:br>
+            <a:r>
+              <a:rPr lang="en-US" dirty="0"/>
+              <a:t/>
+            </a:r>
+            <a:br>
+              <a:rPr lang="en-US" dirty="0"/>
+            </a:br>
+            <a:r>
+              <a:rPr lang="en-US" dirty="0" smtClean="0"/>
+              <a:t/>
+            </a:r>
+            <a:br>
+              <a:rPr lang="en-US" dirty="0" smtClean="0"/>
+            </a:br>
+            <a:r>
+              <a:rPr lang="en-US" dirty="0" smtClean="0"/>
+              <a:t>Any gene? (MGG_15866, MGG_01240)</a:t>
+            </a:r>
+            <a:br>
+              <a:rPr lang="en-US" dirty="0" smtClean="0"/>
+            </a:br>
+            <a:r>
+              <a:rPr lang="en-US"/>
+              <a:t/>
+            </a:r>
+            <a:br>
+              <a:rPr lang="en-US"/>
+            </a:br>
+            <a:r>
+              <a:rPr lang="en-US" dirty="0" smtClean="0"/>
+              <a:t/>
+            </a:r>
+            <a:br>
+              <a:rPr lang="en-US" dirty="0" smtClean="0"/>
+            </a:br>
+            <a:r>
+              <a:rPr lang="en-US" dirty="0"/>
+              <a:t/>
+            </a:r>
+            <a:br>
+              <a:rPr lang="en-US" dirty="0"/>
+            </a:br>
+            <a:r>
+              <a:rPr lang="en-US" dirty="0" smtClean="0"/>
+              <a:t>The unknown EST?</a:t>
+            </a:r>
+            <a:endParaRPr lang="en-US" dirty="0"/>
+          </a:p>
+        </p:txBody>
+      </p:sp>
+    </p:spTree>
+    <p:extLst>
+      <p:ext uri="{BB962C8B-B14F-4D97-AF65-F5344CB8AC3E}">
+        <p14:creationId xmlns:p14="http://schemas.microsoft.com/office/powerpoint/2010/main" val="2304848474"/>
+      </p:ext>
+    </p:extLst>
+  </p:cSld>
+  <p:clrMapOvr>
+    <a:masterClrMapping/>
+  </p:clrMapOvr>
+</p:sld>
+</file>
+
+<file path=ppt/slides/slide57.xml><?xml version="1.0" encoding="utf-8"?>
+<p:sld xmlns:a="http://schemas.openxmlformats.org/drawingml/2006/main" xmlns:r="http://schemas.openxmlformats.org/officeDocument/2006/relationships" xmlns:p="http://schemas.openxmlformats.org/presentationml/2006/main">
+  <p:cSld>
+    <p:spTree>
+      <p:nvGrpSpPr>
+        <p:cNvPr id="1" name=""/>
+        <p:cNvGrpSpPr/>
+        <p:nvPr/>
+      </p:nvGrpSpPr>
+      <p:grpSpPr>
+        <a:xfrm>
+          <a:off x="0" y="0"/>
+          <a:ext cx="0" cy="0"/>
+          <a:chOff x="0" y="0"/>
+          <a:chExt cx="0" cy="0"/>
+        </a:xfrm>
+      </p:grpSpPr>
+      <p:sp>
+        <p:nvSpPr>
+          <p:cNvPr id="2" name="1 Título"/>
+          <p:cNvSpPr>
+            <a:spLocks noGrp="1"/>
+          </p:cNvSpPr>
+          <p:nvPr>
+            <p:ph type="title"/>
+          </p:nvPr>
+        </p:nvSpPr>
+        <p:spPr/>
+        <p:txBody>
+          <a:bodyPr/>
+          <a:lstStyle/>
+          <a:p>
+            <a:endParaRPr lang="en-US"/>
+          </a:p>
+        </p:txBody>
+      </p:sp>
+    </p:spTree>
+    <p:extLst>
+      <p:ext uri="{BB962C8B-B14F-4D97-AF65-F5344CB8AC3E}">
+        <p14:creationId xmlns:p14="http://schemas.microsoft.com/office/powerpoint/2010/main" val="1972501346"/>
+      </p:ext>
+    </p:extLst>
+  </p:cSld>
+  <p:clrMapOvr>
+    <a:masterClrMapping/>
+  </p:clrMapOvr>
 </p:sld>
 </file>
 

--- a/doc/small/small_presentation.pptx
+++ b/doc/small/small_presentation.pptx
@@ -5,7 +5,7 @@
     <p:sldMasterId id="2147483648" r:id="rId1"/>
   </p:sldMasterIdLst>
   <p:notesMasterIdLst>
-    <p:notesMasterId r:id="rId59"/>
+    <p:notesMasterId r:id="rId66"/>
   </p:notesMasterIdLst>
   <p:sldIdLst>
     <p:sldId id="257" r:id="rId2"/>
@@ -55,16 +55,23 @@
     <p:sldId id="295" r:id="rId46"/>
     <p:sldId id="296" r:id="rId47"/>
     <p:sldId id="297" r:id="rId48"/>
-    <p:sldId id="316" r:id="rId49"/>
-    <p:sldId id="317" r:id="rId50"/>
-    <p:sldId id="318" r:id="rId51"/>
-    <p:sldId id="319" r:id="rId52"/>
-    <p:sldId id="320" r:id="rId53"/>
-    <p:sldId id="321" r:id="rId54"/>
-    <p:sldId id="322" r:id="rId55"/>
-    <p:sldId id="325" r:id="rId56"/>
-    <p:sldId id="323" r:id="rId57"/>
-    <p:sldId id="324" r:id="rId58"/>
+    <p:sldId id="326" r:id="rId49"/>
+    <p:sldId id="327" r:id="rId50"/>
+    <p:sldId id="328" r:id="rId51"/>
+    <p:sldId id="329" r:id="rId52"/>
+    <p:sldId id="330" r:id="rId53"/>
+    <p:sldId id="331" r:id="rId54"/>
+    <p:sldId id="332" r:id="rId55"/>
+    <p:sldId id="316" r:id="rId56"/>
+    <p:sldId id="317" r:id="rId57"/>
+    <p:sldId id="318" r:id="rId58"/>
+    <p:sldId id="319" r:id="rId59"/>
+    <p:sldId id="320" r:id="rId60"/>
+    <p:sldId id="321" r:id="rId61"/>
+    <p:sldId id="322" r:id="rId62"/>
+    <p:sldId id="325" r:id="rId63"/>
+    <p:sldId id="323" r:id="rId64"/>
+    <p:sldId id="324" r:id="rId65"/>
   </p:sldIdLst>
   <p:sldSz cx="9144000" cy="6858000" type="screen4x3"/>
   <p:notesSz cx="6858000" cy="9144000"/>
@@ -349,11 +356,11 @@
           <c:showBubbleSize val="0"/>
         </c:dLbls>
         <c:gapWidth val="150"/>
-        <c:axId val="102558336"/>
-        <c:axId val="85176320"/>
+        <c:axId val="99141888"/>
+        <c:axId val="102400000"/>
       </c:barChart>
       <c:catAx>
-        <c:axId val="102558336"/>
+        <c:axId val="99141888"/>
         <c:scaling>
           <c:orientation val="minMax"/>
         </c:scaling>
@@ -372,7 +379,7 @@
             <a:endParaRPr lang="en-US"/>
           </a:p>
         </c:txPr>
-        <c:crossAx val="85176320"/>
+        <c:crossAx val="102400000"/>
         <c:crosses val="autoZero"/>
         <c:auto val="1"/>
         <c:lblAlgn val="ctr"/>
@@ -380,7 +387,7 @@
         <c:noMultiLvlLbl val="0"/>
       </c:catAx>
       <c:valAx>
-        <c:axId val="85176320"/>
+        <c:axId val="102400000"/>
         <c:scaling>
           <c:orientation val="minMax"/>
           <c:max val="1"/>
@@ -416,7 +423,7 @@
         <c:majorTickMark val="out"/>
         <c:minorTickMark val="none"/>
         <c:tickLblPos val="nextTo"/>
-        <c:crossAx val="102558336"/>
+        <c:crossAx val="99141888"/>
         <c:crosses val="autoZero"/>
         <c:crossBetween val="between"/>
       </c:valAx>
@@ -2098,11 +2105,11 @@
           <c:showPercent val="0"/>
           <c:showBubbleSize val="0"/>
         </c:dLbls>
-        <c:axId val="127542784"/>
-        <c:axId val="127553920"/>
+        <c:axId val="104560128"/>
+        <c:axId val="104567168"/>
       </c:scatterChart>
       <c:valAx>
-        <c:axId val="127542784"/>
+        <c:axId val="104560128"/>
         <c:scaling>
           <c:orientation val="minMax"/>
         </c:scaling>
@@ -2111,12 +2118,12 @@
         <c:majorTickMark val="out"/>
         <c:minorTickMark val="none"/>
         <c:tickLblPos val="nextTo"/>
-        <c:crossAx val="127553920"/>
+        <c:crossAx val="104567168"/>
         <c:crosses val="autoZero"/>
         <c:crossBetween val="midCat"/>
       </c:valAx>
       <c:valAx>
-        <c:axId val="127553920"/>
+        <c:axId val="104567168"/>
         <c:scaling>
           <c:orientation val="maxMin"/>
           <c:max val="0.1"/>
@@ -2156,7 +2163,7 @@
         <c:majorTickMark val="out"/>
         <c:minorTickMark val="none"/>
         <c:tickLblPos val="nextTo"/>
-        <c:crossAx val="127542784"/>
+        <c:crossAx val="104560128"/>
         <c:crosses val="autoZero"/>
         <c:crossBetween val="midCat"/>
       </c:valAx>
@@ -3828,11 +3835,11 @@
           <c:showPercent val="0"/>
           <c:showBubbleSize val="0"/>
         </c:dLbls>
-        <c:axId val="127569280"/>
-        <c:axId val="127666432"/>
+        <c:axId val="104582528"/>
+        <c:axId val="104618240"/>
       </c:scatterChart>
       <c:valAx>
-        <c:axId val="127569280"/>
+        <c:axId val="104582528"/>
         <c:scaling>
           <c:orientation val="minMax"/>
         </c:scaling>
@@ -3841,12 +3848,12 @@
         <c:majorTickMark val="out"/>
         <c:minorTickMark val="none"/>
         <c:tickLblPos val="nextTo"/>
-        <c:crossAx val="127666432"/>
+        <c:crossAx val="104618240"/>
         <c:crosses val="autoZero"/>
         <c:crossBetween val="midCat"/>
       </c:valAx>
       <c:valAx>
-        <c:axId val="127666432"/>
+        <c:axId val="104618240"/>
         <c:scaling>
           <c:orientation val="maxMin"/>
           <c:max val="0.1"/>
@@ -3886,7 +3893,7 @@
         <c:majorTickMark val="out"/>
         <c:minorTickMark val="none"/>
         <c:tickLblPos val="nextTo"/>
-        <c:crossAx val="127569280"/>
+        <c:crossAx val="104582528"/>
         <c:crosses val="autoZero"/>
         <c:crossBetween val="midCat"/>
       </c:valAx>
@@ -4558,11 +4565,11 @@
           <c:showBubbleSize val="0"/>
         </c:dLbls>
         <c:gapWidth val="150"/>
-        <c:axId val="127994880"/>
-        <c:axId val="128013056"/>
+        <c:axId val="108084224"/>
+        <c:axId val="108102400"/>
       </c:barChart>
       <c:catAx>
-        <c:axId val="127994880"/>
+        <c:axId val="108084224"/>
         <c:scaling>
           <c:orientation val="minMax"/>
         </c:scaling>
@@ -4571,7 +4578,7 @@
         <c:majorTickMark val="out"/>
         <c:minorTickMark val="none"/>
         <c:tickLblPos val="nextTo"/>
-        <c:crossAx val="128013056"/>
+        <c:crossAx val="108102400"/>
         <c:crosses val="autoZero"/>
         <c:auto val="1"/>
         <c:lblAlgn val="ctr"/>
@@ -4579,7 +4586,7 @@
         <c:noMultiLvlLbl val="0"/>
       </c:catAx>
       <c:valAx>
-        <c:axId val="128013056"/>
+        <c:axId val="108102400"/>
         <c:scaling>
           <c:orientation val="minMax"/>
           <c:max val="1"/>
@@ -4591,7 +4598,7 @@
         <c:majorTickMark val="out"/>
         <c:minorTickMark val="none"/>
         <c:tickLblPos val="nextTo"/>
-        <c:crossAx val="127994880"/>
+        <c:crossAx val="108084224"/>
         <c:crosses val="autoZero"/>
         <c:crossBetween val="between"/>
       </c:valAx>
@@ -4866,11 +4873,11 @@
           <c:showBubbleSize val="0"/>
         </c:dLbls>
         <c:gapWidth val="150"/>
-        <c:axId val="128039552"/>
-        <c:axId val="128041344"/>
+        <c:axId val="108132992"/>
+        <c:axId val="108396928"/>
       </c:barChart>
       <c:catAx>
-        <c:axId val="128039552"/>
+        <c:axId val="108132992"/>
         <c:scaling>
           <c:orientation val="minMax"/>
         </c:scaling>
@@ -4879,7 +4886,7 @@
         <c:majorTickMark val="out"/>
         <c:minorTickMark val="none"/>
         <c:tickLblPos val="nextTo"/>
-        <c:crossAx val="128041344"/>
+        <c:crossAx val="108396928"/>
         <c:crosses val="autoZero"/>
         <c:auto val="1"/>
         <c:lblAlgn val="ctr"/>
@@ -4887,7 +4894,7 @@
         <c:noMultiLvlLbl val="0"/>
       </c:catAx>
       <c:valAx>
-        <c:axId val="128041344"/>
+        <c:axId val="108396928"/>
         <c:scaling>
           <c:orientation val="minMax"/>
           <c:max val="0.35000000000000003"/>
@@ -4899,7 +4906,7 @@
         <c:majorTickMark val="out"/>
         <c:minorTickMark val="none"/>
         <c:tickLblPos val="nextTo"/>
-        <c:crossAx val="128039552"/>
+        <c:crossAx val="108132992"/>
         <c:crosses val="autoZero"/>
         <c:crossBetween val="between"/>
       </c:valAx>
@@ -5558,11 +5565,11 @@
           <c:showBubbleSize val="0"/>
         </c:dLbls>
         <c:gapWidth val="150"/>
-        <c:axId val="108492288"/>
-        <c:axId val="108493824"/>
+        <c:axId val="108451328"/>
+        <c:axId val="108452864"/>
       </c:barChart>
       <c:catAx>
-        <c:axId val="108492288"/>
+        <c:axId val="108451328"/>
         <c:scaling>
           <c:orientation val="minMax"/>
         </c:scaling>
@@ -5571,7 +5578,7 @@
         <c:majorTickMark val="out"/>
         <c:minorTickMark val="none"/>
         <c:tickLblPos val="nextTo"/>
-        <c:crossAx val="108493824"/>
+        <c:crossAx val="108452864"/>
         <c:crosses val="autoZero"/>
         <c:auto val="1"/>
         <c:lblAlgn val="ctr"/>
@@ -5579,7 +5586,7 @@
         <c:noMultiLvlLbl val="0"/>
       </c:catAx>
       <c:valAx>
-        <c:axId val="108493824"/>
+        <c:axId val="108452864"/>
         <c:scaling>
           <c:orientation val="minMax"/>
           <c:max val="0.35000000000000003"/>
@@ -5591,7 +5598,7 @@
         <c:majorTickMark val="out"/>
         <c:minorTickMark val="none"/>
         <c:tickLblPos val="nextTo"/>
-        <c:crossAx val="108492288"/>
+        <c:crossAx val="108451328"/>
         <c:crosses val="autoZero"/>
         <c:crossBetween val="between"/>
       </c:valAx>
@@ -5866,11 +5873,11 @@
           <c:showBubbleSize val="0"/>
         </c:dLbls>
         <c:gapWidth val="150"/>
-        <c:axId val="108524672"/>
-        <c:axId val="108526208"/>
+        <c:axId val="108164224"/>
+        <c:axId val="108165760"/>
       </c:barChart>
       <c:catAx>
-        <c:axId val="108524672"/>
+        <c:axId val="108164224"/>
         <c:scaling>
           <c:orientation val="minMax"/>
         </c:scaling>
@@ -5879,7 +5886,7 @@
         <c:majorTickMark val="out"/>
         <c:minorTickMark val="none"/>
         <c:tickLblPos val="nextTo"/>
-        <c:crossAx val="108526208"/>
+        <c:crossAx val="108165760"/>
         <c:crosses val="autoZero"/>
         <c:auto val="1"/>
         <c:lblAlgn val="ctr"/>
@@ -5887,7 +5894,7 @@
         <c:noMultiLvlLbl val="0"/>
       </c:catAx>
       <c:valAx>
-        <c:axId val="108526208"/>
+        <c:axId val="108165760"/>
         <c:scaling>
           <c:orientation val="minMax"/>
           <c:max val="0.35000000000000003"/>
@@ -5899,7 +5906,7 @@
         <c:majorTickMark val="out"/>
         <c:minorTickMark val="none"/>
         <c:tickLblPos val="nextTo"/>
-        <c:crossAx val="108524672"/>
+        <c:crossAx val="108164224"/>
         <c:crosses val="autoZero"/>
         <c:crossBetween val="between"/>
       </c:valAx>
@@ -6174,11 +6181,11 @@
           <c:showBubbleSize val="0"/>
         </c:dLbls>
         <c:gapWidth val="150"/>
-        <c:axId val="108572672"/>
-        <c:axId val="108574208"/>
+        <c:axId val="108195840"/>
+        <c:axId val="108197376"/>
       </c:barChart>
       <c:catAx>
-        <c:axId val="108572672"/>
+        <c:axId val="108195840"/>
         <c:scaling>
           <c:orientation val="minMax"/>
         </c:scaling>
@@ -6187,7 +6194,7 @@
         <c:majorTickMark val="out"/>
         <c:minorTickMark val="none"/>
         <c:tickLblPos val="nextTo"/>
-        <c:crossAx val="108574208"/>
+        <c:crossAx val="108197376"/>
         <c:crosses val="autoZero"/>
         <c:auto val="1"/>
         <c:lblAlgn val="ctr"/>
@@ -6195,7 +6202,7 @@
         <c:noMultiLvlLbl val="0"/>
       </c:catAx>
       <c:valAx>
-        <c:axId val="108574208"/>
+        <c:axId val="108197376"/>
         <c:scaling>
           <c:orientation val="minMax"/>
           <c:max val="0.35000000000000003"/>
@@ -6207,7 +6214,7 @@
         <c:majorTickMark val="out"/>
         <c:minorTickMark val="none"/>
         <c:tickLblPos val="nextTo"/>
-        <c:crossAx val="108572672"/>
+        <c:crossAx val="108195840"/>
         <c:crosses val="autoZero"/>
         <c:crossBetween val="between"/>
       </c:valAx>
@@ -7196,11 +7203,11 @@
         </c:dLbls>
         <c:marker val="1"/>
         <c:smooth val="0"/>
-        <c:axId val="108205568"/>
-        <c:axId val="108207488"/>
+        <c:axId val="82122240"/>
+        <c:axId val="82124160"/>
       </c:lineChart>
       <c:catAx>
-        <c:axId val="108205568"/>
+        <c:axId val="82122240"/>
         <c:scaling>
           <c:orientation val="minMax"/>
         </c:scaling>
@@ -7234,7 +7241,7 @@
         <c:majorTickMark val="out"/>
         <c:minorTickMark val="none"/>
         <c:tickLblPos val="nextTo"/>
-        <c:crossAx val="108207488"/>
+        <c:crossAx val="82124160"/>
         <c:crosses val="autoZero"/>
         <c:auto val="1"/>
         <c:lblAlgn val="ctr"/>
@@ -7242,7 +7249,7 @@
         <c:noMultiLvlLbl val="0"/>
       </c:catAx>
       <c:valAx>
-        <c:axId val="108207488"/>
+        <c:axId val="82124160"/>
         <c:scaling>
           <c:orientation val="minMax"/>
           <c:max val="0.5"/>
@@ -7254,7 +7261,7 @@
         <c:majorTickMark val="out"/>
         <c:minorTickMark val="none"/>
         <c:tickLblPos val="nextTo"/>
-        <c:crossAx val="108205568"/>
+        <c:crossAx val="82122240"/>
         <c:crosses val="autoZero"/>
         <c:crossBetween val="between"/>
       </c:valAx>
@@ -7486,11 +7493,11 @@
           <c:showBubbleSize val="0"/>
         </c:dLbls>
         <c:gapWidth val="150"/>
-        <c:axId val="108611072"/>
-        <c:axId val="108612608"/>
+        <c:axId val="108230144"/>
+        <c:axId val="108231680"/>
       </c:barChart>
       <c:catAx>
-        <c:axId val="108611072"/>
+        <c:axId val="108230144"/>
         <c:scaling>
           <c:orientation val="minMax"/>
         </c:scaling>
@@ -7499,7 +7506,7 @@
         <c:majorTickMark val="out"/>
         <c:minorTickMark val="none"/>
         <c:tickLblPos val="nextTo"/>
-        <c:crossAx val="108612608"/>
+        <c:crossAx val="108231680"/>
         <c:crosses val="autoZero"/>
         <c:auto val="1"/>
         <c:lblAlgn val="ctr"/>
@@ -7507,7 +7514,7 @@
         <c:noMultiLvlLbl val="0"/>
       </c:catAx>
       <c:valAx>
-        <c:axId val="108612608"/>
+        <c:axId val="108231680"/>
         <c:scaling>
           <c:orientation val="minMax"/>
         </c:scaling>
@@ -7518,7 +7525,7 @@
         <c:majorTickMark val="out"/>
         <c:minorTickMark val="none"/>
         <c:tickLblPos val="nextTo"/>
-        <c:crossAx val="108611072"/>
+        <c:crossAx val="108230144"/>
         <c:crosses val="autoZero"/>
         <c:crossBetween val="between"/>
       </c:valAx>
@@ -7750,11 +7757,11 @@
           <c:showBubbleSize val="0"/>
         </c:dLbls>
         <c:gapWidth val="150"/>
-        <c:axId val="108659840"/>
-        <c:axId val="108661376"/>
+        <c:axId val="108278912"/>
+        <c:axId val="108280448"/>
       </c:barChart>
       <c:catAx>
-        <c:axId val="108659840"/>
+        <c:axId val="108278912"/>
         <c:scaling>
           <c:orientation val="minMax"/>
         </c:scaling>
@@ -7763,7 +7770,7 @@
         <c:majorTickMark val="out"/>
         <c:minorTickMark val="none"/>
         <c:tickLblPos val="nextTo"/>
-        <c:crossAx val="108661376"/>
+        <c:crossAx val="108280448"/>
         <c:crosses val="autoZero"/>
         <c:auto val="1"/>
         <c:lblAlgn val="ctr"/>
@@ -7771,7 +7778,7 @@
         <c:noMultiLvlLbl val="0"/>
       </c:catAx>
       <c:valAx>
-        <c:axId val="108661376"/>
+        <c:axId val="108280448"/>
         <c:scaling>
           <c:orientation val="minMax"/>
         </c:scaling>
@@ -7782,7 +7789,7 @@
         <c:majorTickMark val="out"/>
         <c:minorTickMark val="none"/>
         <c:tickLblPos val="nextTo"/>
-        <c:crossAx val="108659840"/>
+        <c:crossAx val="108278912"/>
         <c:crosses val="autoZero"/>
         <c:crossBetween val="between"/>
       </c:valAx>
@@ -9157,11 +9164,11 @@
         </c:dLbls>
         <c:marker val="1"/>
         <c:smooth val="0"/>
-        <c:axId val="108710144"/>
-        <c:axId val="108711936"/>
+        <c:axId val="108329216"/>
+        <c:axId val="108351488"/>
       </c:lineChart>
       <c:catAx>
-        <c:axId val="108710144"/>
+        <c:axId val="108329216"/>
         <c:scaling>
           <c:orientation val="minMax"/>
         </c:scaling>
@@ -9171,7 +9178,7 @@
         <c:majorTickMark val="out"/>
         <c:minorTickMark val="none"/>
         <c:tickLblPos val="nextTo"/>
-        <c:crossAx val="108711936"/>
+        <c:crossAx val="108351488"/>
         <c:crosses val="autoZero"/>
         <c:auto val="1"/>
         <c:lblAlgn val="ctr"/>
@@ -9179,7 +9186,7 @@
         <c:noMultiLvlLbl val="0"/>
       </c:catAx>
       <c:valAx>
-        <c:axId val="108711936"/>
+        <c:axId val="108351488"/>
         <c:scaling>
           <c:orientation val="minMax"/>
         </c:scaling>
@@ -9190,7 +9197,7 @@
         <c:majorTickMark val="out"/>
         <c:minorTickMark val="none"/>
         <c:tickLblPos val="nextTo"/>
-        <c:crossAx val="108710144"/>
+        <c:crossAx val="108329216"/>
         <c:crosses val="autoZero"/>
         <c:crossBetween val="between"/>
       </c:valAx>
@@ -9468,11 +9475,11 @@
           <c:showPercent val="0"/>
           <c:showBubbleSize val="0"/>
         </c:dLbls>
-        <c:axId val="127894656"/>
-        <c:axId val="127896192"/>
+        <c:axId val="108373120"/>
+        <c:axId val="108374656"/>
       </c:scatterChart>
       <c:valAx>
-        <c:axId val="127894656"/>
+        <c:axId val="108373120"/>
         <c:scaling>
           <c:orientation val="minMax"/>
         </c:scaling>
@@ -9482,12 +9489,12 @@
         <c:majorTickMark val="out"/>
         <c:minorTickMark val="none"/>
         <c:tickLblPos val="nextTo"/>
-        <c:crossAx val="127896192"/>
+        <c:crossAx val="108374656"/>
         <c:crosses val="autoZero"/>
         <c:crossBetween val="midCat"/>
       </c:valAx>
       <c:valAx>
-        <c:axId val="127896192"/>
+        <c:axId val="108374656"/>
         <c:scaling>
           <c:orientation val="minMax"/>
           <c:max val="350"/>
@@ -9499,7 +9506,7 @@
         <c:majorTickMark val="out"/>
         <c:minorTickMark val="none"/>
         <c:tickLblPos val="nextTo"/>
-        <c:crossAx val="127894656"/>
+        <c:crossAx val="108373120"/>
         <c:crosses val="autoZero"/>
         <c:crossBetween val="midCat"/>
       </c:valAx>
@@ -9995,11 +10002,11 @@
           <c:showPercent val="0"/>
           <c:showBubbleSize val="0"/>
         </c:dLbls>
-        <c:axId val="127914752"/>
-        <c:axId val="127916288"/>
+        <c:axId val="108462848"/>
+        <c:axId val="108464384"/>
       </c:scatterChart>
       <c:valAx>
-        <c:axId val="127914752"/>
+        <c:axId val="108462848"/>
         <c:scaling>
           <c:orientation val="minMax"/>
         </c:scaling>
@@ -10009,12 +10016,12 @@
         <c:majorTickMark val="out"/>
         <c:minorTickMark val="none"/>
         <c:tickLblPos val="nextTo"/>
-        <c:crossAx val="127916288"/>
+        <c:crossAx val="108464384"/>
         <c:crosses val="autoZero"/>
         <c:crossBetween val="midCat"/>
       </c:valAx>
       <c:valAx>
-        <c:axId val="127916288"/>
+        <c:axId val="108464384"/>
         <c:scaling>
           <c:orientation val="minMax"/>
         </c:scaling>
@@ -10025,7 +10032,7 @@
         <c:majorTickMark val="out"/>
         <c:minorTickMark val="none"/>
         <c:tickLblPos val="nextTo"/>
-        <c:crossAx val="127914752"/>
+        <c:crossAx val="108462848"/>
         <c:crosses val="autoZero"/>
         <c:crossBetween val="midCat"/>
       </c:valAx>
@@ -10497,11 +10504,11 @@
           <c:showPercent val="0"/>
           <c:showBubbleSize val="0"/>
         </c:dLbls>
-        <c:axId val="127938944"/>
-        <c:axId val="127940480"/>
+        <c:axId val="108499328"/>
+        <c:axId val="108500864"/>
       </c:scatterChart>
       <c:valAx>
-        <c:axId val="127938944"/>
+        <c:axId val="108499328"/>
         <c:scaling>
           <c:orientation val="minMax"/>
         </c:scaling>
@@ -10511,12 +10518,12 @@
         <c:majorTickMark val="out"/>
         <c:minorTickMark val="none"/>
         <c:tickLblPos val="nextTo"/>
-        <c:crossAx val="127940480"/>
+        <c:crossAx val="108500864"/>
         <c:crosses val="autoZero"/>
         <c:crossBetween val="midCat"/>
       </c:valAx>
       <c:valAx>
-        <c:axId val="127940480"/>
+        <c:axId val="108500864"/>
         <c:scaling>
           <c:orientation val="minMax"/>
         </c:scaling>
@@ -10527,7 +10534,7 @@
         <c:majorTickMark val="out"/>
         <c:minorTickMark val="none"/>
         <c:tickLblPos val="nextTo"/>
-        <c:crossAx val="127938944"/>
+        <c:crossAx val="108499328"/>
         <c:crosses val="autoZero"/>
         <c:crossBetween val="midCat"/>
       </c:valAx>
@@ -10939,11 +10946,11 @@
           <c:showPercent val="0"/>
           <c:showBubbleSize val="0"/>
         </c:dLbls>
-        <c:axId val="127979520"/>
-        <c:axId val="127981056"/>
+        <c:axId val="108920832"/>
+        <c:axId val="108922368"/>
       </c:scatterChart>
       <c:valAx>
-        <c:axId val="127979520"/>
+        <c:axId val="108920832"/>
         <c:scaling>
           <c:orientation val="minMax"/>
         </c:scaling>
@@ -10953,12 +10960,12 @@
         <c:majorTickMark val="out"/>
         <c:minorTickMark val="none"/>
         <c:tickLblPos val="nextTo"/>
-        <c:crossAx val="127981056"/>
+        <c:crossAx val="108922368"/>
         <c:crosses val="autoZero"/>
         <c:crossBetween val="midCat"/>
       </c:valAx>
       <c:valAx>
-        <c:axId val="127981056"/>
+        <c:axId val="108922368"/>
         <c:scaling>
           <c:orientation val="minMax"/>
           <c:max val="350"/>
@@ -10970,7 +10977,7 @@
         <c:majorTickMark val="out"/>
         <c:minorTickMark val="none"/>
         <c:tickLblPos val="nextTo"/>
-        <c:crossAx val="127979520"/>
+        <c:crossAx val="108920832"/>
         <c:crosses val="autoZero"/>
         <c:crossBetween val="midCat"/>
       </c:valAx>
@@ -11346,11 +11353,11 @@
           <c:showPercent val="0"/>
           <c:showBubbleSize val="0"/>
         </c:dLbls>
-        <c:axId val="128605568"/>
-        <c:axId val="128607360"/>
+        <c:axId val="108957056"/>
+        <c:axId val="108971136"/>
       </c:scatterChart>
       <c:valAx>
-        <c:axId val="128605568"/>
+        <c:axId val="108957056"/>
         <c:scaling>
           <c:orientation val="minMax"/>
         </c:scaling>
@@ -11360,12 +11367,12 @@
         <c:majorTickMark val="out"/>
         <c:minorTickMark val="none"/>
         <c:tickLblPos val="nextTo"/>
-        <c:crossAx val="128607360"/>
+        <c:crossAx val="108971136"/>
         <c:crosses val="autoZero"/>
         <c:crossBetween val="midCat"/>
       </c:valAx>
       <c:valAx>
-        <c:axId val="128607360"/>
+        <c:axId val="108971136"/>
         <c:scaling>
           <c:orientation val="minMax"/>
           <c:max val="350"/>
@@ -11377,7 +11384,7 @@
         <c:majorTickMark val="out"/>
         <c:minorTickMark val="none"/>
         <c:tickLblPos val="nextTo"/>
-        <c:crossAx val="128605568"/>
+        <c:crossAx val="108957056"/>
         <c:crosses val="autoZero"/>
         <c:crossBetween val="midCat"/>
       </c:valAx>
@@ -11861,11 +11868,11 @@
           <c:showPercent val="0"/>
           <c:showBubbleSize val="0"/>
         </c:dLbls>
-        <c:axId val="128643072"/>
-        <c:axId val="128644608"/>
+        <c:axId val="108621824"/>
+        <c:axId val="108623360"/>
       </c:scatterChart>
       <c:valAx>
-        <c:axId val="128643072"/>
+        <c:axId val="108621824"/>
         <c:scaling>
           <c:orientation val="minMax"/>
         </c:scaling>
@@ -11875,12 +11882,12 @@
         <c:majorTickMark val="out"/>
         <c:minorTickMark val="none"/>
         <c:tickLblPos val="nextTo"/>
-        <c:crossAx val="128644608"/>
+        <c:crossAx val="108623360"/>
         <c:crosses val="autoZero"/>
         <c:crossBetween val="midCat"/>
       </c:valAx>
       <c:valAx>
-        <c:axId val="128644608"/>
+        <c:axId val="108623360"/>
         <c:scaling>
           <c:orientation val="minMax"/>
           <c:max val="2500"/>
@@ -11892,7 +11899,7 @@
         <c:majorTickMark val="out"/>
         <c:minorTickMark val="none"/>
         <c:tickLblPos val="nextTo"/>
-        <c:crossAx val="128643072"/>
+        <c:crossAx val="108621824"/>
         <c:crosses val="autoZero"/>
         <c:crossBetween val="midCat"/>
       </c:valAx>
@@ -12388,11 +12395,11 @@
           <c:showPercent val="0"/>
           <c:showBubbleSize val="0"/>
         </c:dLbls>
-        <c:axId val="128667008"/>
-        <c:axId val="128676992"/>
+        <c:axId val="108649856"/>
+        <c:axId val="108651648"/>
       </c:scatterChart>
       <c:valAx>
-        <c:axId val="128667008"/>
+        <c:axId val="108649856"/>
         <c:scaling>
           <c:orientation val="minMax"/>
         </c:scaling>
@@ -12402,12 +12409,12 @@
         <c:majorTickMark val="out"/>
         <c:minorTickMark val="none"/>
         <c:tickLblPos val="nextTo"/>
-        <c:crossAx val="128676992"/>
+        <c:crossAx val="108651648"/>
         <c:crosses val="autoZero"/>
         <c:crossBetween val="midCat"/>
       </c:valAx>
       <c:valAx>
-        <c:axId val="128676992"/>
+        <c:axId val="108651648"/>
         <c:scaling>
           <c:orientation val="minMax"/>
           <c:max val="2500"/>
@@ -12419,7 +12426,7 @@
         <c:majorTickMark val="out"/>
         <c:minorTickMark val="none"/>
         <c:tickLblPos val="nextTo"/>
-        <c:crossAx val="128667008"/>
+        <c:crossAx val="108649856"/>
         <c:crosses val="autoZero"/>
         <c:crossBetween val="midCat"/>
       </c:valAx>
@@ -13403,11 +13410,11 @@
         </c:dLbls>
         <c:marker val="1"/>
         <c:smooth val="0"/>
-        <c:axId val="108235776"/>
-        <c:axId val="108246144"/>
+        <c:axId val="82140160"/>
+        <c:axId val="82150528"/>
       </c:lineChart>
       <c:catAx>
-        <c:axId val="108235776"/>
+        <c:axId val="82140160"/>
         <c:scaling>
           <c:orientation val="minMax"/>
         </c:scaling>
@@ -13441,7 +13448,7 @@
         <c:majorTickMark val="out"/>
         <c:minorTickMark val="none"/>
         <c:tickLblPos val="nextTo"/>
-        <c:crossAx val="108246144"/>
+        <c:crossAx val="82150528"/>
         <c:crosses val="autoZero"/>
         <c:auto val="1"/>
         <c:lblAlgn val="ctr"/>
@@ -13449,7 +13456,7 @@
         <c:noMultiLvlLbl val="0"/>
       </c:catAx>
       <c:valAx>
-        <c:axId val="108246144"/>
+        <c:axId val="82150528"/>
         <c:scaling>
           <c:orientation val="minMax"/>
           <c:max val="0.5"/>
@@ -13461,7 +13468,7 @@
         <c:majorTickMark val="out"/>
         <c:minorTickMark val="none"/>
         <c:tickLblPos val="nextTo"/>
-        <c:crossAx val="108235776"/>
+        <c:crossAx val="82140160"/>
         <c:crosses val="autoZero"/>
         <c:crossBetween val="between"/>
       </c:valAx>
@@ -13842,11 +13849,11 @@
           <c:showPercent val="0"/>
           <c:showBubbleSize val="0"/>
         </c:dLbls>
-        <c:axId val="128715776"/>
-        <c:axId val="128729856"/>
+        <c:axId val="109001728"/>
+        <c:axId val="109011712"/>
       </c:scatterChart>
       <c:valAx>
-        <c:axId val="128715776"/>
+        <c:axId val="109001728"/>
         <c:scaling>
           <c:orientation val="minMax"/>
         </c:scaling>
@@ -13856,12 +13863,12 @@
         <c:majorTickMark val="out"/>
         <c:minorTickMark val="none"/>
         <c:tickLblPos val="nextTo"/>
-        <c:crossAx val="128729856"/>
+        <c:crossAx val="109011712"/>
         <c:crosses val="autoZero"/>
         <c:crossBetween val="midCat"/>
       </c:valAx>
       <c:valAx>
-        <c:axId val="128729856"/>
+        <c:axId val="109011712"/>
         <c:scaling>
           <c:orientation val="minMax"/>
         </c:scaling>
@@ -13872,7 +13879,7 @@
         <c:majorTickMark val="out"/>
         <c:minorTickMark val="none"/>
         <c:tickLblPos val="nextTo"/>
-        <c:crossAx val="128715776"/>
+        <c:crossAx val="109001728"/>
         <c:crosses val="autoZero"/>
         <c:crossBetween val="midCat"/>
       </c:valAx>
@@ -14344,11 +14351,11 @@
           <c:showPercent val="0"/>
           <c:showBubbleSize val="0"/>
         </c:dLbls>
-        <c:axId val="128760448"/>
-        <c:axId val="128762240"/>
+        <c:axId val="109034112"/>
+        <c:axId val="109040000"/>
       </c:scatterChart>
       <c:valAx>
-        <c:axId val="128760448"/>
+        <c:axId val="109034112"/>
         <c:scaling>
           <c:orientation val="minMax"/>
         </c:scaling>
@@ -14358,12 +14365,12 @@
         <c:majorTickMark val="out"/>
         <c:minorTickMark val="none"/>
         <c:tickLblPos val="nextTo"/>
-        <c:crossAx val="128762240"/>
+        <c:crossAx val="109040000"/>
         <c:crosses val="autoZero"/>
         <c:crossBetween val="midCat"/>
       </c:valAx>
       <c:valAx>
-        <c:axId val="128762240"/>
+        <c:axId val="109040000"/>
         <c:scaling>
           <c:orientation val="minMax"/>
           <c:max val="2500"/>
@@ -14375,7 +14382,7 @@
         <c:majorTickMark val="out"/>
         <c:minorTickMark val="none"/>
         <c:tickLblPos val="nextTo"/>
-        <c:crossAx val="128760448"/>
+        <c:crossAx val="109034112"/>
         <c:crosses val="autoZero"/>
         <c:crossBetween val="midCat"/>
       </c:valAx>
@@ -14787,11 +14794,11 @@
           <c:showPercent val="0"/>
           <c:showBubbleSize val="0"/>
         </c:dLbls>
-        <c:axId val="128456960"/>
-        <c:axId val="128462848"/>
+        <c:axId val="108755200"/>
+        <c:axId val="108761088"/>
       </c:scatterChart>
       <c:valAx>
-        <c:axId val="128456960"/>
+        <c:axId val="108755200"/>
         <c:scaling>
           <c:orientation val="minMax"/>
         </c:scaling>
@@ -14801,12 +14808,12 @@
         <c:majorTickMark val="out"/>
         <c:minorTickMark val="none"/>
         <c:tickLblPos val="nextTo"/>
-        <c:crossAx val="128462848"/>
+        <c:crossAx val="108761088"/>
         <c:crosses val="autoZero"/>
         <c:crossBetween val="midCat"/>
       </c:valAx>
       <c:valAx>
-        <c:axId val="128462848"/>
+        <c:axId val="108761088"/>
         <c:scaling>
           <c:orientation val="minMax"/>
         </c:scaling>
@@ -14817,7 +14824,7 @@
         <c:majorTickMark val="out"/>
         <c:minorTickMark val="none"/>
         <c:tickLblPos val="nextTo"/>
-        <c:crossAx val="128456960"/>
+        <c:crossAx val="108755200"/>
         <c:crosses val="autoZero"/>
         <c:crossBetween val="midCat"/>
       </c:valAx>
@@ -15215,11 +15222,11 @@
           <c:showBubbleSize val="0"/>
         </c:dLbls>
         <c:gapWidth val="150"/>
-        <c:axId val="128506880"/>
-        <c:axId val="128516864"/>
+        <c:axId val="108784640"/>
+        <c:axId val="108659456"/>
       </c:barChart>
       <c:catAx>
-        <c:axId val="128506880"/>
+        <c:axId val="108784640"/>
         <c:scaling>
           <c:orientation val="minMax"/>
         </c:scaling>
@@ -15228,7 +15235,7 @@
         <c:majorTickMark val="out"/>
         <c:minorTickMark val="none"/>
         <c:tickLblPos val="nextTo"/>
-        <c:crossAx val="128516864"/>
+        <c:crossAx val="108659456"/>
         <c:crosses val="autoZero"/>
         <c:auto val="1"/>
         <c:lblAlgn val="ctr"/>
@@ -15236,7 +15243,7 @@
         <c:noMultiLvlLbl val="0"/>
       </c:catAx>
       <c:valAx>
-        <c:axId val="128516864"/>
+        <c:axId val="108659456"/>
         <c:scaling>
           <c:orientation val="minMax"/>
           <c:max val="1"/>
@@ -15248,7 +15255,7 @@
         <c:majorTickMark val="out"/>
         <c:minorTickMark val="none"/>
         <c:tickLblPos val="nextTo"/>
-        <c:crossAx val="128506880"/>
+        <c:crossAx val="108784640"/>
         <c:crosses val="autoZero"/>
         <c:crossBetween val="between"/>
       </c:valAx>
@@ -15943,11 +15950,11 @@
           <c:showBubbleSize val="0"/>
         </c:dLbls>
         <c:gapWidth val="150"/>
-        <c:axId val="128539264"/>
-        <c:axId val="128557440"/>
+        <c:axId val="108706432"/>
+        <c:axId val="108716416"/>
       </c:barChart>
       <c:catAx>
-        <c:axId val="128539264"/>
+        <c:axId val="108706432"/>
         <c:scaling>
           <c:orientation val="minMax"/>
         </c:scaling>
@@ -15957,7 +15964,7 @@
         <c:majorTickMark val="out"/>
         <c:minorTickMark val="none"/>
         <c:tickLblPos val="nextTo"/>
-        <c:crossAx val="128557440"/>
+        <c:crossAx val="108716416"/>
         <c:crosses val="autoZero"/>
         <c:auto val="1"/>
         <c:lblAlgn val="ctr"/>
@@ -15965,7 +15972,7 @@
         <c:noMultiLvlLbl val="0"/>
       </c:catAx>
       <c:valAx>
-        <c:axId val="128557440"/>
+        <c:axId val="108716416"/>
         <c:scaling>
           <c:orientation val="minMax"/>
           <c:max val="1"/>
@@ -15977,7 +15984,7 @@
         <c:majorTickMark val="out"/>
         <c:minorTickMark val="none"/>
         <c:tickLblPos val="nextTo"/>
-        <c:crossAx val="128539264"/>
+        <c:crossAx val="108706432"/>
         <c:crosses val="autoZero"/>
         <c:crossBetween val="between"/>
       </c:valAx>
@@ -16399,11 +16406,11 @@
           <c:showBubbleSize val="0"/>
         </c:dLbls>
         <c:gapWidth val="150"/>
-        <c:axId val="129060864"/>
-        <c:axId val="129062400"/>
+        <c:axId val="108826624"/>
+        <c:axId val="108828160"/>
       </c:barChart>
       <c:catAx>
-        <c:axId val="129060864"/>
+        <c:axId val="108826624"/>
         <c:scaling>
           <c:orientation val="minMax"/>
         </c:scaling>
@@ -16412,7 +16419,7 @@
         <c:majorTickMark val="out"/>
         <c:minorTickMark val="none"/>
         <c:tickLblPos val="nextTo"/>
-        <c:crossAx val="129062400"/>
+        <c:crossAx val="108828160"/>
         <c:crosses val="autoZero"/>
         <c:auto val="1"/>
         <c:lblAlgn val="ctr"/>
@@ -16420,7 +16427,7 @@
         <c:noMultiLvlLbl val="0"/>
       </c:catAx>
       <c:valAx>
-        <c:axId val="129062400"/>
+        <c:axId val="108828160"/>
         <c:scaling>
           <c:orientation val="minMax"/>
           <c:max val="0.5"/>
@@ -16432,7 +16439,7 @@
         <c:majorTickMark val="out"/>
         <c:minorTickMark val="none"/>
         <c:tickLblPos val="nextTo"/>
-        <c:crossAx val="129060864"/>
+        <c:crossAx val="108826624"/>
         <c:crosses val="autoZero"/>
         <c:crossBetween val="between"/>
       </c:valAx>
@@ -16854,11 +16861,11 @@
           <c:showBubbleSize val="0"/>
         </c:dLbls>
         <c:gapWidth val="150"/>
-        <c:axId val="129089536"/>
-        <c:axId val="129091072"/>
+        <c:axId val="109068288"/>
+        <c:axId val="109069824"/>
       </c:barChart>
       <c:catAx>
-        <c:axId val="129089536"/>
+        <c:axId val="109068288"/>
         <c:scaling>
           <c:orientation val="minMax"/>
         </c:scaling>
@@ -16867,7 +16874,7 @@
         <c:majorTickMark val="out"/>
         <c:minorTickMark val="none"/>
         <c:tickLblPos val="nextTo"/>
-        <c:crossAx val="129091072"/>
+        <c:crossAx val="109069824"/>
         <c:crosses val="autoZero"/>
         <c:auto val="1"/>
         <c:lblAlgn val="ctr"/>
@@ -16875,7 +16882,7 @@
         <c:noMultiLvlLbl val="0"/>
       </c:catAx>
       <c:valAx>
-        <c:axId val="129091072"/>
+        <c:axId val="109069824"/>
         <c:scaling>
           <c:orientation val="minMax"/>
           <c:max val="0.5"/>
@@ -16887,7 +16894,7 @@
         <c:majorTickMark val="out"/>
         <c:minorTickMark val="none"/>
         <c:tickLblPos val="nextTo"/>
-        <c:crossAx val="129089536"/>
+        <c:crossAx val="109068288"/>
         <c:crosses val="autoZero"/>
         <c:crossBetween val="between"/>
       </c:valAx>
@@ -17309,11 +17316,11 @@
           <c:showBubbleSize val="0"/>
         </c:dLbls>
         <c:gapWidth val="150"/>
-        <c:axId val="129130496"/>
-        <c:axId val="129132032"/>
+        <c:axId val="109088768"/>
+        <c:axId val="109090304"/>
       </c:barChart>
       <c:catAx>
-        <c:axId val="129130496"/>
+        <c:axId val="109088768"/>
         <c:scaling>
           <c:orientation val="minMax"/>
         </c:scaling>
@@ -17322,7 +17329,7 @@
         <c:majorTickMark val="out"/>
         <c:minorTickMark val="none"/>
         <c:tickLblPos val="nextTo"/>
-        <c:crossAx val="129132032"/>
+        <c:crossAx val="109090304"/>
         <c:crosses val="autoZero"/>
         <c:auto val="1"/>
         <c:lblAlgn val="ctr"/>
@@ -17330,7 +17337,7 @@
         <c:noMultiLvlLbl val="0"/>
       </c:catAx>
       <c:valAx>
-        <c:axId val="129132032"/>
+        <c:axId val="109090304"/>
         <c:scaling>
           <c:orientation val="minMax"/>
         </c:scaling>
@@ -17341,7 +17348,7 @@
         <c:majorTickMark val="out"/>
         <c:minorTickMark val="none"/>
         <c:tickLblPos val="nextTo"/>
-        <c:crossAx val="129130496"/>
+        <c:crossAx val="109088768"/>
         <c:crosses val="autoZero"/>
         <c:crossBetween val="between"/>
       </c:valAx>
@@ -17763,11 +17770,11 @@
           <c:showBubbleSize val="0"/>
         </c:dLbls>
         <c:gapWidth val="150"/>
-        <c:axId val="129167360"/>
-        <c:axId val="129168896"/>
+        <c:axId val="109449216"/>
+        <c:axId val="109450752"/>
       </c:barChart>
       <c:catAx>
-        <c:axId val="129167360"/>
+        <c:axId val="109449216"/>
         <c:scaling>
           <c:orientation val="minMax"/>
         </c:scaling>
@@ -17776,7 +17783,7 @@
         <c:majorTickMark val="out"/>
         <c:minorTickMark val="none"/>
         <c:tickLblPos val="nextTo"/>
-        <c:crossAx val="129168896"/>
+        <c:crossAx val="109450752"/>
         <c:crosses val="autoZero"/>
         <c:auto val="1"/>
         <c:lblAlgn val="ctr"/>
@@ -17784,7 +17791,7 @@
         <c:noMultiLvlLbl val="0"/>
       </c:catAx>
       <c:valAx>
-        <c:axId val="129168896"/>
+        <c:axId val="109450752"/>
         <c:scaling>
           <c:orientation val="minMax"/>
         </c:scaling>
@@ -17795,7 +17802,7 @@
         <c:majorTickMark val="out"/>
         <c:minorTickMark val="none"/>
         <c:tickLblPos val="nextTo"/>
-        <c:crossAx val="129167360"/>
+        <c:crossAx val="109449216"/>
         <c:crosses val="autoZero"/>
         <c:crossBetween val="between"/>
       </c:valAx>
@@ -18102,11 +18109,11 @@
           <c:showBubbleSize val="0"/>
         </c:dLbls>
         <c:gapWidth val="150"/>
-        <c:axId val="129200896"/>
-        <c:axId val="129202432"/>
+        <c:axId val="109265664"/>
+        <c:axId val="109267200"/>
       </c:barChart>
       <c:catAx>
-        <c:axId val="129200896"/>
+        <c:axId val="109265664"/>
         <c:scaling>
           <c:orientation val="minMax"/>
         </c:scaling>
@@ -18115,7 +18122,7 @@
         <c:majorTickMark val="out"/>
         <c:minorTickMark val="none"/>
         <c:tickLblPos val="nextTo"/>
-        <c:crossAx val="129202432"/>
+        <c:crossAx val="109267200"/>
         <c:crosses val="autoZero"/>
         <c:auto val="1"/>
         <c:lblAlgn val="ctr"/>
@@ -18123,7 +18130,7 @@
         <c:noMultiLvlLbl val="0"/>
       </c:catAx>
       <c:valAx>
-        <c:axId val="129202432"/>
+        <c:axId val="109267200"/>
         <c:scaling>
           <c:orientation val="minMax"/>
           <c:max val="1"/>
@@ -18135,7 +18142,7 @@
         <c:majorTickMark val="out"/>
         <c:minorTickMark val="none"/>
         <c:tickLblPos val="nextTo"/>
-        <c:crossAx val="129200896"/>
+        <c:crossAx val="109265664"/>
         <c:crosses val="autoZero"/>
         <c:crossBetween val="between"/>
       </c:valAx>
@@ -19124,11 +19131,11 @@
         </c:dLbls>
         <c:marker val="1"/>
         <c:smooth val="0"/>
-        <c:axId val="108401408"/>
-        <c:axId val="108403328"/>
+        <c:axId val="82203392"/>
+        <c:axId val="82205312"/>
       </c:lineChart>
       <c:catAx>
-        <c:axId val="108401408"/>
+        <c:axId val="82203392"/>
         <c:scaling>
           <c:orientation val="minMax"/>
         </c:scaling>
@@ -19162,7 +19169,7 @@
         <c:majorTickMark val="out"/>
         <c:minorTickMark val="none"/>
         <c:tickLblPos val="nextTo"/>
-        <c:crossAx val="108403328"/>
+        <c:crossAx val="82205312"/>
         <c:crosses val="autoZero"/>
         <c:auto val="1"/>
         <c:lblAlgn val="ctr"/>
@@ -19170,7 +19177,7 @@
         <c:noMultiLvlLbl val="0"/>
       </c:catAx>
       <c:valAx>
-        <c:axId val="108403328"/>
+        <c:axId val="82205312"/>
         <c:scaling>
           <c:orientation val="minMax"/>
           <c:max val="0.5"/>
@@ -19182,7 +19189,7 @@
         <c:majorTickMark val="out"/>
         <c:minorTickMark val="none"/>
         <c:tickLblPos val="nextTo"/>
-        <c:crossAx val="108401408"/>
+        <c:crossAx val="82203392"/>
         <c:crosses val="autoZero"/>
         <c:crossBetween val="between"/>
       </c:valAx>
@@ -19460,11 +19467,11 @@
           <c:showBubbleSize val="0"/>
         </c:dLbls>
         <c:gapWidth val="150"/>
-        <c:axId val="128820352"/>
-        <c:axId val="128821888"/>
+        <c:axId val="82715776"/>
+        <c:axId val="82717312"/>
       </c:barChart>
       <c:catAx>
-        <c:axId val="128820352"/>
+        <c:axId val="82715776"/>
         <c:scaling>
           <c:orientation val="minMax"/>
         </c:scaling>
@@ -19473,7 +19480,7 @@
         <c:majorTickMark val="out"/>
         <c:minorTickMark val="none"/>
         <c:tickLblPos val="nextTo"/>
-        <c:crossAx val="128821888"/>
+        <c:crossAx val="82717312"/>
         <c:crosses val="autoZero"/>
         <c:auto val="1"/>
         <c:lblAlgn val="ctr"/>
@@ -19481,7 +19488,7 @@
         <c:noMultiLvlLbl val="0"/>
       </c:catAx>
       <c:valAx>
-        <c:axId val="128821888"/>
+        <c:axId val="82717312"/>
         <c:scaling>
           <c:orientation val="minMax"/>
         </c:scaling>
@@ -19492,7 +19499,7 @@
         <c:majorTickMark val="out"/>
         <c:minorTickMark val="none"/>
         <c:tickLblPos val="nextTo"/>
-        <c:crossAx val="128820352"/>
+        <c:crossAx val="82715776"/>
         <c:crosses val="autoZero"/>
         <c:crossBetween val="between"/>
       </c:valAx>
@@ -19794,11 +19801,11 @@
           <c:showBubbleSize val="0"/>
         </c:dLbls>
         <c:gapWidth val="150"/>
-        <c:axId val="128861312"/>
-        <c:axId val="128862848"/>
+        <c:axId val="109425792"/>
+        <c:axId val="109427328"/>
       </c:barChart>
       <c:catAx>
-        <c:axId val="128861312"/>
+        <c:axId val="109425792"/>
         <c:scaling>
           <c:orientation val="minMax"/>
         </c:scaling>
@@ -19807,7 +19814,7 @@
         <c:majorTickMark val="out"/>
         <c:minorTickMark val="none"/>
         <c:tickLblPos val="nextTo"/>
-        <c:crossAx val="128862848"/>
+        <c:crossAx val="109427328"/>
         <c:crosses val="autoZero"/>
         <c:auto val="1"/>
         <c:lblAlgn val="ctr"/>
@@ -19815,7 +19822,7 @@
         <c:noMultiLvlLbl val="0"/>
       </c:catAx>
       <c:valAx>
-        <c:axId val="128862848"/>
+        <c:axId val="109427328"/>
         <c:scaling>
           <c:orientation val="minMax"/>
         </c:scaling>
@@ -19826,7 +19833,7 @@
         <c:majorTickMark val="out"/>
         <c:minorTickMark val="none"/>
         <c:tickLblPos val="nextTo"/>
-        <c:crossAx val="128861312"/>
+        <c:crossAx val="109425792"/>
         <c:crosses val="autoZero"/>
         <c:crossBetween val="between"/>
       </c:valAx>
@@ -20128,11 +20135,11 @@
           <c:showBubbleSize val="0"/>
         </c:dLbls>
         <c:gapWidth val="150"/>
-        <c:axId val="128894080"/>
-        <c:axId val="128895616"/>
+        <c:axId val="109319296"/>
+        <c:axId val="109320832"/>
       </c:barChart>
       <c:catAx>
-        <c:axId val="128894080"/>
+        <c:axId val="109319296"/>
         <c:scaling>
           <c:orientation val="minMax"/>
         </c:scaling>
@@ -20141,7 +20148,7 @@
         <c:majorTickMark val="out"/>
         <c:minorTickMark val="none"/>
         <c:tickLblPos val="nextTo"/>
-        <c:crossAx val="128895616"/>
+        <c:crossAx val="109320832"/>
         <c:crosses val="autoZero"/>
         <c:auto val="1"/>
         <c:lblAlgn val="ctr"/>
@@ -20149,7 +20156,7 @@
         <c:noMultiLvlLbl val="0"/>
       </c:catAx>
       <c:valAx>
-        <c:axId val="128895616"/>
+        <c:axId val="109320832"/>
         <c:scaling>
           <c:orientation val="minMax"/>
         </c:scaling>
@@ -20160,7 +20167,7 @@
         <c:majorTickMark val="out"/>
         <c:minorTickMark val="none"/>
         <c:tickLblPos val="nextTo"/>
-        <c:crossAx val="128894080"/>
+        <c:crossAx val="109319296"/>
         <c:crosses val="autoZero"/>
         <c:crossBetween val="between"/>
       </c:valAx>
@@ -20462,11 +20469,11 @@
           <c:showBubbleSize val="0"/>
         </c:dLbls>
         <c:gapWidth val="150"/>
-        <c:axId val="128926848"/>
-        <c:axId val="128928384"/>
+        <c:axId val="109356160"/>
+        <c:axId val="109357696"/>
       </c:barChart>
       <c:catAx>
-        <c:axId val="128926848"/>
+        <c:axId val="109356160"/>
         <c:scaling>
           <c:orientation val="minMax"/>
         </c:scaling>
@@ -20475,7 +20482,7 @@
         <c:majorTickMark val="out"/>
         <c:minorTickMark val="none"/>
         <c:tickLblPos val="nextTo"/>
-        <c:crossAx val="128928384"/>
+        <c:crossAx val="109357696"/>
         <c:crosses val="autoZero"/>
         <c:auto val="1"/>
         <c:lblAlgn val="ctr"/>
@@ -20483,7 +20490,7 @@
         <c:noMultiLvlLbl val="0"/>
       </c:catAx>
       <c:valAx>
-        <c:axId val="128928384"/>
+        <c:axId val="109357696"/>
         <c:scaling>
           <c:orientation val="minMax"/>
         </c:scaling>
@@ -20494,7 +20501,7 @@
         <c:majorTickMark val="out"/>
         <c:minorTickMark val="none"/>
         <c:tickLblPos val="nextTo"/>
-        <c:crossAx val="128926848"/>
+        <c:crossAx val="109356160"/>
         <c:crosses val="autoZero"/>
         <c:crossBetween val="between"/>
       </c:valAx>
@@ -21211,11 +21218,11 @@
           <c:showBubbleSize val="0"/>
         </c:dLbls>
         <c:gapWidth val="150"/>
-        <c:axId val="128984192"/>
-        <c:axId val="128985728"/>
+        <c:axId val="109868160"/>
+        <c:axId val="109869696"/>
       </c:barChart>
       <c:catAx>
-        <c:axId val="128984192"/>
+        <c:axId val="109868160"/>
         <c:scaling>
           <c:orientation val="minMax"/>
         </c:scaling>
@@ -21225,7 +21232,7 @@
         <c:majorTickMark val="none"/>
         <c:minorTickMark val="none"/>
         <c:tickLblPos val="nextTo"/>
-        <c:crossAx val="128985728"/>
+        <c:crossAx val="109869696"/>
         <c:crosses val="autoZero"/>
         <c:auto val="1"/>
         <c:lblAlgn val="ctr"/>
@@ -21233,7 +21240,7 @@
         <c:noMultiLvlLbl val="0"/>
       </c:catAx>
       <c:valAx>
-        <c:axId val="128985728"/>
+        <c:axId val="109869696"/>
         <c:scaling>
           <c:orientation val="minMax"/>
           <c:max val="1"/>
@@ -21245,7 +21252,7 @@
         <c:majorTickMark val="none"/>
         <c:minorTickMark val="none"/>
         <c:tickLblPos val="nextTo"/>
-        <c:crossAx val="128984192"/>
+        <c:crossAx val="109868160"/>
         <c:crosses val="autoZero"/>
         <c:crossBetween val="between"/>
       </c:valAx>
@@ -21961,11 +21968,11 @@
           <c:showBubbleSize val="0"/>
         </c:dLbls>
         <c:gapWidth val="150"/>
-        <c:axId val="129016960"/>
-        <c:axId val="129018496"/>
+        <c:axId val="109900928"/>
+        <c:axId val="109902464"/>
       </c:barChart>
       <c:catAx>
-        <c:axId val="129016960"/>
+        <c:axId val="109900928"/>
         <c:scaling>
           <c:orientation val="minMax"/>
         </c:scaling>
@@ -21975,7 +21982,7 @@
         <c:majorTickMark val="none"/>
         <c:minorTickMark val="none"/>
         <c:tickLblPos val="nextTo"/>
-        <c:crossAx val="129018496"/>
+        <c:crossAx val="109902464"/>
         <c:crosses val="autoZero"/>
         <c:auto val="1"/>
         <c:lblAlgn val="ctr"/>
@@ -21983,7 +21990,7 @@
         <c:noMultiLvlLbl val="0"/>
       </c:catAx>
       <c:valAx>
-        <c:axId val="129018496"/>
+        <c:axId val="109902464"/>
         <c:scaling>
           <c:orientation val="minMax"/>
           <c:max val="1"/>
@@ -21995,7 +22002,7 @@
         <c:majorTickMark val="none"/>
         <c:minorTickMark val="none"/>
         <c:tickLblPos val="nextTo"/>
-        <c:crossAx val="129016960"/>
+        <c:crossAx val="109900928"/>
         <c:crosses val="autoZero"/>
         <c:crossBetween val="between"/>
       </c:valAx>
@@ -22712,11 +22719,11 @@
           <c:showBubbleSize val="0"/>
         </c:dLbls>
         <c:gapWidth val="150"/>
-        <c:axId val="129578112"/>
-        <c:axId val="129579648"/>
+        <c:axId val="109814912"/>
+        <c:axId val="109816448"/>
       </c:barChart>
       <c:catAx>
-        <c:axId val="129578112"/>
+        <c:axId val="109814912"/>
         <c:scaling>
           <c:orientation val="minMax"/>
         </c:scaling>
@@ -22726,7 +22733,7 @@
         <c:majorTickMark val="none"/>
         <c:minorTickMark val="none"/>
         <c:tickLblPos val="nextTo"/>
-        <c:crossAx val="129579648"/>
+        <c:crossAx val="109816448"/>
         <c:crosses val="autoZero"/>
         <c:auto val="1"/>
         <c:lblAlgn val="ctr"/>
@@ -22734,7 +22741,7 @@
         <c:noMultiLvlLbl val="0"/>
       </c:catAx>
       <c:valAx>
-        <c:axId val="129579648"/>
+        <c:axId val="109816448"/>
         <c:scaling>
           <c:orientation val="minMax"/>
           <c:max val="1"/>
@@ -22746,7 +22753,7 @@
         <c:majorTickMark val="none"/>
         <c:minorTickMark val="none"/>
         <c:tickLblPos val="nextTo"/>
-        <c:crossAx val="129578112"/>
+        <c:crossAx val="109814912"/>
         <c:crosses val="autoZero"/>
         <c:crossBetween val="between"/>
       </c:valAx>
@@ -23463,11 +23470,11 @@
           <c:showBubbleSize val="0"/>
         </c:dLbls>
         <c:gapWidth val="150"/>
-        <c:axId val="129619072"/>
-        <c:axId val="129620608"/>
+        <c:axId val="108528768"/>
+        <c:axId val="108530304"/>
       </c:barChart>
       <c:catAx>
-        <c:axId val="129619072"/>
+        <c:axId val="108528768"/>
         <c:scaling>
           <c:orientation val="minMax"/>
         </c:scaling>
@@ -23477,7 +23484,7 @@
         <c:majorTickMark val="none"/>
         <c:minorTickMark val="none"/>
         <c:tickLblPos val="nextTo"/>
-        <c:crossAx val="129620608"/>
+        <c:crossAx val="108530304"/>
         <c:crosses val="autoZero"/>
         <c:auto val="1"/>
         <c:lblAlgn val="ctr"/>
@@ -23485,7 +23492,7 @@
         <c:noMultiLvlLbl val="0"/>
       </c:catAx>
       <c:valAx>
-        <c:axId val="129620608"/>
+        <c:axId val="108530304"/>
         <c:scaling>
           <c:orientation val="minMax"/>
         </c:scaling>
@@ -23496,7 +23503,7 @@
         <c:majorTickMark val="none"/>
         <c:minorTickMark val="none"/>
         <c:tickLblPos val="nextTo"/>
-        <c:crossAx val="129619072"/>
+        <c:crossAx val="108528768"/>
         <c:crosses val="autoZero"/>
         <c:crossBetween val="between"/>
       </c:valAx>
@@ -23899,11 +23906,11 @@
           <c:showBubbleSize val="0"/>
         </c:dLbls>
         <c:gapWidth val="150"/>
-        <c:axId val="129632896"/>
-        <c:axId val="129667456"/>
+        <c:axId val="108579456"/>
+        <c:axId val="108585344"/>
       </c:barChart>
       <c:catAx>
-        <c:axId val="129632896"/>
+        <c:axId val="108579456"/>
         <c:scaling>
           <c:orientation val="minMax"/>
         </c:scaling>
@@ -23912,7 +23919,7 @@
         <c:majorTickMark val="out"/>
         <c:minorTickMark val="none"/>
         <c:tickLblPos val="nextTo"/>
-        <c:crossAx val="129667456"/>
+        <c:crossAx val="108585344"/>
         <c:crosses val="autoZero"/>
         <c:auto val="1"/>
         <c:lblAlgn val="ctr"/>
@@ -23920,7 +23927,7 @@
         <c:noMultiLvlLbl val="0"/>
       </c:catAx>
       <c:valAx>
-        <c:axId val="129667456"/>
+        <c:axId val="108585344"/>
         <c:scaling>
           <c:orientation val="minMax"/>
           <c:max val="1"/>
@@ -23932,7 +23939,7 @@
         <c:majorTickMark val="out"/>
         <c:minorTickMark val="none"/>
         <c:tickLblPos val="nextTo"/>
-        <c:crossAx val="129632896"/>
+        <c:crossAx val="108579456"/>
         <c:crosses val="autoZero"/>
         <c:crossBetween val="between"/>
       </c:valAx>
@@ -24627,11 +24634,11 @@
           <c:showBubbleSize val="0"/>
         </c:dLbls>
         <c:gapWidth val="150"/>
-        <c:axId val="129693952"/>
-        <c:axId val="129708032"/>
+        <c:axId val="109541632"/>
+        <c:axId val="109547520"/>
       </c:barChart>
       <c:catAx>
-        <c:axId val="129693952"/>
+        <c:axId val="109541632"/>
         <c:scaling>
           <c:orientation val="minMax"/>
         </c:scaling>
@@ -24641,7 +24648,7 @@
         <c:majorTickMark val="out"/>
         <c:minorTickMark val="none"/>
         <c:tickLblPos val="nextTo"/>
-        <c:crossAx val="129708032"/>
+        <c:crossAx val="109547520"/>
         <c:crosses val="autoZero"/>
         <c:auto val="1"/>
         <c:lblAlgn val="ctr"/>
@@ -24649,7 +24656,7 @@
         <c:noMultiLvlLbl val="0"/>
       </c:catAx>
       <c:valAx>
-        <c:axId val="129708032"/>
+        <c:axId val="109547520"/>
         <c:scaling>
           <c:orientation val="minMax"/>
           <c:max val="1"/>
@@ -24661,7 +24668,7 @@
         <c:majorTickMark val="out"/>
         <c:minorTickMark val="none"/>
         <c:tickLblPos val="nextTo"/>
-        <c:crossAx val="129693952"/>
+        <c:crossAx val="109541632"/>
         <c:crosses val="autoZero"/>
         <c:crossBetween val="between"/>
       </c:valAx>
@@ -25560,11 +25567,11 @@
         </c:dLbls>
         <c:marker val="1"/>
         <c:smooth val="0"/>
-        <c:axId val="108442368"/>
-        <c:axId val="108443904"/>
+        <c:axId val="82236160"/>
+        <c:axId val="82237696"/>
       </c:lineChart>
       <c:catAx>
-        <c:axId val="108442368"/>
+        <c:axId val="82236160"/>
         <c:scaling>
           <c:orientation val="minMax"/>
         </c:scaling>
@@ -25574,7 +25581,7 @@
         <c:majorTickMark val="out"/>
         <c:minorTickMark val="none"/>
         <c:tickLblPos val="nextTo"/>
-        <c:crossAx val="108443904"/>
+        <c:crossAx val="82237696"/>
         <c:crosses val="autoZero"/>
         <c:auto val="1"/>
         <c:lblAlgn val="ctr"/>
@@ -25582,7 +25589,7 @@
         <c:noMultiLvlLbl val="0"/>
       </c:catAx>
       <c:valAx>
-        <c:axId val="108443904"/>
+        <c:axId val="82237696"/>
         <c:scaling>
           <c:orientation val="minMax"/>
           <c:max val="0.25"/>
@@ -25594,7 +25601,7 @@
         <c:majorTickMark val="out"/>
         <c:minorTickMark val="none"/>
         <c:tickLblPos val="nextTo"/>
-        <c:crossAx val="108442368"/>
+        <c:crossAx val="82236160"/>
         <c:crosses val="autoZero"/>
         <c:crossBetween val="between"/>
       </c:valAx>
@@ -25911,11 +25918,11 @@
           <c:showBubbleSize val="0"/>
         </c:dLbls>
         <c:gapWidth val="150"/>
-        <c:axId val="129740160"/>
-        <c:axId val="129746048"/>
+        <c:axId val="109555072"/>
+        <c:axId val="109577344"/>
       </c:barChart>
       <c:catAx>
-        <c:axId val="129740160"/>
+        <c:axId val="109555072"/>
         <c:scaling>
           <c:orientation val="minMax"/>
         </c:scaling>
@@ -25924,7 +25931,7 @@
         <c:majorTickMark val="out"/>
         <c:minorTickMark val="none"/>
         <c:tickLblPos val="nextTo"/>
-        <c:crossAx val="129746048"/>
+        <c:crossAx val="109577344"/>
         <c:crosses val="autoZero"/>
         <c:auto val="1"/>
         <c:lblAlgn val="ctr"/>
@@ -25932,7 +25939,7 @@
         <c:noMultiLvlLbl val="0"/>
       </c:catAx>
       <c:valAx>
-        <c:axId val="129746048"/>
+        <c:axId val="109577344"/>
         <c:scaling>
           <c:orientation val="minMax"/>
           <c:max val="1"/>
@@ -25944,7 +25951,7 @@
         <c:majorTickMark val="out"/>
         <c:minorTickMark val="none"/>
         <c:tickLblPos val="nextTo"/>
-        <c:crossAx val="129740160"/>
+        <c:crossAx val="109555072"/>
         <c:crosses val="autoZero"/>
         <c:crossBetween val="between"/>
       </c:valAx>
@@ -26663,11 +26670,11 @@
           <c:showBubbleSize val="0"/>
         </c:dLbls>
         <c:gapWidth val="150"/>
-        <c:axId val="129326080"/>
-        <c:axId val="129331968"/>
+        <c:axId val="109636608"/>
+        <c:axId val="109642496"/>
       </c:barChart>
       <c:catAx>
-        <c:axId val="129326080"/>
+        <c:axId val="109636608"/>
         <c:scaling>
           <c:orientation val="minMax"/>
         </c:scaling>
@@ -26677,7 +26684,7 @@
         <c:majorTickMark val="none"/>
         <c:minorTickMark val="none"/>
         <c:tickLblPos val="nextTo"/>
-        <c:crossAx val="129331968"/>
+        <c:crossAx val="109642496"/>
         <c:crosses val="autoZero"/>
         <c:auto val="1"/>
         <c:lblAlgn val="ctr"/>
@@ -26685,7 +26692,7 @@
         <c:noMultiLvlLbl val="0"/>
       </c:catAx>
       <c:valAx>
-        <c:axId val="129331968"/>
+        <c:axId val="109642496"/>
         <c:scaling>
           <c:orientation val="minMax"/>
           <c:max val="1"/>
@@ -26697,7 +26704,7 @@
         <c:majorTickMark val="none"/>
         <c:minorTickMark val="none"/>
         <c:tickLblPos val="nextTo"/>
-        <c:crossAx val="129326080"/>
+        <c:crossAx val="109636608"/>
         <c:crosses val="autoZero"/>
         <c:crossBetween val="between"/>
       </c:valAx>
@@ -27416,11 +27423,11 @@
           <c:showBubbleSize val="0"/>
         </c:dLbls>
         <c:gapWidth val="150"/>
-        <c:axId val="129367040"/>
-        <c:axId val="129434368"/>
+        <c:axId val="109673472"/>
+        <c:axId val="109679360"/>
       </c:barChart>
       <c:catAx>
-        <c:axId val="129367040"/>
+        <c:axId val="109673472"/>
         <c:scaling>
           <c:orientation val="minMax"/>
         </c:scaling>
@@ -27430,7 +27437,7 @@
         <c:majorTickMark val="none"/>
         <c:minorTickMark val="none"/>
         <c:tickLblPos val="nextTo"/>
-        <c:crossAx val="129434368"/>
+        <c:crossAx val="109679360"/>
         <c:crosses val="autoZero"/>
         <c:auto val="1"/>
         <c:lblAlgn val="ctr"/>
@@ -27438,7 +27445,7 @@
         <c:noMultiLvlLbl val="0"/>
       </c:catAx>
       <c:valAx>
-        <c:axId val="129434368"/>
+        <c:axId val="109679360"/>
         <c:scaling>
           <c:orientation val="minMax"/>
           <c:max val="1"/>
@@ -27450,7 +27457,7 @@
         <c:majorTickMark val="none"/>
         <c:minorTickMark val="none"/>
         <c:tickLblPos val="nextTo"/>
-        <c:crossAx val="129367040"/>
+        <c:crossAx val="109673472"/>
         <c:crosses val="autoZero"/>
         <c:crossBetween val="between"/>
       </c:valAx>
@@ -28169,11 +28176,11 @@
           <c:showBubbleSize val="0"/>
         </c:dLbls>
         <c:gapWidth val="150"/>
-        <c:axId val="129473536"/>
-        <c:axId val="129487616"/>
+        <c:axId val="109698048"/>
+        <c:axId val="109699840"/>
       </c:barChart>
       <c:catAx>
-        <c:axId val="129473536"/>
+        <c:axId val="109698048"/>
         <c:scaling>
           <c:orientation val="minMax"/>
         </c:scaling>
@@ -28183,7 +28190,7 @@
         <c:majorTickMark val="none"/>
         <c:minorTickMark val="none"/>
         <c:tickLblPos val="nextTo"/>
-        <c:crossAx val="129487616"/>
+        <c:crossAx val="109699840"/>
         <c:crosses val="autoZero"/>
         <c:auto val="1"/>
         <c:lblAlgn val="ctr"/>
@@ -28191,7 +28198,7 @@
         <c:noMultiLvlLbl val="0"/>
       </c:catAx>
       <c:valAx>
-        <c:axId val="129487616"/>
+        <c:axId val="109699840"/>
         <c:scaling>
           <c:orientation val="minMax"/>
           <c:max val="1"/>
@@ -28203,7 +28210,7 @@
         <c:majorTickMark val="none"/>
         <c:minorTickMark val="none"/>
         <c:tickLblPos val="nextTo"/>
-        <c:crossAx val="129473536"/>
+        <c:crossAx val="109698048"/>
         <c:crosses val="autoZero"/>
         <c:crossBetween val="between"/>
       </c:valAx>
@@ -28922,11 +28929,11 @@
           <c:showBubbleSize val="0"/>
         </c:dLbls>
         <c:gapWidth val="150"/>
-        <c:axId val="129506304"/>
-        <c:axId val="129512192"/>
+        <c:axId val="109485056"/>
+        <c:axId val="109724416"/>
       </c:barChart>
       <c:catAx>
-        <c:axId val="129506304"/>
+        <c:axId val="109485056"/>
         <c:scaling>
           <c:orientation val="minMax"/>
         </c:scaling>
@@ -28936,7 +28943,7 @@
         <c:majorTickMark val="none"/>
         <c:minorTickMark val="none"/>
         <c:tickLblPos val="nextTo"/>
-        <c:crossAx val="129512192"/>
+        <c:crossAx val="109724416"/>
         <c:crosses val="autoZero"/>
         <c:auto val="1"/>
         <c:lblAlgn val="ctr"/>
@@ -28944,7 +28951,7 @@
         <c:noMultiLvlLbl val="0"/>
       </c:catAx>
       <c:valAx>
-        <c:axId val="129512192"/>
+        <c:axId val="109724416"/>
         <c:scaling>
           <c:orientation val="minMax"/>
           <c:max val="1"/>
@@ -28956,7 +28963,7 @@
         <c:majorTickMark val="none"/>
         <c:minorTickMark val="none"/>
         <c:tickLblPos val="nextTo"/>
-        <c:crossAx val="129506304"/>
+        <c:crossAx val="109485056"/>
         <c:crosses val="autoZero"/>
         <c:crossBetween val="between"/>
       </c:valAx>
@@ -29204,11 +29211,11 @@
           <c:showBubbleSize val="0"/>
         </c:dLbls>
         <c:gapWidth val="150"/>
-        <c:axId val="129563648"/>
-        <c:axId val="130024192"/>
+        <c:axId val="109730816"/>
+        <c:axId val="109757184"/>
       </c:barChart>
       <c:catAx>
-        <c:axId val="129563648"/>
+        <c:axId val="109730816"/>
         <c:scaling>
           <c:orientation val="minMax"/>
         </c:scaling>
@@ -29217,7 +29224,7 @@
         <c:majorTickMark val="out"/>
         <c:minorTickMark val="none"/>
         <c:tickLblPos val="nextTo"/>
-        <c:crossAx val="130024192"/>
+        <c:crossAx val="109757184"/>
         <c:crosses val="autoZero"/>
         <c:auto val="1"/>
         <c:lblAlgn val="ctr"/>
@@ -29225,7 +29232,7 @@
         <c:noMultiLvlLbl val="0"/>
       </c:catAx>
       <c:valAx>
-        <c:axId val="130024192"/>
+        <c:axId val="109757184"/>
         <c:scaling>
           <c:orientation val="minMax"/>
           <c:max val="1"/>
@@ -29237,7 +29244,7 @@
         <c:majorTickMark val="out"/>
         <c:minorTickMark val="none"/>
         <c:tickLblPos val="nextTo"/>
-        <c:crossAx val="129563648"/>
+        <c:crossAx val="109730816"/>
         <c:crosses val="autoZero"/>
         <c:crossBetween val="between"/>
       </c:valAx>
@@ -29650,11 +29657,11 @@
           <c:showBubbleSize val="0"/>
         </c:dLbls>
         <c:gapWidth val="150"/>
-        <c:axId val="130064768"/>
-        <c:axId val="130066304"/>
+        <c:axId val="111374720"/>
+        <c:axId val="111376256"/>
       </c:barChart>
       <c:catAx>
-        <c:axId val="130064768"/>
+        <c:axId val="111374720"/>
         <c:scaling>
           <c:orientation val="minMax"/>
         </c:scaling>
@@ -29663,7 +29670,7 @@
         <c:majorTickMark val="out"/>
         <c:minorTickMark val="none"/>
         <c:tickLblPos val="nextTo"/>
-        <c:crossAx val="130066304"/>
+        <c:crossAx val="111376256"/>
         <c:crosses val="autoZero"/>
         <c:auto val="1"/>
         <c:lblAlgn val="ctr"/>
@@ -29671,7 +29678,7 @@
         <c:noMultiLvlLbl val="0"/>
       </c:catAx>
       <c:valAx>
-        <c:axId val="130066304"/>
+        <c:axId val="111376256"/>
         <c:scaling>
           <c:orientation val="minMax"/>
         </c:scaling>
@@ -29682,7 +29689,7 @@
         <c:majorTickMark val="out"/>
         <c:minorTickMark val="none"/>
         <c:tickLblPos val="nextTo"/>
-        <c:crossAx val="130064768"/>
+        <c:crossAx val="111374720"/>
         <c:crosses val="autoZero"/>
         <c:crossBetween val="between"/>
       </c:valAx>
@@ -29957,11 +29964,11 @@
           <c:showBubbleSize val="0"/>
         </c:dLbls>
         <c:gapWidth val="150"/>
-        <c:axId val="130167168"/>
-        <c:axId val="130168704"/>
+        <c:axId val="111399296"/>
+        <c:axId val="111400832"/>
       </c:barChart>
       <c:catAx>
-        <c:axId val="130167168"/>
+        <c:axId val="111399296"/>
         <c:scaling>
           <c:orientation val="minMax"/>
         </c:scaling>
@@ -29980,7 +29987,7 @@
             <a:endParaRPr lang="en-US"/>
           </a:p>
         </c:txPr>
-        <c:crossAx val="130168704"/>
+        <c:crossAx val="111400832"/>
         <c:crosses val="autoZero"/>
         <c:auto val="1"/>
         <c:lblAlgn val="ctr"/>
@@ -29988,7 +29995,7 @@
         <c:noMultiLvlLbl val="0"/>
       </c:catAx>
       <c:valAx>
-        <c:axId val="130168704"/>
+        <c:axId val="111400832"/>
         <c:scaling>
           <c:orientation val="minMax"/>
           <c:max val="1"/>
@@ -30010,7 +30017,7 @@
             <a:endParaRPr lang="en-US"/>
           </a:p>
         </c:txPr>
-        <c:crossAx val="130167168"/>
+        <c:crossAx val="111399296"/>
         <c:crosses val="autoZero"/>
         <c:crossBetween val="between"/>
       </c:valAx>
@@ -30132,11 +30139,11 @@
           <c:showBubbleSize val="0"/>
         </c:dLbls>
         <c:gapWidth val="150"/>
-        <c:axId val="130189952"/>
-        <c:axId val="130191744"/>
+        <c:axId val="111291008"/>
+        <c:axId val="111309184"/>
       </c:barChart>
       <c:catAx>
-        <c:axId val="130189952"/>
+        <c:axId val="111291008"/>
         <c:scaling>
           <c:orientation val="minMax"/>
         </c:scaling>
@@ -30145,7 +30152,7 @@
         <c:majorTickMark val="out"/>
         <c:minorTickMark val="none"/>
         <c:tickLblPos val="nextTo"/>
-        <c:crossAx val="130191744"/>
+        <c:crossAx val="111309184"/>
         <c:crosses val="autoZero"/>
         <c:auto val="1"/>
         <c:lblAlgn val="ctr"/>
@@ -30153,7 +30160,7 @@
         <c:noMultiLvlLbl val="0"/>
       </c:catAx>
       <c:valAx>
-        <c:axId val="130191744"/>
+        <c:axId val="111309184"/>
         <c:scaling>
           <c:orientation val="minMax"/>
         </c:scaling>
@@ -30164,7 +30171,7 @@
         <c:majorTickMark val="out"/>
         <c:minorTickMark val="none"/>
         <c:tickLblPos val="nextTo"/>
-        <c:crossAx val="130189952"/>
+        <c:crossAx val="111291008"/>
         <c:crosses val="autoZero"/>
         <c:crossBetween val="between"/>
       </c:valAx>
@@ -30471,11 +30478,11 @@
           <c:showBubbleSize val="0"/>
         </c:dLbls>
         <c:gapWidth val="150"/>
-        <c:axId val="130095360"/>
-        <c:axId val="130101248"/>
+        <c:axId val="111343872"/>
+        <c:axId val="111083520"/>
       </c:barChart>
       <c:catAx>
-        <c:axId val="130095360"/>
+        <c:axId val="111343872"/>
         <c:scaling>
           <c:orientation val="minMax"/>
         </c:scaling>
@@ -30484,7 +30491,7 @@
         <c:majorTickMark val="out"/>
         <c:minorTickMark val="none"/>
         <c:tickLblPos val="nextTo"/>
-        <c:crossAx val="130101248"/>
+        <c:crossAx val="111083520"/>
         <c:crosses val="autoZero"/>
         <c:auto val="1"/>
         <c:lblAlgn val="ctr"/>
@@ -30492,7 +30499,7 @@
         <c:noMultiLvlLbl val="0"/>
       </c:catAx>
       <c:valAx>
-        <c:axId val="130101248"/>
+        <c:axId val="111083520"/>
         <c:scaling>
           <c:orientation val="minMax"/>
           <c:max val="1"/>
@@ -30504,7 +30511,7 @@
         <c:majorTickMark val="out"/>
         <c:minorTickMark val="none"/>
         <c:tickLblPos val="nextTo"/>
-        <c:crossAx val="130095360"/>
+        <c:crossAx val="111343872"/>
         <c:crosses val="autoZero"/>
         <c:crossBetween val="between"/>
       </c:valAx>
@@ -31403,11 +31410,11 @@
         </c:dLbls>
         <c:marker val="1"/>
         <c:smooth val="0"/>
-        <c:axId val="108279680"/>
-        <c:axId val="108281216"/>
+        <c:axId val="84158336"/>
+        <c:axId val="84159872"/>
       </c:lineChart>
       <c:catAx>
-        <c:axId val="108279680"/>
+        <c:axId val="84158336"/>
         <c:scaling>
           <c:orientation val="minMax"/>
         </c:scaling>
@@ -31417,7 +31424,7 @@
         <c:majorTickMark val="out"/>
         <c:minorTickMark val="none"/>
         <c:tickLblPos val="nextTo"/>
-        <c:crossAx val="108281216"/>
+        <c:crossAx val="84159872"/>
         <c:crosses val="autoZero"/>
         <c:auto val="1"/>
         <c:lblAlgn val="ctr"/>
@@ -31425,7 +31432,7 @@
         <c:noMultiLvlLbl val="0"/>
       </c:catAx>
       <c:valAx>
-        <c:axId val="108281216"/>
+        <c:axId val="84159872"/>
         <c:scaling>
           <c:orientation val="minMax"/>
         </c:scaling>
@@ -31436,7 +31443,7 @@
         <c:majorTickMark val="out"/>
         <c:minorTickMark val="none"/>
         <c:tickLblPos val="nextTo"/>
-        <c:crossAx val="108279680"/>
+        <c:crossAx val="84158336"/>
         <c:crosses val="autoZero"/>
         <c:crossBetween val="between"/>
       </c:valAx>
@@ -31689,11 +31696,11 @@
           <c:showBubbleSize val="0"/>
         </c:dLbls>
         <c:gapWidth val="150"/>
-        <c:axId val="130131456"/>
-        <c:axId val="130132992"/>
+        <c:axId val="111130112"/>
+        <c:axId val="111131648"/>
       </c:barChart>
       <c:catAx>
-        <c:axId val="130131456"/>
+        <c:axId val="111130112"/>
         <c:scaling>
           <c:orientation val="minMax"/>
         </c:scaling>
@@ -31702,7 +31709,7 @@
         <c:majorTickMark val="none"/>
         <c:minorTickMark val="none"/>
         <c:tickLblPos val="nextTo"/>
-        <c:crossAx val="130132992"/>
+        <c:crossAx val="111131648"/>
         <c:crosses val="autoZero"/>
         <c:auto val="1"/>
         <c:lblAlgn val="ctr"/>
@@ -31710,7 +31717,7 @@
         <c:noMultiLvlLbl val="0"/>
       </c:catAx>
       <c:valAx>
-        <c:axId val="130132992"/>
+        <c:axId val="111131648"/>
         <c:scaling>
           <c:orientation val="minMax"/>
         </c:scaling>
@@ -31721,7 +31728,7 @@
         <c:majorTickMark val="none"/>
         <c:minorTickMark val="none"/>
         <c:tickLblPos val="nextTo"/>
-        <c:crossAx val="130131456"/>
+        <c:crossAx val="111130112"/>
         <c:crosses val="autoZero"/>
         <c:crossBetween val="between"/>
       </c:valAx>
@@ -31959,11 +31966,11 @@
           <c:showBubbleSize val="0"/>
         </c:dLbls>
         <c:gapWidth val="150"/>
-        <c:axId val="130293120"/>
-        <c:axId val="130294912"/>
+        <c:axId val="111144320"/>
+        <c:axId val="111146112"/>
       </c:barChart>
       <c:catAx>
-        <c:axId val="130293120"/>
+        <c:axId val="111144320"/>
         <c:scaling>
           <c:orientation val="minMax"/>
         </c:scaling>
@@ -31972,7 +31979,7 @@
         <c:majorTickMark val="none"/>
         <c:minorTickMark val="none"/>
         <c:tickLblPos val="nextTo"/>
-        <c:crossAx val="130294912"/>
+        <c:crossAx val="111146112"/>
         <c:crosses val="autoZero"/>
         <c:auto val="1"/>
         <c:lblAlgn val="ctr"/>
@@ -31980,7 +31987,7 @@
         <c:noMultiLvlLbl val="0"/>
       </c:catAx>
       <c:valAx>
-        <c:axId val="130294912"/>
+        <c:axId val="111146112"/>
         <c:scaling>
           <c:orientation val="minMax"/>
           <c:max val="1"/>
@@ -31992,7 +31999,7 @@
         <c:majorTickMark val="none"/>
         <c:minorTickMark val="none"/>
         <c:tickLblPos val="nextTo"/>
-        <c:crossAx val="130293120"/>
+        <c:crossAx val="111144320"/>
         <c:crosses val="autoZero"/>
         <c:crossBetween val="between"/>
       </c:valAx>
@@ -32230,11 +32237,11 @@
           <c:showBubbleSize val="0"/>
         </c:dLbls>
         <c:gapWidth val="150"/>
-        <c:axId val="130311680"/>
-        <c:axId val="130313216"/>
+        <c:axId val="111171072"/>
+        <c:axId val="111172608"/>
       </c:barChart>
       <c:catAx>
-        <c:axId val="130311680"/>
+        <c:axId val="111171072"/>
         <c:scaling>
           <c:orientation val="minMax"/>
         </c:scaling>
@@ -32243,7 +32250,7 @@
         <c:majorTickMark val="none"/>
         <c:minorTickMark val="none"/>
         <c:tickLblPos val="nextTo"/>
-        <c:crossAx val="130313216"/>
+        <c:crossAx val="111172608"/>
         <c:crosses val="autoZero"/>
         <c:auto val="1"/>
         <c:lblAlgn val="ctr"/>
@@ -32251,7 +32258,7 @@
         <c:noMultiLvlLbl val="0"/>
       </c:catAx>
       <c:valAx>
-        <c:axId val="130313216"/>
+        <c:axId val="111172608"/>
         <c:scaling>
           <c:orientation val="minMax"/>
           <c:max val="1"/>
@@ -32263,7 +32270,7 @@
         <c:majorTickMark val="none"/>
         <c:minorTickMark val="none"/>
         <c:tickLblPos val="nextTo"/>
-        <c:crossAx val="130311680"/>
+        <c:crossAx val="111171072"/>
         <c:crosses val="autoZero"/>
         <c:crossBetween val="between"/>
       </c:valAx>
@@ -32501,11 +32508,11 @@
           <c:showBubbleSize val="0"/>
         </c:dLbls>
         <c:gapWidth val="150"/>
-        <c:axId val="130329984"/>
-        <c:axId val="130352256"/>
+        <c:axId val="111193472"/>
+        <c:axId val="111207552"/>
       </c:barChart>
       <c:catAx>
-        <c:axId val="130329984"/>
+        <c:axId val="111193472"/>
         <c:scaling>
           <c:orientation val="minMax"/>
         </c:scaling>
@@ -32514,7 +32521,7 @@
         <c:majorTickMark val="none"/>
         <c:minorTickMark val="none"/>
         <c:tickLblPos val="nextTo"/>
-        <c:crossAx val="130352256"/>
+        <c:crossAx val="111207552"/>
         <c:crosses val="autoZero"/>
         <c:auto val="1"/>
         <c:lblAlgn val="ctr"/>
@@ -32522,7 +32529,7 @@
         <c:noMultiLvlLbl val="0"/>
       </c:catAx>
       <c:valAx>
-        <c:axId val="130352256"/>
+        <c:axId val="111207552"/>
         <c:scaling>
           <c:orientation val="minMax"/>
         </c:scaling>
@@ -32533,7 +32540,7 @@
         <c:majorTickMark val="none"/>
         <c:minorTickMark val="none"/>
         <c:tickLblPos val="nextTo"/>
-        <c:crossAx val="130329984"/>
+        <c:crossAx val="111193472"/>
         <c:crosses val="autoZero"/>
         <c:crossBetween val="between"/>
       </c:valAx>
@@ -32771,11 +32778,11 @@
           <c:showBubbleSize val="0"/>
         </c:dLbls>
         <c:gapWidth val="150"/>
-        <c:axId val="130389504"/>
-        <c:axId val="130391040"/>
+        <c:axId val="111232512"/>
+        <c:axId val="111234048"/>
       </c:barChart>
       <c:catAx>
-        <c:axId val="130389504"/>
+        <c:axId val="111232512"/>
         <c:scaling>
           <c:orientation val="minMax"/>
         </c:scaling>
@@ -32784,7 +32791,7 @@
         <c:majorTickMark val="none"/>
         <c:minorTickMark val="none"/>
         <c:tickLblPos val="nextTo"/>
-        <c:crossAx val="130391040"/>
+        <c:crossAx val="111234048"/>
         <c:crosses val="autoZero"/>
         <c:auto val="1"/>
         <c:lblAlgn val="ctr"/>
@@ -32792,7 +32799,7 @@
         <c:noMultiLvlLbl val="0"/>
       </c:catAx>
       <c:valAx>
-        <c:axId val="130391040"/>
+        <c:axId val="111234048"/>
         <c:scaling>
           <c:orientation val="minMax"/>
           <c:max val="1"/>
@@ -32804,7 +32811,7 @@
         <c:majorTickMark val="none"/>
         <c:minorTickMark val="none"/>
         <c:tickLblPos val="nextTo"/>
-        <c:crossAx val="130389504"/>
+        <c:crossAx val="111232512"/>
         <c:crosses val="autoZero"/>
         <c:crossBetween val="between"/>
       </c:valAx>
@@ -32997,11 +33004,11 @@
           <c:showBubbleSize val="0"/>
         </c:dLbls>
         <c:gapWidth val="150"/>
-        <c:axId val="130425600"/>
-        <c:axId val="130427136"/>
+        <c:axId val="111268608"/>
+        <c:axId val="111270144"/>
       </c:barChart>
       <c:catAx>
-        <c:axId val="130425600"/>
+        <c:axId val="111268608"/>
         <c:scaling>
           <c:orientation val="minMax"/>
         </c:scaling>
@@ -33010,7 +33017,7 @@
         <c:majorTickMark val="none"/>
         <c:minorTickMark val="none"/>
         <c:tickLblPos val="nextTo"/>
-        <c:crossAx val="130427136"/>
+        <c:crossAx val="111270144"/>
         <c:crosses val="autoZero"/>
         <c:auto val="1"/>
         <c:lblAlgn val="ctr"/>
@@ -33018,7 +33025,7 @@
         <c:noMultiLvlLbl val="0"/>
       </c:catAx>
       <c:valAx>
-        <c:axId val="130427136"/>
+        <c:axId val="111270144"/>
         <c:scaling>
           <c:orientation val="minMax"/>
           <c:max val="1"/>
@@ -33030,7 +33037,7 @@
         <c:majorTickMark val="none"/>
         <c:minorTickMark val="none"/>
         <c:tickLblPos val="nextTo"/>
-        <c:crossAx val="130425600"/>
+        <c:crossAx val="111268608"/>
         <c:crosses val="autoZero"/>
         <c:crossBetween val="between"/>
       </c:valAx>
@@ -33213,11 +33220,11 @@
           <c:showBubbleSize val="0"/>
         </c:dLbls>
         <c:gapWidth val="150"/>
-        <c:axId val="130456576"/>
-        <c:axId val="130462464"/>
+        <c:axId val="111684608"/>
+        <c:axId val="111698688"/>
       </c:barChart>
       <c:catAx>
-        <c:axId val="130456576"/>
+        <c:axId val="111684608"/>
         <c:scaling>
           <c:orientation val="minMax"/>
         </c:scaling>
@@ -33226,7 +33233,7 @@
         <c:majorTickMark val="none"/>
         <c:minorTickMark val="none"/>
         <c:tickLblPos val="nextTo"/>
-        <c:crossAx val="130462464"/>
+        <c:crossAx val="111698688"/>
         <c:crosses val="autoZero"/>
         <c:auto val="1"/>
         <c:lblAlgn val="ctr"/>
@@ -33234,7 +33241,7 @@
         <c:noMultiLvlLbl val="0"/>
       </c:catAx>
       <c:valAx>
-        <c:axId val="130462464"/>
+        <c:axId val="111698688"/>
         <c:scaling>
           <c:orientation val="minMax"/>
           <c:max val="1"/>
@@ -33246,7 +33253,7 @@
         <c:majorTickMark val="none"/>
         <c:minorTickMark val="none"/>
         <c:tickLblPos val="nextTo"/>
-        <c:crossAx val="130456576"/>
+        <c:crossAx val="111684608"/>
         <c:crosses val="autoZero"/>
         <c:crossBetween val="between"/>
       </c:valAx>
@@ -34508,11 +34515,11 @@
         </c:dLbls>
         <c:marker val="1"/>
         <c:smooth val="0"/>
-        <c:axId val="108301312"/>
-        <c:axId val="108307200"/>
+        <c:axId val="84200448"/>
+        <c:axId val="83428096"/>
       </c:lineChart>
       <c:catAx>
-        <c:axId val="108301312"/>
+        <c:axId val="84200448"/>
         <c:scaling>
           <c:orientation val="minMax"/>
         </c:scaling>
@@ -34522,7 +34529,7 @@
         <c:majorTickMark val="out"/>
         <c:minorTickMark val="none"/>
         <c:tickLblPos val="nextTo"/>
-        <c:crossAx val="108307200"/>
+        <c:crossAx val="83428096"/>
         <c:crosses val="autoZero"/>
         <c:auto val="1"/>
         <c:lblAlgn val="ctr"/>
@@ -34530,7 +34537,7 @@
         <c:noMultiLvlLbl val="0"/>
       </c:catAx>
       <c:valAx>
-        <c:axId val="108307200"/>
+        <c:axId val="83428096"/>
         <c:scaling>
           <c:orientation val="minMax"/>
           <c:max val="0.25"/>
@@ -34542,7 +34549,7 @@
         <c:majorTickMark val="out"/>
         <c:minorTickMark val="none"/>
         <c:tickLblPos val="nextTo"/>
-        <c:crossAx val="108301312"/>
+        <c:crossAx val="84200448"/>
         <c:crosses val="autoZero"/>
         <c:crossBetween val="between"/>
       </c:valAx>
@@ -35190,11 +35197,11 @@
           <c:showBubbleSize val="0"/>
         </c:dLbls>
         <c:gapWidth val="150"/>
-        <c:axId val="128216064"/>
-        <c:axId val="128221952"/>
+        <c:axId val="111475712"/>
+        <c:axId val="111485696"/>
       </c:barChart>
       <c:catAx>
-        <c:axId val="128216064"/>
+        <c:axId val="111475712"/>
         <c:scaling>
           <c:orientation val="minMax"/>
         </c:scaling>
@@ -35203,7 +35210,7 @@
         <c:majorTickMark val="out"/>
         <c:minorTickMark val="none"/>
         <c:tickLblPos val="nextTo"/>
-        <c:crossAx val="128221952"/>
+        <c:crossAx val="111485696"/>
         <c:crosses val="autoZero"/>
         <c:auto val="1"/>
         <c:lblAlgn val="ctr"/>
@@ -35211,7 +35218,7 @@
         <c:noMultiLvlLbl val="0"/>
       </c:catAx>
       <c:valAx>
-        <c:axId val="128221952"/>
+        <c:axId val="111485696"/>
         <c:scaling>
           <c:orientation val="minMax"/>
         </c:scaling>
@@ -35222,7 +35229,7 @@
         <c:majorTickMark val="out"/>
         <c:minorTickMark val="none"/>
         <c:tickLblPos val="nextTo"/>
-        <c:crossAx val="128216064"/>
+        <c:crossAx val="111475712"/>
         <c:crosses val="autoZero"/>
         <c:crossBetween val="between"/>
       </c:valAx>
@@ -35434,11 +35441,11 @@
           <c:showBubbleSize val="0"/>
         </c:dLbls>
         <c:gapWidth val="150"/>
-        <c:axId val="129832064"/>
-        <c:axId val="129833600"/>
+        <c:axId val="111498368"/>
+        <c:axId val="111499904"/>
       </c:barChart>
       <c:catAx>
-        <c:axId val="129832064"/>
+        <c:axId val="111498368"/>
         <c:scaling>
           <c:orientation val="minMax"/>
         </c:scaling>
@@ -35447,7 +35454,7 @@
         <c:majorTickMark val="out"/>
         <c:minorTickMark val="none"/>
         <c:tickLblPos val="nextTo"/>
-        <c:crossAx val="129833600"/>
+        <c:crossAx val="111499904"/>
         <c:crosses val="autoZero"/>
         <c:auto val="1"/>
         <c:lblAlgn val="ctr"/>
@@ -35455,7 +35462,7 @@
         <c:noMultiLvlLbl val="0"/>
       </c:catAx>
       <c:valAx>
-        <c:axId val="129833600"/>
+        <c:axId val="111499904"/>
         <c:scaling>
           <c:orientation val="minMax"/>
         </c:scaling>
@@ -35466,7 +35473,7 @@
         <c:majorTickMark val="out"/>
         <c:minorTickMark val="none"/>
         <c:tickLblPos val="nextTo"/>
-        <c:crossAx val="129832064"/>
+        <c:crossAx val="111498368"/>
         <c:crosses val="autoZero"/>
         <c:crossBetween val="between"/>
       </c:valAx>
@@ -35481,6 +35488,771 @@
     <c:showDLblsOverMax val="0"/>
   </c:chart>
   <c:externalData r:id="rId1">
+    <c:autoUpdate val="0"/>
+  </c:externalData>
+</c:chartSpace>
+</file>
+
+<file path=ppt/charts/chart76.xml><?xml version="1.0" encoding="utf-8"?>
+<c:chartSpace xmlns:c="http://schemas.openxmlformats.org/drawingml/2006/chart" xmlns:a="http://schemas.openxmlformats.org/drawingml/2006/main" xmlns:r="http://schemas.openxmlformats.org/officeDocument/2006/relationships">
+  <c:date1904 val="0"/>
+  <c:lang val="en-US"/>
+  <c:roundedCorners val="0"/>
+  <mc:AlternateContent xmlns:mc="http://schemas.openxmlformats.org/markup-compatibility/2006">
+    <mc:Choice xmlns:c14="http://schemas.microsoft.com/office/drawing/2007/8/2/chart" Requires="c14">
+      <c14:style val="102"/>
+    </mc:Choice>
+    <mc:Fallback>
+      <c:style val="2"/>
+    </mc:Fallback>
+  </mc:AlternateContent>
+  <c:chart>
+    <c:autoTitleDeleted val="0"/>
+    <c:plotArea>
+      <c:layout/>
+      <c:barChart>
+        <c:barDir val="col"/>
+        <c:grouping val="clustered"/>
+        <c:varyColors val="0"/>
+        <c:ser>
+          <c:idx val="0"/>
+          <c:order val="0"/>
+          <c:invertIfNegative val="0"/>
+          <c:cat>
+            <c:strRef>
+              <c:f>varie!$A$25:$A$31</c:f>
+              <c:strCache>
+                <c:ptCount val="7"/>
+                <c:pt idx="0">
+                  <c:v>ncRNA</c:v>
+                </c:pt>
+                <c:pt idx="1">
+                  <c:v>rRNA</c:v>
+                </c:pt>
+                <c:pt idx="2">
+                  <c:v>transposable</c:v>
+                </c:pt>
+                <c:pt idx="3">
+                  <c:v>cDNA</c:v>
+                </c:pt>
+                <c:pt idx="4">
+                  <c:v>introns</c:v>
+                </c:pt>
+                <c:pt idx="5">
+                  <c:v>intergenic</c:v>
+                </c:pt>
+                <c:pt idx="6">
+                  <c:v>naEST</c:v>
+                </c:pt>
+              </c:strCache>
+            </c:strRef>
+          </c:cat>
+          <c:val>
+            <c:numRef>
+              <c:f>varie!$B$25:$B$31</c:f>
+              <c:numCache>
+                <c:formatCode>General</c:formatCode>
+                <c:ptCount val="7"/>
+                <c:pt idx="0">
+                  <c:v>57</c:v>
+                </c:pt>
+                <c:pt idx="1">
+                  <c:v>112</c:v>
+                </c:pt>
+                <c:pt idx="2">
+                  <c:v>1894</c:v>
+                </c:pt>
+                <c:pt idx="3">
+                  <c:v>762</c:v>
+                </c:pt>
+                <c:pt idx="4">
+                  <c:v>4</c:v>
+                </c:pt>
+                <c:pt idx="5">
+                  <c:v>49</c:v>
+                </c:pt>
+                <c:pt idx="6">
+                  <c:v>299</c:v>
+                </c:pt>
+              </c:numCache>
+            </c:numRef>
+          </c:val>
+        </c:ser>
+        <c:dLbls>
+          <c:showLegendKey val="0"/>
+          <c:showVal val="0"/>
+          <c:showCatName val="0"/>
+          <c:showSerName val="0"/>
+          <c:showPercent val="0"/>
+          <c:showBubbleSize val="0"/>
+        </c:dLbls>
+        <c:gapWidth val="150"/>
+        <c:axId val="98328960"/>
+        <c:axId val="98399360"/>
+      </c:barChart>
+      <c:catAx>
+        <c:axId val="98328960"/>
+        <c:scaling>
+          <c:orientation val="minMax"/>
+        </c:scaling>
+        <c:delete val="0"/>
+        <c:axPos val="b"/>
+        <c:majorTickMark val="out"/>
+        <c:minorTickMark val="none"/>
+        <c:tickLblPos val="nextTo"/>
+        <c:crossAx val="98399360"/>
+        <c:crosses val="autoZero"/>
+        <c:auto val="1"/>
+        <c:lblAlgn val="ctr"/>
+        <c:lblOffset val="100"/>
+        <c:noMultiLvlLbl val="0"/>
+      </c:catAx>
+      <c:valAx>
+        <c:axId val="98399360"/>
+        <c:scaling>
+          <c:orientation val="minMax"/>
+        </c:scaling>
+        <c:delete val="0"/>
+        <c:axPos val="l"/>
+        <c:majorGridlines/>
+        <c:numFmt formatCode="General" sourceLinked="1"/>
+        <c:majorTickMark val="out"/>
+        <c:minorTickMark val="none"/>
+        <c:tickLblPos val="nextTo"/>
+        <c:crossAx val="98328960"/>
+        <c:crosses val="autoZero"/>
+        <c:crossBetween val="between"/>
+      </c:valAx>
+    </c:plotArea>
+    <c:plotVisOnly val="1"/>
+    <c:dispBlanksAs val="gap"/>
+    <c:showDLblsOverMax val="0"/>
+  </c:chart>
+  <c:externalData r:id="rId1">
+    <c:autoUpdate val="0"/>
+  </c:externalData>
+</c:chartSpace>
+</file>
+
+<file path=ppt/charts/chart77.xml><?xml version="1.0" encoding="utf-8"?>
+<c:chartSpace xmlns:c="http://schemas.openxmlformats.org/drawingml/2006/chart" xmlns:a="http://schemas.openxmlformats.org/drawingml/2006/main" xmlns:r="http://schemas.openxmlformats.org/officeDocument/2006/relationships">
+  <c:date1904 val="0"/>
+  <c:lang val="en-US"/>
+  <c:roundedCorners val="0"/>
+  <mc:AlternateContent xmlns:mc="http://schemas.openxmlformats.org/markup-compatibility/2006">
+    <mc:Choice xmlns:c14="http://schemas.microsoft.com/office/drawing/2007/8/2/chart" Requires="c14">
+      <c14:style val="102"/>
+    </mc:Choice>
+    <mc:Fallback>
+      <c:style val="2"/>
+    </mc:Fallback>
+  </mc:AlternateContent>
+  <c:chart>
+    <c:autoTitleDeleted val="0"/>
+    <c:plotArea>
+      <c:layout/>
+      <c:barChart>
+        <c:barDir val="col"/>
+        <c:grouping val="clustered"/>
+        <c:varyColors val="0"/>
+        <c:ser>
+          <c:idx val="0"/>
+          <c:order val="0"/>
+          <c:tx>
+            <c:strRef>
+              <c:f>varie!$B$33</c:f>
+              <c:strCache>
+                <c:ptCount val="1"/>
+                <c:pt idx="0">
+                  <c:v>sense</c:v>
+                </c:pt>
+              </c:strCache>
+            </c:strRef>
+          </c:tx>
+          <c:invertIfNegative val="0"/>
+          <c:cat>
+            <c:strRef>
+              <c:f>varie!$A$34:$A$49</c:f>
+              <c:strCache>
+                <c:ptCount val="16"/>
+                <c:pt idx="0">
+                  <c:v>fosbury </c:v>
+                </c:pt>
+                <c:pt idx="1">
+                  <c:v>Inago1 </c:v>
+                </c:pt>
+                <c:pt idx="2">
+                  <c:v>Inago2 </c:v>
+                </c:pt>
+                <c:pt idx="3">
+                  <c:v>LINE_like </c:v>
+                </c:pt>
+                <c:pt idx="4">
+                  <c:v>MAGGY </c:v>
+                </c:pt>
+                <c:pt idx="5">
+                  <c:v>MGL </c:v>
+                </c:pt>
+                <c:pt idx="6">
+                  <c:v>MGRL-3 </c:v>
+                </c:pt>
+                <c:pt idx="7">
+                  <c:v>MgSINE </c:v>
+                </c:pt>
+                <c:pt idx="8">
+                  <c:v>MINE </c:v>
+                </c:pt>
+                <c:pt idx="9">
+                  <c:v>MINE-A </c:v>
+                </c:pt>
+                <c:pt idx="10">
+                  <c:v>MINE-B </c:v>
+                </c:pt>
+                <c:pt idx="11">
+                  <c:v>MINE-C </c:v>
+                </c:pt>
+                <c:pt idx="12">
+                  <c:v>POT2 -</c:v>
+                </c:pt>
+                <c:pt idx="13">
+                  <c:v>POT3 </c:v>
+                </c:pt>
+                <c:pt idx="14">
+                  <c:v>Pyret -</c:v>
+                </c:pt>
+                <c:pt idx="15">
+                  <c:v>retro5 </c:v>
+                </c:pt>
+              </c:strCache>
+            </c:strRef>
+          </c:cat>
+          <c:val>
+            <c:numRef>
+              <c:f>varie!$B$34:$B$49</c:f>
+              <c:numCache>
+                <c:formatCode>General</c:formatCode>
+                <c:ptCount val="16"/>
+                <c:pt idx="0">
+                  <c:v>9</c:v>
+                </c:pt>
+                <c:pt idx="1">
+                  <c:v>105</c:v>
+                </c:pt>
+                <c:pt idx="2">
+                  <c:v>153</c:v>
+                </c:pt>
+                <c:pt idx="3">
+                  <c:v>11</c:v>
+                </c:pt>
+                <c:pt idx="4">
+                  <c:v>187</c:v>
+                </c:pt>
+                <c:pt idx="5">
+                  <c:v>30</c:v>
+                </c:pt>
+                <c:pt idx="6">
+                  <c:v>175</c:v>
+                </c:pt>
+                <c:pt idx="7">
+                  <c:v>6</c:v>
+                </c:pt>
+                <c:pt idx="8">
+                  <c:v>17</c:v>
+                </c:pt>
+                <c:pt idx="9">
+                  <c:v>9</c:v>
+                </c:pt>
+                <c:pt idx="10">
+                  <c:v>11</c:v>
+                </c:pt>
+                <c:pt idx="11">
+                  <c:v>4</c:v>
+                </c:pt>
+                <c:pt idx="12">
+                  <c:v>0</c:v>
+                </c:pt>
+                <c:pt idx="13">
+                  <c:v>7</c:v>
+                </c:pt>
+                <c:pt idx="14">
+                  <c:v>0</c:v>
+                </c:pt>
+                <c:pt idx="15">
+                  <c:v>5</c:v>
+                </c:pt>
+              </c:numCache>
+            </c:numRef>
+          </c:val>
+        </c:ser>
+        <c:ser>
+          <c:idx val="1"/>
+          <c:order val="1"/>
+          <c:tx>
+            <c:strRef>
+              <c:f>varie!$C$33</c:f>
+              <c:strCache>
+                <c:ptCount val="1"/>
+                <c:pt idx="0">
+                  <c:v>antisense</c:v>
+                </c:pt>
+              </c:strCache>
+            </c:strRef>
+          </c:tx>
+          <c:invertIfNegative val="0"/>
+          <c:cat>
+            <c:strRef>
+              <c:f>varie!$A$34:$A$49</c:f>
+              <c:strCache>
+                <c:ptCount val="16"/>
+                <c:pt idx="0">
+                  <c:v>fosbury </c:v>
+                </c:pt>
+                <c:pt idx="1">
+                  <c:v>Inago1 </c:v>
+                </c:pt>
+                <c:pt idx="2">
+                  <c:v>Inago2 </c:v>
+                </c:pt>
+                <c:pt idx="3">
+                  <c:v>LINE_like </c:v>
+                </c:pt>
+                <c:pt idx="4">
+                  <c:v>MAGGY </c:v>
+                </c:pt>
+                <c:pt idx="5">
+                  <c:v>MGL </c:v>
+                </c:pt>
+                <c:pt idx="6">
+                  <c:v>MGRL-3 </c:v>
+                </c:pt>
+                <c:pt idx="7">
+                  <c:v>MgSINE </c:v>
+                </c:pt>
+                <c:pt idx="8">
+                  <c:v>MINE </c:v>
+                </c:pt>
+                <c:pt idx="9">
+                  <c:v>MINE-A </c:v>
+                </c:pt>
+                <c:pt idx="10">
+                  <c:v>MINE-B </c:v>
+                </c:pt>
+                <c:pt idx="11">
+                  <c:v>MINE-C </c:v>
+                </c:pt>
+                <c:pt idx="12">
+                  <c:v>POT2 -</c:v>
+                </c:pt>
+                <c:pt idx="13">
+                  <c:v>POT3 </c:v>
+                </c:pt>
+                <c:pt idx="14">
+                  <c:v>Pyret -</c:v>
+                </c:pt>
+                <c:pt idx="15">
+                  <c:v>retro5 </c:v>
+                </c:pt>
+              </c:strCache>
+            </c:strRef>
+          </c:cat>
+          <c:val>
+            <c:numRef>
+              <c:f>varie!$C$34:$C$49</c:f>
+              <c:numCache>
+                <c:formatCode>General</c:formatCode>
+                <c:ptCount val="16"/>
+                <c:pt idx="0">
+                  <c:v>12</c:v>
+                </c:pt>
+                <c:pt idx="1">
+                  <c:v>177</c:v>
+                </c:pt>
+                <c:pt idx="2">
+                  <c:v>312</c:v>
+                </c:pt>
+                <c:pt idx="3">
+                  <c:v>13</c:v>
+                </c:pt>
+                <c:pt idx="4">
+                  <c:v>308</c:v>
+                </c:pt>
+                <c:pt idx="5">
+                  <c:v>27</c:v>
+                </c:pt>
+                <c:pt idx="6">
+                  <c:v>241</c:v>
+                </c:pt>
+                <c:pt idx="7">
+                  <c:v>17</c:v>
+                </c:pt>
+                <c:pt idx="8">
+                  <c:v>27</c:v>
+                </c:pt>
+                <c:pt idx="9">
+                  <c:v>8</c:v>
+                </c:pt>
+                <c:pt idx="10">
+                  <c:v>8</c:v>
+                </c:pt>
+                <c:pt idx="11">
+                  <c:v>2</c:v>
+                </c:pt>
+                <c:pt idx="12">
+                  <c:v>3</c:v>
+                </c:pt>
+                <c:pt idx="13">
+                  <c:v>6</c:v>
+                </c:pt>
+                <c:pt idx="14">
+                  <c:v>1</c:v>
+                </c:pt>
+                <c:pt idx="15">
+                  <c:v>3</c:v>
+                </c:pt>
+              </c:numCache>
+            </c:numRef>
+          </c:val>
+        </c:ser>
+        <c:dLbls>
+          <c:showLegendKey val="0"/>
+          <c:showVal val="0"/>
+          <c:showCatName val="0"/>
+          <c:showSerName val="0"/>
+          <c:showPercent val="0"/>
+          <c:showBubbleSize val="0"/>
+        </c:dLbls>
+        <c:gapWidth val="150"/>
+        <c:axId val="98675712"/>
+        <c:axId val="98758016"/>
+      </c:barChart>
+      <c:catAx>
+        <c:axId val="98675712"/>
+        <c:scaling>
+          <c:orientation val="minMax"/>
+        </c:scaling>
+        <c:delete val="0"/>
+        <c:axPos val="b"/>
+        <c:majorTickMark val="out"/>
+        <c:minorTickMark val="none"/>
+        <c:tickLblPos val="nextTo"/>
+        <c:crossAx val="98758016"/>
+        <c:crosses val="autoZero"/>
+        <c:auto val="1"/>
+        <c:lblAlgn val="ctr"/>
+        <c:lblOffset val="100"/>
+        <c:noMultiLvlLbl val="0"/>
+      </c:catAx>
+      <c:valAx>
+        <c:axId val="98758016"/>
+        <c:scaling>
+          <c:orientation val="minMax"/>
+        </c:scaling>
+        <c:delete val="0"/>
+        <c:axPos val="l"/>
+        <c:majorGridlines/>
+        <c:numFmt formatCode="General" sourceLinked="1"/>
+        <c:majorTickMark val="out"/>
+        <c:minorTickMark val="none"/>
+        <c:tickLblPos val="nextTo"/>
+        <c:crossAx val="98675712"/>
+        <c:crosses val="autoZero"/>
+        <c:crossBetween val="between"/>
+      </c:valAx>
+    </c:plotArea>
+    <c:legend>
+      <c:legendPos val="r"/>
+      <c:layout/>
+      <c:overlay val="0"/>
+    </c:legend>
+    <c:plotVisOnly val="1"/>
+    <c:dispBlanksAs val="gap"/>
+    <c:showDLblsOverMax val="0"/>
+  </c:chart>
+  <c:externalData r:id="rId1">
+    <c:autoUpdate val="0"/>
+  </c:externalData>
+</c:chartSpace>
+</file>
+
+<file path=ppt/charts/chart78.xml><?xml version="1.0" encoding="utf-8"?>
+<c:chartSpace xmlns:c="http://schemas.openxmlformats.org/drawingml/2006/chart" xmlns:a="http://schemas.openxmlformats.org/drawingml/2006/main" xmlns:r="http://schemas.openxmlformats.org/officeDocument/2006/relationships">
+  <c:date1904 val="0"/>
+  <c:lang val="en-US"/>
+  <c:roundedCorners val="0"/>
+  <mc:AlternateContent xmlns:mc="http://schemas.openxmlformats.org/markup-compatibility/2006">
+    <mc:Choice xmlns:c14="http://schemas.microsoft.com/office/drawing/2007/8/2/chart" Requires="c14">
+      <c14:style val="102"/>
+    </mc:Choice>
+    <mc:Fallback>
+      <c:style val="2"/>
+    </mc:Fallback>
+  </mc:AlternateContent>
+  <c:clrMapOvr bg1="lt1" tx1="dk1" bg2="lt2" tx2="dk2" accent1="accent1" accent2="accent2" accent3="accent3" accent4="accent4" accent5="accent5" accent6="accent6" hlink="hlink" folHlink="folHlink"/>
+  <c:chart>
+    <c:autoTitleDeleted val="0"/>
+    <c:plotArea>
+      <c:layout/>
+      <c:barChart>
+        <c:barDir val="col"/>
+        <c:grouping val="clustered"/>
+        <c:varyColors val="0"/>
+        <c:ser>
+          <c:idx val="0"/>
+          <c:order val="0"/>
+          <c:invertIfNegative val="0"/>
+          <c:cat>
+            <c:strRef>
+              <c:f>varie!$A$25:$A$31</c:f>
+              <c:strCache>
+                <c:ptCount val="7"/>
+                <c:pt idx="0">
+                  <c:v>ncRNA</c:v>
+                </c:pt>
+                <c:pt idx="1">
+                  <c:v>rRNA</c:v>
+                </c:pt>
+                <c:pt idx="2">
+                  <c:v>transposable</c:v>
+                </c:pt>
+                <c:pt idx="3">
+                  <c:v>cDNA</c:v>
+                </c:pt>
+                <c:pt idx="4">
+                  <c:v>introns</c:v>
+                </c:pt>
+                <c:pt idx="5">
+                  <c:v>intergenic</c:v>
+                </c:pt>
+                <c:pt idx="6">
+                  <c:v>naEST</c:v>
+                </c:pt>
+              </c:strCache>
+            </c:strRef>
+          </c:cat>
+          <c:val>
+            <c:numRef>
+              <c:f>varie!$B$25:$B$31</c:f>
+              <c:numCache>
+                <c:formatCode>General</c:formatCode>
+                <c:ptCount val="7"/>
+                <c:pt idx="0">
+                  <c:v>57</c:v>
+                </c:pt>
+                <c:pt idx="1">
+                  <c:v>112</c:v>
+                </c:pt>
+                <c:pt idx="2">
+                  <c:v>1894</c:v>
+                </c:pt>
+                <c:pt idx="3">
+                  <c:v>762</c:v>
+                </c:pt>
+                <c:pt idx="4">
+                  <c:v>4</c:v>
+                </c:pt>
+                <c:pt idx="5">
+                  <c:v>49</c:v>
+                </c:pt>
+                <c:pt idx="6">
+                  <c:v>299</c:v>
+                </c:pt>
+              </c:numCache>
+            </c:numRef>
+          </c:val>
+        </c:ser>
+        <c:dLbls>
+          <c:showLegendKey val="0"/>
+          <c:showVal val="0"/>
+          <c:showCatName val="0"/>
+          <c:showSerName val="0"/>
+          <c:showPercent val="0"/>
+          <c:showBubbleSize val="0"/>
+        </c:dLbls>
+        <c:gapWidth val="150"/>
+        <c:axId val="147943808"/>
+        <c:axId val="147945344"/>
+      </c:barChart>
+      <c:catAx>
+        <c:axId val="147943808"/>
+        <c:scaling>
+          <c:orientation val="minMax"/>
+        </c:scaling>
+        <c:delete val="0"/>
+        <c:axPos val="b"/>
+        <c:majorTickMark val="out"/>
+        <c:minorTickMark val="none"/>
+        <c:tickLblPos val="nextTo"/>
+        <c:crossAx val="147945344"/>
+        <c:crosses val="autoZero"/>
+        <c:auto val="1"/>
+        <c:lblAlgn val="ctr"/>
+        <c:lblOffset val="100"/>
+        <c:noMultiLvlLbl val="0"/>
+      </c:catAx>
+      <c:valAx>
+        <c:axId val="147945344"/>
+        <c:scaling>
+          <c:orientation val="minMax"/>
+        </c:scaling>
+        <c:delete val="0"/>
+        <c:axPos val="l"/>
+        <c:majorGridlines/>
+        <c:numFmt formatCode="General" sourceLinked="1"/>
+        <c:majorTickMark val="out"/>
+        <c:minorTickMark val="none"/>
+        <c:tickLblPos val="nextTo"/>
+        <c:crossAx val="147943808"/>
+        <c:crosses val="autoZero"/>
+        <c:crossBetween val="between"/>
+      </c:valAx>
+    </c:plotArea>
+    <c:plotVisOnly val="1"/>
+    <c:dispBlanksAs val="gap"/>
+    <c:showDLblsOverMax val="0"/>
+  </c:chart>
+  <c:externalData r:id="rId2">
+    <c:autoUpdate val="0"/>
+  </c:externalData>
+</c:chartSpace>
+</file>
+
+<file path=ppt/charts/chart79.xml><?xml version="1.0" encoding="utf-8"?>
+<c:chartSpace xmlns:c="http://schemas.openxmlformats.org/drawingml/2006/chart" xmlns:a="http://schemas.openxmlformats.org/drawingml/2006/main" xmlns:r="http://schemas.openxmlformats.org/officeDocument/2006/relationships">
+  <c:date1904 val="0"/>
+  <c:lang val="en-US"/>
+  <c:roundedCorners val="0"/>
+  <mc:AlternateContent xmlns:mc="http://schemas.openxmlformats.org/markup-compatibility/2006">
+    <mc:Choice xmlns:c14="http://schemas.microsoft.com/office/drawing/2007/8/2/chart" Requires="c14">
+      <c14:style val="102"/>
+    </mc:Choice>
+    <mc:Fallback>
+      <c:style val="2"/>
+    </mc:Fallback>
+  </mc:AlternateContent>
+  <c:clrMapOvr bg1="lt1" tx1="dk1" bg2="lt2" tx2="dk2" accent1="accent1" accent2="accent2" accent3="accent3" accent4="accent4" accent5="accent5" accent6="accent6" hlink="hlink" folHlink="folHlink"/>
+  <c:chart>
+    <c:autoTitleDeleted val="0"/>
+    <c:plotArea>
+      <c:layout/>
+      <c:barChart>
+        <c:barDir val="col"/>
+        <c:grouping val="clustered"/>
+        <c:varyColors val="0"/>
+        <c:ser>
+          <c:idx val="0"/>
+          <c:order val="0"/>
+          <c:invertIfNegative val="0"/>
+          <c:cat>
+            <c:strRef>
+              <c:f>varie!$A$25:$A$31</c:f>
+              <c:strCache>
+                <c:ptCount val="7"/>
+                <c:pt idx="0">
+                  <c:v>ncRNA</c:v>
+                </c:pt>
+                <c:pt idx="1">
+                  <c:v>rRNA</c:v>
+                </c:pt>
+                <c:pt idx="2">
+                  <c:v>transposable</c:v>
+                </c:pt>
+                <c:pt idx="3">
+                  <c:v>cDNA</c:v>
+                </c:pt>
+                <c:pt idx="4">
+                  <c:v>introns</c:v>
+                </c:pt>
+                <c:pt idx="5">
+                  <c:v>intergenic</c:v>
+                </c:pt>
+                <c:pt idx="6">
+                  <c:v>naEST</c:v>
+                </c:pt>
+              </c:strCache>
+            </c:strRef>
+          </c:cat>
+          <c:val>
+            <c:numRef>
+              <c:f>varie!$B$25:$B$31</c:f>
+              <c:numCache>
+                <c:formatCode>General</c:formatCode>
+                <c:ptCount val="7"/>
+                <c:pt idx="0">
+                  <c:v>57</c:v>
+                </c:pt>
+                <c:pt idx="1">
+                  <c:v>112</c:v>
+                </c:pt>
+                <c:pt idx="2">
+                  <c:v>1894</c:v>
+                </c:pt>
+                <c:pt idx="3">
+                  <c:v>762</c:v>
+                </c:pt>
+                <c:pt idx="4">
+                  <c:v>4</c:v>
+                </c:pt>
+                <c:pt idx="5">
+                  <c:v>49</c:v>
+                </c:pt>
+                <c:pt idx="6">
+                  <c:v>299</c:v>
+                </c:pt>
+              </c:numCache>
+            </c:numRef>
+          </c:val>
+        </c:ser>
+        <c:dLbls>
+          <c:showLegendKey val="0"/>
+          <c:showVal val="0"/>
+          <c:showCatName val="0"/>
+          <c:showSerName val="0"/>
+          <c:showPercent val="0"/>
+          <c:showBubbleSize val="0"/>
+        </c:dLbls>
+        <c:gapWidth val="150"/>
+        <c:axId val="106490880"/>
+        <c:axId val="130716800"/>
+      </c:barChart>
+      <c:catAx>
+        <c:axId val="106490880"/>
+        <c:scaling>
+          <c:orientation val="minMax"/>
+        </c:scaling>
+        <c:delete val="0"/>
+        <c:axPos val="b"/>
+        <c:majorTickMark val="out"/>
+        <c:minorTickMark val="none"/>
+        <c:tickLblPos val="nextTo"/>
+        <c:crossAx val="130716800"/>
+        <c:crosses val="autoZero"/>
+        <c:auto val="1"/>
+        <c:lblAlgn val="ctr"/>
+        <c:lblOffset val="100"/>
+        <c:noMultiLvlLbl val="0"/>
+      </c:catAx>
+      <c:valAx>
+        <c:axId val="130716800"/>
+        <c:scaling>
+          <c:orientation val="minMax"/>
+        </c:scaling>
+        <c:delete val="0"/>
+        <c:axPos val="l"/>
+        <c:majorGridlines/>
+        <c:numFmt formatCode="General" sourceLinked="1"/>
+        <c:majorTickMark val="out"/>
+        <c:minorTickMark val="none"/>
+        <c:tickLblPos val="nextTo"/>
+        <c:crossAx val="106490880"/>
+        <c:crosses val="autoZero"/>
+        <c:crossBetween val="between"/>
+      </c:valAx>
+    </c:plotArea>
+    <c:plotVisOnly val="1"/>
+    <c:dispBlanksAs val="gap"/>
+    <c:showDLblsOverMax val="0"/>
+  </c:chart>
+  <c:externalData r:id="rId2">
     <c:autoUpdate val="0"/>
   </c:externalData>
 </c:chartSpace>
@@ -37169,11 +37941,11 @@
           <c:showPercent val="0"/>
           <c:showBubbleSize val="0"/>
         </c:dLbls>
-        <c:axId val="127256064"/>
-        <c:axId val="127611264"/>
+        <c:axId val="95446528"/>
+        <c:axId val="95453568"/>
       </c:scatterChart>
       <c:valAx>
-        <c:axId val="127256064"/>
+        <c:axId val="95446528"/>
         <c:scaling>
           <c:orientation val="minMax"/>
         </c:scaling>
@@ -37182,12 +37954,12 @@
         <c:majorTickMark val="out"/>
         <c:minorTickMark val="none"/>
         <c:tickLblPos val="nextTo"/>
-        <c:crossAx val="127611264"/>
+        <c:crossAx val="95453568"/>
         <c:crosses val="autoZero"/>
         <c:crossBetween val="midCat"/>
       </c:valAx>
       <c:valAx>
-        <c:axId val="127611264"/>
+        <c:axId val="95453568"/>
         <c:scaling>
           <c:orientation val="maxMin"/>
           <c:max val="0.1"/>
@@ -37219,11 +37991,1043 @@
         <c:majorTickMark val="out"/>
         <c:minorTickMark val="none"/>
         <c:tickLblPos val="nextTo"/>
-        <c:crossAx val="127256064"/>
+        <c:crossAx val="95446528"/>
         <c:crosses val="autoZero"/>
         <c:crossBetween val="midCat"/>
       </c:valAx>
     </c:plotArea>
+    <c:plotVisOnly val="1"/>
+    <c:dispBlanksAs val="gap"/>
+    <c:showDLblsOverMax val="0"/>
+  </c:chart>
+  <c:externalData r:id="rId1">
+    <c:autoUpdate val="0"/>
+  </c:externalData>
+</c:chartSpace>
+</file>
+
+<file path=ppt/charts/chart80.xml><?xml version="1.0" encoding="utf-8"?>
+<c:chartSpace xmlns:c="http://schemas.openxmlformats.org/drawingml/2006/chart" xmlns:a="http://schemas.openxmlformats.org/drawingml/2006/main" xmlns:r="http://schemas.openxmlformats.org/officeDocument/2006/relationships">
+  <c:date1904 val="0"/>
+  <c:lang val="en-US"/>
+  <c:roundedCorners val="0"/>
+  <mc:AlternateContent xmlns:mc="http://schemas.openxmlformats.org/markup-compatibility/2006">
+    <mc:Choice xmlns:c14="http://schemas.microsoft.com/office/drawing/2007/8/2/chart" Requires="c14">
+      <c14:style val="102"/>
+    </mc:Choice>
+    <mc:Fallback>
+      <c:style val="2"/>
+    </mc:Fallback>
+  </mc:AlternateContent>
+  <c:chart>
+    <c:autoTitleDeleted val="0"/>
+    <c:plotArea>
+      <c:layout/>
+      <c:barChart>
+        <c:barDir val="col"/>
+        <c:grouping val="clustered"/>
+        <c:varyColors val="0"/>
+        <c:ser>
+          <c:idx val="0"/>
+          <c:order val="0"/>
+          <c:tx>
+            <c:strRef>
+              <c:f>modification!$F$168</c:f>
+              <c:strCache>
+                <c:ptCount val="1"/>
+                <c:pt idx="0">
+                  <c:v>ncRNA</c:v>
+                </c:pt>
+              </c:strCache>
+            </c:strRef>
+          </c:tx>
+          <c:invertIfNegative val="0"/>
+          <c:cat>
+            <c:strRef>
+              <c:f>modification!$G$167:$O$167</c:f>
+              <c:strCache>
+                <c:ptCount val="9"/>
+                <c:pt idx="0">
+                  <c:v>exp5_1</c:v>
+                </c:pt>
+                <c:pt idx="1">
+                  <c:v>exp5_2</c:v>
+                </c:pt>
+                <c:pt idx="2">
+                  <c:v>exp5_3</c:v>
+                </c:pt>
+                <c:pt idx="3">
+                  <c:v>rbp35_1</c:v>
+                </c:pt>
+                <c:pt idx="4">
+                  <c:v>rbp35_2</c:v>
+                </c:pt>
+                <c:pt idx="5">
+                  <c:v>rbp35_3</c:v>
+                </c:pt>
+                <c:pt idx="6">
+                  <c:v>WT_1</c:v>
+                </c:pt>
+                <c:pt idx="7">
+                  <c:v>WT_2</c:v>
+                </c:pt>
+                <c:pt idx="8">
+                  <c:v>WT_3</c:v>
+                </c:pt>
+              </c:strCache>
+            </c:strRef>
+          </c:cat>
+          <c:val>
+            <c:numRef>
+              <c:f>modification!$G$168:$O$168</c:f>
+              <c:numCache>
+                <c:formatCode>0.00%</c:formatCode>
+                <c:ptCount val="9"/>
+                <c:pt idx="0">
+                  <c:v>4.0000000000000002E-4</c:v>
+                </c:pt>
+                <c:pt idx="1">
+                  <c:v>2.9999999999999997E-4</c:v>
+                </c:pt>
+                <c:pt idx="2">
+                  <c:v>2.9999999999999997E-4</c:v>
+                </c:pt>
+                <c:pt idx="3">
+                  <c:v>1.1999999999999999E-3</c:v>
+                </c:pt>
+                <c:pt idx="4">
+                  <c:v>1.2999999999999999E-3</c:v>
+                </c:pt>
+                <c:pt idx="5">
+                  <c:v>1.4E-3</c:v>
+                </c:pt>
+                <c:pt idx="6">
+                  <c:v>4.0000000000000002E-4</c:v>
+                </c:pt>
+                <c:pt idx="7">
+                  <c:v>4.0000000000000002E-4</c:v>
+                </c:pt>
+                <c:pt idx="8">
+                  <c:v>4.0000000000000002E-4</c:v>
+                </c:pt>
+              </c:numCache>
+            </c:numRef>
+          </c:val>
+        </c:ser>
+        <c:ser>
+          <c:idx val="1"/>
+          <c:order val="1"/>
+          <c:tx>
+            <c:strRef>
+              <c:f>modification!$F$169</c:f>
+              <c:strCache>
+                <c:ptCount val="1"/>
+                <c:pt idx="0">
+                  <c:v>rRNA</c:v>
+                </c:pt>
+              </c:strCache>
+            </c:strRef>
+          </c:tx>
+          <c:invertIfNegative val="0"/>
+          <c:cat>
+            <c:strRef>
+              <c:f>modification!$G$167:$O$167</c:f>
+              <c:strCache>
+                <c:ptCount val="9"/>
+                <c:pt idx="0">
+                  <c:v>exp5_1</c:v>
+                </c:pt>
+                <c:pt idx="1">
+                  <c:v>exp5_2</c:v>
+                </c:pt>
+                <c:pt idx="2">
+                  <c:v>exp5_3</c:v>
+                </c:pt>
+                <c:pt idx="3">
+                  <c:v>rbp35_1</c:v>
+                </c:pt>
+                <c:pt idx="4">
+                  <c:v>rbp35_2</c:v>
+                </c:pt>
+                <c:pt idx="5">
+                  <c:v>rbp35_3</c:v>
+                </c:pt>
+                <c:pt idx="6">
+                  <c:v>WT_1</c:v>
+                </c:pt>
+                <c:pt idx="7">
+                  <c:v>WT_2</c:v>
+                </c:pt>
+                <c:pt idx="8">
+                  <c:v>WT_3</c:v>
+                </c:pt>
+              </c:strCache>
+            </c:strRef>
+          </c:cat>
+          <c:val>
+            <c:numRef>
+              <c:f>modification!$G$169:$O$169</c:f>
+              <c:numCache>
+                <c:formatCode>0.00%</c:formatCode>
+                <c:ptCount val="9"/>
+                <c:pt idx="0">
+                  <c:v>0.01</c:v>
+                </c:pt>
+                <c:pt idx="1">
+                  <c:v>7.1999999999999998E-3</c:v>
+                </c:pt>
+                <c:pt idx="2">
+                  <c:v>8.0999999999999996E-3</c:v>
+                </c:pt>
+                <c:pt idx="3">
+                  <c:v>1.55E-2</c:v>
+                </c:pt>
+                <c:pt idx="4">
+                  <c:v>1.38E-2</c:v>
+                </c:pt>
+                <c:pt idx="5">
+                  <c:v>1.46E-2</c:v>
+                </c:pt>
+                <c:pt idx="6">
+                  <c:v>1.35E-2</c:v>
+                </c:pt>
+                <c:pt idx="7">
+                  <c:v>1.17E-2</c:v>
+                </c:pt>
+                <c:pt idx="8">
+                  <c:v>8.8000000000000005E-3</c:v>
+                </c:pt>
+              </c:numCache>
+            </c:numRef>
+          </c:val>
+        </c:ser>
+        <c:ser>
+          <c:idx val="2"/>
+          <c:order val="2"/>
+          <c:tx>
+            <c:strRef>
+              <c:f>modification!$F$170</c:f>
+              <c:strCache>
+                <c:ptCount val="1"/>
+                <c:pt idx="0">
+                  <c:v>transposable</c:v>
+                </c:pt>
+              </c:strCache>
+            </c:strRef>
+          </c:tx>
+          <c:invertIfNegative val="0"/>
+          <c:cat>
+            <c:strRef>
+              <c:f>modification!$G$167:$O$167</c:f>
+              <c:strCache>
+                <c:ptCount val="9"/>
+                <c:pt idx="0">
+                  <c:v>exp5_1</c:v>
+                </c:pt>
+                <c:pt idx="1">
+                  <c:v>exp5_2</c:v>
+                </c:pt>
+                <c:pt idx="2">
+                  <c:v>exp5_3</c:v>
+                </c:pt>
+                <c:pt idx="3">
+                  <c:v>rbp35_1</c:v>
+                </c:pt>
+                <c:pt idx="4">
+                  <c:v>rbp35_2</c:v>
+                </c:pt>
+                <c:pt idx="5">
+                  <c:v>rbp35_3</c:v>
+                </c:pt>
+                <c:pt idx="6">
+                  <c:v>WT_1</c:v>
+                </c:pt>
+                <c:pt idx="7">
+                  <c:v>WT_2</c:v>
+                </c:pt>
+                <c:pt idx="8">
+                  <c:v>WT_3</c:v>
+                </c:pt>
+              </c:strCache>
+            </c:strRef>
+          </c:cat>
+          <c:val>
+            <c:numRef>
+              <c:f>modification!$G$170:$O$170</c:f>
+              <c:numCache>
+                <c:formatCode>0.00%</c:formatCode>
+                <c:ptCount val="9"/>
+                <c:pt idx="0">
+                  <c:v>0.64690000000000003</c:v>
+                </c:pt>
+                <c:pt idx="1">
+                  <c:v>0.60040000000000004</c:v>
+                </c:pt>
+                <c:pt idx="2">
+                  <c:v>0.58430000000000004</c:v>
+                </c:pt>
+                <c:pt idx="3">
+                  <c:v>0.69450000000000001</c:v>
+                </c:pt>
+                <c:pt idx="4">
+                  <c:v>0.60850000000000004</c:v>
+                </c:pt>
+                <c:pt idx="5">
+                  <c:v>0.63139999999999996</c:v>
+                </c:pt>
+                <c:pt idx="6">
+                  <c:v>0.54530000000000001</c:v>
+                </c:pt>
+                <c:pt idx="7">
+                  <c:v>0.55210000000000004</c:v>
+                </c:pt>
+                <c:pt idx="8">
+                  <c:v>0.52900000000000003</c:v>
+                </c:pt>
+              </c:numCache>
+            </c:numRef>
+          </c:val>
+        </c:ser>
+        <c:ser>
+          <c:idx val="3"/>
+          <c:order val="3"/>
+          <c:tx>
+            <c:strRef>
+              <c:f>modification!$F$171</c:f>
+              <c:strCache>
+                <c:ptCount val="1"/>
+                <c:pt idx="0">
+                  <c:v>cDNA</c:v>
+                </c:pt>
+              </c:strCache>
+            </c:strRef>
+          </c:tx>
+          <c:invertIfNegative val="0"/>
+          <c:cat>
+            <c:strRef>
+              <c:f>modification!$G$167:$O$167</c:f>
+              <c:strCache>
+                <c:ptCount val="9"/>
+                <c:pt idx="0">
+                  <c:v>exp5_1</c:v>
+                </c:pt>
+                <c:pt idx="1">
+                  <c:v>exp5_2</c:v>
+                </c:pt>
+                <c:pt idx="2">
+                  <c:v>exp5_3</c:v>
+                </c:pt>
+                <c:pt idx="3">
+                  <c:v>rbp35_1</c:v>
+                </c:pt>
+                <c:pt idx="4">
+                  <c:v>rbp35_2</c:v>
+                </c:pt>
+                <c:pt idx="5">
+                  <c:v>rbp35_3</c:v>
+                </c:pt>
+                <c:pt idx="6">
+                  <c:v>WT_1</c:v>
+                </c:pt>
+                <c:pt idx="7">
+                  <c:v>WT_2</c:v>
+                </c:pt>
+                <c:pt idx="8">
+                  <c:v>WT_3</c:v>
+                </c:pt>
+              </c:strCache>
+            </c:strRef>
+          </c:cat>
+          <c:val>
+            <c:numRef>
+              <c:f>modification!$G$171:$O$171</c:f>
+              <c:numCache>
+                <c:formatCode>0.00%</c:formatCode>
+                <c:ptCount val="9"/>
+                <c:pt idx="0">
+                  <c:v>0.18529999999999999</c:v>
+                </c:pt>
+                <c:pt idx="1">
+                  <c:v>0.16819999999999999</c:v>
+                </c:pt>
+                <c:pt idx="2">
+                  <c:v>0.1782</c:v>
+                </c:pt>
+                <c:pt idx="3">
+                  <c:v>0.1638</c:v>
+                </c:pt>
+                <c:pt idx="4">
+                  <c:v>0.20699999999999999</c:v>
+                </c:pt>
+                <c:pt idx="5">
+                  <c:v>0.20649999999999999</c:v>
+                </c:pt>
+                <c:pt idx="6">
+                  <c:v>0.1143</c:v>
+                </c:pt>
+                <c:pt idx="7">
+                  <c:v>0.1457</c:v>
+                </c:pt>
+                <c:pt idx="8">
+                  <c:v>0.14860000000000001</c:v>
+                </c:pt>
+              </c:numCache>
+            </c:numRef>
+          </c:val>
+        </c:ser>
+        <c:ser>
+          <c:idx val="4"/>
+          <c:order val="4"/>
+          <c:tx>
+            <c:strRef>
+              <c:f>modification!$F$172</c:f>
+              <c:strCache>
+                <c:ptCount val="1"/>
+                <c:pt idx="0">
+                  <c:v>introns</c:v>
+                </c:pt>
+              </c:strCache>
+            </c:strRef>
+          </c:tx>
+          <c:invertIfNegative val="0"/>
+          <c:cat>
+            <c:strRef>
+              <c:f>modification!$G$167:$O$167</c:f>
+              <c:strCache>
+                <c:ptCount val="9"/>
+                <c:pt idx="0">
+                  <c:v>exp5_1</c:v>
+                </c:pt>
+                <c:pt idx="1">
+                  <c:v>exp5_2</c:v>
+                </c:pt>
+                <c:pt idx="2">
+                  <c:v>exp5_3</c:v>
+                </c:pt>
+                <c:pt idx="3">
+                  <c:v>rbp35_1</c:v>
+                </c:pt>
+                <c:pt idx="4">
+                  <c:v>rbp35_2</c:v>
+                </c:pt>
+                <c:pt idx="5">
+                  <c:v>rbp35_3</c:v>
+                </c:pt>
+                <c:pt idx="6">
+                  <c:v>WT_1</c:v>
+                </c:pt>
+                <c:pt idx="7">
+                  <c:v>WT_2</c:v>
+                </c:pt>
+                <c:pt idx="8">
+                  <c:v>WT_3</c:v>
+                </c:pt>
+              </c:strCache>
+            </c:strRef>
+          </c:cat>
+          <c:val>
+            <c:numRef>
+              <c:f>modification!$G$172:$O$172</c:f>
+              <c:numCache>
+                <c:formatCode>0.00%</c:formatCode>
+                <c:ptCount val="9"/>
+                <c:pt idx="0">
+                  <c:v>2.0000000000000001E-4</c:v>
+                </c:pt>
+                <c:pt idx="1">
+                  <c:v>1E-4</c:v>
+                </c:pt>
+                <c:pt idx="2">
+                  <c:v>2.0000000000000001E-4</c:v>
+                </c:pt>
+                <c:pt idx="3">
+                  <c:v>6.9999999999999999E-4</c:v>
+                </c:pt>
+                <c:pt idx="4">
+                  <c:v>8.0000000000000004E-4</c:v>
+                </c:pt>
+                <c:pt idx="5">
+                  <c:v>1.1999999999999999E-3</c:v>
+                </c:pt>
+                <c:pt idx="6">
+                  <c:v>2.0000000000000001E-4</c:v>
+                </c:pt>
+                <c:pt idx="7">
+                  <c:v>2.9999999999999997E-4</c:v>
+                </c:pt>
+                <c:pt idx="8">
+                  <c:v>2.9999999999999997E-4</c:v>
+                </c:pt>
+              </c:numCache>
+            </c:numRef>
+          </c:val>
+        </c:ser>
+        <c:ser>
+          <c:idx val="5"/>
+          <c:order val="5"/>
+          <c:tx>
+            <c:strRef>
+              <c:f>modification!$F$173</c:f>
+              <c:strCache>
+                <c:ptCount val="1"/>
+                <c:pt idx="0">
+                  <c:v>intergenic</c:v>
+                </c:pt>
+              </c:strCache>
+            </c:strRef>
+          </c:tx>
+          <c:invertIfNegative val="0"/>
+          <c:cat>
+            <c:strRef>
+              <c:f>modification!$G$167:$O$167</c:f>
+              <c:strCache>
+                <c:ptCount val="9"/>
+                <c:pt idx="0">
+                  <c:v>exp5_1</c:v>
+                </c:pt>
+                <c:pt idx="1">
+                  <c:v>exp5_2</c:v>
+                </c:pt>
+                <c:pt idx="2">
+                  <c:v>exp5_3</c:v>
+                </c:pt>
+                <c:pt idx="3">
+                  <c:v>rbp35_1</c:v>
+                </c:pt>
+                <c:pt idx="4">
+                  <c:v>rbp35_2</c:v>
+                </c:pt>
+                <c:pt idx="5">
+                  <c:v>rbp35_3</c:v>
+                </c:pt>
+                <c:pt idx="6">
+                  <c:v>WT_1</c:v>
+                </c:pt>
+                <c:pt idx="7">
+                  <c:v>WT_2</c:v>
+                </c:pt>
+                <c:pt idx="8">
+                  <c:v>WT_3</c:v>
+                </c:pt>
+              </c:strCache>
+            </c:strRef>
+          </c:cat>
+          <c:val>
+            <c:numRef>
+              <c:f>modification!$G$173:$O$173</c:f>
+              <c:numCache>
+                <c:formatCode>0.00%</c:formatCode>
+                <c:ptCount val="9"/>
+                <c:pt idx="0">
+                  <c:v>2.5999999999999999E-3</c:v>
+                </c:pt>
+                <c:pt idx="1">
+                  <c:v>2.0999999999999999E-3</c:v>
+                </c:pt>
+                <c:pt idx="2">
+                  <c:v>2.5999999999999999E-3</c:v>
+                </c:pt>
+                <c:pt idx="3">
+                  <c:v>6.1000000000000004E-3</c:v>
+                </c:pt>
+                <c:pt idx="4">
+                  <c:v>5.8999999999999999E-3</c:v>
+                </c:pt>
+                <c:pt idx="5">
+                  <c:v>8.3000000000000001E-3</c:v>
+                </c:pt>
+                <c:pt idx="6">
+                  <c:v>2.5999999999999999E-3</c:v>
+                </c:pt>
+                <c:pt idx="7">
+                  <c:v>3.0000000000000001E-3</c:v>
+                </c:pt>
+                <c:pt idx="8">
+                  <c:v>2.7000000000000001E-3</c:v>
+                </c:pt>
+              </c:numCache>
+            </c:numRef>
+          </c:val>
+        </c:ser>
+        <c:ser>
+          <c:idx val="6"/>
+          <c:order val="6"/>
+          <c:tx>
+            <c:strRef>
+              <c:f>modification!$F$174</c:f>
+              <c:strCache>
+                <c:ptCount val="1"/>
+                <c:pt idx="0">
+                  <c:v>naEST</c:v>
+                </c:pt>
+              </c:strCache>
+            </c:strRef>
+          </c:tx>
+          <c:invertIfNegative val="0"/>
+          <c:cat>
+            <c:strRef>
+              <c:f>modification!$G$167:$O$167</c:f>
+              <c:strCache>
+                <c:ptCount val="9"/>
+                <c:pt idx="0">
+                  <c:v>exp5_1</c:v>
+                </c:pt>
+                <c:pt idx="1">
+                  <c:v>exp5_2</c:v>
+                </c:pt>
+                <c:pt idx="2">
+                  <c:v>exp5_3</c:v>
+                </c:pt>
+                <c:pt idx="3">
+                  <c:v>rbp35_1</c:v>
+                </c:pt>
+                <c:pt idx="4">
+                  <c:v>rbp35_2</c:v>
+                </c:pt>
+                <c:pt idx="5">
+                  <c:v>rbp35_3</c:v>
+                </c:pt>
+                <c:pt idx="6">
+                  <c:v>WT_1</c:v>
+                </c:pt>
+                <c:pt idx="7">
+                  <c:v>WT_2</c:v>
+                </c:pt>
+                <c:pt idx="8">
+                  <c:v>WT_3</c:v>
+                </c:pt>
+              </c:strCache>
+            </c:strRef>
+          </c:cat>
+          <c:val>
+            <c:numRef>
+              <c:f>modification!$G$174:$O$174</c:f>
+              <c:numCache>
+                <c:formatCode>0.00%</c:formatCode>
+                <c:ptCount val="9"/>
+                <c:pt idx="0">
+                  <c:v>0.15459999999999999</c:v>
+                </c:pt>
+                <c:pt idx="1">
+                  <c:v>0.22159999999999999</c:v>
+                </c:pt>
+                <c:pt idx="2">
+                  <c:v>0.2263</c:v>
+                </c:pt>
+                <c:pt idx="3">
+                  <c:v>0.1182</c:v>
+                </c:pt>
+                <c:pt idx="4">
+                  <c:v>0.1628</c:v>
+                </c:pt>
+                <c:pt idx="5">
+                  <c:v>0.13669999999999999</c:v>
+                </c:pt>
+                <c:pt idx="6">
+                  <c:v>0.32369999999999999</c:v>
+                </c:pt>
+                <c:pt idx="7">
+                  <c:v>0.2868</c:v>
+                </c:pt>
+                <c:pt idx="8">
+                  <c:v>0.31009999999999999</c:v>
+                </c:pt>
+              </c:numCache>
+            </c:numRef>
+          </c:val>
+        </c:ser>
+        <c:dLbls>
+          <c:showLegendKey val="0"/>
+          <c:showVal val="0"/>
+          <c:showCatName val="0"/>
+          <c:showSerName val="0"/>
+          <c:showPercent val="0"/>
+          <c:showBubbleSize val="0"/>
+        </c:dLbls>
+        <c:gapWidth val="150"/>
+        <c:axId val="106765312"/>
+        <c:axId val="106767104"/>
+      </c:barChart>
+      <c:catAx>
+        <c:axId val="106765312"/>
+        <c:scaling>
+          <c:orientation val="minMax"/>
+        </c:scaling>
+        <c:delete val="0"/>
+        <c:axPos val="b"/>
+        <c:majorTickMark val="out"/>
+        <c:minorTickMark val="none"/>
+        <c:tickLblPos val="nextTo"/>
+        <c:crossAx val="106767104"/>
+        <c:crosses val="autoZero"/>
+        <c:auto val="1"/>
+        <c:lblAlgn val="ctr"/>
+        <c:lblOffset val="100"/>
+        <c:noMultiLvlLbl val="0"/>
+      </c:catAx>
+      <c:valAx>
+        <c:axId val="106767104"/>
+        <c:scaling>
+          <c:orientation val="minMax"/>
+          <c:max val="1"/>
+        </c:scaling>
+        <c:delete val="0"/>
+        <c:axPos val="l"/>
+        <c:majorGridlines/>
+        <c:numFmt formatCode="0%" sourceLinked="0"/>
+        <c:majorTickMark val="out"/>
+        <c:minorTickMark val="none"/>
+        <c:tickLblPos val="nextTo"/>
+        <c:crossAx val="106765312"/>
+        <c:crosses val="autoZero"/>
+        <c:crossBetween val="between"/>
+      </c:valAx>
+    </c:plotArea>
+    <c:legend>
+      <c:legendPos val="r"/>
+      <c:layout/>
+      <c:overlay val="0"/>
+    </c:legend>
+    <c:plotVisOnly val="1"/>
+    <c:dispBlanksAs val="gap"/>
+    <c:showDLblsOverMax val="0"/>
+  </c:chart>
+  <c:externalData r:id="rId1">
+    <c:autoUpdate val="0"/>
+  </c:externalData>
+</c:chartSpace>
+</file>
+
+<file path=ppt/charts/chart81.xml><?xml version="1.0" encoding="utf-8"?>
+<c:chartSpace xmlns:c="http://schemas.openxmlformats.org/drawingml/2006/chart" xmlns:a="http://schemas.openxmlformats.org/drawingml/2006/main" xmlns:r="http://schemas.openxmlformats.org/officeDocument/2006/relationships">
+  <c:date1904 val="0"/>
+  <c:lang val="en-US"/>
+  <c:roundedCorners val="0"/>
+  <mc:AlternateContent xmlns:mc="http://schemas.openxmlformats.org/markup-compatibility/2006">
+    <mc:Choice xmlns:c14="http://schemas.microsoft.com/office/drawing/2007/8/2/chart" Requires="c14">
+      <c14:style val="102"/>
+    </mc:Choice>
+    <mc:Fallback>
+      <c:style val="2"/>
+    </mc:Fallback>
+  </mc:AlternateContent>
+  <c:chart>
+    <c:autoTitleDeleted val="0"/>
+    <c:plotArea>
+      <c:layout/>
+      <c:barChart>
+        <c:barDir val="col"/>
+        <c:grouping val="clustered"/>
+        <c:varyColors val="0"/>
+        <c:ser>
+          <c:idx val="0"/>
+          <c:order val="0"/>
+          <c:tx>
+            <c:strRef>
+              <c:f>modification!$B$177</c:f>
+              <c:strCache>
+                <c:ptCount val="1"/>
+                <c:pt idx="0">
+                  <c:v>sense</c:v>
+                </c:pt>
+              </c:strCache>
+            </c:strRef>
+          </c:tx>
+          <c:invertIfNegative val="0"/>
+          <c:cat>
+            <c:strRef>
+              <c:f>modification!$A$178:$A$193</c:f>
+              <c:strCache>
+                <c:ptCount val="16"/>
+                <c:pt idx="0">
+                  <c:v>fosbury</c:v>
+                </c:pt>
+                <c:pt idx="1">
+                  <c:v>Inago1</c:v>
+                </c:pt>
+                <c:pt idx="2">
+                  <c:v>Inago2</c:v>
+                </c:pt>
+                <c:pt idx="3">
+                  <c:v>LINE_like</c:v>
+                </c:pt>
+                <c:pt idx="4">
+                  <c:v>MAGGY</c:v>
+                </c:pt>
+                <c:pt idx="5">
+                  <c:v>MGL</c:v>
+                </c:pt>
+                <c:pt idx="6">
+                  <c:v>MGRL-3</c:v>
+                </c:pt>
+                <c:pt idx="7">
+                  <c:v>MgSINE</c:v>
+                </c:pt>
+                <c:pt idx="8">
+                  <c:v>MINE</c:v>
+                </c:pt>
+                <c:pt idx="9">
+                  <c:v>MINE-A</c:v>
+                </c:pt>
+                <c:pt idx="10">
+                  <c:v>MINE-B</c:v>
+                </c:pt>
+                <c:pt idx="11">
+                  <c:v>MINE-C</c:v>
+                </c:pt>
+                <c:pt idx="12">
+                  <c:v>POT2</c:v>
+                </c:pt>
+                <c:pt idx="13">
+                  <c:v>POT3</c:v>
+                </c:pt>
+                <c:pt idx="14">
+                  <c:v>Pyret</c:v>
+                </c:pt>
+                <c:pt idx="15">
+                  <c:v>retro5</c:v>
+                </c:pt>
+              </c:strCache>
+            </c:strRef>
+          </c:cat>
+          <c:val>
+            <c:numRef>
+              <c:f>modification!$B$178:$B$193</c:f>
+              <c:numCache>
+                <c:formatCode>General</c:formatCode>
+                <c:ptCount val="16"/>
+                <c:pt idx="0">
+                  <c:v>8893</c:v>
+                </c:pt>
+                <c:pt idx="1">
+                  <c:v>205355</c:v>
+                </c:pt>
+                <c:pt idx="2">
+                  <c:v>84866</c:v>
+                </c:pt>
+                <c:pt idx="3">
+                  <c:v>237</c:v>
+                </c:pt>
+                <c:pt idx="4">
+                  <c:v>514007</c:v>
+                </c:pt>
+                <c:pt idx="5">
+                  <c:v>3287</c:v>
+                </c:pt>
+                <c:pt idx="6">
+                  <c:v>31579</c:v>
+                </c:pt>
+                <c:pt idx="7">
+                  <c:v>423</c:v>
+                </c:pt>
+                <c:pt idx="8">
+                  <c:v>397</c:v>
+                </c:pt>
+                <c:pt idx="9">
+                  <c:v>66</c:v>
+                </c:pt>
+                <c:pt idx="10">
+                  <c:v>101</c:v>
+                </c:pt>
+                <c:pt idx="11">
+                  <c:v>65</c:v>
+                </c:pt>
+                <c:pt idx="12">
+                  <c:v>49</c:v>
+                </c:pt>
+                <c:pt idx="13">
+                  <c:v>634</c:v>
+                </c:pt>
+                <c:pt idx="14">
+                  <c:v>15</c:v>
+                </c:pt>
+                <c:pt idx="15">
+                  <c:v>1620</c:v>
+                </c:pt>
+              </c:numCache>
+            </c:numRef>
+          </c:val>
+        </c:ser>
+        <c:ser>
+          <c:idx val="1"/>
+          <c:order val="1"/>
+          <c:tx>
+            <c:strRef>
+              <c:f>modification!$C$177</c:f>
+              <c:strCache>
+                <c:ptCount val="1"/>
+                <c:pt idx="0">
+                  <c:v>antisense</c:v>
+                </c:pt>
+              </c:strCache>
+            </c:strRef>
+          </c:tx>
+          <c:invertIfNegative val="0"/>
+          <c:cat>
+            <c:strRef>
+              <c:f>modification!$A$178:$A$193</c:f>
+              <c:strCache>
+                <c:ptCount val="16"/>
+                <c:pt idx="0">
+                  <c:v>fosbury</c:v>
+                </c:pt>
+                <c:pt idx="1">
+                  <c:v>Inago1</c:v>
+                </c:pt>
+                <c:pt idx="2">
+                  <c:v>Inago2</c:v>
+                </c:pt>
+                <c:pt idx="3">
+                  <c:v>LINE_like</c:v>
+                </c:pt>
+                <c:pt idx="4">
+                  <c:v>MAGGY</c:v>
+                </c:pt>
+                <c:pt idx="5">
+                  <c:v>MGL</c:v>
+                </c:pt>
+                <c:pt idx="6">
+                  <c:v>MGRL-3</c:v>
+                </c:pt>
+                <c:pt idx="7">
+                  <c:v>MgSINE</c:v>
+                </c:pt>
+                <c:pt idx="8">
+                  <c:v>MINE</c:v>
+                </c:pt>
+                <c:pt idx="9">
+                  <c:v>MINE-A</c:v>
+                </c:pt>
+                <c:pt idx="10">
+                  <c:v>MINE-B</c:v>
+                </c:pt>
+                <c:pt idx="11">
+                  <c:v>MINE-C</c:v>
+                </c:pt>
+                <c:pt idx="12">
+                  <c:v>POT2</c:v>
+                </c:pt>
+                <c:pt idx="13">
+                  <c:v>POT3</c:v>
+                </c:pt>
+                <c:pt idx="14">
+                  <c:v>Pyret</c:v>
+                </c:pt>
+                <c:pt idx="15">
+                  <c:v>retro5</c:v>
+                </c:pt>
+              </c:strCache>
+            </c:strRef>
+          </c:cat>
+          <c:val>
+            <c:numRef>
+              <c:f>modification!$C$178:$C$193</c:f>
+              <c:numCache>
+                <c:formatCode>General</c:formatCode>
+                <c:ptCount val="16"/>
+                <c:pt idx="0">
+                  <c:v>13671</c:v>
+                </c:pt>
+                <c:pt idx="1">
+                  <c:v>194479</c:v>
+                </c:pt>
+                <c:pt idx="2">
+                  <c:v>116461</c:v>
+                </c:pt>
+                <c:pt idx="3">
+                  <c:v>271</c:v>
+                </c:pt>
+                <c:pt idx="4">
+                  <c:v>509171</c:v>
+                </c:pt>
+                <c:pt idx="5">
+                  <c:v>3300</c:v>
+                </c:pt>
+                <c:pt idx="6">
+                  <c:v>32540</c:v>
+                </c:pt>
+                <c:pt idx="7">
+                  <c:v>356</c:v>
+                </c:pt>
+                <c:pt idx="8">
+                  <c:v>864</c:v>
+                </c:pt>
+                <c:pt idx="9">
+                  <c:v>33</c:v>
+                </c:pt>
+                <c:pt idx="10">
+                  <c:v>56</c:v>
+                </c:pt>
+                <c:pt idx="11">
+                  <c:v>48</c:v>
+                </c:pt>
+                <c:pt idx="12">
+                  <c:v>34</c:v>
+                </c:pt>
+                <c:pt idx="13">
+                  <c:v>417</c:v>
+                </c:pt>
+                <c:pt idx="14">
+                  <c:v>35</c:v>
+                </c:pt>
+                <c:pt idx="15">
+                  <c:v>1138</c:v>
+                </c:pt>
+              </c:numCache>
+            </c:numRef>
+          </c:val>
+        </c:ser>
+        <c:dLbls>
+          <c:showLegendKey val="0"/>
+          <c:showVal val="0"/>
+          <c:showCatName val="0"/>
+          <c:showSerName val="0"/>
+          <c:showPercent val="0"/>
+          <c:showBubbleSize val="0"/>
+        </c:dLbls>
+        <c:gapWidth val="150"/>
+        <c:axId val="106459136"/>
+        <c:axId val="106461056"/>
+      </c:barChart>
+      <c:catAx>
+        <c:axId val="106459136"/>
+        <c:scaling>
+          <c:orientation val="minMax"/>
+        </c:scaling>
+        <c:delete val="0"/>
+        <c:axPos val="b"/>
+        <c:majorTickMark val="out"/>
+        <c:minorTickMark val="none"/>
+        <c:tickLblPos val="nextTo"/>
+        <c:crossAx val="106461056"/>
+        <c:crosses val="autoZero"/>
+        <c:auto val="1"/>
+        <c:lblAlgn val="ctr"/>
+        <c:lblOffset val="100"/>
+        <c:noMultiLvlLbl val="0"/>
+      </c:catAx>
+      <c:valAx>
+        <c:axId val="106461056"/>
+        <c:scaling>
+          <c:orientation val="minMax"/>
+        </c:scaling>
+        <c:delete val="0"/>
+        <c:axPos val="l"/>
+        <c:majorGridlines/>
+        <c:numFmt formatCode="General" sourceLinked="1"/>
+        <c:majorTickMark val="out"/>
+        <c:minorTickMark val="none"/>
+        <c:tickLblPos val="nextTo"/>
+        <c:crossAx val="106459136"/>
+        <c:crosses val="autoZero"/>
+        <c:crossBetween val="between"/>
+      </c:valAx>
+    </c:plotArea>
+    <c:legend>
+      <c:legendPos val="r"/>
+      <c:layout/>
+      <c:overlay val="0"/>
+    </c:legend>
     <c:plotVisOnly val="1"/>
     <c:dispBlanksAs val="gap"/>
     <c:showDLblsOverMax val="0"/>
@@ -38902,11 +40706,11 @@
           <c:showPercent val="0"/>
           <c:showBubbleSize val="0"/>
         </c:dLbls>
-        <c:axId val="127630720"/>
-        <c:axId val="127645952"/>
+        <c:axId val="95468928"/>
+        <c:axId val="104532224"/>
       </c:scatterChart>
       <c:valAx>
-        <c:axId val="127630720"/>
+        <c:axId val="95468928"/>
         <c:scaling>
           <c:orientation val="minMax"/>
         </c:scaling>
@@ -38915,12 +40719,12 @@
         <c:majorTickMark val="out"/>
         <c:minorTickMark val="none"/>
         <c:tickLblPos val="nextTo"/>
-        <c:crossAx val="127645952"/>
+        <c:crossAx val="104532224"/>
         <c:crosses val="autoZero"/>
         <c:crossBetween val="midCat"/>
       </c:valAx>
       <c:valAx>
-        <c:axId val="127645952"/>
+        <c:axId val="104532224"/>
         <c:scaling>
           <c:orientation val="maxMin"/>
           <c:max val="0.1"/>
@@ -38957,7 +40761,7 @@
         <c:majorTickMark val="out"/>
         <c:minorTickMark val="none"/>
         <c:tickLblPos val="nextTo"/>
-        <c:crossAx val="127630720"/>
+        <c:crossAx val="95468928"/>
         <c:crosses val="autoZero"/>
         <c:crossBetween val="midCat"/>
       </c:valAx>
@@ -39054,7 +40858,7 @@
           <a:p>
             <a:fld id="{47053D67-9EBB-4456-BEF1-A4108CD1C887}" type="datetimeFigureOut">
               <a:rPr lang="es-ES" smtClean="0"/>
-              <a:t>18/06/2015</a:t>
+              <a:t>22/06/2015</a:t>
             </a:fld>
             <a:endParaRPr lang="es-ES"/>
           </a:p>
@@ -39555,7 +41359,7 @@
           <a:p>
             <a:fld id="{DABE78E0-8AF9-4C58-8B4C-B80F7D6B1763}" type="slidenum">
               <a:rPr lang="es-ES" smtClean="0"/>
-              <a:t>55</a:t>
+              <a:t>62</a:t>
             </a:fld>
             <a:endParaRPr lang="es-ES"/>
           </a:p>
@@ -39755,7 +41559,7 @@
           <a:p>
             <a:fld id="{D8DA5178-521C-4D8E-9777-3CA29D9D7BA2}" type="datetimeFigureOut">
               <a:rPr lang="en-US" smtClean="0"/>
-              <a:t>6/18/2015</a:t>
+              <a:t>6/22/2015</a:t>
             </a:fld>
             <a:endParaRPr lang="en-US"/>
           </a:p>
@@ -39925,7 +41729,7 @@
           <a:p>
             <a:fld id="{D8DA5178-521C-4D8E-9777-3CA29D9D7BA2}" type="datetimeFigureOut">
               <a:rPr lang="en-US" smtClean="0"/>
-              <a:t>6/18/2015</a:t>
+              <a:t>6/22/2015</a:t>
             </a:fld>
             <a:endParaRPr lang="en-US"/>
           </a:p>
@@ -40105,7 +41909,7 @@
           <a:p>
             <a:fld id="{D8DA5178-521C-4D8E-9777-3CA29D9D7BA2}" type="datetimeFigureOut">
               <a:rPr lang="en-US" smtClean="0"/>
-              <a:t>6/18/2015</a:t>
+              <a:t>6/22/2015</a:t>
             </a:fld>
             <a:endParaRPr lang="en-US"/>
           </a:p>
@@ -40275,7 +42079,7 @@
           <a:p>
             <a:fld id="{D8DA5178-521C-4D8E-9777-3CA29D9D7BA2}" type="datetimeFigureOut">
               <a:rPr lang="en-US" smtClean="0"/>
-              <a:t>6/18/2015</a:t>
+              <a:t>6/22/2015</a:t>
             </a:fld>
             <a:endParaRPr lang="en-US"/>
           </a:p>
@@ -40521,7 +42325,7 @@
           <a:p>
             <a:fld id="{D8DA5178-521C-4D8E-9777-3CA29D9D7BA2}" type="datetimeFigureOut">
               <a:rPr lang="en-US" smtClean="0"/>
-              <a:t>6/18/2015</a:t>
+              <a:t>6/22/2015</a:t>
             </a:fld>
             <a:endParaRPr lang="en-US"/>
           </a:p>
@@ -40809,7 +42613,7 @@
           <a:p>
             <a:fld id="{D8DA5178-521C-4D8E-9777-3CA29D9D7BA2}" type="datetimeFigureOut">
               <a:rPr lang="en-US" smtClean="0"/>
-              <a:t>6/18/2015</a:t>
+              <a:t>6/22/2015</a:t>
             </a:fld>
             <a:endParaRPr lang="en-US"/>
           </a:p>
@@ -41231,7 +43035,7 @@
           <a:p>
             <a:fld id="{D8DA5178-521C-4D8E-9777-3CA29D9D7BA2}" type="datetimeFigureOut">
               <a:rPr lang="en-US" smtClean="0"/>
-              <a:t>6/18/2015</a:t>
+              <a:t>6/22/2015</a:t>
             </a:fld>
             <a:endParaRPr lang="en-US"/>
           </a:p>
@@ -41349,7 +43153,7 @@
           <a:p>
             <a:fld id="{D8DA5178-521C-4D8E-9777-3CA29D9D7BA2}" type="datetimeFigureOut">
               <a:rPr lang="en-US" smtClean="0"/>
-              <a:t>6/18/2015</a:t>
+              <a:t>6/22/2015</a:t>
             </a:fld>
             <a:endParaRPr lang="en-US"/>
           </a:p>
@@ -41444,7 +43248,7 @@
           <a:p>
             <a:fld id="{D8DA5178-521C-4D8E-9777-3CA29D9D7BA2}" type="datetimeFigureOut">
               <a:rPr lang="en-US" smtClean="0"/>
-              <a:t>6/18/2015</a:t>
+              <a:t>6/22/2015</a:t>
             </a:fld>
             <a:endParaRPr lang="en-US"/>
           </a:p>
@@ -41721,7 +43525,7 @@
           <a:p>
             <a:fld id="{D8DA5178-521C-4D8E-9777-3CA29D9D7BA2}" type="datetimeFigureOut">
               <a:rPr lang="en-US" smtClean="0"/>
-              <a:t>6/18/2015</a:t>
+              <a:t>6/22/2015</a:t>
             </a:fld>
             <a:endParaRPr lang="en-US"/>
           </a:p>
@@ -41974,7 +43778,7 @@
           <a:p>
             <a:fld id="{D8DA5178-521C-4D8E-9777-3CA29D9D7BA2}" type="datetimeFigureOut">
               <a:rPr lang="en-US" smtClean="0"/>
-              <a:t>6/18/2015</a:t>
+              <a:t>6/22/2015</a:t>
             </a:fld>
             <a:endParaRPr lang="en-US"/>
           </a:p>
@@ -42187,7 +43991,7 @@
           <a:p>
             <a:fld id="{D8DA5178-521C-4D8E-9777-3CA29D9D7BA2}" type="datetimeFigureOut">
               <a:rPr lang="en-US" smtClean="0"/>
-              <a:t>6/18/2015</a:t>
+              <a:t>6/22/2015</a:t>
             </a:fld>
             <a:endParaRPr lang="en-US"/>
           </a:p>
@@ -54696,19 +56500,17 @@
         </p:nvSpPr>
         <p:spPr>
           <a:xfrm>
-            <a:off x="323528" y="2924944"/>
+            <a:off x="457200" y="2718048"/>
             <a:ext cx="8229600" cy="1143000"/>
           </a:xfrm>
         </p:spPr>
         <p:txBody>
-          <a:bodyPr>
-            <a:normAutofit/>
-          </a:bodyPr>
+          <a:bodyPr/>
           <a:lstStyle/>
           <a:p>
             <a:r>
               <a:rPr lang="en-US" dirty="0" smtClean="0"/>
-              <a:t>Probes proposals</a:t>
+              <a:t>In-depth analysis of specific classes</a:t>
             </a:r>
             <a:endParaRPr lang="en-US" dirty="0"/>
           </a:p>
@@ -54717,7 +56519,7 @@
     </p:spTree>
     <p:extLst>
       <p:ext uri="{BB962C8B-B14F-4D97-AF65-F5344CB8AC3E}">
-        <p14:creationId xmlns:p14="http://schemas.microsoft.com/office/powerpoint/2010/main" val="4174802837"/>
+        <p14:creationId xmlns:p14="http://schemas.microsoft.com/office/powerpoint/2010/main" val="3537521833"/>
       </p:ext>
     </p:extLst>
   </p:cSld>
@@ -54756,113 +56558,56 @@
         </p:nvSpPr>
         <p:spPr/>
         <p:txBody>
-          <a:bodyPr/>
-          <a:lstStyle/>
-          <a:p>
-            <a:r>
-              <a:rPr lang="en-US" dirty="0" smtClean="0"/>
-              <a:t>Rbp35 antisense 5’UTR</a:t>
-            </a:r>
-            <a:endParaRPr lang="en-US" dirty="0"/>
-          </a:p>
-        </p:txBody>
-      </p:sp>
-      <p:pic>
-        <p:nvPicPr>
-          <p:cNvPr id="1026" name="Picture 2"/>
-          <p:cNvPicPr>
-            <a:picLocks noChangeAspect="1" noChangeArrowheads="1"/>
-          </p:cNvPicPr>
-          <p:nvPr/>
-        </p:nvPicPr>
-        <p:blipFill>
-          <a:blip r:embed="rId2">
-            <a:extLst>
-              <a:ext uri="{28A0092B-C50C-407E-A947-70E740481C1C}">
-                <a14:useLocalDpi xmlns:a14="http://schemas.microsoft.com/office/drawing/2010/main" val="0"/>
-              </a:ext>
-            </a:extLst>
-          </a:blip>
-          <a:srcRect/>
-          <a:stretch>
-            <a:fillRect/>
-          </a:stretch>
-        </p:blipFill>
-        <p:spPr bwMode="auto">
-          <a:xfrm>
-            <a:off x="981075" y="2132856"/>
-            <a:ext cx="7181850" cy="4048125"/>
-          </a:xfrm>
-          <a:prstGeom prst="rect">
-            <a:avLst/>
-          </a:prstGeom>
-          <a:noFill/>
-          <a:ln>
-            <a:noFill/>
-          </a:ln>
-          <a:effectLst/>
-          <a:extLst>
-            <a:ext uri="{909E8E84-426E-40DD-AFC4-6F175D3DCCD1}">
-              <a14:hiddenFill xmlns:a14="http://schemas.microsoft.com/office/drawing/2010/main">
-                <a:solidFill>
-                  <a:schemeClr val="accent1"/>
-                </a:solidFill>
-              </a14:hiddenFill>
-            </a:ext>
-            <a:ext uri="{91240B29-F687-4F45-9708-019B960494DF}">
-              <a14:hiddenLine xmlns:a14="http://schemas.microsoft.com/office/drawing/2010/main" w="9525">
-                <a:solidFill>
-                  <a:schemeClr val="tx1"/>
-                </a:solidFill>
-                <a:miter lim="800000"/>
-                <a:headEnd/>
-                <a:tailEnd/>
-              </a14:hiddenLine>
-            </a:ext>
-            <a:ext uri="{AF507438-7753-43E0-B8FC-AC1667EBCBE1}">
-              <a14:hiddenEffects xmlns:a14="http://schemas.microsoft.com/office/drawing/2010/main">
-                <a:effectLst>
-                  <a:outerShdw dist="35921" dir="2700000" algn="ctr" rotWithShape="0">
-                    <a:schemeClr val="bg2"/>
-                  </a:outerShdw>
-                </a:effectLst>
-              </a14:hiddenEffects>
-            </a:ext>
-          </a:extLst>
-        </p:spPr>
-      </p:pic>
-      <p:sp>
-        <p:nvSpPr>
-          <p:cNvPr id="4" name="3 Rectángulo"/>
-          <p:cNvSpPr/>
-          <p:nvPr/>
-        </p:nvSpPr>
-        <p:spPr>
-          <a:xfrm>
-            <a:off x="3298125" y="6283154"/>
-            <a:ext cx="2547749" cy="369332"/>
-          </a:xfrm>
-          <a:prstGeom prst="rect">
-            <a:avLst/>
-          </a:prstGeom>
-        </p:spPr>
-        <p:txBody>
-          <a:bodyPr wrap="none">
-            <a:spAutoFit/>
+          <a:bodyPr>
+            <a:normAutofit/>
           </a:bodyPr>
           <a:lstStyle/>
           <a:p>
             <a:r>
-              <a:rPr lang="en-US" dirty="0"/>
-              <a:t>TACCTGGACCTGGATCGTT</a:t>
+              <a:rPr lang="en-US" sz="3600" dirty="0" smtClean="0"/>
+              <a:t>19nt U-beginning </a:t>
             </a:r>
+            <a:r>
+              <a:rPr lang="en-US" sz="3600" dirty="0"/>
+              <a:t>up-regulated in </a:t>
+            </a:r>
+            <a:r>
+              <a:rPr lang="en-US" sz="3600" i="1" dirty="0" smtClean="0"/>
+              <a:t>∆rbp35</a:t>
+            </a:r>
+            <a:br>
+              <a:rPr lang="en-US" sz="3600" i="1" dirty="0" smtClean="0"/>
+            </a:br>
+            <a:r>
+              <a:rPr lang="en-US" sz="2000" i="1" dirty="0" smtClean="0"/>
+              <a:t>They come mostly from transposable elements</a:t>
+            </a:r>
+            <a:endParaRPr lang="en-US" sz="3600" i="1" dirty="0"/>
           </a:p>
         </p:txBody>
       </p:sp>
+      <p:graphicFrame>
+        <p:nvGraphicFramePr>
+          <p:cNvPr id="4" name="4 Gráfico"/>
+          <p:cNvGraphicFramePr>
+            <a:graphicFrameLocks/>
+          </p:cNvGraphicFramePr>
+          <p:nvPr/>
+        </p:nvGraphicFramePr>
+        <p:xfrm>
+          <a:off x="1207293" y="1643062"/>
+          <a:ext cx="6729413" cy="3571875"/>
+        </p:xfrm>
+        <a:graphic>
+          <a:graphicData uri="http://schemas.openxmlformats.org/drawingml/2006/chart">
+            <c:chart xmlns:c="http://schemas.openxmlformats.org/drawingml/2006/chart" xmlns:r="http://schemas.openxmlformats.org/officeDocument/2006/relationships" r:id="rId2"/>
+          </a:graphicData>
+        </a:graphic>
+      </p:graphicFrame>
     </p:spTree>
     <p:extLst>
       <p:ext uri="{BB962C8B-B14F-4D97-AF65-F5344CB8AC3E}">
-        <p14:creationId xmlns:p14="http://schemas.microsoft.com/office/powerpoint/2010/main" val="1207507727"/>
+        <p14:creationId xmlns:p14="http://schemas.microsoft.com/office/powerpoint/2010/main" val="944214807"/>
       </p:ext>
     </p:extLst>
   </p:cSld>
@@ -55110,6 +56855,795 @@
 </file>
 
 <file path=ppt/slides/slide50.xml><?xml version="1.0" encoding="utf-8"?>
+<p:sld xmlns:a="http://schemas.openxmlformats.org/drawingml/2006/main" xmlns:r="http://schemas.openxmlformats.org/officeDocument/2006/relationships" xmlns:p="http://schemas.openxmlformats.org/presentationml/2006/main">
+  <p:cSld>
+    <p:spTree>
+      <p:nvGrpSpPr>
+        <p:cNvPr id="1" name=""/>
+        <p:cNvGrpSpPr/>
+        <p:nvPr/>
+      </p:nvGrpSpPr>
+      <p:grpSpPr>
+        <a:xfrm>
+          <a:off x="0" y="0"/>
+          <a:ext cx="0" cy="0"/>
+          <a:chOff x="0" y="0"/>
+          <a:chExt cx="0" cy="0"/>
+        </a:xfrm>
+      </p:grpSpPr>
+      <p:sp>
+        <p:nvSpPr>
+          <p:cNvPr id="2" name="1 Título"/>
+          <p:cNvSpPr>
+            <a:spLocks noGrp="1"/>
+          </p:cNvSpPr>
+          <p:nvPr>
+            <p:ph type="title"/>
+          </p:nvPr>
+        </p:nvSpPr>
+        <p:spPr/>
+        <p:txBody>
+          <a:bodyPr>
+            <a:normAutofit/>
+          </a:bodyPr>
+          <a:lstStyle/>
+          <a:p>
+            <a:r>
+              <a:rPr lang="en-US" sz="3600" dirty="0" smtClean="0"/>
+              <a:t>19nt U-beginning </a:t>
+            </a:r>
+            <a:r>
+              <a:rPr lang="en-US" sz="3600" dirty="0"/>
+              <a:t>up-regulated in </a:t>
+            </a:r>
+            <a:r>
+              <a:rPr lang="en-US" sz="3600" i="1" dirty="0" smtClean="0"/>
+              <a:t>∆rbp35</a:t>
+            </a:r>
+            <a:br>
+              <a:rPr lang="en-US" sz="3600" i="1" dirty="0" smtClean="0"/>
+            </a:br>
+            <a:r>
+              <a:rPr lang="en-US" sz="2000" i="1" dirty="0" smtClean="0"/>
+              <a:t>Usually, antisense to some specific </a:t>
+            </a:r>
+            <a:r>
+              <a:rPr lang="en-US" sz="2000" i="1" dirty="0" err="1" smtClean="0"/>
+              <a:t>retrotransposons</a:t>
+            </a:r>
+            <a:endParaRPr lang="en-US" sz="3600" i="1" dirty="0"/>
+          </a:p>
+        </p:txBody>
+      </p:sp>
+      <p:graphicFrame>
+        <p:nvGraphicFramePr>
+          <p:cNvPr id="5" name="3 Gráfico"/>
+          <p:cNvGraphicFramePr>
+            <a:graphicFrameLocks/>
+          </p:cNvGraphicFramePr>
+          <p:nvPr>
+            <p:extLst>
+              <p:ext uri="{D42A27DB-BD31-4B8C-83A1-F6EECF244321}">
+                <p14:modId xmlns:p14="http://schemas.microsoft.com/office/powerpoint/2010/main" val="1529588021"/>
+              </p:ext>
+            </p:extLst>
+          </p:nvPr>
+        </p:nvGraphicFramePr>
+        <p:xfrm>
+          <a:off x="755576" y="1772816"/>
+          <a:ext cx="7615238" cy="4010025"/>
+        </p:xfrm>
+        <a:graphic>
+          <a:graphicData uri="http://schemas.openxmlformats.org/drawingml/2006/chart">
+            <c:chart xmlns:c="http://schemas.openxmlformats.org/drawingml/2006/chart" xmlns:r="http://schemas.openxmlformats.org/officeDocument/2006/relationships" r:id="rId2"/>
+          </a:graphicData>
+        </a:graphic>
+      </p:graphicFrame>
+    </p:spTree>
+    <p:extLst>
+      <p:ext uri="{BB962C8B-B14F-4D97-AF65-F5344CB8AC3E}">
+        <p14:creationId xmlns:p14="http://schemas.microsoft.com/office/powerpoint/2010/main" val="3392319342"/>
+      </p:ext>
+    </p:extLst>
+  </p:cSld>
+  <p:clrMapOvr>
+    <a:masterClrMapping/>
+  </p:clrMapOvr>
+</p:sld>
+</file>
+
+<file path=ppt/slides/slide51.xml><?xml version="1.0" encoding="utf-8"?>
+<p:sld xmlns:a="http://schemas.openxmlformats.org/drawingml/2006/main" xmlns:r="http://schemas.openxmlformats.org/officeDocument/2006/relationships" xmlns:p="http://schemas.openxmlformats.org/presentationml/2006/main">
+  <p:cSld>
+    <p:spTree>
+      <p:nvGrpSpPr>
+        <p:cNvPr id="1" name=""/>
+        <p:cNvGrpSpPr/>
+        <p:nvPr/>
+      </p:nvGrpSpPr>
+      <p:grpSpPr>
+        <a:xfrm>
+          <a:off x="0" y="0"/>
+          <a:ext cx="0" cy="0"/>
+          <a:chOff x="0" y="0"/>
+          <a:chExt cx="0" cy="0"/>
+        </a:xfrm>
+      </p:grpSpPr>
+      <p:sp>
+        <p:nvSpPr>
+          <p:cNvPr id="2" name="1 Título"/>
+          <p:cNvSpPr>
+            <a:spLocks noGrp="1"/>
+          </p:cNvSpPr>
+          <p:nvPr>
+            <p:ph type="title"/>
+          </p:nvPr>
+        </p:nvSpPr>
+        <p:spPr/>
+        <p:txBody>
+          <a:bodyPr>
+            <a:normAutofit fontScale="90000"/>
+          </a:bodyPr>
+          <a:lstStyle/>
+          <a:p>
+            <a:r>
+              <a:rPr lang="en-US" sz="3600" dirty="0" smtClean="0"/>
+              <a:t>19nt U-beginning up-regulated in </a:t>
+            </a:r>
+            <a:r>
+              <a:rPr lang="en-US" sz="3600" i="1" dirty="0" smtClean="0"/>
+              <a:t>∆rbp35</a:t>
+            </a:r>
+            <a:br>
+              <a:rPr lang="en-US" sz="3600" i="1" dirty="0" smtClean="0"/>
+            </a:br>
+            <a:endParaRPr lang="en-US" sz="3600" i="1" dirty="0"/>
+          </a:p>
+        </p:txBody>
+      </p:sp>
+      <p:graphicFrame>
+        <p:nvGraphicFramePr>
+          <p:cNvPr id="4" name="4 Gráfico"/>
+          <p:cNvGraphicFramePr>
+            <a:graphicFrameLocks/>
+          </p:cNvGraphicFramePr>
+          <p:nvPr/>
+        </p:nvGraphicFramePr>
+        <p:xfrm>
+          <a:off x="1207293" y="1643062"/>
+          <a:ext cx="6729413" cy="3571875"/>
+        </p:xfrm>
+        <a:graphic>
+          <a:graphicData uri="http://schemas.openxmlformats.org/drawingml/2006/chart">
+            <c:chart xmlns:c="http://schemas.openxmlformats.org/drawingml/2006/chart" xmlns:r="http://schemas.openxmlformats.org/officeDocument/2006/relationships" r:id="rId2"/>
+          </a:graphicData>
+        </a:graphic>
+      </p:graphicFrame>
+      <p:cxnSp>
+        <p:nvCxnSpPr>
+          <p:cNvPr id="5" name="4 Conector recto de flecha"/>
+          <p:cNvCxnSpPr/>
+          <p:nvPr/>
+        </p:nvCxnSpPr>
+        <p:spPr>
+          <a:xfrm flipV="1">
+            <a:off x="4211960" y="5301208"/>
+            <a:ext cx="432048" cy="648072"/>
+          </a:xfrm>
+          <a:prstGeom prst="straightConnector1">
+            <a:avLst/>
+          </a:prstGeom>
+          <a:ln>
+            <a:tailEnd type="arrow"/>
+          </a:ln>
+        </p:spPr>
+        <p:style>
+          <a:lnRef idx="1">
+            <a:schemeClr val="accent1"/>
+          </a:lnRef>
+          <a:fillRef idx="0">
+            <a:schemeClr val="accent1"/>
+          </a:fillRef>
+          <a:effectRef idx="0">
+            <a:schemeClr val="accent1"/>
+          </a:effectRef>
+          <a:fontRef idx="minor">
+            <a:schemeClr val="tx1"/>
+          </a:fontRef>
+        </p:style>
+      </p:cxnSp>
+      <p:sp>
+        <p:nvSpPr>
+          <p:cNvPr id="6" name="5 CuadroTexto"/>
+          <p:cNvSpPr txBox="1"/>
+          <p:nvPr/>
+        </p:nvSpPr>
+        <p:spPr>
+          <a:xfrm>
+            <a:off x="1961186" y="5973742"/>
+            <a:ext cx="4933595" cy="369332"/>
+          </a:xfrm>
+          <a:prstGeom prst="rect">
+            <a:avLst/>
+          </a:prstGeom>
+          <a:noFill/>
+        </p:spPr>
+        <p:txBody>
+          <a:bodyPr wrap="none" rtlCol="0">
+            <a:spAutoFit/>
+          </a:bodyPr>
+          <a:lstStyle/>
+          <a:p>
+            <a:r>
+              <a:rPr lang="en-US" dirty="0" smtClean="0"/>
+              <a:t>Just protein-coding genes overlapping transposons</a:t>
+            </a:r>
+            <a:endParaRPr lang="en-US" dirty="0"/>
+          </a:p>
+        </p:txBody>
+      </p:sp>
+    </p:spTree>
+    <p:extLst>
+      <p:ext uri="{BB962C8B-B14F-4D97-AF65-F5344CB8AC3E}">
+        <p14:creationId xmlns:p14="http://schemas.microsoft.com/office/powerpoint/2010/main" val="1033633783"/>
+      </p:ext>
+    </p:extLst>
+  </p:cSld>
+  <p:clrMapOvr>
+    <a:masterClrMapping/>
+  </p:clrMapOvr>
+</p:sld>
+</file>
+
+<file path=ppt/slides/slide52.xml><?xml version="1.0" encoding="utf-8"?>
+<p:sld xmlns:a="http://schemas.openxmlformats.org/drawingml/2006/main" xmlns:r="http://schemas.openxmlformats.org/officeDocument/2006/relationships" xmlns:p="http://schemas.openxmlformats.org/presentationml/2006/main">
+  <p:cSld>
+    <p:spTree>
+      <p:nvGrpSpPr>
+        <p:cNvPr id="1" name=""/>
+        <p:cNvGrpSpPr/>
+        <p:nvPr/>
+      </p:nvGrpSpPr>
+      <p:grpSpPr>
+        <a:xfrm>
+          <a:off x="0" y="0"/>
+          <a:ext cx="0" cy="0"/>
+          <a:chOff x="0" y="0"/>
+          <a:chExt cx="0" cy="0"/>
+        </a:xfrm>
+      </p:grpSpPr>
+      <p:sp>
+        <p:nvSpPr>
+          <p:cNvPr id="2" name="1 Título"/>
+          <p:cNvSpPr>
+            <a:spLocks noGrp="1"/>
+          </p:cNvSpPr>
+          <p:nvPr>
+            <p:ph type="title"/>
+          </p:nvPr>
+        </p:nvSpPr>
+        <p:spPr/>
+        <p:txBody>
+          <a:bodyPr>
+            <a:normAutofit fontScale="90000"/>
+          </a:bodyPr>
+          <a:lstStyle/>
+          <a:p>
+            <a:r>
+              <a:rPr lang="en-US" sz="3600" dirty="0" smtClean="0"/>
+              <a:t>19nt U-beginning </a:t>
+            </a:r>
+            <a:r>
+              <a:rPr lang="en-US" sz="3600" dirty="0"/>
+              <a:t>up-regulated in </a:t>
+            </a:r>
+            <a:r>
+              <a:rPr lang="en-US" sz="3600" i="1" dirty="0" smtClean="0"/>
+              <a:t>∆rbp35</a:t>
+            </a:r>
+            <a:br>
+              <a:rPr lang="en-US" sz="3600" i="1" dirty="0" smtClean="0"/>
+            </a:br>
+            <a:endParaRPr lang="en-US" sz="3600" i="1" dirty="0"/>
+          </a:p>
+        </p:txBody>
+      </p:sp>
+      <p:graphicFrame>
+        <p:nvGraphicFramePr>
+          <p:cNvPr id="4" name="4 Gráfico"/>
+          <p:cNvGraphicFramePr>
+            <a:graphicFrameLocks/>
+          </p:cNvGraphicFramePr>
+          <p:nvPr/>
+        </p:nvGraphicFramePr>
+        <p:xfrm>
+          <a:off x="1207293" y="1643062"/>
+          <a:ext cx="6729413" cy="3571875"/>
+        </p:xfrm>
+        <a:graphic>
+          <a:graphicData uri="http://schemas.openxmlformats.org/drawingml/2006/chart">
+            <c:chart xmlns:c="http://schemas.openxmlformats.org/drawingml/2006/chart" xmlns:r="http://schemas.openxmlformats.org/officeDocument/2006/relationships" r:id="rId2"/>
+          </a:graphicData>
+        </a:graphic>
+      </p:graphicFrame>
+      <p:cxnSp>
+        <p:nvCxnSpPr>
+          <p:cNvPr id="5" name="4 Conector recto de flecha"/>
+          <p:cNvCxnSpPr/>
+          <p:nvPr/>
+        </p:nvCxnSpPr>
+        <p:spPr>
+          <a:xfrm flipH="1" flipV="1">
+            <a:off x="3059832" y="5229200"/>
+            <a:ext cx="1152128" cy="720080"/>
+          </a:xfrm>
+          <a:prstGeom prst="straightConnector1">
+            <a:avLst/>
+          </a:prstGeom>
+          <a:ln>
+            <a:tailEnd type="arrow"/>
+          </a:ln>
+        </p:spPr>
+        <p:style>
+          <a:lnRef idx="1">
+            <a:schemeClr val="accent1"/>
+          </a:lnRef>
+          <a:fillRef idx="0">
+            <a:schemeClr val="accent1"/>
+          </a:fillRef>
+          <a:effectRef idx="0">
+            <a:schemeClr val="accent1"/>
+          </a:effectRef>
+          <a:fontRef idx="minor">
+            <a:schemeClr val="tx1"/>
+          </a:fontRef>
+        </p:style>
+      </p:cxnSp>
+      <p:sp>
+        <p:nvSpPr>
+          <p:cNvPr id="6" name="5 CuadroTexto"/>
+          <p:cNvSpPr txBox="1"/>
+          <p:nvPr/>
+        </p:nvSpPr>
+        <p:spPr>
+          <a:xfrm>
+            <a:off x="3275856" y="5973742"/>
+            <a:ext cx="2142766" cy="369332"/>
+          </a:xfrm>
+          <a:prstGeom prst="rect">
+            <a:avLst/>
+          </a:prstGeom>
+          <a:noFill/>
+        </p:spPr>
+        <p:txBody>
+          <a:bodyPr wrap="none" rtlCol="0">
+            <a:spAutoFit/>
+          </a:bodyPr>
+          <a:lstStyle/>
+          <a:p>
+            <a:r>
+              <a:rPr lang="en-US" dirty="0" smtClean="0"/>
+              <a:t>Sense to 18s and 26s</a:t>
+            </a:r>
+            <a:endParaRPr lang="en-US" dirty="0"/>
+          </a:p>
+        </p:txBody>
+      </p:sp>
+    </p:spTree>
+    <p:extLst>
+      <p:ext uri="{BB962C8B-B14F-4D97-AF65-F5344CB8AC3E}">
+        <p14:creationId xmlns:p14="http://schemas.microsoft.com/office/powerpoint/2010/main" val="2684909781"/>
+      </p:ext>
+    </p:extLst>
+  </p:cSld>
+  <p:clrMapOvr>
+    <a:masterClrMapping/>
+  </p:clrMapOvr>
+</p:sld>
+</file>
+
+<file path=ppt/slides/slide53.xml><?xml version="1.0" encoding="utf-8"?>
+<p:sld xmlns:a="http://schemas.openxmlformats.org/drawingml/2006/main" xmlns:r="http://schemas.openxmlformats.org/officeDocument/2006/relationships" xmlns:p="http://schemas.openxmlformats.org/presentationml/2006/main">
+  <p:cSld>
+    <p:spTree>
+      <p:nvGrpSpPr>
+        <p:cNvPr id="1" name=""/>
+        <p:cNvGrpSpPr/>
+        <p:nvPr/>
+      </p:nvGrpSpPr>
+      <p:grpSpPr>
+        <a:xfrm>
+          <a:off x="0" y="0"/>
+          <a:ext cx="0" cy="0"/>
+          <a:chOff x="0" y="0"/>
+          <a:chExt cx="0" cy="0"/>
+        </a:xfrm>
+      </p:grpSpPr>
+      <p:sp>
+        <p:nvSpPr>
+          <p:cNvPr id="2" name="1 Título"/>
+          <p:cNvSpPr>
+            <a:spLocks noGrp="1"/>
+          </p:cNvSpPr>
+          <p:nvPr>
+            <p:ph type="title"/>
+          </p:nvPr>
+        </p:nvSpPr>
+        <p:spPr/>
+        <p:txBody>
+          <a:bodyPr>
+            <a:normAutofit fontScale="90000"/>
+          </a:bodyPr>
+          <a:lstStyle/>
+          <a:p>
+            <a:r>
+              <a:rPr lang="en-US" dirty="0" smtClean="0"/>
+              <a:t>A-modified reads</a:t>
+            </a:r>
+            <a:br>
+              <a:rPr lang="en-US" dirty="0" smtClean="0"/>
+            </a:br>
+            <a:r>
+              <a:rPr lang="en-US" sz="2700" i="1" dirty="0" smtClean="0"/>
+              <a:t>They usually come from </a:t>
+            </a:r>
+            <a:r>
+              <a:rPr lang="en-US" sz="2700" i="1" dirty="0" err="1" smtClean="0"/>
+              <a:t>transposables</a:t>
+            </a:r>
+            <a:r>
+              <a:rPr lang="en-US" sz="2700" i="1" dirty="0" smtClean="0"/>
+              <a:t> and </a:t>
+            </a:r>
+            <a:r>
+              <a:rPr lang="en-US" sz="2700" i="1" dirty="0" err="1" smtClean="0"/>
+              <a:t>naEST</a:t>
+            </a:r>
+            <a:endParaRPr lang="en-US" sz="2700" i="1" dirty="0"/>
+          </a:p>
+        </p:txBody>
+      </p:sp>
+      <p:graphicFrame>
+        <p:nvGraphicFramePr>
+          <p:cNvPr id="5" name="15 Gráfico"/>
+          <p:cNvGraphicFramePr>
+            <a:graphicFrameLocks/>
+          </p:cNvGraphicFramePr>
+          <p:nvPr>
+            <p:extLst>
+              <p:ext uri="{D42A27DB-BD31-4B8C-83A1-F6EECF244321}">
+                <p14:modId xmlns:p14="http://schemas.microsoft.com/office/powerpoint/2010/main" val="1986867929"/>
+              </p:ext>
+            </p:extLst>
+          </p:nvPr>
+        </p:nvGraphicFramePr>
+        <p:xfrm>
+          <a:off x="611560" y="2132856"/>
+          <a:ext cx="7948613" cy="4133850"/>
+        </p:xfrm>
+        <a:graphic>
+          <a:graphicData uri="http://schemas.openxmlformats.org/drawingml/2006/chart">
+            <c:chart xmlns:c="http://schemas.openxmlformats.org/drawingml/2006/chart" xmlns:r="http://schemas.openxmlformats.org/officeDocument/2006/relationships" r:id="rId2"/>
+          </a:graphicData>
+        </a:graphic>
+      </p:graphicFrame>
+    </p:spTree>
+    <p:extLst>
+      <p:ext uri="{BB962C8B-B14F-4D97-AF65-F5344CB8AC3E}">
+        <p14:creationId xmlns:p14="http://schemas.microsoft.com/office/powerpoint/2010/main" val="3766478083"/>
+      </p:ext>
+    </p:extLst>
+  </p:cSld>
+  <p:clrMapOvr>
+    <a:masterClrMapping/>
+  </p:clrMapOvr>
+</p:sld>
+</file>
+
+<file path=ppt/slides/slide54.xml><?xml version="1.0" encoding="utf-8"?>
+<p:sld xmlns:a="http://schemas.openxmlformats.org/drawingml/2006/main" xmlns:r="http://schemas.openxmlformats.org/officeDocument/2006/relationships" xmlns:p="http://schemas.openxmlformats.org/presentationml/2006/main">
+  <p:cSld>
+    <p:spTree>
+      <p:nvGrpSpPr>
+        <p:cNvPr id="1" name=""/>
+        <p:cNvGrpSpPr/>
+        <p:nvPr/>
+      </p:nvGrpSpPr>
+      <p:grpSpPr>
+        <a:xfrm>
+          <a:off x="0" y="0"/>
+          <a:ext cx="0" cy="0"/>
+          <a:chOff x="0" y="0"/>
+          <a:chExt cx="0" cy="0"/>
+        </a:xfrm>
+      </p:grpSpPr>
+      <p:sp>
+        <p:nvSpPr>
+          <p:cNvPr id="2" name="1 Título"/>
+          <p:cNvSpPr>
+            <a:spLocks noGrp="1"/>
+          </p:cNvSpPr>
+          <p:nvPr>
+            <p:ph type="title"/>
+          </p:nvPr>
+        </p:nvSpPr>
+        <p:spPr/>
+        <p:txBody>
+          <a:bodyPr>
+            <a:normAutofit fontScale="90000"/>
+          </a:bodyPr>
+          <a:lstStyle/>
+          <a:p>
+            <a:r>
+              <a:rPr lang="en-US" dirty="0" smtClean="0"/>
+              <a:t>A-modified reads</a:t>
+            </a:r>
+            <a:br>
+              <a:rPr lang="en-US" dirty="0" smtClean="0"/>
+            </a:br>
+            <a:r>
+              <a:rPr lang="en-US" sz="2800" i="1" dirty="0"/>
+              <a:t>Usually, </a:t>
+            </a:r>
+            <a:r>
+              <a:rPr lang="en-US" sz="2800" i="1" dirty="0" smtClean="0"/>
+              <a:t>to </a:t>
+            </a:r>
+            <a:r>
+              <a:rPr lang="en-US" sz="2800" i="1" dirty="0"/>
+              <a:t>some specific </a:t>
+            </a:r>
+            <a:r>
+              <a:rPr lang="en-US" sz="2800" i="1" dirty="0" err="1"/>
+              <a:t>retrotransposons</a:t>
+            </a:r>
+            <a:endParaRPr lang="en-US" sz="2700" i="1" dirty="0"/>
+          </a:p>
+        </p:txBody>
+      </p:sp>
+      <p:graphicFrame>
+        <p:nvGraphicFramePr>
+          <p:cNvPr id="6" name="17 Gráfico"/>
+          <p:cNvGraphicFramePr>
+            <a:graphicFrameLocks/>
+          </p:cNvGraphicFramePr>
+          <p:nvPr>
+            <p:extLst>
+              <p:ext uri="{D42A27DB-BD31-4B8C-83A1-F6EECF244321}">
+                <p14:modId xmlns:p14="http://schemas.microsoft.com/office/powerpoint/2010/main" val="2789103529"/>
+              </p:ext>
+            </p:extLst>
+          </p:nvPr>
+        </p:nvGraphicFramePr>
+        <p:xfrm>
+          <a:off x="323528" y="1556791"/>
+          <a:ext cx="7992888" cy="4795733"/>
+        </p:xfrm>
+        <a:graphic>
+          <a:graphicData uri="http://schemas.openxmlformats.org/drawingml/2006/chart">
+            <c:chart xmlns:c="http://schemas.openxmlformats.org/drawingml/2006/chart" xmlns:r="http://schemas.openxmlformats.org/officeDocument/2006/relationships" r:id="rId2"/>
+          </a:graphicData>
+        </a:graphic>
+      </p:graphicFrame>
+    </p:spTree>
+    <p:extLst>
+      <p:ext uri="{BB962C8B-B14F-4D97-AF65-F5344CB8AC3E}">
+        <p14:creationId xmlns:p14="http://schemas.microsoft.com/office/powerpoint/2010/main" val="899352386"/>
+      </p:ext>
+    </p:extLst>
+  </p:cSld>
+  <p:clrMapOvr>
+    <a:masterClrMapping/>
+  </p:clrMapOvr>
+</p:sld>
+</file>
+
+<file path=ppt/slides/slide55.xml><?xml version="1.0" encoding="utf-8"?>
+<p:sld xmlns:a="http://schemas.openxmlformats.org/drawingml/2006/main" xmlns:r="http://schemas.openxmlformats.org/officeDocument/2006/relationships" xmlns:p="http://schemas.openxmlformats.org/presentationml/2006/main">
+  <p:cSld>
+    <p:spTree>
+      <p:nvGrpSpPr>
+        <p:cNvPr id="1" name=""/>
+        <p:cNvGrpSpPr/>
+        <p:nvPr/>
+      </p:nvGrpSpPr>
+      <p:grpSpPr>
+        <a:xfrm>
+          <a:off x="0" y="0"/>
+          <a:ext cx="0" cy="0"/>
+          <a:chOff x="0" y="0"/>
+          <a:chExt cx="0" cy="0"/>
+        </a:xfrm>
+      </p:grpSpPr>
+      <p:sp>
+        <p:nvSpPr>
+          <p:cNvPr id="2" name="1 Título"/>
+          <p:cNvSpPr>
+            <a:spLocks noGrp="1"/>
+          </p:cNvSpPr>
+          <p:nvPr>
+            <p:ph type="title"/>
+          </p:nvPr>
+        </p:nvSpPr>
+        <p:spPr>
+          <a:xfrm>
+            <a:off x="323528" y="2924944"/>
+            <a:ext cx="8229600" cy="1143000"/>
+          </a:xfrm>
+        </p:spPr>
+        <p:txBody>
+          <a:bodyPr>
+            <a:normAutofit/>
+          </a:bodyPr>
+          <a:lstStyle/>
+          <a:p>
+            <a:r>
+              <a:rPr lang="en-US" dirty="0" smtClean="0"/>
+              <a:t>Probes proposals</a:t>
+            </a:r>
+            <a:endParaRPr lang="en-US" dirty="0"/>
+          </a:p>
+        </p:txBody>
+      </p:sp>
+    </p:spTree>
+    <p:extLst>
+      <p:ext uri="{BB962C8B-B14F-4D97-AF65-F5344CB8AC3E}">
+        <p14:creationId xmlns:p14="http://schemas.microsoft.com/office/powerpoint/2010/main" val="4174802837"/>
+      </p:ext>
+    </p:extLst>
+  </p:cSld>
+  <p:clrMapOvr>
+    <a:masterClrMapping/>
+  </p:clrMapOvr>
+</p:sld>
+</file>
+
+<file path=ppt/slides/slide56.xml><?xml version="1.0" encoding="utf-8"?>
+<p:sld xmlns:a="http://schemas.openxmlformats.org/drawingml/2006/main" xmlns:r="http://schemas.openxmlformats.org/officeDocument/2006/relationships" xmlns:p="http://schemas.openxmlformats.org/presentationml/2006/main">
+  <p:cSld>
+    <p:spTree>
+      <p:nvGrpSpPr>
+        <p:cNvPr id="1" name=""/>
+        <p:cNvGrpSpPr/>
+        <p:nvPr/>
+      </p:nvGrpSpPr>
+      <p:grpSpPr>
+        <a:xfrm>
+          <a:off x="0" y="0"/>
+          <a:ext cx="0" cy="0"/>
+          <a:chOff x="0" y="0"/>
+          <a:chExt cx="0" cy="0"/>
+        </a:xfrm>
+      </p:grpSpPr>
+      <p:sp>
+        <p:nvSpPr>
+          <p:cNvPr id="2" name="1 Título"/>
+          <p:cNvSpPr>
+            <a:spLocks noGrp="1"/>
+          </p:cNvSpPr>
+          <p:nvPr>
+            <p:ph type="title"/>
+          </p:nvPr>
+        </p:nvSpPr>
+        <p:spPr/>
+        <p:txBody>
+          <a:bodyPr/>
+          <a:lstStyle/>
+          <a:p>
+            <a:r>
+              <a:rPr lang="en-US" dirty="0" smtClean="0"/>
+              <a:t>Rbp35 antisense 5’UTR</a:t>
+            </a:r>
+            <a:endParaRPr lang="en-US" dirty="0"/>
+          </a:p>
+        </p:txBody>
+      </p:sp>
+      <p:pic>
+        <p:nvPicPr>
+          <p:cNvPr id="1026" name="Picture 2"/>
+          <p:cNvPicPr>
+            <a:picLocks noChangeAspect="1" noChangeArrowheads="1"/>
+          </p:cNvPicPr>
+          <p:nvPr/>
+        </p:nvPicPr>
+        <p:blipFill>
+          <a:blip r:embed="rId2">
+            <a:extLst>
+              <a:ext uri="{28A0092B-C50C-407E-A947-70E740481C1C}">
+                <a14:useLocalDpi xmlns:a14="http://schemas.microsoft.com/office/drawing/2010/main" val="0"/>
+              </a:ext>
+            </a:extLst>
+          </a:blip>
+          <a:srcRect/>
+          <a:stretch>
+            <a:fillRect/>
+          </a:stretch>
+        </p:blipFill>
+        <p:spPr bwMode="auto">
+          <a:xfrm>
+            <a:off x="981075" y="2132856"/>
+            <a:ext cx="7181850" cy="4048125"/>
+          </a:xfrm>
+          <a:prstGeom prst="rect">
+            <a:avLst/>
+          </a:prstGeom>
+          <a:noFill/>
+          <a:ln>
+            <a:noFill/>
+          </a:ln>
+          <a:effectLst/>
+          <a:extLst>
+            <a:ext uri="{909E8E84-426E-40DD-AFC4-6F175D3DCCD1}">
+              <a14:hiddenFill xmlns:a14="http://schemas.microsoft.com/office/drawing/2010/main">
+                <a:solidFill>
+                  <a:schemeClr val="accent1"/>
+                </a:solidFill>
+              </a14:hiddenFill>
+            </a:ext>
+            <a:ext uri="{91240B29-F687-4F45-9708-019B960494DF}">
+              <a14:hiddenLine xmlns:a14="http://schemas.microsoft.com/office/drawing/2010/main" w="9525">
+                <a:solidFill>
+                  <a:schemeClr val="tx1"/>
+                </a:solidFill>
+                <a:miter lim="800000"/>
+                <a:headEnd/>
+                <a:tailEnd/>
+              </a14:hiddenLine>
+            </a:ext>
+            <a:ext uri="{AF507438-7753-43E0-B8FC-AC1667EBCBE1}">
+              <a14:hiddenEffects xmlns:a14="http://schemas.microsoft.com/office/drawing/2010/main">
+                <a:effectLst>
+                  <a:outerShdw dist="35921" dir="2700000" algn="ctr" rotWithShape="0">
+                    <a:schemeClr val="bg2"/>
+                  </a:outerShdw>
+                </a:effectLst>
+              </a14:hiddenEffects>
+            </a:ext>
+          </a:extLst>
+        </p:spPr>
+      </p:pic>
+      <p:sp>
+        <p:nvSpPr>
+          <p:cNvPr id="4" name="3 Rectángulo"/>
+          <p:cNvSpPr/>
+          <p:nvPr/>
+        </p:nvSpPr>
+        <p:spPr>
+          <a:xfrm>
+            <a:off x="3298125" y="6283154"/>
+            <a:ext cx="2547749" cy="369332"/>
+          </a:xfrm>
+          <a:prstGeom prst="rect">
+            <a:avLst/>
+          </a:prstGeom>
+        </p:spPr>
+        <p:txBody>
+          <a:bodyPr wrap="none">
+            <a:spAutoFit/>
+          </a:bodyPr>
+          <a:lstStyle/>
+          <a:p>
+            <a:r>
+              <a:rPr lang="en-US" dirty="0"/>
+              <a:t>TACCTGGACCTGGATCGTT</a:t>
+            </a:r>
+          </a:p>
+        </p:txBody>
+      </p:sp>
+    </p:spTree>
+    <p:extLst>
+      <p:ext uri="{BB962C8B-B14F-4D97-AF65-F5344CB8AC3E}">
+        <p14:creationId xmlns:p14="http://schemas.microsoft.com/office/powerpoint/2010/main" val="1207507727"/>
+      </p:ext>
+    </p:extLst>
+  </p:cSld>
+  <p:clrMapOvr>
+    <a:masterClrMapping/>
+  </p:clrMapOvr>
+</p:sld>
+</file>
+
+<file path=ppt/slides/slide57.xml><?xml version="1.0" encoding="utf-8"?>
 <p:sld xmlns:a="http://schemas.openxmlformats.org/drawingml/2006/main" xmlns:r="http://schemas.openxmlformats.org/officeDocument/2006/relationships" xmlns:p="http://schemas.openxmlformats.org/presentationml/2006/main">
   <p:cSld>
     <p:spTree>
@@ -55547,7 +58081,7 @@
 </p:sld>
 </file>
 
-<file path=ppt/slides/slide51.xml><?xml version="1.0" encoding="utf-8"?>
+<file path=ppt/slides/slide58.xml><?xml version="1.0" encoding="utf-8"?>
 <p:sld xmlns:a="http://schemas.openxmlformats.org/drawingml/2006/main" xmlns:r="http://schemas.openxmlformats.org/officeDocument/2006/relationships" xmlns:p="http://schemas.openxmlformats.org/presentationml/2006/main">
   <p:cSld>
     <p:spTree>
@@ -55729,7 +58263,7 @@
 </p:sld>
 </file>
 
-<file path=ppt/slides/slide52.xml><?xml version="1.0" encoding="utf-8"?>
+<file path=ppt/slides/slide59.xml><?xml version="1.0" encoding="utf-8"?>
 <p:sld xmlns:a="http://schemas.openxmlformats.org/drawingml/2006/main" xmlns:r="http://schemas.openxmlformats.org/officeDocument/2006/relationships" xmlns:p="http://schemas.openxmlformats.org/presentationml/2006/main">
   <p:cSld>
     <p:spTree>
@@ -56166,7 +58700,141 @@
 </p:sld>
 </file>
 
-<file path=ppt/slides/slide53.xml><?xml version="1.0" encoding="utf-8"?>
+<file path=ppt/slides/slide6.xml><?xml version="1.0" encoding="utf-8"?>
+<p:sld xmlns:a="http://schemas.openxmlformats.org/drawingml/2006/main" xmlns:r="http://schemas.openxmlformats.org/officeDocument/2006/relationships" xmlns:p="http://schemas.openxmlformats.org/presentationml/2006/main">
+  <p:cSld>
+    <p:spTree>
+      <p:nvGrpSpPr>
+        <p:cNvPr id="1" name=""/>
+        <p:cNvGrpSpPr/>
+        <p:nvPr/>
+      </p:nvGrpSpPr>
+      <p:grpSpPr>
+        <a:xfrm>
+          <a:off x="0" y="0"/>
+          <a:ext cx="0" cy="0"/>
+          <a:chOff x="0" y="0"/>
+          <a:chExt cx="0" cy="0"/>
+        </a:xfrm>
+      </p:grpSpPr>
+      <p:sp>
+        <p:nvSpPr>
+          <p:cNvPr id="2" name="Title 1"/>
+          <p:cNvSpPr>
+            <a:spLocks noGrp="1"/>
+          </p:cNvSpPr>
+          <p:nvPr>
+            <p:ph type="title"/>
+          </p:nvPr>
+        </p:nvSpPr>
+        <p:spPr/>
+        <p:txBody>
+          <a:bodyPr>
+            <a:normAutofit/>
+          </a:bodyPr>
+          <a:lstStyle/>
+          <a:p>
+            <a:r>
+              <a:rPr lang="en-US" sz="3200" dirty="0" smtClean="0"/>
+              <a:t>Standard small RNA-</a:t>
+            </a:r>
+            <a:r>
+              <a:rPr lang="en-US" sz="3200" dirty="0" err="1" smtClean="0"/>
+              <a:t>seq</a:t>
+            </a:r>
+            <a:r>
+              <a:rPr lang="en-US" sz="3200" dirty="0" smtClean="0"/>
+              <a:t> adapters have been shown to be biased for certain RNA structures</a:t>
+            </a:r>
+            <a:endParaRPr lang="en-US" sz="3200" dirty="0"/>
+          </a:p>
+        </p:txBody>
+      </p:sp>
+      <p:pic>
+        <p:nvPicPr>
+          <p:cNvPr id="5122" name="Picture 2"/>
+          <p:cNvPicPr>
+            <a:picLocks noChangeAspect="1" noChangeArrowheads="1"/>
+          </p:cNvPicPr>
+          <p:nvPr/>
+        </p:nvPicPr>
+        <p:blipFill>
+          <a:blip r:embed="rId2">
+            <a:extLst>
+              <a:ext uri="{28A0092B-C50C-407E-A947-70E740481C1C}">
+                <a14:useLocalDpi xmlns:a14="http://schemas.microsoft.com/office/drawing/2010/main" val="0"/>
+              </a:ext>
+            </a:extLst>
+          </a:blip>
+          <a:srcRect/>
+          <a:stretch>
+            <a:fillRect/>
+          </a:stretch>
+        </p:blipFill>
+        <p:spPr bwMode="auto">
+          <a:xfrm>
+            <a:off x="1928813" y="2023070"/>
+            <a:ext cx="5286375" cy="4286250"/>
+          </a:xfrm>
+          <a:prstGeom prst="rect">
+            <a:avLst/>
+          </a:prstGeom>
+          <a:noFill/>
+          <a:ln>
+            <a:noFill/>
+          </a:ln>
+          <a:effectLst/>
+          <a:extLst>
+            <a:ext uri="{909E8E84-426E-40DD-AFC4-6F175D3DCCD1}">
+              <a14:hiddenFill xmlns:a14="http://schemas.microsoft.com/office/drawing/2010/main">
+                <a:solidFill>
+                  <a:schemeClr val="accent1"/>
+                </a:solidFill>
+              </a14:hiddenFill>
+            </a:ext>
+            <a:ext uri="{91240B29-F687-4F45-9708-019B960494DF}">
+              <a14:hiddenLine xmlns:a14="http://schemas.microsoft.com/office/drawing/2010/main" w="9525">
+                <a:solidFill>
+                  <a:schemeClr val="tx1"/>
+                </a:solidFill>
+                <a:miter lim="800000"/>
+                <a:headEnd/>
+                <a:tailEnd/>
+              </a14:hiddenLine>
+            </a:ext>
+            <a:ext uri="{AF507438-7753-43E0-B8FC-AC1667EBCBE1}">
+              <a14:hiddenEffects xmlns:a14="http://schemas.microsoft.com/office/drawing/2010/main">
+                <a:effectLst>
+                  <a:outerShdw dist="35921" dir="2700000" algn="ctr" rotWithShape="0">
+                    <a:schemeClr val="bg2"/>
+                  </a:outerShdw>
+                </a:effectLst>
+              </a14:hiddenEffects>
+            </a:ext>
+          </a:extLst>
+        </p:spPr>
+      </p:pic>
+    </p:spTree>
+    <p:extLst>
+      <p:ext uri="{BB962C8B-B14F-4D97-AF65-F5344CB8AC3E}">
+        <p14:creationId xmlns:p14="http://schemas.microsoft.com/office/powerpoint/2010/main" val="989182410"/>
+      </p:ext>
+    </p:extLst>
+  </p:cSld>
+  <p:clrMapOvr>
+    <a:masterClrMapping/>
+  </p:clrMapOvr>
+  <p:timing>
+    <p:tnLst>
+      <p:par>
+        <p:cTn id="1" dur="indefinite" restart="never" nodeType="tmRoot"/>
+      </p:par>
+    </p:tnLst>
+  </p:timing>
+</p:sld>
+</file>
+
+<file path=ppt/slides/slide60.xml><?xml version="1.0" encoding="utf-8"?>
 <p:sld xmlns:a="http://schemas.openxmlformats.org/drawingml/2006/main" xmlns:r="http://schemas.openxmlformats.org/officeDocument/2006/relationships" xmlns:p="http://schemas.openxmlformats.org/presentationml/2006/main">
   <p:cSld>
     <p:spTree>
@@ -56270,7 +58938,7 @@
 </p:sld>
 </file>
 
-<file path=ppt/slides/slide54.xml><?xml version="1.0" encoding="utf-8"?>
+<file path=ppt/slides/slide61.xml><?xml version="1.0" encoding="utf-8"?>
 <p:sld xmlns:a="http://schemas.openxmlformats.org/drawingml/2006/main" xmlns:r="http://schemas.openxmlformats.org/officeDocument/2006/relationships" xmlns:p="http://schemas.openxmlformats.org/presentationml/2006/main">
   <p:cSld>
     <p:spTree>
@@ -56356,7 +59024,7 @@
 </p:sld>
 </file>
 
-<file path=ppt/slides/slide55.xml><?xml version="1.0" encoding="utf-8"?>
+<file path=ppt/slides/slide62.xml><?xml version="1.0" encoding="utf-8"?>
 <p:sld xmlns:a="http://schemas.openxmlformats.org/drawingml/2006/main" xmlns:r="http://schemas.openxmlformats.org/officeDocument/2006/relationships" xmlns:p="http://schemas.openxmlformats.org/presentationml/2006/main">
   <p:cSld>
     <p:spTree>
@@ -56880,7 +59548,7 @@
 </p:sld>
 </file>
 
-<file path=ppt/slides/slide56.xml><?xml version="1.0" encoding="utf-8"?>
+<file path=ppt/slides/slide63.xml><?xml version="1.0" encoding="utf-8"?>
 <p:sld xmlns:a="http://schemas.openxmlformats.org/drawingml/2006/main" xmlns:r="http://schemas.openxmlformats.org/officeDocument/2006/relationships" xmlns:p="http://schemas.openxmlformats.org/presentationml/2006/main">
   <p:cSld>
     <p:spTree>
@@ -57003,7 +59671,7 @@
 </p:sld>
 </file>
 
-<file path=ppt/slides/slide57.xml><?xml version="1.0" encoding="utf-8"?>
+<file path=ppt/slides/slide64.xml><?xml version="1.0" encoding="utf-8"?>
 <p:sld xmlns:a="http://schemas.openxmlformats.org/drawingml/2006/main" xmlns:r="http://schemas.openxmlformats.org/officeDocument/2006/relationships" xmlns:p="http://schemas.openxmlformats.org/presentationml/2006/main">
   <p:cSld>
     <p:spTree>
@@ -57049,140 +59717,6 @@
   <p:clrMapOvr>
     <a:masterClrMapping/>
   </p:clrMapOvr>
-</p:sld>
-</file>
-
-<file path=ppt/slides/slide6.xml><?xml version="1.0" encoding="utf-8"?>
-<p:sld xmlns:a="http://schemas.openxmlformats.org/drawingml/2006/main" xmlns:r="http://schemas.openxmlformats.org/officeDocument/2006/relationships" xmlns:p="http://schemas.openxmlformats.org/presentationml/2006/main">
-  <p:cSld>
-    <p:spTree>
-      <p:nvGrpSpPr>
-        <p:cNvPr id="1" name=""/>
-        <p:cNvGrpSpPr/>
-        <p:nvPr/>
-      </p:nvGrpSpPr>
-      <p:grpSpPr>
-        <a:xfrm>
-          <a:off x="0" y="0"/>
-          <a:ext cx="0" cy="0"/>
-          <a:chOff x="0" y="0"/>
-          <a:chExt cx="0" cy="0"/>
-        </a:xfrm>
-      </p:grpSpPr>
-      <p:sp>
-        <p:nvSpPr>
-          <p:cNvPr id="2" name="Title 1"/>
-          <p:cNvSpPr>
-            <a:spLocks noGrp="1"/>
-          </p:cNvSpPr>
-          <p:nvPr>
-            <p:ph type="title"/>
-          </p:nvPr>
-        </p:nvSpPr>
-        <p:spPr/>
-        <p:txBody>
-          <a:bodyPr>
-            <a:normAutofit/>
-          </a:bodyPr>
-          <a:lstStyle/>
-          <a:p>
-            <a:r>
-              <a:rPr lang="en-US" sz="3200" dirty="0" smtClean="0"/>
-              <a:t>Standard small RNA-</a:t>
-            </a:r>
-            <a:r>
-              <a:rPr lang="en-US" sz="3200" dirty="0" err="1" smtClean="0"/>
-              <a:t>seq</a:t>
-            </a:r>
-            <a:r>
-              <a:rPr lang="en-US" sz="3200" dirty="0" smtClean="0"/>
-              <a:t> adapters have been shown to be biased for certain RNA structures</a:t>
-            </a:r>
-            <a:endParaRPr lang="en-US" sz="3200" dirty="0"/>
-          </a:p>
-        </p:txBody>
-      </p:sp>
-      <p:pic>
-        <p:nvPicPr>
-          <p:cNvPr id="5122" name="Picture 2"/>
-          <p:cNvPicPr>
-            <a:picLocks noChangeAspect="1" noChangeArrowheads="1"/>
-          </p:cNvPicPr>
-          <p:nvPr/>
-        </p:nvPicPr>
-        <p:blipFill>
-          <a:blip r:embed="rId2">
-            <a:extLst>
-              <a:ext uri="{28A0092B-C50C-407E-A947-70E740481C1C}">
-                <a14:useLocalDpi xmlns:a14="http://schemas.microsoft.com/office/drawing/2010/main" val="0"/>
-              </a:ext>
-            </a:extLst>
-          </a:blip>
-          <a:srcRect/>
-          <a:stretch>
-            <a:fillRect/>
-          </a:stretch>
-        </p:blipFill>
-        <p:spPr bwMode="auto">
-          <a:xfrm>
-            <a:off x="1928813" y="2023070"/>
-            <a:ext cx="5286375" cy="4286250"/>
-          </a:xfrm>
-          <a:prstGeom prst="rect">
-            <a:avLst/>
-          </a:prstGeom>
-          <a:noFill/>
-          <a:ln>
-            <a:noFill/>
-          </a:ln>
-          <a:effectLst/>
-          <a:extLst>
-            <a:ext uri="{909E8E84-426E-40DD-AFC4-6F175D3DCCD1}">
-              <a14:hiddenFill xmlns:a14="http://schemas.microsoft.com/office/drawing/2010/main">
-                <a:solidFill>
-                  <a:schemeClr val="accent1"/>
-                </a:solidFill>
-              </a14:hiddenFill>
-            </a:ext>
-            <a:ext uri="{91240B29-F687-4F45-9708-019B960494DF}">
-              <a14:hiddenLine xmlns:a14="http://schemas.microsoft.com/office/drawing/2010/main" w="9525">
-                <a:solidFill>
-                  <a:schemeClr val="tx1"/>
-                </a:solidFill>
-                <a:miter lim="800000"/>
-                <a:headEnd/>
-                <a:tailEnd/>
-              </a14:hiddenLine>
-            </a:ext>
-            <a:ext uri="{AF507438-7753-43E0-B8FC-AC1667EBCBE1}">
-              <a14:hiddenEffects xmlns:a14="http://schemas.microsoft.com/office/drawing/2010/main">
-                <a:effectLst>
-                  <a:outerShdw dist="35921" dir="2700000" algn="ctr" rotWithShape="0">
-                    <a:schemeClr val="bg2"/>
-                  </a:outerShdw>
-                </a:effectLst>
-              </a14:hiddenEffects>
-            </a:ext>
-          </a:extLst>
-        </p:spPr>
-      </p:pic>
-    </p:spTree>
-    <p:extLst>
-      <p:ext uri="{BB962C8B-B14F-4D97-AF65-F5344CB8AC3E}">
-        <p14:creationId xmlns:p14="http://schemas.microsoft.com/office/powerpoint/2010/main" val="989182410"/>
-      </p:ext>
-    </p:extLst>
-  </p:cSld>
-  <p:clrMapOvr>
-    <a:masterClrMapping/>
-  </p:clrMapOvr>
-  <p:timing>
-    <p:tnLst>
-      <p:par>
-        <p:cTn id="1" dur="indefinite" restart="never" nodeType="tmRoot"/>
-      </p:par>
-    </p:tnLst>
-  </p:timing>
 </p:sld>
 </file>
 
@@ -59828,4 +62362,566 @@
   <a:objectDefaults/>
   <a:extraClrSchemeLst/>
 </a:theme>
+</file>
+
+<file path=ppt/theme/themeOverride1.xml><?xml version="1.0" encoding="utf-8"?>
+<a:themeOverride xmlns:a="http://schemas.openxmlformats.org/drawingml/2006/main">
+  <a:clrScheme name="Office">
+    <a:dk1>
+      <a:sysClr val="windowText" lastClr="000000"/>
+    </a:dk1>
+    <a:lt1>
+      <a:sysClr val="window" lastClr="FFFFFF"/>
+    </a:lt1>
+    <a:dk2>
+      <a:srgbClr val="1F497D"/>
+    </a:dk2>
+    <a:lt2>
+      <a:srgbClr val="EEECE1"/>
+    </a:lt2>
+    <a:accent1>
+      <a:srgbClr val="4F81BD"/>
+    </a:accent1>
+    <a:accent2>
+      <a:srgbClr val="C0504D"/>
+    </a:accent2>
+    <a:accent3>
+      <a:srgbClr val="9BBB59"/>
+    </a:accent3>
+    <a:accent4>
+      <a:srgbClr val="8064A2"/>
+    </a:accent4>
+    <a:accent5>
+      <a:srgbClr val="4BACC6"/>
+    </a:accent5>
+    <a:accent6>
+      <a:srgbClr val="F79646"/>
+    </a:accent6>
+    <a:hlink>
+      <a:srgbClr val="0000FF"/>
+    </a:hlink>
+    <a:folHlink>
+      <a:srgbClr val="800080"/>
+    </a:folHlink>
+  </a:clrScheme>
+  <a:fontScheme name="Office">
+    <a:majorFont>
+      <a:latin typeface="Calibri"/>
+      <a:ea typeface=""/>
+      <a:cs typeface=""/>
+      <a:font script="Jpan" typeface="ＭＳ Ｐゴシック"/>
+      <a:font script="Hang" typeface="맑은 고딕"/>
+      <a:font script="Hans" typeface="宋体"/>
+      <a:font script="Hant" typeface="新細明體"/>
+      <a:font script="Arab" typeface="Times New Roman"/>
+      <a:font script="Hebr" typeface="Times New Roman"/>
+      <a:font script="Thai" typeface="Angsana New"/>
+      <a:font script="Ethi" typeface="Nyala"/>
+      <a:font script="Beng" typeface="Vrinda"/>
+      <a:font script="Gujr" typeface="Shruti"/>
+      <a:font script="Khmr" typeface="MoolBoran"/>
+      <a:font script="Knda" typeface="Tunga"/>
+      <a:font script="Guru" typeface="Raavi"/>
+      <a:font script="Cans" typeface="Euphemia"/>
+      <a:font script="Cher" typeface="Plantagenet Cherokee"/>
+      <a:font script="Yiii" typeface="Microsoft Yi Baiti"/>
+      <a:font script="Tibt" typeface="Microsoft Himalaya"/>
+      <a:font script="Thaa" typeface="MV Boli"/>
+      <a:font script="Deva" typeface="Mangal"/>
+      <a:font script="Telu" typeface="Gautami"/>
+      <a:font script="Taml" typeface="Latha"/>
+      <a:font script="Syrc" typeface="Estrangelo Edessa"/>
+      <a:font script="Orya" typeface="Kalinga"/>
+      <a:font script="Mlym" typeface="Kartika"/>
+      <a:font script="Laoo" typeface="DokChampa"/>
+      <a:font script="Sinh" typeface="Iskoola Pota"/>
+      <a:font script="Mong" typeface="Mongolian Baiti"/>
+      <a:font script="Viet" typeface="Times New Roman"/>
+      <a:font script="Uigh" typeface="Microsoft Uighur"/>
+      <a:font script="Geor" typeface="Sylfaen"/>
+    </a:majorFont>
+    <a:minorFont>
+      <a:latin typeface="Calibri"/>
+      <a:ea typeface=""/>
+      <a:cs typeface=""/>
+      <a:font script="Jpan" typeface="ＭＳ Ｐゴシック"/>
+      <a:font script="Hang" typeface="맑은 고딕"/>
+      <a:font script="Hans" typeface="宋体"/>
+      <a:font script="Hant" typeface="新細明體"/>
+      <a:font script="Arab" typeface="Arial"/>
+      <a:font script="Hebr" typeface="Arial"/>
+      <a:font script="Thai" typeface="Cordia New"/>
+      <a:font script="Ethi" typeface="Nyala"/>
+      <a:font script="Beng" typeface="Vrinda"/>
+      <a:font script="Gujr" typeface="Shruti"/>
+      <a:font script="Khmr" typeface="DaunPenh"/>
+      <a:font script="Knda" typeface="Tunga"/>
+      <a:font script="Guru" typeface="Raavi"/>
+      <a:font script="Cans" typeface="Euphemia"/>
+      <a:font script="Cher" typeface="Plantagenet Cherokee"/>
+      <a:font script="Yiii" typeface="Microsoft Yi Baiti"/>
+      <a:font script="Tibt" typeface="Microsoft Himalaya"/>
+      <a:font script="Thaa" typeface="MV Boli"/>
+      <a:font script="Deva" typeface="Mangal"/>
+      <a:font script="Telu" typeface="Gautami"/>
+      <a:font script="Taml" typeface="Latha"/>
+      <a:font script="Syrc" typeface="Estrangelo Edessa"/>
+      <a:font script="Orya" typeface="Kalinga"/>
+      <a:font script="Mlym" typeface="Kartika"/>
+      <a:font script="Laoo" typeface="DokChampa"/>
+      <a:font script="Sinh" typeface="Iskoola Pota"/>
+      <a:font script="Mong" typeface="Mongolian Baiti"/>
+      <a:font script="Viet" typeface="Arial"/>
+      <a:font script="Uigh" typeface="Microsoft Uighur"/>
+      <a:font script="Geor" typeface="Sylfaen"/>
+    </a:minorFont>
+  </a:fontScheme>
+  <a:fmtScheme name="Office">
+    <a:fillStyleLst>
+      <a:solidFill>
+        <a:schemeClr val="phClr"/>
+      </a:solidFill>
+      <a:gradFill rotWithShape="1">
+        <a:gsLst>
+          <a:gs pos="0">
+            <a:schemeClr val="phClr">
+              <a:tint val="50000"/>
+              <a:satMod val="300000"/>
+            </a:schemeClr>
+          </a:gs>
+          <a:gs pos="35000">
+            <a:schemeClr val="phClr">
+              <a:tint val="37000"/>
+              <a:satMod val="300000"/>
+            </a:schemeClr>
+          </a:gs>
+          <a:gs pos="100000">
+            <a:schemeClr val="phClr">
+              <a:tint val="15000"/>
+              <a:satMod val="350000"/>
+            </a:schemeClr>
+          </a:gs>
+        </a:gsLst>
+        <a:lin ang="16200000" scaled="1"/>
+      </a:gradFill>
+      <a:gradFill rotWithShape="1">
+        <a:gsLst>
+          <a:gs pos="0">
+            <a:schemeClr val="phClr">
+              <a:shade val="51000"/>
+              <a:satMod val="130000"/>
+            </a:schemeClr>
+          </a:gs>
+          <a:gs pos="80000">
+            <a:schemeClr val="phClr">
+              <a:shade val="93000"/>
+              <a:satMod val="130000"/>
+            </a:schemeClr>
+          </a:gs>
+          <a:gs pos="100000">
+            <a:schemeClr val="phClr">
+              <a:shade val="94000"/>
+              <a:satMod val="135000"/>
+            </a:schemeClr>
+          </a:gs>
+        </a:gsLst>
+        <a:lin ang="16200000" scaled="0"/>
+      </a:gradFill>
+    </a:fillStyleLst>
+    <a:lnStyleLst>
+      <a:ln w="9525" cap="flat" cmpd="sng" algn="ctr">
+        <a:solidFill>
+          <a:schemeClr val="phClr">
+            <a:shade val="95000"/>
+            <a:satMod val="105000"/>
+          </a:schemeClr>
+        </a:solidFill>
+        <a:prstDash val="solid"/>
+      </a:ln>
+      <a:ln w="25400" cap="flat" cmpd="sng" algn="ctr">
+        <a:solidFill>
+          <a:schemeClr val="phClr"/>
+        </a:solidFill>
+        <a:prstDash val="solid"/>
+      </a:ln>
+      <a:ln w="38100" cap="flat" cmpd="sng" algn="ctr">
+        <a:solidFill>
+          <a:schemeClr val="phClr"/>
+        </a:solidFill>
+        <a:prstDash val="solid"/>
+      </a:ln>
+    </a:lnStyleLst>
+    <a:effectStyleLst>
+      <a:effectStyle>
+        <a:effectLst>
+          <a:outerShdw blurRad="40000" dist="20000" dir="5400000" rotWithShape="0">
+            <a:srgbClr val="000000">
+              <a:alpha val="38000"/>
+            </a:srgbClr>
+          </a:outerShdw>
+        </a:effectLst>
+      </a:effectStyle>
+      <a:effectStyle>
+        <a:effectLst>
+          <a:outerShdw blurRad="40000" dist="23000" dir="5400000" rotWithShape="0">
+            <a:srgbClr val="000000">
+              <a:alpha val="35000"/>
+            </a:srgbClr>
+          </a:outerShdw>
+        </a:effectLst>
+      </a:effectStyle>
+      <a:effectStyle>
+        <a:effectLst>
+          <a:outerShdw blurRad="40000" dist="23000" dir="5400000" rotWithShape="0">
+            <a:srgbClr val="000000">
+              <a:alpha val="35000"/>
+            </a:srgbClr>
+          </a:outerShdw>
+        </a:effectLst>
+        <a:scene3d>
+          <a:camera prst="orthographicFront">
+            <a:rot lat="0" lon="0" rev="0"/>
+          </a:camera>
+          <a:lightRig rig="threePt" dir="t">
+            <a:rot lat="0" lon="0" rev="1200000"/>
+          </a:lightRig>
+        </a:scene3d>
+        <a:sp3d>
+          <a:bevelT w="63500" h="25400"/>
+        </a:sp3d>
+      </a:effectStyle>
+    </a:effectStyleLst>
+    <a:bgFillStyleLst>
+      <a:solidFill>
+        <a:schemeClr val="phClr"/>
+      </a:solidFill>
+      <a:gradFill rotWithShape="1">
+        <a:gsLst>
+          <a:gs pos="0">
+            <a:schemeClr val="phClr">
+              <a:tint val="40000"/>
+              <a:satMod val="350000"/>
+            </a:schemeClr>
+          </a:gs>
+          <a:gs pos="40000">
+            <a:schemeClr val="phClr">
+              <a:tint val="45000"/>
+              <a:shade val="99000"/>
+              <a:satMod val="350000"/>
+            </a:schemeClr>
+          </a:gs>
+          <a:gs pos="100000">
+            <a:schemeClr val="phClr">
+              <a:shade val="20000"/>
+              <a:satMod val="255000"/>
+            </a:schemeClr>
+          </a:gs>
+        </a:gsLst>
+        <a:path path="circle">
+          <a:fillToRect l="50000" t="-80000" r="50000" b="180000"/>
+        </a:path>
+      </a:gradFill>
+      <a:gradFill rotWithShape="1">
+        <a:gsLst>
+          <a:gs pos="0">
+            <a:schemeClr val="phClr">
+              <a:tint val="80000"/>
+              <a:satMod val="300000"/>
+            </a:schemeClr>
+          </a:gs>
+          <a:gs pos="100000">
+            <a:schemeClr val="phClr">
+              <a:shade val="30000"/>
+              <a:satMod val="200000"/>
+            </a:schemeClr>
+          </a:gs>
+        </a:gsLst>
+        <a:path path="circle">
+          <a:fillToRect l="50000" t="50000" r="50000" b="50000"/>
+        </a:path>
+      </a:gradFill>
+    </a:bgFillStyleLst>
+  </a:fmtScheme>
+</a:themeOverride>
+</file>
+
+<file path=ppt/theme/themeOverride2.xml><?xml version="1.0" encoding="utf-8"?>
+<a:themeOverride xmlns:a="http://schemas.openxmlformats.org/drawingml/2006/main">
+  <a:clrScheme name="Office">
+    <a:dk1>
+      <a:sysClr val="windowText" lastClr="000000"/>
+    </a:dk1>
+    <a:lt1>
+      <a:sysClr val="window" lastClr="FFFFFF"/>
+    </a:lt1>
+    <a:dk2>
+      <a:srgbClr val="1F497D"/>
+    </a:dk2>
+    <a:lt2>
+      <a:srgbClr val="EEECE1"/>
+    </a:lt2>
+    <a:accent1>
+      <a:srgbClr val="4F81BD"/>
+    </a:accent1>
+    <a:accent2>
+      <a:srgbClr val="C0504D"/>
+    </a:accent2>
+    <a:accent3>
+      <a:srgbClr val="9BBB59"/>
+    </a:accent3>
+    <a:accent4>
+      <a:srgbClr val="8064A2"/>
+    </a:accent4>
+    <a:accent5>
+      <a:srgbClr val="4BACC6"/>
+    </a:accent5>
+    <a:accent6>
+      <a:srgbClr val="F79646"/>
+    </a:accent6>
+    <a:hlink>
+      <a:srgbClr val="0000FF"/>
+    </a:hlink>
+    <a:folHlink>
+      <a:srgbClr val="800080"/>
+    </a:folHlink>
+  </a:clrScheme>
+  <a:fontScheme name="Office">
+    <a:majorFont>
+      <a:latin typeface="Calibri"/>
+      <a:ea typeface=""/>
+      <a:cs typeface=""/>
+      <a:font script="Jpan" typeface="ＭＳ Ｐゴシック"/>
+      <a:font script="Hang" typeface="맑은 고딕"/>
+      <a:font script="Hans" typeface="宋体"/>
+      <a:font script="Hant" typeface="新細明體"/>
+      <a:font script="Arab" typeface="Times New Roman"/>
+      <a:font script="Hebr" typeface="Times New Roman"/>
+      <a:font script="Thai" typeface="Angsana New"/>
+      <a:font script="Ethi" typeface="Nyala"/>
+      <a:font script="Beng" typeface="Vrinda"/>
+      <a:font script="Gujr" typeface="Shruti"/>
+      <a:font script="Khmr" typeface="MoolBoran"/>
+      <a:font script="Knda" typeface="Tunga"/>
+      <a:font script="Guru" typeface="Raavi"/>
+      <a:font script="Cans" typeface="Euphemia"/>
+      <a:font script="Cher" typeface="Plantagenet Cherokee"/>
+      <a:font script="Yiii" typeface="Microsoft Yi Baiti"/>
+      <a:font script="Tibt" typeface="Microsoft Himalaya"/>
+      <a:font script="Thaa" typeface="MV Boli"/>
+      <a:font script="Deva" typeface="Mangal"/>
+      <a:font script="Telu" typeface="Gautami"/>
+      <a:font script="Taml" typeface="Latha"/>
+      <a:font script="Syrc" typeface="Estrangelo Edessa"/>
+      <a:font script="Orya" typeface="Kalinga"/>
+      <a:font script="Mlym" typeface="Kartika"/>
+      <a:font script="Laoo" typeface="DokChampa"/>
+      <a:font script="Sinh" typeface="Iskoola Pota"/>
+      <a:font script="Mong" typeface="Mongolian Baiti"/>
+      <a:font script="Viet" typeface="Times New Roman"/>
+      <a:font script="Uigh" typeface="Microsoft Uighur"/>
+      <a:font script="Geor" typeface="Sylfaen"/>
+    </a:majorFont>
+    <a:minorFont>
+      <a:latin typeface="Calibri"/>
+      <a:ea typeface=""/>
+      <a:cs typeface=""/>
+      <a:font script="Jpan" typeface="ＭＳ Ｐゴシック"/>
+      <a:font script="Hang" typeface="맑은 고딕"/>
+      <a:font script="Hans" typeface="宋体"/>
+      <a:font script="Hant" typeface="新細明體"/>
+      <a:font script="Arab" typeface="Arial"/>
+      <a:font script="Hebr" typeface="Arial"/>
+      <a:font script="Thai" typeface="Cordia New"/>
+      <a:font script="Ethi" typeface="Nyala"/>
+      <a:font script="Beng" typeface="Vrinda"/>
+      <a:font script="Gujr" typeface="Shruti"/>
+      <a:font script="Khmr" typeface="DaunPenh"/>
+      <a:font script="Knda" typeface="Tunga"/>
+      <a:font script="Guru" typeface="Raavi"/>
+      <a:font script="Cans" typeface="Euphemia"/>
+      <a:font script="Cher" typeface="Plantagenet Cherokee"/>
+      <a:font script="Yiii" typeface="Microsoft Yi Baiti"/>
+      <a:font script="Tibt" typeface="Microsoft Himalaya"/>
+      <a:font script="Thaa" typeface="MV Boli"/>
+      <a:font script="Deva" typeface="Mangal"/>
+      <a:font script="Telu" typeface="Gautami"/>
+      <a:font script="Taml" typeface="Latha"/>
+      <a:font script="Syrc" typeface="Estrangelo Edessa"/>
+      <a:font script="Orya" typeface="Kalinga"/>
+      <a:font script="Mlym" typeface="Kartika"/>
+      <a:font script="Laoo" typeface="DokChampa"/>
+      <a:font script="Sinh" typeface="Iskoola Pota"/>
+      <a:font script="Mong" typeface="Mongolian Baiti"/>
+      <a:font script="Viet" typeface="Arial"/>
+      <a:font script="Uigh" typeface="Microsoft Uighur"/>
+      <a:font script="Geor" typeface="Sylfaen"/>
+    </a:minorFont>
+  </a:fontScheme>
+  <a:fmtScheme name="Office">
+    <a:fillStyleLst>
+      <a:solidFill>
+        <a:schemeClr val="phClr"/>
+      </a:solidFill>
+      <a:gradFill rotWithShape="1">
+        <a:gsLst>
+          <a:gs pos="0">
+            <a:schemeClr val="phClr">
+              <a:tint val="50000"/>
+              <a:satMod val="300000"/>
+            </a:schemeClr>
+          </a:gs>
+          <a:gs pos="35000">
+            <a:schemeClr val="phClr">
+              <a:tint val="37000"/>
+              <a:satMod val="300000"/>
+            </a:schemeClr>
+          </a:gs>
+          <a:gs pos="100000">
+            <a:schemeClr val="phClr">
+              <a:tint val="15000"/>
+              <a:satMod val="350000"/>
+            </a:schemeClr>
+          </a:gs>
+        </a:gsLst>
+        <a:lin ang="16200000" scaled="1"/>
+      </a:gradFill>
+      <a:gradFill rotWithShape="1">
+        <a:gsLst>
+          <a:gs pos="0">
+            <a:schemeClr val="phClr">
+              <a:shade val="51000"/>
+              <a:satMod val="130000"/>
+            </a:schemeClr>
+          </a:gs>
+          <a:gs pos="80000">
+            <a:schemeClr val="phClr">
+              <a:shade val="93000"/>
+              <a:satMod val="130000"/>
+            </a:schemeClr>
+          </a:gs>
+          <a:gs pos="100000">
+            <a:schemeClr val="phClr">
+              <a:shade val="94000"/>
+              <a:satMod val="135000"/>
+            </a:schemeClr>
+          </a:gs>
+        </a:gsLst>
+        <a:lin ang="16200000" scaled="0"/>
+      </a:gradFill>
+    </a:fillStyleLst>
+    <a:lnStyleLst>
+      <a:ln w="9525" cap="flat" cmpd="sng" algn="ctr">
+        <a:solidFill>
+          <a:schemeClr val="phClr">
+            <a:shade val="95000"/>
+            <a:satMod val="105000"/>
+          </a:schemeClr>
+        </a:solidFill>
+        <a:prstDash val="solid"/>
+      </a:ln>
+      <a:ln w="25400" cap="flat" cmpd="sng" algn="ctr">
+        <a:solidFill>
+          <a:schemeClr val="phClr"/>
+        </a:solidFill>
+        <a:prstDash val="solid"/>
+      </a:ln>
+      <a:ln w="38100" cap="flat" cmpd="sng" algn="ctr">
+        <a:solidFill>
+          <a:schemeClr val="phClr"/>
+        </a:solidFill>
+        <a:prstDash val="solid"/>
+      </a:ln>
+    </a:lnStyleLst>
+    <a:effectStyleLst>
+      <a:effectStyle>
+        <a:effectLst>
+          <a:outerShdw blurRad="40000" dist="20000" dir="5400000" rotWithShape="0">
+            <a:srgbClr val="000000">
+              <a:alpha val="38000"/>
+            </a:srgbClr>
+          </a:outerShdw>
+        </a:effectLst>
+      </a:effectStyle>
+      <a:effectStyle>
+        <a:effectLst>
+          <a:outerShdw blurRad="40000" dist="23000" dir="5400000" rotWithShape="0">
+            <a:srgbClr val="000000">
+              <a:alpha val="35000"/>
+            </a:srgbClr>
+          </a:outerShdw>
+        </a:effectLst>
+      </a:effectStyle>
+      <a:effectStyle>
+        <a:effectLst>
+          <a:outerShdw blurRad="40000" dist="23000" dir="5400000" rotWithShape="0">
+            <a:srgbClr val="000000">
+              <a:alpha val="35000"/>
+            </a:srgbClr>
+          </a:outerShdw>
+        </a:effectLst>
+        <a:scene3d>
+          <a:camera prst="orthographicFront">
+            <a:rot lat="0" lon="0" rev="0"/>
+          </a:camera>
+          <a:lightRig rig="threePt" dir="t">
+            <a:rot lat="0" lon="0" rev="1200000"/>
+          </a:lightRig>
+        </a:scene3d>
+        <a:sp3d>
+          <a:bevelT w="63500" h="25400"/>
+        </a:sp3d>
+      </a:effectStyle>
+    </a:effectStyleLst>
+    <a:bgFillStyleLst>
+      <a:solidFill>
+        <a:schemeClr val="phClr"/>
+      </a:solidFill>
+      <a:gradFill rotWithShape="1">
+        <a:gsLst>
+          <a:gs pos="0">
+            <a:schemeClr val="phClr">
+              <a:tint val="40000"/>
+              <a:satMod val="350000"/>
+            </a:schemeClr>
+          </a:gs>
+          <a:gs pos="40000">
+            <a:schemeClr val="phClr">
+              <a:tint val="45000"/>
+              <a:shade val="99000"/>
+              <a:satMod val="350000"/>
+            </a:schemeClr>
+          </a:gs>
+          <a:gs pos="100000">
+            <a:schemeClr val="phClr">
+              <a:shade val="20000"/>
+              <a:satMod val="255000"/>
+            </a:schemeClr>
+          </a:gs>
+        </a:gsLst>
+        <a:path path="circle">
+          <a:fillToRect l="50000" t="-80000" r="50000" b="180000"/>
+        </a:path>
+      </a:gradFill>
+      <a:gradFill rotWithShape="1">
+        <a:gsLst>
+          <a:gs pos="0">
+            <a:schemeClr val="phClr">
+              <a:tint val="80000"/>
+              <a:satMod val="300000"/>
+            </a:schemeClr>
+          </a:gs>
+          <a:gs pos="100000">
+            <a:schemeClr val="phClr">
+              <a:shade val="30000"/>
+              <a:satMod val="200000"/>
+            </a:schemeClr>
+          </a:gs>
+        </a:gsLst>
+        <a:path path="circle">
+          <a:fillToRect l="50000" t="50000" r="50000" b="50000"/>
+        </a:path>
+      </a:gradFill>
+    </a:bgFillStyleLst>
+  </a:fmtScheme>
+</a:themeOverride>
 </file>
--- a/doc/small/small_presentation.pptx
+++ b/doc/small/small_presentation.pptx
@@ -5,7 +5,7 @@
     <p:sldMasterId id="2147483648" r:id="rId1"/>
   </p:sldMasterIdLst>
   <p:notesMasterIdLst>
-    <p:notesMasterId r:id="rId61"/>
+    <p:notesMasterId r:id="rId62"/>
   </p:notesMasterIdLst>
   <p:sldIdLst>
     <p:sldId id="257" r:id="rId2"/>
@@ -57,16 +57,17 @@
     <p:sldId id="329" r:id="rId48"/>
     <p:sldId id="330" r:id="rId49"/>
     <p:sldId id="333" r:id="rId50"/>
-    <p:sldId id="316" r:id="rId51"/>
-    <p:sldId id="317" r:id="rId52"/>
-    <p:sldId id="318" r:id="rId53"/>
-    <p:sldId id="319" r:id="rId54"/>
-    <p:sldId id="320" r:id="rId55"/>
-    <p:sldId id="321" r:id="rId56"/>
-    <p:sldId id="322" r:id="rId57"/>
-    <p:sldId id="325" r:id="rId58"/>
-    <p:sldId id="323" r:id="rId59"/>
-    <p:sldId id="324" r:id="rId60"/>
+    <p:sldId id="335" r:id="rId51"/>
+    <p:sldId id="316" r:id="rId52"/>
+    <p:sldId id="317" r:id="rId53"/>
+    <p:sldId id="318" r:id="rId54"/>
+    <p:sldId id="319" r:id="rId55"/>
+    <p:sldId id="320" r:id="rId56"/>
+    <p:sldId id="321" r:id="rId57"/>
+    <p:sldId id="322" r:id="rId58"/>
+    <p:sldId id="325" r:id="rId59"/>
+    <p:sldId id="323" r:id="rId60"/>
+    <p:sldId id="324" r:id="rId61"/>
   </p:sldIdLst>
   <p:sldSz cx="9144000" cy="6858000" type="screen4x3"/>
   <p:notesSz cx="6858000" cy="9144000"/>
@@ -1137,11 +1138,11 @@
         </c:dLbls>
         <c:marker val="1"/>
         <c:smooth val="0"/>
-        <c:axId val="103971840"/>
-        <c:axId val="108774144"/>
+        <c:axId val="166645760"/>
+        <c:axId val="166647680"/>
       </c:lineChart>
       <c:catAx>
-        <c:axId val="103971840"/>
+        <c:axId val="166645760"/>
         <c:scaling>
           <c:orientation val="minMax"/>
         </c:scaling>
@@ -1175,7 +1176,7 @@
         <c:majorTickMark val="out"/>
         <c:minorTickMark val="none"/>
         <c:tickLblPos val="nextTo"/>
-        <c:crossAx val="108774144"/>
+        <c:crossAx val="166647680"/>
         <c:crosses val="autoZero"/>
         <c:auto val="1"/>
         <c:lblAlgn val="ctr"/>
@@ -1183,7 +1184,7 @@
         <c:noMultiLvlLbl val="0"/>
       </c:catAx>
       <c:valAx>
-        <c:axId val="108774144"/>
+        <c:axId val="166647680"/>
         <c:scaling>
           <c:orientation val="minMax"/>
           <c:max val="0.5"/>
@@ -1195,7 +1196,7 @@
         <c:majorTickMark val="out"/>
         <c:minorTickMark val="none"/>
         <c:tickLblPos val="nextTo"/>
-        <c:crossAx val="103971840"/>
+        <c:crossAx val="166645760"/>
         <c:crosses val="autoZero"/>
         <c:crossBetween val="between"/>
       </c:valAx>
@@ -2872,11 +2873,11 @@
           <c:showPercent val="0"/>
           <c:showBubbleSize val="0"/>
         </c:dLbls>
-        <c:axId val="117281536"/>
-        <c:axId val="117284224"/>
+        <c:axId val="167592704"/>
+        <c:axId val="167595392"/>
       </c:scatterChart>
       <c:valAx>
-        <c:axId val="117281536"/>
+        <c:axId val="167592704"/>
         <c:scaling>
           <c:orientation val="minMax"/>
         </c:scaling>
@@ -2885,12 +2886,12 @@
         <c:majorTickMark val="out"/>
         <c:minorTickMark val="none"/>
         <c:tickLblPos val="nextTo"/>
-        <c:crossAx val="117284224"/>
+        <c:crossAx val="167595392"/>
         <c:crosses val="autoZero"/>
         <c:crossBetween val="midCat"/>
       </c:valAx>
       <c:valAx>
-        <c:axId val="117284224"/>
+        <c:axId val="167595392"/>
         <c:scaling>
           <c:orientation val="maxMin"/>
           <c:max val="0.1"/>
@@ -2930,7 +2931,7 @@
         <c:majorTickMark val="out"/>
         <c:minorTickMark val="none"/>
         <c:tickLblPos val="nextTo"/>
-        <c:crossAx val="117281536"/>
+        <c:crossAx val="167592704"/>
         <c:crosses val="autoZero"/>
         <c:crossBetween val="midCat"/>
       </c:valAx>
@@ -3266,11 +3267,11 @@
           <c:showBubbleSize val="0"/>
         </c:dLbls>
         <c:gapWidth val="150"/>
-        <c:axId val="117481472"/>
-        <c:axId val="117483008"/>
+        <c:axId val="167731200"/>
+        <c:axId val="167732736"/>
       </c:barChart>
       <c:catAx>
-        <c:axId val="117481472"/>
+        <c:axId val="167731200"/>
         <c:scaling>
           <c:orientation val="minMax"/>
         </c:scaling>
@@ -3279,7 +3280,7 @@
         <c:majorTickMark val="out"/>
         <c:minorTickMark val="none"/>
         <c:tickLblPos val="nextTo"/>
-        <c:crossAx val="117483008"/>
+        <c:crossAx val="167732736"/>
         <c:crosses val="autoZero"/>
         <c:auto val="1"/>
         <c:lblAlgn val="ctr"/>
@@ -3287,7 +3288,7 @@
         <c:noMultiLvlLbl val="0"/>
       </c:catAx>
       <c:valAx>
-        <c:axId val="117483008"/>
+        <c:axId val="167732736"/>
         <c:scaling>
           <c:orientation val="minMax"/>
           <c:max val="100"/>
@@ -3299,7 +3300,7 @@
         <c:majorTickMark val="out"/>
         <c:minorTickMark val="none"/>
         <c:tickLblPos val="nextTo"/>
-        <c:crossAx val="117481472"/>
+        <c:crossAx val="167731200"/>
         <c:crosses val="autoZero"/>
         <c:crossBetween val="between"/>
       </c:valAx>
@@ -3592,11 +3593,11 @@
           <c:showBubbleSize val="0"/>
         </c:dLbls>
         <c:gapWidth val="150"/>
-        <c:axId val="117493120"/>
-        <c:axId val="127087744"/>
+        <c:axId val="167751040"/>
+        <c:axId val="168051840"/>
       </c:barChart>
       <c:catAx>
-        <c:axId val="117493120"/>
+        <c:axId val="167751040"/>
         <c:scaling>
           <c:orientation val="minMax"/>
         </c:scaling>
@@ -3605,7 +3606,7 @@
         <c:majorTickMark val="out"/>
         <c:minorTickMark val="none"/>
         <c:tickLblPos val="nextTo"/>
-        <c:crossAx val="127087744"/>
+        <c:crossAx val="168051840"/>
         <c:crosses val="autoZero"/>
         <c:auto val="1"/>
         <c:lblAlgn val="ctr"/>
@@ -3613,7 +3614,7 @@
         <c:noMultiLvlLbl val="0"/>
       </c:catAx>
       <c:valAx>
-        <c:axId val="127087744"/>
+        <c:axId val="168051840"/>
         <c:scaling>
           <c:orientation val="minMax"/>
           <c:max val="0.25"/>
@@ -3625,7 +3626,7 @@
         <c:majorTickMark val="out"/>
         <c:minorTickMark val="none"/>
         <c:tickLblPos val="nextTo"/>
-        <c:crossAx val="117493120"/>
+        <c:crossAx val="167751040"/>
         <c:crosses val="autoZero"/>
         <c:crossBetween val="between"/>
       </c:valAx>
@@ -4371,11 +4372,11 @@
           <c:showBubbleSize val="0"/>
         </c:dLbls>
         <c:gapWidth val="150"/>
-        <c:axId val="127138816"/>
-        <c:axId val="127156992"/>
+        <c:axId val="168090624"/>
+        <c:axId val="168096512"/>
       </c:barChart>
       <c:catAx>
-        <c:axId val="127138816"/>
+        <c:axId val="168090624"/>
         <c:scaling>
           <c:orientation val="minMax"/>
         </c:scaling>
@@ -4384,7 +4385,7 @@
         <c:majorTickMark val="out"/>
         <c:minorTickMark val="none"/>
         <c:tickLblPos val="nextTo"/>
-        <c:crossAx val="127156992"/>
+        <c:crossAx val="168096512"/>
         <c:crosses val="autoZero"/>
         <c:auto val="1"/>
         <c:lblAlgn val="ctr"/>
@@ -4392,7 +4393,7 @@
         <c:noMultiLvlLbl val="0"/>
       </c:catAx>
       <c:valAx>
-        <c:axId val="127156992"/>
+        <c:axId val="168096512"/>
         <c:scaling>
           <c:orientation val="minMax"/>
         </c:scaling>
@@ -4403,7 +4404,7 @@
         <c:majorTickMark val="out"/>
         <c:minorTickMark val="none"/>
         <c:tickLblPos val="nextTo"/>
-        <c:crossAx val="127138816"/>
+        <c:crossAx val="168090624"/>
         <c:crosses val="autoZero"/>
         <c:crossBetween val="between"/>
       </c:valAx>
@@ -4696,11 +4697,11 @@
           <c:showBubbleSize val="0"/>
         </c:dLbls>
         <c:gapWidth val="150"/>
-        <c:axId val="127183488"/>
-        <c:axId val="127185280"/>
+        <c:axId val="168127104"/>
+        <c:axId val="168141184"/>
       </c:barChart>
       <c:catAx>
-        <c:axId val="127183488"/>
+        <c:axId val="168127104"/>
         <c:scaling>
           <c:orientation val="minMax"/>
         </c:scaling>
@@ -4709,7 +4710,7 @@
         <c:majorTickMark val="out"/>
         <c:minorTickMark val="none"/>
         <c:tickLblPos val="nextTo"/>
-        <c:crossAx val="127185280"/>
+        <c:crossAx val="168141184"/>
         <c:crosses val="autoZero"/>
         <c:auto val="1"/>
         <c:lblAlgn val="ctr"/>
@@ -4717,7 +4718,7 @@
         <c:noMultiLvlLbl val="0"/>
       </c:catAx>
       <c:valAx>
-        <c:axId val="127185280"/>
+        <c:axId val="168141184"/>
         <c:scaling>
           <c:orientation val="minMax"/>
         </c:scaling>
@@ -4728,7 +4729,7 @@
         <c:majorTickMark val="out"/>
         <c:minorTickMark val="none"/>
         <c:tickLblPos val="nextTo"/>
-        <c:crossAx val="127183488"/>
+        <c:crossAx val="168127104"/>
         <c:crosses val="autoZero"/>
         <c:crossBetween val="between"/>
       </c:valAx>
@@ -5021,11 +5022,11 @@
           <c:showBubbleSize val="0"/>
         </c:dLbls>
         <c:gapWidth val="150"/>
-        <c:axId val="127198720"/>
-        <c:axId val="127200256"/>
+        <c:axId val="168162816"/>
+        <c:axId val="168164352"/>
       </c:barChart>
       <c:catAx>
-        <c:axId val="127198720"/>
+        <c:axId val="168162816"/>
         <c:scaling>
           <c:orientation val="minMax"/>
         </c:scaling>
@@ -5034,7 +5035,7 @@
         <c:majorTickMark val="out"/>
         <c:minorTickMark val="none"/>
         <c:tickLblPos val="nextTo"/>
-        <c:crossAx val="127200256"/>
+        <c:crossAx val="168164352"/>
         <c:crosses val="autoZero"/>
         <c:auto val="1"/>
         <c:lblAlgn val="ctr"/>
@@ -5042,7 +5043,7 @@
         <c:noMultiLvlLbl val="0"/>
       </c:catAx>
       <c:valAx>
-        <c:axId val="127200256"/>
+        <c:axId val="168164352"/>
         <c:scaling>
           <c:orientation val="minMax"/>
           <c:max val="0.25"/>
@@ -5054,7 +5055,7 @@
         <c:majorTickMark val="out"/>
         <c:minorTickMark val="none"/>
         <c:tickLblPos val="nextTo"/>
-        <c:crossAx val="127198720"/>
+        <c:crossAx val="168162816"/>
         <c:crosses val="autoZero"/>
         <c:crossBetween val="between"/>
       </c:valAx>
@@ -5800,11 +5801,11 @@
           <c:showBubbleSize val="0"/>
         </c:dLbls>
         <c:gapWidth val="150"/>
-        <c:axId val="127269888"/>
-        <c:axId val="127275776"/>
+        <c:axId val="168504320"/>
+        <c:axId val="168510208"/>
       </c:barChart>
       <c:catAx>
-        <c:axId val="127269888"/>
+        <c:axId val="168504320"/>
         <c:scaling>
           <c:orientation val="minMax"/>
         </c:scaling>
@@ -5813,7 +5814,7 @@
         <c:majorTickMark val="out"/>
         <c:minorTickMark val="none"/>
         <c:tickLblPos val="nextTo"/>
-        <c:crossAx val="127275776"/>
+        <c:crossAx val="168510208"/>
         <c:crosses val="autoZero"/>
         <c:auto val="1"/>
         <c:lblAlgn val="ctr"/>
@@ -5821,7 +5822,7 @@
         <c:noMultiLvlLbl val="0"/>
       </c:catAx>
       <c:valAx>
-        <c:axId val="127275776"/>
+        <c:axId val="168510208"/>
         <c:scaling>
           <c:orientation val="minMax"/>
           <c:max val="0.35000000000000003"/>
@@ -5833,7 +5834,7 @@
         <c:majorTickMark val="out"/>
         <c:minorTickMark val="none"/>
         <c:tickLblPos val="nextTo"/>
-        <c:crossAx val="127269888"/>
+        <c:crossAx val="168504320"/>
         <c:crosses val="autoZero"/>
         <c:crossBetween val="between"/>
       </c:valAx>
@@ -6139,11 +6140,11 @@
           <c:showBubbleSize val="0"/>
         </c:dLbls>
         <c:gapWidth val="150"/>
-        <c:axId val="127337216"/>
-        <c:axId val="127338752"/>
+        <c:axId val="168567552"/>
+        <c:axId val="168569088"/>
       </c:barChart>
       <c:catAx>
-        <c:axId val="127337216"/>
+        <c:axId val="168567552"/>
         <c:scaling>
           <c:orientation val="minMax"/>
         </c:scaling>
@@ -6152,7 +6153,7 @@
         <c:majorTickMark val="out"/>
         <c:minorTickMark val="none"/>
         <c:tickLblPos val="nextTo"/>
-        <c:crossAx val="127338752"/>
+        <c:crossAx val="168569088"/>
         <c:crosses val="autoZero"/>
         <c:auto val="1"/>
         <c:lblAlgn val="ctr"/>
@@ -6160,7 +6161,7 @@
         <c:noMultiLvlLbl val="0"/>
       </c:catAx>
       <c:valAx>
-        <c:axId val="127338752"/>
+        <c:axId val="168569088"/>
         <c:scaling>
           <c:orientation val="minMax"/>
           <c:max val="250"/>
@@ -6172,7 +6173,7 @@
         <c:majorTickMark val="out"/>
         <c:minorTickMark val="none"/>
         <c:tickLblPos val="nextTo"/>
-        <c:crossAx val="127337216"/>
+        <c:crossAx val="168567552"/>
         <c:crosses val="autoZero"/>
         <c:crossBetween val="between"/>
       </c:valAx>
@@ -6360,11 +6361,11 @@
           <c:showBubbleSize val="0"/>
         </c:dLbls>
         <c:gapWidth val="150"/>
-        <c:axId val="127363712"/>
-        <c:axId val="127373696"/>
+        <c:axId val="168610432"/>
+        <c:axId val="168616320"/>
       </c:barChart>
       <c:catAx>
-        <c:axId val="127363712"/>
+        <c:axId val="168610432"/>
         <c:scaling>
           <c:orientation val="minMax"/>
         </c:scaling>
@@ -6373,7 +6374,7 @@
         <c:majorTickMark val="out"/>
         <c:minorTickMark val="none"/>
         <c:tickLblPos val="nextTo"/>
-        <c:crossAx val="127373696"/>
+        <c:crossAx val="168616320"/>
         <c:crosses val="autoZero"/>
         <c:auto val="1"/>
         <c:lblAlgn val="ctr"/>
@@ -6381,7 +6382,7 @@
         <c:noMultiLvlLbl val="0"/>
       </c:catAx>
       <c:valAx>
-        <c:axId val="127373696"/>
+        <c:axId val="168616320"/>
         <c:scaling>
           <c:orientation val="minMax"/>
         </c:scaling>
@@ -6392,7 +6393,7 @@
         <c:majorTickMark val="out"/>
         <c:minorTickMark val="none"/>
         <c:tickLblPos val="nextTo"/>
-        <c:crossAx val="127363712"/>
+        <c:crossAx val="168610432"/>
         <c:crosses val="autoZero"/>
         <c:crossBetween val="between"/>
       </c:valAx>
@@ -7381,11 +7382,11 @@
         </c:dLbls>
         <c:marker val="1"/>
         <c:smooth val="0"/>
-        <c:axId val="82121088"/>
-        <c:axId val="82123008"/>
+        <c:axId val="166675968"/>
+        <c:axId val="166677888"/>
       </c:lineChart>
       <c:catAx>
-        <c:axId val="82121088"/>
+        <c:axId val="166675968"/>
         <c:scaling>
           <c:orientation val="minMax"/>
         </c:scaling>
@@ -7419,7 +7420,7 @@
         <c:majorTickMark val="out"/>
         <c:minorTickMark val="none"/>
         <c:tickLblPos val="nextTo"/>
-        <c:crossAx val="82123008"/>
+        <c:crossAx val="166677888"/>
         <c:crosses val="autoZero"/>
         <c:auto val="1"/>
         <c:lblAlgn val="ctr"/>
@@ -7427,7 +7428,7 @@
         <c:noMultiLvlLbl val="0"/>
       </c:catAx>
       <c:valAx>
-        <c:axId val="82123008"/>
+        <c:axId val="166677888"/>
         <c:scaling>
           <c:orientation val="minMax"/>
           <c:max val="0.5"/>
@@ -7439,7 +7440,7 @@
         <c:majorTickMark val="out"/>
         <c:minorTickMark val="none"/>
         <c:tickLblPos val="nextTo"/>
-        <c:crossAx val="82121088"/>
+        <c:crossAx val="166675968"/>
         <c:crosses val="autoZero"/>
         <c:crossBetween val="between"/>
       </c:valAx>
@@ -7798,11 +7799,11 @@
           <c:showBubbleSize val="0"/>
         </c:dLbls>
         <c:gapWidth val="150"/>
-        <c:axId val="127881600"/>
-        <c:axId val="127883136"/>
+        <c:axId val="168673664"/>
+        <c:axId val="168675200"/>
       </c:barChart>
       <c:catAx>
-        <c:axId val="127881600"/>
+        <c:axId val="168673664"/>
         <c:scaling>
           <c:orientation val="minMax"/>
         </c:scaling>
@@ -7811,7 +7812,7 @@
         <c:majorTickMark val="out"/>
         <c:minorTickMark val="none"/>
         <c:tickLblPos val="nextTo"/>
-        <c:crossAx val="127883136"/>
+        <c:crossAx val="168675200"/>
         <c:crosses val="autoZero"/>
         <c:auto val="1"/>
         <c:lblAlgn val="ctr"/>
@@ -7819,7 +7820,7 @@
         <c:noMultiLvlLbl val="0"/>
       </c:catAx>
       <c:valAx>
-        <c:axId val="127883136"/>
+        <c:axId val="168675200"/>
         <c:scaling>
           <c:orientation val="minMax"/>
           <c:max val="1400"/>
@@ -7831,13 +7832,14 @@
         <c:majorTickMark val="out"/>
         <c:minorTickMark val="none"/>
         <c:tickLblPos val="nextTo"/>
-        <c:crossAx val="127881600"/>
+        <c:crossAx val="168673664"/>
         <c:crosses val="autoZero"/>
         <c:crossBetween val="between"/>
       </c:valAx>
     </c:plotArea>
     <c:legend>
       <c:legendPos val="r"/>
+      <c:layout/>
       <c:overlay val="0"/>
     </c:legend>
     <c:plotVisOnly val="1"/>
@@ -8054,11 +8056,11 @@
           <c:showBubbleSize val="0"/>
         </c:dLbls>
         <c:gapWidth val="150"/>
-        <c:axId val="127904000"/>
-        <c:axId val="127668224"/>
+        <c:axId val="168687872"/>
+        <c:axId val="169033728"/>
       </c:barChart>
       <c:catAx>
-        <c:axId val="127904000"/>
+        <c:axId val="168687872"/>
         <c:scaling>
           <c:orientation val="minMax"/>
         </c:scaling>
@@ -8067,7 +8069,7 @@
         <c:majorTickMark val="out"/>
         <c:minorTickMark val="none"/>
         <c:tickLblPos val="nextTo"/>
-        <c:crossAx val="127668224"/>
+        <c:crossAx val="169033728"/>
         <c:crosses val="autoZero"/>
         <c:auto val="1"/>
         <c:lblAlgn val="ctr"/>
@@ -8075,7 +8077,7 @@
         <c:noMultiLvlLbl val="0"/>
       </c:catAx>
       <c:valAx>
-        <c:axId val="127668224"/>
+        <c:axId val="169033728"/>
         <c:scaling>
           <c:orientation val="minMax"/>
         </c:scaling>
@@ -8086,13 +8088,14 @@
         <c:majorTickMark val="out"/>
         <c:minorTickMark val="none"/>
         <c:tickLblPos val="nextTo"/>
-        <c:crossAx val="127904000"/>
+        <c:crossAx val="168687872"/>
         <c:crosses val="autoZero"/>
         <c:crossBetween val="between"/>
       </c:valAx>
     </c:plotArea>
     <c:legend>
       <c:legendPos val="r"/>
+      <c:layout/>
       <c:overlay val="0"/>
     </c:legend>
     <c:plotVisOnly val="1"/>
@@ -8317,11 +8320,11 @@
           <c:showBubbleSize val="0"/>
         </c:dLbls>
         <c:gapWidth val="150"/>
-        <c:axId val="127694720"/>
-        <c:axId val="127696256"/>
+        <c:axId val="169076608"/>
+        <c:axId val="169078144"/>
       </c:barChart>
       <c:catAx>
-        <c:axId val="127694720"/>
+        <c:axId val="169076608"/>
         <c:scaling>
           <c:orientation val="minMax"/>
         </c:scaling>
@@ -8330,7 +8333,7 @@
         <c:majorTickMark val="out"/>
         <c:minorTickMark val="none"/>
         <c:tickLblPos val="nextTo"/>
-        <c:crossAx val="127696256"/>
+        <c:crossAx val="169078144"/>
         <c:crosses val="autoZero"/>
         <c:auto val="1"/>
         <c:lblAlgn val="ctr"/>
@@ -8338,7 +8341,7 @@
         <c:noMultiLvlLbl val="0"/>
       </c:catAx>
       <c:valAx>
-        <c:axId val="127696256"/>
+        <c:axId val="169078144"/>
         <c:scaling>
           <c:orientation val="minMax"/>
         </c:scaling>
@@ -8349,13 +8352,14 @@
         <c:majorTickMark val="out"/>
         <c:minorTickMark val="none"/>
         <c:tickLblPos val="nextTo"/>
-        <c:crossAx val="127694720"/>
+        <c:crossAx val="169076608"/>
         <c:crosses val="autoZero"/>
         <c:crossBetween val="between"/>
       </c:valAx>
     </c:plotArea>
     <c:legend>
       <c:legendPos val="r"/>
+      <c:layout/>
       <c:overlay val="0"/>
     </c:legend>
     <c:plotVisOnly val="1"/>
@@ -8580,11 +8584,11 @@
           <c:showBubbleSize val="0"/>
         </c:dLbls>
         <c:gapWidth val="150"/>
-        <c:axId val="127739392"/>
-        <c:axId val="127740928"/>
+        <c:axId val="169309696"/>
+        <c:axId val="169311232"/>
       </c:barChart>
       <c:catAx>
-        <c:axId val="127739392"/>
+        <c:axId val="169309696"/>
         <c:scaling>
           <c:orientation val="minMax"/>
         </c:scaling>
@@ -8593,7 +8597,7 @@
         <c:majorTickMark val="out"/>
         <c:minorTickMark val="none"/>
         <c:tickLblPos val="nextTo"/>
-        <c:crossAx val="127740928"/>
+        <c:crossAx val="169311232"/>
         <c:crosses val="autoZero"/>
         <c:auto val="1"/>
         <c:lblAlgn val="ctr"/>
@@ -8601,7 +8605,7 @@
         <c:noMultiLvlLbl val="0"/>
       </c:catAx>
       <c:valAx>
-        <c:axId val="127740928"/>
+        <c:axId val="169311232"/>
         <c:scaling>
           <c:orientation val="minMax"/>
         </c:scaling>
@@ -8612,13 +8616,14 @@
         <c:majorTickMark val="out"/>
         <c:minorTickMark val="none"/>
         <c:tickLblPos val="nextTo"/>
-        <c:crossAx val="127739392"/>
+        <c:crossAx val="169309696"/>
         <c:crosses val="autoZero"/>
         <c:crossBetween val="between"/>
       </c:valAx>
     </c:plotArea>
     <c:legend>
       <c:legendPos val="r"/>
+      <c:layout/>
       <c:overlay val="0"/>
     </c:legend>
     <c:plotVisOnly val="1"/>
@@ -9986,11 +9991,11 @@
         </c:dLbls>
         <c:marker val="1"/>
         <c:smooth val="0"/>
-        <c:axId val="127928960"/>
-        <c:axId val="127938944"/>
+        <c:axId val="169400960"/>
+        <c:axId val="169406848"/>
       </c:lineChart>
       <c:catAx>
-        <c:axId val="127928960"/>
+        <c:axId val="169400960"/>
         <c:scaling>
           <c:orientation val="minMax"/>
         </c:scaling>
@@ -10000,7 +10005,7 @@
         <c:majorTickMark val="out"/>
         <c:minorTickMark val="none"/>
         <c:tickLblPos val="nextTo"/>
-        <c:crossAx val="127938944"/>
+        <c:crossAx val="169406848"/>
         <c:crosses val="autoZero"/>
         <c:auto val="1"/>
         <c:lblAlgn val="ctr"/>
@@ -10008,7 +10013,7 @@
         <c:noMultiLvlLbl val="0"/>
       </c:catAx>
       <c:valAx>
-        <c:axId val="127938944"/>
+        <c:axId val="169406848"/>
         <c:scaling>
           <c:orientation val="minMax"/>
         </c:scaling>
@@ -10019,13 +10024,14 @@
         <c:majorTickMark val="out"/>
         <c:minorTickMark val="none"/>
         <c:tickLblPos val="nextTo"/>
-        <c:crossAx val="127928960"/>
+        <c:crossAx val="169400960"/>
         <c:crosses val="autoZero"/>
         <c:crossBetween val="between"/>
       </c:valAx>
     </c:plotArea>
     <c:legend>
       <c:legendPos val="r"/>
+      <c:layout/>
       <c:overlay val="0"/>
     </c:legend>
     <c:plotVisOnly val="1"/>
@@ -10068,6 +10074,7 @@
           </a:p>
         </c:rich>
       </c:tx>
+      <c:layout/>
       <c:overlay val="0"/>
     </c:title>
     <c:autoTitleDeleted val="0"/>
@@ -10295,11 +10302,11 @@
           <c:showPercent val="0"/>
           <c:showBubbleSize val="0"/>
         </c:dLbls>
-        <c:axId val="127956480"/>
-        <c:axId val="127958016"/>
+        <c:axId val="172709376"/>
+        <c:axId val="172710912"/>
       </c:scatterChart>
       <c:valAx>
-        <c:axId val="127956480"/>
+        <c:axId val="172709376"/>
         <c:scaling>
           <c:orientation val="minMax"/>
         </c:scaling>
@@ -10309,12 +10316,12 @@
         <c:majorTickMark val="out"/>
         <c:minorTickMark val="none"/>
         <c:tickLblPos val="nextTo"/>
-        <c:crossAx val="127958016"/>
+        <c:crossAx val="172710912"/>
         <c:crosses val="autoZero"/>
         <c:crossBetween val="midCat"/>
       </c:valAx>
       <c:valAx>
-        <c:axId val="127958016"/>
+        <c:axId val="172710912"/>
         <c:scaling>
           <c:orientation val="minMax"/>
           <c:max val="350"/>
@@ -10326,7 +10333,7 @@
         <c:majorTickMark val="out"/>
         <c:minorTickMark val="none"/>
         <c:tickLblPos val="nextTo"/>
-        <c:crossAx val="127956480"/>
+        <c:crossAx val="172709376"/>
         <c:crosses val="autoZero"/>
         <c:crossBetween val="midCat"/>
       </c:valAx>
@@ -10371,6 +10378,7 @@
           </a:p>
         </c:rich>
       </c:tx>
+      <c:layout/>
       <c:overlay val="0"/>
     </c:title>
     <c:autoTitleDeleted val="0"/>
@@ -10821,11 +10829,11 @@
           <c:showPercent val="0"/>
           <c:showBubbleSize val="0"/>
         </c:dLbls>
-        <c:axId val="127988864"/>
-        <c:axId val="127990400"/>
+        <c:axId val="172754048"/>
+        <c:axId val="172755584"/>
       </c:scatterChart>
       <c:valAx>
-        <c:axId val="127988864"/>
+        <c:axId val="172754048"/>
         <c:scaling>
           <c:orientation val="minMax"/>
         </c:scaling>
@@ -10835,12 +10843,12 @@
         <c:majorTickMark val="out"/>
         <c:minorTickMark val="none"/>
         <c:tickLblPos val="nextTo"/>
-        <c:crossAx val="127990400"/>
+        <c:crossAx val="172755584"/>
         <c:crosses val="autoZero"/>
         <c:crossBetween val="midCat"/>
       </c:valAx>
       <c:valAx>
-        <c:axId val="127990400"/>
+        <c:axId val="172755584"/>
         <c:scaling>
           <c:orientation val="minMax"/>
         </c:scaling>
@@ -10851,7 +10859,7 @@
         <c:majorTickMark val="out"/>
         <c:minorTickMark val="none"/>
         <c:tickLblPos val="nextTo"/>
-        <c:crossAx val="127988864"/>
+        <c:crossAx val="172754048"/>
         <c:crosses val="autoZero"/>
         <c:crossBetween val="midCat"/>
       </c:valAx>
@@ -10896,6 +10904,7 @@
           </a:p>
         </c:rich>
       </c:tx>
+      <c:layout/>
       <c:overlay val="0"/>
     </c:title>
     <c:autoTitleDeleted val="0"/>
@@ -11322,11 +11331,11 @@
           <c:showPercent val="0"/>
           <c:showBubbleSize val="0"/>
         </c:dLbls>
-        <c:axId val="128021248"/>
-        <c:axId val="128022784"/>
+        <c:axId val="172798720"/>
+        <c:axId val="172800256"/>
       </c:scatterChart>
       <c:valAx>
-        <c:axId val="128021248"/>
+        <c:axId val="172798720"/>
         <c:scaling>
           <c:orientation val="minMax"/>
         </c:scaling>
@@ -11336,12 +11345,12 @@
         <c:majorTickMark val="out"/>
         <c:minorTickMark val="none"/>
         <c:tickLblPos val="nextTo"/>
-        <c:crossAx val="128022784"/>
+        <c:crossAx val="172800256"/>
         <c:crosses val="autoZero"/>
         <c:crossBetween val="midCat"/>
       </c:valAx>
       <c:valAx>
-        <c:axId val="128022784"/>
+        <c:axId val="172800256"/>
         <c:scaling>
           <c:orientation val="minMax"/>
         </c:scaling>
@@ -11352,7 +11361,7 @@
         <c:majorTickMark val="out"/>
         <c:minorTickMark val="none"/>
         <c:tickLblPos val="nextTo"/>
-        <c:crossAx val="128021248"/>
+        <c:crossAx val="172798720"/>
         <c:crosses val="autoZero"/>
         <c:crossBetween val="midCat"/>
       </c:valAx>
@@ -11397,6 +11406,7 @@
           </a:p>
         </c:rich>
       </c:tx>
+      <c:layout/>
       <c:overlay val="0"/>
     </c:title>
     <c:autoTitleDeleted val="0"/>
@@ -11763,11 +11773,11 @@
           <c:showPercent val="0"/>
           <c:showBubbleSize val="0"/>
         </c:dLbls>
-        <c:axId val="128049536"/>
-        <c:axId val="128051072"/>
+        <c:axId val="175206784"/>
+        <c:axId val="175208320"/>
       </c:scatterChart>
       <c:valAx>
-        <c:axId val="128049536"/>
+        <c:axId val="175206784"/>
         <c:scaling>
           <c:orientation val="minMax"/>
         </c:scaling>
@@ -11777,12 +11787,12 @@
         <c:majorTickMark val="out"/>
         <c:minorTickMark val="none"/>
         <c:tickLblPos val="nextTo"/>
-        <c:crossAx val="128051072"/>
+        <c:crossAx val="175208320"/>
         <c:crosses val="autoZero"/>
         <c:crossBetween val="midCat"/>
       </c:valAx>
       <c:valAx>
-        <c:axId val="128051072"/>
+        <c:axId val="175208320"/>
         <c:scaling>
           <c:orientation val="minMax"/>
           <c:max val="350"/>
@@ -11794,7 +11804,7 @@
         <c:majorTickMark val="out"/>
         <c:minorTickMark val="none"/>
         <c:tickLblPos val="nextTo"/>
-        <c:crossAx val="128049536"/>
+        <c:crossAx val="175206784"/>
         <c:crosses val="autoZero"/>
         <c:crossBetween val="midCat"/>
       </c:valAx>
@@ -12778,11 +12788,11 @@
         </c:dLbls>
         <c:marker val="1"/>
         <c:smooth val="0"/>
-        <c:axId val="82143104"/>
-        <c:axId val="82161664"/>
+        <c:axId val="166710272"/>
+        <c:axId val="166716544"/>
       </c:lineChart>
       <c:catAx>
-        <c:axId val="82143104"/>
+        <c:axId val="166710272"/>
         <c:scaling>
           <c:orientation val="minMax"/>
         </c:scaling>
@@ -12816,7 +12826,7 @@
         <c:majorTickMark val="out"/>
         <c:minorTickMark val="none"/>
         <c:tickLblPos val="nextTo"/>
-        <c:crossAx val="82161664"/>
+        <c:crossAx val="166716544"/>
         <c:crosses val="autoZero"/>
         <c:auto val="1"/>
         <c:lblAlgn val="ctr"/>
@@ -12824,7 +12834,7 @@
         <c:noMultiLvlLbl val="0"/>
       </c:catAx>
       <c:valAx>
-        <c:axId val="82161664"/>
+        <c:axId val="166716544"/>
         <c:scaling>
           <c:orientation val="minMax"/>
           <c:max val="0.5"/>
@@ -12836,7 +12846,7 @@
         <c:majorTickMark val="out"/>
         <c:minorTickMark val="none"/>
         <c:tickLblPos val="nextTo"/>
-        <c:crossAx val="82143104"/>
+        <c:crossAx val="166710272"/>
         <c:crosses val="autoZero"/>
         <c:crossBetween val="between"/>
       </c:valAx>
@@ -12886,6 +12896,7 @@
           </a:p>
         </c:rich>
       </c:tx>
+      <c:layout/>
       <c:overlay val="0"/>
     </c:title>
     <c:autoTitleDeleted val="0"/>
@@ -13216,11 +13227,11 @@
           <c:showPercent val="0"/>
           <c:showBubbleSize val="0"/>
         </c:dLbls>
-        <c:axId val="128348160"/>
-        <c:axId val="128349696"/>
+        <c:axId val="175226880"/>
+        <c:axId val="175228416"/>
       </c:scatterChart>
       <c:valAx>
-        <c:axId val="128348160"/>
+        <c:axId val="175226880"/>
         <c:scaling>
           <c:orientation val="minMax"/>
         </c:scaling>
@@ -13230,12 +13241,12 @@
         <c:majorTickMark val="out"/>
         <c:minorTickMark val="none"/>
         <c:tickLblPos val="nextTo"/>
-        <c:crossAx val="128349696"/>
+        <c:crossAx val="175228416"/>
         <c:crosses val="autoZero"/>
         <c:crossBetween val="midCat"/>
       </c:valAx>
       <c:valAx>
-        <c:axId val="128349696"/>
+        <c:axId val="175228416"/>
         <c:scaling>
           <c:orientation val="minMax"/>
           <c:max val="350"/>
@@ -13247,7 +13258,7 @@
         <c:majorTickMark val="out"/>
         <c:minorTickMark val="none"/>
         <c:tickLblPos val="nextTo"/>
-        <c:crossAx val="128348160"/>
+        <c:crossAx val="175226880"/>
         <c:crosses val="autoZero"/>
         <c:crossBetween val="midCat"/>
       </c:valAx>
@@ -13292,6 +13303,7 @@
           </a:p>
         </c:rich>
       </c:tx>
+      <c:layout/>
       <c:overlay val="0"/>
     </c:title>
     <c:autoTitleDeleted val="0"/>
@@ -13730,11 +13742,11 @@
           <c:showPercent val="0"/>
           <c:showBubbleSize val="0"/>
         </c:dLbls>
-        <c:axId val="128393600"/>
-        <c:axId val="128395136"/>
+        <c:axId val="175268224"/>
+        <c:axId val="175269760"/>
       </c:scatterChart>
       <c:valAx>
-        <c:axId val="128393600"/>
+        <c:axId val="175268224"/>
         <c:scaling>
           <c:orientation val="minMax"/>
         </c:scaling>
@@ -13744,12 +13756,12 @@
         <c:majorTickMark val="out"/>
         <c:minorTickMark val="none"/>
         <c:tickLblPos val="nextTo"/>
-        <c:crossAx val="128395136"/>
+        <c:crossAx val="175269760"/>
         <c:crosses val="autoZero"/>
         <c:crossBetween val="midCat"/>
       </c:valAx>
       <c:valAx>
-        <c:axId val="128395136"/>
+        <c:axId val="175269760"/>
         <c:scaling>
           <c:orientation val="minMax"/>
           <c:max val="2500"/>
@@ -13761,7 +13773,7 @@
         <c:majorTickMark val="out"/>
         <c:minorTickMark val="none"/>
         <c:tickLblPos val="nextTo"/>
-        <c:crossAx val="128393600"/>
+        <c:crossAx val="175268224"/>
         <c:crosses val="autoZero"/>
         <c:crossBetween val="midCat"/>
       </c:valAx>
@@ -13806,6 +13818,7 @@
           </a:p>
         </c:rich>
       </c:tx>
+      <c:layout/>
       <c:overlay val="0"/>
     </c:title>
     <c:autoTitleDeleted val="0"/>
@@ -14256,11 +14269,11 @@
           <c:showPercent val="0"/>
           <c:showBubbleSize val="0"/>
         </c:dLbls>
-        <c:axId val="128442368"/>
-        <c:axId val="128443904"/>
+        <c:axId val="175316992"/>
+        <c:axId val="175318528"/>
       </c:scatterChart>
       <c:valAx>
-        <c:axId val="128442368"/>
+        <c:axId val="175316992"/>
         <c:scaling>
           <c:orientation val="minMax"/>
         </c:scaling>
@@ -14270,12 +14283,12 @@
         <c:majorTickMark val="out"/>
         <c:minorTickMark val="none"/>
         <c:tickLblPos val="nextTo"/>
-        <c:crossAx val="128443904"/>
+        <c:crossAx val="175318528"/>
         <c:crosses val="autoZero"/>
         <c:crossBetween val="midCat"/>
       </c:valAx>
       <c:valAx>
-        <c:axId val="128443904"/>
+        <c:axId val="175318528"/>
         <c:scaling>
           <c:orientation val="minMax"/>
           <c:max val="2500"/>
@@ -14287,7 +14300,7 @@
         <c:majorTickMark val="out"/>
         <c:minorTickMark val="none"/>
         <c:tickLblPos val="nextTo"/>
-        <c:crossAx val="128442368"/>
+        <c:crossAx val="175316992"/>
         <c:crosses val="autoZero"/>
         <c:crossBetween val="midCat"/>
       </c:valAx>
@@ -14332,6 +14345,7 @@
           </a:p>
         </c:rich>
       </c:tx>
+      <c:layout/>
       <c:overlay val="0"/>
     </c:title>
     <c:autoTitleDeleted val="0"/>
@@ -14662,11 +14676,11 @@
           <c:showPercent val="0"/>
           <c:showBubbleSize val="0"/>
         </c:dLbls>
-        <c:axId val="128470400"/>
-        <c:axId val="128476288"/>
+        <c:axId val="175336832"/>
+        <c:axId val="175350912"/>
       </c:scatterChart>
       <c:valAx>
-        <c:axId val="128470400"/>
+        <c:axId val="175336832"/>
         <c:scaling>
           <c:orientation val="minMax"/>
         </c:scaling>
@@ -14676,12 +14690,12 @@
         <c:majorTickMark val="out"/>
         <c:minorTickMark val="none"/>
         <c:tickLblPos val="nextTo"/>
-        <c:crossAx val="128476288"/>
+        <c:crossAx val="175350912"/>
         <c:crosses val="autoZero"/>
         <c:crossBetween val="midCat"/>
       </c:valAx>
       <c:valAx>
-        <c:axId val="128476288"/>
+        <c:axId val="175350912"/>
         <c:scaling>
           <c:orientation val="minMax"/>
         </c:scaling>
@@ -14692,7 +14706,7 @@
         <c:majorTickMark val="out"/>
         <c:minorTickMark val="none"/>
         <c:tickLblPos val="nextTo"/>
-        <c:crossAx val="128470400"/>
+        <c:crossAx val="175336832"/>
         <c:crosses val="autoZero"/>
         <c:crossBetween val="midCat"/>
       </c:valAx>
@@ -14737,6 +14751,7 @@
           </a:p>
         </c:rich>
       </c:tx>
+      <c:layout/>
       <c:overlay val="0"/>
     </c:title>
     <c:autoTitleDeleted val="0"/>
@@ -15163,11 +15178,11 @@
           <c:showPercent val="0"/>
           <c:showBubbleSize val="0"/>
         </c:dLbls>
-        <c:axId val="128506880"/>
-        <c:axId val="128512768"/>
+        <c:axId val="175373312"/>
+        <c:axId val="175387392"/>
       </c:scatterChart>
       <c:valAx>
-        <c:axId val="128506880"/>
+        <c:axId val="175373312"/>
         <c:scaling>
           <c:orientation val="minMax"/>
         </c:scaling>
@@ -15177,12 +15192,12 @@
         <c:majorTickMark val="out"/>
         <c:minorTickMark val="none"/>
         <c:tickLblPos val="nextTo"/>
-        <c:crossAx val="128512768"/>
+        <c:crossAx val="175387392"/>
         <c:crosses val="autoZero"/>
         <c:crossBetween val="midCat"/>
       </c:valAx>
       <c:valAx>
-        <c:axId val="128512768"/>
+        <c:axId val="175387392"/>
         <c:scaling>
           <c:orientation val="minMax"/>
           <c:max val="2500"/>
@@ -15194,7 +15209,7 @@
         <c:majorTickMark val="out"/>
         <c:minorTickMark val="none"/>
         <c:tickLblPos val="nextTo"/>
-        <c:crossAx val="128506880"/>
+        <c:crossAx val="175373312"/>
         <c:crosses val="autoZero"/>
         <c:crossBetween val="midCat"/>
       </c:valAx>
@@ -15239,6 +15254,7 @@
           </a:p>
         </c:rich>
       </c:tx>
+      <c:layout/>
       <c:overlay val="0"/>
     </c:title>
     <c:autoTitleDeleted val="0"/>
@@ -15605,11 +15621,11 @@
           <c:showPercent val="0"/>
           <c:showBubbleSize val="0"/>
         </c:dLbls>
-        <c:axId val="128539264"/>
-        <c:axId val="128541056"/>
+        <c:axId val="175417984"/>
+        <c:axId val="175419776"/>
       </c:scatterChart>
       <c:valAx>
-        <c:axId val="128539264"/>
+        <c:axId val="175417984"/>
         <c:scaling>
           <c:orientation val="minMax"/>
         </c:scaling>
@@ -15619,12 +15635,12 @@
         <c:majorTickMark val="out"/>
         <c:minorTickMark val="none"/>
         <c:tickLblPos val="nextTo"/>
-        <c:crossAx val="128541056"/>
+        <c:crossAx val="175419776"/>
         <c:crosses val="autoZero"/>
         <c:crossBetween val="midCat"/>
       </c:valAx>
       <c:valAx>
-        <c:axId val="128541056"/>
+        <c:axId val="175419776"/>
         <c:scaling>
           <c:orientation val="minMax"/>
         </c:scaling>
@@ -15635,7 +15651,7 @@
         <c:majorTickMark val="out"/>
         <c:minorTickMark val="none"/>
         <c:tickLblPos val="nextTo"/>
-        <c:crossAx val="128539264"/>
+        <c:crossAx val="175417984"/>
         <c:crosses val="autoZero"/>
         <c:crossBetween val="midCat"/>
       </c:valAx>
@@ -16033,11 +16049,11 @@
           <c:showBubbleSize val="0"/>
         </c:dLbls>
         <c:gapWidth val="150"/>
-        <c:axId val="128576896"/>
-        <c:axId val="128586880"/>
+        <c:axId val="175607168"/>
+        <c:axId val="175629440"/>
       </c:barChart>
       <c:catAx>
-        <c:axId val="128576896"/>
+        <c:axId val="175607168"/>
         <c:scaling>
           <c:orientation val="minMax"/>
         </c:scaling>
@@ -16046,7 +16062,7 @@
         <c:majorTickMark val="out"/>
         <c:minorTickMark val="none"/>
         <c:tickLblPos val="nextTo"/>
-        <c:crossAx val="128586880"/>
+        <c:crossAx val="175629440"/>
         <c:crosses val="autoZero"/>
         <c:auto val="1"/>
         <c:lblAlgn val="ctr"/>
@@ -16054,7 +16070,7 @@
         <c:noMultiLvlLbl val="0"/>
       </c:catAx>
       <c:valAx>
-        <c:axId val="128586880"/>
+        <c:axId val="175629440"/>
         <c:scaling>
           <c:orientation val="minMax"/>
           <c:max val="1"/>
@@ -16066,13 +16082,14 @@
         <c:majorTickMark val="out"/>
         <c:minorTickMark val="none"/>
         <c:tickLblPos val="nextTo"/>
-        <c:crossAx val="128576896"/>
+        <c:crossAx val="175607168"/>
         <c:crosses val="autoZero"/>
         <c:crossBetween val="between"/>
       </c:valAx>
     </c:plotArea>
     <c:legend>
       <c:legendPos val="r"/>
+      <c:layout/>
       <c:overlay val="0"/>
     </c:legend>
     <c:plotVisOnly val="1"/>
@@ -16760,11 +16777,11 @@
           <c:showBubbleSize val="0"/>
         </c:dLbls>
         <c:gapWidth val="150"/>
-        <c:axId val="128621568"/>
-        <c:axId val="128631552"/>
+        <c:axId val="175664128"/>
+        <c:axId val="175678208"/>
       </c:barChart>
       <c:catAx>
-        <c:axId val="128621568"/>
+        <c:axId val="175664128"/>
         <c:scaling>
           <c:orientation val="minMax"/>
         </c:scaling>
@@ -16774,7 +16791,7 @@
         <c:majorTickMark val="out"/>
         <c:minorTickMark val="none"/>
         <c:tickLblPos val="nextTo"/>
-        <c:crossAx val="128631552"/>
+        <c:crossAx val="175678208"/>
         <c:crosses val="autoZero"/>
         <c:auto val="1"/>
         <c:lblAlgn val="ctr"/>
@@ -16782,7 +16799,7 @@
         <c:noMultiLvlLbl val="0"/>
       </c:catAx>
       <c:valAx>
-        <c:axId val="128631552"/>
+        <c:axId val="175678208"/>
         <c:scaling>
           <c:orientation val="minMax"/>
           <c:max val="1"/>
@@ -16794,13 +16811,14 @@
         <c:majorTickMark val="out"/>
         <c:minorTickMark val="none"/>
         <c:tickLblPos val="nextTo"/>
-        <c:crossAx val="128621568"/>
+        <c:crossAx val="175664128"/>
         <c:crosses val="autoZero"/>
         <c:crossBetween val="between"/>
       </c:valAx>
     </c:plotArea>
     <c:legend>
       <c:legendPos val="r"/>
+      <c:layout/>
       <c:overlay val="0"/>
     </c:legend>
     <c:plotVisOnly val="1"/>
@@ -16843,6 +16861,7 @@
           </a:p>
         </c:rich>
       </c:tx>
+      <c:layout/>
       <c:overlay val="0"/>
     </c:title>
     <c:autoTitleDeleted val="0"/>
@@ -17214,11 +17233,11 @@
           <c:showBubbleSize val="0"/>
         </c:dLbls>
         <c:gapWidth val="150"/>
-        <c:axId val="128278912"/>
-        <c:axId val="128280448"/>
+        <c:axId val="175841664"/>
+        <c:axId val="175843200"/>
       </c:barChart>
       <c:catAx>
-        <c:axId val="128278912"/>
+        <c:axId val="175841664"/>
         <c:scaling>
           <c:orientation val="minMax"/>
         </c:scaling>
@@ -17227,7 +17246,7 @@
         <c:majorTickMark val="out"/>
         <c:minorTickMark val="none"/>
         <c:tickLblPos val="nextTo"/>
-        <c:crossAx val="128280448"/>
+        <c:crossAx val="175843200"/>
         <c:crosses val="autoZero"/>
         <c:auto val="1"/>
         <c:lblAlgn val="ctr"/>
@@ -17235,7 +17254,7 @@
         <c:noMultiLvlLbl val="0"/>
       </c:catAx>
       <c:valAx>
-        <c:axId val="128280448"/>
+        <c:axId val="175843200"/>
         <c:scaling>
           <c:orientation val="minMax"/>
           <c:max val="0.5"/>
@@ -17247,13 +17266,14 @@
         <c:majorTickMark val="out"/>
         <c:minorTickMark val="none"/>
         <c:tickLblPos val="nextTo"/>
-        <c:crossAx val="128278912"/>
+        <c:crossAx val="175841664"/>
         <c:crosses val="autoZero"/>
         <c:crossBetween val="between"/>
       </c:valAx>
     </c:plotArea>
     <c:legend>
       <c:legendPos val="r"/>
+      <c:layout/>
       <c:overlay val="0"/>
     </c:legend>
     <c:plotVisOnly val="1"/>
@@ -17296,6 +17316,7 @@
           </a:p>
         </c:rich>
       </c:tx>
+      <c:layout/>
       <c:overlay val="0"/>
     </c:title>
     <c:autoTitleDeleted val="0"/>
@@ -17667,11 +17688,11 @@
           <c:showBubbleSize val="0"/>
         </c:dLbls>
         <c:gapWidth val="150"/>
-        <c:axId val="128315776"/>
-        <c:axId val="128317312"/>
+        <c:axId val="175866240"/>
+        <c:axId val="175867776"/>
       </c:barChart>
       <c:catAx>
-        <c:axId val="128315776"/>
+        <c:axId val="175866240"/>
         <c:scaling>
           <c:orientation val="minMax"/>
         </c:scaling>
@@ -17680,7 +17701,7 @@
         <c:majorTickMark val="out"/>
         <c:minorTickMark val="none"/>
         <c:tickLblPos val="nextTo"/>
-        <c:crossAx val="128317312"/>
+        <c:crossAx val="175867776"/>
         <c:crosses val="autoZero"/>
         <c:auto val="1"/>
         <c:lblAlgn val="ctr"/>
@@ -17688,7 +17709,7 @@
         <c:noMultiLvlLbl val="0"/>
       </c:catAx>
       <c:valAx>
-        <c:axId val="128317312"/>
+        <c:axId val="175867776"/>
         <c:scaling>
           <c:orientation val="minMax"/>
           <c:max val="0.5"/>
@@ -17700,13 +17721,14 @@
         <c:majorTickMark val="out"/>
         <c:minorTickMark val="none"/>
         <c:tickLblPos val="nextTo"/>
-        <c:crossAx val="128315776"/>
+        <c:crossAx val="175866240"/>
         <c:crosses val="autoZero"/>
         <c:crossBetween val="between"/>
       </c:valAx>
     </c:plotArea>
     <c:legend>
       <c:legendPos val="r"/>
+      <c:layout/>
       <c:overlay val="0"/>
     </c:legend>
     <c:plotVisOnly val="1"/>
@@ -18598,11 +18620,11 @@
         </c:dLbls>
         <c:marker val="1"/>
         <c:smooth val="0"/>
-        <c:axId val="116930432"/>
-        <c:axId val="116931968"/>
+        <c:axId val="166747136"/>
+        <c:axId val="166761216"/>
       </c:lineChart>
       <c:catAx>
-        <c:axId val="116930432"/>
+        <c:axId val="166747136"/>
         <c:scaling>
           <c:orientation val="minMax"/>
         </c:scaling>
@@ -18612,7 +18634,7 @@
         <c:majorTickMark val="out"/>
         <c:minorTickMark val="none"/>
         <c:tickLblPos val="nextTo"/>
-        <c:crossAx val="116931968"/>
+        <c:crossAx val="166761216"/>
         <c:crosses val="autoZero"/>
         <c:auto val="1"/>
         <c:lblAlgn val="ctr"/>
@@ -18620,7 +18642,7 @@
         <c:noMultiLvlLbl val="0"/>
       </c:catAx>
       <c:valAx>
-        <c:axId val="116931968"/>
+        <c:axId val="166761216"/>
         <c:scaling>
           <c:orientation val="minMax"/>
           <c:max val="0.25"/>
@@ -18632,7 +18654,7 @@
         <c:majorTickMark val="out"/>
         <c:minorTickMark val="none"/>
         <c:tickLblPos val="nextTo"/>
-        <c:crossAx val="116930432"/>
+        <c:crossAx val="166747136"/>
         <c:crosses val="autoZero"/>
         <c:crossBetween val="between"/>
       </c:valAx>
@@ -18692,6 +18714,7 @@
           </a:p>
         </c:rich>
       </c:tx>
+      <c:layout/>
       <c:overlay val="0"/>
     </c:title>
     <c:autoTitleDeleted val="0"/>
@@ -19063,11 +19086,11 @@
           <c:showBubbleSize val="0"/>
         </c:dLbls>
         <c:gapWidth val="150"/>
-        <c:axId val="128913792"/>
-        <c:axId val="128915328"/>
+        <c:axId val="175972736"/>
+        <c:axId val="175974272"/>
       </c:barChart>
       <c:catAx>
-        <c:axId val="128913792"/>
+        <c:axId val="175972736"/>
         <c:scaling>
           <c:orientation val="minMax"/>
         </c:scaling>
@@ -19076,7 +19099,7 @@
         <c:majorTickMark val="out"/>
         <c:minorTickMark val="none"/>
         <c:tickLblPos val="nextTo"/>
-        <c:crossAx val="128915328"/>
+        <c:crossAx val="175974272"/>
         <c:crosses val="autoZero"/>
         <c:auto val="1"/>
         <c:lblAlgn val="ctr"/>
@@ -19084,7 +19107,7 @@
         <c:noMultiLvlLbl val="0"/>
       </c:catAx>
       <c:valAx>
-        <c:axId val="128915328"/>
+        <c:axId val="175974272"/>
         <c:scaling>
           <c:orientation val="minMax"/>
         </c:scaling>
@@ -19095,13 +19118,14 @@
         <c:majorTickMark val="out"/>
         <c:minorTickMark val="none"/>
         <c:tickLblPos val="nextTo"/>
-        <c:crossAx val="128913792"/>
+        <c:crossAx val="175972736"/>
         <c:crosses val="autoZero"/>
         <c:crossBetween val="between"/>
       </c:valAx>
     </c:plotArea>
     <c:legend>
       <c:legendPos val="r"/>
+      <c:layout/>
       <c:overlay val="0"/>
     </c:legend>
     <c:plotVisOnly val="1"/>
@@ -19144,6 +19168,7 @@
           </a:p>
         </c:rich>
       </c:tx>
+      <c:layout/>
       <c:overlay val="0"/>
     </c:title>
     <c:autoTitleDeleted val="0"/>
@@ -19515,11 +19540,11 @@
           <c:showBubbleSize val="0"/>
         </c:dLbls>
         <c:gapWidth val="150"/>
-        <c:axId val="128958848"/>
-        <c:axId val="128960384"/>
+        <c:axId val="176030080"/>
+        <c:axId val="176031616"/>
       </c:barChart>
       <c:catAx>
-        <c:axId val="128958848"/>
+        <c:axId val="176030080"/>
         <c:scaling>
           <c:orientation val="minMax"/>
         </c:scaling>
@@ -19528,7 +19553,7 @@
         <c:majorTickMark val="out"/>
         <c:minorTickMark val="none"/>
         <c:tickLblPos val="nextTo"/>
-        <c:crossAx val="128960384"/>
+        <c:crossAx val="176031616"/>
         <c:crosses val="autoZero"/>
         <c:auto val="1"/>
         <c:lblAlgn val="ctr"/>
@@ -19536,7 +19561,7 @@
         <c:noMultiLvlLbl val="0"/>
       </c:catAx>
       <c:valAx>
-        <c:axId val="128960384"/>
+        <c:axId val="176031616"/>
         <c:scaling>
           <c:orientation val="minMax"/>
         </c:scaling>
@@ -19547,13 +19572,14 @@
         <c:majorTickMark val="out"/>
         <c:minorTickMark val="none"/>
         <c:tickLblPos val="nextTo"/>
-        <c:crossAx val="128958848"/>
+        <c:crossAx val="176030080"/>
         <c:crosses val="autoZero"/>
         <c:crossBetween val="between"/>
       </c:valAx>
     </c:plotArea>
     <c:legend>
       <c:legendPos val="r"/>
+      <c:layout/>
       <c:overlay val="0"/>
     </c:legend>
     <c:plotVisOnly val="1"/>
@@ -19853,11 +19879,11 @@
           <c:showBubbleSize val="0"/>
         </c:dLbls>
         <c:gapWidth val="150"/>
-        <c:axId val="128992384"/>
-        <c:axId val="128993920"/>
+        <c:axId val="176051328"/>
+        <c:axId val="176052864"/>
       </c:barChart>
       <c:catAx>
-        <c:axId val="128992384"/>
+        <c:axId val="176051328"/>
         <c:scaling>
           <c:orientation val="minMax"/>
         </c:scaling>
@@ -19866,7 +19892,7 @@
         <c:majorTickMark val="out"/>
         <c:minorTickMark val="none"/>
         <c:tickLblPos val="nextTo"/>
-        <c:crossAx val="128993920"/>
+        <c:crossAx val="176052864"/>
         <c:crosses val="autoZero"/>
         <c:auto val="1"/>
         <c:lblAlgn val="ctr"/>
@@ -19874,7 +19900,7 @@
         <c:noMultiLvlLbl val="0"/>
       </c:catAx>
       <c:valAx>
-        <c:axId val="128993920"/>
+        <c:axId val="176052864"/>
         <c:scaling>
           <c:orientation val="minMax"/>
           <c:max val="1"/>
@@ -19886,13 +19912,14 @@
         <c:majorTickMark val="out"/>
         <c:minorTickMark val="none"/>
         <c:tickLblPos val="nextTo"/>
-        <c:crossAx val="128992384"/>
+        <c:crossAx val="176051328"/>
         <c:crosses val="autoZero"/>
         <c:crossBetween val="between"/>
       </c:valAx>
     </c:plotArea>
     <c:legend>
       <c:legendPos val="r"/>
+      <c:layout/>
       <c:overlay val="0"/>
     </c:legend>
     <c:plotVisOnly val="1"/>
@@ -19935,6 +19962,7 @@
           </a:p>
         </c:rich>
       </c:tx>
+      <c:layout/>
       <c:overlay val="0"/>
     </c:title>
     <c:autoTitleDeleted val="0"/>
@@ -20162,11 +20190,11 @@
           <c:showBubbleSize val="0"/>
         </c:dLbls>
         <c:gapWidth val="150"/>
-        <c:axId val="129033728"/>
-        <c:axId val="129035264"/>
+        <c:axId val="176104960"/>
+        <c:axId val="176106496"/>
       </c:barChart>
       <c:catAx>
-        <c:axId val="129033728"/>
+        <c:axId val="176104960"/>
         <c:scaling>
           <c:orientation val="minMax"/>
         </c:scaling>
@@ -20175,7 +20203,7 @@
         <c:majorTickMark val="out"/>
         <c:minorTickMark val="none"/>
         <c:tickLblPos val="nextTo"/>
-        <c:crossAx val="129035264"/>
+        <c:crossAx val="176106496"/>
         <c:crosses val="autoZero"/>
         <c:auto val="1"/>
         <c:lblAlgn val="ctr"/>
@@ -20183,7 +20211,7 @@
         <c:noMultiLvlLbl val="0"/>
       </c:catAx>
       <c:valAx>
-        <c:axId val="129035264"/>
+        <c:axId val="176106496"/>
         <c:scaling>
           <c:orientation val="minMax"/>
         </c:scaling>
@@ -20194,13 +20222,14 @@
         <c:majorTickMark val="out"/>
         <c:minorTickMark val="none"/>
         <c:tickLblPos val="nextTo"/>
-        <c:crossAx val="129033728"/>
+        <c:crossAx val="176104960"/>
         <c:crosses val="autoZero"/>
         <c:crossBetween val="between"/>
       </c:valAx>
     </c:plotArea>
     <c:legend>
       <c:legendPos val="r"/>
+      <c:layout/>
       <c:overlay val="0"/>
     </c:legend>
     <c:plotVisOnly val="1"/>
@@ -20243,6 +20272,7 @@
           </a:p>
         </c:rich>
       </c:tx>
+      <c:layout/>
       <c:overlay val="0"/>
     </c:title>
     <c:autoTitleDeleted val="0"/>
@@ -20494,11 +20524,11 @@
           <c:showBubbleSize val="0"/>
         </c:dLbls>
         <c:gapWidth val="150"/>
-        <c:axId val="129078784"/>
-        <c:axId val="129080320"/>
+        <c:axId val="176145920"/>
+        <c:axId val="176147456"/>
       </c:barChart>
       <c:catAx>
-        <c:axId val="129078784"/>
+        <c:axId val="176145920"/>
         <c:scaling>
           <c:orientation val="minMax"/>
         </c:scaling>
@@ -20507,7 +20537,7 @@
         <c:majorTickMark val="out"/>
         <c:minorTickMark val="none"/>
         <c:tickLblPos val="nextTo"/>
-        <c:crossAx val="129080320"/>
+        <c:crossAx val="176147456"/>
         <c:crosses val="autoZero"/>
         <c:auto val="1"/>
         <c:lblAlgn val="ctr"/>
@@ -20515,7 +20545,7 @@
         <c:noMultiLvlLbl val="0"/>
       </c:catAx>
       <c:valAx>
-        <c:axId val="129080320"/>
+        <c:axId val="176147456"/>
         <c:scaling>
           <c:orientation val="minMax"/>
         </c:scaling>
@@ -20526,13 +20556,14 @@
         <c:majorTickMark val="out"/>
         <c:minorTickMark val="none"/>
         <c:tickLblPos val="nextTo"/>
-        <c:crossAx val="129078784"/>
+        <c:crossAx val="176145920"/>
         <c:crosses val="autoZero"/>
         <c:crossBetween val="between"/>
       </c:valAx>
     </c:plotArea>
     <c:legend>
       <c:legendPos val="r"/>
+      <c:layout/>
       <c:overlay val="0"/>
     </c:legend>
     <c:plotVisOnly val="1"/>
@@ -20575,6 +20606,7 @@
           </a:p>
         </c:rich>
       </c:tx>
+      <c:layout/>
       <c:overlay val="0"/>
     </c:title>
     <c:autoTitleDeleted val="0"/>
@@ -20826,11 +20858,11 @@
           <c:showBubbleSize val="0"/>
         </c:dLbls>
         <c:gapWidth val="150"/>
-        <c:axId val="129115648"/>
-        <c:axId val="129117184"/>
+        <c:axId val="176215552"/>
+        <c:axId val="176217088"/>
       </c:barChart>
       <c:catAx>
-        <c:axId val="129115648"/>
+        <c:axId val="176215552"/>
         <c:scaling>
           <c:orientation val="minMax"/>
         </c:scaling>
@@ -20839,7 +20871,7 @@
         <c:majorTickMark val="out"/>
         <c:minorTickMark val="none"/>
         <c:tickLblPos val="nextTo"/>
-        <c:crossAx val="129117184"/>
+        <c:crossAx val="176217088"/>
         <c:crosses val="autoZero"/>
         <c:auto val="1"/>
         <c:lblAlgn val="ctr"/>
@@ -20847,7 +20879,7 @@
         <c:noMultiLvlLbl val="0"/>
       </c:catAx>
       <c:valAx>
-        <c:axId val="129117184"/>
+        <c:axId val="176217088"/>
         <c:scaling>
           <c:orientation val="minMax"/>
         </c:scaling>
@@ -20858,13 +20890,14 @@
         <c:majorTickMark val="out"/>
         <c:minorTickMark val="none"/>
         <c:tickLblPos val="nextTo"/>
-        <c:crossAx val="129115648"/>
+        <c:crossAx val="176215552"/>
         <c:crosses val="autoZero"/>
         <c:crossBetween val="between"/>
       </c:valAx>
     </c:plotArea>
     <c:legend>
       <c:legendPos val="r"/>
+      <c:layout/>
       <c:overlay val="0"/>
     </c:legend>
     <c:plotVisOnly val="1"/>
@@ -20907,6 +20940,7 @@
           </a:p>
         </c:rich>
       </c:tx>
+      <c:layout/>
       <c:overlay val="0"/>
     </c:title>
     <c:autoTitleDeleted val="0"/>
@@ -21158,11 +21192,11 @@
           <c:showBubbleSize val="0"/>
         </c:dLbls>
         <c:gapWidth val="150"/>
-        <c:axId val="129140224"/>
-        <c:axId val="129141760"/>
+        <c:axId val="176244224"/>
+        <c:axId val="176245760"/>
       </c:barChart>
       <c:catAx>
-        <c:axId val="129140224"/>
+        <c:axId val="176244224"/>
         <c:scaling>
           <c:orientation val="minMax"/>
         </c:scaling>
@@ -21171,7 +21205,7 @@
         <c:majorTickMark val="out"/>
         <c:minorTickMark val="none"/>
         <c:tickLblPos val="nextTo"/>
-        <c:crossAx val="129141760"/>
+        <c:crossAx val="176245760"/>
         <c:crosses val="autoZero"/>
         <c:auto val="1"/>
         <c:lblAlgn val="ctr"/>
@@ -21179,7 +21213,7 @@
         <c:noMultiLvlLbl val="0"/>
       </c:catAx>
       <c:valAx>
-        <c:axId val="129141760"/>
+        <c:axId val="176245760"/>
         <c:scaling>
           <c:orientation val="minMax"/>
         </c:scaling>
@@ -21190,13 +21224,14 @@
         <c:majorTickMark val="out"/>
         <c:minorTickMark val="none"/>
         <c:tickLblPos val="nextTo"/>
-        <c:crossAx val="129140224"/>
+        <c:crossAx val="176244224"/>
         <c:crosses val="autoZero"/>
         <c:crossBetween val="between"/>
       </c:valAx>
     </c:plotArea>
     <c:legend>
       <c:legendPos val="r"/>
+      <c:layout/>
       <c:overlay val="0"/>
     </c:legend>
     <c:plotVisOnly val="1"/>
@@ -21242,6 +21277,7 @@
           </a:p>
         </c:rich>
       </c:tx>
+      <c:layout/>
       <c:overlay val="0"/>
     </c:title>
     <c:autoTitleDeleted val="0"/>
@@ -21905,11 +21941,11 @@
           <c:showBubbleSize val="0"/>
         </c:dLbls>
         <c:gapWidth val="150"/>
-        <c:axId val="129181184"/>
-        <c:axId val="129182720"/>
+        <c:axId val="159847936"/>
+        <c:axId val="159849472"/>
       </c:barChart>
       <c:catAx>
-        <c:axId val="129181184"/>
+        <c:axId val="159847936"/>
         <c:scaling>
           <c:orientation val="minMax"/>
         </c:scaling>
@@ -21919,7 +21955,7 @@
         <c:majorTickMark val="none"/>
         <c:minorTickMark val="none"/>
         <c:tickLblPos val="nextTo"/>
-        <c:crossAx val="129182720"/>
+        <c:crossAx val="159849472"/>
         <c:crosses val="autoZero"/>
         <c:auto val="1"/>
         <c:lblAlgn val="ctr"/>
@@ -21927,7 +21963,7 @@
         <c:noMultiLvlLbl val="0"/>
       </c:catAx>
       <c:valAx>
-        <c:axId val="129182720"/>
+        <c:axId val="159849472"/>
         <c:scaling>
           <c:orientation val="minMax"/>
           <c:max val="1"/>
@@ -21939,13 +21975,14 @@
         <c:majorTickMark val="none"/>
         <c:minorTickMark val="none"/>
         <c:tickLblPos val="nextTo"/>
-        <c:crossAx val="129181184"/>
+        <c:crossAx val="159847936"/>
         <c:crosses val="autoZero"/>
         <c:crossBetween val="between"/>
       </c:valAx>
     </c:plotArea>
     <c:legend>
       <c:legendPos val="r"/>
+      <c:layout/>
       <c:overlay val="0"/>
     </c:legend>
     <c:plotVisOnly val="1"/>
@@ -21990,6 +22027,7 @@
           </a:p>
         </c:rich>
       </c:tx>
+      <c:layout/>
       <c:overlay val="0"/>
     </c:title>
     <c:autoTitleDeleted val="0"/>
@@ -22653,11 +22691,11 @@
           <c:showBubbleSize val="0"/>
         </c:dLbls>
         <c:gapWidth val="150"/>
-        <c:axId val="129226240"/>
-        <c:axId val="129227776"/>
+        <c:axId val="159892992"/>
+        <c:axId val="159894528"/>
       </c:barChart>
       <c:catAx>
-        <c:axId val="129226240"/>
+        <c:axId val="159892992"/>
         <c:scaling>
           <c:orientation val="minMax"/>
         </c:scaling>
@@ -22667,7 +22705,7 @@
         <c:majorTickMark val="none"/>
         <c:minorTickMark val="none"/>
         <c:tickLblPos val="nextTo"/>
-        <c:crossAx val="129227776"/>
+        <c:crossAx val="159894528"/>
         <c:crosses val="autoZero"/>
         <c:auto val="1"/>
         <c:lblAlgn val="ctr"/>
@@ -22675,7 +22713,7 @@
         <c:noMultiLvlLbl val="0"/>
       </c:catAx>
       <c:valAx>
-        <c:axId val="129227776"/>
+        <c:axId val="159894528"/>
         <c:scaling>
           <c:orientation val="minMax"/>
           <c:max val="1"/>
@@ -22687,13 +22725,14 @@
         <c:majorTickMark val="none"/>
         <c:minorTickMark val="none"/>
         <c:tickLblPos val="nextTo"/>
-        <c:crossAx val="129226240"/>
+        <c:crossAx val="159892992"/>
         <c:crosses val="autoZero"/>
         <c:crossBetween val="between"/>
       </c:valAx>
     </c:plotArea>
     <c:legend>
       <c:legendPos val="r"/>
+      <c:layout/>
       <c:overlay val="0"/>
     </c:legend>
     <c:plotVisOnly val="1"/>
@@ -22739,6 +22778,7 @@
           </a:p>
         </c:rich>
       </c:tx>
+      <c:layout/>
       <c:overlay val="0"/>
     </c:title>
     <c:autoTitleDeleted val="0"/>
@@ -23402,11 +23442,11 @@
           <c:showBubbleSize val="0"/>
         </c:dLbls>
         <c:gapWidth val="150"/>
-        <c:axId val="129271296"/>
-        <c:axId val="129272832"/>
+        <c:axId val="159925760"/>
+        <c:axId val="159927296"/>
       </c:barChart>
       <c:catAx>
-        <c:axId val="129271296"/>
+        <c:axId val="159925760"/>
         <c:scaling>
           <c:orientation val="minMax"/>
         </c:scaling>
@@ -23416,7 +23456,7 @@
         <c:majorTickMark val="none"/>
         <c:minorTickMark val="none"/>
         <c:tickLblPos val="nextTo"/>
-        <c:crossAx val="129272832"/>
+        <c:crossAx val="159927296"/>
         <c:crosses val="autoZero"/>
         <c:auto val="1"/>
         <c:lblAlgn val="ctr"/>
@@ -23424,7 +23464,7 @@
         <c:noMultiLvlLbl val="0"/>
       </c:catAx>
       <c:valAx>
-        <c:axId val="129272832"/>
+        <c:axId val="159927296"/>
         <c:scaling>
           <c:orientation val="minMax"/>
           <c:max val="1"/>
@@ -23436,13 +23476,14 @@
         <c:majorTickMark val="none"/>
         <c:minorTickMark val="none"/>
         <c:tickLblPos val="nextTo"/>
-        <c:crossAx val="129271296"/>
+        <c:crossAx val="159925760"/>
         <c:crosses val="autoZero"/>
         <c:crossBetween val="between"/>
       </c:valAx>
     </c:plotArea>
     <c:legend>
       <c:legendPos val="r"/>
+      <c:layout/>
       <c:overlay val="0"/>
     </c:legend>
     <c:plotVisOnly val="1"/>
@@ -24334,11 +24375,11 @@
         </c:dLbls>
         <c:marker val="1"/>
         <c:smooth val="0"/>
-        <c:axId val="116964352"/>
-        <c:axId val="116966144"/>
+        <c:axId val="166797696"/>
+        <c:axId val="166799232"/>
       </c:lineChart>
       <c:catAx>
-        <c:axId val="116964352"/>
+        <c:axId val="166797696"/>
         <c:scaling>
           <c:orientation val="minMax"/>
         </c:scaling>
@@ -24348,7 +24389,7 @@
         <c:majorTickMark val="out"/>
         <c:minorTickMark val="none"/>
         <c:tickLblPos val="nextTo"/>
-        <c:crossAx val="116966144"/>
+        <c:crossAx val="166799232"/>
         <c:crosses val="autoZero"/>
         <c:auto val="1"/>
         <c:lblAlgn val="ctr"/>
@@ -24356,7 +24397,7 @@
         <c:noMultiLvlLbl val="0"/>
       </c:catAx>
       <c:valAx>
-        <c:axId val="116966144"/>
+        <c:axId val="166799232"/>
         <c:scaling>
           <c:orientation val="minMax"/>
         </c:scaling>
@@ -24367,7 +24408,7 @@
         <c:majorTickMark val="out"/>
         <c:minorTickMark val="none"/>
         <c:tickLblPos val="nextTo"/>
-        <c:crossAx val="116964352"/>
+        <c:crossAx val="166797696"/>
         <c:crosses val="autoZero"/>
         <c:crossBetween val="between"/>
       </c:valAx>
@@ -24430,6 +24471,7 @@
           </a:p>
         </c:rich>
       </c:tx>
+      <c:layout/>
       <c:overlay val="0"/>
     </c:title>
     <c:autoTitleDeleted val="0"/>
@@ -25093,11 +25135,11 @@
           <c:showBubbleSize val="0"/>
         </c:dLbls>
         <c:gapWidth val="150"/>
-        <c:axId val="128726528"/>
-        <c:axId val="128728064"/>
+        <c:axId val="159962624"/>
+        <c:axId val="159964160"/>
       </c:barChart>
       <c:catAx>
-        <c:axId val="128726528"/>
+        <c:axId val="159962624"/>
         <c:scaling>
           <c:orientation val="minMax"/>
         </c:scaling>
@@ -25107,7 +25149,7 @@
         <c:majorTickMark val="none"/>
         <c:minorTickMark val="none"/>
         <c:tickLblPos val="nextTo"/>
-        <c:crossAx val="128728064"/>
+        <c:crossAx val="159964160"/>
         <c:crosses val="autoZero"/>
         <c:auto val="1"/>
         <c:lblAlgn val="ctr"/>
@@ -25115,7 +25157,7 @@
         <c:noMultiLvlLbl val="0"/>
       </c:catAx>
       <c:valAx>
-        <c:axId val="128728064"/>
+        <c:axId val="159964160"/>
         <c:scaling>
           <c:orientation val="minMax"/>
         </c:scaling>
@@ -25126,13 +25168,14 @@
         <c:majorTickMark val="none"/>
         <c:minorTickMark val="none"/>
         <c:tickLblPos val="nextTo"/>
-        <c:crossAx val="128726528"/>
+        <c:crossAx val="159962624"/>
         <c:crosses val="autoZero"/>
         <c:crossBetween val="between"/>
       </c:valAx>
     </c:plotArea>
     <c:legend>
       <c:legendPos val="r"/>
+      <c:layout/>
       <c:overlay val="0"/>
     </c:legend>
     <c:plotVisOnly val="1"/>
@@ -25528,11 +25571,11 @@
           <c:showBubbleSize val="0"/>
         </c:dLbls>
         <c:gapWidth val="150"/>
-        <c:axId val="128760832"/>
-        <c:axId val="128766720"/>
+        <c:axId val="160132096"/>
+        <c:axId val="160137984"/>
       </c:barChart>
       <c:catAx>
-        <c:axId val="128760832"/>
+        <c:axId val="160132096"/>
         <c:scaling>
           <c:orientation val="minMax"/>
         </c:scaling>
@@ -25541,7 +25584,7 @@
         <c:majorTickMark val="out"/>
         <c:minorTickMark val="none"/>
         <c:tickLblPos val="nextTo"/>
-        <c:crossAx val="128766720"/>
+        <c:crossAx val="160137984"/>
         <c:crosses val="autoZero"/>
         <c:auto val="1"/>
         <c:lblAlgn val="ctr"/>
@@ -25549,7 +25592,7 @@
         <c:noMultiLvlLbl val="0"/>
       </c:catAx>
       <c:valAx>
-        <c:axId val="128766720"/>
+        <c:axId val="160137984"/>
         <c:scaling>
           <c:orientation val="minMax"/>
           <c:max val="1"/>
@@ -25561,13 +25604,14 @@
         <c:majorTickMark val="out"/>
         <c:minorTickMark val="none"/>
         <c:tickLblPos val="nextTo"/>
-        <c:crossAx val="128760832"/>
+        <c:crossAx val="160132096"/>
         <c:crosses val="autoZero"/>
         <c:crossBetween val="between"/>
       </c:valAx>
     </c:plotArea>
     <c:legend>
       <c:legendPos val="r"/>
+      <c:layout/>
       <c:overlay val="0"/>
     </c:legend>
     <c:plotVisOnly val="1"/>
@@ -26255,11 +26299,11 @@
           <c:showBubbleSize val="0"/>
         </c:dLbls>
         <c:gapWidth val="150"/>
-        <c:axId val="108731008"/>
-        <c:axId val="127623552"/>
+        <c:axId val="160238208"/>
+        <c:axId val="160244096"/>
       </c:barChart>
       <c:catAx>
-        <c:axId val="108731008"/>
+        <c:axId val="160238208"/>
         <c:scaling>
           <c:orientation val="minMax"/>
         </c:scaling>
@@ -26269,7 +26313,7 @@
         <c:majorTickMark val="out"/>
         <c:minorTickMark val="none"/>
         <c:tickLblPos val="nextTo"/>
-        <c:crossAx val="127623552"/>
+        <c:crossAx val="160244096"/>
         <c:crosses val="autoZero"/>
         <c:auto val="1"/>
         <c:lblAlgn val="ctr"/>
@@ -26277,7 +26321,7 @@
         <c:noMultiLvlLbl val="0"/>
       </c:catAx>
       <c:valAx>
-        <c:axId val="127623552"/>
+        <c:axId val="160244096"/>
         <c:scaling>
           <c:orientation val="minMax"/>
           <c:max val="1"/>
@@ -26289,13 +26333,14 @@
         <c:majorTickMark val="out"/>
         <c:minorTickMark val="none"/>
         <c:tickLblPos val="nextTo"/>
-        <c:crossAx val="108731008"/>
+        <c:crossAx val="160238208"/>
         <c:crosses val="autoZero"/>
         <c:crossBetween val="between"/>
       </c:valAx>
     </c:plotArea>
     <c:legend>
       <c:legendPos val="r"/>
+      <c:layout/>
       <c:overlay val="0"/>
     </c:legend>
     <c:plotVisOnly val="1"/>
@@ -26595,11 +26640,11 @@
           <c:showBubbleSize val="0"/>
         </c:dLbls>
         <c:gapWidth val="150"/>
-        <c:axId val="128225280"/>
-        <c:axId val="128226816"/>
+        <c:axId val="160284672"/>
+        <c:axId val="160286208"/>
       </c:barChart>
       <c:catAx>
-        <c:axId val="128225280"/>
+        <c:axId val="160284672"/>
         <c:scaling>
           <c:orientation val="minMax"/>
         </c:scaling>
@@ -26608,7 +26653,7 @@
         <c:majorTickMark val="out"/>
         <c:minorTickMark val="none"/>
         <c:tickLblPos val="nextTo"/>
-        <c:crossAx val="128226816"/>
+        <c:crossAx val="160286208"/>
         <c:crosses val="autoZero"/>
         <c:auto val="1"/>
         <c:lblAlgn val="ctr"/>
@@ -26616,7 +26661,7 @@
         <c:noMultiLvlLbl val="0"/>
       </c:catAx>
       <c:valAx>
-        <c:axId val="128226816"/>
+        <c:axId val="160286208"/>
         <c:scaling>
           <c:orientation val="minMax"/>
           <c:max val="1"/>
@@ -26628,7 +26673,7 @@
         <c:majorTickMark val="out"/>
         <c:minorTickMark val="none"/>
         <c:tickLblPos val="nextTo"/>
-        <c:crossAx val="128225280"/>
+        <c:crossAx val="160284672"/>
         <c:crosses val="autoZero"/>
         <c:crossBetween val="between"/>
       </c:valAx>
@@ -27347,11 +27392,11 @@
           <c:showBubbleSize val="0"/>
         </c:dLbls>
         <c:gapWidth val="150"/>
-        <c:axId val="128822656"/>
-        <c:axId val="128832640"/>
+        <c:axId val="160456064"/>
+        <c:axId val="160461952"/>
       </c:barChart>
       <c:catAx>
-        <c:axId val="128822656"/>
+        <c:axId val="160456064"/>
         <c:scaling>
           <c:orientation val="minMax"/>
         </c:scaling>
@@ -27361,7 +27406,7 @@
         <c:majorTickMark val="none"/>
         <c:minorTickMark val="none"/>
         <c:tickLblPos val="nextTo"/>
-        <c:crossAx val="128832640"/>
+        <c:crossAx val="160461952"/>
         <c:crosses val="autoZero"/>
         <c:auto val="1"/>
         <c:lblAlgn val="ctr"/>
@@ -27369,7 +27414,7 @@
         <c:noMultiLvlLbl val="0"/>
       </c:catAx>
       <c:valAx>
-        <c:axId val="128832640"/>
+        <c:axId val="160461952"/>
         <c:scaling>
           <c:orientation val="minMax"/>
           <c:max val="1"/>
@@ -27381,7 +27426,7 @@
         <c:majorTickMark val="none"/>
         <c:minorTickMark val="none"/>
         <c:tickLblPos val="nextTo"/>
-        <c:crossAx val="128822656"/>
+        <c:crossAx val="160456064"/>
         <c:crosses val="autoZero"/>
         <c:crossBetween val="between"/>
       </c:valAx>
@@ -28100,11 +28145,11 @@
           <c:showBubbleSize val="0"/>
         </c:dLbls>
         <c:gapWidth val="150"/>
-        <c:axId val="128847232"/>
-        <c:axId val="128853120"/>
+        <c:axId val="160501120"/>
+        <c:axId val="160502912"/>
       </c:barChart>
       <c:catAx>
-        <c:axId val="128847232"/>
+        <c:axId val="160501120"/>
         <c:scaling>
           <c:orientation val="minMax"/>
         </c:scaling>
@@ -28114,7 +28159,7 @@
         <c:majorTickMark val="none"/>
         <c:minorTickMark val="none"/>
         <c:tickLblPos val="nextTo"/>
-        <c:crossAx val="128853120"/>
+        <c:crossAx val="160502912"/>
         <c:crosses val="autoZero"/>
         <c:auto val="1"/>
         <c:lblAlgn val="ctr"/>
@@ -28122,7 +28167,7 @@
         <c:noMultiLvlLbl val="0"/>
       </c:catAx>
       <c:valAx>
-        <c:axId val="128853120"/>
+        <c:axId val="160502912"/>
         <c:scaling>
           <c:orientation val="minMax"/>
           <c:max val="1"/>
@@ -28134,7 +28179,7 @@
         <c:majorTickMark val="none"/>
         <c:minorTickMark val="none"/>
         <c:tickLblPos val="nextTo"/>
-        <c:crossAx val="128847232"/>
+        <c:crossAx val="160501120"/>
         <c:crosses val="autoZero"/>
         <c:crossBetween val="between"/>
       </c:valAx>
@@ -28853,11 +28898,11 @@
           <c:showBubbleSize val="0"/>
         </c:dLbls>
         <c:gapWidth val="150"/>
-        <c:axId val="128896384"/>
-        <c:axId val="129565824"/>
+        <c:axId val="160533888"/>
+        <c:axId val="160543872"/>
       </c:barChart>
       <c:catAx>
-        <c:axId val="128896384"/>
+        <c:axId val="160533888"/>
         <c:scaling>
           <c:orientation val="minMax"/>
         </c:scaling>
@@ -28867,7 +28912,7 @@
         <c:majorTickMark val="none"/>
         <c:minorTickMark val="none"/>
         <c:tickLblPos val="nextTo"/>
-        <c:crossAx val="129565824"/>
+        <c:crossAx val="160543872"/>
         <c:crosses val="autoZero"/>
         <c:auto val="1"/>
         <c:lblAlgn val="ctr"/>
@@ -28875,7 +28920,7 @@
         <c:noMultiLvlLbl val="0"/>
       </c:catAx>
       <c:valAx>
-        <c:axId val="129565824"/>
+        <c:axId val="160543872"/>
         <c:scaling>
           <c:orientation val="minMax"/>
           <c:max val="1"/>
@@ -28887,7 +28932,7 @@
         <c:majorTickMark val="none"/>
         <c:minorTickMark val="none"/>
         <c:tickLblPos val="nextTo"/>
-        <c:crossAx val="128896384"/>
+        <c:crossAx val="160533888"/>
         <c:crosses val="autoZero"/>
         <c:crossBetween val="between"/>
       </c:valAx>
@@ -29606,11 +29651,11 @@
           <c:showBubbleSize val="0"/>
         </c:dLbls>
         <c:gapWidth val="150"/>
-        <c:axId val="82173312"/>
-        <c:axId val="82175104"/>
+        <c:axId val="164572544"/>
+        <c:axId val="164578432"/>
       </c:barChart>
       <c:catAx>
-        <c:axId val="82173312"/>
+        <c:axId val="164572544"/>
         <c:scaling>
           <c:orientation val="minMax"/>
         </c:scaling>
@@ -29620,7 +29665,7 @@
         <c:majorTickMark val="none"/>
         <c:minorTickMark val="none"/>
         <c:tickLblPos val="nextTo"/>
-        <c:crossAx val="82175104"/>
+        <c:crossAx val="164578432"/>
         <c:crosses val="autoZero"/>
         <c:auto val="1"/>
         <c:lblAlgn val="ctr"/>
@@ -29628,7 +29673,7 @@
         <c:noMultiLvlLbl val="0"/>
       </c:catAx>
       <c:valAx>
-        <c:axId val="82175104"/>
+        <c:axId val="164578432"/>
         <c:scaling>
           <c:orientation val="minMax"/>
           <c:max val="1"/>
@@ -29640,7 +29685,7 @@
         <c:majorTickMark val="none"/>
         <c:minorTickMark val="none"/>
         <c:tickLblPos val="nextTo"/>
-        <c:crossAx val="82173312"/>
+        <c:crossAx val="164572544"/>
         <c:crosses val="autoZero"/>
         <c:crossBetween val="between"/>
       </c:valAx>
@@ -29888,11 +29933,11 @@
           <c:showBubbleSize val="0"/>
         </c:dLbls>
         <c:gapWidth val="150"/>
-        <c:axId val="129583360"/>
-        <c:axId val="129602688"/>
+        <c:axId val="164597120"/>
+        <c:axId val="164623488"/>
       </c:barChart>
       <c:catAx>
-        <c:axId val="129583360"/>
+        <c:axId val="164597120"/>
         <c:scaling>
           <c:orientation val="minMax"/>
         </c:scaling>
@@ -29901,7 +29946,7 @@
         <c:majorTickMark val="out"/>
         <c:minorTickMark val="none"/>
         <c:tickLblPos val="nextTo"/>
-        <c:crossAx val="129602688"/>
+        <c:crossAx val="164623488"/>
         <c:crosses val="autoZero"/>
         <c:auto val="1"/>
         <c:lblAlgn val="ctr"/>
@@ -29909,7 +29954,7 @@
         <c:noMultiLvlLbl val="0"/>
       </c:catAx>
       <c:valAx>
-        <c:axId val="129602688"/>
+        <c:axId val="164623488"/>
         <c:scaling>
           <c:orientation val="minMax"/>
           <c:max val="1"/>
@@ -29921,7 +29966,7 @@
         <c:majorTickMark val="out"/>
         <c:minorTickMark val="none"/>
         <c:tickLblPos val="nextTo"/>
-        <c:crossAx val="129583360"/>
+        <c:crossAx val="164597120"/>
         <c:crosses val="autoZero"/>
         <c:crossBetween val="between"/>
       </c:valAx>
@@ -30324,11 +30369,11 @@
           <c:showBubbleSize val="0"/>
         </c:dLbls>
         <c:gapWidth val="150"/>
-        <c:axId val="129700608"/>
-        <c:axId val="129702144"/>
+        <c:axId val="166351616"/>
+        <c:axId val="166353152"/>
       </c:barChart>
       <c:catAx>
-        <c:axId val="129700608"/>
+        <c:axId val="166351616"/>
         <c:scaling>
           <c:orientation val="minMax"/>
         </c:scaling>
@@ -30337,7 +30382,7 @@
         <c:majorTickMark val="out"/>
         <c:minorTickMark val="none"/>
         <c:tickLblPos val="nextTo"/>
-        <c:crossAx val="129702144"/>
+        <c:crossAx val="166353152"/>
         <c:crosses val="autoZero"/>
         <c:auto val="1"/>
         <c:lblAlgn val="ctr"/>
@@ -30345,7 +30390,7 @@
         <c:noMultiLvlLbl val="0"/>
       </c:catAx>
       <c:valAx>
-        <c:axId val="129702144"/>
+        <c:axId val="166353152"/>
         <c:scaling>
           <c:orientation val="minMax"/>
         </c:scaling>
@@ -30356,7 +30401,7 @@
         <c:majorTickMark val="out"/>
         <c:minorTickMark val="none"/>
         <c:tickLblPos val="nextTo"/>
-        <c:crossAx val="129700608"/>
+        <c:crossAx val="166351616"/>
         <c:crosses val="autoZero"/>
         <c:crossBetween val="between"/>
       </c:valAx>
@@ -31255,11 +31300,11 @@
         </c:dLbls>
         <c:marker val="1"/>
         <c:smooth val="0"/>
-        <c:axId val="116736384"/>
-        <c:axId val="116737920"/>
+        <c:axId val="166831616"/>
+        <c:axId val="166833152"/>
       </c:lineChart>
       <c:catAx>
-        <c:axId val="116736384"/>
+        <c:axId val="166831616"/>
         <c:scaling>
           <c:orientation val="minMax"/>
         </c:scaling>
@@ -31269,7 +31314,7 @@
         <c:majorTickMark val="out"/>
         <c:minorTickMark val="none"/>
         <c:tickLblPos val="nextTo"/>
-        <c:crossAx val="116737920"/>
+        <c:crossAx val="166833152"/>
         <c:crosses val="autoZero"/>
         <c:auto val="1"/>
         <c:lblAlgn val="ctr"/>
@@ -31277,7 +31322,7 @@
         <c:noMultiLvlLbl val="0"/>
       </c:catAx>
       <c:valAx>
-        <c:axId val="116737920"/>
+        <c:axId val="166833152"/>
         <c:scaling>
           <c:orientation val="minMax"/>
           <c:max val="0.25"/>
@@ -31289,7 +31334,7 @@
         <c:majorTickMark val="out"/>
         <c:minorTickMark val="none"/>
         <c:tickLblPos val="nextTo"/>
-        <c:crossAx val="116736384"/>
+        <c:crossAx val="166831616"/>
         <c:crosses val="autoZero"/>
         <c:crossBetween val="between"/>
       </c:valAx>
@@ -31592,11 +31637,11 @@
           <c:showBubbleSize val="0"/>
         </c:dLbls>
         <c:gapWidth val="150"/>
-        <c:axId val="129757952"/>
-        <c:axId val="129759488"/>
+        <c:axId val="166863616"/>
+        <c:axId val="166865152"/>
       </c:barChart>
       <c:catAx>
-        <c:axId val="129757952"/>
+        <c:axId val="166863616"/>
         <c:scaling>
           <c:orientation val="minMax"/>
         </c:scaling>
@@ -31605,7 +31650,7 @@
         <c:majorTickMark val="out"/>
         <c:minorTickMark val="none"/>
         <c:tickLblPos val="nextTo"/>
-        <c:crossAx val="129759488"/>
+        <c:crossAx val="166865152"/>
         <c:crosses val="autoZero"/>
         <c:auto val="1"/>
         <c:lblAlgn val="ctr"/>
@@ -31613,7 +31658,7 @@
         <c:noMultiLvlLbl val="0"/>
       </c:catAx>
       <c:valAx>
-        <c:axId val="129759488"/>
+        <c:axId val="166865152"/>
         <c:scaling>
           <c:orientation val="minMax"/>
         </c:scaling>
@@ -31624,7 +31669,7 @@
         <c:majorTickMark val="out"/>
         <c:minorTickMark val="none"/>
         <c:tickLblPos val="nextTo"/>
-        <c:crossAx val="129757952"/>
+        <c:crossAx val="166863616"/>
         <c:crosses val="autoZero"/>
         <c:crossBetween val="between"/>
       </c:valAx>
@@ -31736,11 +31781,11 @@
           <c:showBubbleSize val="0"/>
         </c:dLbls>
         <c:gapWidth val="150"/>
-        <c:axId val="129780736"/>
-        <c:axId val="129786624"/>
+        <c:axId val="166890496"/>
+        <c:axId val="166892288"/>
       </c:barChart>
       <c:catAx>
-        <c:axId val="129780736"/>
+        <c:axId val="166890496"/>
         <c:scaling>
           <c:orientation val="minMax"/>
         </c:scaling>
@@ -31749,7 +31794,7 @@
         <c:majorTickMark val="out"/>
         <c:minorTickMark val="none"/>
         <c:tickLblPos val="nextTo"/>
-        <c:crossAx val="129786624"/>
+        <c:crossAx val="166892288"/>
         <c:crosses val="autoZero"/>
         <c:auto val="1"/>
         <c:lblAlgn val="ctr"/>
@@ -31757,7 +31802,7 @@
         <c:noMultiLvlLbl val="0"/>
       </c:catAx>
       <c:valAx>
-        <c:axId val="129786624"/>
+        <c:axId val="166892288"/>
         <c:scaling>
           <c:orientation val="minMax"/>
         </c:scaling>
@@ -31768,7 +31813,7 @@
         <c:majorTickMark val="out"/>
         <c:minorTickMark val="none"/>
         <c:tickLblPos val="nextTo"/>
-        <c:crossAx val="129780736"/>
+        <c:crossAx val="166890496"/>
         <c:crosses val="autoZero"/>
         <c:crossBetween val="between"/>
       </c:valAx>
@@ -32075,11 +32120,11 @@
           <c:showBubbleSize val="0"/>
         </c:dLbls>
         <c:gapWidth val="150"/>
-        <c:axId val="129817216"/>
-        <c:axId val="129307008"/>
+        <c:axId val="166918784"/>
+        <c:axId val="166928768"/>
       </c:barChart>
       <c:catAx>
-        <c:axId val="129817216"/>
+        <c:axId val="166918784"/>
         <c:scaling>
           <c:orientation val="minMax"/>
         </c:scaling>
@@ -32088,7 +32133,7 @@
         <c:majorTickMark val="out"/>
         <c:minorTickMark val="none"/>
         <c:tickLblPos val="nextTo"/>
-        <c:crossAx val="129307008"/>
+        <c:crossAx val="166928768"/>
         <c:crosses val="autoZero"/>
         <c:auto val="1"/>
         <c:lblAlgn val="ctr"/>
@@ -32096,7 +32141,7 @@
         <c:noMultiLvlLbl val="0"/>
       </c:catAx>
       <c:valAx>
-        <c:axId val="129307008"/>
+        <c:axId val="166928768"/>
         <c:scaling>
           <c:orientation val="minMax"/>
           <c:max val="1"/>
@@ -32108,7 +32153,7 @@
         <c:majorTickMark val="out"/>
         <c:minorTickMark val="none"/>
         <c:tickLblPos val="nextTo"/>
-        <c:crossAx val="129817216"/>
+        <c:crossAx val="166918784"/>
         <c:crosses val="autoZero"/>
         <c:crossBetween val="between"/>
       </c:valAx>
@@ -32334,11 +32379,11 @@
           <c:showBubbleSize val="0"/>
         </c:dLbls>
         <c:gapWidth val="150"/>
-        <c:axId val="129315968"/>
-        <c:axId val="129317504"/>
+        <c:axId val="166954112"/>
+        <c:axId val="166955648"/>
       </c:barChart>
       <c:catAx>
-        <c:axId val="129315968"/>
+        <c:axId val="166954112"/>
         <c:scaling>
           <c:orientation val="minMax"/>
         </c:scaling>
@@ -32347,7 +32392,7 @@
         <c:majorTickMark val="out"/>
         <c:minorTickMark val="none"/>
         <c:tickLblPos val="nextTo"/>
-        <c:crossAx val="129317504"/>
+        <c:crossAx val="166955648"/>
         <c:crosses val="autoZero"/>
         <c:auto val="1"/>
         <c:lblAlgn val="ctr"/>
@@ -32355,7 +32400,7 @@
         <c:noMultiLvlLbl val="0"/>
       </c:catAx>
       <c:valAx>
-        <c:axId val="129317504"/>
+        <c:axId val="166955648"/>
         <c:scaling>
           <c:orientation val="minMax"/>
           <c:max val="1"/>
@@ -32367,7 +32412,7 @@
         <c:majorTickMark val="out"/>
         <c:minorTickMark val="none"/>
         <c:tickLblPos val="nextTo"/>
-        <c:crossAx val="129315968"/>
+        <c:crossAx val="166954112"/>
         <c:crosses val="autoZero"/>
         <c:crossBetween val="between"/>
       </c:valAx>
@@ -32588,11 +32633,11 @@
           <c:showBubbleSize val="0"/>
         </c:dLbls>
         <c:gapWidth val="150"/>
-        <c:axId val="129362176"/>
-        <c:axId val="129368064"/>
+        <c:axId val="166975744"/>
+        <c:axId val="166981632"/>
       </c:barChart>
       <c:catAx>
-        <c:axId val="129362176"/>
+        <c:axId val="166975744"/>
         <c:scaling>
           <c:orientation val="minMax"/>
         </c:scaling>
@@ -32601,7 +32646,7 @@
         <c:majorTickMark val="out"/>
         <c:minorTickMark val="none"/>
         <c:tickLblPos val="nextTo"/>
-        <c:crossAx val="129368064"/>
+        <c:crossAx val="166981632"/>
         <c:crosses val="autoZero"/>
         <c:auto val="1"/>
         <c:lblAlgn val="ctr"/>
@@ -32609,7 +32654,7 @@
         <c:noMultiLvlLbl val="0"/>
       </c:catAx>
       <c:valAx>
-        <c:axId val="129368064"/>
+        <c:axId val="166981632"/>
         <c:scaling>
           <c:orientation val="minMax"/>
           <c:max val="1"/>
@@ -32621,7 +32666,7 @@
         <c:majorTickMark val="out"/>
         <c:minorTickMark val="none"/>
         <c:tickLblPos val="nextTo"/>
-        <c:crossAx val="129362176"/>
+        <c:crossAx val="166975744"/>
         <c:crosses val="autoZero"/>
         <c:crossBetween val="between"/>
       </c:valAx>
@@ -32842,11 +32887,11 @@
           <c:showBubbleSize val="0"/>
         </c:dLbls>
         <c:gapWidth val="150"/>
-        <c:axId val="129375616"/>
-        <c:axId val="129377408"/>
+        <c:axId val="146935168"/>
+        <c:axId val="146961536"/>
       </c:barChart>
       <c:catAx>
-        <c:axId val="129375616"/>
+        <c:axId val="146935168"/>
         <c:scaling>
           <c:orientation val="minMax"/>
         </c:scaling>
@@ -32855,7 +32900,7 @@
         <c:majorTickMark val="out"/>
         <c:minorTickMark val="none"/>
         <c:tickLblPos val="nextTo"/>
-        <c:crossAx val="129377408"/>
+        <c:crossAx val="146961536"/>
         <c:crosses val="autoZero"/>
         <c:auto val="1"/>
         <c:lblAlgn val="ctr"/>
@@ -32863,7 +32908,7 @@
         <c:noMultiLvlLbl val="0"/>
       </c:catAx>
       <c:valAx>
-        <c:axId val="129377408"/>
+        <c:axId val="146961536"/>
         <c:scaling>
           <c:orientation val="minMax"/>
           <c:max val="1"/>
@@ -32875,7 +32920,7 @@
         <c:majorTickMark val="out"/>
         <c:minorTickMark val="none"/>
         <c:tickLblPos val="nextTo"/>
-        <c:crossAx val="129375616"/>
+        <c:crossAx val="146935168"/>
         <c:crosses val="autoZero"/>
         <c:crossBetween val="between"/>
       </c:valAx>
@@ -33096,11 +33141,11 @@
           <c:showBubbleSize val="0"/>
         </c:dLbls>
         <c:gapWidth val="150"/>
-        <c:axId val="129397504"/>
-        <c:axId val="129399040"/>
+        <c:axId val="146985728"/>
+        <c:axId val="146987264"/>
       </c:barChart>
       <c:catAx>
-        <c:axId val="129397504"/>
+        <c:axId val="146985728"/>
         <c:scaling>
           <c:orientation val="minMax"/>
         </c:scaling>
@@ -33109,7 +33154,7 @@
         <c:majorTickMark val="out"/>
         <c:minorTickMark val="none"/>
         <c:tickLblPos val="nextTo"/>
-        <c:crossAx val="129399040"/>
+        <c:crossAx val="146987264"/>
         <c:crosses val="autoZero"/>
         <c:auto val="1"/>
         <c:lblAlgn val="ctr"/>
@@ -33117,7 +33162,7 @@
         <c:noMultiLvlLbl val="0"/>
       </c:catAx>
       <c:valAx>
-        <c:axId val="129399040"/>
+        <c:axId val="146987264"/>
         <c:scaling>
           <c:orientation val="minMax"/>
           <c:max val="1"/>
@@ -33129,7 +33174,7 @@
         <c:majorTickMark val="out"/>
         <c:minorTickMark val="none"/>
         <c:tickLblPos val="nextTo"/>
-        <c:crossAx val="129397504"/>
+        <c:crossAx val="146985728"/>
         <c:crosses val="autoZero"/>
         <c:crossBetween val="between"/>
       </c:valAx>
@@ -33244,11 +33289,11 @@
           <c:showBubbleSize val="0"/>
         </c:dLbls>
         <c:gapWidth val="150"/>
-        <c:axId val="154075904"/>
-        <c:axId val="154078592"/>
+        <c:axId val="164301440"/>
+        <c:axId val="164315520"/>
       </c:barChart>
       <c:catAx>
-        <c:axId val="154075904"/>
+        <c:axId val="164301440"/>
         <c:scaling>
           <c:orientation val="minMax"/>
         </c:scaling>
@@ -33257,7 +33302,7 @@
         <c:majorTickMark val="out"/>
         <c:minorTickMark val="none"/>
         <c:tickLblPos val="nextTo"/>
-        <c:crossAx val="154078592"/>
+        <c:crossAx val="164315520"/>
         <c:crosses val="autoZero"/>
         <c:auto val="1"/>
         <c:lblAlgn val="ctr"/>
@@ -33265,7 +33310,7 @@
         <c:noMultiLvlLbl val="0"/>
       </c:catAx>
       <c:valAx>
-        <c:axId val="154078592"/>
+        <c:axId val="164315520"/>
         <c:scaling>
           <c:orientation val="minMax"/>
         </c:scaling>
@@ -33276,7 +33321,7 @@
         <c:majorTickMark val="out"/>
         <c:minorTickMark val="none"/>
         <c:tickLblPos val="nextTo"/>
-        <c:crossAx val="154075904"/>
+        <c:crossAx val="164301440"/>
         <c:crosses val="autoZero"/>
         <c:crossBetween val="between"/>
       </c:valAx>
@@ -33579,11 +33624,11 @@
           <c:showBubbleSize val="0"/>
         </c:dLbls>
         <c:gapWidth val="150"/>
-        <c:axId val="129537152"/>
-        <c:axId val="129538688"/>
+        <c:axId val="164353152"/>
+        <c:axId val="164354688"/>
       </c:barChart>
       <c:catAx>
-        <c:axId val="129537152"/>
+        <c:axId val="164353152"/>
         <c:scaling>
           <c:orientation val="minMax"/>
         </c:scaling>
@@ -33592,7 +33637,7 @@
         <c:majorTickMark val="out"/>
         <c:minorTickMark val="none"/>
         <c:tickLblPos val="nextTo"/>
-        <c:crossAx val="129538688"/>
+        <c:crossAx val="164354688"/>
         <c:crosses val="autoZero"/>
         <c:auto val="1"/>
         <c:lblAlgn val="ctr"/>
@@ -33600,7 +33645,7 @@
         <c:noMultiLvlLbl val="0"/>
       </c:catAx>
       <c:valAx>
-        <c:axId val="129538688"/>
+        <c:axId val="164354688"/>
         <c:scaling>
           <c:orientation val="minMax"/>
         </c:scaling>
@@ -33611,7 +33656,7 @@
         <c:majorTickMark val="out"/>
         <c:minorTickMark val="none"/>
         <c:tickLblPos val="nextTo"/>
-        <c:crossAx val="129537152"/>
+        <c:crossAx val="164353152"/>
         <c:crosses val="autoZero"/>
         <c:crossBetween val="between"/>
       </c:valAx>
@@ -33731,11 +33776,11 @@
           <c:showBubbleSize val="0"/>
         </c:dLbls>
         <c:gapWidth val="150"/>
-        <c:axId val="85274624"/>
-        <c:axId val="85276160"/>
+        <c:axId val="164387840"/>
+        <c:axId val="164389632"/>
       </c:barChart>
       <c:catAx>
-        <c:axId val="85274624"/>
+        <c:axId val="164387840"/>
         <c:scaling>
           <c:orientation val="minMax"/>
         </c:scaling>
@@ -33744,7 +33789,7 @@
         <c:majorTickMark val="out"/>
         <c:minorTickMark val="none"/>
         <c:tickLblPos val="nextTo"/>
-        <c:crossAx val="85276160"/>
+        <c:crossAx val="164389632"/>
         <c:crosses val="autoZero"/>
         <c:auto val="1"/>
         <c:lblAlgn val="ctr"/>
@@ -33752,7 +33797,7 @@
         <c:noMultiLvlLbl val="0"/>
       </c:catAx>
       <c:valAx>
-        <c:axId val="85276160"/>
+        <c:axId val="164389632"/>
         <c:scaling>
           <c:orientation val="minMax"/>
         </c:scaling>
@@ -33763,7 +33808,7 @@
         <c:majorTickMark val="out"/>
         <c:minorTickMark val="none"/>
         <c:tickLblPos val="nextTo"/>
-        <c:crossAx val="85274624"/>
+        <c:crossAx val="164387840"/>
         <c:crosses val="autoZero"/>
         <c:crossBetween val="between"/>
       </c:valAx>
@@ -35461,11 +35506,11 @@
           <c:showPercent val="0"/>
           <c:showBubbleSize val="0"/>
         </c:dLbls>
-        <c:axId val="117136000"/>
-        <c:axId val="117184000"/>
+        <c:axId val="166988416"/>
+        <c:axId val="167011840"/>
       </c:scatterChart>
       <c:valAx>
-        <c:axId val="117136000"/>
+        <c:axId val="166988416"/>
         <c:scaling>
           <c:orientation val="minMax"/>
         </c:scaling>
@@ -35474,12 +35519,12 @@
         <c:majorTickMark val="out"/>
         <c:minorTickMark val="none"/>
         <c:tickLblPos val="nextTo"/>
-        <c:crossAx val="117184000"/>
+        <c:crossAx val="167011840"/>
         <c:crosses val="autoZero"/>
         <c:crossBetween val="midCat"/>
       </c:valAx>
       <c:valAx>
-        <c:axId val="117184000"/>
+        <c:axId val="167011840"/>
         <c:scaling>
           <c:orientation val="maxMin"/>
           <c:max val="0.1"/>
@@ -35511,7 +35556,7 @@
         <c:majorTickMark val="out"/>
         <c:minorTickMark val="none"/>
         <c:tickLblPos val="nextTo"/>
-        <c:crossAx val="117136000"/>
+        <c:crossAx val="166988416"/>
         <c:crosses val="autoZero"/>
         <c:crossBetween val="midCat"/>
       </c:valAx>
@@ -35626,11 +35671,11 @@
           <c:showBubbleSize val="0"/>
         </c:dLbls>
         <c:gapWidth val="150"/>
-        <c:axId val="154969600"/>
-        <c:axId val="155009408"/>
+        <c:axId val="164398592"/>
+        <c:axId val="164400128"/>
       </c:barChart>
       <c:catAx>
-        <c:axId val="154969600"/>
+        <c:axId val="164398592"/>
         <c:scaling>
           <c:orientation val="minMax"/>
         </c:scaling>
@@ -35639,7 +35684,7 @@
         <c:majorTickMark val="out"/>
         <c:minorTickMark val="none"/>
         <c:tickLblPos val="nextTo"/>
-        <c:crossAx val="155009408"/>
+        <c:crossAx val="164400128"/>
         <c:crosses val="autoZero"/>
         <c:auto val="1"/>
         <c:lblAlgn val="ctr"/>
@@ -35647,7 +35692,7 @@
         <c:noMultiLvlLbl val="0"/>
       </c:catAx>
       <c:valAx>
-        <c:axId val="155009408"/>
+        <c:axId val="164400128"/>
         <c:scaling>
           <c:orientation val="minMax"/>
         </c:scaling>
@@ -35658,7 +35703,7 @@
         <c:majorTickMark val="out"/>
         <c:minorTickMark val="none"/>
         <c:tickLblPos val="nextTo"/>
-        <c:crossAx val="154969600"/>
+        <c:crossAx val="164398592"/>
         <c:crosses val="autoZero"/>
         <c:crossBetween val="between"/>
       </c:valAx>
@@ -37341,11 +37386,11 @@
           <c:showPercent val="0"/>
           <c:showBubbleSize val="0"/>
         </c:dLbls>
-        <c:axId val="117216000"/>
-        <c:axId val="117218688"/>
+        <c:axId val="167043840"/>
+        <c:axId val="167046528"/>
       </c:scatterChart>
       <c:valAx>
-        <c:axId val="117216000"/>
+        <c:axId val="167043840"/>
         <c:scaling>
           <c:orientation val="minMax"/>
         </c:scaling>
@@ -37354,12 +37399,12 @@
         <c:majorTickMark val="out"/>
         <c:minorTickMark val="none"/>
         <c:tickLblPos val="nextTo"/>
-        <c:crossAx val="117218688"/>
+        <c:crossAx val="167046528"/>
         <c:crosses val="autoZero"/>
         <c:crossBetween val="midCat"/>
       </c:valAx>
       <c:valAx>
-        <c:axId val="117218688"/>
+        <c:axId val="167046528"/>
         <c:scaling>
           <c:orientation val="maxMin"/>
           <c:max val="0.1"/>
@@ -37396,7 +37441,7 @@
         <c:majorTickMark val="out"/>
         <c:minorTickMark val="none"/>
         <c:tickLblPos val="nextTo"/>
-        <c:crossAx val="117216000"/>
+        <c:crossAx val="167043840"/>
         <c:crosses val="autoZero"/>
         <c:crossBetween val="midCat"/>
       </c:valAx>
@@ -39063,11 +39108,11 @@
           <c:showPercent val="0"/>
           <c:showBubbleSize val="0"/>
         </c:dLbls>
-        <c:axId val="117234304"/>
-        <c:axId val="117245440"/>
+        <c:axId val="167340672"/>
+        <c:axId val="167372288"/>
       </c:scatterChart>
       <c:valAx>
-        <c:axId val="117234304"/>
+        <c:axId val="167340672"/>
         <c:scaling>
           <c:orientation val="minMax"/>
         </c:scaling>
@@ -39076,12 +39121,12 @@
         <c:majorTickMark val="out"/>
         <c:minorTickMark val="none"/>
         <c:tickLblPos val="nextTo"/>
-        <c:crossAx val="117245440"/>
+        <c:crossAx val="167372288"/>
         <c:crosses val="autoZero"/>
         <c:crossBetween val="midCat"/>
       </c:valAx>
       <c:valAx>
-        <c:axId val="117245440"/>
+        <c:axId val="167372288"/>
         <c:scaling>
           <c:orientation val="maxMin"/>
           <c:max val="0.1"/>
@@ -39121,7 +39166,7 @@
         <c:majorTickMark val="out"/>
         <c:minorTickMark val="none"/>
         <c:tickLblPos val="nextTo"/>
-        <c:crossAx val="117234304"/>
+        <c:crossAx val="167340672"/>
         <c:crosses val="autoZero"/>
         <c:crossBetween val="midCat"/>
       </c:valAx>
@@ -39218,7 +39263,7 @@
           <a:p>
             <a:fld id="{47053D67-9EBB-4456-BEF1-A4108CD1C887}" type="datetimeFigureOut">
               <a:rPr lang="es-ES" smtClean="0"/>
-              <a:t>13/08/2015</a:t>
+              <a:t>08/09/2015</a:t>
             </a:fld>
             <a:endParaRPr lang="es-ES"/>
           </a:p>
@@ -39635,7 +39680,7 @@
           <a:p>
             <a:fld id="{DABE78E0-8AF9-4C58-8B4C-B80F7D6B1763}" type="slidenum">
               <a:rPr lang="es-ES" smtClean="0"/>
-              <a:t>57</a:t>
+              <a:t>58</a:t>
             </a:fld>
             <a:endParaRPr lang="es-ES"/>
           </a:p>
@@ -39835,7 +39880,7 @@
           <a:p>
             <a:fld id="{D8DA5178-521C-4D8E-9777-3CA29D9D7BA2}" type="datetimeFigureOut">
               <a:rPr lang="en-US" smtClean="0"/>
-              <a:t>8/13/2015</a:t>
+              <a:t>9/8/2015</a:t>
             </a:fld>
             <a:endParaRPr lang="en-US"/>
           </a:p>
@@ -40005,7 +40050,7 @@
           <a:p>
             <a:fld id="{D8DA5178-521C-4D8E-9777-3CA29D9D7BA2}" type="datetimeFigureOut">
               <a:rPr lang="en-US" smtClean="0"/>
-              <a:t>8/13/2015</a:t>
+              <a:t>9/8/2015</a:t>
             </a:fld>
             <a:endParaRPr lang="en-US"/>
           </a:p>
@@ -40185,7 +40230,7 @@
           <a:p>
             <a:fld id="{D8DA5178-521C-4D8E-9777-3CA29D9D7BA2}" type="datetimeFigureOut">
               <a:rPr lang="en-US" smtClean="0"/>
-              <a:t>8/13/2015</a:t>
+              <a:t>9/8/2015</a:t>
             </a:fld>
             <a:endParaRPr lang="en-US"/>
           </a:p>
@@ -40355,7 +40400,7 @@
           <a:p>
             <a:fld id="{D8DA5178-521C-4D8E-9777-3CA29D9D7BA2}" type="datetimeFigureOut">
               <a:rPr lang="en-US" smtClean="0"/>
-              <a:t>8/13/2015</a:t>
+              <a:t>9/8/2015</a:t>
             </a:fld>
             <a:endParaRPr lang="en-US"/>
           </a:p>
@@ -40601,7 +40646,7 @@
           <a:p>
             <a:fld id="{D8DA5178-521C-4D8E-9777-3CA29D9D7BA2}" type="datetimeFigureOut">
               <a:rPr lang="en-US" smtClean="0"/>
-              <a:t>8/13/2015</a:t>
+              <a:t>9/8/2015</a:t>
             </a:fld>
             <a:endParaRPr lang="en-US"/>
           </a:p>
@@ -40889,7 +40934,7 @@
           <a:p>
             <a:fld id="{D8DA5178-521C-4D8E-9777-3CA29D9D7BA2}" type="datetimeFigureOut">
               <a:rPr lang="en-US" smtClean="0"/>
-              <a:t>8/13/2015</a:t>
+              <a:t>9/8/2015</a:t>
             </a:fld>
             <a:endParaRPr lang="en-US"/>
           </a:p>
@@ -41311,7 +41356,7 @@
           <a:p>
             <a:fld id="{D8DA5178-521C-4D8E-9777-3CA29D9D7BA2}" type="datetimeFigureOut">
               <a:rPr lang="en-US" smtClean="0"/>
-              <a:t>8/13/2015</a:t>
+              <a:t>9/8/2015</a:t>
             </a:fld>
             <a:endParaRPr lang="en-US"/>
           </a:p>
@@ -41429,7 +41474,7 @@
           <a:p>
             <a:fld id="{D8DA5178-521C-4D8E-9777-3CA29D9D7BA2}" type="datetimeFigureOut">
               <a:rPr lang="en-US" smtClean="0"/>
-              <a:t>8/13/2015</a:t>
+              <a:t>9/8/2015</a:t>
             </a:fld>
             <a:endParaRPr lang="en-US"/>
           </a:p>
@@ -41524,7 +41569,7 @@
           <a:p>
             <a:fld id="{D8DA5178-521C-4D8E-9777-3CA29D9D7BA2}" type="datetimeFigureOut">
               <a:rPr lang="en-US" smtClean="0"/>
-              <a:t>8/13/2015</a:t>
+              <a:t>9/8/2015</a:t>
             </a:fld>
             <a:endParaRPr lang="en-US"/>
           </a:p>
@@ -41801,7 +41846,7 @@
           <a:p>
             <a:fld id="{D8DA5178-521C-4D8E-9777-3CA29D9D7BA2}" type="datetimeFigureOut">
               <a:rPr lang="en-US" smtClean="0"/>
-              <a:t>8/13/2015</a:t>
+              <a:t>9/8/2015</a:t>
             </a:fld>
             <a:endParaRPr lang="en-US"/>
           </a:p>
@@ -42054,7 +42099,7 @@
           <a:p>
             <a:fld id="{D8DA5178-521C-4D8E-9777-3CA29D9D7BA2}" type="datetimeFigureOut">
               <a:rPr lang="en-US" smtClean="0"/>
-              <a:t>8/13/2015</a:t>
+              <a:t>9/8/2015</a:t>
             </a:fld>
             <a:endParaRPr lang="en-US"/>
           </a:p>
@@ -42267,7 +42312,7 @@
           <a:p>
             <a:fld id="{D8DA5178-521C-4D8E-9777-3CA29D9D7BA2}" type="datetimeFigureOut">
               <a:rPr lang="en-US" smtClean="0"/>
-              <a:t>8/13/2015</a:t>
+              <a:t>9/8/2015</a:t>
             </a:fld>
             <a:endParaRPr lang="en-US"/>
           </a:p>
@@ -51577,7 +51622,7 @@
         <p:spPr>
           <a:xfrm>
             <a:off x="107504" y="3825914"/>
-            <a:ext cx="8928992" cy="2308324"/>
+            <a:ext cx="8928992" cy="1477328"/>
           </a:xfrm>
           <a:prstGeom prst="rect">
             <a:avLst/>
@@ -51606,8 +51651,9 @@
             </a:r>
             <a:r>
               <a:rPr lang="en-US" dirty="0" smtClean="0"/>
-              <a:t>ESTs</a:t>
+              <a:t>ESTs, probably two different molecules</a:t>
             </a:r>
+            <a:endParaRPr lang="en-US" dirty="0" smtClean="0"/>
           </a:p>
           <a:p>
             <a:pPr marL="285750" indent="-285750">
@@ -51643,55 +51689,19 @@
             </a:pPr>
             <a:r>
               <a:rPr lang="en-US" dirty="0" smtClean="0"/>
-              <a:t>Similar found in </a:t>
-            </a:r>
-            <a:r>
-              <a:rPr lang="en-US" dirty="0" err="1" smtClean="0"/>
-              <a:t>collochtritum</a:t>
+              <a:t>Highly </a:t>
             </a:r>
             <a:r>
               <a:rPr lang="en-US" dirty="0" smtClean="0"/>
-              <a:t>: </a:t>
-            </a:r>
-            <a:r>
-              <a:rPr lang="en-US" dirty="0" smtClean="0">
-                <a:hlinkClick r:id="rId2"/>
-              </a:rPr>
-              <a:t>https</a:t>
-            </a:r>
-            <a:r>
-              <a:rPr lang="en-US" dirty="0">
-                <a:hlinkClick r:id="rId2"/>
-              </a:rPr>
-              <a:t>://</a:t>
-            </a:r>
-            <a:r>
-              <a:rPr lang="en-US" dirty="0" smtClean="0">
-                <a:hlinkClick r:id="rId2"/>
-              </a:rPr>
-              <a:t>pag.confex.com/pag/xxiii/recordingredirect.cgi/id/1651</a:t>
+              <a:t>transcribed in </a:t>
             </a:r>
             <a:r>
               <a:rPr lang="en-US" dirty="0" smtClean="0"/>
-              <a:t> (but we can’t find an ORF for the </a:t>
-            </a:r>
-            <a:r>
-              <a:rPr lang="en-US" i="1" u="sng" dirty="0" smtClean="0"/>
-              <a:t>capsid protein</a:t>
+              <a:t>WT (up to 20%), </a:t>
             </a:r>
             <a:r>
               <a:rPr lang="en-US" dirty="0" smtClean="0"/>
-              <a:t>)</a:t>
-            </a:r>
-          </a:p>
-          <a:p>
-            <a:pPr marL="285750" indent="-285750">
-              <a:buFont typeface="Arial" pitchFamily="34" charset="0"/>
-              <a:buChar char="•"/>
-            </a:pPr>
-            <a:r>
-              <a:rPr lang="en-US" dirty="0" smtClean="0"/>
-              <a:t>Highly transcribed in WT, affected in rbp35 mutant, not sure in exp5</a:t>
+              <a:t>affected in rbp35 mutant, not sure in exp5</a:t>
             </a:r>
           </a:p>
           <a:p>
@@ -51733,41 +51743,6 @@
           </a:p>
         </p:txBody>
       </p:sp>
-      <p:cxnSp>
-        <p:nvCxnSpPr>
-          <p:cNvPr id="16" name="15 Conector angular"/>
-          <p:cNvCxnSpPr/>
-          <p:nvPr/>
-        </p:nvCxnSpPr>
-        <p:spPr>
-          <a:xfrm flipV="1">
-            <a:off x="2654694" y="2492896"/>
-            <a:ext cx="5445698" cy="2592288"/>
-          </a:xfrm>
-          <a:prstGeom prst="bentConnector3">
-            <a:avLst>
-              <a:gd name="adj1" fmla="val 113967"/>
-            </a:avLst>
-          </a:prstGeom>
-          <a:ln>
-            <a:tailEnd type="arrow"/>
-          </a:ln>
-        </p:spPr>
-        <p:style>
-          <a:lnRef idx="1">
-            <a:schemeClr val="accent1"/>
-          </a:lnRef>
-          <a:fillRef idx="0">
-            <a:schemeClr val="accent1"/>
-          </a:fillRef>
-          <a:effectRef idx="0">
-            <a:schemeClr val="accent1"/>
-          </a:effectRef>
-          <a:fontRef idx="minor">
-            <a:schemeClr val="tx1"/>
-          </a:fontRef>
-        </p:style>
-      </p:cxnSp>
     </p:spTree>
     <p:extLst>
       <p:ext uri="{BB962C8B-B14F-4D97-AF65-F5344CB8AC3E}">
@@ -52035,6 +52010,136 @@
           <a:chExt cx="0" cy="0"/>
         </a:xfrm>
       </p:grpSpPr>
+      <p:pic>
+        <p:nvPicPr>
+          <p:cNvPr id="1026" name="Picture 2"/>
+          <p:cNvPicPr>
+            <a:picLocks noChangeAspect="1" noChangeArrowheads="1"/>
+          </p:cNvPicPr>
+          <p:nvPr/>
+        </p:nvPicPr>
+        <p:blipFill>
+          <a:blip r:embed="rId2">
+            <a:extLst>
+              <a:ext uri="{28A0092B-C50C-407E-A947-70E740481C1C}">
+                <a14:useLocalDpi xmlns:a14="http://schemas.microsoft.com/office/drawing/2010/main" val="0"/>
+              </a:ext>
+            </a:extLst>
+          </a:blip>
+          <a:srcRect/>
+          <a:stretch>
+            <a:fillRect/>
+          </a:stretch>
+        </p:blipFill>
+        <p:spPr bwMode="auto">
+          <a:xfrm>
+            <a:off x="251520" y="1700808"/>
+            <a:ext cx="8775462" cy="5116810"/>
+          </a:xfrm>
+          <a:prstGeom prst="rect">
+            <a:avLst/>
+          </a:prstGeom>
+          <a:noFill/>
+          <a:ln>
+            <a:noFill/>
+          </a:ln>
+          <a:effectLst/>
+          <a:extLst>
+            <a:ext uri="{909E8E84-426E-40DD-AFC4-6F175D3DCCD1}">
+              <a14:hiddenFill xmlns:a14="http://schemas.microsoft.com/office/drawing/2010/main">
+                <a:solidFill>
+                  <a:schemeClr val="accent1"/>
+                </a:solidFill>
+              </a14:hiddenFill>
+            </a:ext>
+            <a:ext uri="{91240B29-F687-4F45-9708-019B960494DF}">
+              <a14:hiddenLine xmlns:a14="http://schemas.microsoft.com/office/drawing/2010/main" w="9525">
+                <a:solidFill>
+                  <a:schemeClr val="tx1"/>
+                </a:solidFill>
+                <a:miter lim="800000"/>
+                <a:headEnd/>
+                <a:tailEnd/>
+              </a14:hiddenLine>
+            </a:ext>
+            <a:ext uri="{AF507438-7753-43E0-B8FC-AC1667EBCBE1}">
+              <a14:hiddenEffects xmlns:a14="http://schemas.microsoft.com/office/drawing/2010/main">
+                <a:effectLst>
+                  <a:outerShdw dist="35921" dir="2700000" algn="ctr" rotWithShape="0">
+                    <a:schemeClr val="bg2"/>
+                  </a:outerShdw>
+                </a:effectLst>
+              </a14:hiddenEffects>
+            </a:ext>
+          </a:extLst>
+        </p:spPr>
+      </p:pic>
+      <p:sp>
+        <p:nvSpPr>
+          <p:cNvPr id="5" name="1 Título"/>
+          <p:cNvSpPr>
+            <a:spLocks noGrp="1"/>
+          </p:cNvSpPr>
+          <p:nvPr>
+            <p:ph type="title"/>
+          </p:nvPr>
+        </p:nvSpPr>
+        <p:spPr>
+          <a:xfrm>
+            <a:off x="457200" y="274638"/>
+            <a:ext cx="8229600" cy="1143000"/>
+          </a:xfrm>
+        </p:spPr>
+        <p:txBody>
+          <a:bodyPr/>
+          <a:lstStyle/>
+          <a:p>
+            <a:r>
+              <a:rPr lang="en-US" dirty="0" smtClean="0"/>
+              <a:t>A virus in </a:t>
+            </a:r>
+            <a:r>
+              <a:rPr lang="en-US" dirty="0" err="1" smtClean="0"/>
+              <a:t>M.oryzae</a:t>
+            </a:r>
+            <a:r>
+              <a:rPr lang="en-US" dirty="0" smtClean="0"/>
+              <a:t> GUY11?</a:t>
+            </a:r>
+            <a:endParaRPr lang="en-US" dirty="0"/>
+          </a:p>
+        </p:txBody>
+      </p:sp>
+    </p:spTree>
+    <p:extLst>
+      <p:ext uri="{BB962C8B-B14F-4D97-AF65-F5344CB8AC3E}">
+        <p14:creationId xmlns:p14="http://schemas.microsoft.com/office/powerpoint/2010/main" val="1550996924"/>
+      </p:ext>
+    </p:extLst>
+  </p:cSld>
+  <p:clrMapOvr>
+    <a:masterClrMapping/>
+  </p:clrMapOvr>
+</p:sld>
+</file>
+
+<file path=ppt/slides/slide51.xml><?xml version="1.0" encoding="utf-8"?>
+<p:sld xmlns:a="http://schemas.openxmlformats.org/drawingml/2006/main" xmlns:r="http://schemas.openxmlformats.org/officeDocument/2006/relationships" xmlns:p="http://schemas.openxmlformats.org/presentationml/2006/main">
+  <p:cSld>
+    <p:spTree>
+      <p:nvGrpSpPr>
+        <p:cNvPr id="1" name=""/>
+        <p:cNvGrpSpPr/>
+        <p:nvPr/>
+      </p:nvGrpSpPr>
+      <p:grpSpPr>
+        <a:xfrm>
+          <a:off x="0" y="0"/>
+          <a:ext cx="0" cy="0"/>
+          <a:chOff x="0" y="0"/>
+          <a:chExt cx="0" cy="0"/>
+        </a:xfrm>
+      </p:grpSpPr>
       <p:sp>
         <p:nvSpPr>
           <p:cNvPr id="2" name="1 Título"/>
@@ -52078,7 +52183,7 @@
 </p:sld>
 </file>
 
-<file path=ppt/slides/slide51.xml><?xml version="1.0" encoding="utf-8"?>
+<file path=ppt/slides/slide52.xml><?xml version="1.0" encoding="utf-8"?>
 <p:sld xmlns:a="http://schemas.openxmlformats.org/drawingml/2006/main" xmlns:r="http://schemas.openxmlformats.org/officeDocument/2006/relationships" xmlns:p="http://schemas.openxmlformats.org/presentationml/2006/main">
   <p:cSld>
     <p:spTree>
@@ -52223,7 +52328,7 @@
 </p:sld>
 </file>
 
-<file path=ppt/slides/slide52.xml><?xml version="1.0" encoding="utf-8"?>
+<file path=ppt/slides/slide53.xml><?xml version="1.0" encoding="utf-8"?>
 <p:sld xmlns:a="http://schemas.openxmlformats.org/drawingml/2006/main" xmlns:r="http://schemas.openxmlformats.org/officeDocument/2006/relationships" xmlns:p="http://schemas.openxmlformats.org/presentationml/2006/main">
   <p:cSld>
     <p:spTree>
@@ -52661,7 +52766,7 @@
 </p:sld>
 </file>
 
-<file path=ppt/slides/slide53.xml><?xml version="1.0" encoding="utf-8"?>
+<file path=ppt/slides/slide54.xml><?xml version="1.0" encoding="utf-8"?>
 <p:sld xmlns:a="http://schemas.openxmlformats.org/drawingml/2006/main" xmlns:r="http://schemas.openxmlformats.org/officeDocument/2006/relationships" xmlns:p="http://schemas.openxmlformats.org/presentationml/2006/main">
   <p:cSld>
     <p:spTree>
@@ -52843,7 +52948,7 @@
 </p:sld>
 </file>
 
-<file path=ppt/slides/slide54.xml><?xml version="1.0" encoding="utf-8"?>
+<file path=ppt/slides/slide55.xml><?xml version="1.0" encoding="utf-8"?>
 <p:sld xmlns:a="http://schemas.openxmlformats.org/drawingml/2006/main" xmlns:r="http://schemas.openxmlformats.org/officeDocument/2006/relationships" xmlns:p="http://schemas.openxmlformats.org/presentationml/2006/main">
   <p:cSld>
     <p:spTree>
@@ -53280,7 +53385,7 @@
 </p:sld>
 </file>
 
-<file path=ppt/slides/slide55.xml><?xml version="1.0" encoding="utf-8"?>
+<file path=ppt/slides/slide56.xml><?xml version="1.0" encoding="utf-8"?>
 <p:sld xmlns:a="http://schemas.openxmlformats.org/drawingml/2006/main" xmlns:r="http://schemas.openxmlformats.org/officeDocument/2006/relationships" xmlns:p="http://schemas.openxmlformats.org/presentationml/2006/main">
   <p:cSld>
     <p:spTree>
@@ -53384,7 +53489,7 @@
 </p:sld>
 </file>
 
-<file path=ppt/slides/slide56.xml><?xml version="1.0" encoding="utf-8"?>
+<file path=ppt/slides/slide57.xml><?xml version="1.0" encoding="utf-8"?>
 <p:sld xmlns:a="http://schemas.openxmlformats.org/drawingml/2006/main" xmlns:r="http://schemas.openxmlformats.org/officeDocument/2006/relationships" xmlns:p="http://schemas.openxmlformats.org/presentationml/2006/main">
   <p:cSld>
     <p:spTree>
@@ -53470,7 +53575,7 @@
 </p:sld>
 </file>
 
-<file path=ppt/slides/slide57.xml><?xml version="1.0" encoding="utf-8"?>
+<file path=ppt/slides/slide58.xml><?xml version="1.0" encoding="utf-8"?>
 <p:sld xmlns:a="http://schemas.openxmlformats.org/drawingml/2006/main" xmlns:r="http://schemas.openxmlformats.org/officeDocument/2006/relationships" xmlns:p="http://schemas.openxmlformats.org/presentationml/2006/main">
   <p:cSld>
     <p:spTree>
@@ -53994,7 +54099,7 @@
 </p:sld>
 </file>
 
-<file path=ppt/slides/slide58.xml><?xml version="1.0" encoding="utf-8"?>
+<file path=ppt/slides/slide59.xml><?xml version="1.0" encoding="utf-8"?>
 <p:sld xmlns:a="http://schemas.openxmlformats.org/drawingml/2006/main" xmlns:r="http://schemas.openxmlformats.org/officeDocument/2006/relationships" xmlns:p="http://schemas.openxmlformats.org/presentationml/2006/main">
   <p:cSld>
     <p:spTree>
@@ -54108,55 +54213,6 @@
     <p:extLst>
       <p:ext uri="{BB962C8B-B14F-4D97-AF65-F5344CB8AC3E}">
         <p14:creationId xmlns:p14="http://schemas.microsoft.com/office/powerpoint/2010/main" val="2304848474"/>
-      </p:ext>
-    </p:extLst>
-  </p:cSld>
-  <p:clrMapOvr>
-    <a:masterClrMapping/>
-  </p:clrMapOvr>
-</p:sld>
-</file>
-
-<file path=ppt/slides/slide59.xml><?xml version="1.0" encoding="utf-8"?>
-<p:sld xmlns:a="http://schemas.openxmlformats.org/drawingml/2006/main" xmlns:r="http://schemas.openxmlformats.org/officeDocument/2006/relationships" xmlns:p="http://schemas.openxmlformats.org/presentationml/2006/main">
-  <p:cSld>
-    <p:spTree>
-      <p:nvGrpSpPr>
-        <p:cNvPr id="1" name=""/>
-        <p:cNvGrpSpPr/>
-        <p:nvPr/>
-      </p:nvGrpSpPr>
-      <p:grpSpPr>
-        <a:xfrm>
-          <a:off x="0" y="0"/>
-          <a:ext cx="0" cy="0"/>
-          <a:chOff x="0" y="0"/>
-          <a:chExt cx="0" cy="0"/>
-        </a:xfrm>
-      </p:grpSpPr>
-      <p:sp>
-        <p:nvSpPr>
-          <p:cNvPr id="2" name="1 Título"/>
-          <p:cNvSpPr>
-            <a:spLocks noGrp="1"/>
-          </p:cNvSpPr>
-          <p:nvPr>
-            <p:ph type="title"/>
-          </p:nvPr>
-        </p:nvSpPr>
-        <p:spPr/>
-        <p:txBody>
-          <a:bodyPr/>
-          <a:lstStyle/>
-          <a:p>
-            <a:endParaRPr lang="en-US"/>
-          </a:p>
-        </p:txBody>
-      </p:sp>
-    </p:spTree>
-    <p:extLst>
-      <p:ext uri="{BB962C8B-B14F-4D97-AF65-F5344CB8AC3E}">
-        <p14:creationId xmlns:p14="http://schemas.microsoft.com/office/powerpoint/2010/main" val="1972501346"/>
       </p:ext>
     </p:extLst>
   </p:cSld>
@@ -54297,6 +54353,55 @@
       </p:par>
     </p:tnLst>
   </p:timing>
+</p:sld>
+</file>
+
+<file path=ppt/slides/slide60.xml><?xml version="1.0" encoding="utf-8"?>
+<p:sld xmlns:a="http://schemas.openxmlformats.org/drawingml/2006/main" xmlns:r="http://schemas.openxmlformats.org/officeDocument/2006/relationships" xmlns:p="http://schemas.openxmlformats.org/presentationml/2006/main">
+  <p:cSld>
+    <p:spTree>
+      <p:nvGrpSpPr>
+        <p:cNvPr id="1" name=""/>
+        <p:cNvGrpSpPr/>
+        <p:nvPr/>
+      </p:nvGrpSpPr>
+      <p:grpSpPr>
+        <a:xfrm>
+          <a:off x="0" y="0"/>
+          <a:ext cx="0" cy="0"/>
+          <a:chOff x="0" y="0"/>
+          <a:chExt cx="0" cy="0"/>
+        </a:xfrm>
+      </p:grpSpPr>
+      <p:sp>
+        <p:nvSpPr>
+          <p:cNvPr id="2" name="1 Título"/>
+          <p:cNvSpPr>
+            <a:spLocks noGrp="1"/>
+          </p:cNvSpPr>
+          <p:nvPr>
+            <p:ph type="title"/>
+          </p:nvPr>
+        </p:nvSpPr>
+        <p:spPr/>
+        <p:txBody>
+          <a:bodyPr/>
+          <a:lstStyle/>
+          <a:p>
+            <a:endParaRPr lang="en-US"/>
+          </a:p>
+        </p:txBody>
+      </p:sp>
+    </p:spTree>
+    <p:extLst>
+      <p:ext uri="{BB962C8B-B14F-4D97-AF65-F5344CB8AC3E}">
+        <p14:creationId xmlns:p14="http://schemas.microsoft.com/office/powerpoint/2010/main" val="1972501346"/>
+      </p:ext>
+    </p:extLst>
+  </p:cSld>
+  <p:clrMapOvr>
+    <a:masterClrMapping/>
+  </p:clrMapOvr>
 </p:sld>
 </file>
 

--- a/doc/small/small_presentation.pptx
+++ b/doc/small/small_presentation.pptx
@@ -5,7 +5,7 @@
     <p:sldMasterId id="2147483648" r:id="rId1"/>
   </p:sldMasterIdLst>
   <p:notesMasterIdLst>
-    <p:notesMasterId r:id="rId62"/>
+    <p:notesMasterId r:id="rId64"/>
   </p:notesMasterIdLst>
   <p:sldIdLst>
     <p:sldId id="257" r:id="rId2"/>
@@ -60,14 +60,16 @@
     <p:sldId id="335" r:id="rId51"/>
     <p:sldId id="316" r:id="rId52"/>
     <p:sldId id="317" r:id="rId53"/>
-    <p:sldId id="318" r:id="rId54"/>
-    <p:sldId id="319" r:id="rId55"/>
-    <p:sldId id="320" r:id="rId56"/>
-    <p:sldId id="321" r:id="rId57"/>
-    <p:sldId id="322" r:id="rId58"/>
-    <p:sldId id="325" r:id="rId59"/>
-    <p:sldId id="323" r:id="rId60"/>
-    <p:sldId id="324" r:id="rId61"/>
+    <p:sldId id="336" r:id="rId54"/>
+    <p:sldId id="337" r:id="rId55"/>
+    <p:sldId id="339" r:id="rId56"/>
+    <p:sldId id="318" r:id="rId57"/>
+    <p:sldId id="319" r:id="rId58"/>
+    <p:sldId id="321" r:id="rId59"/>
+    <p:sldId id="322" r:id="rId60"/>
+    <p:sldId id="325" r:id="rId61"/>
+    <p:sldId id="323" r:id="rId62"/>
+    <p:sldId id="324" r:id="rId63"/>
   </p:sldIdLst>
   <p:sldSz cx="9144000" cy="6858000" type="screen4x3"/>
   <p:notesSz cx="6858000" cy="9144000"/>
@@ -1138,11 +1140,11 @@
         </c:dLbls>
         <c:marker val="1"/>
         <c:smooth val="0"/>
-        <c:axId val="166645760"/>
-        <c:axId val="166647680"/>
+        <c:axId val="110152320"/>
+        <c:axId val="85332736"/>
       </c:lineChart>
       <c:catAx>
-        <c:axId val="166645760"/>
+        <c:axId val="110152320"/>
         <c:scaling>
           <c:orientation val="minMax"/>
         </c:scaling>
@@ -1176,7 +1178,7 @@
         <c:majorTickMark val="out"/>
         <c:minorTickMark val="none"/>
         <c:tickLblPos val="nextTo"/>
-        <c:crossAx val="166647680"/>
+        <c:crossAx val="85332736"/>
         <c:crosses val="autoZero"/>
         <c:auto val="1"/>
         <c:lblAlgn val="ctr"/>
@@ -1184,7 +1186,7 @@
         <c:noMultiLvlLbl val="0"/>
       </c:catAx>
       <c:valAx>
-        <c:axId val="166647680"/>
+        <c:axId val="85332736"/>
         <c:scaling>
           <c:orientation val="minMax"/>
           <c:max val="0.5"/>
@@ -1196,7 +1198,7 @@
         <c:majorTickMark val="out"/>
         <c:minorTickMark val="none"/>
         <c:tickLblPos val="nextTo"/>
-        <c:crossAx val="166645760"/>
+        <c:crossAx val="110152320"/>
         <c:crosses val="autoZero"/>
         <c:crossBetween val="between"/>
       </c:valAx>
@@ -2873,11 +2875,11 @@
           <c:showPercent val="0"/>
           <c:showBubbleSize val="0"/>
         </c:dLbls>
-        <c:axId val="167592704"/>
-        <c:axId val="167595392"/>
+        <c:axId val="116683520"/>
+        <c:axId val="116686208"/>
       </c:scatterChart>
       <c:valAx>
-        <c:axId val="167592704"/>
+        <c:axId val="116683520"/>
         <c:scaling>
           <c:orientation val="minMax"/>
         </c:scaling>
@@ -2886,12 +2888,12 @@
         <c:majorTickMark val="out"/>
         <c:minorTickMark val="none"/>
         <c:tickLblPos val="nextTo"/>
-        <c:crossAx val="167595392"/>
+        <c:crossAx val="116686208"/>
         <c:crosses val="autoZero"/>
         <c:crossBetween val="midCat"/>
       </c:valAx>
       <c:valAx>
-        <c:axId val="167595392"/>
+        <c:axId val="116686208"/>
         <c:scaling>
           <c:orientation val="maxMin"/>
           <c:max val="0.1"/>
@@ -2931,7 +2933,7 @@
         <c:majorTickMark val="out"/>
         <c:minorTickMark val="none"/>
         <c:tickLblPos val="nextTo"/>
-        <c:crossAx val="167592704"/>
+        <c:crossAx val="116683520"/>
         <c:crosses val="autoZero"/>
         <c:crossBetween val="midCat"/>
       </c:valAx>
@@ -3267,11 +3269,11 @@
           <c:showBubbleSize val="0"/>
         </c:dLbls>
         <c:gapWidth val="150"/>
-        <c:axId val="167731200"/>
-        <c:axId val="167732736"/>
+        <c:axId val="128741376"/>
+        <c:axId val="128742912"/>
       </c:barChart>
       <c:catAx>
-        <c:axId val="167731200"/>
+        <c:axId val="128741376"/>
         <c:scaling>
           <c:orientation val="minMax"/>
         </c:scaling>
@@ -3280,7 +3282,7 @@
         <c:majorTickMark val="out"/>
         <c:minorTickMark val="none"/>
         <c:tickLblPos val="nextTo"/>
-        <c:crossAx val="167732736"/>
+        <c:crossAx val="128742912"/>
         <c:crosses val="autoZero"/>
         <c:auto val="1"/>
         <c:lblAlgn val="ctr"/>
@@ -3288,7 +3290,7 @@
         <c:noMultiLvlLbl val="0"/>
       </c:catAx>
       <c:valAx>
-        <c:axId val="167732736"/>
+        <c:axId val="128742912"/>
         <c:scaling>
           <c:orientation val="minMax"/>
           <c:max val="100"/>
@@ -3300,7 +3302,7 @@
         <c:majorTickMark val="out"/>
         <c:minorTickMark val="none"/>
         <c:tickLblPos val="nextTo"/>
-        <c:crossAx val="167731200"/>
+        <c:crossAx val="128741376"/>
         <c:crosses val="autoZero"/>
         <c:crossBetween val="between"/>
       </c:valAx>
@@ -3593,11 +3595,11 @@
           <c:showBubbleSize val="0"/>
         </c:dLbls>
         <c:gapWidth val="150"/>
-        <c:axId val="167751040"/>
-        <c:axId val="168051840"/>
+        <c:axId val="128777600"/>
+        <c:axId val="116786304"/>
       </c:barChart>
       <c:catAx>
-        <c:axId val="167751040"/>
+        <c:axId val="128777600"/>
         <c:scaling>
           <c:orientation val="minMax"/>
         </c:scaling>
@@ -3606,7 +3608,7 @@
         <c:majorTickMark val="out"/>
         <c:minorTickMark val="none"/>
         <c:tickLblPos val="nextTo"/>
-        <c:crossAx val="168051840"/>
+        <c:crossAx val="116786304"/>
         <c:crosses val="autoZero"/>
         <c:auto val="1"/>
         <c:lblAlgn val="ctr"/>
@@ -3614,7 +3616,7 @@
         <c:noMultiLvlLbl val="0"/>
       </c:catAx>
       <c:valAx>
-        <c:axId val="168051840"/>
+        <c:axId val="116786304"/>
         <c:scaling>
           <c:orientation val="minMax"/>
           <c:max val="0.25"/>
@@ -3626,7 +3628,7 @@
         <c:majorTickMark val="out"/>
         <c:minorTickMark val="none"/>
         <c:tickLblPos val="nextTo"/>
-        <c:crossAx val="167751040"/>
+        <c:crossAx val="128777600"/>
         <c:crosses val="autoZero"/>
         <c:crossBetween val="between"/>
       </c:valAx>
@@ -4372,11 +4374,11 @@
           <c:showBubbleSize val="0"/>
         </c:dLbls>
         <c:gapWidth val="150"/>
-        <c:axId val="168090624"/>
-        <c:axId val="168096512"/>
+        <c:axId val="116837376"/>
+        <c:axId val="116839168"/>
       </c:barChart>
       <c:catAx>
-        <c:axId val="168090624"/>
+        <c:axId val="116837376"/>
         <c:scaling>
           <c:orientation val="minMax"/>
         </c:scaling>
@@ -4385,7 +4387,7 @@
         <c:majorTickMark val="out"/>
         <c:minorTickMark val="none"/>
         <c:tickLblPos val="nextTo"/>
-        <c:crossAx val="168096512"/>
+        <c:crossAx val="116839168"/>
         <c:crosses val="autoZero"/>
         <c:auto val="1"/>
         <c:lblAlgn val="ctr"/>
@@ -4393,7 +4395,7 @@
         <c:noMultiLvlLbl val="0"/>
       </c:catAx>
       <c:valAx>
-        <c:axId val="168096512"/>
+        <c:axId val="116839168"/>
         <c:scaling>
           <c:orientation val="minMax"/>
         </c:scaling>
@@ -4404,7 +4406,7 @@
         <c:majorTickMark val="out"/>
         <c:minorTickMark val="none"/>
         <c:tickLblPos val="nextTo"/>
-        <c:crossAx val="168090624"/>
+        <c:crossAx val="116837376"/>
         <c:crosses val="autoZero"/>
         <c:crossBetween val="between"/>
       </c:valAx>
@@ -4697,11 +4699,11 @@
           <c:showBubbleSize val="0"/>
         </c:dLbls>
         <c:gapWidth val="150"/>
-        <c:axId val="168127104"/>
-        <c:axId val="168141184"/>
+        <c:axId val="128473728"/>
+        <c:axId val="128483712"/>
       </c:barChart>
       <c:catAx>
-        <c:axId val="168127104"/>
+        <c:axId val="128473728"/>
         <c:scaling>
           <c:orientation val="minMax"/>
         </c:scaling>
@@ -4710,7 +4712,7 @@
         <c:majorTickMark val="out"/>
         <c:minorTickMark val="none"/>
         <c:tickLblPos val="nextTo"/>
-        <c:crossAx val="168141184"/>
+        <c:crossAx val="128483712"/>
         <c:crosses val="autoZero"/>
         <c:auto val="1"/>
         <c:lblAlgn val="ctr"/>
@@ -4718,7 +4720,7 @@
         <c:noMultiLvlLbl val="0"/>
       </c:catAx>
       <c:valAx>
-        <c:axId val="168141184"/>
+        <c:axId val="128483712"/>
         <c:scaling>
           <c:orientation val="minMax"/>
         </c:scaling>
@@ -4729,7 +4731,7 @@
         <c:majorTickMark val="out"/>
         <c:minorTickMark val="none"/>
         <c:tickLblPos val="nextTo"/>
-        <c:crossAx val="168127104"/>
+        <c:crossAx val="128473728"/>
         <c:crosses val="autoZero"/>
         <c:crossBetween val="between"/>
       </c:valAx>
@@ -5022,11 +5024,11 @@
           <c:showBubbleSize val="0"/>
         </c:dLbls>
         <c:gapWidth val="150"/>
-        <c:axId val="168162816"/>
-        <c:axId val="168164352"/>
+        <c:axId val="128501248"/>
+        <c:axId val="128502784"/>
       </c:barChart>
       <c:catAx>
-        <c:axId val="168162816"/>
+        <c:axId val="128501248"/>
         <c:scaling>
           <c:orientation val="minMax"/>
         </c:scaling>
@@ -5035,7 +5037,7 @@
         <c:majorTickMark val="out"/>
         <c:minorTickMark val="none"/>
         <c:tickLblPos val="nextTo"/>
-        <c:crossAx val="168164352"/>
+        <c:crossAx val="128502784"/>
         <c:crosses val="autoZero"/>
         <c:auto val="1"/>
         <c:lblAlgn val="ctr"/>
@@ -5043,7 +5045,7 @@
         <c:noMultiLvlLbl val="0"/>
       </c:catAx>
       <c:valAx>
-        <c:axId val="168164352"/>
+        <c:axId val="128502784"/>
         <c:scaling>
           <c:orientation val="minMax"/>
           <c:max val="0.25"/>
@@ -5055,7 +5057,7 @@
         <c:majorTickMark val="out"/>
         <c:minorTickMark val="none"/>
         <c:tickLblPos val="nextTo"/>
-        <c:crossAx val="168162816"/>
+        <c:crossAx val="128501248"/>
         <c:crosses val="autoZero"/>
         <c:crossBetween val="between"/>
       </c:valAx>
@@ -5801,11 +5803,11 @@
           <c:showBubbleSize val="0"/>
         </c:dLbls>
         <c:gapWidth val="150"/>
-        <c:axId val="168504320"/>
-        <c:axId val="168510208"/>
+        <c:axId val="128629760"/>
+        <c:axId val="128639744"/>
       </c:barChart>
       <c:catAx>
-        <c:axId val="168504320"/>
+        <c:axId val="128629760"/>
         <c:scaling>
           <c:orientation val="minMax"/>
         </c:scaling>
@@ -5814,7 +5816,7 @@
         <c:majorTickMark val="out"/>
         <c:minorTickMark val="none"/>
         <c:tickLblPos val="nextTo"/>
-        <c:crossAx val="168510208"/>
+        <c:crossAx val="128639744"/>
         <c:crosses val="autoZero"/>
         <c:auto val="1"/>
         <c:lblAlgn val="ctr"/>
@@ -5822,7 +5824,7 @@
         <c:noMultiLvlLbl val="0"/>
       </c:catAx>
       <c:valAx>
-        <c:axId val="168510208"/>
+        <c:axId val="128639744"/>
         <c:scaling>
           <c:orientation val="minMax"/>
           <c:max val="0.35000000000000003"/>
@@ -5834,7 +5836,7 @@
         <c:majorTickMark val="out"/>
         <c:minorTickMark val="none"/>
         <c:tickLblPos val="nextTo"/>
-        <c:crossAx val="168504320"/>
+        <c:crossAx val="128629760"/>
         <c:crosses val="autoZero"/>
         <c:crossBetween val="between"/>
       </c:valAx>
@@ -6140,11 +6142,11 @@
           <c:showBubbleSize val="0"/>
         </c:dLbls>
         <c:gapWidth val="150"/>
-        <c:axId val="168567552"/>
-        <c:axId val="168569088"/>
+        <c:axId val="128697088"/>
+        <c:axId val="128698624"/>
       </c:barChart>
       <c:catAx>
-        <c:axId val="168567552"/>
+        <c:axId val="128697088"/>
         <c:scaling>
           <c:orientation val="minMax"/>
         </c:scaling>
@@ -6153,7 +6155,7 @@
         <c:majorTickMark val="out"/>
         <c:minorTickMark val="none"/>
         <c:tickLblPos val="nextTo"/>
-        <c:crossAx val="168569088"/>
+        <c:crossAx val="128698624"/>
         <c:crosses val="autoZero"/>
         <c:auto val="1"/>
         <c:lblAlgn val="ctr"/>
@@ -6161,7 +6163,7 @@
         <c:noMultiLvlLbl val="0"/>
       </c:catAx>
       <c:valAx>
-        <c:axId val="168569088"/>
+        <c:axId val="128698624"/>
         <c:scaling>
           <c:orientation val="minMax"/>
           <c:max val="250"/>
@@ -6173,7 +6175,7 @@
         <c:majorTickMark val="out"/>
         <c:minorTickMark val="none"/>
         <c:tickLblPos val="nextTo"/>
-        <c:crossAx val="168567552"/>
+        <c:crossAx val="128697088"/>
         <c:crosses val="autoZero"/>
         <c:crossBetween val="between"/>
       </c:valAx>
@@ -6361,11 +6363,11 @@
           <c:showBubbleSize val="0"/>
         </c:dLbls>
         <c:gapWidth val="150"/>
-        <c:axId val="168610432"/>
-        <c:axId val="168616320"/>
+        <c:axId val="128707200"/>
+        <c:axId val="128979328"/>
       </c:barChart>
       <c:catAx>
-        <c:axId val="168610432"/>
+        <c:axId val="128707200"/>
         <c:scaling>
           <c:orientation val="minMax"/>
         </c:scaling>
@@ -6374,7 +6376,7 @@
         <c:majorTickMark val="out"/>
         <c:minorTickMark val="none"/>
         <c:tickLblPos val="nextTo"/>
-        <c:crossAx val="168616320"/>
+        <c:crossAx val="128979328"/>
         <c:crosses val="autoZero"/>
         <c:auto val="1"/>
         <c:lblAlgn val="ctr"/>
@@ -6382,7 +6384,7 @@
         <c:noMultiLvlLbl val="0"/>
       </c:catAx>
       <c:valAx>
-        <c:axId val="168616320"/>
+        <c:axId val="128979328"/>
         <c:scaling>
           <c:orientation val="minMax"/>
         </c:scaling>
@@ -6393,7 +6395,7 @@
         <c:majorTickMark val="out"/>
         <c:minorTickMark val="none"/>
         <c:tickLblPos val="nextTo"/>
-        <c:crossAx val="168610432"/>
+        <c:crossAx val="128707200"/>
         <c:crosses val="autoZero"/>
         <c:crossBetween val="between"/>
       </c:valAx>
@@ -7382,11 +7384,11 @@
         </c:dLbls>
         <c:marker val="1"/>
         <c:smooth val="0"/>
-        <c:axId val="166675968"/>
-        <c:axId val="166677888"/>
+        <c:axId val="107794816"/>
+        <c:axId val="107796736"/>
       </c:lineChart>
       <c:catAx>
-        <c:axId val="166675968"/>
+        <c:axId val="107794816"/>
         <c:scaling>
           <c:orientation val="minMax"/>
         </c:scaling>
@@ -7420,7 +7422,7 @@
         <c:majorTickMark val="out"/>
         <c:minorTickMark val="none"/>
         <c:tickLblPos val="nextTo"/>
-        <c:crossAx val="166677888"/>
+        <c:crossAx val="107796736"/>
         <c:crosses val="autoZero"/>
         <c:auto val="1"/>
         <c:lblAlgn val="ctr"/>
@@ -7428,7 +7430,7 @@
         <c:noMultiLvlLbl val="0"/>
       </c:catAx>
       <c:valAx>
-        <c:axId val="166677888"/>
+        <c:axId val="107796736"/>
         <c:scaling>
           <c:orientation val="minMax"/>
           <c:max val="0.5"/>
@@ -7440,7 +7442,7 @@
         <c:majorTickMark val="out"/>
         <c:minorTickMark val="none"/>
         <c:tickLblPos val="nextTo"/>
-        <c:crossAx val="166675968"/>
+        <c:crossAx val="107794816"/>
         <c:crosses val="autoZero"/>
         <c:crossBetween val="between"/>
       </c:valAx>
@@ -7799,11 +7801,11 @@
           <c:showBubbleSize val="0"/>
         </c:dLbls>
         <c:gapWidth val="150"/>
-        <c:axId val="168673664"/>
-        <c:axId val="168675200"/>
+        <c:axId val="129372544"/>
+        <c:axId val="129374080"/>
       </c:barChart>
       <c:catAx>
-        <c:axId val="168673664"/>
+        <c:axId val="129372544"/>
         <c:scaling>
           <c:orientation val="minMax"/>
         </c:scaling>
@@ -7812,7 +7814,7 @@
         <c:majorTickMark val="out"/>
         <c:minorTickMark val="none"/>
         <c:tickLblPos val="nextTo"/>
-        <c:crossAx val="168675200"/>
+        <c:crossAx val="129374080"/>
         <c:crosses val="autoZero"/>
         <c:auto val="1"/>
         <c:lblAlgn val="ctr"/>
@@ -7820,7 +7822,7 @@
         <c:noMultiLvlLbl val="0"/>
       </c:catAx>
       <c:valAx>
-        <c:axId val="168675200"/>
+        <c:axId val="129374080"/>
         <c:scaling>
           <c:orientation val="minMax"/>
           <c:max val="1400"/>
@@ -7832,7 +7834,7 @@
         <c:majorTickMark val="out"/>
         <c:minorTickMark val="none"/>
         <c:tickLblPos val="nextTo"/>
-        <c:crossAx val="168673664"/>
+        <c:crossAx val="129372544"/>
         <c:crosses val="autoZero"/>
         <c:crossBetween val="between"/>
       </c:valAx>
@@ -8056,11 +8058,11 @@
           <c:showBubbleSize val="0"/>
         </c:dLbls>
         <c:gapWidth val="150"/>
-        <c:axId val="168687872"/>
-        <c:axId val="169033728"/>
+        <c:axId val="129403136"/>
+        <c:axId val="129409024"/>
       </c:barChart>
       <c:catAx>
-        <c:axId val="168687872"/>
+        <c:axId val="129403136"/>
         <c:scaling>
           <c:orientation val="minMax"/>
         </c:scaling>
@@ -8069,7 +8071,7 @@
         <c:majorTickMark val="out"/>
         <c:minorTickMark val="none"/>
         <c:tickLblPos val="nextTo"/>
-        <c:crossAx val="169033728"/>
+        <c:crossAx val="129409024"/>
         <c:crosses val="autoZero"/>
         <c:auto val="1"/>
         <c:lblAlgn val="ctr"/>
@@ -8077,7 +8079,7 @@
         <c:noMultiLvlLbl val="0"/>
       </c:catAx>
       <c:valAx>
-        <c:axId val="169033728"/>
+        <c:axId val="129409024"/>
         <c:scaling>
           <c:orientation val="minMax"/>
         </c:scaling>
@@ -8088,7 +8090,7 @@
         <c:majorTickMark val="out"/>
         <c:minorTickMark val="none"/>
         <c:tickLblPos val="nextTo"/>
-        <c:crossAx val="168687872"/>
+        <c:crossAx val="129403136"/>
         <c:crosses val="autoZero"/>
         <c:crossBetween val="between"/>
       </c:valAx>
@@ -8320,11 +8322,11 @@
           <c:showBubbleSize val="0"/>
         </c:dLbls>
         <c:gapWidth val="150"/>
-        <c:axId val="169076608"/>
-        <c:axId val="169078144"/>
+        <c:axId val="129329024"/>
+        <c:axId val="129330560"/>
       </c:barChart>
       <c:catAx>
-        <c:axId val="169076608"/>
+        <c:axId val="129329024"/>
         <c:scaling>
           <c:orientation val="minMax"/>
         </c:scaling>
@@ -8333,7 +8335,7 @@
         <c:majorTickMark val="out"/>
         <c:minorTickMark val="none"/>
         <c:tickLblPos val="nextTo"/>
-        <c:crossAx val="169078144"/>
+        <c:crossAx val="129330560"/>
         <c:crosses val="autoZero"/>
         <c:auto val="1"/>
         <c:lblAlgn val="ctr"/>
@@ -8341,7 +8343,7 @@
         <c:noMultiLvlLbl val="0"/>
       </c:catAx>
       <c:valAx>
-        <c:axId val="169078144"/>
+        <c:axId val="129330560"/>
         <c:scaling>
           <c:orientation val="minMax"/>
         </c:scaling>
@@ -8352,7 +8354,7 @@
         <c:majorTickMark val="out"/>
         <c:minorTickMark val="none"/>
         <c:tickLblPos val="nextTo"/>
-        <c:crossAx val="169076608"/>
+        <c:crossAx val="129329024"/>
         <c:crosses val="autoZero"/>
         <c:crossBetween val="between"/>
       </c:valAx>
@@ -8584,11 +8586,11 @@
           <c:showBubbleSize val="0"/>
         </c:dLbls>
         <c:gapWidth val="150"/>
-        <c:axId val="169309696"/>
-        <c:axId val="169311232"/>
+        <c:axId val="129361408"/>
+        <c:axId val="129362944"/>
       </c:barChart>
       <c:catAx>
-        <c:axId val="169309696"/>
+        <c:axId val="129361408"/>
         <c:scaling>
           <c:orientation val="minMax"/>
         </c:scaling>
@@ -8597,7 +8599,7 @@
         <c:majorTickMark val="out"/>
         <c:minorTickMark val="none"/>
         <c:tickLblPos val="nextTo"/>
-        <c:crossAx val="169311232"/>
+        <c:crossAx val="129362944"/>
         <c:crosses val="autoZero"/>
         <c:auto val="1"/>
         <c:lblAlgn val="ctr"/>
@@ -8605,7 +8607,7 @@
         <c:noMultiLvlLbl val="0"/>
       </c:catAx>
       <c:valAx>
-        <c:axId val="169311232"/>
+        <c:axId val="129362944"/>
         <c:scaling>
           <c:orientation val="minMax"/>
         </c:scaling>
@@ -8616,7 +8618,7 @@
         <c:majorTickMark val="out"/>
         <c:minorTickMark val="none"/>
         <c:tickLblPos val="nextTo"/>
-        <c:crossAx val="169309696"/>
+        <c:crossAx val="129361408"/>
         <c:crosses val="autoZero"/>
         <c:crossBetween val="between"/>
       </c:valAx>
@@ -9991,11 +9993,11 @@
         </c:dLbls>
         <c:marker val="1"/>
         <c:smooth val="0"/>
-        <c:axId val="169400960"/>
-        <c:axId val="169406848"/>
+        <c:axId val="129157760"/>
+        <c:axId val="129163648"/>
       </c:lineChart>
       <c:catAx>
-        <c:axId val="169400960"/>
+        <c:axId val="129157760"/>
         <c:scaling>
           <c:orientation val="minMax"/>
         </c:scaling>
@@ -10005,7 +10007,7 @@
         <c:majorTickMark val="out"/>
         <c:minorTickMark val="none"/>
         <c:tickLblPos val="nextTo"/>
-        <c:crossAx val="169406848"/>
+        <c:crossAx val="129163648"/>
         <c:crosses val="autoZero"/>
         <c:auto val="1"/>
         <c:lblAlgn val="ctr"/>
@@ -10013,7 +10015,7 @@
         <c:noMultiLvlLbl val="0"/>
       </c:catAx>
       <c:valAx>
-        <c:axId val="169406848"/>
+        <c:axId val="129163648"/>
         <c:scaling>
           <c:orientation val="minMax"/>
         </c:scaling>
@@ -10024,7 +10026,7 @@
         <c:majorTickMark val="out"/>
         <c:minorTickMark val="none"/>
         <c:tickLblPos val="nextTo"/>
-        <c:crossAx val="169400960"/>
+        <c:crossAx val="129157760"/>
         <c:crosses val="autoZero"/>
         <c:crossBetween val="between"/>
       </c:valAx>
@@ -10302,11 +10304,11 @@
           <c:showPercent val="0"/>
           <c:showBubbleSize val="0"/>
         </c:dLbls>
-        <c:axId val="172709376"/>
-        <c:axId val="172710912"/>
+        <c:axId val="129177088"/>
+        <c:axId val="129178624"/>
       </c:scatterChart>
       <c:valAx>
-        <c:axId val="172709376"/>
+        <c:axId val="129177088"/>
         <c:scaling>
           <c:orientation val="minMax"/>
         </c:scaling>
@@ -10316,12 +10318,12 @@
         <c:majorTickMark val="out"/>
         <c:minorTickMark val="none"/>
         <c:tickLblPos val="nextTo"/>
-        <c:crossAx val="172710912"/>
+        <c:crossAx val="129178624"/>
         <c:crosses val="autoZero"/>
         <c:crossBetween val="midCat"/>
       </c:valAx>
       <c:valAx>
-        <c:axId val="172710912"/>
+        <c:axId val="129178624"/>
         <c:scaling>
           <c:orientation val="minMax"/>
           <c:max val="350"/>
@@ -10333,7 +10335,7 @@
         <c:majorTickMark val="out"/>
         <c:minorTickMark val="none"/>
         <c:tickLblPos val="nextTo"/>
-        <c:crossAx val="172709376"/>
+        <c:crossAx val="129177088"/>
         <c:crosses val="autoZero"/>
         <c:crossBetween val="midCat"/>
       </c:valAx>
@@ -10829,11 +10831,11 @@
           <c:showPercent val="0"/>
           <c:showBubbleSize val="0"/>
         </c:dLbls>
-        <c:axId val="172754048"/>
-        <c:axId val="172755584"/>
+        <c:axId val="129225856"/>
+        <c:axId val="129227392"/>
       </c:scatterChart>
       <c:valAx>
-        <c:axId val="172754048"/>
+        <c:axId val="129225856"/>
         <c:scaling>
           <c:orientation val="minMax"/>
         </c:scaling>
@@ -10843,12 +10845,12 @@
         <c:majorTickMark val="out"/>
         <c:minorTickMark val="none"/>
         <c:tickLblPos val="nextTo"/>
-        <c:crossAx val="172755584"/>
+        <c:crossAx val="129227392"/>
         <c:crosses val="autoZero"/>
         <c:crossBetween val="midCat"/>
       </c:valAx>
       <c:valAx>
-        <c:axId val="172755584"/>
+        <c:axId val="129227392"/>
         <c:scaling>
           <c:orientation val="minMax"/>
         </c:scaling>
@@ -10859,7 +10861,7 @@
         <c:majorTickMark val="out"/>
         <c:minorTickMark val="none"/>
         <c:tickLblPos val="nextTo"/>
-        <c:crossAx val="172754048"/>
+        <c:crossAx val="129225856"/>
         <c:crosses val="autoZero"/>
         <c:crossBetween val="midCat"/>
       </c:valAx>
@@ -11331,11 +11333,11 @@
           <c:showPercent val="0"/>
           <c:showBubbleSize val="0"/>
         </c:dLbls>
-        <c:axId val="172798720"/>
-        <c:axId val="172800256"/>
+        <c:axId val="129704704"/>
+        <c:axId val="129706240"/>
       </c:scatterChart>
       <c:valAx>
-        <c:axId val="172798720"/>
+        <c:axId val="129704704"/>
         <c:scaling>
           <c:orientation val="minMax"/>
         </c:scaling>
@@ -11345,12 +11347,12 @@
         <c:majorTickMark val="out"/>
         <c:minorTickMark val="none"/>
         <c:tickLblPos val="nextTo"/>
-        <c:crossAx val="172800256"/>
+        <c:crossAx val="129706240"/>
         <c:crosses val="autoZero"/>
         <c:crossBetween val="midCat"/>
       </c:valAx>
       <c:valAx>
-        <c:axId val="172800256"/>
+        <c:axId val="129706240"/>
         <c:scaling>
           <c:orientation val="minMax"/>
         </c:scaling>
@@ -11361,7 +11363,7 @@
         <c:majorTickMark val="out"/>
         <c:minorTickMark val="none"/>
         <c:tickLblPos val="nextTo"/>
-        <c:crossAx val="172798720"/>
+        <c:crossAx val="129704704"/>
         <c:crosses val="autoZero"/>
         <c:crossBetween val="midCat"/>
       </c:valAx>
@@ -11773,11 +11775,11 @@
           <c:showPercent val="0"/>
           <c:showBubbleSize val="0"/>
         </c:dLbls>
-        <c:axId val="175206784"/>
-        <c:axId val="175208320"/>
+        <c:axId val="129753472"/>
+        <c:axId val="129755008"/>
       </c:scatterChart>
       <c:valAx>
-        <c:axId val="175206784"/>
+        <c:axId val="129753472"/>
         <c:scaling>
           <c:orientation val="minMax"/>
         </c:scaling>
@@ -11787,12 +11789,12 @@
         <c:majorTickMark val="out"/>
         <c:minorTickMark val="none"/>
         <c:tickLblPos val="nextTo"/>
-        <c:crossAx val="175208320"/>
+        <c:crossAx val="129755008"/>
         <c:crosses val="autoZero"/>
         <c:crossBetween val="midCat"/>
       </c:valAx>
       <c:valAx>
-        <c:axId val="175208320"/>
+        <c:axId val="129755008"/>
         <c:scaling>
           <c:orientation val="minMax"/>
           <c:max val="350"/>
@@ -11804,7 +11806,7 @@
         <c:majorTickMark val="out"/>
         <c:minorTickMark val="none"/>
         <c:tickLblPos val="nextTo"/>
-        <c:crossAx val="175206784"/>
+        <c:crossAx val="129753472"/>
         <c:crosses val="autoZero"/>
         <c:crossBetween val="midCat"/>
       </c:valAx>
@@ -12788,11 +12790,11 @@
         </c:dLbls>
         <c:marker val="1"/>
         <c:smooth val="0"/>
-        <c:axId val="166710272"/>
-        <c:axId val="166716544"/>
+        <c:axId val="110278528"/>
+        <c:axId val="110280704"/>
       </c:lineChart>
       <c:catAx>
-        <c:axId val="166710272"/>
+        <c:axId val="110278528"/>
         <c:scaling>
           <c:orientation val="minMax"/>
         </c:scaling>
@@ -12826,7 +12828,7 @@
         <c:majorTickMark val="out"/>
         <c:minorTickMark val="none"/>
         <c:tickLblPos val="nextTo"/>
-        <c:crossAx val="166716544"/>
+        <c:crossAx val="110280704"/>
         <c:crosses val="autoZero"/>
         <c:auto val="1"/>
         <c:lblAlgn val="ctr"/>
@@ -12834,7 +12836,7 @@
         <c:noMultiLvlLbl val="0"/>
       </c:catAx>
       <c:valAx>
-        <c:axId val="166716544"/>
+        <c:axId val="110280704"/>
         <c:scaling>
           <c:orientation val="minMax"/>
           <c:max val="0.5"/>
@@ -12846,7 +12848,7 @@
         <c:majorTickMark val="out"/>
         <c:minorTickMark val="none"/>
         <c:tickLblPos val="nextTo"/>
-        <c:crossAx val="166710272"/>
+        <c:crossAx val="110278528"/>
         <c:crosses val="autoZero"/>
         <c:crossBetween val="between"/>
       </c:valAx>
@@ -13227,11 +13229,11 @@
           <c:showPercent val="0"/>
           <c:showBubbleSize val="0"/>
         </c:dLbls>
-        <c:axId val="175226880"/>
-        <c:axId val="175228416"/>
+        <c:axId val="129777664"/>
+        <c:axId val="129779200"/>
       </c:scatterChart>
       <c:valAx>
-        <c:axId val="175226880"/>
+        <c:axId val="129777664"/>
         <c:scaling>
           <c:orientation val="minMax"/>
         </c:scaling>
@@ -13241,12 +13243,12 @@
         <c:majorTickMark val="out"/>
         <c:minorTickMark val="none"/>
         <c:tickLblPos val="nextTo"/>
-        <c:crossAx val="175228416"/>
+        <c:crossAx val="129779200"/>
         <c:crosses val="autoZero"/>
         <c:crossBetween val="midCat"/>
       </c:valAx>
       <c:valAx>
-        <c:axId val="175228416"/>
+        <c:axId val="129779200"/>
         <c:scaling>
           <c:orientation val="minMax"/>
           <c:max val="350"/>
@@ -13258,7 +13260,7 @@
         <c:majorTickMark val="out"/>
         <c:minorTickMark val="none"/>
         <c:tickLblPos val="nextTo"/>
-        <c:crossAx val="175226880"/>
+        <c:crossAx val="129777664"/>
         <c:crosses val="autoZero"/>
         <c:crossBetween val="midCat"/>
       </c:valAx>
@@ -13742,11 +13744,11 @@
           <c:showPercent val="0"/>
           <c:showBubbleSize val="0"/>
         </c:dLbls>
-        <c:axId val="175268224"/>
-        <c:axId val="175269760"/>
+        <c:axId val="129827200"/>
+        <c:axId val="129828736"/>
       </c:scatterChart>
       <c:valAx>
-        <c:axId val="175268224"/>
+        <c:axId val="129827200"/>
         <c:scaling>
           <c:orientation val="minMax"/>
         </c:scaling>
@@ -13756,12 +13758,12 @@
         <c:majorTickMark val="out"/>
         <c:minorTickMark val="none"/>
         <c:tickLblPos val="nextTo"/>
-        <c:crossAx val="175269760"/>
+        <c:crossAx val="129828736"/>
         <c:crosses val="autoZero"/>
         <c:crossBetween val="midCat"/>
       </c:valAx>
       <c:valAx>
-        <c:axId val="175269760"/>
+        <c:axId val="129828736"/>
         <c:scaling>
           <c:orientation val="minMax"/>
           <c:max val="2500"/>
@@ -13773,7 +13775,7 @@
         <c:majorTickMark val="out"/>
         <c:minorTickMark val="none"/>
         <c:tickLblPos val="nextTo"/>
-        <c:crossAx val="175268224"/>
+        <c:crossAx val="129827200"/>
         <c:crosses val="autoZero"/>
         <c:crossBetween val="midCat"/>
       </c:valAx>
@@ -14269,11 +14271,11 @@
           <c:showPercent val="0"/>
           <c:showBubbleSize val="0"/>
         </c:dLbls>
-        <c:axId val="175316992"/>
-        <c:axId val="175318528"/>
+        <c:axId val="129867776"/>
+        <c:axId val="129869312"/>
       </c:scatterChart>
       <c:valAx>
-        <c:axId val="175316992"/>
+        <c:axId val="129867776"/>
         <c:scaling>
           <c:orientation val="minMax"/>
         </c:scaling>
@@ -14283,12 +14285,12 @@
         <c:majorTickMark val="out"/>
         <c:minorTickMark val="none"/>
         <c:tickLblPos val="nextTo"/>
-        <c:crossAx val="175318528"/>
+        <c:crossAx val="129869312"/>
         <c:crosses val="autoZero"/>
         <c:crossBetween val="midCat"/>
       </c:valAx>
       <c:valAx>
-        <c:axId val="175318528"/>
+        <c:axId val="129869312"/>
         <c:scaling>
           <c:orientation val="minMax"/>
           <c:max val="2500"/>
@@ -14300,7 +14302,7 @@
         <c:majorTickMark val="out"/>
         <c:minorTickMark val="none"/>
         <c:tickLblPos val="nextTo"/>
-        <c:crossAx val="175316992"/>
+        <c:crossAx val="129867776"/>
         <c:crosses val="autoZero"/>
         <c:crossBetween val="midCat"/>
       </c:valAx>
@@ -14676,11 +14678,11 @@
           <c:showPercent val="0"/>
           <c:showBubbleSize val="0"/>
         </c:dLbls>
-        <c:axId val="175336832"/>
-        <c:axId val="175350912"/>
+        <c:axId val="129879424"/>
+        <c:axId val="129881216"/>
       </c:scatterChart>
       <c:valAx>
-        <c:axId val="175336832"/>
+        <c:axId val="129879424"/>
         <c:scaling>
           <c:orientation val="minMax"/>
         </c:scaling>
@@ -14690,12 +14692,12 @@
         <c:majorTickMark val="out"/>
         <c:minorTickMark val="none"/>
         <c:tickLblPos val="nextTo"/>
-        <c:crossAx val="175350912"/>
+        <c:crossAx val="129881216"/>
         <c:crosses val="autoZero"/>
         <c:crossBetween val="midCat"/>
       </c:valAx>
       <c:valAx>
-        <c:axId val="175350912"/>
+        <c:axId val="129881216"/>
         <c:scaling>
           <c:orientation val="minMax"/>
         </c:scaling>
@@ -14706,7 +14708,7 @@
         <c:majorTickMark val="out"/>
         <c:minorTickMark val="none"/>
         <c:tickLblPos val="nextTo"/>
-        <c:crossAx val="175336832"/>
+        <c:crossAx val="129879424"/>
         <c:crosses val="autoZero"/>
         <c:crossBetween val="midCat"/>
       </c:valAx>
@@ -15178,11 +15180,11 @@
           <c:showPercent val="0"/>
           <c:showBubbleSize val="0"/>
         </c:dLbls>
-        <c:axId val="175373312"/>
-        <c:axId val="175387392"/>
+        <c:axId val="129530880"/>
+        <c:axId val="129536768"/>
       </c:scatterChart>
       <c:valAx>
-        <c:axId val="175373312"/>
+        <c:axId val="129530880"/>
         <c:scaling>
           <c:orientation val="minMax"/>
         </c:scaling>
@@ -15192,12 +15194,12 @@
         <c:majorTickMark val="out"/>
         <c:minorTickMark val="none"/>
         <c:tickLblPos val="nextTo"/>
-        <c:crossAx val="175387392"/>
+        <c:crossAx val="129536768"/>
         <c:crosses val="autoZero"/>
         <c:crossBetween val="midCat"/>
       </c:valAx>
       <c:valAx>
-        <c:axId val="175387392"/>
+        <c:axId val="129536768"/>
         <c:scaling>
           <c:orientation val="minMax"/>
           <c:max val="2500"/>
@@ -15209,7 +15211,7 @@
         <c:majorTickMark val="out"/>
         <c:minorTickMark val="none"/>
         <c:tickLblPos val="nextTo"/>
-        <c:crossAx val="175373312"/>
+        <c:crossAx val="129530880"/>
         <c:crosses val="autoZero"/>
         <c:crossBetween val="midCat"/>
       </c:valAx>
@@ -15621,11 +15623,11 @@
           <c:showPercent val="0"/>
           <c:showBubbleSize val="0"/>
         </c:dLbls>
-        <c:axId val="175417984"/>
-        <c:axId val="175419776"/>
+        <c:axId val="129567360"/>
+        <c:axId val="129577344"/>
       </c:scatterChart>
       <c:valAx>
-        <c:axId val="175417984"/>
+        <c:axId val="129567360"/>
         <c:scaling>
           <c:orientation val="minMax"/>
         </c:scaling>
@@ -15635,12 +15637,12 @@
         <c:majorTickMark val="out"/>
         <c:minorTickMark val="none"/>
         <c:tickLblPos val="nextTo"/>
-        <c:crossAx val="175419776"/>
+        <c:crossAx val="129577344"/>
         <c:crosses val="autoZero"/>
         <c:crossBetween val="midCat"/>
       </c:valAx>
       <c:valAx>
-        <c:axId val="175419776"/>
+        <c:axId val="129577344"/>
         <c:scaling>
           <c:orientation val="minMax"/>
         </c:scaling>
@@ -15651,7 +15653,7 @@
         <c:majorTickMark val="out"/>
         <c:minorTickMark val="none"/>
         <c:tickLblPos val="nextTo"/>
-        <c:crossAx val="175417984"/>
+        <c:crossAx val="129567360"/>
         <c:crosses val="autoZero"/>
         <c:crossBetween val="midCat"/>
       </c:valAx>
@@ -16049,11 +16051,11 @@
           <c:showBubbleSize val="0"/>
         </c:dLbls>
         <c:gapWidth val="150"/>
-        <c:axId val="175607168"/>
-        <c:axId val="175629440"/>
+        <c:axId val="129609088"/>
+        <c:axId val="129627264"/>
       </c:barChart>
       <c:catAx>
-        <c:axId val="175607168"/>
+        <c:axId val="129609088"/>
         <c:scaling>
           <c:orientation val="minMax"/>
         </c:scaling>
@@ -16062,7 +16064,7 @@
         <c:majorTickMark val="out"/>
         <c:minorTickMark val="none"/>
         <c:tickLblPos val="nextTo"/>
-        <c:crossAx val="175629440"/>
+        <c:crossAx val="129627264"/>
         <c:crosses val="autoZero"/>
         <c:auto val="1"/>
         <c:lblAlgn val="ctr"/>
@@ -16070,7 +16072,7 @@
         <c:noMultiLvlLbl val="0"/>
       </c:catAx>
       <c:valAx>
-        <c:axId val="175629440"/>
+        <c:axId val="129627264"/>
         <c:scaling>
           <c:orientation val="minMax"/>
           <c:max val="1"/>
@@ -16082,7 +16084,7 @@
         <c:majorTickMark val="out"/>
         <c:minorTickMark val="none"/>
         <c:tickLblPos val="nextTo"/>
-        <c:crossAx val="175607168"/>
+        <c:crossAx val="129609088"/>
         <c:crosses val="autoZero"/>
         <c:crossBetween val="between"/>
       </c:valAx>
@@ -16777,11 +16779,11 @@
           <c:showBubbleSize val="0"/>
         </c:dLbls>
         <c:gapWidth val="150"/>
-        <c:axId val="175664128"/>
-        <c:axId val="175678208"/>
+        <c:axId val="129666048"/>
+        <c:axId val="129671936"/>
       </c:barChart>
       <c:catAx>
-        <c:axId val="175664128"/>
+        <c:axId val="129666048"/>
         <c:scaling>
           <c:orientation val="minMax"/>
         </c:scaling>
@@ -16791,7 +16793,7 @@
         <c:majorTickMark val="out"/>
         <c:minorTickMark val="none"/>
         <c:tickLblPos val="nextTo"/>
-        <c:crossAx val="175678208"/>
+        <c:crossAx val="129671936"/>
         <c:crosses val="autoZero"/>
         <c:auto val="1"/>
         <c:lblAlgn val="ctr"/>
@@ -16799,7 +16801,7 @@
         <c:noMultiLvlLbl val="0"/>
       </c:catAx>
       <c:valAx>
-        <c:axId val="175678208"/>
+        <c:axId val="129671936"/>
         <c:scaling>
           <c:orientation val="minMax"/>
           <c:max val="1"/>
@@ -16811,7 +16813,7 @@
         <c:majorTickMark val="out"/>
         <c:minorTickMark val="none"/>
         <c:tickLblPos val="nextTo"/>
-        <c:crossAx val="175664128"/>
+        <c:crossAx val="129666048"/>
         <c:crosses val="autoZero"/>
         <c:crossBetween val="between"/>
       </c:valAx>
@@ -17233,11 +17235,11 @@
           <c:showBubbleSize val="0"/>
         </c:dLbls>
         <c:gapWidth val="150"/>
-        <c:axId val="175841664"/>
-        <c:axId val="175843200"/>
+        <c:axId val="130204032"/>
+        <c:axId val="130205568"/>
       </c:barChart>
       <c:catAx>
-        <c:axId val="175841664"/>
+        <c:axId val="130204032"/>
         <c:scaling>
           <c:orientation val="minMax"/>
         </c:scaling>
@@ -17246,7 +17248,7 @@
         <c:majorTickMark val="out"/>
         <c:minorTickMark val="none"/>
         <c:tickLblPos val="nextTo"/>
-        <c:crossAx val="175843200"/>
+        <c:crossAx val="130205568"/>
         <c:crosses val="autoZero"/>
         <c:auto val="1"/>
         <c:lblAlgn val="ctr"/>
@@ -17254,7 +17256,7 @@
         <c:noMultiLvlLbl val="0"/>
       </c:catAx>
       <c:valAx>
-        <c:axId val="175843200"/>
+        <c:axId val="130205568"/>
         <c:scaling>
           <c:orientation val="minMax"/>
           <c:max val="0.5"/>
@@ -17266,7 +17268,7 @@
         <c:majorTickMark val="out"/>
         <c:minorTickMark val="none"/>
         <c:tickLblPos val="nextTo"/>
-        <c:crossAx val="175841664"/>
+        <c:crossAx val="130204032"/>
         <c:crosses val="autoZero"/>
         <c:crossBetween val="between"/>
       </c:valAx>
@@ -17688,11 +17690,11 @@
           <c:showBubbleSize val="0"/>
         </c:dLbls>
         <c:gapWidth val="150"/>
-        <c:axId val="175866240"/>
-        <c:axId val="175867776"/>
+        <c:axId val="130240896"/>
+        <c:axId val="130242432"/>
       </c:barChart>
       <c:catAx>
-        <c:axId val="175866240"/>
+        <c:axId val="130240896"/>
         <c:scaling>
           <c:orientation val="minMax"/>
         </c:scaling>
@@ -17701,7 +17703,7 @@
         <c:majorTickMark val="out"/>
         <c:minorTickMark val="none"/>
         <c:tickLblPos val="nextTo"/>
-        <c:crossAx val="175867776"/>
+        <c:crossAx val="130242432"/>
         <c:crosses val="autoZero"/>
         <c:auto val="1"/>
         <c:lblAlgn val="ctr"/>
@@ -17709,7 +17711,7 @@
         <c:noMultiLvlLbl val="0"/>
       </c:catAx>
       <c:valAx>
-        <c:axId val="175867776"/>
+        <c:axId val="130242432"/>
         <c:scaling>
           <c:orientation val="minMax"/>
           <c:max val="0.5"/>
@@ -17721,7 +17723,7 @@
         <c:majorTickMark val="out"/>
         <c:minorTickMark val="none"/>
         <c:tickLblPos val="nextTo"/>
-        <c:crossAx val="175866240"/>
+        <c:crossAx val="130240896"/>
         <c:crosses val="autoZero"/>
         <c:crossBetween val="between"/>
       </c:valAx>
@@ -18620,11 +18622,11 @@
         </c:dLbls>
         <c:marker val="1"/>
         <c:smooth val="0"/>
-        <c:axId val="166747136"/>
-        <c:axId val="166761216"/>
+        <c:axId val="110184320"/>
+        <c:axId val="110185856"/>
       </c:lineChart>
       <c:catAx>
-        <c:axId val="166747136"/>
+        <c:axId val="110184320"/>
         <c:scaling>
           <c:orientation val="minMax"/>
         </c:scaling>
@@ -18634,7 +18636,7 @@
         <c:majorTickMark val="out"/>
         <c:minorTickMark val="none"/>
         <c:tickLblPos val="nextTo"/>
-        <c:crossAx val="166761216"/>
+        <c:crossAx val="110185856"/>
         <c:crosses val="autoZero"/>
         <c:auto val="1"/>
         <c:lblAlgn val="ctr"/>
@@ -18642,7 +18644,7 @@
         <c:noMultiLvlLbl val="0"/>
       </c:catAx>
       <c:valAx>
-        <c:axId val="166761216"/>
+        <c:axId val="110185856"/>
         <c:scaling>
           <c:orientation val="minMax"/>
           <c:max val="0.25"/>
@@ -18654,7 +18656,7 @@
         <c:majorTickMark val="out"/>
         <c:minorTickMark val="none"/>
         <c:tickLblPos val="nextTo"/>
-        <c:crossAx val="166747136"/>
+        <c:crossAx val="110184320"/>
         <c:crosses val="autoZero"/>
         <c:crossBetween val="between"/>
       </c:valAx>
@@ -19086,11 +19088,11 @@
           <c:showBubbleSize val="0"/>
         </c:dLbls>
         <c:gapWidth val="150"/>
-        <c:axId val="175972736"/>
-        <c:axId val="175974272"/>
+        <c:axId val="130273664"/>
+        <c:axId val="130275200"/>
       </c:barChart>
       <c:catAx>
-        <c:axId val="175972736"/>
+        <c:axId val="130273664"/>
         <c:scaling>
           <c:orientation val="minMax"/>
         </c:scaling>
@@ -19099,7 +19101,7 @@
         <c:majorTickMark val="out"/>
         <c:minorTickMark val="none"/>
         <c:tickLblPos val="nextTo"/>
-        <c:crossAx val="175974272"/>
+        <c:crossAx val="130275200"/>
         <c:crosses val="autoZero"/>
         <c:auto val="1"/>
         <c:lblAlgn val="ctr"/>
@@ -19107,7 +19109,7 @@
         <c:noMultiLvlLbl val="0"/>
       </c:catAx>
       <c:valAx>
-        <c:axId val="175974272"/>
+        <c:axId val="130275200"/>
         <c:scaling>
           <c:orientation val="minMax"/>
         </c:scaling>
@@ -19118,7 +19120,7 @@
         <c:majorTickMark val="out"/>
         <c:minorTickMark val="none"/>
         <c:tickLblPos val="nextTo"/>
-        <c:crossAx val="175972736"/>
+        <c:crossAx val="130273664"/>
         <c:crosses val="autoZero"/>
         <c:crossBetween val="between"/>
       </c:valAx>
@@ -19540,11 +19542,11 @@
           <c:showBubbleSize val="0"/>
         </c:dLbls>
         <c:gapWidth val="150"/>
-        <c:axId val="176030080"/>
-        <c:axId val="176031616"/>
+        <c:axId val="130363776"/>
+        <c:axId val="130365312"/>
       </c:barChart>
       <c:catAx>
-        <c:axId val="176030080"/>
+        <c:axId val="130363776"/>
         <c:scaling>
           <c:orientation val="minMax"/>
         </c:scaling>
@@ -19553,7 +19555,7 @@
         <c:majorTickMark val="out"/>
         <c:minorTickMark val="none"/>
         <c:tickLblPos val="nextTo"/>
-        <c:crossAx val="176031616"/>
+        <c:crossAx val="130365312"/>
         <c:crosses val="autoZero"/>
         <c:auto val="1"/>
         <c:lblAlgn val="ctr"/>
@@ -19561,7 +19563,7 @@
         <c:noMultiLvlLbl val="0"/>
       </c:catAx>
       <c:valAx>
-        <c:axId val="176031616"/>
+        <c:axId val="130365312"/>
         <c:scaling>
           <c:orientation val="minMax"/>
         </c:scaling>
@@ -19572,7 +19574,7 @@
         <c:majorTickMark val="out"/>
         <c:minorTickMark val="none"/>
         <c:tickLblPos val="nextTo"/>
-        <c:crossAx val="176030080"/>
+        <c:crossAx val="130363776"/>
         <c:crosses val="autoZero"/>
         <c:crossBetween val="between"/>
       </c:valAx>
@@ -19879,11 +19881,11 @@
           <c:showBubbleSize val="0"/>
         </c:dLbls>
         <c:gapWidth val="150"/>
-        <c:axId val="176051328"/>
-        <c:axId val="176052864"/>
+        <c:axId val="130409600"/>
+        <c:axId val="130411136"/>
       </c:barChart>
       <c:catAx>
-        <c:axId val="176051328"/>
+        <c:axId val="130409600"/>
         <c:scaling>
           <c:orientation val="minMax"/>
         </c:scaling>
@@ -19892,7 +19894,7 @@
         <c:majorTickMark val="out"/>
         <c:minorTickMark val="none"/>
         <c:tickLblPos val="nextTo"/>
-        <c:crossAx val="176052864"/>
+        <c:crossAx val="130411136"/>
         <c:crosses val="autoZero"/>
         <c:auto val="1"/>
         <c:lblAlgn val="ctr"/>
@@ -19900,7 +19902,7 @@
         <c:noMultiLvlLbl val="0"/>
       </c:catAx>
       <c:valAx>
-        <c:axId val="176052864"/>
+        <c:axId val="130411136"/>
         <c:scaling>
           <c:orientation val="minMax"/>
           <c:max val="1"/>
@@ -19912,7 +19914,7 @@
         <c:majorTickMark val="out"/>
         <c:minorTickMark val="none"/>
         <c:tickLblPos val="nextTo"/>
-        <c:crossAx val="176051328"/>
+        <c:crossAx val="130409600"/>
         <c:crosses val="autoZero"/>
         <c:crossBetween val="between"/>
       </c:valAx>
@@ -20190,11 +20192,11 @@
           <c:showBubbleSize val="0"/>
         </c:dLbls>
         <c:gapWidth val="150"/>
-        <c:axId val="176104960"/>
-        <c:axId val="176106496"/>
+        <c:axId val="130463232"/>
+        <c:axId val="130464768"/>
       </c:barChart>
       <c:catAx>
-        <c:axId val="176104960"/>
+        <c:axId val="130463232"/>
         <c:scaling>
           <c:orientation val="minMax"/>
         </c:scaling>
@@ -20203,7 +20205,7 @@
         <c:majorTickMark val="out"/>
         <c:minorTickMark val="none"/>
         <c:tickLblPos val="nextTo"/>
-        <c:crossAx val="176106496"/>
+        <c:crossAx val="130464768"/>
         <c:crosses val="autoZero"/>
         <c:auto val="1"/>
         <c:lblAlgn val="ctr"/>
@@ -20211,7 +20213,7 @@
         <c:noMultiLvlLbl val="0"/>
       </c:catAx>
       <c:valAx>
-        <c:axId val="176106496"/>
+        <c:axId val="130464768"/>
         <c:scaling>
           <c:orientation val="minMax"/>
         </c:scaling>
@@ -20222,7 +20224,7 @@
         <c:majorTickMark val="out"/>
         <c:minorTickMark val="none"/>
         <c:tickLblPos val="nextTo"/>
-        <c:crossAx val="176104960"/>
+        <c:crossAx val="130463232"/>
         <c:crosses val="autoZero"/>
         <c:crossBetween val="between"/>
       </c:valAx>
@@ -20524,11 +20526,11 @@
           <c:showBubbleSize val="0"/>
         </c:dLbls>
         <c:gapWidth val="150"/>
-        <c:axId val="176145920"/>
-        <c:axId val="176147456"/>
+        <c:axId val="130573824"/>
+        <c:axId val="130575360"/>
       </c:barChart>
       <c:catAx>
-        <c:axId val="176145920"/>
+        <c:axId val="130573824"/>
         <c:scaling>
           <c:orientation val="minMax"/>
         </c:scaling>
@@ -20537,7 +20539,7 @@
         <c:majorTickMark val="out"/>
         <c:minorTickMark val="none"/>
         <c:tickLblPos val="nextTo"/>
-        <c:crossAx val="176147456"/>
+        <c:crossAx val="130575360"/>
         <c:crosses val="autoZero"/>
         <c:auto val="1"/>
         <c:lblAlgn val="ctr"/>
@@ -20545,7 +20547,7 @@
         <c:noMultiLvlLbl val="0"/>
       </c:catAx>
       <c:valAx>
-        <c:axId val="176147456"/>
+        <c:axId val="130575360"/>
         <c:scaling>
           <c:orientation val="minMax"/>
         </c:scaling>
@@ -20556,7 +20558,7 @@
         <c:majorTickMark val="out"/>
         <c:minorTickMark val="none"/>
         <c:tickLblPos val="nextTo"/>
-        <c:crossAx val="176145920"/>
+        <c:crossAx val="130573824"/>
         <c:crosses val="autoZero"/>
         <c:crossBetween val="between"/>
       </c:valAx>
@@ -20858,11 +20860,11 @@
           <c:showBubbleSize val="0"/>
         </c:dLbls>
         <c:gapWidth val="150"/>
-        <c:axId val="176215552"/>
-        <c:axId val="176217088"/>
+        <c:axId val="130598400"/>
+        <c:axId val="130599936"/>
       </c:barChart>
       <c:catAx>
-        <c:axId val="176215552"/>
+        <c:axId val="130598400"/>
         <c:scaling>
           <c:orientation val="minMax"/>
         </c:scaling>
@@ -20871,7 +20873,7 @@
         <c:majorTickMark val="out"/>
         <c:minorTickMark val="none"/>
         <c:tickLblPos val="nextTo"/>
-        <c:crossAx val="176217088"/>
+        <c:crossAx val="130599936"/>
         <c:crosses val="autoZero"/>
         <c:auto val="1"/>
         <c:lblAlgn val="ctr"/>
@@ -20879,7 +20881,7 @@
         <c:noMultiLvlLbl val="0"/>
       </c:catAx>
       <c:valAx>
-        <c:axId val="176217088"/>
+        <c:axId val="130599936"/>
         <c:scaling>
           <c:orientation val="minMax"/>
         </c:scaling>
@@ -20890,7 +20892,7 @@
         <c:majorTickMark val="out"/>
         <c:minorTickMark val="none"/>
         <c:tickLblPos val="nextTo"/>
-        <c:crossAx val="176215552"/>
+        <c:crossAx val="130598400"/>
         <c:crosses val="autoZero"/>
         <c:crossBetween val="between"/>
       </c:valAx>
@@ -21192,11 +21194,11 @@
           <c:showBubbleSize val="0"/>
         </c:dLbls>
         <c:gapWidth val="150"/>
-        <c:axId val="176244224"/>
-        <c:axId val="176245760"/>
+        <c:axId val="130500096"/>
+        <c:axId val="130501632"/>
       </c:barChart>
       <c:catAx>
-        <c:axId val="176244224"/>
+        <c:axId val="130500096"/>
         <c:scaling>
           <c:orientation val="minMax"/>
         </c:scaling>
@@ -21205,7 +21207,7 @@
         <c:majorTickMark val="out"/>
         <c:minorTickMark val="none"/>
         <c:tickLblPos val="nextTo"/>
-        <c:crossAx val="176245760"/>
+        <c:crossAx val="130501632"/>
         <c:crosses val="autoZero"/>
         <c:auto val="1"/>
         <c:lblAlgn val="ctr"/>
@@ -21213,7 +21215,7 @@
         <c:noMultiLvlLbl val="0"/>
       </c:catAx>
       <c:valAx>
-        <c:axId val="176245760"/>
+        <c:axId val="130501632"/>
         <c:scaling>
           <c:orientation val="minMax"/>
         </c:scaling>
@@ -21224,7 +21226,7 @@
         <c:majorTickMark val="out"/>
         <c:minorTickMark val="none"/>
         <c:tickLblPos val="nextTo"/>
-        <c:crossAx val="176244224"/>
+        <c:crossAx val="130500096"/>
         <c:crosses val="autoZero"/>
         <c:crossBetween val="between"/>
       </c:valAx>
@@ -21941,11 +21943,11 @@
           <c:showBubbleSize val="0"/>
         </c:dLbls>
         <c:gapWidth val="150"/>
-        <c:axId val="159847936"/>
-        <c:axId val="159849472"/>
+        <c:axId val="130541056"/>
+        <c:axId val="130542592"/>
       </c:barChart>
       <c:catAx>
-        <c:axId val="159847936"/>
+        <c:axId val="130541056"/>
         <c:scaling>
           <c:orientation val="minMax"/>
         </c:scaling>
@@ -21955,7 +21957,7 @@
         <c:majorTickMark val="none"/>
         <c:minorTickMark val="none"/>
         <c:tickLblPos val="nextTo"/>
-        <c:crossAx val="159849472"/>
+        <c:crossAx val="130542592"/>
         <c:crosses val="autoZero"/>
         <c:auto val="1"/>
         <c:lblAlgn val="ctr"/>
@@ -21963,7 +21965,7 @@
         <c:noMultiLvlLbl val="0"/>
       </c:catAx>
       <c:valAx>
-        <c:axId val="159849472"/>
+        <c:axId val="130542592"/>
         <c:scaling>
           <c:orientation val="minMax"/>
           <c:max val="1"/>
@@ -21975,7 +21977,7 @@
         <c:majorTickMark val="none"/>
         <c:minorTickMark val="none"/>
         <c:tickLblPos val="nextTo"/>
-        <c:crossAx val="159847936"/>
+        <c:crossAx val="130541056"/>
         <c:crosses val="autoZero"/>
         <c:crossBetween val="between"/>
       </c:valAx>
@@ -22691,11 +22693,11 @@
           <c:showBubbleSize val="0"/>
         </c:dLbls>
         <c:gapWidth val="150"/>
-        <c:axId val="159892992"/>
-        <c:axId val="159894528"/>
+        <c:axId val="130655744"/>
+        <c:axId val="130657280"/>
       </c:barChart>
       <c:catAx>
-        <c:axId val="159892992"/>
+        <c:axId val="130655744"/>
         <c:scaling>
           <c:orientation val="minMax"/>
         </c:scaling>
@@ -22705,7 +22707,7 @@
         <c:majorTickMark val="none"/>
         <c:minorTickMark val="none"/>
         <c:tickLblPos val="nextTo"/>
-        <c:crossAx val="159894528"/>
+        <c:crossAx val="130657280"/>
         <c:crosses val="autoZero"/>
         <c:auto val="1"/>
         <c:lblAlgn val="ctr"/>
@@ -22713,7 +22715,7 @@
         <c:noMultiLvlLbl val="0"/>
       </c:catAx>
       <c:valAx>
-        <c:axId val="159894528"/>
+        <c:axId val="130657280"/>
         <c:scaling>
           <c:orientation val="minMax"/>
           <c:max val="1"/>
@@ -22725,7 +22727,7 @@
         <c:majorTickMark val="none"/>
         <c:minorTickMark val="none"/>
         <c:tickLblPos val="nextTo"/>
-        <c:crossAx val="159892992"/>
+        <c:crossAx val="130655744"/>
         <c:crosses val="autoZero"/>
         <c:crossBetween val="between"/>
       </c:valAx>
@@ -23442,11 +23444,11 @@
           <c:showBubbleSize val="0"/>
         </c:dLbls>
         <c:gapWidth val="150"/>
-        <c:axId val="159925760"/>
-        <c:axId val="159927296"/>
+        <c:axId val="130680320"/>
+        <c:axId val="130681856"/>
       </c:barChart>
       <c:catAx>
-        <c:axId val="159925760"/>
+        <c:axId val="130680320"/>
         <c:scaling>
           <c:orientation val="minMax"/>
         </c:scaling>
@@ -23456,7 +23458,7 @@
         <c:majorTickMark val="none"/>
         <c:minorTickMark val="none"/>
         <c:tickLblPos val="nextTo"/>
-        <c:crossAx val="159927296"/>
+        <c:crossAx val="130681856"/>
         <c:crosses val="autoZero"/>
         <c:auto val="1"/>
         <c:lblAlgn val="ctr"/>
@@ -23464,7 +23466,7 @@
         <c:noMultiLvlLbl val="0"/>
       </c:catAx>
       <c:valAx>
-        <c:axId val="159927296"/>
+        <c:axId val="130681856"/>
         <c:scaling>
           <c:orientation val="minMax"/>
           <c:max val="1"/>
@@ -23476,7 +23478,7 @@
         <c:majorTickMark val="none"/>
         <c:minorTickMark val="none"/>
         <c:tickLblPos val="nextTo"/>
-        <c:crossAx val="159925760"/>
+        <c:crossAx val="130680320"/>
         <c:crosses val="autoZero"/>
         <c:crossBetween val="between"/>
       </c:valAx>
@@ -24375,11 +24377,11 @@
         </c:dLbls>
         <c:marker val="1"/>
         <c:smooth val="0"/>
-        <c:axId val="166797696"/>
-        <c:axId val="166799232"/>
+        <c:axId val="110218240"/>
+        <c:axId val="110220032"/>
       </c:lineChart>
       <c:catAx>
-        <c:axId val="166797696"/>
+        <c:axId val="110218240"/>
         <c:scaling>
           <c:orientation val="minMax"/>
         </c:scaling>
@@ -24389,7 +24391,7 @@
         <c:majorTickMark val="out"/>
         <c:minorTickMark val="none"/>
         <c:tickLblPos val="nextTo"/>
-        <c:crossAx val="166799232"/>
+        <c:crossAx val="110220032"/>
         <c:crosses val="autoZero"/>
         <c:auto val="1"/>
         <c:lblAlgn val="ctr"/>
@@ -24397,7 +24399,7 @@
         <c:noMultiLvlLbl val="0"/>
       </c:catAx>
       <c:valAx>
-        <c:axId val="166799232"/>
+        <c:axId val="110220032"/>
         <c:scaling>
           <c:orientation val="minMax"/>
         </c:scaling>
@@ -24408,7 +24410,7 @@
         <c:majorTickMark val="out"/>
         <c:minorTickMark val="none"/>
         <c:tickLblPos val="nextTo"/>
-        <c:crossAx val="166797696"/>
+        <c:crossAx val="110218240"/>
         <c:crosses val="autoZero"/>
         <c:crossBetween val="between"/>
       </c:valAx>
@@ -25135,11 +25137,11 @@
           <c:showBubbleSize val="0"/>
         </c:dLbls>
         <c:gapWidth val="150"/>
-        <c:axId val="159962624"/>
-        <c:axId val="159964160"/>
+        <c:axId val="130725376"/>
+        <c:axId val="130726912"/>
       </c:barChart>
       <c:catAx>
-        <c:axId val="159962624"/>
+        <c:axId val="130725376"/>
         <c:scaling>
           <c:orientation val="minMax"/>
         </c:scaling>
@@ -25149,7 +25151,7 @@
         <c:majorTickMark val="none"/>
         <c:minorTickMark val="none"/>
         <c:tickLblPos val="nextTo"/>
-        <c:crossAx val="159964160"/>
+        <c:crossAx val="130726912"/>
         <c:crosses val="autoZero"/>
         <c:auto val="1"/>
         <c:lblAlgn val="ctr"/>
@@ -25157,7 +25159,7 @@
         <c:noMultiLvlLbl val="0"/>
       </c:catAx>
       <c:valAx>
-        <c:axId val="159964160"/>
+        <c:axId val="130726912"/>
         <c:scaling>
           <c:orientation val="minMax"/>
         </c:scaling>
@@ -25168,7 +25170,7 @@
         <c:majorTickMark val="none"/>
         <c:minorTickMark val="none"/>
         <c:tickLblPos val="nextTo"/>
-        <c:crossAx val="159962624"/>
+        <c:crossAx val="130725376"/>
         <c:crosses val="autoZero"/>
         <c:crossBetween val="between"/>
       </c:valAx>
@@ -25571,11 +25573,11 @@
           <c:showBubbleSize val="0"/>
         </c:dLbls>
         <c:gapWidth val="150"/>
-        <c:axId val="160132096"/>
-        <c:axId val="160137984"/>
+        <c:axId val="130763776"/>
+        <c:axId val="130773760"/>
       </c:barChart>
       <c:catAx>
-        <c:axId val="160132096"/>
+        <c:axId val="130763776"/>
         <c:scaling>
           <c:orientation val="minMax"/>
         </c:scaling>
@@ -25584,7 +25586,7 @@
         <c:majorTickMark val="out"/>
         <c:minorTickMark val="none"/>
         <c:tickLblPos val="nextTo"/>
-        <c:crossAx val="160137984"/>
+        <c:crossAx val="130773760"/>
         <c:crosses val="autoZero"/>
         <c:auto val="1"/>
         <c:lblAlgn val="ctr"/>
@@ -25592,7 +25594,7 @@
         <c:noMultiLvlLbl val="0"/>
       </c:catAx>
       <c:valAx>
-        <c:axId val="160137984"/>
+        <c:axId val="130773760"/>
         <c:scaling>
           <c:orientation val="minMax"/>
           <c:max val="1"/>
@@ -25604,7 +25606,7 @@
         <c:majorTickMark val="out"/>
         <c:minorTickMark val="none"/>
         <c:tickLblPos val="nextTo"/>
-        <c:crossAx val="160132096"/>
+        <c:crossAx val="130763776"/>
         <c:crosses val="autoZero"/>
         <c:crossBetween val="between"/>
       </c:valAx>
@@ -26299,11 +26301,11 @@
           <c:showBubbleSize val="0"/>
         </c:dLbls>
         <c:gapWidth val="150"/>
-        <c:axId val="160238208"/>
-        <c:axId val="160244096"/>
+        <c:axId val="129899136"/>
+        <c:axId val="129905024"/>
       </c:barChart>
       <c:catAx>
-        <c:axId val="160238208"/>
+        <c:axId val="129899136"/>
         <c:scaling>
           <c:orientation val="minMax"/>
         </c:scaling>
@@ -26313,7 +26315,7 @@
         <c:majorTickMark val="out"/>
         <c:minorTickMark val="none"/>
         <c:tickLblPos val="nextTo"/>
-        <c:crossAx val="160244096"/>
+        <c:crossAx val="129905024"/>
         <c:crosses val="autoZero"/>
         <c:auto val="1"/>
         <c:lblAlgn val="ctr"/>
@@ -26321,7 +26323,7 @@
         <c:noMultiLvlLbl val="0"/>
       </c:catAx>
       <c:valAx>
-        <c:axId val="160244096"/>
+        <c:axId val="129905024"/>
         <c:scaling>
           <c:orientation val="minMax"/>
           <c:max val="1"/>
@@ -26333,7 +26335,7 @@
         <c:majorTickMark val="out"/>
         <c:minorTickMark val="none"/>
         <c:tickLblPos val="nextTo"/>
-        <c:crossAx val="160238208"/>
+        <c:crossAx val="129899136"/>
         <c:crosses val="autoZero"/>
         <c:crossBetween val="between"/>
       </c:valAx>
@@ -26640,11 +26642,11 @@
           <c:showBubbleSize val="0"/>
         </c:dLbls>
         <c:gapWidth val="150"/>
-        <c:axId val="160284672"/>
-        <c:axId val="160286208"/>
+        <c:axId val="129945600"/>
+        <c:axId val="129947136"/>
       </c:barChart>
       <c:catAx>
-        <c:axId val="160284672"/>
+        <c:axId val="129945600"/>
         <c:scaling>
           <c:orientation val="minMax"/>
         </c:scaling>
@@ -26653,7 +26655,7 @@
         <c:majorTickMark val="out"/>
         <c:minorTickMark val="none"/>
         <c:tickLblPos val="nextTo"/>
-        <c:crossAx val="160286208"/>
+        <c:crossAx val="129947136"/>
         <c:crosses val="autoZero"/>
         <c:auto val="1"/>
         <c:lblAlgn val="ctr"/>
@@ -26661,7 +26663,7 @@
         <c:noMultiLvlLbl val="0"/>
       </c:catAx>
       <c:valAx>
-        <c:axId val="160286208"/>
+        <c:axId val="129947136"/>
         <c:scaling>
           <c:orientation val="minMax"/>
           <c:max val="1"/>
@@ -26673,7 +26675,7 @@
         <c:majorTickMark val="out"/>
         <c:minorTickMark val="none"/>
         <c:tickLblPos val="nextTo"/>
-        <c:crossAx val="160284672"/>
+        <c:crossAx val="129945600"/>
         <c:crosses val="autoZero"/>
         <c:crossBetween val="between"/>
       </c:valAx>
@@ -27392,11 +27394,11 @@
           <c:showBubbleSize val="0"/>
         </c:dLbls>
         <c:gapWidth val="150"/>
-        <c:axId val="160456064"/>
-        <c:axId val="160461952"/>
+        <c:axId val="129977728"/>
+        <c:axId val="130000000"/>
       </c:barChart>
       <c:catAx>
-        <c:axId val="160456064"/>
+        <c:axId val="129977728"/>
         <c:scaling>
           <c:orientation val="minMax"/>
         </c:scaling>
@@ -27406,7 +27408,7 @@
         <c:majorTickMark val="none"/>
         <c:minorTickMark val="none"/>
         <c:tickLblPos val="nextTo"/>
-        <c:crossAx val="160461952"/>
+        <c:crossAx val="130000000"/>
         <c:crosses val="autoZero"/>
         <c:auto val="1"/>
         <c:lblAlgn val="ctr"/>
@@ -27414,7 +27416,7 @@
         <c:noMultiLvlLbl val="0"/>
       </c:catAx>
       <c:valAx>
-        <c:axId val="160461952"/>
+        <c:axId val="130000000"/>
         <c:scaling>
           <c:orientation val="minMax"/>
           <c:max val="1"/>
@@ -27426,7 +27428,7 @@
         <c:majorTickMark val="none"/>
         <c:minorTickMark val="none"/>
         <c:tickLblPos val="nextTo"/>
-        <c:crossAx val="160456064"/>
+        <c:crossAx val="129977728"/>
         <c:crosses val="autoZero"/>
         <c:crossBetween val="between"/>
       </c:valAx>
@@ -28145,11 +28147,11 @@
           <c:showBubbleSize val="0"/>
         </c:dLbls>
         <c:gapWidth val="150"/>
-        <c:axId val="160501120"/>
-        <c:axId val="160502912"/>
+        <c:axId val="130022784"/>
+        <c:axId val="130024576"/>
       </c:barChart>
       <c:catAx>
-        <c:axId val="160501120"/>
+        <c:axId val="130022784"/>
         <c:scaling>
           <c:orientation val="minMax"/>
         </c:scaling>
@@ -28159,7 +28161,7 @@
         <c:majorTickMark val="none"/>
         <c:minorTickMark val="none"/>
         <c:tickLblPos val="nextTo"/>
-        <c:crossAx val="160502912"/>
+        <c:crossAx val="130024576"/>
         <c:crosses val="autoZero"/>
         <c:auto val="1"/>
         <c:lblAlgn val="ctr"/>
@@ -28167,7 +28169,7 @@
         <c:noMultiLvlLbl val="0"/>
       </c:catAx>
       <c:valAx>
-        <c:axId val="160502912"/>
+        <c:axId val="130024576"/>
         <c:scaling>
           <c:orientation val="minMax"/>
           <c:max val="1"/>
@@ -28179,7 +28181,7 @@
         <c:majorTickMark val="none"/>
         <c:minorTickMark val="none"/>
         <c:tickLblPos val="nextTo"/>
-        <c:crossAx val="160501120"/>
+        <c:crossAx val="130022784"/>
         <c:crosses val="autoZero"/>
         <c:crossBetween val="between"/>
       </c:valAx>
@@ -28898,11 +28900,11 @@
           <c:showBubbleSize val="0"/>
         </c:dLbls>
         <c:gapWidth val="150"/>
-        <c:axId val="160533888"/>
-        <c:axId val="160543872"/>
+        <c:axId val="130067840"/>
+        <c:axId val="130081920"/>
       </c:barChart>
       <c:catAx>
-        <c:axId val="160533888"/>
+        <c:axId val="130067840"/>
         <c:scaling>
           <c:orientation val="minMax"/>
         </c:scaling>
@@ -28912,7 +28914,7 @@
         <c:majorTickMark val="none"/>
         <c:minorTickMark val="none"/>
         <c:tickLblPos val="nextTo"/>
-        <c:crossAx val="160543872"/>
+        <c:crossAx val="130081920"/>
         <c:crosses val="autoZero"/>
         <c:auto val="1"/>
         <c:lblAlgn val="ctr"/>
@@ -28920,7 +28922,7 @@
         <c:noMultiLvlLbl val="0"/>
       </c:catAx>
       <c:valAx>
-        <c:axId val="160543872"/>
+        <c:axId val="130081920"/>
         <c:scaling>
           <c:orientation val="minMax"/>
           <c:max val="1"/>
@@ -28932,7 +28934,7 @@
         <c:majorTickMark val="none"/>
         <c:minorTickMark val="none"/>
         <c:tickLblPos val="nextTo"/>
-        <c:crossAx val="160533888"/>
+        <c:crossAx val="130067840"/>
         <c:crosses val="autoZero"/>
         <c:crossBetween val="between"/>
       </c:valAx>
@@ -29651,11 +29653,11 @@
           <c:showBubbleSize val="0"/>
         </c:dLbls>
         <c:gapWidth val="150"/>
-        <c:axId val="164572544"/>
-        <c:axId val="164578432"/>
+        <c:axId val="130100608"/>
+        <c:axId val="130110592"/>
       </c:barChart>
       <c:catAx>
-        <c:axId val="164572544"/>
+        <c:axId val="130100608"/>
         <c:scaling>
           <c:orientation val="minMax"/>
         </c:scaling>
@@ -29665,7 +29667,7 @@
         <c:majorTickMark val="none"/>
         <c:minorTickMark val="none"/>
         <c:tickLblPos val="nextTo"/>
-        <c:crossAx val="164578432"/>
+        <c:crossAx val="130110592"/>
         <c:crosses val="autoZero"/>
         <c:auto val="1"/>
         <c:lblAlgn val="ctr"/>
@@ -29673,7 +29675,7 @@
         <c:noMultiLvlLbl val="0"/>
       </c:catAx>
       <c:valAx>
-        <c:axId val="164578432"/>
+        <c:axId val="130110592"/>
         <c:scaling>
           <c:orientation val="minMax"/>
           <c:max val="1"/>
@@ -29685,7 +29687,7 @@
         <c:majorTickMark val="none"/>
         <c:minorTickMark val="none"/>
         <c:tickLblPos val="nextTo"/>
-        <c:crossAx val="164572544"/>
+        <c:crossAx val="130100608"/>
         <c:crosses val="autoZero"/>
         <c:crossBetween val="between"/>
       </c:valAx>
@@ -29933,11 +29935,11 @@
           <c:showBubbleSize val="0"/>
         </c:dLbls>
         <c:gapWidth val="150"/>
-        <c:axId val="164597120"/>
-        <c:axId val="164623488"/>
+        <c:axId val="130116992"/>
+        <c:axId val="130143360"/>
       </c:barChart>
       <c:catAx>
-        <c:axId val="164597120"/>
+        <c:axId val="130116992"/>
         <c:scaling>
           <c:orientation val="minMax"/>
         </c:scaling>
@@ -29946,7 +29948,7 @@
         <c:majorTickMark val="out"/>
         <c:minorTickMark val="none"/>
         <c:tickLblPos val="nextTo"/>
-        <c:crossAx val="164623488"/>
+        <c:crossAx val="130143360"/>
         <c:crosses val="autoZero"/>
         <c:auto val="1"/>
         <c:lblAlgn val="ctr"/>
@@ -29954,7 +29956,7 @@
         <c:noMultiLvlLbl val="0"/>
       </c:catAx>
       <c:valAx>
-        <c:axId val="164623488"/>
+        <c:axId val="130143360"/>
         <c:scaling>
           <c:orientation val="minMax"/>
           <c:max val="1"/>
@@ -29966,7 +29968,7 @@
         <c:majorTickMark val="out"/>
         <c:minorTickMark val="none"/>
         <c:tickLblPos val="nextTo"/>
-        <c:crossAx val="164597120"/>
+        <c:crossAx val="130116992"/>
         <c:crosses val="autoZero"/>
         <c:crossBetween val="between"/>
       </c:valAx>
@@ -30369,11 +30371,11 @@
           <c:showBubbleSize val="0"/>
         </c:dLbls>
         <c:gapWidth val="150"/>
-        <c:axId val="166351616"/>
-        <c:axId val="166353152"/>
+        <c:axId val="131162880"/>
+        <c:axId val="131164416"/>
       </c:barChart>
       <c:catAx>
-        <c:axId val="166351616"/>
+        <c:axId val="131162880"/>
         <c:scaling>
           <c:orientation val="minMax"/>
         </c:scaling>
@@ -30382,7 +30384,7 @@
         <c:majorTickMark val="out"/>
         <c:minorTickMark val="none"/>
         <c:tickLblPos val="nextTo"/>
-        <c:crossAx val="166353152"/>
+        <c:crossAx val="131164416"/>
         <c:crosses val="autoZero"/>
         <c:auto val="1"/>
         <c:lblAlgn val="ctr"/>
@@ -30390,7 +30392,7 @@
         <c:noMultiLvlLbl val="0"/>
       </c:catAx>
       <c:valAx>
-        <c:axId val="166353152"/>
+        <c:axId val="131164416"/>
         <c:scaling>
           <c:orientation val="minMax"/>
         </c:scaling>
@@ -30401,7 +30403,7 @@
         <c:majorTickMark val="out"/>
         <c:minorTickMark val="none"/>
         <c:tickLblPos val="nextTo"/>
-        <c:crossAx val="166351616"/>
+        <c:crossAx val="131162880"/>
         <c:crosses val="autoZero"/>
         <c:crossBetween val="between"/>
       </c:valAx>
@@ -31300,11 +31302,11 @@
         </c:dLbls>
         <c:marker val="1"/>
         <c:smooth val="0"/>
-        <c:axId val="166831616"/>
-        <c:axId val="166833152"/>
+        <c:axId val="116150656"/>
+        <c:axId val="116152192"/>
       </c:lineChart>
       <c:catAx>
-        <c:axId val="166831616"/>
+        <c:axId val="116150656"/>
         <c:scaling>
           <c:orientation val="minMax"/>
         </c:scaling>
@@ -31314,7 +31316,7 @@
         <c:majorTickMark val="out"/>
         <c:minorTickMark val="none"/>
         <c:tickLblPos val="nextTo"/>
-        <c:crossAx val="166833152"/>
+        <c:crossAx val="116152192"/>
         <c:crosses val="autoZero"/>
         <c:auto val="1"/>
         <c:lblAlgn val="ctr"/>
@@ -31322,7 +31324,7 @@
         <c:noMultiLvlLbl val="0"/>
       </c:catAx>
       <c:valAx>
-        <c:axId val="166833152"/>
+        <c:axId val="116152192"/>
         <c:scaling>
           <c:orientation val="minMax"/>
           <c:max val="0.25"/>
@@ -31334,7 +31336,7 @@
         <c:majorTickMark val="out"/>
         <c:minorTickMark val="none"/>
         <c:tickLblPos val="nextTo"/>
-        <c:crossAx val="166831616"/>
+        <c:crossAx val="116150656"/>
         <c:crosses val="autoZero"/>
         <c:crossBetween val="between"/>
       </c:valAx>
@@ -31637,11 +31639,11 @@
           <c:showBubbleSize val="0"/>
         </c:dLbls>
         <c:gapWidth val="150"/>
-        <c:axId val="166863616"/>
-        <c:axId val="166865152"/>
+        <c:axId val="131212032"/>
+        <c:axId val="131213568"/>
       </c:barChart>
       <c:catAx>
-        <c:axId val="166863616"/>
+        <c:axId val="131212032"/>
         <c:scaling>
           <c:orientation val="minMax"/>
         </c:scaling>
@@ -31650,7 +31652,7 @@
         <c:majorTickMark val="out"/>
         <c:minorTickMark val="none"/>
         <c:tickLblPos val="nextTo"/>
-        <c:crossAx val="166865152"/>
+        <c:crossAx val="131213568"/>
         <c:crosses val="autoZero"/>
         <c:auto val="1"/>
         <c:lblAlgn val="ctr"/>
@@ -31658,7 +31660,7 @@
         <c:noMultiLvlLbl val="0"/>
       </c:catAx>
       <c:valAx>
-        <c:axId val="166865152"/>
+        <c:axId val="131213568"/>
         <c:scaling>
           <c:orientation val="minMax"/>
         </c:scaling>
@@ -31669,7 +31671,7 @@
         <c:majorTickMark val="out"/>
         <c:minorTickMark val="none"/>
         <c:tickLblPos val="nextTo"/>
-        <c:crossAx val="166863616"/>
+        <c:crossAx val="131212032"/>
         <c:crosses val="autoZero"/>
         <c:crossBetween val="between"/>
       </c:valAx>
@@ -31781,11 +31783,11 @@
           <c:showBubbleSize val="0"/>
         </c:dLbls>
         <c:gapWidth val="150"/>
-        <c:axId val="166890496"/>
-        <c:axId val="166892288"/>
+        <c:axId val="131222528"/>
+        <c:axId val="131244800"/>
       </c:barChart>
       <c:catAx>
-        <c:axId val="166890496"/>
+        <c:axId val="131222528"/>
         <c:scaling>
           <c:orientation val="minMax"/>
         </c:scaling>
@@ -31794,7 +31796,7 @@
         <c:majorTickMark val="out"/>
         <c:minorTickMark val="none"/>
         <c:tickLblPos val="nextTo"/>
-        <c:crossAx val="166892288"/>
+        <c:crossAx val="131244800"/>
         <c:crosses val="autoZero"/>
         <c:auto val="1"/>
         <c:lblAlgn val="ctr"/>
@@ -31802,7 +31804,7 @@
         <c:noMultiLvlLbl val="0"/>
       </c:catAx>
       <c:valAx>
-        <c:axId val="166892288"/>
+        <c:axId val="131244800"/>
         <c:scaling>
           <c:orientation val="minMax"/>
         </c:scaling>
@@ -31813,7 +31815,7 @@
         <c:majorTickMark val="out"/>
         <c:minorTickMark val="none"/>
         <c:tickLblPos val="nextTo"/>
-        <c:crossAx val="166890496"/>
+        <c:crossAx val="131222528"/>
         <c:crosses val="autoZero"/>
         <c:crossBetween val="between"/>
       </c:valAx>
@@ -32120,11 +32122,11 @@
           <c:showBubbleSize val="0"/>
         </c:dLbls>
         <c:gapWidth val="150"/>
-        <c:axId val="166918784"/>
-        <c:axId val="166928768"/>
+        <c:axId val="130951808"/>
+        <c:axId val="130957696"/>
       </c:barChart>
       <c:catAx>
-        <c:axId val="166918784"/>
+        <c:axId val="130951808"/>
         <c:scaling>
           <c:orientation val="minMax"/>
         </c:scaling>
@@ -32133,7 +32135,7 @@
         <c:majorTickMark val="out"/>
         <c:minorTickMark val="none"/>
         <c:tickLblPos val="nextTo"/>
-        <c:crossAx val="166928768"/>
+        <c:crossAx val="130957696"/>
         <c:crosses val="autoZero"/>
         <c:auto val="1"/>
         <c:lblAlgn val="ctr"/>
@@ -32141,7 +32143,7 @@
         <c:noMultiLvlLbl val="0"/>
       </c:catAx>
       <c:valAx>
-        <c:axId val="166928768"/>
+        <c:axId val="130957696"/>
         <c:scaling>
           <c:orientation val="minMax"/>
           <c:max val="1"/>
@@ -32153,7 +32155,7 @@
         <c:majorTickMark val="out"/>
         <c:minorTickMark val="none"/>
         <c:tickLblPos val="nextTo"/>
-        <c:crossAx val="166918784"/>
+        <c:crossAx val="130951808"/>
         <c:crosses val="autoZero"/>
         <c:crossBetween val="between"/>
       </c:valAx>
@@ -32379,11 +32381,11 @@
           <c:showBubbleSize val="0"/>
         </c:dLbls>
         <c:gapWidth val="150"/>
-        <c:axId val="166954112"/>
-        <c:axId val="166955648"/>
+        <c:axId val="130974848"/>
+        <c:axId val="130976384"/>
       </c:barChart>
       <c:catAx>
-        <c:axId val="166954112"/>
+        <c:axId val="130974848"/>
         <c:scaling>
           <c:orientation val="minMax"/>
         </c:scaling>
@@ -32392,7 +32394,7 @@
         <c:majorTickMark val="out"/>
         <c:minorTickMark val="none"/>
         <c:tickLblPos val="nextTo"/>
-        <c:crossAx val="166955648"/>
+        <c:crossAx val="130976384"/>
         <c:crosses val="autoZero"/>
         <c:auto val="1"/>
         <c:lblAlgn val="ctr"/>
@@ -32400,7 +32402,7 @@
         <c:noMultiLvlLbl val="0"/>
       </c:catAx>
       <c:valAx>
-        <c:axId val="166955648"/>
+        <c:axId val="130976384"/>
         <c:scaling>
           <c:orientation val="minMax"/>
           <c:max val="1"/>
@@ -32412,7 +32414,7 @@
         <c:majorTickMark val="out"/>
         <c:minorTickMark val="none"/>
         <c:tickLblPos val="nextTo"/>
-        <c:crossAx val="166954112"/>
+        <c:crossAx val="130974848"/>
         <c:crosses val="autoZero"/>
         <c:crossBetween val="between"/>
       </c:valAx>
@@ -32633,11 +32635,11 @@
           <c:showBubbleSize val="0"/>
         </c:dLbls>
         <c:gapWidth val="150"/>
-        <c:axId val="166975744"/>
-        <c:axId val="166981632"/>
+        <c:axId val="130992384"/>
+        <c:axId val="131018752"/>
       </c:barChart>
       <c:catAx>
-        <c:axId val="166975744"/>
+        <c:axId val="130992384"/>
         <c:scaling>
           <c:orientation val="minMax"/>
         </c:scaling>
@@ -32646,7 +32648,7 @@
         <c:majorTickMark val="out"/>
         <c:minorTickMark val="none"/>
         <c:tickLblPos val="nextTo"/>
-        <c:crossAx val="166981632"/>
+        <c:crossAx val="131018752"/>
         <c:crosses val="autoZero"/>
         <c:auto val="1"/>
         <c:lblAlgn val="ctr"/>
@@ -32654,7 +32656,7 @@
         <c:noMultiLvlLbl val="0"/>
       </c:catAx>
       <c:valAx>
-        <c:axId val="166981632"/>
+        <c:axId val="131018752"/>
         <c:scaling>
           <c:orientation val="minMax"/>
           <c:max val="1"/>
@@ -32666,7 +32668,7 @@
         <c:majorTickMark val="out"/>
         <c:minorTickMark val="none"/>
         <c:tickLblPos val="nextTo"/>
-        <c:crossAx val="166975744"/>
+        <c:crossAx val="130992384"/>
         <c:crosses val="autoZero"/>
         <c:crossBetween val="between"/>
       </c:valAx>
@@ -32887,11 +32889,11 @@
           <c:showBubbleSize val="0"/>
         </c:dLbls>
         <c:gapWidth val="150"/>
-        <c:axId val="146935168"/>
-        <c:axId val="146961536"/>
+        <c:axId val="131030400"/>
+        <c:axId val="131036288"/>
       </c:barChart>
       <c:catAx>
-        <c:axId val="146935168"/>
+        <c:axId val="131030400"/>
         <c:scaling>
           <c:orientation val="minMax"/>
         </c:scaling>
@@ -32900,7 +32902,7 @@
         <c:majorTickMark val="out"/>
         <c:minorTickMark val="none"/>
         <c:tickLblPos val="nextTo"/>
-        <c:crossAx val="146961536"/>
+        <c:crossAx val="131036288"/>
         <c:crosses val="autoZero"/>
         <c:auto val="1"/>
         <c:lblAlgn val="ctr"/>
@@ -32908,7 +32910,7 @@
         <c:noMultiLvlLbl val="0"/>
       </c:catAx>
       <c:valAx>
-        <c:axId val="146961536"/>
+        <c:axId val="131036288"/>
         <c:scaling>
           <c:orientation val="minMax"/>
           <c:max val="1"/>
@@ -32920,7 +32922,7 @@
         <c:majorTickMark val="out"/>
         <c:minorTickMark val="none"/>
         <c:tickLblPos val="nextTo"/>
-        <c:crossAx val="146935168"/>
+        <c:crossAx val="131030400"/>
         <c:crosses val="autoZero"/>
         <c:crossBetween val="between"/>
       </c:valAx>
@@ -33141,11 +33143,11 @@
           <c:showBubbleSize val="0"/>
         </c:dLbls>
         <c:gapWidth val="150"/>
-        <c:axId val="146985728"/>
-        <c:axId val="146987264"/>
+        <c:axId val="131048192"/>
+        <c:axId val="131049728"/>
       </c:barChart>
       <c:catAx>
-        <c:axId val="146985728"/>
+        <c:axId val="131048192"/>
         <c:scaling>
           <c:orientation val="minMax"/>
         </c:scaling>
@@ -33154,7 +33156,7 @@
         <c:majorTickMark val="out"/>
         <c:minorTickMark val="none"/>
         <c:tickLblPos val="nextTo"/>
-        <c:crossAx val="146987264"/>
+        <c:crossAx val="131049728"/>
         <c:crosses val="autoZero"/>
         <c:auto val="1"/>
         <c:lblAlgn val="ctr"/>
@@ -33162,7 +33164,7 @@
         <c:noMultiLvlLbl val="0"/>
       </c:catAx>
       <c:valAx>
-        <c:axId val="146987264"/>
+        <c:axId val="131049728"/>
         <c:scaling>
           <c:orientation val="minMax"/>
           <c:max val="1"/>
@@ -33174,7 +33176,7 @@
         <c:majorTickMark val="out"/>
         <c:minorTickMark val="none"/>
         <c:tickLblPos val="nextTo"/>
-        <c:crossAx val="146985728"/>
+        <c:crossAx val="131048192"/>
         <c:crosses val="autoZero"/>
         <c:crossBetween val="between"/>
       </c:valAx>
@@ -33289,11 +33291,11 @@
           <c:showBubbleSize val="0"/>
         </c:dLbls>
         <c:gapWidth val="150"/>
-        <c:axId val="164301440"/>
-        <c:axId val="164315520"/>
+        <c:axId val="131062400"/>
+        <c:axId val="131084672"/>
       </c:barChart>
       <c:catAx>
-        <c:axId val="164301440"/>
+        <c:axId val="131062400"/>
         <c:scaling>
           <c:orientation val="minMax"/>
         </c:scaling>
@@ -33302,7 +33304,7 @@
         <c:majorTickMark val="out"/>
         <c:minorTickMark val="none"/>
         <c:tickLblPos val="nextTo"/>
-        <c:crossAx val="164315520"/>
+        <c:crossAx val="131084672"/>
         <c:crosses val="autoZero"/>
         <c:auto val="1"/>
         <c:lblAlgn val="ctr"/>
@@ -33310,7 +33312,7 @@
         <c:noMultiLvlLbl val="0"/>
       </c:catAx>
       <c:valAx>
-        <c:axId val="164315520"/>
+        <c:axId val="131084672"/>
         <c:scaling>
           <c:orientation val="minMax"/>
         </c:scaling>
@@ -33321,7 +33323,7 @@
         <c:majorTickMark val="out"/>
         <c:minorTickMark val="none"/>
         <c:tickLblPos val="nextTo"/>
-        <c:crossAx val="164301440"/>
+        <c:crossAx val="131062400"/>
         <c:crosses val="autoZero"/>
         <c:crossBetween val="between"/>
       </c:valAx>
@@ -33624,11 +33626,11 @@
           <c:showBubbleSize val="0"/>
         </c:dLbls>
         <c:gapWidth val="150"/>
-        <c:axId val="164353152"/>
-        <c:axId val="164354688"/>
+        <c:axId val="131118208"/>
+        <c:axId val="131119744"/>
       </c:barChart>
       <c:catAx>
-        <c:axId val="164353152"/>
+        <c:axId val="131118208"/>
         <c:scaling>
           <c:orientation val="minMax"/>
         </c:scaling>
@@ -33637,7 +33639,7 @@
         <c:majorTickMark val="out"/>
         <c:minorTickMark val="none"/>
         <c:tickLblPos val="nextTo"/>
-        <c:crossAx val="164354688"/>
+        <c:crossAx val="131119744"/>
         <c:crosses val="autoZero"/>
         <c:auto val="1"/>
         <c:lblAlgn val="ctr"/>
@@ -33645,7 +33647,7 @@
         <c:noMultiLvlLbl val="0"/>
       </c:catAx>
       <c:valAx>
-        <c:axId val="164354688"/>
+        <c:axId val="131119744"/>
         <c:scaling>
           <c:orientation val="minMax"/>
         </c:scaling>
@@ -33656,7 +33658,7 @@
         <c:majorTickMark val="out"/>
         <c:minorTickMark val="none"/>
         <c:tickLblPos val="nextTo"/>
-        <c:crossAx val="164353152"/>
+        <c:crossAx val="131118208"/>
         <c:crosses val="autoZero"/>
         <c:crossBetween val="between"/>
       </c:valAx>
@@ -33776,11 +33778,11 @@
           <c:showBubbleSize val="0"/>
         </c:dLbls>
         <c:gapWidth val="150"/>
-        <c:axId val="164387840"/>
-        <c:axId val="164389632"/>
+        <c:axId val="131136512"/>
+        <c:axId val="131556096"/>
       </c:barChart>
       <c:catAx>
-        <c:axId val="164387840"/>
+        <c:axId val="131136512"/>
         <c:scaling>
           <c:orientation val="minMax"/>
         </c:scaling>
@@ -33789,7 +33791,7 @@
         <c:majorTickMark val="out"/>
         <c:minorTickMark val="none"/>
         <c:tickLblPos val="nextTo"/>
-        <c:crossAx val="164389632"/>
+        <c:crossAx val="131556096"/>
         <c:crosses val="autoZero"/>
         <c:auto val="1"/>
         <c:lblAlgn val="ctr"/>
@@ -33797,7 +33799,7 @@
         <c:noMultiLvlLbl val="0"/>
       </c:catAx>
       <c:valAx>
-        <c:axId val="164389632"/>
+        <c:axId val="131556096"/>
         <c:scaling>
           <c:orientation val="minMax"/>
         </c:scaling>
@@ -33808,7 +33810,7 @@
         <c:majorTickMark val="out"/>
         <c:minorTickMark val="none"/>
         <c:tickLblPos val="nextTo"/>
-        <c:crossAx val="164387840"/>
+        <c:crossAx val="131136512"/>
         <c:crosses val="autoZero"/>
         <c:crossBetween val="between"/>
       </c:valAx>
@@ -35506,11 +35508,11 @@
           <c:showPercent val="0"/>
           <c:showBubbleSize val="0"/>
         </c:dLbls>
-        <c:axId val="166988416"/>
-        <c:axId val="167011840"/>
+        <c:axId val="116570752"/>
+        <c:axId val="116577792"/>
       </c:scatterChart>
       <c:valAx>
-        <c:axId val="166988416"/>
+        <c:axId val="116570752"/>
         <c:scaling>
           <c:orientation val="minMax"/>
         </c:scaling>
@@ -35519,12 +35521,12 @@
         <c:majorTickMark val="out"/>
         <c:minorTickMark val="none"/>
         <c:tickLblPos val="nextTo"/>
-        <c:crossAx val="167011840"/>
+        <c:crossAx val="116577792"/>
         <c:crosses val="autoZero"/>
         <c:crossBetween val="midCat"/>
       </c:valAx>
       <c:valAx>
-        <c:axId val="167011840"/>
+        <c:axId val="116577792"/>
         <c:scaling>
           <c:orientation val="maxMin"/>
           <c:max val="0.1"/>
@@ -35556,7 +35558,7 @@
         <c:majorTickMark val="out"/>
         <c:minorTickMark val="none"/>
         <c:tickLblPos val="nextTo"/>
-        <c:crossAx val="166988416"/>
+        <c:crossAx val="116570752"/>
         <c:crosses val="autoZero"/>
         <c:crossBetween val="midCat"/>
       </c:valAx>
@@ -35671,11 +35673,11 @@
           <c:showBubbleSize val="0"/>
         </c:dLbls>
         <c:gapWidth val="150"/>
-        <c:axId val="164398592"/>
-        <c:axId val="164400128"/>
+        <c:axId val="131585536"/>
+        <c:axId val="131587072"/>
       </c:barChart>
       <c:catAx>
-        <c:axId val="164398592"/>
+        <c:axId val="131585536"/>
         <c:scaling>
           <c:orientation val="minMax"/>
         </c:scaling>
@@ -35684,7 +35686,7 @@
         <c:majorTickMark val="out"/>
         <c:minorTickMark val="none"/>
         <c:tickLblPos val="nextTo"/>
-        <c:crossAx val="164400128"/>
+        <c:crossAx val="131587072"/>
         <c:crosses val="autoZero"/>
         <c:auto val="1"/>
         <c:lblAlgn val="ctr"/>
@@ -35692,7 +35694,7 @@
         <c:noMultiLvlLbl val="0"/>
       </c:catAx>
       <c:valAx>
-        <c:axId val="164400128"/>
+        <c:axId val="131587072"/>
         <c:scaling>
           <c:orientation val="minMax"/>
         </c:scaling>
@@ -35703,7 +35705,7 @@
         <c:majorTickMark val="out"/>
         <c:minorTickMark val="none"/>
         <c:tickLblPos val="nextTo"/>
-        <c:crossAx val="164398592"/>
+        <c:crossAx val="131585536"/>
         <c:crosses val="autoZero"/>
         <c:crossBetween val="between"/>
       </c:valAx>
@@ -37386,11 +37388,11 @@
           <c:showPercent val="0"/>
           <c:showBubbleSize val="0"/>
         </c:dLbls>
-        <c:axId val="167043840"/>
-        <c:axId val="167046528"/>
+        <c:axId val="116589312"/>
+        <c:axId val="116592000"/>
       </c:scatterChart>
       <c:valAx>
-        <c:axId val="167043840"/>
+        <c:axId val="116589312"/>
         <c:scaling>
           <c:orientation val="minMax"/>
         </c:scaling>
@@ -37399,12 +37401,12 @@
         <c:majorTickMark val="out"/>
         <c:minorTickMark val="none"/>
         <c:tickLblPos val="nextTo"/>
-        <c:crossAx val="167046528"/>
+        <c:crossAx val="116592000"/>
         <c:crosses val="autoZero"/>
         <c:crossBetween val="midCat"/>
       </c:valAx>
       <c:valAx>
-        <c:axId val="167046528"/>
+        <c:axId val="116592000"/>
         <c:scaling>
           <c:orientation val="maxMin"/>
           <c:max val="0.1"/>
@@ -37441,7 +37443,7 @@
         <c:majorTickMark val="out"/>
         <c:minorTickMark val="none"/>
         <c:tickLblPos val="nextTo"/>
-        <c:crossAx val="167043840"/>
+        <c:crossAx val="116589312"/>
         <c:crosses val="autoZero"/>
         <c:crossBetween val="midCat"/>
       </c:valAx>
@@ -39108,11 +39110,11 @@
           <c:showPercent val="0"/>
           <c:showBubbleSize val="0"/>
         </c:dLbls>
-        <c:axId val="167340672"/>
-        <c:axId val="167372288"/>
+        <c:axId val="116624000"/>
+        <c:axId val="116647424"/>
       </c:scatterChart>
       <c:valAx>
-        <c:axId val="167340672"/>
+        <c:axId val="116624000"/>
         <c:scaling>
           <c:orientation val="minMax"/>
         </c:scaling>
@@ -39121,12 +39123,12 @@
         <c:majorTickMark val="out"/>
         <c:minorTickMark val="none"/>
         <c:tickLblPos val="nextTo"/>
-        <c:crossAx val="167372288"/>
+        <c:crossAx val="116647424"/>
         <c:crosses val="autoZero"/>
         <c:crossBetween val="midCat"/>
       </c:valAx>
       <c:valAx>
-        <c:axId val="167372288"/>
+        <c:axId val="116647424"/>
         <c:scaling>
           <c:orientation val="maxMin"/>
           <c:max val="0.1"/>
@@ -39166,7 +39168,7 @@
         <c:majorTickMark val="out"/>
         <c:minorTickMark val="none"/>
         <c:tickLblPos val="nextTo"/>
-        <c:crossAx val="167340672"/>
+        <c:crossAx val="116624000"/>
         <c:crosses val="autoZero"/>
         <c:crossBetween val="midCat"/>
       </c:valAx>
@@ -39263,7 +39265,7 @@
           <a:p>
             <a:fld id="{47053D67-9EBB-4456-BEF1-A4108CD1C887}" type="datetimeFigureOut">
               <a:rPr lang="es-ES" smtClean="0"/>
-              <a:t>08/09/2015</a:t>
+              <a:t>11/09/2015</a:t>
             </a:fld>
             <a:endParaRPr lang="es-ES"/>
           </a:p>
@@ -39680,7 +39682,7 @@
           <a:p>
             <a:fld id="{DABE78E0-8AF9-4C58-8B4C-B80F7D6B1763}" type="slidenum">
               <a:rPr lang="es-ES" smtClean="0"/>
-              <a:t>58</a:t>
+              <a:t>60</a:t>
             </a:fld>
             <a:endParaRPr lang="es-ES"/>
           </a:p>
@@ -39880,7 +39882,7 @@
           <a:p>
             <a:fld id="{D8DA5178-521C-4D8E-9777-3CA29D9D7BA2}" type="datetimeFigureOut">
               <a:rPr lang="en-US" smtClean="0"/>
-              <a:t>9/8/2015</a:t>
+              <a:t>9/11/2015</a:t>
             </a:fld>
             <a:endParaRPr lang="en-US"/>
           </a:p>
@@ -40050,7 +40052,7 @@
           <a:p>
             <a:fld id="{D8DA5178-521C-4D8E-9777-3CA29D9D7BA2}" type="datetimeFigureOut">
               <a:rPr lang="en-US" smtClean="0"/>
-              <a:t>9/8/2015</a:t>
+              <a:t>9/11/2015</a:t>
             </a:fld>
             <a:endParaRPr lang="en-US"/>
           </a:p>
@@ -40230,7 +40232,7 @@
           <a:p>
             <a:fld id="{D8DA5178-521C-4D8E-9777-3CA29D9D7BA2}" type="datetimeFigureOut">
               <a:rPr lang="en-US" smtClean="0"/>
-              <a:t>9/8/2015</a:t>
+              <a:t>9/11/2015</a:t>
             </a:fld>
             <a:endParaRPr lang="en-US"/>
           </a:p>
@@ -40400,7 +40402,7 @@
           <a:p>
             <a:fld id="{D8DA5178-521C-4D8E-9777-3CA29D9D7BA2}" type="datetimeFigureOut">
               <a:rPr lang="en-US" smtClean="0"/>
-              <a:t>9/8/2015</a:t>
+              <a:t>9/11/2015</a:t>
             </a:fld>
             <a:endParaRPr lang="en-US"/>
           </a:p>
@@ -40646,7 +40648,7 @@
           <a:p>
             <a:fld id="{D8DA5178-521C-4D8E-9777-3CA29D9D7BA2}" type="datetimeFigureOut">
               <a:rPr lang="en-US" smtClean="0"/>
-              <a:t>9/8/2015</a:t>
+              <a:t>9/11/2015</a:t>
             </a:fld>
             <a:endParaRPr lang="en-US"/>
           </a:p>
@@ -40934,7 +40936,7 @@
           <a:p>
             <a:fld id="{D8DA5178-521C-4D8E-9777-3CA29D9D7BA2}" type="datetimeFigureOut">
               <a:rPr lang="en-US" smtClean="0"/>
-              <a:t>9/8/2015</a:t>
+              <a:t>9/11/2015</a:t>
             </a:fld>
             <a:endParaRPr lang="en-US"/>
           </a:p>
@@ -41356,7 +41358,7 @@
           <a:p>
             <a:fld id="{D8DA5178-521C-4D8E-9777-3CA29D9D7BA2}" type="datetimeFigureOut">
               <a:rPr lang="en-US" smtClean="0"/>
-              <a:t>9/8/2015</a:t>
+              <a:t>9/11/2015</a:t>
             </a:fld>
             <a:endParaRPr lang="en-US"/>
           </a:p>
@@ -41474,7 +41476,7 @@
           <a:p>
             <a:fld id="{D8DA5178-521C-4D8E-9777-3CA29D9D7BA2}" type="datetimeFigureOut">
               <a:rPr lang="en-US" smtClean="0"/>
-              <a:t>9/8/2015</a:t>
+              <a:t>9/11/2015</a:t>
             </a:fld>
             <a:endParaRPr lang="en-US"/>
           </a:p>
@@ -41569,7 +41571,7 @@
           <a:p>
             <a:fld id="{D8DA5178-521C-4D8E-9777-3CA29D9D7BA2}" type="datetimeFigureOut">
               <a:rPr lang="en-US" smtClean="0"/>
-              <a:t>9/8/2015</a:t>
+              <a:t>9/11/2015</a:t>
             </a:fld>
             <a:endParaRPr lang="en-US"/>
           </a:p>
@@ -41846,7 +41848,7 @@
           <a:p>
             <a:fld id="{D8DA5178-521C-4D8E-9777-3CA29D9D7BA2}" type="datetimeFigureOut">
               <a:rPr lang="en-US" smtClean="0"/>
-              <a:t>9/8/2015</a:t>
+              <a:t>9/11/2015</a:t>
             </a:fld>
             <a:endParaRPr lang="en-US"/>
           </a:p>
@@ -42099,7 +42101,7 @@
           <a:p>
             <a:fld id="{D8DA5178-521C-4D8E-9777-3CA29D9D7BA2}" type="datetimeFigureOut">
               <a:rPr lang="en-US" smtClean="0"/>
-              <a:t>9/8/2015</a:t>
+              <a:t>9/11/2015</a:t>
             </a:fld>
             <a:endParaRPr lang="en-US"/>
           </a:p>
@@ -42312,7 +42314,7 @@
           <a:p>
             <a:fld id="{D8DA5178-521C-4D8E-9777-3CA29D9D7BA2}" type="datetimeFigureOut">
               <a:rPr lang="en-US" smtClean="0"/>
-              <a:t>9/8/2015</a:t>
+              <a:t>9/11/2015</a:t>
             </a:fld>
             <a:endParaRPr lang="en-US"/>
           </a:p>
@@ -47843,6 +47845,225 @@
           </a:p>
         </p:txBody>
       </p:sp>
+      <p:sp>
+        <p:nvSpPr>
+          <p:cNvPr id="26" name="AutoShape 6"/>
+          <p:cNvSpPr>
+            <a:spLocks noChangeArrowheads="1"/>
+          </p:cNvSpPr>
+          <p:nvPr/>
+        </p:nvSpPr>
+        <p:spPr bwMode="auto">
+          <a:xfrm rot="1056231">
+            <a:off x="2798670" y="3273813"/>
+            <a:ext cx="4638245" cy="1528241"/>
+          </a:xfrm>
+          <a:prstGeom prst="roundRect">
+            <a:avLst>
+              <a:gd name="adj" fmla="val 16667"/>
+            </a:avLst>
+          </a:prstGeom>
+          <a:noFill/>
+          <a:ln w="152400">
+            <a:solidFill>
+              <a:srgbClr val="990033"/>
+            </a:solidFill>
+            <a:round/>
+            <a:headEnd/>
+            <a:tailEnd/>
+          </a:ln>
+          <a:effectLst/>
+          <a:extLst>
+            <a:ext uri="{909E8E84-426E-40DD-AFC4-6F175D3DCCD1}">
+              <a14:hiddenFill xmlns:a14="http://schemas.microsoft.com/office/drawing/2010/main">
+                <a:solidFill>
+                  <a:schemeClr val="accent1"/>
+                </a:solidFill>
+              </a14:hiddenFill>
+            </a:ext>
+            <a:ext uri="{AF507438-7753-43E0-B8FC-AC1667EBCBE1}">
+              <a14:hiddenEffects xmlns:a14="http://schemas.microsoft.com/office/drawing/2010/main">
+                <a:effectLst>
+                  <a:outerShdw dist="35921" dir="2700000" algn="ctr" rotWithShape="0">
+                    <a:schemeClr val="bg2"/>
+                  </a:outerShdw>
+                </a:effectLst>
+              </a14:hiddenEffects>
+            </a:ext>
+          </a:extLst>
+        </p:spPr>
+        <p:txBody>
+          <a:bodyPr wrap="none" anchor="ctr"/>
+          <a:lstStyle>
+            <a:lvl1pPr>
+              <a:defRPr>
+                <a:solidFill>
+                  <a:schemeClr val="tx1"/>
+                </a:solidFill>
+                <a:latin typeface="Arial" panose="020B0604020202020204" pitchFamily="34" charset="0"/>
+              </a:defRPr>
+            </a:lvl1pPr>
+            <a:lvl2pPr marL="742950" indent="-285750">
+              <a:defRPr>
+                <a:solidFill>
+                  <a:schemeClr val="tx1"/>
+                </a:solidFill>
+                <a:latin typeface="Arial" panose="020B0604020202020204" pitchFamily="34" charset="0"/>
+              </a:defRPr>
+            </a:lvl2pPr>
+            <a:lvl3pPr marL="1143000" indent="-228600">
+              <a:defRPr>
+                <a:solidFill>
+                  <a:schemeClr val="tx1"/>
+                </a:solidFill>
+                <a:latin typeface="Arial" panose="020B0604020202020204" pitchFamily="34" charset="0"/>
+              </a:defRPr>
+            </a:lvl3pPr>
+            <a:lvl4pPr marL="1600200" indent="-228600">
+              <a:defRPr>
+                <a:solidFill>
+                  <a:schemeClr val="tx1"/>
+                </a:solidFill>
+                <a:latin typeface="Arial" panose="020B0604020202020204" pitchFamily="34" charset="0"/>
+              </a:defRPr>
+            </a:lvl4pPr>
+            <a:lvl5pPr marL="2057400" indent="-228600">
+              <a:defRPr>
+                <a:solidFill>
+                  <a:schemeClr val="tx1"/>
+                </a:solidFill>
+                <a:latin typeface="Arial" panose="020B0604020202020204" pitchFamily="34" charset="0"/>
+              </a:defRPr>
+            </a:lvl5pPr>
+            <a:lvl6pPr marL="2514600" indent="-228600" eaLnBrk="0" fontAlgn="base" hangingPunct="0">
+              <a:spcBef>
+                <a:spcPct val="0"/>
+              </a:spcBef>
+              <a:spcAft>
+                <a:spcPct val="0"/>
+              </a:spcAft>
+              <a:defRPr>
+                <a:solidFill>
+                  <a:schemeClr val="tx1"/>
+                </a:solidFill>
+                <a:latin typeface="Arial" panose="020B0604020202020204" pitchFamily="34" charset="0"/>
+              </a:defRPr>
+            </a:lvl6pPr>
+            <a:lvl7pPr marL="2971800" indent="-228600" eaLnBrk="0" fontAlgn="base" hangingPunct="0">
+              <a:spcBef>
+                <a:spcPct val="0"/>
+              </a:spcBef>
+              <a:spcAft>
+                <a:spcPct val="0"/>
+              </a:spcAft>
+              <a:defRPr>
+                <a:solidFill>
+                  <a:schemeClr val="tx1"/>
+                </a:solidFill>
+                <a:latin typeface="Arial" panose="020B0604020202020204" pitchFamily="34" charset="0"/>
+              </a:defRPr>
+            </a:lvl7pPr>
+            <a:lvl8pPr marL="3429000" indent="-228600" eaLnBrk="0" fontAlgn="base" hangingPunct="0">
+              <a:spcBef>
+                <a:spcPct val="0"/>
+              </a:spcBef>
+              <a:spcAft>
+                <a:spcPct val="0"/>
+              </a:spcAft>
+              <a:defRPr>
+                <a:solidFill>
+                  <a:schemeClr val="tx1"/>
+                </a:solidFill>
+                <a:latin typeface="Arial" panose="020B0604020202020204" pitchFamily="34" charset="0"/>
+              </a:defRPr>
+            </a:lvl8pPr>
+            <a:lvl9pPr marL="3886200" indent="-228600" eaLnBrk="0" fontAlgn="base" hangingPunct="0">
+              <a:spcBef>
+                <a:spcPct val="0"/>
+              </a:spcBef>
+              <a:spcAft>
+                <a:spcPct val="0"/>
+              </a:spcAft>
+              <a:defRPr>
+                <a:solidFill>
+                  <a:schemeClr val="tx1"/>
+                </a:solidFill>
+                <a:latin typeface="Arial" panose="020B0604020202020204" pitchFamily="34" charset="0"/>
+              </a:defRPr>
+            </a:lvl9pPr>
+          </a:lstStyle>
+          <a:p>
+            <a:pPr algn="ctr" eaLnBrk="1" hangingPunct="1"/>
+            <a:r>
+              <a:rPr lang="en-GB" altLang="en-US" sz="4000" b="1" dirty="0" smtClean="0">
+                <a:solidFill>
+                  <a:srgbClr val="990033"/>
+                </a:solidFill>
+              </a:rPr>
+              <a:t>To be updated</a:t>
+            </a:r>
+            <a:endParaRPr lang="en-GB" altLang="en-US" sz="4000" b="1" dirty="0">
+              <a:solidFill>
+                <a:srgbClr val="990033"/>
+              </a:solidFill>
+            </a:endParaRPr>
+          </a:p>
+        </p:txBody>
+      </p:sp>
+      <p:pic>
+        <p:nvPicPr>
+          <p:cNvPr id="29" name="Picture 7" descr="stamp-effects3"/>
+          <p:cNvPicPr>
+            <a:picLocks noChangeAspect="1" noChangeArrowheads="1"/>
+          </p:cNvPicPr>
+          <p:nvPr/>
+        </p:nvPicPr>
+        <p:blipFill>
+          <a:blip r:embed="rId4">
+            <a:extLst>
+              <a:ext uri="{28A0092B-C50C-407E-A947-70E740481C1C}">
+                <a14:useLocalDpi xmlns:a14="http://schemas.microsoft.com/office/drawing/2010/main" val="0"/>
+              </a:ext>
+            </a:extLst>
+          </a:blip>
+          <a:srcRect/>
+          <a:stretch>
+            <a:fillRect/>
+          </a:stretch>
+        </p:blipFill>
+        <p:spPr bwMode="auto">
+          <a:xfrm rot="1058068">
+            <a:off x="2526191" y="2686247"/>
+            <a:ext cx="5278530" cy="2345300"/>
+          </a:xfrm>
+          <a:prstGeom prst="rect">
+            <a:avLst/>
+          </a:prstGeom>
+          <a:noFill/>
+          <a:ln>
+            <a:noFill/>
+          </a:ln>
+          <a:extLst>
+            <a:ext uri="{909E8E84-426E-40DD-AFC4-6F175D3DCCD1}">
+              <a14:hiddenFill xmlns:a14="http://schemas.microsoft.com/office/drawing/2010/main">
+                <a:solidFill>
+                  <a:srgbClr val="FFFFFF"/>
+                </a:solidFill>
+              </a14:hiddenFill>
+            </a:ext>
+            <a:ext uri="{91240B29-F687-4F45-9708-019B960494DF}">
+              <a14:hiddenLine xmlns:a14="http://schemas.microsoft.com/office/drawing/2010/main" w="12700">
+                <a:solidFill>
+                  <a:srgbClr val="000000"/>
+                </a:solidFill>
+                <a:miter lim="800000"/>
+                <a:headEnd/>
+                <a:tailEnd/>
+              </a14:hiddenLine>
+            </a:ext>
+          </a:extLst>
+        </p:spPr>
+      </p:pic>
     </p:spTree>
     <p:extLst>
       <p:ext uri="{BB962C8B-B14F-4D97-AF65-F5344CB8AC3E}">
@@ -47953,6 +48174,225 @@
           </a:graphicData>
         </a:graphic>
       </p:graphicFrame>
+      <p:sp>
+        <p:nvSpPr>
+          <p:cNvPr id="6" name="AutoShape 6"/>
+          <p:cNvSpPr>
+            <a:spLocks noChangeArrowheads="1"/>
+          </p:cNvSpPr>
+          <p:nvPr/>
+        </p:nvSpPr>
+        <p:spPr bwMode="auto">
+          <a:xfrm rot="1056231">
+            <a:off x="2798670" y="3273813"/>
+            <a:ext cx="4638245" cy="1528241"/>
+          </a:xfrm>
+          <a:prstGeom prst="roundRect">
+            <a:avLst>
+              <a:gd name="adj" fmla="val 16667"/>
+            </a:avLst>
+          </a:prstGeom>
+          <a:noFill/>
+          <a:ln w="152400">
+            <a:solidFill>
+              <a:srgbClr val="990033"/>
+            </a:solidFill>
+            <a:round/>
+            <a:headEnd/>
+            <a:tailEnd/>
+          </a:ln>
+          <a:effectLst/>
+          <a:extLst>
+            <a:ext uri="{909E8E84-426E-40DD-AFC4-6F175D3DCCD1}">
+              <a14:hiddenFill xmlns:a14="http://schemas.microsoft.com/office/drawing/2010/main">
+                <a:solidFill>
+                  <a:schemeClr val="accent1"/>
+                </a:solidFill>
+              </a14:hiddenFill>
+            </a:ext>
+            <a:ext uri="{AF507438-7753-43E0-B8FC-AC1667EBCBE1}">
+              <a14:hiddenEffects xmlns:a14="http://schemas.microsoft.com/office/drawing/2010/main">
+                <a:effectLst>
+                  <a:outerShdw dist="35921" dir="2700000" algn="ctr" rotWithShape="0">
+                    <a:schemeClr val="bg2"/>
+                  </a:outerShdw>
+                </a:effectLst>
+              </a14:hiddenEffects>
+            </a:ext>
+          </a:extLst>
+        </p:spPr>
+        <p:txBody>
+          <a:bodyPr wrap="none" anchor="ctr"/>
+          <a:lstStyle>
+            <a:lvl1pPr>
+              <a:defRPr>
+                <a:solidFill>
+                  <a:schemeClr val="tx1"/>
+                </a:solidFill>
+                <a:latin typeface="Arial" panose="020B0604020202020204" pitchFamily="34" charset="0"/>
+              </a:defRPr>
+            </a:lvl1pPr>
+            <a:lvl2pPr marL="742950" indent="-285750">
+              <a:defRPr>
+                <a:solidFill>
+                  <a:schemeClr val="tx1"/>
+                </a:solidFill>
+                <a:latin typeface="Arial" panose="020B0604020202020204" pitchFamily="34" charset="0"/>
+              </a:defRPr>
+            </a:lvl2pPr>
+            <a:lvl3pPr marL="1143000" indent="-228600">
+              <a:defRPr>
+                <a:solidFill>
+                  <a:schemeClr val="tx1"/>
+                </a:solidFill>
+                <a:latin typeface="Arial" panose="020B0604020202020204" pitchFamily="34" charset="0"/>
+              </a:defRPr>
+            </a:lvl3pPr>
+            <a:lvl4pPr marL="1600200" indent="-228600">
+              <a:defRPr>
+                <a:solidFill>
+                  <a:schemeClr val="tx1"/>
+                </a:solidFill>
+                <a:latin typeface="Arial" panose="020B0604020202020204" pitchFamily="34" charset="0"/>
+              </a:defRPr>
+            </a:lvl4pPr>
+            <a:lvl5pPr marL="2057400" indent="-228600">
+              <a:defRPr>
+                <a:solidFill>
+                  <a:schemeClr val="tx1"/>
+                </a:solidFill>
+                <a:latin typeface="Arial" panose="020B0604020202020204" pitchFamily="34" charset="0"/>
+              </a:defRPr>
+            </a:lvl5pPr>
+            <a:lvl6pPr marL="2514600" indent="-228600" eaLnBrk="0" fontAlgn="base" hangingPunct="0">
+              <a:spcBef>
+                <a:spcPct val="0"/>
+              </a:spcBef>
+              <a:spcAft>
+                <a:spcPct val="0"/>
+              </a:spcAft>
+              <a:defRPr>
+                <a:solidFill>
+                  <a:schemeClr val="tx1"/>
+                </a:solidFill>
+                <a:latin typeface="Arial" panose="020B0604020202020204" pitchFamily="34" charset="0"/>
+              </a:defRPr>
+            </a:lvl6pPr>
+            <a:lvl7pPr marL="2971800" indent="-228600" eaLnBrk="0" fontAlgn="base" hangingPunct="0">
+              <a:spcBef>
+                <a:spcPct val="0"/>
+              </a:spcBef>
+              <a:spcAft>
+                <a:spcPct val="0"/>
+              </a:spcAft>
+              <a:defRPr>
+                <a:solidFill>
+                  <a:schemeClr val="tx1"/>
+                </a:solidFill>
+                <a:latin typeface="Arial" panose="020B0604020202020204" pitchFamily="34" charset="0"/>
+              </a:defRPr>
+            </a:lvl7pPr>
+            <a:lvl8pPr marL="3429000" indent="-228600" eaLnBrk="0" fontAlgn="base" hangingPunct="0">
+              <a:spcBef>
+                <a:spcPct val="0"/>
+              </a:spcBef>
+              <a:spcAft>
+                <a:spcPct val="0"/>
+              </a:spcAft>
+              <a:defRPr>
+                <a:solidFill>
+                  <a:schemeClr val="tx1"/>
+                </a:solidFill>
+                <a:latin typeface="Arial" panose="020B0604020202020204" pitchFamily="34" charset="0"/>
+              </a:defRPr>
+            </a:lvl8pPr>
+            <a:lvl9pPr marL="3886200" indent="-228600" eaLnBrk="0" fontAlgn="base" hangingPunct="0">
+              <a:spcBef>
+                <a:spcPct val="0"/>
+              </a:spcBef>
+              <a:spcAft>
+                <a:spcPct val="0"/>
+              </a:spcAft>
+              <a:defRPr>
+                <a:solidFill>
+                  <a:schemeClr val="tx1"/>
+                </a:solidFill>
+                <a:latin typeface="Arial" panose="020B0604020202020204" pitchFamily="34" charset="0"/>
+              </a:defRPr>
+            </a:lvl9pPr>
+          </a:lstStyle>
+          <a:p>
+            <a:pPr algn="ctr" eaLnBrk="1" hangingPunct="1"/>
+            <a:r>
+              <a:rPr lang="en-GB" altLang="en-US" sz="4000" b="1" dirty="0" smtClean="0">
+                <a:solidFill>
+                  <a:srgbClr val="990033"/>
+                </a:solidFill>
+              </a:rPr>
+              <a:t>To be updated</a:t>
+            </a:r>
+            <a:endParaRPr lang="en-GB" altLang="en-US" sz="4000" b="1" dirty="0">
+              <a:solidFill>
+                <a:srgbClr val="990033"/>
+              </a:solidFill>
+            </a:endParaRPr>
+          </a:p>
+        </p:txBody>
+      </p:sp>
+      <p:pic>
+        <p:nvPicPr>
+          <p:cNvPr id="7" name="Picture 7" descr="stamp-effects3"/>
+          <p:cNvPicPr>
+            <a:picLocks noChangeAspect="1" noChangeArrowheads="1"/>
+          </p:cNvPicPr>
+          <p:nvPr/>
+        </p:nvPicPr>
+        <p:blipFill>
+          <a:blip r:embed="rId3">
+            <a:extLst>
+              <a:ext uri="{28A0092B-C50C-407E-A947-70E740481C1C}">
+                <a14:useLocalDpi xmlns:a14="http://schemas.microsoft.com/office/drawing/2010/main" val="0"/>
+              </a:ext>
+            </a:extLst>
+          </a:blip>
+          <a:srcRect/>
+          <a:stretch>
+            <a:fillRect/>
+          </a:stretch>
+        </p:blipFill>
+        <p:spPr bwMode="auto">
+          <a:xfrm rot="1058068">
+            <a:off x="2526191" y="2686247"/>
+            <a:ext cx="5278530" cy="2345300"/>
+          </a:xfrm>
+          <a:prstGeom prst="rect">
+            <a:avLst/>
+          </a:prstGeom>
+          <a:noFill/>
+          <a:ln>
+            <a:noFill/>
+          </a:ln>
+          <a:extLst>
+            <a:ext uri="{909E8E84-426E-40DD-AFC4-6F175D3DCCD1}">
+              <a14:hiddenFill xmlns:a14="http://schemas.microsoft.com/office/drawing/2010/main">
+                <a:solidFill>
+                  <a:srgbClr val="FFFFFF"/>
+                </a:solidFill>
+              </a14:hiddenFill>
+            </a:ext>
+            <a:ext uri="{91240B29-F687-4F45-9708-019B960494DF}">
+              <a14:hiddenLine xmlns:a14="http://schemas.microsoft.com/office/drawing/2010/main" w="12700">
+                <a:solidFill>
+                  <a:srgbClr val="000000"/>
+                </a:solidFill>
+                <a:miter lim="800000"/>
+                <a:headEnd/>
+                <a:tailEnd/>
+              </a14:hiddenLine>
+            </a:ext>
+          </a:extLst>
+        </p:spPr>
+      </p:pic>
     </p:spTree>
     <p:extLst>
       <p:ext uri="{BB962C8B-B14F-4D97-AF65-F5344CB8AC3E}">
@@ -48063,6 +48503,225 @@
           </a:graphicData>
         </a:graphic>
       </p:graphicFrame>
+      <p:sp>
+        <p:nvSpPr>
+          <p:cNvPr id="4" name="AutoShape 6"/>
+          <p:cNvSpPr>
+            <a:spLocks noChangeArrowheads="1"/>
+          </p:cNvSpPr>
+          <p:nvPr/>
+        </p:nvSpPr>
+        <p:spPr bwMode="auto">
+          <a:xfrm rot="1056231">
+            <a:off x="2798670" y="3273813"/>
+            <a:ext cx="4638245" cy="1528241"/>
+          </a:xfrm>
+          <a:prstGeom prst="roundRect">
+            <a:avLst>
+              <a:gd name="adj" fmla="val 16667"/>
+            </a:avLst>
+          </a:prstGeom>
+          <a:noFill/>
+          <a:ln w="152400">
+            <a:solidFill>
+              <a:srgbClr val="990033"/>
+            </a:solidFill>
+            <a:round/>
+            <a:headEnd/>
+            <a:tailEnd/>
+          </a:ln>
+          <a:effectLst/>
+          <a:extLst>
+            <a:ext uri="{909E8E84-426E-40DD-AFC4-6F175D3DCCD1}">
+              <a14:hiddenFill xmlns:a14="http://schemas.microsoft.com/office/drawing/2010/main">
+                <a:solidFill>
+                  <a:schemeClr val="accent1"/>
+                </a:solidFill>
+              </a14:hiddenFill>
+            </a:ext>
+            <a:ext uri="{AF507438-7753-43E0-B8FC-AC1667EBCBE1}">
+              <a14:hiddenEffects xmlns:a14="http://schemas.microsoft.com/office/drawing/2010/main">
+                <a:effectLst>
+                  <a:outerShdw dist="35921" dir="2700000" algn="ctr" rotWithShape="0">
+                    <a:schemeClr val="bg2"/>
+                  </a:outerShdw>
+                </a:effectLst>
+              </a14:hiddenEffects>
+            </a:ext>
+          </a:extLst>
+        </p:spPr>
+        <p:txBody>
+          <a:bodyPr wrap="none" anchor="ctr"/>
+          <a:lstStyle>
+            <a:lvl1pPr>
+              <a:defRPr>
+                <a:solidFill>
+                  <a:schemeClr val="tx1"/>
+                </a:solidFill>
+                <a:latin typeface="Arial" panose="020B0604020202020204" pitchFamily="34" charset="0"/>
+              </a:defRPr>
+            </a:lvl1pPr>
+            <a:lvl2pPr marL="742950" indent="-285750">
+              <a:defRPr>
+                <a:solidFill>
+                  <a:schemeClr val="tx1"/>
+                </a:solidFill>
+                <a:latin typeface="Arial" panose="020B0604020202020204" pitchFamily="34" charset="0"/>
+              </a:defRPr>
+            </a:lvl2pPr>
+            <a:lvl3pPr marL="1143000" indent="-228600">
+              <a:defRPr>
+                <a:solidFill>
+                  <a:schemeClr val="tx1"/>
+                </a:solidFill>
+                <a:latin typeface="Arial" panose="020B0604020202020204" pitchFamily="34" charset="0"/>
+              </a:defRPr>
+            </a:lvl3pPr>
+            <a:lvl4pPr marL="1600200" indent="-228600">
+              <a:defRPr>
+                <a:solidFill>
+                  <a:schemeClr val="tx1"/>
+                </a:solidFill>
+                <a:latin typeface="Arial" panose="020B0604020202020204" pitchFamily="34" charset="0"/>
+              </a:defRPr>
+            </a:lvl4pPr>
+            <a:lvl5pPr marL="2057400" indent="-228600">
+              <a:defRPr>
+                <a:solidFill>
+                  <a:schemeClr val="tx1"/>
+                </a:solidFill>
+                <a:latin typeface="Arial" panose="020B0604020202020204" pitchFamily="34" charset="0"/>
+              </a:defRPr>
+            </a:lvl5pPr>
+            <a:lvl6pPr marL="2514600" indent="-228600" eaLnBrk="0" fontAlgn="base" hangingPunct="0">
+              <a:spcBef>
+                <a:spcPct val="0"/>
+              </a:spcBef>
+              <a:spcAft>
+                <a:spcPct val="0"/>
+              </a:spcAft>
+              <a:defRPr>
+                <a:solidFill>
+                  <a:schemeClr val="tx1"/>
+                </a:solidFill>
+                <a:latin typeface="Arial" panose="020B0604020202020204" pitchFamily="34" charset="0"/>
+              </a:defRPr>
+            </a:lvl6pPr>
+            <a:lvl7pPr marL="2971800" indent="-228600" eaLnBrk="0" fontAlgn="base" hangingPunct="0">
+              <a:spcBef>
+                <a:spcPct val="0"/>
+              </a:spcBef>
+              <a:spcAft>
+                <a:spcPct val="0"/>
+              </a:spcAft>
+              <a:defRPr>
+                <a:solidFill>
+                  <a:schemeClr val="tx1"/>
+                </a:solidFill>
+                <a:latin typeface="Arial" panose="020B0604020202020204" pitchFamily="34" charset="0"/>
+              </a:defRPr>
+            </a:lvl7pPr>
+            <a:lvl8pPr marL="3429000" indent="-228600" eaLnBrk="0" fontAlgn="base" hangingPunct="0">
+              <a:spcBef>
+                <a:spcPct val="0"/>
+              </a:spcBef>
+              <a:spcAft>
+                <a:spcPct val="0"/>
+              </a:spcAft>
+              <a:defRPr>
+                <a:solidFill>
+                  <a:schemeClr val="tx1"/>
+                </a:solidFill>
+                <a:latin typeface="Arial" panose="020B0604020202020204" pitchFamily="34" charset="0"/>
+              </a:defRPr>
+            </a:lvl8pPr>
+            <a:lvl9pPr marL="3886200" indent="-228600" eaLnBrk="0" fontAlgn="base" hangingPunct="0">
+              <a:spcBef>
+                <a:spcPct val="0"/>
+              </a:spcBef>
+              <a:spcAft>
+                <a:spcPct val="0"/>
+              </a:spcAft>
+              <a:defRPr>
+                <a:solidFill>
+                  <a:schemeClr val="tx1"/>
+                </a:solidFill>
+                <a:latin typeface="Arial" panose="020B0604020202020204" pitchFamily="34" charset="0"/>
+              </a:defRPr>
+            </a:lvl9pPr>
+          </a:lstStyle>
+          <a:p>
+            <a:pPr algn="ctr" eaLnBrk="1" hangingPunct="1"/>
+            <a:r>
+              <a:rPr lang="en-GB" altLang="en-US" sz="4000" b="1" dirty="0" smtClean="0">
+                <a:solidFill>
+                  <a:srgbClr val="990033"/>
+                </a:solidFill>
+              </a:rPr>
+              <a:t>To be updated</a:t>
+            </a:r>
+            <a:endParaRPr lang="en-GB" altLang="en-US" sz="4000" b="1" dirty="0">
+              <a:solidFill>
+                <a:srgbClr val="990033"/>
+              </a:solidFill>
+            </a:endParaRPr>
+          </a:p>
+        </p:txBody>
+      </p:sp>
+      <p:pic>
+        <p:nvPicPr>
+          <p:cNvPr id="5" name="Picture 7" descr="stamp-effects3"/>
+          <p:cNvPicPr>
+            <a:picLocks noChangeAspect="1" noChangeArrowheads="1"/>
+          </p:cNvPicPr>
+          <p:nvPr/>
+        </p:nvPicPr>
+        <p:blipFill>
+          <a:blip r:embed="rId3">
+            <a:extLst>
+              <a:ext uri="{28A0092B-C50C-407E-A947-70E740481C1C}">
+                <a14:useLocalDpi xmlns:a14="http://schemas.microsoft.com/office/drawing/2010/main" val="0"/>
+              </a:ext>
+            </a:extLst>
+          </a:blip>
+          <a:srcRect/>
+          <a:stretch>
+            <a:fillRect/>
+          </a:stretch>
+        </p:blipFill>
+        <p:spPr bwMode="auto">
+          <a:xfrm rot="1058068">
+            <a:off x="2526191" y="2686247"/>
+            <a:ext cx="5278530" cy="2345300"/>
+          </a:xfrm>
+          <a:prstGeom prst="rect">
+            <a:avLst/>
+          </a:prstGeom>
+          <a:noFill/>
+          <a:ln>
+            <a:noFill/>
+          </a:ln>
+          <a:extLst>
+            <a:ext uri="{909E8E84-426E-40DD-AFC4-6F175D3DCCD1}">
+              <a14:hiddenFill xmlns:a14="http://schemas.microsoft.com/office/drawing/2010/main">
+                <a:solidFill>
+                  <a:srgbClr val="FFFFFF"/>
+                </a:solidFill>
+              </a14:hiddenFill>
+            </a:ext>
+            <a:ext uri="{91240B29-F687-4F45-9708-019B960494DF}">
+              <a14:hiddenLine xmlns:a14="http://schemas.microsoft.com/office/drawing/2010/main" w="12700">
+                <a:solidFill>
+                  <a:srgbClr val="000000"/>
+                </a:solidFill>
+                <a:miter lim="800000"/>
+                <a:headEnd/>
+                <a:tailEnd/>
+              </a14:hiddenLine>
+            </a:ext>
+          </a:extLst>
+        </p:spPr>
+      </p:pic>
     </p:spTree>
     <p:extLst>
       <p:ext uri="{BB962C8B-B14F-4D97-AF65-F5344CB8AC3E}">
@@ -51349,7 +52008,7 @@
               <a:t>A virus in </a:t>
             </a:r>
             <a:r>
-              <a:rPr lang="en-US" dirty="0" err="1" smtClean="0"/>
+              <a:rPr lang="en-US" i="1" dirty="0" err="1" smtClean="0"/>
               <a:t>M.oryzae</a:t>
             </a:r>
             <a:r>
@@ -51653,7 +52312,6 @@
               <a:rPr lang="en-US" dirty="0" smtClean="0"/>
               <a:t>ESTs, probably two different molecules</a:t>
             </a:r>
-            <a:endParaRPr lang="en-US" dirty="0" smtClean="0"/>
           </a:p>
           <a:p>
             <a:pPr marL="285750" indent="-285750">
@@ -51689,19 +52347,7 @@
             </a:pPr>
             <a:r>
               <a:rPr lang="en-US" dirty="0" smtClean="0"/>
-              <a:t>Highly </a:t>
-            </a:r>
-            <a:r>
-              <a:rPr lang="en-US" dirty="0" smtClean="0"/>
-              <a:t>transcribed in </a:t>
-            </a:r>
-            <a:r>
-              <a:rPr lang="en-US" dirty="0" smtClean="0"/>
-              <a:t>WT (up to 20%), </a:t>
-            </a:r>
-            <a:r>
-              <a:rPr lang="en-US" dirty="0" smtClean="0"/>
-              <a:t>affected in rbp35 mutant, not sure in exp5</a:t>
+              <a:t>Highly transcribed in WT (up to 20%), affected in rbp35 mutant, not sure in exp5</a:t>
             </a:r>
           </a:p>
           <a:p>
@@ -52357,6 +53003,441 @@
         </p:nvSpPr>
         <p:spPr/>
         <p:txBody>
+          <a:bodyPr/>
+          <a:lstStyle/>
+          <a:p>
+            <a:r>
+              <a:rPr lang="en-US" dirty="0" smtClean="0"/>
+              <a:t>Zinc-finger 740 antisense CDS</a:t>
+            </a:r>
+            <a:endParaRPr lang="en-US" dirty="0"/>
+          </a:p>
+        </p:txBody>
+      </p:sp>
+      <p:pic>
+        <p:nvPicPr>
+          <p:cNvPr id="1026" name="Picture 2"/>
+          <p:cNvPicPr>
+            <a:picLocks noChangeAspect="1" noChangeArrowheads="1"/>
+          </p:cNvPicPr>
+          <p:nvPr/>
+        </p:nvPicPr>
+        <p:blipFill>
+          <a:blip r:embed="rId2">
+            <a:extLst>
+              <a:ext uri="{28A0092B-C50C-407E-A947-70E740481C1C}">
+                <a14:useLocalDpi xmlns:a14="http://schemas.microsoft.com/office/drawing/2010/main" val="0"/>
+              </a:ext>
+            </a:extLst>
+          </a:blip>
+          <a:srcRect/>
+          <a:stretch>
+            <a:fillRect/>
+          </a:stretch>
+        </p:blipFill>
+        <p:spPr bwMode="auto">
+          <a:xfrm>
+            <a:off x="323528" y="1628800"/>
+            <a:ext cx="8719989" cy="4063926"/>
+          </a:xfrm>
+          <a:prstGeom prst="rect">
+            <a:avLst/>
+          </a:prstGeom>
+          <a:noFill/>
+          <a:ln>
+            <a:noFill/>
+          </a:ln>
+          <a:effectLst/>
+          <a:extLst>
+            <a:ext uri="{909E8E84-426E-40DD-AFC4-6F175D3DCCD1}">
+              <a14:hiddenFill xmlns:a14="http://schemas.microsoft.com/office/drawing/2010/main">
+                <a:solidFill>
+                  <a:schemeClr val="accent1"/>
+                </a:solidFill>
+              </a14:hiddenFill>
+            </a:ext>
+            <a:ext uri="{91240B29-F687-4F45-9708-019B960494DF}">
+              <a14:hiddenLine xmlns:a14="http://schemas.microsoft.com/office/drawing/2010/main" w="9525">
+                <a:solidFill>
+                  <a:schemeClr val="tx1"/>
+                </a:solidFill>
+                <a:miter lim="800000"/>
+                <a:headEnd/>
+                <a:tailEnd/>
+              </a14:hiddenLine>
+            </a:ext>
+            <a:ext uri="{AF507438-7753-43E0-B8FC-AC1667EBCBE1}">
+              <a14:hiddenEffects xmlns:a14="http://schemas.microsoft.com/office/drawing/2010/main">
+                <a:effectLst>
+                  <a:outerShdw dist="35921" dir="2700000" algn="ctr" rotWithShape="0">
+                    <a:schemeClr val="bg2"/>
+                  </a:outerShdw>
+                </a:effectLst>
+              </a14:hiddenEffects>
+            </a:ext>
+          </a:extLst>
+        </p:spPr>
+      </p:pic>
+      <p:sp>
+        <p:nvSpPr>
+          <p:cNvPr id="6" name="5 Rectángulo"/>
+          <p:cNvSpPr/>
+          <p:nvPr/>
+        </p:nvSpPr>
+        <p:spPr>
+          <a:xfrm>
+            <a:off x="3296168" y="6093296"/>
+            <a:ext cx="2551661" cy="369332"/>
+          </a:xfrm>
+          <a:prstGeom prst="rect">
+            <a:avLst/>
+          </a:prstGeom>
+        </p:spPr>
+        <p:txBody>
+          <a:bodyPr wrap="none">
+            <a:spAutoFit/>
+          </a:bodyPr>
+          <a:lstStyle/>
+          <a:p>
+            <a:r>
+              <a:rPr lang="en-US" dirty="0"/>
+              <a:t>TCACAGTTAGGACATACGT</a:t>
+            </a:r>
+          </a:p>
+        </p:txBody>
+      </p:sp>
+    </p:spTree>
+    <p:extLst>
+      <p:ext uri="{BB962C8B-B14F-4D97-AF65-F5344CB8AC3E}">
+        <p14:creationId xmlns:p14="http://schemas.microsoft.com/office/powerpoint/2010/main" val="3034769153"/>
+      </p:ext>
+    </p:extLst>
+  </p:cSld>
+  <p:clrMapOvr>
+    <a:masterClrMapping/>
+  </p:clrMapOvr>
+</p:sld>
+</file>
+
+<file path=ppt/slides/slide54.xml><?xml version="1.0" encoding="utf-8"?>
+<p:sld xmlns:a="http://schemas.openxmlformats.org/drawingml/2006/main" xmlns:r="http://schemas.openxmlformats.org/officeDocument/2006/relationships" xmlns:p="http://schemas.openxmlformats.org/presentationml/2006/main">
+  <p:cSld>
+    <p:spTree>
+      <p:nvGrpSpPr>
+        <p:cNvPr id="1" name=""/>
+        <p:cNvGrpSpPr/>
+        <p:nvPr/>
+      </p:nvGrpSpPr>
+      <p:grpSpPr>
+        <a:xfrm>
+          <a:off x="0" y="0"/>
+          <a:ext cx="0" cy="0"/>
+          <a:chOff x="0" y="0"/>
+          <a:chExt cx="0" cy="0"/>
+        </a:xfrm>
+      </p:grpSpPr>
+      <p:sp>
+        <p:nvSpPr>
+          <p:cNvPr id="2" name="1 Título"/>
+          <p:cNvSpPr>
+            <a:spLocks noGrp="1"/>
+          </p:cNvSpPr>
+          <p:nvPr>
+            <p:ph type="title"/>
+          </p:nvPr>
+        </p:nvSpPr>
+        <p:spPr/>
+        <p:txBody>
+          <a:bodyPr/>
+          <a:lstStyle/>
+          <a:p>
+            <a:r>
+              <a:rPr lang="en-US" dirty="0" smtClean="0"/>
+              <a:t>RING-8 antisense 3’UTR</a:t>
+            </a:r>
+            <a:endParaRPr lang="en-US" dirty="0"/>
+          </a:p>
+        </p:txBody>
+      </p:sp>
+      <p:pic>
+        <p:nvPicPr>
+          <p:cNvPr id="2050" name="Picture 2"/>
+          <p:cNvPicPr>
+            <a:picLocks noChangeAspect="1" noChangeArrowheads="1"/>
+          </p:cNvPicPr>
+          <p:nvPr/>
+        </p:nvPicPr>
+        <p:blipFill>
+          <a:blip r:embed="rId2">
+            <a:extLst>
+              <a:ext uri="{28A0092B-C50C-407E-A947-70E740481C1C}">
+                <a14:useLocalDpi xmlns:a14="http://schemas.microsoft.com/office/drawing/2010/main" val="0"/>
+              </a:ext>
+            </a:extLst>
+          </a:blip>
+          <a:srcRect/>
+          <a:stretch>
+            <a:fillRect/>
+          </a:stretch>
+        </p:blipFill>
+        <p:spPr bwMode="auto">
+          <a:xfrm>
+            <a:off x="971600" y="1700808"/>
+            <a:ext cx="6486367" cy="3141911"/>
+          </a:xfrm>
+          <a:prstGeom prst="rect">
+            <a:avLst/>
+          </a:prstGeom>
+          <a:noFill/>
+          <a:ln>
+            <a:noFill/>
+          </a:ln>
+          <a:effectLst/>
+          <a:extLst>
+            <a:ext uri="{909E8E84-426E-40DD-AFC4-6F175D3DCCD1}">
+              <a14:hiddenFill xmlns:a14="http://schemas.microsoft.com/office/drawing/2010/main">
+                <a:solidFill>
+                  <a:schemeClr val="accent1"/>
+                </a:solidFill>
+              </a14:hiddenFill>
+            </a:ext>
+            <a:ext uri="{91240B29-F687-4F45-9708-019B960494DF}">
+              <a14:hiddenLine xmlns:a14="http://schemas.microsoft.com/office/drawing/2010/main" w="9525">
+                <a:solidFill>
+                  <a:schemeClr val="tx1"/>
+                </a:solidFill>
+                <a:miter lim="800000"/>
+                <a:headEnd/>
+                <a:tailEnd/>
+              </a14:hiddenLine>
+            </a:ext>
+            <a:ext uri="{AF507438-7753-43E0-B8FC-AC1667EBCBE1}">
+              <a14:hiddenEffects xmlns:a14="http://schemas.microsoft.com/office/drawing/2010/main">
+                <a:effectLst>
+                  <a:outerShdw dist="35921" dir="2700000" algn="ctr" rotWithShape="0">
+                    <a:schemeClr val="bg2"/>
+                  </a:outerShdw>
+                </a:effectLst>
+              </a14:hiddenEffects>
+            </a:ext>
+          </a:extLst>
+        </p:spPr>
+      </p:pic>
+      <p:sp>
+        <p:nvSpPr>
+          <p:cNvPr id="4" name="3 Rectángulo"/>
+          <p:cNvSpPr/>
+          <p:nvPr/>
+        </p:nvSpPr>
+        <p:spPr>
+          <a:xfrm>
+            <a:off x="3251991" y="5301208"/>
+            <a:ext cx="2640018" cy="369332"/>
+          </a:xfrm>
+          <a:prstGeom prst="rect">
+            <a:avLst/>
+          </a:prstGeom>
+        </p:spPr>
+        <p:txBody>
+          <a:bodyPr wrap="none">
+            <a:spAutoFit/>
+          </a:bodyPr>
+          <a:lstStyle/>
+          <a:p>
+            <a:r>
+              <a:rPr lang="en-US" dirty="0"/>
+              <a:t>GGCACACTTCGATTGGGAA</a:t>
+            </a:r>
+          </a:p>
+        </p:txBody>
+      </p:sp>
+    </p:spTree>
+    <p:extLst>
+      <p:ext uri="{BB962C8B-B14F-4D97-AF65-F5344CB8AC3E}">
+        <p14:creationId xmlns:p14="http://schemas.microsoft.com/office/powerpoint/2010/main" val="84398755"/>
+      </p:ext>
+    </p:extLst>
+  </p:cSld>
+  <p:clrMapOvr>
+    <a:masterClrMapping/>
+  </p:clrMapOvr>
+</p:sld>
+</file>
+
+<file path=ppt/slides/slide55.xml><?xml version="1.0" encoding="utf-8"?>
+<p:sld xmlns:a="http://schemas.openxmlformats.org/drawingml/2006/main" xmlns:r="http://schemas.openxmlformats.org/officeDocument/2006/relationships" xmlns:p="http://schemas.openxmlformats.org/presentationml/2006/main">
+  <p:cSld>
+    <p:spTree>
+      <p:nvGrpSpPr>
+        <p:cNvPr id="1" name=""/>
+        <p:cNvGrpSpPr/>
+        <p:nvPr/>
+      </p:nvGrpSpPr>
+      <p:grpSpPr>
+        <a:xfrm>
+          <a:off x="0" y="0"/>
+          <a:ext cx="0" cy="0"/>
+          <a:chOff x="0" y="0"/>
+          <a:chExt cx="0" cy="0"/>
+        </a:xfrm>
+      </p:grpSpPr>
+      <p:sp>
+        <p:nvSpPr>
+          <p:cNvPr id="2" name="1 Título"/>
+          <p:cNvSpPr>
+            <a:spLocks noGrp="1"/>
+          </p:cNvSpPr>
+          <p:nvPr>
+            <p:ph type="title"/>
+          </p:nvPr>
+        </p:nvSpPr>
+        <p:spPr/>
+        <p:txBody>
+          <a:bodyPr/>
+          <a:lstStyle/>
+          <a:p>
+            <a:r>
+              <a:rPr lang="en-US" dirty="0" smtClean="0"/>
+              <a:t>Unknown virulence gene - TRF</a:t>
+            </a:r>
+            <a:endParaRPr lang="en-US" dirty="0"/>
+          </a:p>
+        </p:txBody>
+      </p:sp>
+      <p:pic>
+        <p:nvPicPr>
+          <p:cNvPr id="3074" name="Picture 2"/>
+          <p:cNvPicPr>
+            <a:picLocks noChangeAspect="1" noChangeArrowheads="1"/>
+          </p:cNvPicPr>
+          <p:nvPr/>
+        </p:nvPicPr>
+        <p:blipFill>
+          <a:blip r:embed="rId2">
+            <a:extLst>
+              <a:ext uri="{28A0092B-C50C-407E-A947-70E740481C1C}">
+                <a14:useLocalDpi xmlns:a14="http://schemas.microsoft.com/office/drawing/2010/main" val="0"/>
+              </a:ext>
+            </a:extLst>
+          </a:blip>
+          <a:srcRect/>
+          <a:stretch>
+            <a:fillRect/>
+          </a:stretch>
+        </p:blipFill>
+        <p:spPr bwMode="auto">
+          <a:xfrm>
+            <a:off x="755576" y="1556792"/>
+            <a:ext cx="7488832" cy="3735047"/>
+          </a:xfrm>
+          <a:prstGeom prst="rect">
+            <a:avLst/>
+          </a:prstGeom>
+          <a:noFill/>
+          <a:ln>
+            <a:noFill/>
+          </a:ln>
+          <a:effectLst/>
+          <a:extLst>
+            <a:ext uri="{909E8E84-426E-40DD-AFC4-6F175D3DCCD1}">
+              <a14:hiddenFill xmlns:a14="http://schemas.microsoft.com/office/drawing/2010/main">
+                <a:solidFill>
+                  <a:schemeClr val="accent1"/>
+                </a:solidFill>
+              </a14:hiddenFill>
+            </a:ext>
+            <a:ext uri="{91240B29-F687-4F45-9708-019B960494DF}">
+              <a14:hiddenLine xmlns:a14="http://schemas.microsoft.com/office/drawing/2010/main" w="9525">
+                <a:solidFill>
+                  <a:schemeClr val="tx1"/>
+                </a:solidFill>
+                <a:miter lim="800000"/>
+                <a:headEnd/>
+                <a:tailEnd/>
+              </a14:hiddenLine>
+            </a:ext>
+            <a:ext uri="{AF507438-7753-43E0-B8FC-AC1667EBCBE1}">
+              <a14:hiddenEffects xmlns:a14="http://schemas.microsoft.com/office/drawing/2010/main">
+                <a:effectLst>
+                  <a:outerShdw dist="35921" dir="2700000" algn="ctr" rotWithShape="0">
+                    <a:schemeClr val="bg2"/>
+                  </a:outerShdw>
+                </a:effectLst>
+              </a14:hiddenEffects>
+            </a:ext>
+          </a:extLst>
+        </p:spPr>
+      </p:pic>
+      <p:sp>
+        <p:nvSpPr>
+          <p:cNvPr id="4" name="3 Rectángulo"/>
+          <p:cNvSpPr/>
+          <p:nvPr/>
+        </p:nvSpPr>
+        <p:spPr>
+          <a:xfrm>
+            <a:off x="3280365" y="5517232"/>
+            <a:ext cx="2613729" cy="369332"/>
+          </a:xfrm>
+          <a:prstGeom prst="rect">
+            <a:avLst/>
+          </a:prstGeom>
+        </p:spPr>
+        <p:txBody>
+          <a:bodyPr wrap="none">
+            <a:spAutoFit/>
+          </a:bodyPr>
+          <a:lstStyle/>
+          <a:p>
+            <a:r>
+              <a:rPr lang="en-US" dirty="0"/>
+              <a:t>TGGACCTGGACCTGGATCA</a:t>
+            </a:r>
+          </a:p>
+        </p:txBody>
+      </p:sp>
+    </p:spTree>
+    <p:extLst>
+      <p:ext uri="{BB962C8B-B14F-4D97-AF65-F5344CB8AC3E}">
+        <p14:creationId xmlns:p14="http://schemas.microsoft.com/office/powerpoint/2010/main" val="4272186654"/>
+      </p:ext>
+    </p:extLst>
+  </p:cSld>
+  <p:clrMapOvr>
+    <a:masterClrMapping/>
+  </p:clrMapOvr>
+</p:sld>
+</file>
+
+<file path=ppt/slides/slide56.xml><?xml version="1.0" encoding="utf-8"?>
+<p:sld xmlns:a="http://schemas.openxmlformats.org/drawingml/2006/main" xmlns:r="http://schemas.openxmlformats.org/officeDocument/2006/relationships" xmlns:p="http://schemas.openxmlformats.org/presentationml/2006/main">
+  <p:cSld>
+    <p:spTree>
+      <p:nvGrpSpPr>
+        <p:cNvPr id="1" name=""/>
+        <p:cNvGrpSpPr/>
+        <p:nvPr/>
+      </p:nvGrpSpPr>
+      <p:grpSpPr>
+        <a:xfrm>
+          <a:off x="0" y="0"/>
+          <a:ext cx="0" cy="0"/>
+          <a:chOff x="0" y="0"/>
+          <a:chExt cx="0" cy="0"/>
+        </a:xfrm>
+      </p:grpSpPr>
+      <p:sp>
+        <p:nvSpPr>
+          <p:cNvPr id="2" name="1 Título"/>
+          <p:cNvSpPr>
+            <a:spLocks noGrp="1"/>
+          </p:cNvSpPr>
+          <p:nvPr>
+            <p:ph type="title"/>
+          </p:nvPr>
+        </p:nvSpPr>
+        <p:spPr/>
+        <p:txBody>
           <a:bodyPr>
             <a:normAutofit fontScale="90000"/>
           </a:bodyPr>
@@ -52766,7 +53847,7 @@
 </p:sld>
 </file>
 
-<file path=ppt/slides/slide54.xml><?xml version="1.0" encoding="utf-8"?>
+<file path=ppt/slides/slide57.xml><?xml version="1.0" encoding="utf-8"?>
 <p:sld xmlns:a="http://schemas.openxmlformats.org/drawingml/2006/main" xmlns:r="http://schemas.openxmlformats.org/officeDocument/2006/relationships" xmlns:p="http://schemas.openxmlformats.org/presentationml/2006/main">
   <p:cSld>
     <p:spTree>
@@ -52948,7 +54029,7 @@
 </p:sld>
 </file>
 
-<file path=ppt/slides/slide55.xml><?xml version="1.0" encoding="utf-8"?>
+<file path=ppt/slides/slide58.xml><?xml version="1.0" encoding="utf-8"?>
 <p:sld xmlns:a="http://schemas.openxmlformats.org/drawingml/2006/main" xmlns:r="http://schemas.openxmlformats.org/officeDocument/2006/relationships" xmlns:p="http://schemas.openxmlformats.org/presentationml/2006/main">
   <p:cSld>
     <p:spTree>
@@ -52982,452 +54063,7 @@
           <a:p>
             <a:r>
               <a:rPr lang="en-US" dirty="0" smtClean="0"/>
-              <a:t>GRH retro</a:t>
-            </a:r>
-            <a:endParaRPr lang="en-US" dirty="0"/>
-          </a:p>
-        </p:txBody>
-      </p:sp>
-      <p:pic>
-        <p:nvPicPr>
-          <p:cNvPr id="1027" name="Picture 3"/>
-          <p:cNvPicPr>
-            <a:picLocks noChangeAspect="1" noChangeArrowheads="1"/>
-          </p:cNvPicPr>
-          <p:nvPr/>
-        </p:nvPicPr>
-        <p:blipFill>
-          <a:blip r:embed="rId2" cstate="print">
-            <a:extLst>
-              <a:ext uri="{28A0092B-C50C-407E-A947-70E740481C1C}">
-                <a14:useLocalDpi xmlns:a14="http://schemas.microsoft.com/office/drawing/2010/main" val="0"/>
-              </a:ext>
-            </a:extLst>
-          </a:blip>
-          <a:srcRect/>
-          <a:stretch>
-            <a:fillRect/>
-          </a:stretch>
-        </p:blipFill>
-        <p:spPr bwMode="auto">
-          <a:xfrm>
-            <a:off x="3000396" y="1700808"/>
-            <a:ext cx="3011764" cy="2232248"/>
-          </a:xfrm>
-          <a:prstGeom prst="rect">
-            <a:avLst/>
-          </a:prstGeom>
-          <a:noFill/>
-          <a:ln>
-            <a:noFill/>
-          </a:ln>
-          <a:effectLst/>
-          <a:extLst>
-            <a:ext uri="{909E8E84-426E-40DD-AFC4-6F175D3DCCD1}">
-              <a14:hiddenFill xmlns:a14="http://schemas.microsoft.com/office/drawing/2010/main">
-                <a:solidFill>
-                  <a:schemeClr val="accent1"/>
-                </a:solidFill>
-              </a14:hiddenFill>
-            </a:ext>
-            <a:ext uri="{91240B29-F687-4F45-9708-019B960494DF}">
-              <a14:hiddenLine xmlns:a14="http://schemas.microsoft.com/office/drawing/2010/main" w="9525">
-                <a:solidFill>
-                  <a:schemeClr val="tx1"/>
-                </a:solidFill>
-                <a:miter lim="800000"/>
-                <a:headEnd/>
-                <a:tailEnd/>
-              </a14:hiddenLine>
-            </a:ext>
-            <a:ext uri="{AF507438-7753-43E0-B8FC-AC1667EBCBE1}">
-              <a14:hiddenEffects xmlns:a14="http://schemas.microsoft.com/office/drawing/2010/main">
-                <a:effectLst>
-                  <a:outerShdw dist="35921" dir="2700000" algn="ctr" rotWithShape="0">
-                    <a:schemeClr val="bg2"/>
-                  </a:outerShdw>
-                </a:effectLst>
-              </a14:hiddenEffects>
-            </a:ext>
-          </a:extLst>
-        </p:spPr>
-      </p:pic>
-      <p:pic>
-        <p:nvPicPr>
-          <p:cNvPr id="1028" name="Picture 4"/>
-          <p:cNvPicPr>
-            <a:picLocks noChangeAspect="1" noChangeArrowheads="1"/>
-          </p:cNvPicPr>
-          <p:nvPr/>
-        </p:nvPicPr>
-        <p:blipFill>
-          <a:blip r:embed="rId3" cstate="print">
-            <a:extLst>
-              <a:ext uri="{28A0092B-C50C-407E-A947-70E740481C1C}">
-                <a14:useLocalDpi xmlns:a14="http://schemas.microsoft.com/office/drawing/2010/main" val="0"/>
-              </a:ext>
-            </a:extLst>
-          </a:blip>
-          <a:srcRect/>
-          <a:stretch>
-            <a:fillRect/>
-          </a:stretch>
-        </p:blipFill>
-        <p:spPr bwMode="auto">
-          <a:xfrm>
-            <a:off x="4327" y="1700808"/>
-            <a:ext cx="3004113" cy="2220094"/>
-          </a:xfrm>
-          <a:prstGeom prst="rect">
-            <a:avLst/>
-          </a:prstGeom>
-          <a:noFill/>
-          <a:ln>
-            <a:noFill/>
-          </a:ln>
-          <a:effectLst/>
-          <a:extLst>
-            <a:ext uri="{909E8E84-426E-40DD-AFC4-6F175D3DCCD1}">
-              <a14:hiddenFill xmlns:a14="http://schemas.microsoft.com/office/drawing/2010/main">
-                <a:solidFill>
-                  <a:schemeClr val="accent1"/>
-                </a:solidFill>
-              </a14:hiddenFill>
-            </a:ext>
-            <a:ext uri="{91240B29-F687-4F45-9708-019B960494DF}">
-              <a14:hiddenLine xmlns:a14="http://schemas.microsoft.com/office/drawing/2010/main" w="9525">
-                <a:solidFill>
-                  <a:schemeClr val="tx1"/>
-                </a:solidFill>
-                <a:miter lim="800000"/>
-                <a:headEnd/>
-                <a:tailEnd/>
-              </a14:hiddenLine>
-            </a:ext>
-            <a:ext uri="{AF507438-7753-43E0-B8FC-AC1667EBCBE1}">
-              <a14:hiddenEffects xmlns:a14="http://schemas.microsoft.com/office/drawing/2010/main">
-                <a:effectLst>
-                  <a:outerShdw dist="35921" dir="2700000" algn="ctr" rotWithShape="0">
-                    <a:schemeClr val="bg2"/>
-                  </a:outerShdw>
-                </a:effectLst>
-              </a14:hiddenEffects>
-            </a:ext>
-          </a:extLst>
-        </p:spPr>
-      </p:pic>
-      <p:pic>
-        <p:nvPicPr>
-          <p:cNvPr id="1029" name="Picture 5"/>
-          <p:cNvPicPr>
-            <a:picLocks noChangeAspect="1" noChangeArrowheads="1"/>
-          </p:cNvPicPr>
-          <p:nvPr/>
-        </p:nvPicPr>
-        <p:blipFill>
-          <a:blip r:embed="rId4" cstate="print">
-            <a:extLst>
-              <a:ext uri="{28A0092B-C50C-407E-A947-70E740481C1C}">
-                <a14:useLocalDpi xmlns:a14="http://schemas.microsoft.com/office/drawing/2010/main" val="0"/>
-              </a:ext>
-            </a:extLst>
-          </a:blip>
-          <a:srcRect/>
-          <a:stretch>
-            <a:fillRect/>
-          </a:stretch>
-        </p:blipFill>
-        <p:spPr bwMode="auto">
-          <a:xfrm>
-            <a:off x="6156176" y="1700808"/>
-            <a:ext cx="2802363" cy="2048725"/>
-          </a:xfrm>
-          <a:prstGeom prst="rect">
-            <a:avLst/>
-          </a:prstGeom>
-          <a:noFill/>
-          <a:ln>
-            <a:noFill/>
-          </a:ln>
-          <a:effectLst/>
-          <a:extLst>
-            <a:ext uri="{909E8E84-426E-40DD-AFC4-6F175D3DCCD1}">
-              <a14:hiddenFill xmlns:a14="http://schemas.microsoft.com/office/drawing/2010/main">
-                <a:solidFill>
-                  <a:schemeClr val="accent1"/>
-                </a:solidFill>
-              </a14:hiddenFill>
-            </a:ext>
-            <a:ext uri="{91240B29-F687-4F45-9708-019B960494DF}">
-              <a14:hiddenLine xmlns:a14="http://schemas.microsoft.com/office/drawing/2010/main" w="9525">
-                <a:solidFill>
-                  <a:schemeClr val="tx1"/>
-                </a:solidFill>
-                <a:miter lim="800000"/>
-                <a:headEnd/>
-                <a:tailEnd/>
-              </a14:hiddenLine>
-            </a:ext>
-            <a:ext uri="{AF507438-7753-43E0-B8FC-AC1667EBCBE1}">
-              <a14:hiddenEffects xmlns:a14="http://schemas.microsoft.com/office/drawing/2010/main">
-                <a:effectLst>
-                  <a:outerShdw dist="35921" dir="2700000" algn="ctr" rotWithShape="0">
-                    <a:schemeClr val="bg2"/>
-                  </a:outerShdw>
-                </a:effectLst>
-              </a14:hiddenEffects>
-            </a:ext>
-          </a:extLst>
-        </p:spPr>
-      </p:pic>
-      <p:pic>
-        <p:nvPicPr>
-          <p:cNvPr id="1030" name="Picture 6"/>
-          <p:cNvPicPr>
-            <a:picLocks noChangeAspect="1" noChangeArrowheads="1"/>
-          </p:cNvPicPr>
-          <p:nvPr/>
-        </p:nvPicPr>
-        <p:blipFill>
-          <a:blip r:embed="rId5" cstate="print">
-            <a:extLst>
-              <a:ext uri="{28A0092B-C50C-407E-A947-70E740481C1C}">
-                <a14:useLocalDpi xmlns:a14="http://schemas.microsoft.com/office/drawing/2010/main" val="0"/>
-              </a:ext>
-            </a:extLst>
-          </a:blip>
-          <a:srcRect/>
-          <a:stretch>
-            <a:fillRect/>
-          </a:stretch>
-        </p:blipFill>
-        <p:spPr bwMode="auto">
-          <a:xfrm>
-            <a:off x="107504" y="4236031"/>
-            <a:ext cx="2989907" cy="2157032"/>
-          </a:xfrm>
-          <a:prstGeom prst="rect">
-            <a:avLst/>
-          </a:prstGeom>
-          <a:noFill/>
-          <a:ln>
-            <a:noFill/>
-          </a:ln>
-          <a:effectLst/>
-          <a:extLst>
-            <a:ext uri="{909E8E84-426E-40DD-AFC4-6F175D3DCCD1}">
-              <a14:hiddenFill xmlns:a14="http://schemas.microsoft.com/office/drawing/2010/main">
-                <a:solidFill>
-                  <a:schemeClr val="accent1"/>
-                </a:solidFill>
-              </a14:hiddenFill>
-            </a:ext>
-            <a:ext uri="{91240B29-F687-4F45-9708-019B960494DF}">
-              <a14:hiddenLine xmlns:a14="http://schemas.microsoft.com/office/drawing/2010/main" w="9525">
-                <a:solidFill>
-                  <a:schemeClr val="tx1"/>
-                </a:solidFill>
-                <a:miter lim="800000"/>
-                <a:headEnd/>
-                <a:tailEnd/>
-              </a14:hiddenLine>
-            </a:ext>
-            <a:ext uri="{AF507438-7753-43E0-B8FC-AC1667EBCBE1}">
-              <a14:hiddenEffects xmlns:a14="http://schemas.microsoft.com/office/drawing/2010/main">
-                <a:effectLst>
-                  <a:outerShdw dist="35921" dir="2700000" algn="ctr" rotWithShape="0">
-                    <a:schemeClr val="bg2"/>
-                  </a:outerShdw>
-                </a:effectLst>
-              </a14:hiddenEffects>
-            </a:ext>
-          </a:extLst>
-        </p:spPr>
-      </p:pic>
-      <p:pic>
-        <p:nvPicPr>
-          <p:cNvPr id="1031" name="Picture 7"/>
-          <p:cNvPicPr>
-            <a:picLocks noChangeAspect="1" noChangeArrowheads="1"/>
-          </p:cNvPicPr>
-          <p:nvPr/>
-        </p:nvPicPr>
-        <p:blipFill>
-          <a:blip r:embed="rId6" cstate="print">
-            <a:extLst>
-              <a:ext uri="{28A0092B-C50C-407E-A947-70E740481C1C}">
-                <a14:useLocalDpi xmlns:a14="http://schemas.microsoft.com/office/drawing/2010/main" val="0"/>
-              </a:ext>
-            </a:extLst>
-          </a:blip>
-          <a:srcRect/>
-          <a:stretch>
-            <a:fillRect/>
-          </a:stretch>
-        </p:blipFill>
-        <p:spPr bwMode="auto">
-          <a:xfrm>
-            <a:off x="6167545" y="4257054"/>
-            <a:ext cx="2903549" cy="2124274"/>
-          </a:xfrm>
-          <a:prstGeom prst="rect">
-            <a:avLst/>
-          </a:prstGeom>
-          <a:noFill/>
-          <a:ln>
-            <a:noFill/>
-          </a:ln>
-          <a:effectLst/>
-          <a:extLst>
-            <a:ext uri="{909E8E84-426E-40DD-AFC4-6F175D3DCCD1}">
-              <a14:hiddenFill xmlns:a14="http://schemas.microsoft.com/office/drawing/2010/main">
-                <a:solidFill>
-                  <a:schemeClr val="accent1"/>
-                </a:solidFill>
-              </a14:hiddenFill>
-            </a:ext>
-            <a:ext uri="{91240B29-F687-4F45-9708-019B960494DF}">
-              <a14:hiddenLine xmlns:a14="http://schemas.microsoft.com/office/drawing/2010/main" w="9525">
-                <a:solidFill>
-                  <a:schemeClr val="tx1"/>
-                </a:solidFill>
-                <a:miter lim="800000"/>
-                <a:headEnd/>
-                <a:tailEnd/>
-              </a14:hiddenLine>
-            </a:ext>
-            <a:ext uri="{AF507438-7753-43E0-B8FC-AC1667EBCBE1}">
-              <a14:hiddenEffects xmlns:a14="http://schemas.microsoft.com/office/drawing/2010/main">
-                <a:effectLst>
-                  <a:outerShdw dist="35921" dir="2700000" algn="ctr" rotWithShape="0">
-                    <a:schemeClr val="bg2"/>
-                  </a:outerShdw>
-                </a:effectLst>
-              </a14:hiddenEffects>
-            </a:ext>
-          </a:extLst>
-        </p:spPr>
-      </p:pic>
-      <p:pic>
-        <p:nvPicPr>
-          <p:cNvPr id="1032" name="Picture 8"/>
-          <p:cNvPicPr>
-            <a:picLocks noChangeAspect="1" noChangeArrowheads="1"/>
-          </p:cNvPicPr>
-          <p:nvPr/>
-        </p:nvPicPr>
-        <p:blipFill>
-          <a:blip r:embed="rId7" cstate="print">
-            <a:extLst>
-              <a:ext uri="{28A0092B-C50C-407E-A947-70E740481C1C}">
-                <a14:useLocalDpi xmlns:a14="http://schemas.microsoft.com/office/drawing/2010/main" val="0"/>
-              </a:ext>
-            </a:extLst>
-          </a:blip>
-          <a:srcRect/>
-          <a:stretch>
-            <a:fillRect/>
-          </a:stretch>
-        </p:blipFill>
-        <p:spPr bwMode="auto">
-          <a:xfrm>
-            <a:off x="3144550" y="4354554"/>
-            <a:ext cx="2727836" cy="1929273"/>
-          </a:xfrm>
-          <a:prstGeom prst="rect">
-            <a:avLst/>
-          </a:prstGeom>
-          <a:noFill/>
-          <a:ln>
-            <a:noFill/>
-          </a:ln>
-          <a:effectLst/>
-          <a:extLst>
-            <a:ext uri="{909E8E84-426E-40DD-AFC4-6F175D3DCCD1}">
-              <a14:hiddenFill xmlns:a14="http://schemas.microsoft.com/office/drawing/2010/main">
-                <a:solidFill>
-                  <a:schemeClr val="accent1"/>
-                </a:solidFill>
-              </a14:hiddenFill>
-            </a:ext>
-            <a:ext uri="{91240B29-F687-4F45-9708-019B960494DF}">
-              <a14:hiddenLine xmlns:a14="http://schemas.microsoft.com/office/drawing/2010/main" w="9525">
-                <a:solidFill>
-                  <a:schemeClr val="tx1"/>
-                </a:solidFill>
-                <a:miter lim="800000"/>
-                <a:headEnd/>
-                <a:tailEnd/>
-              </a14:hiddenLine>
-            </a:ext>
-            <a:ext uri="{AF507438-7753-43E0-B8FC-AC1667EBCBE1}">
-              <a14:hiddenEffects xmlns:a14="http://schemas.microsoft.com/office/drawing/2010/main">
-                <a:effectLst>
-                  <a:outerShdw dist="35921" dir="2700000" algn="ctr" rotWithShape="0">
-                    <a:schemeClr val="bg2"/>
-                  </a:outerShdw>
-                </a:effectLst>
-              </a14:hiddenEffects>
-            </a:ext>
-          </a:extLst>
-        </p:spPr>
-      </p:pic>
-    </p:spTree>
-    <p:extLst>
-      <p:ext uri="{BB962C8B-B14F-4D97-AF65-F5344CB8AC3E}">
-        <p14:creationId xmlns:p14="http://schemas.microsoft.com/office/powerpoint/2010/main" val="329599049"/>
-      </p:ext>
-    </p:extLst>
-  </p:cSld>
-  <p:clrMapOvr>
-    <a:masterClrMapping/>
-  </p:clrMapOvr>
-</p:sld>
-</file>
-
-<file path=ppt/slides/slide56.xml><?xml version="1.0" encoding="utf-8"?>
-<p:sld xmlns:a="http://schemas.openxmlformats.org/drawingml/2006/main" xmlns:r="http://schemas.openxmlformats.org/officeDocument/2006/relationships" xmlns:p="http://schemas.openxmlformats.org/presentationml/2006/main">
-  <p:cSld>
-    <p:spTree>
-      <p:nvGrpSpPr>
-        <p:cNvPr id="1" name=""/>
-        <p:cNvGrpSpPr/>
-        <p:nvPr/>
-      </p:nvGrpSpPr>
-      <p:grpSpPr>
-        <a:xfrm>
-          <a:off x="0" y="0"/>
-          <a:ext cx="0" cy="0"/>
-          <a:chOff x="0" y="0"/>
-          <a:chExt cx="0" cy="0"/>
-        </a:xfrm>
-      </p:grpSpPr>
-      <p:sp>
-        <p:nvSpPr>
-          <p:cNvPr id="2" name="1 Título"/>
-          <p:cNvSpPr>
-            <a:spLocks noGrp="1"/>
-          </p:cNvSpPr>
-          <p:nvPr>
-            <p:ph type="title"/>
-          </p:nvPr>
-        </p:nvSpPr>
-        <p:spPr/>
-        <p:txBody>
-          <a:bodyPr/>
-          <a:lstStyle/>
-          <a:p>
-            <a:r>
-              <a:rPr lang="en-US" dirty="0" smtClean="0"/>
-              <a:t>Other </a:t>
-            </a:r>
-            <a:r>
-              <a:rPr lang="en-US" dirty="0" err="1" smtClean="0"/>
-              <a:t>retros</a:t>
-            </a:r>
-            <a:r>
-              <a:rPr lang="en-US" dirty="0" smtClean="0"/>
-              <a:t>?</a:t>
+              <a:t>Transposable elements</a:t>
             </a:r>
             <a:endParaRPr lang="en-US" dirty="0"/>
           </a:p>
@@ -53462,17 +54098,10 @@
           </a:p>
           <a:p>
             <a:r>
-              <a:rPr lang="en-US" dirty="0" err="1" smtClean="0"/>
-              <a:t>Pyret</a:t>
+              <a:rPr lang="en-US" dirty="0" smtClean="0"/>
+              <a:t>INAGO 1/2</a:t>
             </a:r>
             <a:endParaRPr lang="en-US" dirty="0" smtClean="0"/>
-          </a:p>
-          <a:p>
-            <a:r>
-              <a:rPr lang="en-US" dirty="0" smtClean="0"/>
-              <a:t>…</a:t>
-            </a:r>
-            <a:endParaRPr lang="en-US" dirty="0"/>
           </a:p>
         </p:txBody>
       </p:sp>
@@ -53489,7 +54118,7 @@
 </p:sld>
 </file>
 
-<file path=ppt/slides/slide57.xml><?xml version="1.0" encoding="utf-8"?>
+<file path=ppt/slides/slide59.xml><?xml version="1.0" encoding="utf-8"?>
 <p:sld xmlns:a="http://schemas.openxmlformats.org/drawingml/2006/main" xmlns:r="http://schemas.openxmlformats.org/officeDocument/2006/relationships" xmlns:p="http://schemas.openxmlformats.org/presentationml/2006/main">
   <p:cSld>
     <p:spTree>
@@ -53575,7 +54204,141 @@
 </p:sld>
 </file>
 
-<file path=ppt/slides/slide58.xml><?xml version="1.0" encoding="utf-8"?>
+<file path=ppt/slides/slide6.xml><?xml version="1.0" encoding="utf-8"?>
+<p:sld xmlns:a="http://schemas.openxmlformats.org/drawingml/2006/main" xmlns:r="http://schemas.openxmlformats.org/officeDocument/2006/relationships" xmlns:p="http://schemas.openxmlformats.org/presentationml/2006/main">
+  <p:cSld>
+    <p:spTree>
+      <p:nvGrpSpPr>
+        <p:cNvPr id="1" name=""/>
+        <p:cNvGrpSpPr/>
+        <p:nvPr/>
+      </p:nvGrpSpPr>
+      <p:grpSpPr>
+        <a:xfrm>
+          <a:off x="0" y="0"/>
+          <a:ext cx="0" cy="0"/>
+          <a:chOff x="0" y="0"/>
+          <a:chExt cx="0" cy="0"/>
+        </a:xfrm>
+      </p:grpSpPr>
+      <p:sp>
+        <p:nvSpPr>
+          <p:cNvPr id="2" name="Title 1"/>
+          <p:cNvSpPr>
+            <a:spLocks noGrp="1"/>
+          </p:cNvSpPr>
+          <p:nvPr>
+            <p:ph type="title"/>
+          </p:nvPr>
+        </p:nvSpPr>
+        <p:spPr/>
+        <p:txBody>
+          <a:bodyPr>
+            <a:normAutofit/>
+          </a:bodyPr>
+          <a:lstStyle/>
+          <a:p>
+            <a:r>
+              <a:rPr lang="en-US" sz="3200" dirty="0" smtClean="0"/>
+              <a:t>Standard small RNA-</a:t>
+            </a:r>
+            <a:r>
+              <a:rPr lang="en-US" sz="3200" dirty="0" err="1" smtClean="0"/>
+              <a:t>seq</a:t>
+            </a:r>
+            <a:r>
+              <a:rPr lang="en-US" sz="3200" dirty="0" smtClean="0"/>
+              <a:t> adapters have been shown to be biased for certain RNA structures</a:t>
+            </a:r>
+            <a:endParaRPr lang="en-US" sz="3200" dirty="0"/>
+          </a:p>
+        </p:txBody>
+      </p:sp>
+      <p:pic>
+        <p:nvPicPr>
+          <p:cNvPr id="5122" name="Picture 2"/>
+          <p:cNvPicPr>
+            <a:picLocks noChangeAspect="1" noChangeArrowheads="1"/>
+          </p:cNvPicPr>
+          <p:nvPr/>
+        </p:nvPicPr>
+        <p:blipFill>
+          <a:blip r:embed="rId2">
+            <a:extLst>
+              <a:ext uri="{28A0092B-C50C-407E-A947-70E740481C1C}">
+                <a14:useLocalDpi xmlns:a14="http://schemas.microsoft.com/office/drawing/2010/main" val="0"/>
+              </a:ext>
+            </a:extLst>
+          </a:blip>
+          <a:srcRect/>
+          <a:stretch>
+            <a:fillRect/>
+          </a:stretch>
+        </p:blipFill>
+        <p:spPr bwMode="auto">
+          <a:xfrm>
+            <a:off x="1928813" y="2023070"/>
+            <a:ext cx="5286375" cy="4286250"/>
+          </a:xfrm>
+          <a:prstGeom prst="rect">
+            <a:avLst/>
+          </a:prstGeom>
+          <a:noFill/>
+          <a:ln>
+            <a:noFill/>
+          </a:ln>
+          <a:effectLst/>
+          <a:extLst>
+            <a:ext uri="{909E8E84-426E-40DD-AFC4-6F175D3DCCD1}">
+              <a14:hiddenFill xmlns:a14="http://schemas.microsoft.com/office/drawing/2010/main">
+                <a:solidFill>
+                  <a:schemeClr val="accent1"/>
+                </a:solidFill>
+              </a14:hiddenFill>
+            </a:ext>
+            <a:ext uri="{91240B29-F687-4F45-9708-019B960494DF}">
+              <a14:hiddenLine xmlns:a14="http://schemas.microsoft.com/office/drawing/2010/main" w="9525">
+                <a:solidFill>
+                  <a:schemeClr val="tx1"/>
+                </a:solidFill>
+                <a:miter lim="800000"/>
+                <a:headEnd/>
+                <a:tailEnd/>
+              </a14:hiddenLine>
+            </a:ext>
+            <a:ext uri="{AF507438-7753-43E0-B8FC-AC1667EBCBE1}">
+              <a14:hiddenEffects xmlns:a14="http://schemas.microsoft.com/office/drawing/2010/main">
+                <a:effectLst>
+                  <a:outerShdw dist="35921" dir="2700000" algn="ctr" rotWithShape="0">
+                    <a:schemeClr val="bg2"/>
+                  </a:outerShdw>
+                </a:effectLst>
+              </a14:hiddenEffects>
+            </a:ext>
+          </a:extLst>
+        </p:spPr>
+      </p:pic>
+    </p:spTree>
+    <p:extLst>
+      <p:ext uri="{BB962C8B-B14F-4D97-AF65-F5344CB8AC3E}">
+        <p14:creationId xmlns:p14="http://schemas.microsoft.com/office/powerpoint/2010/main" val="989182410"/>
+      </p:ext>
+    </p:extLst>
+  </p:cSld>
+  <p:clrMapOvr>
+    <a:masterClrMapping/>
+  </p:clrMapOvr>
+  <p:timing>
+    <p:tnLst>
+      <p:par>
+        <p:cTn id="1" dur="indefinite" restart="never" nodeType="tmRoot"/>
+      </p:par>
+    </p:tnLst>
+  </p:timing>
+</p:sld>
+</file>
+
+<file path=ppt/slides/slide60.xml><?xml version="1.0" encoding="utf-8"?>
 <p:sld xmlns:a="http://schemas.openxmlformats.org/drawingml/2006/main" xmlns:r="http://schemas.openxmlformats.org/officeDocument/2006/relationships" xmlns:p="http://schemas.openxmlformats.org/presentationml/2006/main">
   <p:cSld>
     <p:spTree>
@@ -53880,7 +54643,11 @@
             <a:pPr algn="ctr"/>
             <a:r>
               <a:rPr lang="en-US" sz="2000" dirty="0" smtClean="0"/>
-              <a:t>At least 12 protein-coding genes </a:t>
+              <a:t>18 protein-coding </a:t>
+            </a:r>
+            <a:r>
+              <a:rPr lang="en-US" sz="2000" dirty="0" smtClean="0"/>
+              <a:t>genes </a:t>
             </a:r>
             <a:endParaRPr lang="en-US" sz="2000" dirty="0"/>
           </a:p>
@@ -54099,7 +54866,7 @@
 </p:sld>
 </file>
 
-<file path=ppt/slides/slide59.xml><?xml version="1.0" encoding="utf-8"?>
+<file path=ppt/slides/slide61.xml><?xml version="1.0" encoding="utf-8"?>
 <p:sld xmlns:a="http://schemas.openxmlformats.org/drawingml/2006/main" xmlns:r="http://schemas.openxmlformats.org/officeDocument/2006/relationships" xmlns:p="http://schemas.openxmlformats.org/presentationml/2006/main">
   <p:cSld>
     <p:spTree>
@@ -54222,141 +54989,7 @@
 </p:sld>
 </file>
 
-<file path=ppt/slides/slide6.xml><?xml version="1.0" encoding="utf-8"?>
-<p:sld xmlns:a="http://schemas.openxmlformats.org/drawingml/2006/main" xmlns:r="http://schemas.openxmlformats.org/officeDocument/2006/relationships" xmlns:p="http://schemas.openxmlformats.org/presentationml/2006/main">
-  <p:cSld>
-    <p:spTree>
-      <p:nvGrpSpPr>
-        <p:cNvPr id="1" name=""/>
-        <p:cNvGrpSpPr/>
-        <p:nvPr/>
-      </p:nvGrpSpPr>
-      <p:grpSpPr>
-        <a:xfrm>
-          <a:off x="0" y="0"/>
-          <a:ext cx="0" cy="0"/>
-          <a:chOff x="0" y="0"/>
-          <a:chExt cx="0" cy="0"/>
-        </a:xfrm>
-      </p:grpSpPr>
-      <p:sp>
-        <p:nvSpPr>
-          <p:cNvPr id="2" name="Title 1"/>
-          <p:cNvSpPr>
-            <a:spLocks noGrp="1"/>
-          </p:cNvSpPr>
-          <p:nvPr>
-            <p:ph type="title"/>
-          </p:nvPr>
-        </p:nvSpPr>
-        <p:spPr/>
-        <p:txBody>
-          <a:bodyPr>
-            <a:normAutofit/>
-          </a:bodyPr>
-          <a:lstStyle/>
-          <a:p>
-            <a:r>
-              <a:rPr lang="en-US" sz="3200" dirty="0" smtClean="0"/>
-              <a:t>Standard small RNA-</a:t>
-            </a:r>
-            <a:r>
-              <a:rPr lang="en-US" sz="3200" dirty="0" err="1" smtClean="0"/>
-              <a:t>seq</a:t>
-            </a:r>
-            <a:r>
-              <a:rPr lang="en-US" sz="3200" dirty="0" smtClean="0"/>
-              <a:t> adapters have been shown to be biased for certain RNA structures</a:t>
-            </a:r>
-            <a:endParaRPr lang="en-US" sz="3200" dirty="0"/>
-          </a:p>
-        </p:txBody>
-      </p:sp>
-      <p:pic>
-        <p:nvPicPr>
-          <p:cNvPr id="5122" name="Picture 2"/>
-          <p:cNvPicPr>
-            <a:picLocks noChangeAspect="1" noChangeArrowheads="1"/>
-          </p:cNvPicPr>
-          <p:nvPr/>
-        </p:nvPicPr>
-        <p:blipFill>
-          <a:blip r:embed="rId2">
-            <a:extLst>
-              <a:ext uri="{28A0092B-C50C-407E-A947-70E740481C1C}">
-                <a14:useLocalDpi xmlns:a14="http://schemas.microsoft.com/office/drawing/2010/main" val="0"/>
-              </a:ext>
-            </a:extLst>
-          </a:blip>
-          <a:srcRect/>
-          <a:stretch>
-            <a:fillRect/>
-          </a:stretch>
-        </p:blipFill>
-        <p:spPr bwMode="auto">
-          <a:xfrm>
-            <a:off x="1928813" y="2023070"/>
-            <a:ext cx="5286375" cy="4286250"/>
-          </a:xfrm>
-          <a:prstGeom prst="rect">
-            <a:avLst/>
-          </a:prstGeom>
-          <a:noFill/>
-          <a:ln>
-            <a:noFill/>
-          </a:ln>
-          <a:effectLst/>
-          <a:extLst>
-            <a:ext uri="{909E8E84-426E-40DD-AFC4-6F175D3DCCD1}">
-              <a14:hiddenFill xmlns:a14="http://schemas.microsoft.com/office/drawing/2010/main">
-                <a:solidFill>
-                  <a:schemeClr val="accent1"/>
-                </a:solidFill>
-              </a14:hiddenFill>
-            </a:ext>
-            <a:ext uri="{91240B29-F687-4F45-9708-019B960494DF}">
-              <a14:hiddenLine xmlns:a14="http://schemas.microsoft.com/office/drawing/2010/main" w="9525">
-                <a:solidFill>
-                  <a:schemeClr val="tx1"/>
-                </a:solidFill>
-                <a:miter lim="800000"/>
-                <a:headEnd/>
-                <a:tailEnd/>
-              </a14:hiddenLine>
-            </a:ext>
-            <a:ext uri="{AF507438-7753-43E0-B8FC-AC1667EBCBE1}">
-              <a14:hiddenEffects xmlns:a14="http://schemas.microsoft.com/office/drawing/2010/main">
-                <a:effectLst>
-                  <a:outerShdw dist="35921" dir="2700000" algn="ctr" rotWithShape="0">
-                    <a:schemeClr val="bg2"/>
-                  </a:outerShdw>
-                </a:effectLst>
-              </a14:hiddenEffects>
-            </a:ext>
-          </a:extLst>
-        </p:spPr>
-      </p:pic>
-    </p:spTree>
-    <p:extLst>
-      <p:ext uri="{BB962C8B-B14F-4D97-AF65-F5344CB8AC3E}">
-        <p14:creationId xmlns:p14="http://schemas.microsoft.com/office/powerpoint/2010/main" val="989182410"/>
-      </p:ext>
-    </p:extLst>
-  </p:cSld>
-  <p:clrMapOvr>
-    <a:masterClrMapping/>
-  </p:clrMapOvr>
-  <p:timing>
-    <p:tnLst>
-      <p:par>
-        <p:cTn id="1" dur="indefinite" restart="never" nodeType="tmRoot"/>
-      </p:par>
-    </p:tnLst>
-  </p:timing>
-</p:sld>
-</file>
-
-<file path=ppt/slides/slide60.xml><?xml version="1.0" encoding="utf-8"?>
+<file path=ppt/slides/slide62.xml><?xml version="1.0" encoding="utf-8"?>
 <p:sld xmlns:a="http://schemas.openxmlformats.org/drawingml/2006/main" xmlns:r="http://schemas.openxmlformats.org/officeDocument/2006/relationships" xmlns:p="http://schemas.openxmlformats.org/presentationml/2006/main">
   <p:cSld>
     <p:spTree>
